--- a/doc/SoftwareDesign/Architecture-SDNSwitch.pptx
+++ b/doc/SoftwareDesign/Architecture-SDNSwitch.pptx
@@ -5,7 +5,7 @@
     <p:sldMasterId id="2147483648" r:id="rId1"/>
   </p:sldMasterIdLst>
   <p:notesMasterIdLst>
-    <p:notesMasterId r:id="rId15"/>
+    <p:notesMasterId r:id="rId14"/>
   </p:notesMasterIdLst>
   <p:sldIdLst>
     <p:sldId id="280" r:id="rId2"/>
@@ -18,9 +18,8 @@
     <p:sldId id="263" r:id="rId9"/>
     <p:sldId id="299" r:id="rId10"/>
     <p:sldId id="302" r:id="rId11"/>
-    <p:sldId id="301" r:id="rId12"/>
-    <p:sldId id="305" r:id="rId13"/>
-    <p:sldId id="303" r:id="rId14"/>
+    <p:sldId id="305" r:id="rId12"/>
+    <p:sldId id="303" r:id="rId13"/>
   </p:sldIdLst>
   <p:sldSz cx="12192000" cy="6858000"/>
   <p:notesSz cx="6858000" cy="9144000"/>
@@ -856,2096 +855,7 @@
           <a:bodyPr/>
           <a:lstStyle/>
           <a:p>
-            <a:r>
-              <a:rPr lang="en-US" altLang="zh-CN" dirty="0" err="1"/>
-              <a:t>VNFaaS</a:t>
-            </a:r>
-            <a:r>
-              <a:rPr lang="en-US" altLang="zh-CN" dirty="0"/>
-              <a:t> - </a:t>
-            </a:r>
-            <a:r>
-              <a:rPr lang="zh-CN" altLang="en-US" dirty="0"/>
-              <a:t>外网用户访问</a:t>
-            </a:r>
-            <a:r>
-              <a:rPr lang="en-US" altLang="zh-CN" dirty="0"/>
-              <a:t>DCN</a:t>
-            </a:r>
-            <a:r>
-              <a:rPr lang="zh-CN" altLang="en-US" dirty="0"/>
-              <a:t>的</a:t>
-            </a:r>
-            <a:r>
-              <a:rPr lang="en-US" altLang="zh-CN" dirty="0"/>
-              <a:t>Website</a:t>
-            </a:r>
-          </a:p>
-          <a:p>
-            <a:endParaRPr lang="en-US" altLang="zh-CN" dirty="0"/>
-          </a:p>
-          <a:p>
-            <a:r>
-              <a:rPr lang="zh-CN" altLang="en-US" dirty="0"/>
-              <a:t>此图为</a:t>
-            </a:r>
-            <a:r>
-              <a:rPr lang="en-US" altLang="zh-CN" dirty="0" err="1"/>
-              <a:t>mininet</a:t>
-            </a:r>
-            <a:r>
-              <a:rPr lang="zh-CN" altLang="en-US" dirty="0"/>
-              <a:t>原型系统设置，所有的</a:t>
-            </a:r>
-            <a:r>
-              <a:rPr lang="en-US" altLang="zh-CN" dirty="0"/>
-              <a:t>KVM bridge</a:t>
-            </a:r>
-            <a:r>
-              <a:rPr lang="zh-CN" altLang="en-US" dirty="0"/>
-              <a:t>可以理解为网线（注意所有和</a:t>
-            </a:r>
-            <a:r>
-              <a:rPr lang="en-US" altLang="zh-CN" dirty="0"/>
-              <a:t>KVM bridge</a:t>
-            </a:r>
-            <a:r>
-              <a:rPr lang="zh-CN" altLang="en-US" dirty="0"/>
-              <a:t>连接的</a:t>
-            </a:r>
-            <a:r>
-              <a:rPr lang="en-US" altLang="zh-CN" dirty="0"/>
-              <a:t>VM</a:t>
-            </a:r>
-            <a:r>
-              <a:rPr lang="zh-CN" altLang="en-US" dirty="0"/>
-              <a:t>需要删除对应</a:t>
-            </a:r>
-            <a:r>
-              <a:rPr lang="en-US" altLang="zh-CN" dirty="0"/>
-              <a:t>bridge</a:t>
-            </a:r>
-            <a:r>
-              <a:rPr lang="zh-CN" altLang="en-US" dirty="0"/>
-              <a:t>的默认</a:t>
-            </a:r>
-            <a:r>
-              <a:rPr lang="en-US" altLang="zh-CN" dirty="0"/>
-              <a:t>route</a:t>
-            </a:r>
-            <a:r>
-              <a:rPr lang="zh-CN" altLang="en-US" dirty="0"/>
-              <a:t>）</a:t>
-            </a:r>
-            <a:endParaRPr lang="en-US" altLang="zh-CN" dirty="0"/>
-          </a:p>
-          <a:p>
-            <a:endParaRPr lang="en-US" altLang="zh-CN" dirty="0"/>
-          </a:p>
-          <a:p>
-            <a:r>
-              <a:rPr lang="en-US" altLang="zh-CN" dirty="0"/>
-              <a:t>Ingress</a:t>
-            </a:r>
-            <a:r>
-              <a:rPr lang="zh-CN" altLang="en-US" dirty="0"/>
-              <a:t>表示</a:t>
-            </a:r>
-            <a:r>
-              <a:rPr lang="en-US" altLang="zh-CN" dirty="0"/>
-              <a:t>peer switch</a:t>
-            </a:r>
-            <a:r>
-              <a:rPr lang="zh-CN" altLang="en-US" dirty="0"/>
-              <a:t>（运行</a:t>
-            </a:r>
-            <a:r>
-              <a:rPr lang="en-US" altLang="zh-CN" dirty="0" err="1"/>
-              <a:t>pktgen</a:t>
-            </a:r>
-            <a:r>
-              <a:rPr lang="zh-CN" altLang="en-US" dirty="0"/>
-              <a:t>）</a:t>
-            </a:r>
-            <a:endParaRPr lang="en-US" altLang="zh-CN" dirty="0"/>
-          </a:p>
-          <a:p>
-            <a:r>
-              <a:rPr lang="zh-CN" altLang="en-US" dirty="0"/>
-              <a:t>生成流量：</a:t>
-            </a:r>
-            <a:r>
-              <a:rPr lang="en-US" altLang="zh-CN" dirty="0" err="1"/>
-              <a:t>src</a:t>
-            </a:r>
-            <a:r>
-              <a:rPr lang="en-US" altLang="zh-CN" dirty="0"/>
-              <a:t> </a:t>
-            </a:r>
-            <a:r>
-              <a:rPr lang="en-US" altLang="zh-CN" dirty="0" err="1"/>
-              <a:t>ip</a:t>
-            </a:r>
-            <a:r>
-              <a:rPr lang="en-US" altLang="zh-CN" dirty="0"/>
-              <a:t> range from 1.1.1.1 to 9.255.255.254</a:t>
-            </a:r>
-            <a:r>
-              <a:rPr lang="zh-CN" altLang="en-US" dirty="0"/>
-              <a:t>， </a:t>
-            </a:r>
-            <a:r>
-              <a:rPr lang="en-US" altLang="zh-CN" dirty="0" err="1"/>
-              <a:t>dst</a:t>
-            </a:r>
-            <a:r>
-              <a:rPr lang="en-US" altLang="zh-CN" dirty="0"/>
-              <a:t> </a:t>
-            </a:r>
-            <a:r>
-              <a:rPr lang="en-US" altLang="zh-CN" dirty="0" err="1"/>
-              <a:t>ip</a:t>
-            </a:r>
-            <a:r>
-              <a:rPr lang="en-US" altLang="zh-CN" dirty="0"/>
-              <a:t> range from 11.1.1.1 to 19.255.255.254</a:t>
-            </a:r>
-          </a:p>
-          <a:p>
-            <a:r>
-              <a:rPr lang="en-US" altLang="zh-CN" dirty="0" err="1"/>
-              <a:t>src</a:t>
-            </a:r>
-            <a:r>
-              <a:rPr lang="en-US" altLang="zh-CN" dirty="0"/>
-              <a:t> mac</a:t>
-            </a:r>
-            <a:r>
-              <a:rPr lang="zh-CN" altLang="en-US" dirty="0"/>
-              <a:t>填写</a:t>
-            </a:r>
-            <a:r>
-              <a:rPr lang="en-US" altLang="zh-CN" dirty="0"/>
-              <a:t>peer switch</a:t>
-            </a:r>
-            <a:r>
-              <a:rPr lang="zh-CN" altLang="en-US" dirty="0"/>
-              <a:t>的</a:t>
-            </a:r>
-            <a:r>
-              <a:rPr lang="en-US" altLang="zh-CN" dirty="0"/>
-              <a:t>MAC</a:t>
-            </a:r>
-            <a:r>
-              <a:rPr lang="zh-CN" altLang="en-US" dirty="0"/>
-              <a:t>，</a:t>
-            </a:r>
-            <a:r>
-              <a:rPr lang="en-US" altLang="zh-CN" dirty="0" err="1"/>
-              <a:t>dst</a:t>
-            </a:r>
-            <a:r>
-              <a:rPr lang="en-US" altLang="zh-CN" dirty="0"/>
-              <a:t> mac</a:t>
-            </a:r>
-            <a:r>
-              <a:rPr lang="zh-CN" altLang="en-US" dirty="0"/>
-              <a:t>填写</a:t>
-            </a:r>
-            <a:r>
-              <a:rPr lang="en-US" altLang="zh-CN" dirty="0"/>
-              <a:t>DCN Gateway</a:t>
-            </a:r>
-            <a:r>
-              <a:rPr lang="zh-CN" altLang="en-US" dirty="0"/>
-              <a:t>的</a:t>
-            </a:r>
-            <a:r>
-              <a:rPr lang="en-US" altLang="zh-CN" dirty="0"/>
-              <a:t>MAC</a:t>
-            </a:r>
-            <a:r>
-              <a:rPr lang="zh-CN" altLang="en-US" dirty="0"/>
-              <a:t>。</a:t>
-            </a:r>
-            <a:endParaRPr lang="en-US" altLang="zh-CN" dirty="0"/>
-          </a:p>
-          <a:p>
-            <a:r>
-              <a:rPr lang="en-US" altLang="zh-CN" dirty="0"/>
-              <a:t>Default gateway</a:t>
-            </a:r>
-            <a:r>
-              <a:rPr lang="zh-CN" altLang="en-US" dirty="0"/>
-              <a:t>选其中一个，如果</a:t>
-            </a:r>
-            <a:r>
-              <a:rPr lang="en-US" altLang="zh-CN" dirty="0"/>
-              <a:t>default gateway</a:t>
-            </a:r>
-            <a:r>
-              <a:rPr lang="zh-CN" altLang="en-US" dirty="0"/>
-              <a:t>故障，发给另一个。</a:t>
-            </a:r>
-            <a:endParaRPr lang="en-US" altLang="zh-CN" dirty="0"/>
-          </a:p>
-          <a:p>
-            <a:endParaRPr lang="en-US" altLang="zh-CN" dirty="0"/>
-          </a:p>
-          <a:p>
-            <a:r>
-              <a:rPr lang="en-US" altLang="zh-CN" dirty="0"/>
-              <a:t>DCN Gateway</a:t>
-            </a:r>
-            <a:r>
-              <a:rPr lang="zh-CN" altLang="en-US" dirty="0"/>
-              <a:t>是一个三层交换机</a:t>
-            </a:r>
-            <a:r>
-              <a:rPr lang="en-US" altLang="zh-CN" dirty="0"/>
-              <a:t>(</a:t>
-            </a:r>
-            <a:r>
-              <a:rPr lang="zh-CN" altLang="en-US" dirty="0"/>
-              <a:t>无状态</a:t>
-            </a:r>
-            <a:r>
-              <a:rPr lang="en-US" altLang="zh-CN" dirty="0"/>
-              <a:t>)</a:t>
-            </a:r>
-          </a:p>
-          <a:p>
-            <a:r>
-              <a:rPr lang="zh-CN" altLang="en-US" dirty="0"/>
-              <a:t>三层交换机的流表规则：</a:t>
-            </a:r>
-            <a:endParaRPr lang="en-US" altLang="zh-CN" dirty="0"/>
-          </a:p>
-          <a:p>
-            <a:pPr marL="0" marR="0" lvl="0" indent="0" algn="l" defTabSz="914400" rtl="0" eaLnBrk="1" fontAlgn="auto" latinLnBrk="0" hangingPunct="1">
-              <a:lnSpc>
-                <a:spcPct val="100000"/>
-              </a:lnSpc>
-              <a:spcBef>
-                <a:spcPts val="0"/>
-              </a:spcBef>
-              <a:spcAft>
-                <a:spcPts val="0"/>
-              </a:spcAft>
-              <a:buClrTx/>
-              <a:buSzTx/>
-              <a:buFontTx/>
-              <a:buNone/>
-              <a:tabLst/>
-              <a:defRPr/>
-            </a:pPr>
-            <a:r>
-              <a:rPr lang="zh-CN" altLang="en-US" dirty="0"/>
-              <a:t>配置</a:t>
-            </a:r>
-            <a:r>
-              <a:rPr lang="en-US" altLang="zh-CN" dirty="0"/>
-              <a:t>L2</a:t>
-            </a:r>
-            <a:r>
-              <a:rPr lang="zh-CN" altLang="en-US" dirty="0"/>
-              <a:t>转发规则：</a:t>
-            </a:r>
-            <a:endParaRPr lang="en-US" altLang="zh-CN" dirty="0"/>
-          </a:p>
-          <a:p>
-            <a:pPr marL="0" marR="0" lvl="0" indent="0" algn="l" defTabSz="914400" rtl="0" eaLnBrk="1" fontAlgn="auto" latinLnBrk="0" hangingPunct="1">
-              <a:lnSpc>
-                <a:spcPct val="100000"/>
-              </a:lnSpc>
-              <a:spcBef>
-                <a:spcPts val="0"/>
-              </a:spcBef>
-              <a:spcAft>
-                <a:spcPts val="0"/>
-              </a:spcAft>
-              <a:buClrTx/>
-              <a:buSzTx/>
-              <a:buFontTx/>
-              <a:buNone/>
-              <a:tabLst/>
-              <a:defRPr/>
-            </a:pPr>
-            <a:r>
-              <a:rPr lang="en-US" altLang="zh-CN" dirty="0"/>
-              <a:t>	</a:t>
-            </a:r>
-            <a:r>
-              <a:rPr lang="zh-CN" altLang="en-US" dirty="0"/>
-              <a:t>如果</a:t>
-            </a:r>
-            <a:r>
-              <a:rPr lang="en-US" altLang="zh-CN" dirty="0" err="1"/>
-              <a:t>dst</a:t>
-            </a:r>
-            <a:r>
-              <a:rPr lang="en-US" altLang="zh-CN" dirty="0"/>
-              <a:t> mac</a:t>
-            </a:r>
-            <a:r>
-              <a:rPr lang="zh-CN" altLang="en-US" dirty="0"/>
-              <a:t>不是这台</a:t>
-            </a:r>
-            <a:r>
-              <a:rPr lang="en-US" altLang="zh-CN" dirty="0"/>
-              <a:t>L3 switch </a:t>
-            </a:r>
-            <a:r>
-              <a:rPr lang="en-US" altLang="zh-CN" dirty="0" err="1"/>
-              <a:t>nic</a:t>
-            </a:r>
-            <a:r>
-              <a:rPr lang="en-US" altLang="zh-CN" dirty="0"/>
-              <a:t> mac</a:t>
-            </a:r>
-            <a:r>
-              <a:rPr lang="zh-CN" altLang="en-US" dirty="0"/>
-              <a:t>（包括广播帧）：转发</a:t>
-            </a:r>
-            <a:r>
-              <a:rPr lang="en-US" altLang="zh-CN" dirty="0"/>
-              <a:t>frame</a:t>
-            </a:r>
-            <a:r>
-              <a:rPr lang="zh-CN" altLang="en-US" dirty="0"/>
-              <a:t>。（有一个</a:t>
-            </a:r>
-            <a:r>
-              <a:rPr lang="en-US" altLang="zh-CN" dirty="0"/>
-              <a:t>Ryu app</a:t>
-            </a:r>
-            <a:r>
-              <a:rPr lang="zh-CN" altLang="en-US" dirty="0"/>
-              <a:t>运行</a:t>
-            </a:r>
-            <a:r>
-              <a:rPr lang="en-US" altLang="zh-CN" dirty="0" err="1"/>
-              <a:t>spt</a:t>
-            </a:r>
-            <a:r>
-              <a:rPr lang="zh-CN" altLang="en-US" dirty="0"/>
-              <a:t>协议）</a:t>
-            </a:r>
-            <a:endParaRPr lang="en-US" altLang="zh-CN" dirty="0"/>
-          </a:p>
-          <a:p>
-            <a:r>
-              <a:rPr lang="zh-CN" altLang="en-US" dirty="0"/>
-              <a:t>配置</a:t>
-            </a:r>
-            <a:r>
-              <a:rPr lang="en-US" altLang="zh-CN" dirty="0"/>
-              <a:t>L3</a:t>
-            </a:r>
-            <a:r>
-              <a:rPr lang="zh-CN" altLang="en-US" dirty="0"/>
-              <a:t>路由规则：</a:t>
-            </a:r>
-            <a:endParaRPr lang="en-US" altLang="zh-CN" dirty="0"/>
-          </a:p>
-          <a:p>
-            <a:r>
-              <a:rPr lang="en-US" altLang="zh-CN" dirty="0"/>
-              <a:t>	</a:t>
-            </a:r>
-            <a:r>
-              <a:rPr lang="zh-CN" altLang="en-US" dirty="0"/>
-              <a:t>如果</a:t>
-            </a:r>
-            <a:r>
-              <a:rPr lang="en-US" altLang="zh-CN" dirty="0" err="1"/>
-              <a:t>dst</a:t>
-            </a:r>
-            <a:r>
-              <a:rPr lang="en-US" altLang="zh-CN" dirty="0"/>
-              <a:t> mac</a:t>
-            </a:r>
-            <a:r>
-              <a:rPr lang="zh-CN" altLang="en-US" dirty="0"/>
-              <a:t>是这台</a:t>
-            </a:r>
-            <a:r>
-              <a:rPr lang="en-US" altLang="zh-CN" dirty="0"/>
-              <a:t>L3 switch </a:t>
-            </a:r>
-            <a:r>
-              <a:rPr lang="en-US" altLang="zh-CN" dirty="0" err="1"/>
-              <a:t>nic</a:t>
-            </a:r>
-            <a:r>
-              <a:rPr lang="en-US" altLang="zh-CN" dirty="0"/>
-              <a:t> mac</a:t>
-            </a:r>
-            <a:r>
-              <a:rPr lang="zh-CN" altLang="en-US" dirty="0"/>
-              <a:t>：把所有从</a:t>
-            </a:r>
-            <a:r>
-              <a:rPr lang="en-US" altLang="zh-CN" dirty="0"/>
-              <a:t>Inbound port</a:t>
-            </a:r>
-            <a:r>
-              <a:rPr lang="zh-CN" altLang="en-US" dirty="0"/>
-              <a:t>输入的</a:t>
-            </a:r>
-            <a:r>
-              <a:rPr lang="en-US" altLang="zh-CN" dirty="0"/>
-              <a:t>Inbound traffic</a:t>
-            </a:r>
-            <a:r>
-              <a:rPr lang="zh-CN" altLang="en-US" dirty="0"/>
-              <a:t>路由给</a:t>
-            </a:r>
-            <a:r>
-              <a:rPr lang="en-US" altLang="zh-CN" dirty="0"/>
-              <a:t>Classifier</a:t>
-            </a:r>
-            <a:r>
-              <a:rPr lang="zh-CN" altLang="en-US" dirty="0"/>
-              <a:t>（修改</a:t>
-            </a:r>
-            <a:r>
-              <a:rPr lang="en-US" altLang="zh-CN" dirty="0" err="1"/>
-              <a:t>src</a:t>
-            </a:r>
-            <a:r>
-              <a:rPr lang="en-US" altLang="zh-CN" dirty="0"/>
-              <a:t> mac to DCN Gateway</a:t>
-            </a:r>
-            <a:r>
-              <a:rPr lang="zh-CN" altLang="en-US" dirty="0"/>
-              <a:t>，</a:t>
-            </a:r>
-            <a:r>
-              <a:rPr lang="en-US" altLang="zh-CN" dirty="0" err="1"/>
-              <a:t>dst</a:t>
-            </a:r>
-            <a:r>
-              <a:rPr lang="en-US" altLang="zh-CN" dirty="0"/>
-              <a:t> mac to classifier</a:t>
-            </a:r>
-            <a:r>
-              <a:rPr lang="zh-CN" altLang="en-US" dirty="0"/>
-              <a:t>）；（有一个</a:t>
-            </a:r>
-            <a:r>
-              <a:rPr lang="en-US" altLang="zh-CN" dirty="0" err="1"/>
-              <a:t>ryu</a:t>
-            </a:r>
-            <a:r>
-              <a:rPr lang="en-US" altLang="zh-CN" dirty="0"/>
-              <a:t> app</a:t>
-            </a:r>
-            <a:r>
-              <a:rPr lang="zh-CN" altLang="en-US" dirty="0"/>
-              <a:t>运行静态规则下发）</a:t>
-            </a:r>
-            <a:endParaRPr lang="en-US" altLang="zh-CN" dirty="0"/>
-          </a:p>
-          <a:p>
-            <a:r>
-              <a:rPr lang="en-US" altLang="zh-CN" dirty="0"/>
-              <a:t>	</a:t>
-            </a:r>
-            <a:r>
-              <a:rPr lang="zh-CN" altLang="en-US" dirty="0"/>
-              <a:t>如果</a:t>
-            </a:r>
-            <a:r>
-              <a:rPr lang="en-US" altLang="zh-CN" dirty="0" err="1"/>
-              <a:t>dst</a:t>
-            </a:r>
-            <a:r>
-              <a:rPr lang="en-US" altLang="zh-CN" dirty="0"/>
-              <a:t> </a:t>
-            </a:r>
-            <a:r>
-              <a:rPr lang="en-US" altLang="zh-CN" dirty="0" err="1"/>
-              <a:t>ip</a:t>
-            </a:r>
-            <a:r>
-              <a:rPr lang="zh-CN" altLang="en-US" dirty="0"/>
-              <a:t>是外网的发给</a:t>
-            </a:r>
-            <a:r>
-              <a:rPr lang="en-US" altLang="zh-CN" dirty="0"/>
-              <a:t>Ingress</a:t>
-            </a:r>
-            <a:r>
-              <a:rPr lang="zh-CN" altLang="en-US" dirty="0"/>
-              <a:t>；（有一个</a:t>
-            </a:r>
-            <a:r>
-              <a:rPr lang="en-US" altLang="zh-CN" dirty="0"/>
-              <a:t>Ryu app</a:t>
-            </a:r>
-            <a:r>
-              <a:rPr lang="zh-CN" altLang="en-US" dirty="0"/>
-              <a:t>计算以</a:t>
-            </a:r>
-            <a:r>
-              <a:rPr lang="en-US" altLang="zh-CN" dirty="0"/>
-              <a:t>gateway1</a:t>
-            </a:r>
-            <a:r>
-              <a:rPr lang="zh-CN" altLang="en-US" dirty="0"/>
-              <a:t>或者</a:t>
-            </a:r>
-            <a:r>
-              <a:rPr lang="en-US" altLang="zh-CN" dirty="0"/>
-              <a:t>2</a:t>
-            </a:r>
-            <a:r>
-              <a:rPr lang="zh-CN" altLang="en-US" dirty="0"/>
-              <a:t>为</a:t>
-            </a:r>
-            <a:r>
-              <a:rPr lang="en-US" altLang="zh-CN" dirty="0"/>
-              <a:t>root</a:t>
-            </a:r>
-            <a:r>
-              <a:rPr lang="zh-CN" altLang="en-US" dirty="0"/>
-              <a:t>的转发树，发生</a:t>
-            </a:r>
-            <a:r>
-              <a:rPr lang="en-US" altLang="zh-CN" dirty="0"/>
-              <a:t>network</a:t>
-            </a:r>
-            <a:r>
-              <a:rPr lang="zh-CN" altLang="en-US" dirty="0"/>
-              <a:t>故障需要重新计算）</a:t>
-            </a:r>
-            <a:endParaRPr lang="en-US" altLang="zh-CN" dirty="0"/>
-          </a:p>
-          <a:p>
-            <a:r>
-              <a:rPr lang="en-US" altLang="zh-CN" dirty="0"/>
-              <a:t>	</a:t>
-            </a:r>
-            <a:r>
-              <a:rPr lang="zh-CN" altLang="en-US" dirty="0"/>
-              <a:t>如果</a:t>
-            </a:r>
-            <a:r>
-              <a:rPr lang="en-US" altLang="zh-CN" dirty="0" err="1"/>
-              <a:t>dst</a:t>
-            </a:r>
-            <a:r>
-              <a:rPr lang="en-US" altLang="zh-CN" dirty="0"/>
-              <a:t> </a:t>
-            </a:r>
-            <a:r>
-              <a:rPr lang="en-US" altLang="zh-CN" dirty="0" err="1"/>
-              <a:t>ip</a:t>
-            </a:r>
-            <a:r>
-              <a:rPr lang="zh-CN" altLang="en-US" dirty="0"/>
-              <a:t>是内网</a:t>
-            </a:r>
-            <a:r>
-              <a:rPr lang="en-US" altLang="zh-CN" dirty="0"/>
-              <a:t>192.168.121.0/24</a:t>
-            </a:r>
-            <a:r>
-              <a:rPr lang="zh-CN" altLang="en-US" dirty="0"/>
-              <a:t>的就丢弃（不负责</a:t>
-            </a:r>
-            <a:r>
-              <a:rPr lang="en-US" altLang="zh-CN" dirty="0"/>
-              <a:t>L2</a:t>
-            </a:r>
-            <a:r>
-              <a:rPr lang="zh-CN" altLang="en-US" dirty="0"/>
-              <a:t>转发）；</a:t>
-            </a:r>
-            <a:endParaRPr lang="en-US" altLang="zh-CN" dirty="0"/>
-          </a:p>
-          <a:p>
-            <a:r>
-              <a:rPr lang="en-US" altLang="zh-CN" dirty="0"/>
-              <a:t>	</a:t>
-            </a:r>
-            <a:r>
-              <a:rPr lang="zh-CN" altLang="en-US" dirty="0"/>
-              <a:t>如果</a:t>
-            </a:r>
-            <a:r>
-              <a:rPr lang="en-US" altLang="zh-CN" dirty="0" err="1"/>
-              <a:t>dst</a:t>
-            </a:r>
-            <a:r>
-              <a:rPr lang="en-US" altLang="zh-CN" dirty="0"/>
-              <a:t> </a:t>
-            </a:r>
-            <a:r>
-              <a:rPr lang="en-US" altLang="zh-CN" dirty="0" err="1"/>
-              <a:t>ip</a:t>
-            </a:r>
-            <a:r>
-              <a:rPr lang="zh-CN" altLang="en-US" dirty="0"/>
-              <a:t>是内网</a:t>
-            </a:r>
-            <a:r>
-              <a:rPr lang="en-US" altLang="zh-CN" dirty="0"/>
-              <a:t>10.0.0.0/8</a:t>
-            </a:r>
-            <a:r>
-              <a:rPr lang="zh-CN" altLang="en-US" dirty="0"/>
-              <a:t>的按照</a:t>
-            </a:r>
-            <a:r>
-              <a:rPr lang="en-US" altLang="zh-CN" dirty="0"/>
-              <a:t>SFC domain</a:t>
-            </a:r>
-            <a:r>
-              <a:rPr lang="zh-CN" altLang="en-US" dirty="0"/>
-              <a:t>流表转发；（有一个</a:t>
-            </a:r>
-            <a:r>
-              <a:rPr lang="en-US" altLang="zh-CN" dirty="0"/>
-              <a:t>Ryu app</a:t>
-            </a:r>
-            <a:r>
-              <a:rPr lang="zh-CN" altLang="en-US" dirty="0"/>
-              <a:t>计算</a:t>
-            </a:r>
-            <a:r>
-              <a:rPr lang="en-US" altLang="zh-CN" dirty="0"/>
-              <a:t>UFFR</a:t>
-            </a:r>
-            <a:r>
-              <a:rPr lang="zh-CN" altLang="en-US" dirty="0"/>
-              <a:t>路径，这个是唯一需要和</a:t>
-            </a:r>
-            <a:r>
-              <a:rPr lang="en-US" altLang="zh-CN" dirty="0"/>
-              <a:t>orchestrator</a:t>
-            </a:r>
-            <a:r>
-              <a:rPr lang="zh-CN" altLang="en-US" dirty="0"/>
-              <a:t>交互的</a:t>
-            </a:r>
-            <a:r>
-              <a:rPr lang="en-US" altLang="zh-CN" dirty="0"/>
-              <a:t>app</a:t>
-            </a:r>
-            <a:r>
-              <a:rPr lang="zh-CN" altLang="en-US" dirty="0"/>
-              <a:t>）</a:t>
-            </a:r>
-            <a:endParaRPr lang="en-US" altLang="zh-CN" dirty="0"/>
-          </a:p>
-          <a:p>
-            <a:endParaRPr lang="en-US" altLang="zh-CN" dirty="0"/>
-          </a:p>
-          <a:p>
-            <a:r>
-              <a:rPr lang="en-US" altLang="zh-CN" dirty="0"/>
-              <a:t>Classifier</a:t>
-            </a:r>
-            <a:r>
-              <a:rPr lang="zh-CN" altLang="en-US" dirty="0"/>
-              <a:t>（无状态）执行流分类（</a:t>
-            </a:r>
-            <a:r>
-              <a:rPr lang="en-US" altLang="zh-CN" dirty="0"/>
-              <a:t>match </a:t>
-            </a:r>
-            <a:r>
-              <a:rPr lang="en-US" altLang="zh-CN" dirty="0" err="1"/>
-              <a:t>src</a:t>
-            </a:r>
-            <a:r>
-              <a:rPr lang="en-US" altLang="zh-CN" dirty="0"/>
-              <a:t>/</a:t>
-            </a:r>
-            <a:r>
-              <a:rPr lang="en-US" altLang="zh-CN" dirty="0" err="1"/>
-              <a:t>dst</a:t>
-            </a:r>
-            <a:r>
-              <a:rPr lang="en-US" altLang="zh-CN" dirty="0"/>
-              <a:t> </a:t>
-            </a:r>
-            <a:r>
-              <a:rPr lang="en-US" altLang="zh-CN" dirty="0" err="1"/>
-              <a:t>ip</a:t>
-            </a:r>
-            <a:r>
-              <a:rPr lang="zh-CN" altLang="en-US" dirty="0"/>
-              <a:t>）</a:t>
-            </a:r>
-            <a:endParaRPr lang="en-US" altLang="zh-CN" dirty="0"/>
-          </a:p>
-          <a:p>
-            <a:r>
-              <a:rPr lang="zh-CN" altLang="en-US" dirty="0"/>
-              <a:t>对于正向</a:t>
-            </a:r>
-            <a:r>
-              <a:rPr lang="en-US" altLang="zh-CN" dirty="0"/>
-              <a:t>SFC</a:t>
-            </a:r>
-            <a:r>
-              <a:rPr lang="zh-CN" altLang="en-US" dirty="0"/>
-              <a:t>流（匹配</a:t>
-            </a:r>
-            <a:r>
-              <a:rPr lang="en-US" altLang="zh-CN" dirty="0" err="1"/>
-              <a:t>dst</a:t>
-            </a:r>
-            <a:r>
-              <a:rPr lang="en-US" altLang="zh-CN" dirty="0"/>
-              <a:t> </a:t>
-            </a:r>
-            <a:r>
-              <a:rPr lang="en-US" altLang="zh-CN" dirty="0" err="1"/>
-              <a:t>ip</a:t>
-            </a:r>
-            <a:r>
-              <a:rPr lang="zh-CN" altLang="en-US" dirty="0"/>
-              <a:t>）：</a:t>
-            </a:r>
-            <a:endParaRPr lang="en-US" altLang="zh-CN" dirty="0"/>
-          </a:p>
-          <a:p>
-            <a:r>
-              <a:rPr lang="en-US" altLang="zh-CN" dirty="0" err="1"/>
-              <a:t>Decap</a:t>
-            </a:r>
-            <a:r>
-              <a:rPr lang="en-US" altLang="zh-CN" dirty="0"/>
-              <a:t> mac header</a:t>
-            </a:r>
-            <a:r>
-              <a:rPr lang="zh-CN" altLang="en-US" dirty="0"/>
-              <a:t>；</a:t>
-            </a:r>
-            <a:endParaRPr lang="en-US" altLang="zh-CN" dirty="0"/>
-          </a:p>
-          <a:p>
-            <a:r>
-              <a:rPr lang="en-US" altLang="zh-CN" dirty="0" err="1"/>
-              <a:t>Encap</a:t>
-            </a:r>
-            <a:r>
-              <a:rPr lang="en-US" altLang="zh-CN" dirty="0"/>
-              <a:t> </a:t>
-            </a:r>
-            <a:r>
-              <a:rPr lang="en-US" altLang="zh-CN" dirty="0" err="1"/>
-              <a:t>outter</a:t>
-            </a:r>
-            <a:r>
-              <a:rPr lang="en-US" altLang="zh-CN" dirty="0"/>
-              <a:t> </a:t>
-            </a:r>
-            <a:r>
-              <a:rPr lang="en-US" altLang="zh-CN" dirty="0" err="1"/>
-              <a:t>ip</a:t>
-            </a:r>
-            <a:r>
-              <a:rPr lang="en-US" altLang="zh-CN" dirty="0"/>
-              <a:t> header</a:t>
-            </a:r>
-            <a:r>
-              <a:rPr lang="zh-CN" altLang="en-US" dirty="0"/>
-              <a:t>到下一个</a:t>
-            </a:r>
-            <a:r>
-              <a:rPr lang="en-US" altLang="zh-CN" dirty="0"/>
-              <a:t>VNF</a:t>
-            </a:r>
-            <a:r>
-              <a:rPr lang="zh-CN" altLang="en-US" dirty="0"/>
-              <a:t>所在</a:t>
-            </a:r>
-            <a:r>
-              <a:rPr lang="en-US" altLang="zh-CN" dirty="0"/>
-              <a:t>server</a:t>
-            </a:r>
-            <a:r>
-              <a:rPr lang="zh-CN" altLang="en-US" dirty="0"/>
-              <a:t>，</a:t>
-            </a:r>
-            <a:r>
-              <a:rPr lang="en-US" altLang="zh-CN" dirty="0" err="1"/>
-              <a:t>src</a:t>
-            </a:r>
-            <a:r>
-              <a:rPr lang="en-US" altLang="zh-CN" dirty="0"/>
-              <a:t> </a:t>
-            </a:r>
-            <a:r>
-              <a:rPr lang="en-US" altLang="zh-CN" dirty="0" err="1"/>
-              <a:t>ip</a:t>
-            </a:r>
-            <a:r>
-              <a:rPr lang="en-US" altLang="zh-CN" dirty="0"/>
-              <a:t>=Classifier</a:t>
-            </a:r>
-            <a:r>
-              <a:rPr lang="zh-CN" altLang="en-US" dirty="0"/>
-              <a:t>， </a:t>
-            </a:r>
-            <a:r>
-              <a:rPr lang="en-US" altLang="zh-CN" dirty="0" err="1"/>
-              <a:t>dst</a:t>
-            </a:r>
-            <a:r>
-              <a:rPr lang="en-US" altLang="zh-CN" dirty="0"/>
-              <a:t> </a:t>
-            </a:r>
-            <a:r>
-              <a:rPr lang="en-US" altLang="zh-CN" dirty="0" err="1"/>
-              <a:t>ip</a:t>
-            </a:r>
-            <a:r>
-              <a:rPr lang="en-US" altLang="zh-CN" dirty="0"/>
-              <a:t>=</a:t>
-            </a:r>
-            <a:r>
-              <a:rPr lang="en-US" altLang="zh-CN" dirty="0" err="1"/>
-              <a:t>nextServerSFCDomainIP</a:t>
-            </a:r>
-            <a:endParaRPr lang="en-US" altLang="zh-CN" dirty="0"/>
-          </a:p>
-          <a:p>
-            <a:r>
-              <a:rPr lang="en-US" altLang="zh-CN" dirty="0" err="1"/>
-              <a:t>Encap</a:t>
-            </a:r>
-            <a:r>
-              <a:rPr lang="en-US" altLang="zh-CN" dirty="0"/>
-              <a:t> mac header</a:t>
-            </a:r>
-            <a:r>
-              <a:rPr lang="zh-CN" altLang="en-US" dirty="0"/>
-              <a:t>（</a:t>
-            </a:r>
-            <a:r>
-              <a:rPr lang="en-US" altLang="zh-CN" dirty="0" err="1"/>
-              <a:t>src</a:t>
-            </a:r>
-            <a:r>
-              <a:rPr lang="en-US" altLang="zh-CN" dirty="0"/>
-              <a:t> mac=classifier mac</a:t>
-            </a:r>
-            <a:r>
-              <a:rPr lang="zh-CN" altLang="en-US" dirty="0"/>
-              <a:t>；</a:t>
-            </a:r>
-            <a:r>
-              <a:rPr lang="en-US" altLang="zh-CN" dirty="0" err="1"/>
-              <a:t>dst</a:t>
-            </a:r>
-            <a:r>
-              <a:rPr lang="en-US" altLang="zh-CN" dirty="0"/>
-              <a:t> mac=DCN Gateway mac</a:t>
-            </a:r>
-            <a:r>
-              <a:rPr lang="zh-CN" altLang="en-US" dirty="0"/>
-              <a:t>）</a:t>
-            </a:r>
-            <a:endParaRPr lang="en-US" altLang="zh-CN" dirty="0"/>
-          </a:p>
-          <a:p>
-            <a:r>
-              <a:rPr lang="zh-CN" altLang="en-US" dirty="0"/>
-              <a:t>至此</a:t>
-            </a:r>
-            <a:r>
-              <a:rPr lang="en-US" altLang="zh-CN" dirty="0"/>
-              <a:t>inbound traffic</a:t>
-            </a:r>
-            <a:r>
-              <a:rPr lang="zh-CN" altLang="en-US" dirty="0"/>
-              <a:t>进入</a:t>
-            </a:r>
-            <a:r>
-              <a:rPr lang="en-US" altLang="zh-CN" dirty="0"/>
-              <a:t>SFC domain</a:t>
-            </a:r>
-          </a:p>
-          <a:p>
-            <a:endParaRPr lang="en-US" altLang="zh-CN" dirty="0"/>
-          </a:p>
-          <a:p>
-            <a:r>
-              <a:rPr lang="en-US" altLang="zh-CN" dirty="0"/>
-              <a:t>SFC</a:t>
-            </a:r>
-            <a:r>
-              <a:rPr lang="zh-CN" altLang="en-US" dirty="0"/>
-              <a:t>：</a:t>
-            </a:r>
-            <a:r>
-              <a:rPr lang="en-US" altLang="zh-CN" dirty="0"/>
-              <a:t>FW-&gt;LB</a:t>
-            </a:r>
-          </a:p>
-          <a:p>
-            <a:r>
-              <a:rPr lang="en-US" altLang="zh-CN" dirty="0"/>
-              <a:t>FW</a:t>
-            </a:r>
-            <a:r>
-              <a:rPr lang="zh-CN" altLang="en-US" dirty="0"/>
-              <a:t>：</a:t>
-            </a:r>
-            <a:r>
-              <a:rPr lang="en-US" altLang="zh-CN" dirty="0"/>
-              <a:t>drop or pass</a:t>
-            </a:r>
-          </a:p>
-          <a:p>
-            <a:r>
-              <a:rPr lang="en-US" altLang="zh-CN" dirty="0"/>
-              <a:t>LB</a:t>
-            </a:r>
-            <a:r>
-              <a:rPr lang="zh-CN" altLang="en-US" dirty="0"/>
-              <a:t>：修改</a:t>
-            </a:r>
-            <a:r>
-              <a:rPr lang="en-US" altLang="zh-CN" dirty="0"/>
-              <a:t>inner </a:t>
-            </a:r>
-            <a:r>
-              <a:rPr lang="en-US" altLang="zh-CN" dirty="0" err="1"/>
-              <a:t>dst</a:t>
-            </a:r>
-            <a:r>
-              <a:rPr lang="en-US" altLang="zh-CN" dirty="0"/>
-              <a:t> </a:t>
-            </a:r>
-            <a:r>
-              <a:rPr lang="en-US" altLang="zh-CN" dirty="0" err="1"/>
-              <a:t>ip</a:t>
-            </a:r>
-            <a:r>
-              <a:rPr lang="zh-CN" altLang="en-US" dirty="0"/>
-              <a:t>为</a:t>
-            </a:r>
-            <a:r>
-              <a:rPr lang="en-US" altLang="zh-CN" dirty="0"/>
-              <a:t>website server</a:t>
-            </a:r>
-            <a:r>
-              <a:rPr lang="zh-CN" altLang="en-US" dirty="0"/>
-              <a:t>中的一台（内网</a:t>
-            </a:r>
-            <a:r>
-              <a:rPr lang="en-US" altLang="zh-CN" dirty="0" err="1"/>
-              <a:t>ip</a:t>
-            </a:r>
-            <a:r>
-              <a:rPr lang="zh-CN" altLang="en-US" dirty="0"/>
-              <a:t>）</a:t>
-            </a:r>
-            <a:endParaRPr lang="en-US" altLang="zh-CN" dirty="0"/>
-          </a:p>
-          <a:p>
-            <a:endParaRPr lang="en-US" altLang="zh-CN" dirty="0"/>
-          </a:p>
-          <a:p>
-            <a:pPr marL="0" marR="0" lvl="0" indent="0" algn="l" defTabSz="914400" rtl="0" eaLnBrk="1" fontAlgn="auto" latinLnBrk="0" hangingPunct="1">
-              <a:lnSpc>
-                <a:spcPct val="100000"/>
-              </a:lnSpc>
-              <a:spcBef>
-                <a:spcPts val="0"/>
-              </a:spcBef>
-              <a:spcAft>
-                <a:spcPts val="0"/>
-              </a:spcAft>
-              <a:buClrTx/>
-              <a:buSzTx/>
-              <a:buFontTx/>
-              <a:buNone/>
-              <a:tabLst/>
-              <a:defRPr/>
-            </a:pPr>
-            <a:r>
-              <a:rPr lang="zh-CN" altLang="en-US" dirty="0"/>
-              <a:t>每台</a:t>
-            </a:r>
-            <a:r>
-              <a:rPr lang="en-US" altLang="zh-CN" dirty="0"/>
-              <a:t>VNF server</a:t>
-            </a:r>
-            <a:r>
-              <a:rPr lang="zh-CN" altLang="en-US" dirty="0"/>
-              <a:t>的</a:t>
-            </a:r>
-            <a:r>
-              <a:rPr lang="en-US" altLang="zh-CN" dirty="0"/>
-              <a:t>BESS</a:t>
-            </a:r>
-            <a:r>
-              <a:rPr lang="zh-CN" altLang="en-US" dirty="0"/>
-              <a:t>需要配置默认的</a:t>
-            </a:r>
-            <a:r>
-              <a:rPr lang="en-US" altLang="zh-CN" dirty="0"/>
-              <a:t>gateway</a:t>
-            </a:r>
-            <a:r>
-              <a:rPr lang="zh-CN" altLang="en-US" dirty="0"/>
-              <a:t>为</a:t>
-            </a:r>
-            <a:r>
-              <a:rPr lang="en-US" altLang="zh-CN" dirty="0"/>
-              <a:t>peer </a:t>
-            </a:r>
-            <a:r>
-              <a:rPr lang="en-US" altLang="zh-CN" dirty="0" err="1"/>
-              <a:t>ovs</a:t>
-            </a:r>
-            <a:r>
-              <a:rPr lang="zh-CN" altLang="en-US" dirty="0"/>
-              <a:t>。这个需要控制平面收集信息，并配置</a:t>
-            </a:r>
-            <a:r>
-              <a:rPr lang="en-US" altLang="zh-CN" dirty="0"/>
-              <a:t>BESS</a:t>
-            </a:r>
-            <a:r>
-              <a:rPr lang="zh-CN" altLang="en-US" dirty="0"/>
-              <a:t>来实现这一功能。</a:t>
-            </a:r>
-            <a:endParaRPr lang="en-US" altLang="zh-CN" dirty="0"/>
-          </a:p>
-          <a:p>
-            <a:pPr marL="0" marR="0" lvl="0" indent="0" algn="l" defTabSz="914400" rtl="0" eaLnBrk="1" fontAlgn="auto" latinLnBrk="0" hangingPunct="1">
-              <a:lnSpc>
-                <a:spcPct val="100000"/>
-              </a:lnSpc>
-              <a:spcBef>
-                <a:spcPts val="0"/>
-              </a:spcBef>
-              <a:spcAft>
-                <a:spcPts val="0"/>
-              </a:spcAft>
-              <a:buClrTx/>
-              <a:buSzTx/>
-              <a:buFontTx/>
-              <a:buNone/>
-              <a:tabLst/>
-              <a:defRPr/>
-            </a:pPr>
-            <a:r>
-              <a:rPr lang="zh-CN" altLang="en-US" dirty="0"/>
-              <a:t>每个</a:t>
-            </a:r>
-            <a:r>
-              <a:rPr lang="en-US" altLang="zh-CN" dirty="0"/>
-              <a:t>SFF</a:t>
-            </a:r>
-            <a:r>
-              <a:rPr lang="zh-CN" altLang="en-US" dirty="0"/>
-              <a:t>收到</a:t>
-            </a:r>
-            <a:r>
-              <a:rPr lang="en-US" altLang="zh-CN" dirty="0"/>
-              <a:t>frame</a:t>
-            </a:r>
-            <a:r>
-              <a:rPr lang="zh-CN" altLang="en-US" dirty="0"/>
-              <a:t>不要去掉</a:t>
-            </a:r>
-            <a:r>
-              <a:rPr lang="en-US" altLang="zh-CN" dirty="0"/>
-              <a:t>mac header</a:t>
-            </a:r>
-            <a:r>
-              <a:rPr lang="zh-CN" altLang="en-US" dirty="0"/>
-              <a:t>；</a:t>
-            </a:r>
-            <a:r>
-              <a:rPr lang="en-US" altLang="zh-CN" dirty="0"/>
-              <a:t>traffic</a:t>
-            </a:r>
-            <a:r>
-              <a:rPr lang="zh-CN" altLang="en-US" dirty="0"/>
-              <a:t>从</a:t>
-            </a:r>
-            <a:r>
-              <a:rPr lang="en-US" altLang="zh-CN" dirty="0"/>
-              <a:t>server</a:t>
-            </a:r>
-            <a:r>
-              <a:rPr lang="zh-CN" altLang="en-US" dirty="0"/>
-              <a:t>发出去时，修改</a:t>
-            </a:r>
-            <a:r>
-              <a:rPr lang="en-US" altLang="zh-CN" dirty="0" err="1"/>
-              <a:t>outter</a:t>
-            </a:r>
-            <a:r>
-              <a:rPr lang="en-US" altLang="zh-CN" dirty="0"/>
-              <a:t> mac header</a:t>
-            </a:r>
-            <a:r>
-              <a:rPr lang="zh-CN" altLang="en-US" dirty="0"/>
-              <a:t>：</a:t>
-            </a:r>
-            <a:r>
-              <a:rPr lang="en-US" altLang="zh-CN" dirty="0" err="1"/>
-              <a:t>src</a:t>
-            </a:r>
-            <a:r>
-              <a:rPr lang="en-US" altLang="zh-CN" dirty="0"/>
-              <a:t> mac=server mac</a:t>
-            </a:r>
-            <a:r>
-              <a:rPr lang="zh-CN" altLang="en-US" dirty="0"/>
-              <a:t>；</a:t>
-            </a:r>
-            <a:r>
-              <a:rPr lang="en-US" altLang="zh-CN" dirty="0" err="1"/>
-              <a:t>dst</a:t>
-            </a:r>
-            <a:r>
-              <a:rPr lang="en-US" altLang="zh-CN" dirty="0"/>
-              <a:t> mac=</a:t>
-            </a:r>
-            <a:r>
-              <a:rPr lang="en-US" altLang="zh-CN" dirty="0" err="1"/>
-              <a:t>ovs</a:t>
-            </a:r>
-            <a:r>
-              <a:rPr lang="en-US" altLang="zh-CN" dirty="0"/>
-              <a:t> mac</a:t>
-            </a:r>
-            <a:r>
-              <a:rPr lang="zh-CN" altLang="en-US" dirty="0"/>
-              <a:t>。</a:t>
-            </a:r>
-            <a:endParaRPr lang="en-US" altLang="zh-CN" dirty="0"/>
-          </a:p>
-          <a:p>
-            <a:r>
-              <a:rPr lang="zh-CN" altLang="en-US" dirty="0"/>
-              <a:t>第一个</a:t>
-            </a:r>
-            <a:r>
-              <a:rPr lang="en-US" altLang="zh-CN" dirty="0"/>
-              <a:t>SFF</a:t>
-            </a:r>
-            <a:r>
-              <a:rPr lang="zh-CN" altLang="en-US" dirty="0"/>
-              <a:t>在</a:t>
-            </a:r>
-            <a:r>
-              <a:rPr lang="en-US" altLang="zh-CN" dirty="0"/>
-              <a:t>VNF</a:t>
-            </a:r>
-            <a:r>
-              <a:rPr lang="zh-CN" altLang="en-US" dirty="0"/>
-              <a:t>处理完</a:t>
-            </a:r>
-            <a:r>
-              <a:rPr lang="en-US" altLang="zh-CN" dirty="0"/>
-              <a:t>traffic</a:t>
-            </a:r>
-            <a:r>
-              <a:rPr lang="zh-CN" altLang="en-US" dirty="0"/>
-              <a:t>后更新</a:t>
-            </a:r>
-            <a:r>
-              <a:rPr lang="en-US" altLang="zh-CN" dirty="0" err="1"/>
-              <a:t>outter</a:t>
-            </a:r>
-            <a:r>
-              <a:rPr lang="en-US" altLang="zh-CN" dirty="0"/>
-              <a:t> </a:t>
-            </a:r>
-            <a:r>
-              <a:rPr lang="en-US" altLang="zh-CN" dirty="0" err="1"/>
-              <a:t>ip</a:t>
-            </a:r>
-            <a:r>
-              <a:rPr lang="en-US" altLang="zh-CN" dirty="0"/>
-              <a:t> header</a:t>
-            </a:r>
-            <a:r>
-              <a:rPr lang="zh-CN" altLang="en-US" dirty="0"/>
-              <a:t>（只更新</a:t>
-            </a:r>
-            <a:r>
-              <a:rPr lang="en-US" altLang="zh-CN" dirty="0" err="1"/>
-              <a:t>dst</a:t>
-            </a:r>
-            <a:r>
-              <a:rPr lang="en-US" altLang="zh-CN" dirty="0"/>
-              <a:t> </a:t>
-            </a:r>
-            <a:r>
-              <a:rPr lang="en-US" altLang="zh-CN" dirty="0" err="1"/>
-              <a:t>ip</a:t>
-            </a:r>
-            <a:r>
-              <a:rPr lang="zh-CN" altLang="en-US" dirty="0"/>
-              <a:t>；</a:t>
-            </a:r>
-            <a:r>
-              <a:rPr lang="en-US" altLang="zh-CN" dirty="0" err="1"/>
-              <a:t>src</a:t>
-            </a:r>
-            <a:r>
-              <a:rPr lang="en-US" altLang="zh-CN" dirty="0"/>
-              <a:t> </a:t>
-            </a:r>
-            <a:r>
-              <a:rPr lang="en-US" altLang="zh-CN" dirty="0" err="1"/>
-              <a:t>ip</a:t>
-            </a:r>
-            <a:r>
-              <a:rPr lang="en-US" altLang="zh-CN" dirty="0"/>
-              <a:t>=classifier </a:t>
-            </a:r>
-            <a:r>
-              <a:rPr lang="en-US" altLang="zh-CN" dirty="0" err="1"/>
-              <a:t>ip</a:t>
-            </a:r>
-            <a:r>
-              <a:rPr lang="zh-CN" altLang="en-US" dirty="0"/>
-              <a:t>不变）；</a:t>
-            </a:r>
-            <a:endParaRPr lang="en-US" altLang="zh-CN" dirty="0"/>
-          </a:p>
-          <a:p>
-            <a:r>
-              <a:rPr lang="zh-CN" altLang="en-US" dirty="0"/>
-              <a:t>最后一个</a:t>
-            </a:r>
-            <a:r>
-              <a:rPr lang="en-US" altLang="zh-CN" dirty="0"/>
-              <a:t>SFF</a:t>
-            </a:r>
-            <a:r>
-              <a:rPr lang="zh-CN" altLang="en-US" dirty="0"/>
-              <a:t>解封</a:t>
-            </a:r>
-            <a:r>
-              <a:rPr lang="en-US" altLang="zh-CN" dirty="0" err="1"/>
-              <a:t>outter</a:t>
-            </a:r>
-            <a:r>
-              <a:rPr lang="en-US" altLang="zh-CN" dirty="0"/>
-              <a:t> </a:t>
-            </a:r>
-            <a:r>
-              <a:rPr lang="en-US" altLang="zh-CN" dirty="0" err="1"/>
-              <a:t>ip</a:t>
-            </a:r>
-            <a:r>
-              <a:rPr lang="en-US" altLang="zh-CN" dirty="0"/>
-              <a:t> header</a:t>
-            </a:r>
-            <a:r>
-              <a:rPr lang="zh-CN" altLang="en-US" dirty="0"/>
-              <a:t>，离开</a:t>
-            </a:r>
-            <a:r>
-              <a:rPr lang="en-US" altLang="zh-CN" dirty="0"/>
-              <a:t>SFC Domain</a:t>
-            </a:r>
-            <a:r>
-              <a:rPr lang="zh-CN" altLang="en-US" dirty="0"/>
-              <a:t>，进入</a:t>
-            </a:r>
-            <a:r>
-              <a:rPr lang="en-US" altLang="zh-CN" dirty="0"/>
-              <a:t>L2</a:t>
-            </a:r>
-            <a:r>
-              <a:rPr lang="zh-CN" altLang="en-US" dirty="0"/>
-              <a:t>转发。</a:t>
-            </a:r>
-            <a:endParaRPr lang="en-US" altLang="zh-CN" dirty="0"/>
-          </a:p>
-          <a:p>
-            <a:r>
-              <a:rPr lang="en-US" altLang="zh-CN" dirty="0" err="1"/>
-              <a:t>src</a:t>
-            </a:r>
-            <a:r>
-              <a:rPr lang="en-US" altLang="zh-CN" dirty="0"/>
-              <a:t> mac=classifier mac</a:t>
-            </a:r>
-            <a:r>
-              <a:rPr lang="zh-CN" altLang="en-US" dirty="0"/>
-              <a:t>（伪造</a:t>
-            </a:r>
-            <a:r>
-              <a:rPr lang="en-US" altLang="zh-CN" dirty="0" err="1"/>
-              <a:t>src</a:t>
-            </a:r>
-            <a:r>
-              <a:rPr lang="en-US" altLang="zh-CN" dirty="0"/>
-              <a:t> mac</a:t>
-            </a:r>
-            <a:r>
-              <a:rPr lang="zh-CN" altLang="en-US" dirty="0"/>
-              <a:t>，这步很重要，因为只有这样才能保证</a:t>
-            </a:r>
-            <a:r>
-              <a:rPr lang="en-US" altLang="zh-CN" dirty="0"/>
-              <a:t>website server</a:t>
-            </a:r>
-            <a:r>
-              <a:rPr lang="zh-CN" altLang="en-US" dirty="0"/>
-              <a:t>把</a:t>
-            </a:r>
-            <a:r>
-              <a:rPr lang="en-US" altLang="zh-CN" dirty="0"/>
-              <a:t>traffic</a:t>
-            </a:r>
-            <a:r>
-              <a:rPr lang="zh-CN" altLang="en-US" dirty="0"/>
-              <a:t>发回</a:t>
-            </a:r>
-            <a:r>
-              <a:rPr lang="en-US" altLang="zh-CN" dirty="0"/>
-              <a:t>classifier</a:t>
-            </a:r>
-            <a:r>
-              <a:rPr lang="zh-CN" altLang="en-US" dirty="0"/>
-              <a:t>）</a:t>
-            </a:r>
-            <a:endParaRPr lang="en-US" altLang="zh-CN" dirty="0"/>
-          </a:p>
-          <a:p>
-            <a:r>
-              <a:rPr lang="en-US" altLang="zh-CN" dirty="0" err="1"/>
-              <a:t>dst</a:t>
-            </a:r>
-            <a:r>
-              <a:rPr lang="en-US" altLang="zh-CN" dirty="0"/>
-              <a:t> mac=</a:t>
-            </a:r>
-            <a:r>
-              <a:rPr lang="zh-CN" altLang="en-US" dirty="0"/>
-              <a:t>根据情况</a:t>
-            </a:r>
-            <a:endParaRPr lang="en-US" altLang="zh-CN" dirty="0"/>
-          </a:p>
-          <a:p>
-            <a:pPr marL="0" marR="0" lvl="0" indent="0" algn="l" defTabSz="914400" rtl="0" eaLnBrk="1" fontAlgn="auto" latinLnBrk="0" hangingPunct="1">
-              <a:lnSpc>
-                <a:spcPct val="100000"/>
-              </a:lnSpc>
-              <a:spcBef>
-                <a:spcPts val="0"/>
-              </a:spcBef>
-              <a:spcAft>
-                <a:spcPts val="0"/>
-              </a:spcAft>
-              <a:buClrTx/>
-              <a:buSzTx/>
-              <a:buFontTx/>
-              <a:buNone/>
-              <a:tabLst/>
-              <a:defRPr/>
-            </a:pPr>
-            <a:r>
-              <a:rPr lang="en-US" altLang="zh-CN" dirty="0" err="1"/>
-              <a:t>src</a:t>
-            </a:r>
-            <a:r>
-              <a:rPr lang="en-US" altLang="zh-CN" dirty="0"/>
-              <a:t> </a:t>
-            </a:r>
-            <a:r>
-              <a:rPr lang="en-US" altLang="zh-CN" dirty="0" err="1"/>
-              <a:t>ip</a:t>
-            </a:r>
-            <a:r>
-              <a:rPr lang="en-US" altLang="zh-CN" dirty="0"/>
-              <a:t>=</a:t>
-            </a:r>
-            <a:r>
-              <a:rPr lang="zh-CN" altLang="en-US" dirty="0"/>
-              <a:t>？（不变或者被</a:t>
-            </a:r>
-            <a:r>
-              <a:rPr lang="en-US" altLang="zh-CN" dirty="0"/>
-              <a:t>VNF</a:t>
-            </a:r>
-            <a:r>
-              <a:rPr lang="zh-CN" altLang="en-US" dirty="0"/>
-              <a:t>处理过）</a:t>
-            </a:r>
-            <a:endParaRPr lang="en-US" altLang="zh-CN" dirty="0"/>
-          </a:p>
-          <a:p>
-            <a:r>
-              <a:rPr lang="en-US" altLang="zh-CN" dirty="0" err="1"/>
-              <a:t>dst</a:t>
-            </a:r>
-            <a:r>
-              <a:rPr lang="en-US" altLang="zh-CN" dirty="0"/>
-              <a:t> </a:t>
-            </a:r>
-            <a:r>
-              <a:rPr lang="en-US" altLang="zh-CN" dirty="0" err="1"/>
-              <a:t>ip</a:t>
-            </a:r>
-            <a:r>
-              <a:rPr lang="en-US" altLang="zh-CN" dirty="0"/>
-              <a:t>=</a:t>
-            </a:r>
-            <a:r>
-              <a:rPr lang="zh-CN" altLang="en-US" dirty="0"/>
-              <a:t>？（不变或者被</a:t>
-            </a:r>
-            <a:r>
-              <a:rPr lang="en-US" altLang="zh-CN" dirty="0"/>
-              <a:t>VNF</a:t>
-            </a:r>
-            <a:r>
-              <a:rPr lang="zh-CN" altLang="en-US" dirty="0"/>
-              <a:t>处理过）</a:t>
-            </a:r>
-            <a:endParaRPr lang="en-US" altLang="zh-CN" dirty="0"/>
-          </a:p>
-          <a:p>
-            <a:endParaRPr lang="en-US" altLang="zh-CN" dirty="0"/>
-          </a:p>
-          <a:p>
-            <a:r>
-              <a:rPr lang="en-US" altLang="zh-CN" dirty="0"/>
-              <a:t>Website server</a:t>
-            </a:r>
-            <a:r>
-              <a:rPr lang="zh-CN" altLang="en-US" dirty="0"/>
-              <a:t>收到</a:t>
-            </a:r>
-            <a:r>
-              <a:rPr lang="en-US" altLang="zh-CN" dirty="0"/>
-              <a:t>inbound traffic</a:t>
-            </a:r>
-            <a:r>
-              <a:rPr lang="zh-CN" altLang="en-US" dirty="0"/>
-              <a:t>，处理完毕，交换</a:t>
-            </a:r>
-            <a:r>
-              <a:rPr lang="en-US" altLang="zh-CN" dirty="0" err="1"/>
-              <a:t>dst</a:t>
-            </a:r>
-            <a:r>
-              <a:rPr lang="en-US" altLang="zh-CN" dirty="0"/>
-              <a:t>/</a:t>
-            </a:r>
-            <a:r>
-              <a:rPr lang="en-US" altLang="zh-CN" dirty="0" err="1"/>
-              <a:t>src</a:t>
-            </a:r>
-            <a:r>
-              <a:rPr lang="en-US" altLang="zh-CN" dirty="0"/>
-              <a:t> port</a:t>
-            </a:r>
-            <a:r>
-              <a:rPr lang="zh-CN" altLang="en-US" dirty="0"/>
-              <a:t>，交换</a:t>
-            </a:r>
-            <a:r>
-              <a:rPr lang="en-US" altLang="zh-CN" dirty="0" err="1"/>
-              <a:t>dst</a:t>
-            </a:r>
-            <a:r>
-              <a:rPr lang="en-US" altLang="zh-CN" dirty="0"/>
-              <a:t>/</a:t>
-            </a:r>
-            <a:r>
-              <a:rPr lang="en-US" altLang="zh-CN" dirty="0" err="1"/>
-              <a:t>src</a:t>
-            </a:r>
-            <a:r>
-              <a:rPr lang="en-US" altLang="zh-CN" dirty="0"/>
-              <a:t> </a:t>
-            </a:r>
-            <a:r>
-              <a:rPr lang="en-US" altLang="zh-CN" dirty="0" err="1"/>
-              <a:t>ip</a:t>
-            </a:r>
-            <a:r>
-              <a:rPr lang="zh-CN" altLang="en-US" dirty="0"/>
-              <a:t>，交换</a:t>
-            </a:r>
-            <a:r>
-              <a:rPr lang="en-US" altLang="zh-CN" dirty="0" err="1"/>
-              <a:t>dst</a:t>
-            </a:r>
-            <a:r>
-              <a:rPr lang="en-US" altLang="zh-CN" dirty="0"/>
-              <a:t>/</a:t>
-            </a:r>
-            <a:r>
-              <a:rPr lang="en-US" altLang="zh-CN" dirty="0" err="1"/>
-              <a:t>src</a:t>
-            </a:r>
-            <a:r>
-              <a:rPr lang="en-US" altLang="zh-CN" dirty="0"/>
-              <a:t> mac</a:t>
-            </a:r>
-            <a:r>
-              <a:rPr lang="zh-CN" altLang="en-US" dirty="0"/>
-              <a:t>，发出</a:t>
-            </a:r>
-            <a:r>
-              <a:rPr lang="en-US" altLang="zh-CN" dirty="0"/>
-              <a:t>outbound traffic</a:t>
-            </a:r>
-            <a:r>
-              <a:rPr lang="zh-CN" altLang="en-US" dirty="0"/>
-              <a:t>。</a:t>
-            </a:r>
-            <a:endParaRPr lang="en-US" altLang="zh-CN" dirty="0"/>
-          </a:p>
-          <a:p>
-            <a:r>
-              <a:rPr lang="en-US" altLang="zh-CN" dirty="0"/>
-              <a:t>PS</a:t>
-            </a:r>
-            <a:r>
-              <a:rPr lang="zh-CN" altLang="en-US" dirty="0"/>
-              <a:t>：所有的</a:t>
-            </a:r>
-            <a:r>
-              <a:rPr lang="en-US" altLang="zh-CN" dirty="0"/>
-              <a:t>server</a:t>
-            </a:r>
-            <a:r>
-              <a:rPr lang="zh-CN" altLang="en-US" dirty="0"/>
-              <a:t>都要运行</a:t>
-            </a:r>
-            <a:r>
-              <a:rPr lang="en-US" altLang="zh-CN" dirty="0" err="1"/>
-              <a:t>arp</a:t>
-            </a:r>
-            <a:r>
-              <a:rPr lang="zh-CN" altLang="en-US" dirty="0"/>
-              <a:t>程序处理</a:t>
-            </a:r>
-            <a:r>
-              <a:rPr lang="en-US" altLang="zh-CN" dirty="0"/>
-              <a:t>192.168.121.0/24</a:t>
-            </a:r>
-            <a:r>
-              <a:rPr lang="zh-CN" altLang="en-US" dirty="0"/>
-              <a:t>网段的信息，每台</a:t>
-            </a:r>
-            <a:r>
-              <a:rPr lang="en-US" altLang="zh-CN" dirty="0"/>
-              <a:t>server</a:t>
-            </a:r>
-            <a:r>
-              <a:rPr lang="zh-CN" altLang="en-US" dirty="0"/>
-              <a:t>都分配一个</a:t>
-            </a:r>
-            <a:r>
-              <a:rPr lang="en-US" altLang="zh-CN" dirty="0"/>
-              <a:t>192.168.121.0/24</a:t>
-            </a:r>
-            <a:r>
-              <a:rPr lang="zh-CN" altLang="en-US" dirty="0"/>
-              <a:t>的</a:t>
-            </a:r>
-            <a:r>
-              <a:rPr lang="en-US" altLang="zh-CN" dirty="0" err="1"/>
-              <a:t>ip</a:t>
-            </a:r>
-            <a:r>
-              <a:rPr lang="zh-CN" altLang="en-US" dirty="0"/>
-              <a:t>地址（</a:t>
-            </a:r>
-            <a:r>
-              <a:rPr lang="en-US" altLang="zh-CN" dirty="0" err="1"/>
-              <a:t>dpdknic</a:t>
-            </a:r>
-            <a:r>
-              <a:rPr lang="zh-CN" altLang="en-US" dirty="0"/>
-              <a:t>无法处理，需要</a:t>
-            </a:r>
-            <a:r>
-              <a:rPr lang="en-US" altLang="zh-CN" dirty="0"/>
-              <a:t>kernel </a:t>
-            </a:r>
-            <a:r>
-              <a:rPr lang="en-US" altLang="zh-CN" dirty="0" err="1"/>
-              <a:t>nic</a:t>
-            </a:r>
-            <a:r>
-              <a:rPr lang="zh-CN" altLang="en-US" dirty="0"/>
-              <a:t>来处理）。而</a:t>
-            </a:r>
-            <a:r>
-              <a:rPr lang="en-US" altLang="zh-CN" dirty="0"/>
-              <a:t>10.0.0.0/8</a:t>
-            </a:r>
-            <a:r>
-              <a:rPr lang="zh-CN" altLang="en-US" dirty="0"/>
-              <a:t>网段的</a:t>
-            </a:r>
-            <a:r>
-              <a:rPr lang="en-US" altLang="zh-CN" dirty="0"/>
-              <a:t>mac-</a:t>
-            </a:r>
-            <a:r>
-              <a:rPr lang="en-US" altLang="zh-CN" dirty="0" err="1"/>
-              <a:t>ip</a:t>
-            </a:r>
-            <a:r>
-              <a:rPr lang="zh-CN" altLang="en-US" dirty="0"/>
-              <a:t>信息通过</a:t>
-            </a:r>
-            <a:r>
-              <a:rPr lang="en-US" altLang="zh-CN" dirty="0" err="1"/>
-              <a:t>serverAgent</a:t>
-            </a:r>
-            <a:r>
-              <a:rPr lang="zh-CN" altLang="en-US" dirty="0"/>
-              <a:t>发给</a:t>
-            </a:r>
-            <a:r>
-              <a:rPr lang="en-US" altLang="zh-CN" dirty="0"/>
-              <a:t>orchestrator</a:t>
-            </a:r>
-            <a:r>
-              <a:rPr lang="zh-CN" altLang="en-US" dirty="0"/>
-              <a:t>。</a:t>
-            </a:r>
-            <a:endParaRPr lang="en-US" altLang="zh-CN" dirty="0"/>
-          </a:p>
-          <a:p>
-            <a:endParaRPr lang="en-US" altLang="zh-CN" dirty="0"/>
-          </a:p>
-          <a:p>
-            <a:r>
-              <a:rPr lang="en-US" altLang="zh-CN" dirty="0"/>
-              <a:t>Classifier</a:t>
-            </a:r>
-            <a:r>
-              <a:rPr lang="zh-CN" altLang="en-US" dirty="0"/>
-              <a:t>会收到</a:t>
-            </a:r>
-            <a:r>
-              <a:rPr lang="en-US" altLang="zh-CN" dirty="0"/>
-              <a:t>outbound traffic</a:t>
-            </a:r>
-            <a:r>
-              <a:rPr lang="zh-CN" altLang="en-US" dirty="0"/>
-              <a:t>，其中</a:t>
-            </a:r>
-            <a:r>
-              <a:rPr lang="en-US" altLang="zh-CN" dirty="0" err="1"/>
-              <a:t>src</a:t>
-            </a:r>
-            <a:r>
-              <a:rPr lang="en-US" altLang="zh-CN" dirty="0"/>
-              <a:t> </a:t>
-            </a:r>
-            <a:r>
-              <a:rPr lang="en-US" altLang="zh-CN" dirty="0" err="1"/>
-              <a:t>ip</a:t>
-            </a:r>
-            <a:r>
-              <a:rPr lang="zh-CN" altLang="en-US" dirty="0"/>
-              <a:t>是某台</a:t>
-            </a:r>
-            <a:r>
-              <a:rPr lang="en-US" altLang="zh-CN" dirty="0"/>
-              <a:t>website</a:t>
-            </a:r>
-            <a:r>
-              <a:rPr lang="zh-CN" altLang="en-US" dirty="0"/>
-              <a:t>的</a:t>
-            </a:r>
-            <a:r>
-              <a:rPr lang="en-US" altLang="zh-CN" dirty="0" err="1"/>
-              <a:t>ip</a:t>
-            </a:r>
-            <a:r>
-              <a:rPr lang="zh-CN" altLang="en-US" dirty="0"/>
-              <a:t>（匹配</a:t>
-            </a:r>
-            <a:r>
-              <a:rPr lang="en-US" altLang="zh-CN" dirty="0" err="1"/>
-              <a:t>src</a:t>
-            </a:r>
-            <a:r>
-              <a:rPr lang="en-US" altLang="zh-CN" dirty="0"/>
-              <a:t> </a:t>
-            </a:r>
-            <a:r>
-              <a:rPr lang="en-US" altLang="zh-CN" dirty="0" err="1"/>
-              <a:t>ip</a:t>
-            </a:r>
-            <a:r>
-              <a:rPr lang="zh-CN" altLang="en-US" dirty="0"/>
-              <a:t>）</a:t>
-            </a:r>
-            <a:endParaRPr lang="en-US" altLang="zh-CN" dirty="0"/>
-          </a:p>
-          <a:p>
-            <a:r>
-              <a:rPr lang="zh-CN" altLang="en-US" dirty="0"/>
-              <a:t>分类为</a:t>
-            </a:r>
-            <a:r>
-              <a:rPr lang="en-US" altLang="zh-CN" dirty="0"/>
-              <a:t>SFC</a:t>
-            </a:r>
-            <a:r>
-              <a:rPr lang="zh-CN" altLang="en-US" dirty="0"/>
-              <a:t>流（匹配</a:t>
-            </a:r>
-            <a:r>
-              <a:rPr lang="en-US" altLang="zh-CN" dirty="0" err="1"/>
-              <a:t>src</a:t>
-            </a:r>
-            <a:r>
-              <a:rPr lang="en-US" altLang="zh-CN" dirty="0"/>
-              <a:t> </a:t>
-            </a:r>
-            <a:r>
-              <a:rPr lang="en-US" altLang="zh-CN" dirty="0" err="1"/>
-              <a:t>ip</a:t>
-            </a:r>
-            <a:r>
-              <a:rPr lang="zh-CN" altLang="en-US" dirty="0"/>
-              <a:t>）：</a:t>
-            </a:r>
-            <a:endParaRPr lang="en-US" altLang="zh-CN" dirty="0"/>
-          </a:p>
-          <a:p>
-            <a:r>
-              <a:rPr lang="en-US" altLang="zh-CN" dirty="0" err="1"/>
-              <a:t>Decap</a:t>
-            </a:r>
-            <a:r>
-              <a:rPr lang="en-US" altLang="zh-CN" dirty="0"/>
-              <a:t> mac header</a:t>
-            </a:r>
-            <a:r>
-              <a:rPr lang="zh-CN" altLang="en-US" dirty="0"/>
-              <a:t>；</a:t>
-            </a:r>
-            <a:endParaRPr lang="en-US" altLang="zh-CN" dirty="0"/>
-          </a:p>
-          <a:p>
-            <a:r>
-              <a:rPr lang="en-US" altLang="zh-CN" dirty="0" err="1"/>
-              <a:t>Encap</a:t>
-            </a:r>
-            <a:r>
-              <a:rPr lang="en-US" altLang="zh-CN" dirty="0"/>
-              <a:t> </a:t>
-            </a:r>
-            <a:r>
-              <a:rPr lang="en-US" altLang="zh-CN" dirty="0" err="1"/>
-              <a:t>outter</a:t>
-            </a:r>
-            <a:r>
-              <a:rPr lang="en-US" altLang="zh-CN" dirty="0"/>
-              <a:t> </a:t>
-            </a:r>
-            <a:r>
-              <a:rPr lang="en-US" altLang="zh-CN" dirty="0" err="1"/>
-              <a:t>ip</a:t>
-            </a:r>
-            <a:r>
-              <a:rPr lang="en-US" altLang="zh-CN" dirty="0"/>
-              <a:t> header</a:t>
-            </a:r>
-            <a:r>
-              <a:rPr lang="zh-CN" altLang="en-US" dirty="0"/>
-              <a:t>到下一个</a:t>
-            </a:r>
-            <a:r>
-              <a:rPr lang="en-US" altLang="zh-CN" dirty="0"/>
-              <a:t>VNF</a:t>
-            </a:r>
-            <a:r>
-              <a:rPr lang="zh-CN" altLang="en-US" dirty="0"/>
-              <a:t>所在</a:t>
-            </a:r>
-            <a:r>
-              <a:rPr lang="en-US" altLang="zh-CN" dirty="0"/>
-              <a:t>server</a:t>
-            </a:r>
-            <a:r>
-              <a:rPr lang="zh-CN" altLang="en-US" dirty="0"/>
-              <a:t>，</a:t>
-            </a:r>
-            <a:r>
-              <a:rPr lang="en-US" altLang="zh-CN" dirty="0" err="1"/>
-              <a:t>src</a:t>
-            </a:r>
-            <a:r>
-              <a:rPr lang="en-US" altLang="zh-CN" dirty="0"/>
-              <a:t> </a:t>
-            </a:r>
-            <a:r>
-              <a:rPr lang="en-US" altLang="zh-CN" dirty="0" err="1"/>
-              <a:t>ip</a:t>
-            </a:r>
-            <a:r>
-              <a:rPr lang="en-US" altLang="zh-CN" dirty="0"/>
-              <a:t>=Classifier</a:t>
-            </a:r>
-            <a:r>
-              <a:rPr lang="zh-CN" altLang="en-US" dirty="0"/>
-              <a:t>， </a:t>
-            </a:r>
-            <a:r>
-              <a:rPr lang="en-US" altLang="zh-CN" dirty="0" err="1"/>
-              <a:t>dst</a:t>
-            </a:r>
-            <a:r>
-              <a:rPr lang="en-US" altLang="zh-CN" dirty="0"/>
-              <a:t> </a:t>
-            </a:r>
-            <a:r>
-              <a:rPr lang="en-US" altLang="zh-CN" dirty="0" err="1"/>
-              <a:t>ip</a:t>
-            </a:r>
-            <a:r>
-              <a:rPr lang="en-US" altLang="zh-CN" dirty="0"/>
-              <a:t>=</a:t>
-            </a:r>
-            <a:r>
-              <a:rPr lang="en-US" altLang="zh-CN" dirty="0" err="1"/>
-              <a:t>nextServerSFCDomainIP</a:t>
-            </a:r>
-            <a:endParaRPr lang="en-US" altLang="zh-CN" dirty="0"/>
-          </a:p>
-          <a:p>
-            <a:r>
-              <a:rPr lang="en-US" altLang="zh-CN" dirty="0" err="1"/>
-              <a:t>Encap</a:t>
-            </a:r>
-            <a:r>
-              <a:rPr lang="en-US" altLang="zh-CN" dirty="0"/>
-              <a:t> mac header</a:t>
-            </a:r>
-            <a:r>
-              <a:rPr lang="zh-CN" altLang="en-US" dirty="0"/>
-              <a:t>（</a:t>
-            </a:r>
-            <a:r>
-              <a:rPr lang="en-US" altLang="zh-CN" dirty="0" err="1"/>
-              <a:t>src</a:t>
-            </a:r>
-            <a:r>
-              <a:rPr lang="en-US" altLang="zh-CN" dirty="0"/>
-              <a:t> mac=classifier mac</a:t>
-            </a:r>
-            <a:r>
-              <a:rPr lang="zh-CN" altLang="en-US" dirty="0"/>
-              <a:t>；</a:t>
-            </a:r>
-            <a:r>
-              <a:rPr lang="en-US" altLang="zh-CN" dirty="0" err="1"/>
-              <a:t>dst</a:t>
-            </a:r>
-            <a:r>
-              <a:rPr lang="en-US" altLang="zh-CN" dirty="0"/>
-              <a:t> mac=DCN Gateway mac</a:t>
-            </a:r>
-            <a:r>
-              <a:rPr lang="zh-CN" altLang="en-US" dirty="0"/>
-              <a:t>）</a:t>
-            </a:r>
-            <a:endParaRPr lang="en-US" altLang="zh-CN" dirty="0"/>
-          </a:p>
-          <a:p>
-            <a:r>
-              <a:rPr lang="zh-CN" altLang="en-US" dirty="0"/>
-              <a:t>至此</a:t>
-            </a:r>
-            <a:r>
-              <a:rPr lang="en-US" altLang="zh-CN" dirty="0"/>
-              <a:t>outbound traffic</a:t>
-            </a:r>
-            <a:r>
-              <a:rPr lang="zh-CN" altLang="en-US" dirty="0"/>
-              <a:t>进入反向</a:t>
-            </a:r>
-            <a:r>
-              <a:rPr lang="en-US" altLang="zh-CN" dirty="0"/>
-              <a:t>SFC domain</a:t>
-            </a:r>
-            <a:r>
-              <a:rPr lang="zh-CN" altLang="en-US" dirty="0"/>
-              <a:t>。</a:t>
-            </a:r>
-            <a:endParaRPr lang="en-US" altLang="zh-CN" dirty="0"/>
-          </a:p>
-          <a:p>
-            <a:endParaRPr lang="en-US" altLang="zh-CN" dirty="0"/>
-          </a:p>
-          <a:p>
-            <a:r>
-              <a:rPr lang="zh-CN" altLang="en-US" dirty="0"/>
-              <a:t>反向</a:t>
-            </a:r>
-            <a:r>
-              <a:rPr lang="en-US" altLang="zh-CN" dirty="0"/>
-              <a:t>SFC</a:t>
-            </a:r>
-            <a:r>
-              <a:rPr lang="zh-CN" altLang="en-US" dirty="0"/>
-              <a:t>：</a:t>
-            </a:r>
-            <a:r>
-              <a:rPr lang="en-US" altLang="zh-CN" dirty="0"/>
-              <a:t>LB-&gt;FW</a:t>
-            </a:r>
-          </a:p>
-          <a:p>
-            <a:r>
-              <a:rPr lang="zh-CN" altLang="en-US" dirty="0"/>
-              <a:t>最后一个</a:t>
-            </a:r>
-            <a:r>
-              <a:rPr lang="en-US" altLang="zh-CN" dirty="0"/>
-              <a:t>SFF</a:t>
-            </a:r>
-            <a:r>
-              <a:rPr lang="zh-CN" altLang="en-US" dirty="0"/>
-              <a:t>负责解封装，得到</a:t>
-            </a:r>
-            <a:r>
-              <a:rPr lang="en-US" altLang="zh-CN" dirty="0"/>
-              <a:t>inner </a:t>
-            </a:r>
-            <a:r>
-              <a:rPr lang="en-US" altLang="zh-CN" dirty="0" err="1"/>
-              <a:t>src</a:t>
-            </a:r>
-            <a:r>
-              <a:rPr lang="en-US" altLang="zh-CN" dirty="0"/>
-              <a:t> </a:t>
-            </a:r>
-            <a:r>
-              <a:rPr lang="en-US" altLang="zh-CN" dirty="0" err="1"/>
-              <a:t>ip</a:t>
-            </a:r>
-            <a:r>
-              <a:rPr lang="en-US" altLang="zh-CN" dirty="0"/>
-              <a:t>=website</a:t>
-            </a:r>
-            <a:r>
-              <a:rPr lang="zh-CN" altLang="en-US" dirty="0"/>
-              <a:t>（公网</a:t>
-            </a:r>
-            <a:r>
-              <a:rPr lang="en-US" altLang="zh-CN" dirty="0" err="1"/>
-              <a:t>ip</a:t>
-            </a:r>
-            <a:r>
-              <a:rPr lang="zh-CN" altLang="en-US" dirty="0"/>
-              <a:t>），</a:t>
-            </a:r>
-            <a:r>
-              <a:rPr lang="en-US" altLang="zh-CN" dirty="0"/>
-              <a:t>inner </a:t>
-            </a:r>
-            <a:r>
-              <a:rPr lang="en-US" altLang="zh-CN" dirty="0" err="1"/>
-              <a:t>dst</a:t>
-            </a:r>
-            <a:r>
-              <a:rPr lang="en-US" altLang="zh-CN" dirty="0"/>
-              <a:t> </a:t>
-            </a:r>
-            <a:r>
-              <a:rPr lang="en-US" altLang="zh-CN" dirty="0" err="1"/>
-              <a:t>ip</a:t>
-            </a:r>
-            <a:r>
-              <a:rPr lang="en-US" altLang="zh-CN" dirty="0"/>
-              <a:t>=web</a:t>
-            </a:r>
-            <a:r>
-              <a:rPr lang="zh-CN" altLang="en-US" dirty="0"/>
-              <a:t>用户的</a:t>
-            </a:r>
-            <a:r>
-              <a:rPr lang="en-US" altLang="zh-CN" dirty="0" err="1"/>
-              <a:t>ip</a:t>
-            </a:r>
-            <a:r>
-              <a:rPr lang="zh-CN" altLang="en-US" dirty="0"/>
-              <a:t>；</a:t>
-            </a:r>
-            <a:endParaRPr lang="en-US" altLang="zh-CN" dirty="0"/>
-          </a:p>
-          <a:p>
-            <a:r>
-              <a:rPr lang="zh-CN" altLang="en-US" dirty="0"/>
-              <a:t>因为是</a:t>
-            </a:r>
-            <a:r>
-              <a:rPr lang="en-US" altLang="zh-CN" dirty="0"/>
-              <a:t>public </a:t>
-            </a:r>
-            <a:r>
-              <a:rPr lang="en-US" altLang="zh-CN" dirty="0" err="1"/>
-              <a:t>ip</a:t>
-            </a:r>
-            <a:r>
-              <a:rPr lang="zh-CN" altLang="en-US" dirty="0"/>
-              <a:t>，所以需要路由到</a:t>
-            </a:r>
-            <a:r>
-              <a:rPr lang="en-US" altLang="zh-CN" dirty="0"/>
-              <a:t>DCN Gateway</a:t>
-            </a:r>
-            <a:r>
-              <a:rPr lang="zh-CN" altLang="en-US" dirty="0"/>
-              <a:t>：</a:t>
-            </a:r>
-            <a:r>
-              <a:rPr lang="en-US" altLang="zh-CN" dirty="0" err="1"/>
-              <a:t>src</a:t>
-            </a:r>
-            <a:r>
-              <a:rPr lang="en-US" altLang="zh-CN" dirty="0"/>
-              <a:t> mac</a:t>
-            </a:r>
-            <a:r>
-              <a:rPr lang="zh-CN" altLang="en-US" dirty="0"/>
-              <a:t>填写本机，</a:t>
-            </a:r>
-            <a:r>
-              <a:rPr lang="en-US" altLang="zh-CN" dirty="0" err="1"/>
-              <a:t>dst</a:t>
-            </a:r>
-            <a:r>
-              <a:rPr lang="en-US" altLang="zh-CN" dirty="0"/>
-              <a:t> mac </a:t>
-            </a:r>
-            <a:r>
-              <a:rPr lang="zh-CN" altLang="en-US" dirty="0"/>
-              <a:t>填写</a:t>
-            </a:r>
-            <a:r>
-              <a:rPr lang="en-US" altLang="zh-CN" dirty="0"/>
-              <a:t>Gateway</a:t>
-            </a:r>
-          </a:p>
-          <a:p>
-            <a:endParaRPr lang="en-US" altLang="zh-CN" dirty="0"/>
+            <a:endParaRPr lang="zh-CN" altLang="en-US" dirty="0"/>
           </a:p>
         </p:txBody>
       </p:sp>
@@ -2967,90 +877,6 @@
             <a:fld id="{2C092C30-C02F-48DE-947D-311697961749}" type="slidenum">
               <a:rPr lang="zh-CN" altLang="en-US" smtClean="0"/>
               <a:t>11</a:t>
-            </a:fld>
-            <a:endParaRPr lang="zh-CN" altLang="en-US"/>
-          </a:p>
-        </p:txBody>
-      </p:sp>
-    </p:spTree>
-    <p:extLst>
-      <p:ext uri="{BB962C8B-B14F-4D97-AF65-F5344CB8AC3E}">
-        <p14:creationId xmlns:p14="http://schemas.microsoft.com/office/powerpoint/2010/main" val="1322585244"/>
-      </p:ext>
-    </p:extLst>
-  </p:cSld>
-  <p:clrMapOvr>
-    <a:masterClrMapping/>
-  </p:clrMapOvr>
-</p:notes>
-</file>
-
-<file path=ppt/notesSlides/notesSlide6.xml><?xml version="1.0" encoding="utf-8"?>
-<p:notes xmlns:a="http://schemas.openxmlformats.org/drawingml/2006/main" xmlns:r="http://schemas.openxmlformats.org/officeDocument/2006/relationships" xmlns:p="http://schemas.openxmlformats.org/presentationml/2006/main">
-  <p:cSld>
-    <p:spTree>
-      <p:nvGrpSpPr>
-        <p:cNvPr id="1" name=""/>
-        <p:cNvGrpSpPr/>
-        <p:nvPr/>
-      </p:nvGrpSpPr>
-      <p:grpSpPr>
-        <a:xfrm>
-          <a:off x="0" y="0"/>
-          <a:ext cx="0" cy="0"/>
-          <a:chOff x="0" y="0"/>
-          <a:chExt cx="0" cy="0"/>
-        </a:xfrm>
-      </p:grpSpPr>
-      <p:sp>
-        <p:nvSpPr>
-          <p:cNvPr id="2" name="幻灯片图像占位符 1"/>
-          <p:cNvSpPr>
-            <a:spLocks noGrp="1" noRot="1" noChangeAspect="1"/>
-          </p:cNvSpPr>
-          <p:nvPr>
-            <p:ph type="sldImg"/>
-          </p:nvPr>
-        </p:nvSpPr>
-        <p:spPr/>
-      </p:sp>
-      <p:sp>
-        <p:nvSpPr>
-          <p:cNvPr id="3" name="备注占位符 2"/>
-          <p:cNvSpPr>
-            <a:spLocks noGrp="1"/>
-          </p:cNvSpPr>
-          <p:nvPr>
-            <p:ph type="body" idx="1"/>
-          </p:nvPr>
-        </p:nvSpPr>
-        <p:spPr/>
-        <p:txBody>
-          <a:bodyPr/>
-          <a:lstStyle/>
-          <a:p>
-            <a:endParaRPr lang="zh-CN" altLang="en-US" dirty="0"/>
-          </a:p>
-        </p:txBody>
-      </p:sp>
-      <p:sp>
-        <p:nvSpPr>
-          <p:cNvPr id="4" name="灯片编号占位符 3"/>
-          <p:cNvSpPr>
-            <a:spLocks noGrp="1"/>
-          </p:cNvSpPr>
-          <p:nvPr>
-            <p:ph type="sldNum" sz="quarter" idx="5"/>
-          </p:nvPr>
-        </p:nvSpPr>
-        <p:spPr/>
-        <p:txBody>
-          <a:bodyPr/>
-          <a:lstStyle/>
-          <a:p>
-            <a:fld id="{2C092C30-C02F-48DE-947D-311697961749}" type="slidenum">
-              <a:rPr lang="zh-CN" altLang="en-US" smtClean="0"/>
-              <a:t>12</a:t>
             </a:fld>
             <a:endParaRPr lang="zh-CN" altLang="en-US"/>
           </a:p>
@@ -6521,8 +4347,8 @@
         </p:nvSpPr>
         <p:spPr>
           <a:xfrm>
-            <a:off x="4700388" y="3424269"/>
-            <a:ext cx="3069227" cy="2107504"/>
+            <a:off x="4700388" y="3328835"/>
+            <a:ext cx="3069227" cy="2202938"/>
           </a:xfrm>
           <a:prstGeom prst="roundRect">
             <a:avLst/>
@@ -6809,47 +4635,6 @@
           </a:fontRef>
         </p:style>
       </p:cxnSp>
-      <p:cxnSp>
-        <p:nvCxnSpPr>
-          <p:cNvPr id="21" name="直接连接符 20">
-            <a:extLst>
-              <a:ext uri="{FF2B5EF4-FFF2-40B4-BE49-F238E27FC236}">
-                <a16:creationId xmlns:a16="http://schemas.microsoft.com/office/drawing/2014/main" id="{D9F1A309-EAB1-48A0-B2C1-60510B6BFCBB}"/>
-              </a:ext>
-            </a:extLst>
-          </p:cNvPr>
-          <p:cNvCxnSpPr>
-            <a:cxnSpLocks/>
-            <a:stCxn id="7" idx="2"/>
-            <a:endCxn id="5" idx="6"/>
-          </p:cNvCxnSpPr>
-          <p:nvPr/>
-        </p:nvCxnSpPr>
-        <p:spPr>
-          <a:xfrm flipH="1">
-            <a:off x="5615218" y="3913374"/>
-            <a:ext cx="1155389" cy="0"/>
-          </a:xfrm>
-          <a:prstGeom prst="line">
-            <a:avLst/>
-          </a:prstGeom>
-          <a:ln w="38100"/>
-        </p:spPr>
-        <p:style>
-          <a:lnRef idx="2">
-            <a:schemeClr val="dk1"/>
-          </a:lnRef>
-          <a:fillRef idx="1">
-            <a:schemeClr val="lt1"/>
-          </a:fillRef>
-          <a:effectRef idx="0">
-            <a:schemeClr val="dk1"/>
-          </a:effectRef>
-          <a:fontRef idx="minor">
-            <a:schemeClr val="dk1"/>
-          </a:fontRef>
-        </p:style>
-      </p:cxnSp>
       <p:sp>
         <p:nvSpPr>
           <p:cNvPr id="25" name="矩形 24">
@@ -7013,6 +4798,13 @@
               </a:rPr>
               <a:t>Ingress</a:t>
             </a:r>
+          </a:p>
+          <a:p>
+            <a:pPr algn="ctr"/>
+            <a:r>
+              <a:rPr lang="en-US" altLang="zh-CN" dirty="0"/>
+              <a:t>h1</a:t>
+            </a:r>
             <a:endParaRPr lang="zh-CN" altLang="en-US" dirty="0">
               <a:solidFill>
                 <a:schemeClr val="dk1"/>
@@ -7158,7 +4950,7 @@
         </p:nvSpPr>
         <p:spPr>
           <a:xfrm>
-            <a:off x="5406721" y="4225688"/>
+            <a:off x="5360789" y="4145781"/>
             <a:ext cx="659876" cy="622169"/>
           </a:xfrm>
           <a:prstGeom prst="irregularSeal1">
@@ -7609,7 +5401,7 @@
         </p:nvSpPr>
         <p:spPr>
           <a:xfrm>
-            <a:off x="5691848" y="3435061"/>
+            <a:off x="5498822" y="3336838"/>
             <a:ext cx="995785" cy="369332"/>
           </a:xfrm>
           <a:prstGeom prst="rect">
@@ -7949,7 +5741,7 @@
         <p:spPr>
           <a:xfrm>
             <a:off x="8592523" y="4490978"/>
-            <a:ext cx="1451038" cy="369332"/>
+            <a:ext cx="1207382" cy="369332"/>
           </a:xfrm>
           <a:prstGeom prst="rect">
             <a:avLst/>
@@ -7964,7 +5756,7 @@
           <a:p>
             <a:r>
               <a:rPr lang="en-US" altLang="zh-CN" dirty="0"/>
-              <a:t>1.1.1.1.223/8</a:t>
+              <a:t>1.1.1.1.2/8</a:t>
             </a:r>
             <a:endParaRPr lang="zh-CN" altLang="en-US" dirty="0"/>
           </a:p>
@@ -8161,7 +5953,7 @@
         <p:spPr>
           <a:xfrm>
             <a:off x="8226481" y="6016093"/>
-            <a:ext cx="3810659" cy="646331"/>
+            <a:ext cx="3938899" cy="646331"/>
           </a:xfrm>
           <a:prstGeom prst="rect">
             <a:avLst/>
@@ -8184,7 +5976,7 @@
                   </a:outerShdw>
                 </a:effectLst>
               </a:rPr>
-              <a:t>Inbound traffic = 1.1.1.1 -&gt; 2.2.2.2</a:t>
+              <a:t>Inbound traffic = 1.1.1.1 -&gt; 2.2.0.34</a:t>
             </a:r>
           </a:p>
           <a:p>
@@ -8245,7 +6037,7 @@
         </p:nvSpPr>
         <p:spPr>
           <a:xfrm>
-            <a:off x="4740046" y="2018928"/>
+            <a:off x="2458674" y="4469725"/>
             <a:ext cx="1109803" cy="572726"/>
           </a:xfrm>
           <a:prstGeom prst="rect">
@@ -8273,19 +6065,19 @@
           <a:p>
             <a:pPr algn="ctr"/>
             <a:r>
+              <a:rPr lang="en-US" altLang="zh-CN" dirty="0"/>
+              <a:t>Server 1</a:t>
+            </a:r>
+          </a:p>
+          <a:p>
+            <a:pPr algn="ctr"/>
+            <a:r>
               <a:rPr lang="en-US" altLang="zh-CN" dirty="0">
                 <a:solidFill>
                   <a:schemeClr val="dk1"/>
                 </a:solidFill>
               </a:rPr>
-              <a:t>Web</a:t>
-            </a:r>
-          </a:p>
-          <a:p>
-            <a:pPr algn="ctr"/>
-            <a:r>
-              <a:rPr lang="en-US" altLang="zh-CN" dirty="0"/>
-              <a:t>Server 1</a:t>
+              <a:t>h2</a:t>
             </a:r>
             <a:endParaRPr lang="zh-CN" altLang="en-US" dirty="0">
               <a:solidFill>
@@ -8306,15 +6098,15 @@
           </p:cNvPr>
           <p:cNvCxnSpPr>
             <a:cxnSpLocks/>
-            <a:stCxn id="6" idx="0"/>
-            <a:endCxn id="68" idx="2"/>
+            <a:stCxn id="6" idx="2"/>
+            <a:endCxn id="68" idx="3"/>
           </p:cNvCxnSpPr>
           <p:nvPr/>
         </p:nvCxnSpPr>
         <p:spPr>
           <a:xfrm flipH="1" flipV="1">
-            <a:off x="5294948" y="2591654"/>
-            <a:ext cx="979340" cy="2025131"/>
+            <a:off x="3568477" y="4756088"/>
+            <a:ext cx="2288655" cy="269990"/>
           </a:xfrm>
           <a:prstGeom prst="line">
             <a:avLst/>
@@ -8350,8 +6142,8 @@
         </p:nvSpPr>
         <p:spPr>
           <a:xfrm>
-            <a:off x="4597064" y="2628614"/>
-            <a:ext cx="1765227" cy="369332"/>
+            <a:off x="3582448" y="4480489"/>
+            <a:ext cx="1277914" cy="369332"/>
           </a:xfrm>
           <a:prstGeom prst="rect">
             <a:avLst/>
@@ -8366,7 +6158,7 @@
           <a:p>
             <a:r>
               <a:rPr lang="en-US" altLang="zh-CN" dirty="0"/>
-              <a:t>192.168.0.36/27</a:t>
+              <a:t>2.2.0.34/27</a:t>
             </a:r>
             <a:endParaRPr lang="zh-CN" altLang="en-US" dirty="0"/>
           </a:p>
@@ -8387,7 +6179,7 @@
         <p:spPr>
           <a:xfrm>
             <a:off x="6421885" y="4678721"/>
-            <a:ext cx="1277914" cy="369332"/>
+            <a:ext cx="1034257" cy="369332"/>
           </a:xfrm>
           <a:prstGeom prst="rect">
             <a:avLst/>
@@ -8402,7 +6194,7 @@
           <a:p>
             <a:r>
               <a:rPr lang="en-US" altLang="zh-CN" dirty="0"/>
-              <a:t>1.1.1.123/8</a:t>
+              <a:t>1.1.1.1/8</a:t>
             </a:r>
             <a:endParaRPr lang="zh-CN" altLang="en-US" dirty="0"/>
           </a:p>
@@ -8423,7 +6215,7 @@
         <p:spPr>
           <a:xfrm>
             <a:off x="6933179" y="5712967"/>
-            <a:ext cx="1765227" cy="369332"/>
+            <a:ext cx="1277914" cy="369332"/>
           </a:xfrm>
           <a:prstGeom prst="rect">
             <a:avLst/>
@@ -8438,7 +6230,7 @@
           <a:p>
             <a:r>
               <a:rPr lang="en-US" altLang="zh-CN" dirty="0"/>
-              <a:t>192.168.0.34/27</a:t>
+              <a:t>2.2.0.35/27</a:t>
             </a:r>
             <a:endParaRPr lang="zh-CN" altLang="en-US" dirty="0"/>
           </a:p>
@@ -8511,255 +6303,6 @@
             <a:r>
               <a:rPr lang="en-US" altLang="zh-CN" dirty="0"/>
               <a:t>10.0.0.2</a:t>
-            </a:r>
-            <a:endParaRPr lang="zh-CN" altLang="en-US" dirty="0"/>
-          </a:p>
-        </p:txBody>
-      </p:sp>
-      <p:sp>
-        <p:nvSpPr>
-          <p:cNvPr id="71" name="文本框 70">
-            <a:extLst>
-              <a:ext uri="{FF2B5EF4-FFF2-40B4-BE49-F238E27FC236}">
-                <a16:creationId xmlns:a16="http://schemas.microsoft.com/office/drawing/2014/main" id="{55E1701F-6506-4B88-94B4-7A6054583D39}"/>
-              </a:ext>
-            </a:extLst>
-          </p:cNvPr>
-          <p:cNvSpPr txBox="1"/>
-          <p:nvPr/>
-        </p:nvSpPr>
-        <p:spPr>
-          <a:xfrm>
-            <a:off x="9827846" y="4846944"/>
-            <a:ext cx="433132" cy="369332"/>
-          </a:xfrm>
-          <a:prstGeom prst="rect">
-            <a:avLst/>
-          </a:prstGeom>
-          <a:noFill/>
-        </p:spPr>
-        <p:txBody>
-          <a:bodyPr wrap="none" rtlCol="0">
-            <a:spAutoFit/>
-          </a:bodyPr>
-          <a:lstStyle/>
-          <a:p>
-            <a:r>
-              <a:rPr lang="en-US" altLang="zh-CN" dirty="0"/>
-              <a:t>h1</a:t>
-            </a:r>
-            <a:endParaRPr lang="zh-CN" altLang="en-US" dirty="0"/>
-          </a:p>
-        </p:txBody>
-      </p:sp>
-      <p:sp>
-        <p:nvSpPr>
-          <p:cNvPr id="72" name="文本框 71">
-            <a:extLst>
-              <a:ext uri="{FF2B5EF4-FFF2-40B4-BE49-F238E27FC236}">
-                <a16:creationId xmlns:a16="http://schemas.microsoft.com/office/drawing/2014/main" id="{DEFA7A93-7962-4C8A-8802-36656405C098}"/>
-              </a:ext>
-            </a:extLst>
-          </p:cNvPr>
-          <p:cNvSpPr txBox="1"/>
-          <p:nvPr/>
-        </p:nvSpPr>
-        <p:spPr>
-          <a:xfrm>
-            <a:off x="5831517" y="2062050"/>
-            <a:ext cx="433132" cy="369332"/>
-          </a:xfrm>
-          <a:prstGeom prst="rect">
-            <a:avLst/>
-          </a:prstGeom>
-          <a:noFill/>
-        </p:spPr>
-        <p:txBody>
-          <a:bodyPr wrap="none" rtlCol="0">
-            <a:spAutoFit/>
-          </a:bodyPr>
-          <a:lstStyle/>
-          <a:p>
-            <a:r>
-              <a:rPr lang="en-US" altLang="zh-CN" dirty="0"/>
-              <a:t>h2</a:t>
-            </a:r>
-            <a:endParaRPr lang="zh-CN" altLang="en-US" dirty="0"/>
-          </a:p>
-        </p:txBody>
-      </p:sp>
-      <p:sp>
-        <p:nvSpPr>
-          <p:cNvPr id="64" name="矩形 63">
-            <a:extLst>
-              <a:ext uri="{FF2B5EF4-FFF2-40B4-BE49-F238E27FC236}">
-                <a16:creationId xmlns:a16="http://schemas.microsoft.com/office/drawing/2014/main" id="{5AB49E7C-5673-4BDB-8E15-1B5265DE7C7C}"/>
-              </a:ext>
-            </a:extLst>
-          </p:cNvPr>
-          <p:cNvSpPr/>
-          <p:nvPr/>
-        </p:nvSpPr>
-        <p:spPr>
-          <a:xfrm>
-            <a:off x="6810857" y="2024915"/>
-            <a:ext cx="1109803" cy="572726"/>
-          </a:xfrm>
-          <a:prstGeom prst="rect">
-            <a:avLst/>
-          </a:prstGeom>
-          <a:ln w="38100"/>
-        </p:spPr>
-        <p:style>
-          <a:lnRef idx="2">
-            <a:schemeClr val="dk1"/>
-          </a:lnRef>
-          <a:fillRef idx="1">
-            <a:schemeClr val="lt1"/>
-          </a:fillRef>
-          <a:effectRef idx="0">
-            <a:schemeClr val="dk1"/>
-          </a:effectRef>
-          <a:fontRef idx="minor">
-            <a:schemeClr val="dk1"/>
-          </a:fontRef>
-        </p:style>
-        <p:txBody>
-          <a:bodyPr rtlCol="0" anchor="ctr"/>
-          <a:lstStyle/>
-          <a:p>
-            <a:pPr algn="ctr"/>
-            <a:r>
-              <a:rPr lang="en-US" altLang="zh-CN" dirty="0">
-                <a:solidFill>
-                  <a:schemeClr val="dk1"/>
-                </a:solidFill>
-              </a:rPr>
-              <a:t>Web</a:t>
-            </a:r>
-          </a:p>
-          <a:p>
-            <a:pPr algn="ctr"/>
-            <a:r>
-              <a:rPr lang="en-US" altLang="zh-CN" dirty="0"/>
-              <a:t>Server 2</a:t>
-            </a:r>
-            <a:endParaRPr lang="zh-CN" altLang="en-US" dirty="0">
-              <a:solidFill>
-                <a:schemeClr val="dk1"/>
-              </a:solidFill>
-            </a:endParaRPr>
-          </a:p>
-        </p:txBody>
-      </p:sp>
-      <p:sp>
-        <p:nvSpPr>
-          <p:cNvPr id="65" name="文本框 64">
-            <a:extLst>
-              <a:ext uri="{FF2B5EF4-FFF2-40B4-BE49-F238E27FC236}">
-                <a16:creationId xmlns:a16="http://schemas.microsoft.com/office/drawing/2014/main" id="{DF1A5EEB-1514-433C-95CB-618E1A5EE5EC}"/>
-              </a:ext>
-            </a:extLst>
-          </p:cNvPr>
-          <p:cNvSpPr txBox="1"/>
-          <p:nvPr/>
-        </p:nvSpPr>
-        <p:spPr>
-          <a:xfrm>
-            <a:off x="6469109" y="2663718"/>
-            <a:ext cx="1765227" cy="369332"/>
-          </a:xfrm>
-          <a:prstGeom prst="rect">
-            <a:avLst/>
-          </a:prstGeom>
-          <a:noFill/>
-        </p:spPr>
-        <p:txBody>
-          <a:bodyPr wrap="none" rtlCol="0">
-            <a:spAutoFit/>
-          </a:bodyPr>
-          <a:lstStyle/>
-          <a:p>
-            <a:r>
-              <a:rPr lang="en-US" altLang="zh-CN" dirty="0"/>
-              <a:t>192.168.0.37/27</a:t>
-            </a:r>
-            <a:endParaRPr lang="zh-CN" altLang="en-US" dirty="0"/>
-          </a:p>
-        </p:txBody>
-      </p:sp>
-      <p:cxnSp>
-        <p:nvCxnSpPr>
-          <p:cNvPr id="66" name="直接连接符 65">
-            <a:extLst>
-              <a:ext uri="{FF2B5EF4-FFF2-40B4-BE49-F238E27FC236}">
-                <a16:creationId xmlns:a16="http://schemas.microsoft.com/office/drawing/2014/main" id="{92AEFB74-E77A-4FAA-AAF4-AC9BC6301B44}"/>
-              </a:ext>
-            </a:extLst>
-          </p:cNvPr>
-          <p:cNvCxnSpPr>
-            <a:cxnSpLocks/>
-            <a:stCxn id="6" idx="0"/>
-            <a:endCxn id="64" idx="2"/>
-          </p:cNvCxnSpPr>
-          <p:nvPr/>
-        </p:nvCxnSpPr>
-        <p:spPr>
-          <a:xfrm flipV="1">
-            <a:off x="6274288" y="2597641"/>
-            <a:ext cx="1091471" cy="2019144"/>
-          </a:xfrm>
-          <a:prstGeom prst="line">
-            <a:avLst/>
-          </a:prstGeom>
-          <a:ln w="38100"/>
-        </p:spPr>
-        <p:style>
-          <a:lnRef idx="2">
-            <a:schemeClr val="dk1"/>
-          </a:lnRef>
-          <a:fillRef idx="1">
-            <a:schemeClr val="lt1"/>
-          </a:fillRef>
-          <a:effectRef idx="0">
-            <a:schemeClr val="dk1"/>
-          </a:effectRef>
-          <a:fontRef idx="minor">
-            <a:schemeClr val="dk1"/>
-          </a:fontRef>
-        </p:style>
-      </p:cxnSp>
-      <p:sp>
-        <p:nvSpPr>
-          <p:cNvPr id="69" name="文本框 68">
-            <a:extLst>
-              <a:ext uri="{FF2B5EF4-FFF2-40B4-BE49-F238E27FC236}">
-                <a16:creationId xmlns:a16="http://schemas.microsoft.com/office/drawing/2014/main" id="{F4A58702-014F-4AFD-BB59-909869AE0038}"/>
-              </a:ext>
-            </a:extLst>
-          </p:cNvPr>
-          <p:cNvSpPr txBox="1"/>
-          <p:nvPr/>
-        </p:nvSpPr>
-        <p:spPr>
-          <a:xfrm>
-            <a:off x="8255335" y="2070362"/>
-            <a:ext cx="433132" cy="369332"/>
-          </a:xfrm>
-          <a:prstGeom prst="rect">
-            <a:avLst/>
-          </a:prstGeom>
-          <a:noFill/>
-        </p:spPr>
-        <p:txBody>
-          <a:bodyPr wrap="none" rtlCol="0">
-            <a:spAutoFit/>
-          </a:bodyPr>
-          <a:lstStyle/>
-          <a:p>
-            <a:r>
-              <a:rPr lang="en-US" altLang="zh-CN" dirty="0"/>
-              <a:t>h3</a:t>
             </a:r>
             <a:endParaRPr lang="zh-CN" altLang="en-US" dirty="0"/>
           </a:p>
@@ -8822,47 +6365,6 @@
           </a:p>
         </p:txBody>
       </p:sp>
-      <p:cxnSp>
-        <p:nvCxnSpPr>
-          <p:cNvPr id="85" name="直接连接符 84">
-            <a:extLst>
-              <a:ext uri="{FF2B5EF4-FFF2-40B4-BE49-F238E27FC236}">
-                <a16:creationId xmlns:a16="http://schemas.microsoft.com/office/drawing/2014/main" id="{760A56E3-769F-4F6D-9363-1F2A759C81D4}"/>
-              </a:ext>
-            </a:extLst>
-          </p:cNvPr>
-          <p:cNvCxnSpPr>
-            <a:cxnSpLocks/>
-            <a:stCxn id="10" idx="2"/>
-            <a:endCxn id="80" idx="0"/>
-          </p:cNvCxnSpPr>
-          <p:nvPr/>
-        </p:nvCxnSpPr>
-        <p:spPr>
-          <a:xfrm>
-            <a:off x="6235002" y="5916213"/>
-            <a:ext cx="1117974" cy="143508"/>
-          </a:xfrm>
-          <a:prstGeom prst="line">
-            <a:avLst/>
-          </a:prstGeom>
-          <a:ln w="38100"/>
-        </p:spPr>
-        <p:style>
-          <a:lnRef idx="2">
-            <a:schemeClr val="dk1"/>
-          </a:lnRef>
-          <a:fillRef idx="1">
-            <a:schemeClr val="lt1"/>
-          </a:fillRef>
-          <a:effectRef idx="0">
-            <a:schemeClr val="dk1"/>
-          </a:effectRef>
-          <a:fontRef idx="minor">
-            <a:schemeClr val="dk1"/>
-          </a:fontRef>
-        </p:style>
-      </p:cxnSp>
       <p:sp>
         <p:nvSpPr>
           <p:cNvPr id="87" name="矩形 86">
@@ -8992,7 +6494,7 @@
         <p:spPr>
           <a:xfrm>
             <a:off x="9317450" y="2828221"/>
-            <a:ext cx="1765227" cy="369332"/>
+            <a:ext cx="1277914" cy="369332"/>
           </a:xfrm>
           <a:prstGeom prst="rect">
             <a:avLst/>
@@ -9007,7 +6509,7 @@
           <a:p>
             <a:r>
               <a:rPr lang="en-US" altLang="zh-CN" dirty="0"/>
-              <a:t>192.168.0.98/27</a:t>
+              <a:t>2.2.0.98/27</a:t>
             </a:r>
             <a:endParaRPr lang="zh-CN" altLang="en-US" dirty="0"/>
           </a:p>
@@ -9028,7 +6530,7 @@
         <p:spPr>
           <a:xfrm>
             <a:off x="2418492" y="2855539"/>
-            <a:ext cx="1765227" cy="369332"/>
+            <a:ext cx="1277914" cy="369332"/>
           </a:xfrm>
           <a:prstGeom prst="rect">
             <a:avLst/>
@@ -9043,7 +6545,115 @@
           <a:p>
             <a:r>
               <a:rPr lang="en-US" altLang="zh-CN" dirty="0"/>
-              <a:t>192.168.0.68/27</a:t>
+              <a:t>2.2.0.68/27</a:t>
+            </a:r>
+            <a:endParaRPr lang="zh-CN" altLang="en-US" dirty="0"/>
+          </a:p>
+        </p:txBody>
+      </p:sp>
+      <p:sp>
+        <p:nvSpPr>
+          <p:cNvPr id="93" name="文本框 92">
+            <a:extLst>
+              <a:ext uri="{FF2B5EF4-FFF2-40B4-BE49-F238E27FC236}">
+                <a16:creationId xmlns:a16="http://schemas.microsoft.com/office/drawing/2014/main" id="{870A4AEB-5C76-4965-9605-1CE8493A823C}"/>
+              </a:ext>
+            </a:extLst>
+          </p:cNvPr>
+          <p:cNvSpPr txBox="1"/>
+          <p:nvPr/>
+        </p:nvSpPr>
+        <p:spPr>
+          <a:xfrm>
+            <a:off x="4528799" y="5778691"/>
+            <a:ext cx="1277914" cy="369332"/>
+          </a:xfrm>
+          <a:prstGeom prst="rect">
+            <a:avLst/>
+          </a:prstGeom>
+          <a:noFill/>
+        </p:spPr>
+        <p:txBody>
+          <a:bodyPr wrap="none" rtlCol="0">
+            <a:spAutoFit/>
+          </a:bodyPr>
+          <a:lstStyle/>
+          <a:p>
+            <a:r>
+              <a:rPr lang="en-US" altLang="zh-CN" dirty="0"/>
+              <a:t>2.2.0.36/27</a:t>
+            </a:r>
+            <a:endParaRPr lang="zh-CN" altLang="en-US" dirty="0"/>
+          </a:p>
+        </p:txBody>
+      </p:sp>
+      <p:sp>
+        <p:nvSpPr>
+          <p:cNvPr id="94" name="文本框 93">
+            <a:extLst>
+              <a:ext uri="{FF2B5EF4-FFF2-40B4-BE49-F238E27FC236}">
+                <a16:creationId xmlns:a16="http://schemas.microsoft.com/office/drawing/2014/main" id="{13F510F8-CC2A-4F24-9CC4-318584BCD982}"/>
+              </a:ext>
+            </a:extLst>
+          </p:cNvPr>
+          <p:cNvSpPr txBox="1"/>
+          <p:nvPr/>
+        </p:nvSpPr>
+        <p:spPr>
+          <a:xfrm>
+            <a:off x="2481412" y="4101663"/>
+            <a:ext cx="1277914" cy="369332"/>
+          </a:xfrm>
+          <a:prstGeom prst="rect">
+            <a:avLst/>
+          </a:prstGeom>
+          <a:noFill/>
+        </p:spPr>
+        <p:txBody>
+          <a:bodyPr wrap="none" rtlCol="0">
+            <a:spAutoFit/>
+          </a:bodyPr>
+          <a:lstStyle/>
+          <a:p>
+            <a:r>
+              <a:rPr lang="en-US" altLang="zh-CN" dirty="0"/>
+              <a:t>2.2.0.69/27</a:t>
+            </a:r>
+            <a:endParaRPr lang="zh-CN" altLang="en-US" dirty="0"/>
+          </a:p>
+        </p:txBody>
+      </p:sp>
+      <p:sp>
+        <p:nvSpPr>
+          <p:cNvPr id="95" name="文本框 94">
+            <a:extLst>
+              <a:ext uri="{FF2B5EF4-FFF2-40B4-BE49-F238E27FC236}">
+                <a16:creationId xmlns:a16="http://schemas.microsoft.com/office/drawing/2014/main" id="{D62BF4AA-C2FC-4F5D-90B4-98DE1285FC1D}"/>
+              </a:ext>
+            </a:extLst>
+          </p:cNvPr>
+          <p:cNvSpPr txBox="1"/>
+          <p:nvPr/>
+        </p:nvSpPr>
+        <p:spPr>
+          <a:xfrm>
+            <a:off x="8947297" y="4091158"/>
+            <a:ext cx="1277914" cy="369332"/>
+          </a:xfrm>
+          <a:prstGeom prst="rect">
+            <a:avLst/>
+          </a:prstGeom>
+          <a:noFill/>
+        </p:spPr>
+        <p:txBody>
+          <a:bodyPr wrap="none" rtlCol="0">
+            <a:spAutoFit/>
+          </a:bodyPr>
+          <a:lstStyle/>
+          <a:p>
+            <a:r>
+              <a:rPr lang="en-US" altLang="zh-CN" dirty="0"/>
+              <a:t>2.2.0.99/27</a:t>
             </a:r>
             <a:endParaRPr lang="zh-CN" altLang="en-US" dirty="0"/>
           </a:p>
@@ -9051,24 +6661,24 @@
       </p:sp>
       <p:cxnSp>
         <p:nvCxnSpPr>
-          <p:cNvPr id="89" name="直接连接符 88">
-            <a:extLst>
-              <a:ext uri="{FF2B5EF4-FFF2-40B4-BE49-F238E27FC236}">
-                <a16:creationId xmlns:a16="http://schemas.microsoft.com/office/drawing/2014/main" id="{DE931029-D9D1-43EA-8AC7-4B32608CE9DB}"/>
+          <p:cNvPr id="98" name="直接连接符 97">
+            <a:extLst>
+              <a:ext uri="{FF2B5EF4-FFF2-40B4-BE49-F238E27FC236}">
+                <a16:creationId xmlns:a16="http://schemas.microsoft.com/office/drawing/2014/main" id="{02F08F7A-8AC0-497C-AF9F-04D7A2DB3F17}"/>
               </a:ext>
             </a:extLst>
           </p:cNvPr>
           <p:cNvCxnSpPr>
             <a:cxnSpLocks/>
-            <a:stCxn id="87" idx="3"/>
-            <a:endCxn id="56" idx="0"/>
+            <a:stCxn id="5" idx="6"/>
+            <a:endCxn id="7" idx="2"/>
           </p:cNvCxnSpPr>
           <p:nvPr/>
         </p:nvCxnSpPr>
         <p:spPr>
           <a:xfrm>
-            <a:off x="3646064" y="3395017"/>
-            <a:ext cx="527394" cy="336618"/>
+            <a:off x="5615218" y="3913374"/>
+            <a:ext cx="1155389" cy="0"/>
           </a:xfrm>
           <a:prstGeom prst="line">
             <a:avLst/>
@@ -9090,28 +6700,24 @@
           </a:fontRef>
         </p:style>
       </p:cxnSp>
-      <p:cxnSp>
-        <p:nvCxnSpPr>
-          <p:cNvPr id="90" name="直接连接符 89">
-            <a:extLst>
-              <a:ext uri="{FF2B5EF4-FFF2-40B4-BE49-F238E27FC236}">
-                <a16:creationId xmlns:a16="http://schemas.microsoft.com/office/drawing/2014/main" id="{83E8303B-888E-4A3F-8B20-403246060CC8}"/>
-              </a:ext>
-            </a:extLst>
-          </p:cNvPr>
-          <p:cNvCxnSpPr>
-            <a:cxnSpLocks/>
-            <a:stCxn id="88" idx="1"/>
-            <a:endCxn id="57" idx="0"/>
-          </p:cNvCxnSpPr>
-          <p:nvPr/>
-        </p:nvCxnSpPr>
-        <p:spPr>
-          <a:xfrm flipH="1">
-            <a:off x="8641747" y="3422362"/>
-            <a:ext cx="903908" cy="335842"/>
-          </a:xfrm>
-          <a:prstGeom prst="line">
+      <p:sp>
+        <p:nvSpPr>
+          <p:cNvPr id="99" name="矩形 98">
+            <a:extLst>
+              <a:ext uri="{FF2B5EF4-FFF2-40B4-BE49-F238E27FC236}">
+                <a16:creationId xmlns:a16="http://schemas.microsoft.com/office/drawing/2014/main" id="{EE24C969-DEBB-4D30-BB58-A30D41E57A39}"/>
+              </a:ext>
+            </a:extLst>
+          </p:cNvPr>
+          <p:cNvSpPr/>
+          <p:nvPr/>
+        </p:nvSpPr>
+        <p:spPr>
+          <a:xfrm>
+            <a:off x="3740517" y="4963422"/>
+            <a:ext cx="1109803" cy="572726"/>
+          </a:xfrm>
+          <a:prstGeom prst="rect">
             <a:avLst/>
           </a:prstGeom>
           <a:ln w="38100"/>
@@ -9130,25 +6736,64 @@
             <a:schemeClr val="dk1"/>
           </a:fontRef>
         </p:style>
-      </p:cxnSp>
-      <p:sp>
-        <p:nvSpPr>
-          <p:cNvPr id="77" name="矩形 76">
-            <a:extLst>
-              <a:ext uri="{FF2B5EF4-FFF2-40B4-BE49-F238E27FC236}">
-                <a16:creationId xmlns:a16="http://schemas.microsoft.com/office/drawing/2014/main" id="{913B11FE-222D-4174-A096-F9962189C18D}"/>
-              </a:ext>
-            </a:extLst>
-          </p:cNvPr>
-          <p:cNvSpPr/>
-          <p:nvPr/>
-        </p:nvSpPr>
-        <p:spPr>
-          <a:xfrm>
-            <a:off x="9127545" y="1517870"/>
-            <a:ext cx="1109803" cy="572726"/>
-          </a:xfrm>
-          <a:prstGeom prst="rect">
+        <p:txBody>
+          <a:bodyPr rtlCol="0" anchor="ctr"/>
+          <a:lstStyle/>
+          <a:p>
+            <a:pPr algn="ctr"/>
+            <a:r>
+              <a:rPr lang="en-US" altLang="zh-CN" dirty="0">
+                <a:solidFill>
+                  <a:schemeClr val="dk1"/>
+                </a:solidFill>
+              </a:rPr>
+              <a:t>Server </a:t>
+            </a:r>
+            <a:r>
+              <a:rPr lang="en-US" altLang="zh-CN" dirty="0"/>
+              <a:t>2</a:t>
+            </a:r>
+          </a:p>
+          <a:p>
+            <a:pPr algn="ctr"/>
+            <a:r>
+              <a:rPr lang="en-US" altLang="zh-CN" dirty="0">
+                <a:solidFill>
+                  <a:schemeClr val="dk1"/>
+                </a:solidFill>
+              </a:rPr>
+              <a:t>h3</a:t>
+            </a:r>
+            <a:endParaRPr lang="zh-CN" altLang="en-US" dirty="0">
+              <a:solidFill>
+                <a:schemeClr val="dk1"/>
+              </a:solidFill>
+            </a:endParaRPr>
+          </a:p>
+        </p:txBody>
+      </p:sp>
+      <p:cxnSp>
+        <p:nvCxnSpPr>
+          <p:cNvPr id="100" name="直接连接符 99">
+            <a:extLst>
+              <a:ext uri="{FF2B5EF4-FFF2-40B4-BE49-F238E27FC236}">
+                <a16:creationId xmlns:a16="http://schemas.microsoft.com/office/drawing/2014/main" id="{8A98D02B-C873-45C7-9836-2E18B275EBB9}"/>
+              </a:ext>
+            </a:extLst>
+          </p:cNvPr>
+          <p:cNvCxnSpPr>
+            <a:cxnSpLocks/>
+            <a:stCxn id="6" idx="2"/>
+            <a:endCxn id="99" idx="3"/>
+          </p:cNvCxnSpPr>
+          <p:nvPr/>
+        </p:nvCxnSpPr>
+        <p:spPr>
+          <a:xfrm flipH="1">
+            <a:off x="4850320" y="5026078"/>
+            <a:ext cx="1006812" cy="223707"/>
+          </a:xfrm>
+          <a:prstGeom prst="line">
             <a:avLst/>
           </a:prstGeom>
           <a:ln w="38100"/>
@@ -9167,6 +6812,43 @@
             <a:schemeClr val="dk1"/>
           </a:fontRef>
         </p:style>
+      </p:cxnSp>
+      <p:sp>
+        <p:nvSpPr>
+          <p:cNvPr id="102" name="矩形 101">
+            <a:extLst>
+              <a:ext uri="{FF2B5EF4-FFF2-40B4-BE49-F238E27FC236}">
+                <a16:creationId xmlns:a16="http://schemas.microsoft.com/office/drawing/2014/main" id="{4903BAFA-667D-4941-AF10-5E634D2162F5}"/>
+              </a:ext>
+            </a:extLst>
+          </p:cNvPr>
+          <p:cNvSpPr/>
+          <p:nvPr/>
+        </p:nvSpPr>
+        <p:spPr>
+          <a:xfrm>
+            <a:off x="7893634" y="2103231"/>
+            <a:ext cx="1109803" cy="572726"/>
+          </a:xfrm>
+          <a:prstGeom prst="rect">
+            <a:avLst/>
+          </a:prstGeom>
+          <a:ln w="38100"/>
+        </p:spPr>
+        <p:style>
+          <a:lnRef idx="2">
+            <a:schemeClr val="dk1"/>
+          </a:lnRef>
+          <a:fillRef idx="1">
+            <a:schemeClr val="lt1"/>
+          </a:fillRef>
+          <a:effectRef idx="0">
+            <a:schemeClr val="dk1"/>
+          </a:effectRef>
+          <a:fontRef idx="minor">
+            <a:schemeClr val="dk1"/>
+          </a:fontRef>
+        </p:style>
         <p:txBody>
           <a:bodyPr rtlCol="0" anchor="ctr"/>
           <a:lstStyle/>
@@ -9178,14 +6860,14 @@
                   <a:schemeClr val="dk1"/>
                 </a:solidFill>
               </a:rPr>
-              <a:t>Web</a:t>
+              <a:t>Server 3</a:t>
             </a:r>
           </a:p>
           <a:p>
             <a:pPr algn="ctr"/>
             <a:r>
               <a:rPr lang="en-US" altLang="zh-CN" dirty="0"/>
-              <a:t>Server 3</a:t>
+              <a:t>h4</a:t>
             </a:r>
             <a:endParaRPr lang="zh-CN" altLang="en-US" dirty="0">
               <a:solidFill>
@@ -9195,62 +6877,26 @@
           </a:p>
         </p:txBody>
       </p:sp>
-      <p:sp>
-        <p:nvSpPr>
-          <p:cNvPr id="78" name="文本框 77">
-            <a:extLst>
-              <a:ext uri="{FF2B5EF4-FFF2-40B4-BE49-F238E27FC236}">
-                <a16:creationId xmlns:a16="http://schemas.microsoft.com/office/drawing/2014/main" id="{2544D5C0-D578-4CAB-AC96-CBD44F529D37}"/>
-              </a:ext>
-            </a:extLst>
-          </p:cNvPr>
-          <p:cNvSpPr txBox="1"/>
-          <p:nvPr/>
-        </p:nvSpPr>
-        <p:spPr>
-          <a:xfrm>
-            <a:off x="10277901" y="1606830"/>
-            <a:ext cx="433132" cy="369332"/>
-          </a:xfrm>
-          <a:prstGeom prst="rect">
-            <a:avLst/>
-          </a:prstGeom>
-          <a:noFill/>
-        </p:spPr>
-        <p:txBody>
-          <a:bodyPr wrap="none" rtlCol="0">
-            <a:spAutoFit/>
-          </a:bodyPr>
-          <a:lstStyle/>
-          <a:p>
-            <a:r>
-              <a:rPr lang="en-US" altLang="zh-CN" dirty="0"/>
-              <a:t>h4</a:t>
-            </a:r>
-            <a:endParaRPr lang="zh-CN" altLang="en-US" dirty="0"/>
-          </a:p>
-        </p:txBody>
-      </p:sp>
       <p:cxnSp>
         <p:nvCxnSpPr>
-          <p:cNvPr id="91" name="直接连接符 90">
-            <a:extLst>
-              <a:ext uri="{FF2B5EF4-FFF2-40B4-BE49-F238E27FC236}">
-                <a16:creationId xmlns:a16="http://schemas.microsoft.com/office/drawing/2014/main" id="{DBBE9526-4636-41C2-8C73-2E11EFD898DE}"/>
+          <p:cNvPr id="103" name="直接连接符 102">
+            <a:extLst>
+              <a:ext uri="{FF2B5EF4-FFF2-40B4-BE49-F238E27FC236}">
+                <a16:creationId xmlns:a16="http://schemas.microsoft.com/office/drawing/2014/main" id="{7315CAC2-3F00-4407-A3D5-B2F103BD90BB}"/>
               </a:ext>
             </a:extLst>
           </p:cNvPr>
           <p:cNvCxnSpPr>
             <a:cxnSpLocks/>
             <a:stCxn id="7" idx="7"/>
-            <a:endCxn id="77" idx="2"/>
+            <a:endCxn id="102" idx="2"/>
           </p:cNvCxnSpPr>
           <p:nvPr/>
         </p:nvCxnSpPr>
         <p:spPr>
           <a:xfrm flipV="1">
-            <a:off x="7482737" y="2090596"/>
-            <a:ext cx="2199710" cy="1533364"/>
+            <a:off x="7482737" y="2675957"/>
+            <a:ext cx="965799" cy="948003"/>
           </a:xfrm>
           <a:prstGeom prst="line">
             <a:avLst/>
@@ -9274,10 +6920,10 @@
       </p:cxnSp>
       <p:sp>
         <p:nvSpPr>
-          <p:cNvPr id="92" name="文本框 91">
-            <a:extLst>
-              <a:ext uri="{FF2B5EF4-FFF2-40B4-BE49-F238E27FC236}">
-                <a16:creationId xmlns:a16="http://schemas.microsoft.com/office/drawing/2014/main" id="{25981361-4042-4B6C-895B-F568BB9F145D}"/>
+          <p:cNvPr id="105" name="文本框 104">
+            <a:extLst>
+              <a:ext uri="{FF2B5EF4-FFF2-40B4-BE49-F238E27FC236}">
+                <a16:creationId xmlns:a16="http://schemas.microsoft.com/office/drawing/2014/main" id="{3E2DBD36-2142-4943-8AD9-5F5104AA432C}"/>
               </a:ext>
             </a:extLst>
           </p:cNvPr>
@@ -9286,8 +6932,8 @@
         </p:nvSpPr>
         <p:spPr>
           <a:xfrm>
-            <a:off x="8903554" y="2070362"/>
-            <a:ext cx="1887055" cy="369332"/>
+            <a:off x="4444287" y="5210411"/>
+            <a:ext cx="1277914" cy="369332"/>
           </a:xfrm>
           <a:prstGeom prst="rect">
             <a:avLst/>
@@ -9302,7 +6948,7 @@
           <a:p>
             <a:r>
               <a:rPr lang="en-US" altLang="zh-CN" dirty="0"/>
-              <a:t>192.168.0.100/27</a:t>
+              <a:t>2.2.0.37/27</a:t>
             </a:r>
             <a:endParaRPr lang="zh-CN" altLang="en-US" dirty="0"/>
           </a:p>
@@ -9310,10 +6956,10 @@
       </p:sp>
       <p:sp>
         <p:nvSpPr>
-          <p:cNvPr id="93" name="文本框 92">
-            <a:extLst>
-              <a:ext uri="{FF2B5EF4-FFF2-40B4-BE49-F238E27FC236}">
-                <a16:creationId xmlns:a16="http://schemas.microsoft.com/office/drawing/2014/main" id="{870A4AEB-5C76-4965-9605-1CE8493A823C}"/>
+          <p:cNvPr id="106" name="文本框 105">
+            <a:extLst>
+              <a:ext uri="{FF2B5EF4-FFF2-40B4-BE49-F238E27FC236}">
+                <a16:creationId xmlns:a16="http://schemas.microsoft.com/office/drawing/2014/main" id="{109069B5-42AB-44E1-BB4D-60EECB40040B}"/>
               </a:ext>
             </a:extLst>
           </p:cNvPr>
@@ -9322,8 +6968,8 @@
         </p:nvSpPr>
         <p:spPr>
           <a:xfrm>
-            <a:off x="4528799" y="5778691"/>
-            <a:ext cx="1765227" cy="369332"/>
+            <a:off x="7556063" y="2626416"/>
+            <a:ext cx="1399742" cy="369332"/>
           </a:xfrm>
           <a:prstGeom prst="rect">
             <a:avLst/>
@@ -9338,79 +6984,7 @@
           <a:p>
             <a:r>
               <a:rPr lang="en-US" altLang="zh-CN" dirty="0"/>
-              <a:t>192.168.0.35/27</a:t>
-            </a:r>
-            <a:endParaRPr lang="zh-CN" altLang="en-US" dirty="0"/>
-          </a:p>
-        </p:txBody>
-      </p:sp>
-      <p:sp>
-        <p:nvSpPr>
-          <p:cNvPr id="94" name="文本框 93">
-            <a:extLst>
-              <a:ext uri="{FF2B5EF4-FFF2-40B4-BE49-F238E27FC236}">
-                <a16:creationId xmlns:a16="http://schemas.microsoft.com/office/drawing/2014/main" id="{13F510F8-CC2A-4F24-9CC4-318584BCD982}"/>
-              </a:ext>
-            </a:extLst>
-          </p:cNvPr>
-          <p:cNvSpPr txBox="1"/>
-          <p:nvPr/>
-        </p:nvSpPr>
-        <p:spPr>
-          <a:xfrm>
-            <a:off x="2481412" y="4101663"/>
-            <a:ext cx="1765227" cy="369332"/>
-          </a:xfrm>
-          <a:prstGeom prst="rect">
-            <a:avLst/>
-          </a:prstGeom>
-          <a:noFill/>
-        </p:spPr>
-        <p:txBody>
-          <a:bodyPr wrap="none" rtlCol="0">
-            <a:spAutoFit/>
-          </a:bodyPr>
-          <a:lstStyle/>
-          <a:p>
-            <a:r>
-              <a:rPr lang="en-US" altLang="zh-CN" dirty="0"/>
-              <a:t>192.168.0.69/27</a:t>
-            </a:r>
-            <a:endParaRPr lang="zh-CN" altLang="en-US" dirty="0"/>
-          </a:p>
-        </p:txBody>
-      </p:sp>
-      <p:sp>
-        <p:nvSpPr>
-          <p:cNvPr id="95" name="文本框 94">
-            <a:extLst>
-              <a:ext uri="{FF2B5EF4-FFF2-40B4-BE49-F238E27FC236}">
-                <a16:creationId xmlns:a16="http://schemas.microsoft.com/office/drawing/2014/main" id="{D62BF4AA-C2FC-4F5D-90B4-98DE1285FC1D}"/>
-              </a:ext>
-            </a:extLst>
-          </p:cNvPr>
-          <p:cNvSpPr txBox="1"/>
-          <p:nvPr/>
-        </p:nvSpPr>
-        <p:spPr>
-          <a:xfrm>
-            <a:off x="8947297" y="4091158"/>
-            <a:ext cx="1765227" cy="369332"/>
-          </a:xfrm>
-          <a:prstGeom prst="rect">
-            <a:avLst/>
-          </a:prstGeom>
-          <a:noFill/>
-        </p:spPr>
-        <p:txBody>
-          <a:bodyPr wrap="none" rtlCol="0">
-            <a:spAutoFit/>
-          </a:bodyPr>
-          <a:lstStyle/>
-          <a:p>
-            <a:r>
-              <a:rPr lang="en-US" altLang="zh-CN" dirty="0"/>
-              <a:t>192.168.0.99/27</a:t>
+              <a:t>2.2.0.100/27</a:t>
             </a:r>
             <a:endParaRPr lang="zh-CN" altLang="en-US" dirty="0"/>
           </a:p>
@@ -9448,3436 +7022,6 @@
       </p:grpSpPr>
       <p:sp>
         <p:nvSpPr>
-          <p:cNvPr id="47" name="矩形: 圆角 46">
-            <a:extLst>
-              <a:ext uri="{FF2B5EF4-FFF2-40B4-BE49-F238E27FC236}">
-                <a16:creationId xmlns:a16="http://schemas.microsoft.com/office/drawing/2014/main" id="{697E4017-D0A2-4442-8853-2A3C289999BA}"/>
-              </a:ext>
-            </a:extLst>
-          </p:cNvPr>
-          <p:cNvSpPr/>
-          <p:nvPr/>
-        </p:nvSpPr>
-        <p:spPr>
-          <a:xfrm>
-            <a:off x="9503590" y="4085015"/>
-            <a:ext cx="2127252" cy="788964"/>
-          </a:xfrm>
-          <a:prstGeom prst="roundRect">
-            <a:avLst/>
-          </a:prstGeom>
-        </p:spPr>
-        <p:style>
-          <a:lnRef idx="1">
-            <a:schemeClr val="accent3"/>
-          </a:lnRef>
-          <a:fillRef idx="2">
-            <a:schemeClr val="accent3"/>
-          </a:fillRef>
-          <a:effectRef idx="1">
-            <a:schemeClr val="accent3"/>
-          </a:effectRef>
-          <a:fontRef idx="minor">
-            <a:schemeClr val="dk1"/>
-          </a:fontRef>
-        </p:style>
-        <p:txBody>
-          <a:bodyPr rtlCol="0" anchor="ctr"/>
-          <a:lstStyle/>
-          <a:p>
-            <a:pPr algn="ctr"/>
-            <a:endParaRPr lang="zh-CN" altLang="en-US" dirty="0"/>
-          </a:p>
-        </p:txBody>
-      </p:sp>
-      <p:sp>
-        <p:nvSpPr>
-          <p:cNvPr id="48" name="矩形: 圆角 47">
-            <a:extLst>
-              <a:ext uri="{FF2B5EF4-FFF2-40B4-BE49-F238E27FC236}">
-                <a16:creationId xmlns:a16="http://schemas.microsoft.com/office/drawing/2014/main" id="{E325E0DA-EBFF-438A-8539-D3223779BB78}"/>
-              </a:ext>
-            </a:extLst>
-          </p:cNvPr>
-          <p:cNvSpPr/>
-          <p:nvPr/>
-        </p:nvSpPr>
-        <p:spPr>
-          <a:xfrm>
-            <a:off x="9760223" y="2471209"/>
-            <a:ext cx="1890725" cy="1062627"/>
-          </a:xfrm>
-          <a:prstGeom prst="roundRect">
-            <a:avLst/>
-          </a:prstGeom>
-        </p:spPr>
-        <p:style>
-          <a:lnRef idx="1">
-            <a:schemeClr val="accent3"/>
-          </a:lnRef>
-          <a:fillRef idx="2">
-            <a:schemeClr val="accent3"/>
-          </a:fillRef>
-          <a:effectRef idx="1">
-            <a:schemeClr val="accent3"/>
-          </a:effectRef>
-          <a:fontRef idx="minor">
-            <a:schemeClr val="dk1"/>
-          </a:fontRef>
-        </p:style>
-        <p:txBody>
-          <a:bodyPr rtlCol="0" anchor="ctr"/>
-          <a:lstStyle/>
-          <a:p>
-            <a:pPr algn="ctr"/>
-            <a:endParaRPr lang="zh-CN" altLang="en-US" dirty="0"/>
-          </a:p>
-        </p:txBody>
-      </p:sp>
-      <p:sp>
-        <p:nvSpPr>
-          <p:cNvPr id="49" name="矩形: 圆角 48">
-            <a:extLst>
-              <a:ext uri="{FF2B5EF4-FFF2-40B4-BE49-F238E27FC236}">
-                <a16:creationId xmlns:a16="http://schemas.microsoft.com/office/drawing/2014/main" id="{3A19A6EA-B330-41AD-9F66-7DA5AB365E5E}"/>
-              </a:ext>
-            </a:extLst>
-          </p:cNvPr>
-          <p:cNvSpPr/>
-          <p:nvPr/>
-        </p:nvSpPr>
-        <p:spPr>
-          <a:xfrm>
-            <a:off x="977430" y="2382410"/>
-            <a:ext cx="1890725" cy="1062627"/>
-          </a:xfrm>
-          <a:prstGeom prst="roundRect">
-            <a:avLst/>
-          </a:prstGeom>
-        </p:spPr>
-        <p:style>
-          <a:lnRef idx="1">
-            <a:schemeClr val="accent3"/>
-          </a:lnRef>
-          <a:fillRef idx="2">
-            <a:schemeClr val="accent3"/>
-          </a:fillRef>
-          <a:effectRef idx="1">
-            <a:schemeClr val="accent3"/>
-          </a:effectRef>
-          <a:fontRef idx="minor">
-            <a:schemeClr val="dk1"/>
-          </a:fontRef>
-        </p:style>
-        <p:txBody>
-          <a:bodyPr rtlCol="0" anchor="ctr"/>
-          <a:lstStyle/>
-          <a:p>
-            <a:pPr algn="ctr"/>
-            <a:endParaRPr lang="zh-CN" altLang="en-US" dirty="0"/>
-          </a:p>
-        </p:txBody>
-      </p:sp>
-      <p:sp>
-        <p:nvSpPr>
-          <p:cNvPr id="44" name="矩形: 圆角 43">
-            <a:extLst>
-              <a:ext uri="{FF2B5EF4-FFF2-40B4-BE49-F238E27FC236}">
-                <a16:creationId xmlns:a16="http://schemas.microsoft.com/office/drawing/2014/main" id="{8E29D6DA-7AF3-400C-BBEC-DCD27B3EDC0D}"/>
-              </a:ext>
-            </a:extLst>
-          </p:cNvPr>
-          <p:cNvSpPr/>
-          <p:nvPr/>
-        </p:nvSpPr>
-        <p:spPr>
-          <a:xfrm>
-            <a:off x="4659748" y="2652649"/>
-            <a:ext cx="3069227" cy="2107504"/>
-          </a:xfrm>
-          <a:prstGeom prst="roundRect">
-            <a:avLst/>
-          </a:prstGeom>
-        </p:spPr>
-        <p:style>
-          <a:lnRef idx="1">
-            <a:schemeClr val="accent3"/>
-          </a:lnRef>
-          <a:fillRef idx="2">
-            <a:schemeClr val="accent3"/>
-          </a:fillRef>
-          <a:effectRef idx="1">
-            <a:schemeClr val="accent3"/>
-          </a:effectRef>
-          <a:fontRef idx="minor">
-            <a:schemeClr val="dk1"/>
-          </a:fontRef>
-        </p:style>
-        <p:txBody>
-          <a:bodyPr rtlCol="0" anchor="ctr"/>
-          <a:lstStyle/>
-          <a:p>
-            <a:pPr algn="ctr"/>
-            <a:endParaRPr lang="zh-CN" altLang="en-US" dirty="0"/>
-          </a:p>
-        </p:txBody>
-      </p:sp>
-      <p:sp>
-        <p:nvSpPr>
-          <p:cNvPr id="2" name="标题 1">
-            <a:extLst>
-              <a:ext uri="{FF2B5EF4-FFF2-40B4-BE49-F238E27FC236}">
-                <a16:creationId xmlns:a16="http://schemas.microsoft.com/office/drawing/2014/main" id="{16FFD267-FAB5-4CC9-86C7-800FDF0B86AD}"/>
-              </a:ext>
-            </a:extLst>
-          </p:cNvPr>
-          <p:cNvSpPr>
-            <a:spLocks noGrp="1"/>
-          </p:cNvSpPr>
-          <p:nvPr>
-            <p:ph type="title"/>
-          </p:nvPr>
-        </p:nvSpPr>
-        <p:spPr/>
-        <p:txBody>
-          <a:bodyPr/>
-          <a:lstStyle/>
-          <a:p>
-            <a:r>
-              <a:rPr lang="en-US" altLang="zh-CN" dirty="0"/>
-              <a:t>Datapath work flow - show</a:t>
-            </a:r>
-            <a:endParaRPr lang="zh-CN" altLang="en-US" dirty="0"/>
-          </a:p>
-        </p:txBody>
-      </p:sp>
-      <p:sp>
-        <p:nvSpPr>
-          <p:cNvPr id="5" name="椭圆 4">
-            <a:extLst>
-              <a:ext uri="{FF2B5EF4-FFF2-40B4-BE49-F238E27FC236}">
-                <a16:creationId xmlns:a16="http://schemas.microsoft.com/office/drawing/2014/main" id="{F46BA4A4-FDAA-4D4B-AA43-AC346A00C2A7}"/>
-              </a:ext>
-            </a:extLst>
-          </p:cNvPr>
-          <p:cNvSpPr/>
-          <p:nvPr/>
-        </p:nvSpPr>
-        <p:spPr>
-          <a:xfrm>
-            <a:off x="4740266" y="2732461"/>
-            <a:ext cx="834312" cy="818585"/>
-          </a:xfrm>
-          <a:prstGeom prst="ellipse">
-            <a:avLst/>
-          </a:prstGeom>
-          <a:ln w="38100"/>
-        </p:spPr>
-        <p:style>
-          <a:lnRef idx="2">
-            <a:schemeClr val="dk1"/>
-          </a:lnRef>
-          <a:fillRef idx="1">
-            <a:schemeClr val="lt1"/>
-          </a:fillRef>
-          <a:effectRef idx="0">
-            <a:schemeClr val="dk1"/>
-          </a:effectRef>
-          <a:fontRef idx="minor">
-            <a:schemeClr val="dk1"/>
-          </a:fontRef>
-        </p:style>
-        <p:txBody>
-          <a:bodyPr rtlCol="0" anchor="ctr"/>
-          <a:lstStyle/>
-          <a:p>
-            <a:pPr algn="ctr"/>
-            <a:r>
-              <a:rPr lang="en-US" altLang="zh-CN" dirty="0" err="1"/>
-              <a:t>OvS</a:t>
-            </a:r>
-            <a:endParaRPr lang="zh-CN" altLang="en-US" dirty="0"/>
-          </a:p>
-        </p:txBody>
-      </p:sp>
-      <p:sp>
-        <p:nvSpPr>
-          <p:cNvPr id="6" name="椭圆 5">
-            <a:extLst>
-              <a:ext uri="{FF2B5EF4-FFF2-40B4-BE49-F238E27FC236}">
-                <a16:creationId xmlns:a16="http://schemas.microsoft.com/office/drawing/2014/main" id="{C3DD1DD2-71C2-45E8-9281-7AB96B44D282}"/>
-              </a:ext>
-            </a:extLst>
-          </p:cNvPr>
-          <p:cNvSpPr/>
-          <p:nvPr/>
-        </p:nvSpPr>
-        <p:spPr>
-          <a:xfrm>
-            <a:off x="6720113" y="3870816"/>
-            <a:ext cx="834312" cy="818585"/>
-          </a:xfrm>
-          <a:prstGeom prst="ellipse">
-            <a:avLst/>
-          </a:prstGeom>
-          <a:ln w="38100"/>
-        </p:spPr>
-        <p:style>
-          <a:lnRef idx="2">
-            <a:schemeClr val="dk1"/>
-          </a:lnRef>
-          <a:fillRef idx="1">
-            <a:schemeClr val="lt1"/>
-          </a:fillRef>
-          <a:effectRef idx="0">
-            <a:schemeClr val="dk1"/>
-          </a:effectRef>
-          <a:fontRef idx="minor">
-            <a:schemeClr val="dk1"/>
-          </a:fontRef>
-        </p:style>
-        <p:txBody>
-          <a:bodyPr rtlCol="0" anchor="ctr"/>
-          <a:lstStyle/>
-          <a:p>
-            <a:pPr algn="ctr"/>
-            <a:r>
-              <a:rPr lang="en-US" altLang="zh-CN" dirty="0" err="1"/>
-              <a:t>OvS</a:t>
-            </a:r>
-            <a:endParaRPr lang="zh-CN" altLang="en-US" dirty="0"/>
-          </a:p>
-        </p:txBody>
-      </p:sp>
-      <p:sp>
-        <p:nvSpPr>
-          <p:cNvPr id="7" name="椭圆 6">
-            <a:extLst>
-              <a:ext uri="{FF2B5EF4-FFF2-40B4-BE49-F238E27FC236}">
-                <a16:creationId xmlns:a16="http://schemas.microsoft.com/office/drawing/2014/main" id="{4E0E486C-6003-48F1-8811-A8238ECA0A6C}"/>
-              </a:ext>
-            </a:extLst>
-          </p:cNvPr>
-          <p:cNvSpPr/>
-          <p:nvPr/>
-        </p:nvSpPr>
-        <p:spPr>
-          <a:xfrm>
-            <a:off x="6729967" y="2732461"/>
-            <a:ext cx="834312" cy="818585"/>
-          </a:xfrm>
-          <a:prstGeom prst="ellipse">
-            <a:avLst/>
-          </a:prstGeom>
-          <a:ln w="38100"/>
-        </p:spPr>
-        <p:style>
-          <a:lnRef idx="2">
-            <a:schemeClr val="dk1"/>
-          </a:lnRef>
-          <a:fillRef idx="1">
-            <a:schemeClr val="lt1"/>
-          </a:fillRef>
-          <a:effectRef idx="0">
-            <a:schemeClr val="dk1"/>
-          </a:effectRef>
-          <a:fontRef idx="minor">
-            <a:schemeClr val="dk1"/>
-          </a:fontRef>
-        </p:style>
-        <p:txBody>
-          <a:bodyPr rtlCol="0" anchor="ctr"/>
-          <a:lstStyle/>
-          <a:p>
-            <a:pPr algn="ctr"/>
-            <a:r>
-              <a:rPr lang="en-US" altLang="zh-CN" dirty="0" err="1"/>
-              <a:t>OvS</a:t>
-            </a:r>
-            <a:endParaRPr lang="zh-CN" altLang="en-US" dirty="0"/>
-          </a:p>
-        </p:txBody>
-      </p:sp>
-      <p:cxnSp>
-        <p:nvCxnSpPr>
-          <p:cNvPr id="15" name="直接连接符 14">
-            <a:extLst>
-              <a:ext uri="{FF2B5EF4-FFF2-40B4-BE49-F238E27FC236}">
-                <a16:creationId xmlns:a16="http://schemas.microsoft.com/office/drawing/2014/main" id="{6FAFA491-2F21-4EED-A7FC-CD8B9DF8BE27}"/>
-              </a:ext>
-            </a:extLst>
-          </p:cNvPr>
-          <p:cNvCxnSpPr>
-            <a:cxnSpLocks/>
-            <a:stCxn id="6" idx="0"/>
-            <a:endCxn id="7" idx="4"/>
-          </p:cNvCxnSpPr>
-          <p:nvPr/>
-        </p:nvCxnSpPr>
-        <p:spPr>
-          <a:xfrm flipV="1">
-            <a:off x="7137269" y="3551046"/>
-            <a:ext cx="9854" cy="319770"/>
-          </a:xfrm>
-          <a:prstGeom prst="line">
-            <a:avLst/>
-          </a:prstGeom>
-          <a:ln w="38100"/>
-        </p:spPr>
-        <p:style>
-          <a:lnRef idx="2">
-            <a:schemeClr val="dk1"/>
-          </a:lnRef>
-          <a:fillRef idx="1">
-            <a:schemeClr val="lt1"/>
-          </a:fillRef>
-          <a:effectRef idx="0">
-            <a:schemeClr val="dk1"/>
-          </a:effectRef>
-          <a:fontRef idx="minor">
-            <a:schemeClr val="dk1"/>
-          </a:fontRef>
-        </p:style>
-      </p:cxnSp>
-      <p:cxnSp>
-        <p:nvCxnSpPr>
-          <p:cNvPr id="18" name="直接连接符 17">
-            <a:extLst>
-              <a:ext uri="{FF2B5EF4-FFF2-40B4-BE49-F238E27FC236}">
-                <a16:creationId xmlns:a16="http://schemas.microsoft.com/office/drawing/2014/main" id="{20CCD7C3-89C0-498C-A526-9CB62D80AE34}"/>
-              </a:ext>
-            </a:extLst>
-          </p:cNvPr>
-          <p:cNvCxnSpPr>
-            <a:cxnSpLocks/>
-            <a:stCxn id="58" idx="0"/>
-            <a:endCxn id="5" idx="4"/>
-          </p:cNvCxnSpPr>
-          <p:nvPr/>
-        </p:nvCxnSpPr>
-        <p:spPr>
-          <a:xfrm flipV="1">
-            <a:off x="5157422" y="3551046"/>
-            <a:ext cx="0" cy="331451"/>
-          </a:xfrm>
-          <a:prstGeom prst="line">
-            <a:avLst/>
-          </a:prstGeom>
-          <a:ln w="38100"/>
-        </p:spPr>
-        <p:style>
-          <a:lnRef idx="2">
-            <a:schemeClr val="dk1"/>
-          </a:lnRef>
-          <a:fillRef idx="1">
-            <a:schemeClr val="lt1"/>
-          </a:fillRef>
-          <a:effectRef idx="0">
-            <a:schemeClr val="dk1"/>
-          </a:effectRef>
-          <a:fontRef idx="minor">
-            <a:schemeClr val="dk1"/>
-          </a:fontRef>
-        </p:style>
-      </p:cxnSp>
-      <p:cxnSp>
-        <p:nvCxnSpPr>
-          <p:cNvPr id="21" name="直接连接符 20">
-            <a:extLst>
-              <a:ext uri="{FF2B5EF4-FFF2-40B4-BE49-F238E27FC236}">
-                <a16:creationId xmlns:a16="http://schemas.microsoft.com/office/drawing/2014/main" id="{D9F1A309-EAB1-48A0-B2C1-60510B6BFCBB}"/>
-              </a:ext>
-            </a:extLst>
-          </p:cNvPr>
-          <p:cNvCxnSpPr>
-            <a:cxnSpLocks/>
-            <a:endCxn id="5" idx="6"/>
-          </p:cNvCxnSpPr>
-          <p:nvPr/>
-        </p:nvCxnSpPr>
-        <p:spPr>
-          <a:xfrm flipH="1" flipV="1">
-            <a:off x="5574578" y="3141754"/>
-            <a:ext cx="1137770" cy="1138354"/>
-          </a:xfrm>
-          <a:prstGeom prst="line">
-            <a:avLst/>
-          </a:prstGeom>
-          <a:ln w="38100"/>
-        </p:spPr>
-        <p:style>
-          <a:lnRef idx="2">
-            <a:schemeClr val="dk1"/>
-          </a:lnRef>
-          <a:fillRef idx="1">
-            <a:schemeClr val="lt1"/>
-          </a:fillRef>
-          <a:effectRef idx="0">
-            <a:schemeClr val="dk1"/>
-          </a:effectRef>
-          <a:fontRef idx="minor">
-            <a:schemeClr val="dk1"/>
-          </a:fontRef>
-        </p:style>
-      </p:cxnSp>
-      <p:sp>
-        <p:nvSpPr>
-          <p:cNvPr id="25" name="矩形 24">
-            <a:extLst>
-              <a:ext uri="{FF2B5EF4-FFF2-40B4-BE49-F238E27FC236}">
-                <a16:creationId xmlns:a16="http://schemas.microsoft.com/office/drawing/2014/main" id="{ED1327BF-09D2-4ED6-888D-F5F990F3C248}"/>
-              </a:ext>
-            </a:extLst>
-          </p:cNvPr>
-          <p:cNvSpPr/>
-          <p:nvPr/>
-        </p:nvSpPr>
-        <p:spPr>
-          <a:xfrm>
-            <a:off x="2078723" y="2442010"/>
-            <a:ext cx="764438" cy="455507"/>
-          </a:xfrm>
-          <a:prstGeom prst="rect">
-            <a:avLst/>
-          </a:prstGeom>
-          <a:ln w="38100"/>
-        </p:spPr>
-        <p:style>
-          <a:lnRef idx="2">
-            <a:schemeClr val="dk1"/>
-          </a:lnRef>
-          <a:fillRef idx="1">
-            <a:schemeClr val="lt1"/>
-          </a:fillRef>
-          <a:effectRef idx="0">
-            <a:schemeClr val="dk1"/>
-          </a:effectRef>
-          <a:fontRef idx="minor">
-            <a:schemeClr val="dk1"/>
-          </a:fontRef>
-        </p:style>
-        <p:txBody>
-          <a:bodyPr rtlCol="0" anchor="ctr"/>
-          <a:lstStyle/>
-          <a:p>
-            <a:pPr algn="ctr"/>
-            <a:r>
-              <a:rPr lang="en-US" altLang="zh-CN" dirty="0">
-                <a:solidFill>
-                  <a:schemeClr val="dk1"/>
-                </a:solidFill>
-              </a:rPr>
-              <a:t>BESS</a:t>
-            </a:r>
-            <a:endParaRPr lang="zh-CN" altLang="en-US" dirty="0">
-              <a:solidFill>
-                <a:schemeClr val="dk1"/>
-              </a:solidFill>
-            </a:endParaRPr>
-          </a:p>
-        </p:txBody>
-      </p:sp>
-      <p:sp>
-        <p:nvSpPr>
-          <p:cNvPr id="26" name="矩形 25">
-            <a:extLst>
-              <a:ext uri="{FF2B5EF4-FFF2-40B4-BE49-F238E27FC236}">
-                <a16:creationId xmlns:a16="http://schemas.microsoft.com/office/drawing/2014/main" id="{45B92116-640E-46FB-921D-F3C663FA6E00}"/>
-              </a:ext>
-            </a:extLst>
-          </p:cNvPr>
-          <p:cNvSpPr/>
-          <p:nvPr/>
-        </p:nvSpPr>
-        <p:spPr>
-          <a:xfrm>
-            <a:off x="9860728" y="2505910"/>
-            <a:ext cx="764438" cy="455507"/>
-          </a:xfrm>
-          <a:prstGeom prst="rect">
-            <a:avLst/>
-          </a:prstGeom>
-          <a:ln w="38100"/>
-        </p:spPr>
-        <p:style>
-          <a:lnRef idx="2">
-            <a:schemeClr val="dk1"/>
-          </a:lnRef>
-          <a:fillRef idx="1">
-            <a:schemeClr val="lt1"/>
-          </a:fillRef>
-          <a:effectRef idx="0">
-            <a:schemeClr val="dk1"/>
-          </a:effectRef>
-          <a:fontRef idx="minor">
-            <a:schemeClr val="dk1"/>
-          </a:fontRef>
-        </p:style>
-        <p:txBody>
-          <a:bodyPr rtlCol="0" anchor="ctr"/>
-          <a:lstStyle/>
-          <a:p>
-            <a:pPr algn="ctr"/>
-            <a:r>
-              <a:rPr lang="en-US" altLang="zh-CN" dirty="0">
-                <a:solidFill>
-                  <a:schemeClr val="dk1"/>
-                </a:solidFill>
-              </a:rPr>
-              <a:t>BESS</a:t>
-            </a:r>
-            <a:endParaRPr lang="zh-CN" altLang="en-US" dirty="0">
-              <a:solidFill>
-                <a:schemeClr val="dk1"/>
-              </a:solidFill>
-            </a:endParaRPr>
-          </a:p>
-        </p:txBody>
-      </p:sp>
-      <p:sp>
-        <p:nvSpPr>
-          <p:cNvPr id="27" name="矩形 26">
-            <a:extLst>
-              <a:ext uri="{FF2B5EF4-FFF2-40B4-BE49-F238E27FC236}">
-                <a16:creationId xmlns:a16="http://schemas.microsoft.com/office/drawing/2014/main" id="{E3142639-7F2F-4C44-814C-54D2781F5574}"/>
-              </a:ext>
-            </a:extLst>
-          </p:cNvPr>
-          <p:cNvSpPr/>
-          <p:nvPr/>
-        </p:nvSpPr>
-        <p:spPr>
-          <a:xfrm>
-            <a:off x="3991590" y="5468598"/>
-            <a:ext cx="993980" cy="453916"/>
-          </a:xfrm>
-          <a:prstGeom prst="rect">
-            <a:avLst/>
-          </a:prstGeom>
-          <a:ln w="38100"/>
-        </p:spPr>
-        <p:style>
-          <a:lnRef idx="2">
-            <a:schemeClr val="dk1"/>
-          </a:lnRef>
-          <a:fillRef idx="1">
-            <a:schemeClr val="lt1"/>
-          </a:fillRef>
-          <a:effectRef idx="0">
-            <a:schemeClr val="dk1"/>
-          </a:effectRef>
-          <a:fontRef idx="minor">
-            <a:schemeClr val="dk1"/>
-          </a:fontRef>
-        </p:style>
-        <p:txBody>
-          <a:bodyPr rtlCol="0" anchor="ctr"/>
-          <a:lstStyle/>
-          <a:p>
-            <a:pPr algn="ctr"/>
-            <a:r>
-              <a:rPr lang="en-US" altLang="zh-CN" dirty="0">
-                <a:solidFill>
-                  <a:schemeClr val="dk1"/>
-                </a:solidFill>
-              </a:rPr>
-              <a:t>Ingress</a:t>
-            </a:r>
-            <a:endParaRPr lang="zh-CN" altLang="en-US" dirty="0">
-              <a:solidFill>
-                <a:schemeClr val="dk1"/>
-              </a:solidFill>
-            </a:endParaRPr>
-          </a:p>
-        </p:txBody>
-      </p:sp>
-      <p:cxnSp>
-        <p:nvCxnSpPr>
-          <p:cNvPr id="32" name="直接连接符 31">
-            <a:extLst>
-              <a:ext uri="{FF2B5EF4-FFF2-40B4-BE49-F238E27FC236}">
-                <a16:creationId xmlns:a16="http://schemas.microsoft.com/office/drawing/2014/main" id="{B883CDDD-AB62-42D0-B084-83FC63C4AD97}"/>
-              </a:ext>
-            </a:extLst>
-          </p:cNvPr>
-          <p:cNvCxnSpPr>
-            <a:cxnSpLocks/>
-            <a:stCxn id="58" idx="4"/>
-            <a:endCxn id="27" idx="0"/>
-          </p:cNvCxnSpPr>
-          <p:nvPr/>
-        </p:nvCxnSpPr>
-        <p:spPr>
-          <a:xfrm flipH="1">
-            <a:off x="4488580" y="4701082"/>
-            <a:ext cx="668842" cy="767516"/>
-          </a:xfrm>
-          <a:prstGeom prst="line">
-            <a:avLst/>
-          </a:prstGeom>
-          <a:ln w="38100"/>
-        </p:spPr>
-        <p:style>
-          <a:lnRef idx="2">
-            <a:schemeClr val="dk1"/>
-          </a:lnRef>
-          <a:fillRef idx="1">
-            <a:schemeClr val="lt1"/>
-          </a:fillRef>
-          <a:effectRef idx="0">
-            <a:schemeClr val="dk1"/>
-          </a:effectRef>
-          <a:fontRef idx="minor">
-            <a:schemeClr val="dk1"/>
-          </a:fontRef>
-        </p:style>
-      </p:cxnSp>
-      <p:cxnSp>
-        <p:nvCxnSpPr>
-          <p:cNvPr id="50" name="直接连接符 49">
-            <a:extLst>
-              <a:ext uri="{FF2B5EF4-FFF2-40B4-BE49-F238E27FC236}">
-                <a16:creationId xmlns:a16="http://schemas.microsoft.com/office/drawing/2014/main" id="{AD08DB53-6523-4D64-B1A6-8C53589AC0FE}"/>
-              </a:ext>
-            </a:extLst>
-          </p:cNvPr>
-          <p:cNvCxnSpPr>
-            <a:cxnSpLocks/>
-            <a:stCxn id="56" idx="1"/>
-            <a:endCxn id="25" idx="3"/>
-          </p:cNvCxnSpPr>
-          <p:nvPr/>
-        </p:nvCxnSpPr>
-        <p:spPr>
-          <a:xfrm flipH="1" flipV="1">
-            <a:off x="2843161" y="2669764"/>
-            <a:ext cx="427294" cy="474910"/>
-          </a:xfrm>
-          <a:prstGeom prst="line">
-            <a:avLst/>
-          </a:prstGeom>
-          <a:ln w="38100"/>
-        </p:spPr>
-        <p:style>
-          <a:lnRef idx="2">
-            <a:schemeClr val="dk1"/>
-          </a:lnRef>
-          <a:fillRef idx="1">
-            <a:schemeClr val="lt1"/>
-          </a:fillRef>
-          <a:effectRef idx="0">
-            <a:schemeClr val="dk1"/>
-          </a:effectRef>
-          <a:fontRef idx="minor">
-            <a:schemeClr val="dk1"/>
-          </a:fontRef>
-        </p:style>
-      </p:cxnSp>
-      <p:cxnSp>
-        <p:nvCxnSpPr>
-          <p:cNvPr id="53" name="直接连接符 52">
-            <a:extLst>
-              <a:ext uri="{FF2B5EF4-FFF2-40B4-BE49-F238E27FC236}">
-                <a16:creationId xmlns:a16="http://schemas.microsoft.com/office/drawing/2014/main" id="{1CCB862C-D310-4148-AAAE-8E0C9EE2A5A0}"/>
-              </a:ext>
-            </a:extLst>
-          </p:cNvPr>
-          <p:cNvCxnSpPr>
-            <a:cxnSpLocks/>
-            <a:stCxn id="7" idx="6"/>
-            <a:endCxn id="57" idx="1"/>
-          </p:cNvCxnSpPr>
-          <p:nvPr/>
-        </p:nvCxnSpPr>
-        <p:spPr>
-          <a:xfrm flipV="1">
-            <a:off x="7564279" y="3137842"/>
-            <a:ext cx="138968" cy="3912"/>
-          </a:xfrm>
-          <a:prstGeom prst="line">
-            <a:avLst/>
-          </a:prstGeom>
-          <a:ln w="38100"/>
-        </p:spPr>
-        <p:style>
-          <a:lnRef idx="2">
-            <a:schemeClr val="dk1"/>
-          </a:lnRef>
-          <a:fillRef idx="1">
-            <a:schemeClr val="lt1"/>
-          </a:fillRef>
-          <a:effectRef idx="0">
-            <a:schemeClr val="dk1"/>
-          </a:effectRef>
-          <a:fontRef idx="minor">
-            <a:schemeClr val="dk1"/>
-          </a:fontRef>
-        </p:style>
-      </p:cxnSp>
-      <p:sp>
-        <p:nvSpPr>
-          <p:cNvPr id="74" name="矩形 73">
-            <a:extLst>
-              <a:ext uri="{FF2B5EF4-FFF2-40B4-BE49-F238E27FC236}">
-                <a16:creationId xmlns:a16="http://schemas.microsoft.com/office/drawing/2014/main" id="{55B4E74F-856E-4489-83CA-EB1FB1CBEBBD}"/>
-              </a:ext>
-            </a:extLst>
-          </p:cNvPr>
-          <p:cNvSpPr/>
-          <p:nvPr/>
-        </p:nvSpPr>
-        <p:spPr>
-          <a:xfrm>
-            <a:off x="1141129" y="2444146"/>
-            <a:ext cx="764438" cy="455507"/>
-          </a:xfrm>
-          <a:prstGeom prst="rect">
-            <a:avLst/>
-          </a:prstGeom>
-          <a:ln w="38100"/>
-        </p:spPr>
-        <p:style>
-          <a:lnRef idx="2">
-            <a:schemeClr val="dk1"/>
-          </a:lnRef>
-          <a:fillRef idx="1">
-            <a:schemeClr val="lt1"/>
-          </a:fillRef>
-          <a:effectRef idx="0">
-            <a:schemeClr val="dk1"/>
-          </a:effectRef>
-          <a:fontRef idx="minor">
-            <a:schemeClr val="dk1"/>
-          </a:fontRef>
-        </p:style>
-        <p:txBody>
-          <a:bodyPr rtlCol="0" anchor="ctr"/>
-          <a:lstStyle/>
-          <a:p>
-            <a:pPr algn="ctr"/>
-            <a:r>
-              <a:rPr lang="en-US" altLang="zh-CN" dirty="0">
-                <a:solidFill>
-                  <a:schemeClr val="dk1"/>
-                </a:solidFill>
-              </a:rPr>
-              <a:t>VNF1</a:t>
-            </a:r>
-            <a:endParaRPr lang="zh-CN" altLang="en-US" dirty="0">
-              <a:solidFill>
-                <a:schemeClr val="dk1"/>
-              </a:solidFill>
-            </a:endParaRPr>
-          </a:p>
-        </p:txBody>
-      </p:sp>
-      <p:sp>
-        <p:nvSpPr>
-          <p:cNvPr id="75" name="矩形 74">
-            <a:extLst>
-              <a:ext uri="{FF2B5EF4-FFF2-40B4-BE49-F238E27FC236}">
-                <a16:creationId xmlns:a16="http://schemas.microsoft.com/office/drawing/2014/main" id="{D72BA265-2392-4B0E-9BF0-56F7547C42BB}"/>
-              </a:ext>
-            </a:extLst>
-          </p:cNvPr>
-          <p:cNvSpPr/>
-          <p:nvPr/>
-        </p:nvSpPr>
-        <p:spPr>
-          <a:xfrm>
-            <a:off x="10798751" y="2508047"/>
-            <a:ext cx="764438" cy="455507"/>
-          </a:xfrm>
-          <a:prstGeom prst="rect">
-            <a:avLst/>
-          </a:prstGeom>
-          <a:ln w="38100"/>
-        </p:spPr>
-        <p:style>
-          <a:lnRef idx="2">
-            <a:schemeClr val="dk1"/>
-          </a:lnRef>
-          <a:fillRef idx="1">
-            <a:schemeClr val="lt1"/>
-          </a:fillRef>
-          <a:effectRef idx="0">
-            <a:schemeClr val="dk1"/>
-          </a:effectRef>
-          <a:fontRef idx="minor">
-            <a:schemeClr val="dk1"/>
-          </a:fontRef>
-        </p:style>
-        <p:txBody>
-          <a:bodyPr rtlCol="0" anchor="ctr"/>
-          <a:lstStyle/>
-          <a:p>
-            <a:pPr algn="ctr"/>
-            <a:r>
-              <a:rPr lang="en-US" altLang="zh-CN" dirty="0">
-                <a:solidFill>
-                  <a:schemeClr val="dk1"/>
-                </a:solidFill>
-              </a:rPr>
-              <a:t>VNF1</a:t>
-            </a:r>
-            <a:endParaRPr lang="zh-CN" altLang="en-US" dirty="0">
-              <a:solidFill>
-                <a:schemeClr val="dk1"/>
-              </a:solidFill>
-            </a:endParaRPr>
-          </a:p>
-        </p:txBody>
-      </p:sp>
-      <p:cxnSp>
-        <p:nvCxnSpPr>
-          <p:cNvPr id="76" name="直接连接符 75">
-            <a:extLst>
-              <a:ext uri="{FF2B5EF4-FFF2-40B4-BE49-F238E27FC236}">
-                <a16:creationId xmlns:a16="http://schemas.microsoft.com/office/drawing/2014/main" id="{7952ABC4-35FE-4291-8E09-1A6723DC69C8}"/>
-              </a:ext>
-            </a:extLst>
-          </p:cNvPr>
-          <p:cNvCxnSpPr>
-            <a:cxnSpLocks/>
-            <a:stCxn id="25" idx="1"/>
-            <a:endCxn id="74" idx="3"/>
-          </p:cNvCxnSpPr>
-          <p:nvPr/>
-        </p:nvCxnSpPr>
-        <p:spPr>
-          <a:xfrm flipH="1">
-            <a:off x="1905567" y="2669764"/>
-            <a:ext cx="173156" cy="2136"/>
-          </a:xfrm>
-          <a:prstGeom prst="line">
-            <a:avLst/>
-          </a:prstGeom>
-          <a:ln w="38100"/>
-        </p:spPr>
-        <p:style>
-          <a:lnRef idx="2">
-            <a:schemeClr val="dk1"/>
-          </a:lnRef>
-          <a:fillRef idx="1">
-            <a:schemeClr val="lt1"/>
-          </a:fillRef>
-          <a:effectRef idx="0">
-            <a:schemeClr val="dk1"/>
-          </a:effectRef>
-          <a:fontRef idx="minor">
-            <a:schemeClr val="dk1"/>
-          </a:fontRef>
-        </p:style>
-      </p:cxnSp>
-      <p:cxnSp>
-        <p:nvCxnSpPr>
-          <p:cNvPr id="79" name="直接连接符 78">
-            <a:extLst>
-              <a:ext uri="{FF2B5EF4-FFF2-40B4-BE49-F238E27FC236}">
-                <a16:creationId xmlns:a16="http://schemas.microsoft.com/office/drawing/2014/main" id="{88A7FF69-B49E-4529-96FE-914ACAAFCB72}"/>
-              </a:ext>
-            </a:extLst>
-          </p:cNvPr>
-          <p:cNvCxnSpPr>
-            <a:cxnSpLocks/>
-            <a:stCxn id="75" idx="1"/>
-            <a:endCxn id="26" idx="3"/>
-          </p:cNvCxnSpPr>
-          <p:nvPr/>
-        </p:nvCxnSpPr>
-        <p:spPr>
-          <a:xfrm flipH="1" flipV="1">
-            <a:off x="10625166" y="2733664"/>
-            <a:ext cx="173585" cy="2137"/>
-          </a:xfrm>
-          <a:prstGeom prst="line">
-            <a:avLst/>
-          </a:prstGeom>
-          <a:ln w="38100"/>
-        </p:spPr>
-        <p:style>
-          <a:lnRef idx="2">
-            <a:schemeClr val="dk1"/>
-          </a:lnRef>
-          <a:fillRef idx="1">
-            <a:schemeClr val="lt1"/>
-          </a:fillRef>
-          <a:effectRef idx="0">
-            <a:schemeClr val="dk1"/>
-          </a:effectRef>
-          <a:fontRef idx="minor">
-            <a:schemeClr val="dk1"/>
-          </a:fontRef>
-        </p:style>
-      </p:cxnSp>
-      <p:sp>
-        <p:nvSpPr>
-          <p:cNvPr id="30" name="矩形 29">
-            <a:extLst>
-              <a:ext uri="{FF2B5EF4-FFF2-40B4-BE49-F238E27FC236}">
-                <a16:creationId xmlns:a16="http://schemas.microsoft.com/office/drawing/2014/main" id="{C16E31D4-C861-4F0B-9165-196030B6AADC}"/>
-              </a:ext>
-            </a:extLst>
-          </p:cNvPr>
-          <p:cNvSpPr/>
-          <p:nvPr/>
-        </p:nvSpPr>
-        <p:spPr>
-          <a:xfrm>
-            <a:off x="9602538" y="4390693"/>
-            <a:ext cx="1140931" cy="453916"/>
-          </a:xfrm>
-          <a:prstGeom prst="rect">
-            <a:avLst/>
-          </a:prstGeom>
-          <a:ln w="38100"/>
-        </p:spPr>
-        <p:style>
-          <a:lnRef idx="2">
-            <a:schemeClr val="dk1"/>
-          </a:lnRef>
-          <a:fillRef idx="1">
-            <a:schemeClr val="lt1"/>
-          </a:fillRef>
-          <a:effectRef idx="0">
-            <a:schemeClr val="dk1"/>
-          </a:effectRef>
-          <a:fontRef idx="minor">
-            <a:schemeClr val="dk1"/>
-          </a:fontRef>
-        </p:style>
-        <p:txBody>
-          <a:bodyPr rtlCol="0" anchor="ctr"/>
-          <a:lstStyle/>
-          <a:p>
-            <a:pPr algn="ctr"/>
-            <a:r>
-              <a:rPr lang="en-US" altLang="zh-CN" dirty="0">
-                <a:solidFill>
-                  <a:schemeClr val="dk1"/>
-                </a:solidFill>
-              </a:rPr>
-              <a:t>Classifier</a:t>
-            </a:r>
-            <a:endParaRPr lang="zh-CN" altLang="en-US" dirty="0">
-              <a:solidFill>
-                <a:schemeClr val="dk1"/>
-              </a:solidFill>
-            </a:endParaRPr>
-          </a:p>
-        </p:txBody>
-      </p:sp>
-      <p:cxnSp>
-        <p:nvCxnSpPr>
-          <p:cNvPr id="31" name="直接连接符 30">
-            <a:extLst>
-              <a:ext uri="{FF2B5EF4-FFF2-40B4-BE49-F238E27FC236}">
-                <a16:creationId xmlns:a16="http://schemas.microsoft.com/office/drawing/2014/main" id="{815CE4DD-1593-4881-A2A5-9E8733490F8D}"/>
-              </a:ext>
-            </a:extLst>
-          </p:cNvPr>
-          <p:cNvCxnSpPr>
-            <a:cxnSpLocks/>
-            <a:stCxn id="6" idx="4"/>
-            <a:endCxn id="72" idx="1"/>
-          </p:cNvCxnSpPr>
-          <p:nvPr/>
-        </p:nvCxnSpPr>
-        <p:spPr>
-          <a:xfrm>
-            <a:off x="7137269" y="4689401"/>
-            <a:ext cx="500658" cy="818498"/>
-          </a:xfrm>
-          <a:prstGeom prst="line">
-            <a:avLst/>
-          </a:prstGeom>
-          <a:ln w="38100"/>
-        </p:spPr>
-        <p:style>
-          <a:lnRef idx="2">
-            <a:schemeClr val="dk1"/>
-          </a:lnRef>
-          <a:fillRef idx="1">
-            <a:schemeClr val="lt1"/>
-          </a:fillRef>
-          <a:effectRef idx="0">
-            <a:schemeClr val="dk1"/>
-          </a:effectRef>
-          <a:fontRef idx="minor">
-            <a:schemeClr val="dk1"/>
-          </a:fontRef>
-        </p:style>
-      </p:cxnSp>
-      <p:sp>
-        <p:nvSpPr>
-          <p:cNvPr id="51" name="文本框 50">
-            <a:extLst>
-              <a:ext uri="{FF2B5EF4-FFF2-40B4-BE49-F238E27FC236}">
-                <a16:creationId xmlns:a16="http://schemas.microsoft.com/office/drawing/2014/main" id="{AD568948-2CC1-47FC-A785-8790A1227A54}"/>
-              </a:ext>
-            </a:extLst>
-          </p:cNvPr>
-          <p:cNvSpPr txBox="1"/>
-          <p:nvPr/>
-        </p:nvSpPr>
-        <p:spPr>
-          <a:xfrm>
-            <a:off x="899923" y="3064138"/>
-            <a:ext cx="673582" cy="369332"/>
-          </a:xfrm>
-          <a:prstGeom prst="rect">
-            <a:avLst/>
-          </a:prstGeom>
-          <a:noFill/>
-        </p:spPr>
-        <p:txBody>
-          <a:bodyPr wrap="none" rtlCol="0">
-            <a:spAutoFit/>
-          </a:bodyPr>
-          <a:lstStyle/>
-          <a:p>
-            <a:r>
-              <a:rPr lang="en-US" altLang="zh-CN" b="1" dirty="0"/>
-              <a:t>VM3</a:t>
-            </a:r>
-            <a:endParaRPr lang="zh-CN" altLang="en-US" b="1" dirty="0"/>
-          </a:p>
-        </p:txBody>
-      </p:sp>
-      <p:sp>
-        <p:nvSpPr>
-          <p:cNvPr id="52" name="文本框 51">
-            <a:extLst>
-              <a:ext uri="{FF2B5EF4-FFF2-40B4-BE49-F238E27FC236}">
-                <a16:creationId xmlns:a16="http://schemas.microsoft.com/office/drawing/2014/main" id="{1725C1DA-833B-4D36-8140-A1257ECDC7F2}"/>
-              </a:ext>
-            </a:extLst>
-          </p:cNvPr>
-          <p:cNvSpPr txBox="1"/>
-          <p:nvPr/>
-        </p:nvSpPr>
-        <p:spPr>
-          <a:xfrm>
-            <a:off x="10889607" y="3133088"/>
-            <a:ext cx="673582" cy="369332"/>
-          </a:xfrm>
-          <a:prstGeom prst="rect">
-            <a:avLst/>
-          </a:prstGeom>
-          <a:noFill/>
-        </p:spPr>
-        <p:txBody>
-          <a:bodyPr wrap="none" rtlCol="0">
-            <a:spAutoFit/>
-          </a:bodyPr>
-          <a:lstStyle/>
-          <a:p>
-            <a:r>
-              <a:rPr lang="en-US" altLang="zh-CN" b="1" dirty="0"/>
-              <a:t>VM4</a:t>
-            </a:r>
-            <a:endParaRPr lang="zh-CN" altLang="en-US" b="1" dirty="0"/>
-          </a:p>
-        </p:txBody>
-      </p:sp>
-      <p:sp>
-        <p:nvSpPr>
-          <p:cNvPr id="54" name="文本框 53">
-            <a:extLst>
-              <a:ext uri="{FF2B5EF4-FFF2-40B4-BE49-F238E27FC236}">
-                <a16:creationId xmlns:a16="http://schemas.microsoft.com/office/drawing/2014/main" id="{C4545150-9D20-4C45-9936-B2A8009A8853}"/>
-              </a:ext>
-            </a:extLst>
-          </p:cNvPr>
-          <p:cNvSpPr txBox="1"/>
-          <p:nvPr/>
-        </p:nvSpPr>
-        <p:spPr>
-          <a:xfrm>
-            <a:off x="10871324" y="4580629"/>
-            <a:ext cx="673582" cy="369332"/>
-          </a:xfrm>
-          <a:prstGeom prst="rect">
-            <a:avLst/>
-          </a:prstGeom>
-          <a:noFill/>
-        </p:spPr>
-        <p:txBody>
-          <a:bodyPr wrap="none" rtlCol="0">
-            <a:spAutoFit/>
-          </a:bodyPr>
-          <a:lstStyle/>
-          <a:p>
-            <a:r>
-              <a:rPr lang="en-US" altLang="zh-CN" b="1" dirty="0"/>
-              <a:t>VM1</a:t>
-            </a:r>
-            <a:endParaRPr lang="zh-CN" altLang="en-US" b="1" dirty="0"/>
-          </a:p>
-        </p:txBody>
-      </p:sp>
-      <p:sp>
-        <p:nvSpPr>
-          <p:cNvPr id="55" name="文本框 54">
-            <a:extLst>
-              <a:ext uri="{FF2B5EF4-FFF2-40B4-BE49-F238E27FC236}">
-                <a16:creationId xmlns:a16="http://schemas.microsoft.com/office/drawing/2014/main" id="{08038D09-B435-4A3F-B63E-C2DFB7B23DFA}"/>
-              </a:ext>
-            </a:extLst>
-          </p:cNvPr>
-          <p:cNvSpPr txBox="1"/>
-          <p:nvPr/>
-        </p:nvSpPr>
-        <p:spPr>
-          <a:xfrm>
-            <a:off x="5651208" y="2663441"/>
-            <a:ext cx="995785" cy="369332"/>
-          </a:xfrm>
-          <a:prstGeom prst="rect">
-            <a:avLst/>
-          </a:prstGeom>
-          <a:noFill/>
-        </p:spPr>
-        <p:txBody>
-          <a:bodyPr wrap="none" rtlCol="0">
-            <a:spAutoFit/>
-          </a:bodyPr>
-          <a:lstStyle/>
-          <a:p>
-            <a:r>
-              <a:rPr lang="en-US" altLang="zh-CN" b="1" dirty="0"/>
-              <a:t>Mininet</a:t>
-            </a:r>
-            <a:endParaRPr lang="zh-CN" altLang="en-US" b="1" dirty="0"/>
-          </a:p>
-        </p:txBody>
-      </p:sp>
-      <p:sp>
-        <p:nvSpPr>
-          <p:cNvPr id="8" name="文本框 7">
-            <a:extLst>
-              <a:ext uri="{FF2B5EF4-FFF2-40B4-BE49-F238E27FC236}">
-                <a16:creationId xmlns:a16="http://schemas.microsoft.com/office/drawing/2014/main" id="{E9574E44-D02A-4AD7-B099-7A212A3DD143}"/>
-              </a:ext>
-            </a:extLst>
-          </p:cNvPr>
-          <p:cNvSpPr txBox="1"/>
-          <p:nvPr/>
-        </p:nvSpPr>
-        <p:spPr>
-          <a:xfrm>
-            <a:off x="252491" y="3819732"/>
-            <a:ext cx="3754554" cy="1200329"/>
-          </a:xfrm>
-          <a:prstGeom prst="rect">
-            <a:avLst/>
-          </a:prstGeom>
-          <a:noFill/>
-        </p:spPr>
-        <p:txBody>
-          <a:bodyPr wrap="none" rtlCol="0">
-            <a:spAutoFit/>
-          </a:bodyPr>
-          <a:lstStyle/>
-          <a:p>
-            <a:r>
-              <a:rPr lang="en-US" altLang="zh-CN" b="1" dirty="0"/>
-              <a:t>KVM bridge</a:t>
-            </a:r>
-          </a:p>
-          <a:p>
-            <a:pPr marL="285750" indent="-285750">
-              <a:buFont typeface="Arial" panose="020B0604020202020204" pitchFamily="34" charset="0"/>
-              <a:buChar char="•"/>
-            </a:pPr>
-            <a:r>
-              <a:rPr lang="en-US" altLang="zh-CN" dirty="0" err="1"/>
-              <a:t>toClassifier</a:t>
-            </a:r>
-            <a:r>
-              <a:rPr lang="en-US" altLang="zh-CN" dirty="0"/>
-              <a:t>: 192.168.123.0/24</a:t>
-            </a:r>
-          </a:p>
-          <a:p>
-            <a:pPr marL="285750" indent="-285750">
-              <a:buFont typeface="Arial" panose="020B0604020202020204" pitchFamily="34" charset="0"/>
-              <a:buChar char="•"/>
-            </a:pPr>
-            <a:r>
-              <a:rPr lang="en-US" altLang="zh-CN" dirty="0"/>
-              <a:t>toVNF1: 192.168.124.0/24</a:t>
-            </a:r>
-          </a:p>
-          <a:p>
-            <a:pPr marL="285750" indent="-285750">
-              <a:buFont typeface="Arial" panose="020B0604020202020204" pitchFamily="34" charset="0"/>
-              <a:buChar char="•"/>
-            </a:pPr>
-            <a:r>
-              <a:rPr lang="en-US" altLang="zh-CN" dirty="0"/>
-              <a:t>toVNF1Backup: 192.168.125.0/24</a:t>
-            </a:r>
-            <a:endParaRPr lang="zh-CN" altLang="en-US" dirty="0"/>
-          </a:p>
-        </p:txBody>
-      </p:sp>
-      <p:sp>
-        <p:nvSpPr>
-          <p:cNvPr id="56" name="文本框 55">
-            <a:extLst>
-              <a:ext uri="{FF2B5EF4-FFF2-40B4-BE49-F238E27FC236}">
-                <a16:creationId xmlns:a16="http://schemas.microsoft.com/office/drawing/2014/main" id="{73414816-ED22-4BAC-A498-70F9C193E17C}"/>
-              </a:ext>
-            </a:extLst>
-          </p:cNvPr>
-          <p:cNvSpPr txBox="1"/>
-          <p:nvPr/>
-        </p:nvSpPr>
-        <p:spPr>
-          <a:xfrm>
-            <a:off x="3270455" y="2960008"/>
-            <a:ext cx="973343" cy="369332"/>
-          </a:xfrm>
-          <a:prstGeom prst="rect">
-            <a:avLst/>
-          </a:prstGeom>
-        </p:spPr>
-        <p:style>
-          <a:lnRef idx="2">
-            <a:schemeClr val="accent2">
-              <a:shade val="50000"/>
-            </a:schemeClr>
-          </a:lnRef>
-          <a:fillRef idx="1">
-            <a:schemeClr val="accent2"/>
-          </a:fillRef>
-          <a:effectRef idx="0">
-            <a:schemeClr val="accent2"/>
-          </a:effectRef>
-          <a:fontRef idx="minor">
-            <a:schemeClr val="lt1"/>
-          </a:fontRef>
-        </p:style>
-        <p:txBody>
-          <a:bodyPr wrap="none" rtlCol="0">
-            <a:spAutoFit/>
-          </a:bodyPr>
-          <a:lstStyle/>
-          <a:p>
-            <a:r>
-              <a:rPr lang="en-US" altLang="zh-CN" b="1" dirty="0"/>
-              <a:t>toVNF1</a:t>
-            </a:r>
-            <a:endParaRPr lang="zh-CN" altLang="en-US" b="1" dirty="0"/>
-          </a:p>
-        </p:txBody>
-      </p:sp>
-      <p:sp>
-        <p:nvSpPr>
-          <p:cNvPr id="57" name="文本框 56">
-            <a:extLst>
-              <a:ext uri="{FF2B5EF4-FFF2-40B4-BE49-F238E27FC236}">
-                <a16:creationId xmlns:a16="http://schemas.microsoft.com/office/drawing/2014/main" id="{32DAB7B5-1CBE-483D-AE05-B34070B9E9A7}"/>
-              </a:ext>
-            </a:extLst>
-          </p:cNvPr>
-          <p:cNvSpPr txBox="1"/>
-          <p:nvPr/>
-        </p:nvSpPr>
-        <p:spPr>
-          <a:xfrm>
-            <a:off x="7703247" y="2953176"/>
-            <a:ext cx="1737976" cy="369332"/>
-          </a:xfrm>
-          <a:prstGeom prst="rect">
-            <a:avLst/>
-          </a:prstGeom>
-        </p:spPr>
-        <p:style>
-          <a:lnRef idx="2">
-            <a:schemeClr val="accent2">
-              <a:shade val="50000"/>
-            </a:schemeClr>
-          </a:lnRef>
-          <a:fillRef idx="1">
-            <a:schemeClr val="accent2"/>
-          </a:fillRef>
-          <a:effectRef idx="0">
-            <a:schemeClr val="accent2"/>
-          </a:effectRef>
-          <a:fontRef idx="minor">
-            <a:schemeClr val="lt1"/>
-          </a:fontRef>
-        </p:style>
-        <p:txBody>
-          <a:bodyPr wrap="none" rtlCol="0">
-            <a:spAutoFit/>
-          </a:bodyPr>
-          <a:lstStyle>
-            <a:defPPr>
-              <a:defRPr lang="zh-CN"/>
-            </a:defPPr>
-            <a:lvl1pPr>
-              <a:defRPr b="1"/>
-            </a:lvl1pPr>
-          </a:lstStyle>
-          <a:p>
-            <a:r>
-              <a:rPr lang="en-US" altLang="zh-CN" dirty="0"/>
-              <a:t>toVNF1Backup</a:t>
-            </a:r>
-            <a:endParaRPr lang="zh-CN" altLang="en-US" dirty="0"/>
-          </a:p>
-        </p:txBody>
-      </p:sp>
-      <p:sp>
-        <p:nvSpPr>
-          <p:cNvPr id="81" name="文本框 80">
-            <a:extLst>
-              <a:ext uri="{FF2B5EF4-FFF2-40B4-BE49-F238E27FC236}">
-                <a16:creationId xmlns:a16="http://schemas.microsoft.com/office/drawing/2014/main" id="{28EA2CBF-093A-4909-8C28-BD9A3C3909F1}"/>
-              </a:ext>
-            </a:extLst>
-          </p:cNvPr>
-          <p:cNvSpPr txBox="1"/>
-          <p:nvPr/>
-        </p:nvSpPr>
-        <p:spPr>
-          <a:xfrm>
-            <a:off x="286155" y="5973926"/>
-            <a:ext cx="3720890" cy="646331"/>
-          </a:xfrm>
-          <a:prstGeom prst="rect">
-            <a:avLst/>
-          </a:prstGeom>
-          <a:noFill/>
-        </p:spPr>
-        <p:txBody>
-          <a:bodyPr wrap="none" rtlCol="0">
-            <a:spAutoFit/>
-          </a:bodyPr>
-          <a:lstStyle/>
-          <a:p>
-            <a:r>
-              <a:rPr lang="en-US" altLang="zh-CN" b="1" dirty="0">
-                <a:effectLst>
-                  <a:outerShdw blurRad="38100" dist="38100" dir="2700000" algn="tl">
-                    <a:srgbClr val="000000">
-                      <a:alpha val="43137"/>
-                    </a:srgbClr>
-                  </a:outerShdw>
-                </a:effectLst>
-              </a:rPr>
-              <a:t>Inbound traffic = </a:t>
-            </a:r>
-            <a:r>
-              <a:rPr lang="en-US" altLang="zh-CN" dirty="0"/>
-              <a:t>1.1.1.1 -&gt; 2.2.2.2</a:t>
-            </a:r>
-          </a:p>
-          <a:p>
-            <a:r>
-              <a:rPr lang="en-US" altLang="zh-CN" b="1" dirty="0">
-                <a:effectLst>
-                  <a:outerShdw blurRad="38100" dist="38100" dir="2700000" algn="tl">
-                    <a:srgbClr val="000000">
-                      <a:alpha val="43137"/>
-                    </a:srgbClr>
-                  </a:outerShdw>
-                </a:effectLst>
-              </a:rPr>
-              <a:t>Website DNS </a:t>
-            </a:r>
-            <a:r>
-              <a:rPr lang="en-US" altLang="zh-CN" b="1" dirty="0" err="1">
-                <a:effectLst>
-                  <a:outerShdw blurRad="38100" dist="38100" dir="2700000" algn="tl">
-                    <a:srgbClr val="000000">
-                      <a:alpha val="43137"/>
-                    </a:srgbClr>
-                  </a:outerShdw>
-                </a:effectLst>
-              </a:rPr>
-              <a:t>ip</a:t>
-            </a:r>
-            <a:r>
-              <a:rPr lang="en-US" altLang="zh-CN" b="1" dirty="0">
-                <a:effectLst>
-                  <a:outerShdw blurRad="38100" dist="38100" dir="2700000" algn="tl">
-                    <a:srgbClr val="000000">
-                      <a:alpha val="43137"/>
-                    </a:srgbClr>
-                  </a:outerShdw>
-                </a:effectLst>
-              </a:rPr>
-              <a:t> =</a:t>
-            </a:r>
-            <a:r>
-              <a:rPr lang="en-US" altLang="zh-CN" dirty="0"/>
-              <a:t> 2.2.2.2</a:t>
-            </a:r>
-          </a:p>
-        </p:txBody>
-      </p:sp>
-      <p:sp>
-        <p:nvSpPr>
-          <p:cNvPr id="68" name="矩形 67">
-            <a:extLst>
-              <a:ext uri="{FF2B5EF4-FFF2-40B4-BE49-F238E27FC236}">
-                <a16:creationId xmlns:a16="http://schemas.microsoft.com/office/drawing/2014/main" id="{A9D723AE-F706-4D7D-BBAB-E5C514EEE369}"/>
-              </a:ext>
-            </a:extLst>
-          </p:cNvPr>
-          <p:cNvSpPr/>
-          <p:nvPr/>
-        </p:nvSpPr>
-        <p:spPr>
-          <a:xfrm>
-            <a:off x="4586684" y="1454239"/>
-            <a:ext cx="1109803" cy="572726"/>
-          </a:xfrm>
-          <a:prstGeom prst="rect">
-            <a:avLst/>
-          </a:prstGeom>
-          <a:ln w="38100"/>
-        </p:spPr>
-        <p:style>
-          <a:lnRef idx="2">
-            <a:schemeClr val="dk1"/>
-          </a:lnRef>
-          <a:fillRef idx="1">
-            <a:schemeClr val="lt1"/>
-          </a:fillRef>
-          <a:effectRef idx="0">
-            <a:schemeClr val="dk1"/>
-          </a:effectRef>
-          <a:fontRef idx="minor">
-            <a:schemeClr val="dk1"/>
-          </a:fontRef>
-        </p:style>
-        <p:txBody>
-          <a:bodyPr rtlCol="0" anchor="ctr"/>
-          <a:lstStyle/>
-          <a:p>
-            <a:pPr algn="ctr"/>
-            <a:r>
-              <a:rPr lang="en-US" altLang="zh-CN" dirty="0">
-                <a:solidFill>
-                  <a:schemeClr val="dk1"/>
-                </a:solidFill>
-              </a:rPr>
-              <a:t>Web</a:t>
-            </a:r>
-          </a:p>
-          <a:p>
-            <a:pPr algn="ctr"/>
-            <a:r>
-              <a:rPr lang="en-US" altLang="zh-CN" dirty="0"/>
-              <a:t>Server 1</a:t>
-            </a:r>
-            <a:endParaRPr lang="zh-CN" altLang="en-US" dirty="0">
-              <a:solidFill>
-                <a:schemeClr val="dk1"/>
-              </a:solidFill>
-            </a:endParaRPr>
-          </a:p>
-        </p:txBody>
-      </p:sp>
-      <p:sp>
-        <p:nvSpPr>
-          <p:cNvPr id="69" name="矩形 68">
-            <a:extLst>
-              <a:ext uri="{FF2B5EF4-FFF2-40B4-BE49-F238E27FC236}">
-                <a16:creationId xmlns:a16="http://schemas.microsoft.com/office/drawing/2014/main" id="{B6FEC791-F29C-4A4B-9828-49B0A593FC1C}"/>
-              </a:ext>
-            </a:extLst>
-          </p:cNvPr>
-          <p:cNvSpPr/>
-          <p:nvPr/>
-        </p:nvSpPr>
-        <p:spPr>
-          <a:xfrm>
-            <a:off x="6585185" y="1439056"/>
-            <a:ext cx="1109803" cy="572726"/>
-          </a:xfrm>
-          <a:prstGeom prst="rect">
-            <a:avLst/>
-          </a:prstGeom>
-          <a:ln w="38100"/>
-        </p:spPr>
-        <p:style>
-          <a:lnRef idx="2">
-            <a:schemeClr val="dk1"/>
-          </a:lnRef>
-          <a:fillRef idx="1">
-            <a:schemeClr val="lt1"/>
-          </a:fillRef>
-          <a:effectRef idx="0">
-            <a:schemeClr val="dk1"/>
-          </a:effectRef>
-          <a:fontRef idx="minor">
-            <a:schemeClr val="dk1"/>
-          </a:fontRef>
-        </p:style>
-        <p:txBody>
-          <a:bodyPr rtlCol="0" anchor="ctr"/>
-          <a:lstStyle/>
-          <a:p>
-            <a:pPr algn="ctr"/>
-            <a:r>
-              <a:rPr lang="en-US" altLang="zh-CN" dirty="0">
-                <a:solidFill>
-                  <a:schemeClr val="dk1"/>
-                </a:solidFill>
-              </a:rPr>
-              <a:t>Web</a:t>
-            </a:r>
-          </a:p>
-          <a:p>
-            <a:pPr algn="ctr"/>
-            <a:r>
-              <a:rPr lang="en-US" altLang="zh-CN" dirty="0"/>
-              <a:t>Server 2</a:t>
-            </a:r>
-            <a:endParaRPr lang="zh-CN" altLang="en-US" dirty="0">
-              <a:solidFill>
-                <a:schemeClr val="dk1"/>
-              </a:solidFill>
-            </a:endParaRPr>
-          </a:p>
-        </p:txBody>
-      </p:sp>
-      <p:cxnSp>
-        <p:nvCxnSpPr>
-          <p:cNvPr id="70" name="直接连接符 69">
-            <a:extLst>
-              <a:ext uri="{FF2B5EF4-FFF2-40B4-BE49-F238E27FC236}">
-                <a16:creationId xmlns:a16="http://schemas.microsoft.com/office/drawing/2014/main" id="{A06FF2B9-AD85-4911-9880-4ED322D661A5}"/>
-              </a:ext>
-            </a:extLst>
-          </p:cNvPr>
-          <p:cNvCxnSpPr>
-            <a:cxnSpLocks/>
-            <a:stCxn id="5" idx="0"/>
-            <a:endCxn id="68" idx="2"/>
-          </p:cNvCxnSpPr>
-          <p:nvPr/>
-        </p:nvCxnSpPr>
-        <p:spPr>
-          <a:xfrm flipH="1" flipV="1">
-            <a:off x="5141586" y="2026965"/>
-            <a:ext cx="15836" cy="705496"/>
-          </a:xfrm>
-          <a:prstGeom prst="line">
-            <a:avLst/>
-          </a:prstGeom>
-          <a:ln w="38100"/>
-        </p:spPr>
-        <p:style>
-          <a:lnRef idx="2">
-            <a:schemeClr val="dk1"/>
-          </a:lnRef>
-          <a:fillRef idx="1">
-            <a:schemeClr val="lt1"/>
-          </a:fillRef>
-          <a:effectRef idx="0">
-            <a:schemeClr val="dk1"/>
-          </a:effectRef>
-          <a:fontRef idx="minor">
-            <a:schemeClr val="dk1"/>
-          </a:fontRef>
-        </p:style>
-      </p:cxnSp>
-      <p:cxnSp>
-        <p:nvCxnSpPr>
-          <p:cNvPr id="78" name="直接连接符 77">
-            <a:extLst>
-              <a:ext uri="{FF2B5EF4-FFF2-40B4-BE49-F238E27FC236}">
-                <a16:creationId xmlns:a16="http://schemas.microsoft.com/office/drawing/2014/main" id="{74219C6F-DB06-42F4-9570-B83F34419D5F}"/>
-              </a:ext>
-            </a:extLst>
-          </p:cNvPr>
-          <p:cNvCxnSpPr>
-            <a:cxnSpLocks/>
-            <a:stCxn id="5" idx="0"/>
-            <a:endCxn id="69" idx="2"/>
-          </p:cNvCxnSpPr>
-          <p:nvPr/>
-        </p:nvCxnSpPr>
-        <p:spPr>
-          <a:xfrm flipV="1">
-            <a:off x="5157422" y="2011782"/>
-            <a:ext cx="1982665" cy="720679"/>
-          </a:xfrm>
-          <a:prstGeom prst="line">
-            <a:avLst/>
-          </a:prstGeom>
-          <a:ln w="38100"/>
-        </p:spPr>
-        <p:style>
-          <a:lnRef idx="2">
-            <a:schemeClr val="dk1"/>
-          </a:lnRef>
-          <a:fillRef idx="1">
-            <a:schemeClr val="lt1"/>
-          </a:fillRef>
-          <a:effectRef idx="0">
-            <a:schemeClr val="dk1"/>
-          </a:effectRef>
-          <a:fontRef idx="minor">
-            <a:schemeClr val="dk1"/>
-          </a:fontRef>
-        </p:style>
-      </p:cxnSp>
-      <p:sp>
-        <p:nvSpPr>
-          <p:cNvPr id="58" name="椭圆 57">
-            <a:extLst>
-              <a:ext uri="{FF2B5EF4-FFF2-40B4-BE49-F238E27FC236}">
-                <a16:creationId xmlns:a16="http://schemas.microsoft.com/office/drawing/2014/main" id="{4EF980F0-2B65-4A13-9CB4-9BE5E940FCFB}"/>
-              </a:ext>
-            </a:extLst>
-          </p:cNvPr>
-          <p:cNvSpPr/>
-          <p:nvPr/>
-        </p:nvSpPr>
-        <p:spPr>
-          <a:xfrm>
-            <a:off x="4740266" y="3882497"/>
-            <a:ext cx="834312" cy="818585"/>
-          </a:xfrm>
-          <a:prstGeom prst="ellipse">
-            <a:avLst/>
-          </a:prstGeom>
-          <a:ln w="38100"/>
-        </p:spPr>
-        <p:style>
-          <a:lnRef idx="2">
-            <a:schemeClr val="dk1"/>
-          </a:lnRef>
-          <a:fillRef idx="1">
-            <a:schemeClr val="lt1"/>
-          </a:fillRef>
-          <a:effectRef idx="0">
-            <a:schemeClr val="dk1"/>
-          </a:effectRef>
-          <a:fontRef idx="minor">
-            <a:schemeClr val="dk1"/>
-          </a:fontRef>
-        </p:style>
-        <p:txBody>
-          <a:bodyPr rtlCol="0" anchor="ctr"/>
-          <a:lstStyle/>
-          <a:p>
-            <a:pPr algn="ctr"/>
-            <a:r>
-              <a:rPr lang="en-US" altLang="zh-CN" dirty="0" err="1"/>
-              <a:t>OvS</a:t>
-            </a:r>
-            <a:endParaRPr lang="zh-CN" altLang="en-US" dirty="0"/>
-          </a:p>
-        </p:txBody>
-      </p:sp>
-      <p:cxnSp>
-        <p:nvCxnSpPr>
-          <p:cNvPr id="60" name="直接连接符 59">
-            <a:extLst>
-              <a:ext uri="{FF2B5EF4-FFF2-40B4-BE49-F238E27FC236}">
-                <a16:creationId xmlns:a16="http://schemas.microsoft.com/office/drawing/2014/main" id="{07D16CBB-2386-4C62-AF91-FFF13C4CF2C8}"/>
-              </a:ext>
-            </a:extLst>
-          </p:cNvPr>
-          <p:cNvCxnSpPr>
-            <a:cxnSpLocks/>
-            <a:stCxn id="7" idx="2"/>
-            <a:endCxn id="58" idx="6"/>
-          </p:cNvCxnSpPr>
-          <p:nvPr/>
-        </p:nvCxnSpPr>
-        <p:spPr>
-          <a:xfrm flipH="1">
-            <a:off x="5574578" y="3141754"/>
-            <a:ext cx="1155389" cy="1150036"/>
-          </a:xfrm>
-          <a:prstGeom prst="line">
-            <a:avLst/>
-          </a:prstGeom>
-          <a:ln w="38100"/>
-        </p:spPr>
-        <p:style>
-          <a:lnRef idx="2">
-            <a:schemeClr val="dk1"/>
-          </a:lnRef>
-          <a:fillRef idx="1">
-            <a:schemeClr val="lt1"/>
-          </a:fillRef>
-          <a:effectRef idx="0">
-            <a:schemeClr val="dk1"/>
-          </a:effectRef>
-          <a:fontRef idx="minor">
-            <a:schemeClr val="dk1"/>
-          </a:fontRef>
-        </p:style>
-      </p:cxnSp>
-      <p:sp>
-        <p:nvSpPr>
-          <p:cNvPr id="67" name="矩形: 圆角 66">
-            <a:extLst>
-              <a:ext uri="{FF2B5EF4-FFF2-40B4-BE49-F238E27FC236}">
-                <a16:creationId xmlns:a16="http://schemas.microsoft.com/office/drawing/2014/main" id="{046E2CDF-64DB-4A78-A027-F19DACF8A70C}"/>
-              </a:ext>
-            </a:extLst>
-          </p:cNvPr>
-          <p:cNvSpPr/>
-          <p:nvPr/>
-        </p:nvSpPr>
-        <p:spPr>
-          <a:xfrm>
-            <a:off x="9523696" y="5102243"/>
-            <a:ext cx="2127252" cy="788964"/>
-          </a:xfrm>
-          <a:prstGeom prst="roundRect">
-            <a:avLst/>
-          </a:prstGeom>
-        </p:spPr>
-        <p:style>
-          <a:lnRef idx="1">
-            <a:schemeClr val="accent3"/>
-          </a:lnRef>
-          <a:fillRef idx="2">
-            <a:schemeClr val="accent3"/>
-          </a:fillRef>
-          <a:effectRef idx="1">
-            <a:schemeClr val="accent3"/>
-          </a:effectRef>
-          <a:fontRef idx="minor">
-            <a:schemeClr val="dk1"/>
-          </a:fontRef>
-        </p:style>
-        <p:txBody>
-          <a:bodyPr rtlCol="0" anchor="ctr"/>
-          <a:lstStyle/>
-          <a:p>
-            <a:pPr algn="ctr"/>
-            <a:endParaRPr lang="zh-CN" altLang="en-US" dirty="0"/>
-          </a:p>
-        </p:txBody>
-      </p:sp>
-      <p:sp>
-        <p:nvSpPr>
-          <p:cNvPr id="71" name="矩形 70">
-            <a:extLst>
-              <a:ext uri="{FF2B5EF4-FFF2-40B4-BE49-F238E27FC236}">
-                <a16:creationId xmlns:a16="http://schemas.microsoft.com/office/drawing/2014/main" id="{519E78E0-4027-4AED-B00A-0C92767AA43F}"/>
-              </a:ext>
-            </a:extLst>
-          </p:cNvPr>
-          <p:cNvSpPr/>
-          <p:nvPr/>
-        </p:nvSpPr>
-        <p:spPr>
-          <a:xfrm>
-            <a:off x="9623819" y="5419421"/>
-            <a:ext cx="1140931" cy="453916"/>
-          </a:xfrm>
-          <a:prstGeom prst="rect">
-            <a:avLst/>
-          </a:prstGeom>
-          <a:ln w="38100"/>
-        </p:spPr>
-        <p:style>
-          <a:lnRef idx="2">
-            <a:schemeClr val="dk1"/>
-          </a:lnRef>
-          <a:fillRef idx="1">
-            <a:schemeClr val="lt1"/>
-          </a:fillRef>
-          <a:effectRef idx="0">
-            <a:schemeClr val="dk1"/>
-          </a:effectRef>
-          <a:fontRef idx="minor">
-            <a:schemeClr val="dk1"/>
-          </a:fontRef>
-        </p:style>
-        <p:txBody>
-          <a:bodyPr rtlCol="0" anchor="ctr"/>
-          <a:lstStyle/>
-          <a:p>
-            <a:pPr algn="ctr"/>
-            <a:r>
-              <a:rPr lang="en-US" altLang="zh-CN" dirty="0">
-                <a:solidFill>
-                  <a:schemeClr val="dk1"/>
-                </a:solidFill>
-              </a:rPr>
-              <a:t>Classifier</a:t>
-            </a:r>
-            <a:endParaRPr lang="zh-CN" altLang="en-US" dirty="0">
-              <a:solidFill>
-                <a:schemeClr val="dk1"/>
-              </a:solidFill>
-            </a:endParaRPr>
-          </a:p>
-        </p:txBody>
-      </p:sp>
-      <p:cxnSp>
-        <p:nvCxnSpPr>
-          <p:cNvPr id="80" name="直接连接符 79">
-            <a:extLst>
-              <a:ext uri="{FF2B5EF4-FFF2-40B4-BE49-F238E27FC236}">
-                <a16:creationId xmlns:a16="http://schemas.microsoft.com/office/drawing/2014/main" id="{4F0F4254-25D6-4CE8-A963-A252EA99A355}"/>
-              </a:ext>
-            </a:extLst>
-          </p:cNvPr>
-          <p:cNvCxnSpPr>
-            <a:cxnSpLocks/>
-            <a:stCxn id="58" idx="4"/>
-            <a:endCxn id="72" idx="1"/>
-          </p:cNvCxnSpPr>
-          <p:nvPr/>
-        </p:nvCxnSpPr>
-        <p:spPr>
-          <a:xfrm>
-            <a:off x="5157422" y="4701082"/>
-            <a:ext cx="2480505" cy="806817"/>
-          </a:xfrm>
-          <a:prstGeom prst="line">
-            <a:avLst/>
-          </a:prstGeom>
-          <a:ln w="38100"/>
-        </p:spPr>
-        <p:style>
-          <a:lnRef idx="2">
-            <a:schemeClr val="dk1"/>
-          </a:lnRef>
-          <a:fillRef idx="1">
-            <a:schemeClr val="lt1"/>
-          </a:fillRef>
-          <a:effectRef idx="0">
-            <a:schemeClr val="dk1"/>
-          </a:effectRef>
-          <a:fontRef idx="minor">
-            <a:schemeClr val="dk1"/>
-          </a:fontRef>
-        </p:style>
-      </p:cxnSp>
-      <p:sp>
-        <p:nvSpPr>
-          <p:cNvPr id="73" name="爆炸形: 8 pt  72">
-            <a:extLst>
-              <a:ext uri="{FF2B5EF4-FFF2-40B4-BE49-F238E27FC236}">
-                <a16:creationId xmlns:a16="http://schemas.microsoft.com/office/drawing/2014/main" id="{939F9979-DA86-44B1-9958-5D63BCAAD896}"/>
-              </a:ext>
-            </a:extLst>
-          </p:cNvPr>
-          <p:cNvSpPr/>
-          <p:nvPr/>
-        </p:nvSpPr>
-        <p:spPr>
-          <a:xfrm>
-            <a:off x="4858804" y="3373916"/>
-            <a:ext cx="659876" cy="622169"/>
-          </a:xfrm>
-          <a:prstGeom prst="irregularSeal1">
-            <a:avLst/>
-          </a:prstGeom>
-          <a:solidFill>
-            <a:srgbClr val="FFC000"/>
-          </a:solidFill>
-        </p:spPr>
-        <p:style>
-          <a:lnRef idx="2">
-            <a:schemeClr val="accent1">
-              <a:shade val="50000"/>
-            </a:schemeClr>
-          </a:lnRef>
-          <a:fillRef idx="1">
-            <a:schemeClr val="accent1"/>
-          </a:fillRef>
-          <a:effectRef idx="0">
-            <a:schemeClr val="accent1"/>
-          </a:effectRef>
-          <a:fontRef idx="minor">
-            <a:schemeClr val="lt1"/>
-          </a:fontRef>
-        </p:style>
-        <p:txBody>
-          <a:bodyPr rtlCol="0" anchor="ctr"/>
-          <a:lstStyle/>
-          <a:p>
-            <a:pPr algn="ctr"/>
-            <a:endParaRPr lang="zh-CN" altLang="en-US"/>
-          </a:p>
-        </p:txBody>
-      </p:sp>
-      <p:sp>
-        <p:nvSpPr>
-          <p:cNvPr id="72" name="文本框 71">
-            <a:extLst>
-              <a:ext uri="{FF2B5EF4-FFF2-40B4-BE49-F238E27FC236}">
-                <a16:creationId xmlns:a16="http://schemas.microsoft.com/office/drawing/2014/main" id="{4A4AFED2-884C-4DE3-8A55-38FA3701D2F2}"/>
-              </a:ext>
-            </a:extLst>
-          </p:cNvPr>
-          <p:cNvSpPr txBox="1"/>
-          <p:nvPr/>
-        </p:nvSpPr>
-        <p:spPr>
-          <a:xfrm>
-            <a:off x="7637927" y="5323233"/>
-            <a:ext cx="1338828" cy="369332"/>
-          </a:xfrm>
-          <a:prstGeom prst="rect">
-            <a:avLst/>
-          </a:prstGeom>
-        </p:spPr>
-        <p:style>
-          <a:lnRef idx="2">
-            <a:schemeClr val="accent2">
-              <a:shade val="50000"/>
-            </a:schemeClr>
-          </a:lnRef>
-          <a:fillRef idx="1">
-            <a:schemeClr val="accent2"/>
-          </a:fillRef>
-          <a:effectRef idx="0">
-            <a:schemeClr val="accent2"/>
-          </a:effectRef>
-          <a:fontRef idx="minor">
-            <a:schemeClr val="lt1"/>
-          </a:fontRef>
-        </p:style>
-        <p:txBody>
-          <a:bodyPr wrap="none" rtlCol="0">
-            <a:spAutoFit/>
-          </a:bodyPr>
-          <a:lstStyle>
-            <a:defPPr>
-              <a:defRPr lang="zh-CN"/>
-            </a:defPPr>
-            <a:lvl1pPr>
-              <a:defRPr b="1"/>
-            </a:lvl1pPr>
-            <a:lvl2pPr>
-              <a:defRPr>
-                <a:solidFill>
-                  <a:schemeClr val="lt1"/>
-                </a:solidFill>
-              </a:defRPr>
-            </a:lvl2pPr>
-            <a:lvl3pPr>
-              <a:defRPr>
-                <a:solidFill>
-                  <a:schemeClr val="lt1"/>
-                </a:solidFill>
-              </a:defRPr>
-            </a:lvl3pPr>
-            <a:lvl4pPr>
-              <a:defRPr>
-                <a:solidFill>
-                  <a:schemeClr val="lt1"/>
-                </a:solidFill>
-              </a:defRPr>
-            </a:lvl4pPr>
-            <a:lvl5pPr>
-              <a:defRPr>
-                <a:solidFill>
-                  <a:schemeClr val="lt1"/>
-                </a:solidFill>
-              </a:defRPr>
-            </a:lvl5pPr>
-            <a:lvl6pPr>
-              <a:defRPr>
-                <a:solidFill>
-                  <a:schemeClr val="lt1"/>
-                </a:solidFill>
-              </a:defRPr>
-            </a:lvl6pPr>
-            <a:lvl7pPr>
-              <a:defRPr>
-                <a:solidFill>
-                  <a:schemeClr val="lt1"/>
-                </a:solidFill>
-              </a:defRPr>
-            </a:lvl7pPr>
-            <a:lvl8pPr>
-              <a:defRPr>
-                <a:solidFill>
-                  <a:schemeClr val="lt1"/>
-                </a:solidFill>
-              </a:defRPr>
-            </a:lvl8pPr>
-            <a:lvl9pPr>
-              <a:defRPr>
-                <a:solidFill>
-                  <a:schemeClr val="lt1"/>
-                </a:solidFill>
-              </a:defRPr>
-            </a:lvl9pPr>
-          </a:lstStyle>
-          <a:p>
-            <a:r>
-              <a:rPr lang="en-US" altLang="zh-CN" dirty="0" err="1"/>
-              <a:t>toClassifier</a:t>
-            </a:r>
-            <a:endParaRPr lang="zh-CN" altLang="en-US" dirty="0"/>
-          </a:p>
-        </p:txBody>
-      </p:sp>
-      <p:cxnSp>
-        <p:nvCxnSpPr>
-          <p:cNvPr id="88" name="直接连接符 87">
-            <a:extLst>
-              <a:ext uri="{FF2B5EF4-FFF2-40B4-BE49-F238E27FC236}">
-                <a16:creationId xmlns:a16="http://schemas.microsoft.com/office/drawing/2014/main" id="{DE62FBF7-FD31-44EA-A8B1-95E42B7ED205}"/>
-              </a:ext>
-            </a:extLst>
-          </p:cNvPr>
-          <p:cNvCxnSpPr>
-            <a:cxnSpLocks/>
-            <a:stCxn id="6" idx="4"/>
-            <a:endCxn id="27" idx="0"/>
-          </p:cNvCxnSpPr>
-          <p:nvPr/>
-        </p:nvCxnSpPr>
-        <p:spPr>
-          <a:xfrm flipH="1">
-            <a:off x="4488580" y="4689401"/>
-            <a:ext cx="2648689" cy="779197"/>
-          </a:xfrm>
-          <a:prstGeom prst="line">
-            <a:avLst/>
-          </a:prstGeom>
-          <a:ln w="38100"/>
-        </p:spPr>
-        <p:style>
-          <a:lnRef idx="2">
-            <a:schemeClr val="dk1"/>
-          </a:lnRef>
-          <a:fillRef idx="1">
-            <a:schemeClr val="lt1"/>
-          </a:fillRef>
-          <a:effectRef idx="0">
-            <a:schemeClr val="dk1"/>
-          </a:effectRef>
-          <a:fontRef idx="minor">
-            <a:schemeClr val="dk1"/>
-          </a:fontRef>
-        </p:style>
-      </p:cxnSp>
-      <p:cxnSp>
-        <p:nvCxnSpPr>
-          <p:cNvPr id="99" name="直接连接符 98">
-            <a:extLst>
-              <a:ext uri="{FF2B5EF4-FFF2-40B4-BE49-F238E27FC236}">
-                <a16:creationId xmlns:a16="http://schemas.microsoft.com/office/drawing/2014/main" id="{9DC28CDF-E98D-481D-81E7-E12126A7F21A}"/>
-              </a:ext>
-            </a:extLst>
-          </p:cNvPr>
-          <p:cNvCxnSpPr>
-            <a:cxnSpLocks/>
-            <a:stCxn id="72" idx="3"/>
-            <a:endCxn id="30" idx="1"/>
-          </p:cNvCxnSpPr>
-          <p:nvPr/>
-        </p:nvCxnSpPr>
-        <p:spPr>
-          <a:xfrm flipV="1">
-            <a:off x="8976755" y="4617651"/>
-            <a:ext cx="625783" cy="890248"/>
-          </a:xfrm>
-          <a:prstGeom prst="line">
-            <a:avLst/>
-          </a:prstGeom>
-          <a:ln w="38100"/>
-        </p:spPr>
-        <p:style>
-          <a:lnRef idx="2">
-            <a:schemeClr val="dk1"/>
-          </a:lnRef>
-          <a:fillRef idx="1">
-            <a:schemeClr val="lt1"/>
-          </a:fillRef>
-          <a:effectRef idx="0">
-            <a:schemeClr val="dk1"/>
-          </a:effectRef>
-          <a:fontRef idx="minor">
-            <a:schemeClr val="dk1"/>
-          </a:fontRef>
-        </p:style>
-      </p:cxnSp>
-      <p:cxnSp>
-        <p:nvCxnSpPr>
-          <p:cNvPr id="100" name="直接连接符 99">
-            <a:extLst>
-              <a:ext uri="{FF2B5EF4-FFF2-40B4-BE49-F238E27FC236}">
-                <a16:creationId xmlns:a16="http://schemas.microsoft.com/office/drawing/2014/main" id="{020FA793-FFFB-4831-9910-5290D3F24E37}"/>
-              </a:ext>
-            </a:extLst>
-          </p:cNvPr>
-          <p:cNvCxnSpPr>
-            <a:cxnSpLocks/>
-            <a:stCxn id="72" idx="3"/>
-            <a:endCxn id="71" idx="1"/>
-          </p:cNvCxnSpPr>
-          <p:nvPr/>
-        </p:nvCxnSpPr>
-        <p:spPr>
-          <a:xfrm>
-            <a:off x="8976755" y="5507899"/>
-            <a:ext cx="647064" cy="138480"/>
-          </a:xfrm>
-          <a:prstGeom prst="line">
-            <a:avLst/>
-          </a:prstGeom>
-          <a:ln w="38100"/>
-        </p:spPr>
-        <p:style>
-          <a:lnRef idx="2">
-            <a:schemeClr val="dk1"/>
-          </a:lnRef>
-          <a:fillRef idx="1">
-            <a:schemeClr val="lt1"/>
-          </a:fillRef>
-          <a:effectRef idx="0">
-            <a:schemeClr val="dk1"/>
-          </a:effectRef>
-          <a:fontRef idx="minor">
-            <a:schemeClr val="dk1"/>
-          </a:fontRef>
-        </p:style>
-      </p:cxnSp>
-      <p:sp>
-        <p:nvSpPr>
-          <p:cNvPr id="104" name="文本框 103">
-            <a:extLst>
-              <a:ext uri="{FF2B5EF4-FFF2-40B4-BE49-F238E27FC236}">
-                <a16:creationId xmlns:a16="http://schemas.microsoft.com/office/drawing/2014/main" id="{D9D565E8-ABB6-4C24-9300-08545CB32152}"/>
-              </a:ext>
-            </a:extLst>
-          </p:cNvPr>
-          <p:cNvSpPr txBox="1"/>
-          <p:nvPr/>
-        </p:nvSpPr>
-        <p:spPr>
-          <a:xfrm>
-            <a:off x="10877285" y="5504005"/>
-            <a:ext cx="673582" cy="369332"/>
-          </a:xfrm>
-          <a:prstGeom prst="rect">
-            <a:avLst/>
-          </a:prstGeom>
-          <a:noFill/>
-        </p:spPr>
-        <p:txBody>
-          <a:bodyPr wrap="none" rtlCol="0">
-            <a:spAutoFit/>
-          </a:bodyPr>
-          <a:lstStyle/>
-          <a:p>
-            <a:r>
-              <a:rPr lang="en-US" altLang="zh-CN" b="1" dirty="0"/>
-              <a:t>VM2</a:t>
-            </a:r>
-            <a:endParaRPr lang="zh-CN" altLang="en-US" b="1" dirty="0"/>
-          </a:p>
-        </p:txBody>
-      </p:sp>
-      <p:sp>
-        <p:nvSpPr>
-          <p:cNvPr id="82" name="文本框 81">
-            <a:extLst>
-              <a:ext uri="{FF2B5EF4-FFF2-40B4-BE49-F238E27FC236}">
-                <a16:creationId xmlns:a16="http://schemas.microsoft.com/office/drawing/2014/main" id="{0086ED26-0CAF-4B09-8AF7-7C154F2D9678}"/>
-              </a:ext>
-            </a:extLst>
-          </p:cNvPr>
-          <p:cNvSpPr txBox="1"/>
-          <p:nvPr/>
-        </p:nvSpPr>
-        <p:spPr>
-          <a:xfrm>
-            <a:off x="4174305" y="4692328"/>
-            <a:ext cx="1824538" cy="369332"/>
-          </a:xfrm>
-          <a:prstGeom prst="rect">
-            <a:avLst/>
-          </a:prstGeom>
-          <a:noFill/>
-        </p:spPr>
-        <p:txBody>
-          <a:bodyPr wrap="none" rtlCol="0">
-            <a:spAutoFit/>
-          </a:bodyPr>
-          <a:lstStyle/>
-          <a:p>
-            <a:r>
-              <a:rPr lang="en-US" altLang="zh-CN" b="1" dirty="0">
-                <a:effectLst>
-                  <a:outerShdw blurRad="38100" dist="38100" dir="2700000" algn="tl">
-                    <a:srgbClr val="000000">
-                      <a:alpha val="43137"/>
-                    </a:srgbClr>
-                  </a:outerShdw>
-                </a:effectLst>
-              </a:rPr>
-              <a:t>DCN Gateway 1</a:t>
-            </a:r>
-            <a:endParaRPr lang="zh-CN" altLang="en-US" b="1" dirty="0">
-              <a:effectLst>
-                <a:outerShdw blurRad="38100" dist="38100" dir="2700000" algn="tl">
-                  <a:srgbClr val="000000">
-                    <a:alpha val="43137"/>
-                  </a:srgbClr>
-                </a:outerShdw>
-              </a:effectLst>
-            </a:endParaRPr>
-          </a:p>
-        </p:txBody>
-      </p:sp>
-      <p:sp>
-        <p:nvSpPr>
-          <p:cNvPr id="112" name="文本框 111">
-            <a:extLst>
-              <a:ext uri="{FF2B5EF4-FFF2-40B4-BE49-F238E27FC236}">
-                <a16:creationId xmlns:a16="http://schemas.microsoft.com/office/drawing/2014/main" id="{5075AF2A-EA0A-4D34-8F04-66D9ECC4E5A7}"/>
-              </a:ext>
-            </a:extLst>
-          </p:cNvPr>
-          <p:cNvSpPr txBox="1"/>
-          <p:nvPr/>
-        </p:nvSpPr>
-        <p:spPr>
-          <a:xfrm>
-            <a:off x="6248137" y="4655711"/>
-            <a:ext cx="1824538" cy="369332"/>
-          </a:xfrm>
-          <a:prstGeom prst="rect">
-            <a:avLst/>
-          </a:prstGeom>
-          <a:noFill/>
-        </p:spPr>
-        <p:txBody>
-          <a:bodyPr wrap="none" rtlCol="0">
-            <a:spAutoFit/>
-          </a:bodyPr>
-          <a:lstStyle/>
-          <a:p>
-            <a:r>
-              <a:rPr lang="en-US" altLang="zh-CN" b="1" dirty="0">
-                <a:effectLst>
-                  <a:outerShdw blurRad="38100" dist="38100" dir="2700000" algn="tl">
-                    <a:srgbClr val="000000">
-                      <a:alpha val="43137"/>
-                    </a:srgbClr>
-                  </a:outerShdw>
-                </a:effectLst>
-              </a:rPr>
-              <a:t>DCN Gateway 2</a:t>
-            </a:r>
-            <a:endParaRPr lang="zh-CN" altLang="en-US" b="1" dirty="0">
-              <a:effectLst>
-                <a:outerShdw blurRad="38100" dist="38100" dir="2700000" algn="tl">
-                  <a:srgbClr val="000000">
-                    <a:alpha val="43137"/>
-                  </a:srgbClr>
-                </a:outerShdw>
-              </a:effectLst>
-            </a:endParaRPr>
-          </a:p>
-        </p:txBody>
-      </p:sp>
-      <p:cxnSp>
-        <p:nvCxnSpPr>
-          <p:cNvPr id="125" name="直接连接符 124">
-            <a:extLst>
-              <a:ext uri="{FF2B5EF4-FFF2-40B4-BE49-F238E27FC236}">
-                <a16:creationId xmlns:a16="http://schemas.microsoft.com/office/drawing/2014/main" id="{EAAC6E22-7260-41FE-90D3-74F5CE312664}"/>
-              </a:ext>
-            </a:extLst>
-          </p:cNvPr>
-          <p:cNvCxnSpPr>
-            <a:cxnSpLocks/>
-            <a:stCxn id="92" idx="2"/>
-            <a:endCxn id="6" idx="6"/>
-          </p:cNvCxnSpPr>
-          <p:nvPr/>
-        </p:nvCxnSpPr>
-        <p:spPr>
-          <a:xfrm flipH="1">
-            <a:off x="7554425" y="1339871"/>
-            <a:ext cx="1301964" cy="2940238"/>
-          </a:xfrm>
-          <a:prstGeom prst="line">
-            <a:avLst/>
-          </a:prstGeom>
-          <a:ln w="12700">
-            <a:prstDash val="sysDash"/>
-          </a:ln>
-        </p:spPr>
-        <p:style>
-          <a:lnRef idx="2">
-            <a:schemeClr val="dk1"/>
-          </a:lnRef>
-          <a:fillRef idx="1">
-            <a:schemeClr val="lt1"/>
-          </a:fillRef>
-          <a:effectRef idx="0">
-            <a:schemeClr val="dk1"/>
-          </a:effectRef>
-          <a:fontRef idx="minor">
-            <a:schemeClr val="dk1"/>
-          </a:fontRef>
-        </p:style>
-      </p:cxnSp>
-      <p:sp>
-        <p:nvSpPr>
-          <p:cNvPr id="151" name="文本框 150">
-            <a:extLst>
-              <a:ext uri="{FF2B5EF4-FFF2-40B4-BE49-F238E27FC236}">
-                <a16:creationId xmlns:a16="http://schemas.microsoft.com/office/drawing/2014/main" id="{923B4AB3-5D92-4184-9C57-F19EDE3A979D}"/>
-              </a:ext>
-            </a:extLst>
-          </p:cNvPr>
-          <p:cNvSpPr txBox="1"/>
-          <p:nvPr/>
-        </p:nvSpPr>
-        <p:spPr>
-          <a:xfrm>
-            <a:off x="173578" y="1546974"/>
-            <a:ext cx="3659976" cy="369332"/>
-          </a:xfrm>
-          <a:prstGeom prst="rect">
-            <a:avLst/>
-          </a:prstGeom>
-          <a:noFill/>
-        </p:spPr>
-        <p:txBody>
-          <a:bodyPr wrap="none" rtlCol="0">
-            <a:spAutoFit/>
-          </a:bodyPr>
-          <a:lstStyle/>
-          <a:p>
-            <a:r>
-              <a:rPr lang="en-US" altLang="zh-CN" b="1" dirty="0">
-                <a:solidFill>
-                  <a:srgbClr val="FF0000"/>
-                </a:solidFill>
-                <a:effectLst>
-                  <a:outerShdw blurRad="38100" dist="38100" dir="2700000" algn="tl">
-                    <a:srgbClr val="000000">
-                      <a:alpha val="43137"/>
-                    </a:srgbClr>
-                  </a:outerShdw>
-                </a:effectLst>
-              </a:rPr>
-              <a:t>4</a:t>
-            </a:r>
-            <a:r>
-              <a:rPr lang="zh-CN" altLang="en-US" b="1" dirty="0">
-                <a:solidFill>
-                  <a:srgbClr val="FF0000"/>
-                </a:solidFill>
-                <a:effectLst>
-                  <a:outerShdw blurRad="38100" dist="38100" dir="2700000" algn="tl">
-                    <a:srgbClr val="000000">
-                      <a:alpha val="43137"/>
-                    </a:srgbClr>
-                  </a:outerShdw>
-                </a:effectLst>
-              </a:rPr>
-              <a:t>台交换机</a:t>
-            </a:r>
-            <a:r>
-              <a:rPr lang="en-US" altLang="zh-CN" b="1" dirty="0">
-                <a:solidFill>
-                  <a:srgbClr val="FF0000"/>
-                </a:solidFill>
-                <a:effectLst>
-                  <a:outerShdw blurRad="38100" dist="38100" dir="2700000" algn="tl">
-                    <a:srgbClr val="000000">
-                      <a:alpha val="43137"/>
-                    </a:srgbClr>
-                  </a:outerShdw>
-                </a:effectLst>
-              </a:rPr>
-              <a:t>+7</a:t>
-            </a:r>
-            <a:r>
-              <a:rPr lang="zh-CN" altLang="en-US" b="1" dirty="0">
-                <a:solidFill>
-                  <a:srgbClr val="FF0000"/>
-                </a:solidFill>
-                <a:effectLst>
-                  <a:outerShdw blurRad="38100" dist="38100" dir="2700000" algn="tl">
-                    <a:srgbClr val="000000">
-                      <a:alpha val="43137"/>
-                    </a:srgbClr>
-                  </a:outerShdw>
-                </a:effectLst>
-              </a:rPr>
-              <a:t>台服务器</a:t>
-            </a:r>
-            <a:r>
-              <a:rPr lang="en-US" altLang="zh-CN" b="1" dirty="0">
-                <a:solidFill>
-                  <a:srgbClr val="FF0000"/>
-                </a:solidFill>
-                <a:effectLst>
-                  <a:outerShdw blurRad="38100" dist="38100" dir="2700000" algn="tl">
-                    <a:srgbClr val="000000">
-                      <a:alpha val="43137"/>
-                    </a:srgbClr>
-                  </a:outerShdw>
-                </a:effectLst>
-              </a:rPr>
-              <a:t>+3</a:t>
-            </a:r>
-            <a:r>
-              <a:rPr lang="zh-CN" altLang="en-US" b="1" dirty="0">
-                <a:solidFill>
-                  <a:srgbClr val="FF0000"/>
-                </a:solidFill>
-                <a:effectLst>
-                  <a:outerShdw blurRad="38100" dist="38100" dir="2700000" algn="tl">
-                    <a:srgbClr val="000000">
-                      <a:alpha val="43137"/>
-                    </a:srgbClr>
-                  </a:outerShdw>
-                </a:effectLst>
-              </a:rPr>
-              <a:t>台笔记本</a:t>
-            </a:r>
-          </a:p>
-        </p:txBody>
-      </p:sp>
-      <p:cxnSp>
-        <p:nvCxnSpPr>
-          <p:cNvPr id="154" name="直接连接符 153">
-            <a:extLst>
-              <a:ext uri="{FF2B5EF4-FFF2-40B4-BE49-F238E27FC236}">
-                <a16:creationId xmlns:a16="http://schemas.microsoft.com/office/drawing/2014/main" id="{EB09FD00-4119-4321-8CE4-025E8E5B3021}"/>
-              </a:ext>
-            </a:extLst>
-          </p:cNvPr>
-          <p:cNvCxnSpPr>
-            <a:cxnSpLocks/>
-            <a:stCxn id="56" idx="1"/>
-            <a:endCxn id="167" idx="3"/>
-          </p:cNvCxnSpPr>
-          <p:nvPr/>
-        </p:nvCxnSpPr>
-        <p:spPr>
-          <a:xfrm flipH="1">
-            <a:off x="2859766" y="3144674"/>
-            <a:ext cx="410689" cy="72610"/>
-          </a:xfrm>
-          <a:prstGeom prst="line">
-            <a:avLst/>
-          </a:prstGeom>
-          <a:ln w="38100"/>
-        </p:spPr>
-        <p:style>
-          <a:lnRef idx="2">
-            <a:schemeClr val="dk1"/>
-          </a:lnRef>
-          <a:fillRef idx="1">
-            <a:schemeClr val="lt1"/>
-          </a:fillRef>
-          <a:effectRef idx="0">
-            <a:schemeClr val="dk1"/>
-          </a:effectRef>
-          <a:fontRef idx="minor">
-            <a:schemeClr val="dk1"/>
-          </a:fontRef>
-        </p:style>
-      </p:cxnSp>
-      <p:cxnSp>
-        <p:nvCxnSpPr>
-          <p:cNvPr id="162" name="直接连接符 161">
-            <a:extLst>
-              <a:ext uri="{FF2B5EF4-FFF2-40B4-BE49-F238E27FC236}">
-                <a16:creationId xmlns:a16="http://schemas.microsoft.com/office/drawing/2014/main" id="{D52EDB4F-8671-4865-B177-DDCA92682AC3}"/>
-              </a:ext>
-            </a:extLst>
-          </p:cNvPr>
-          <p:cNvCxnSpPr>
-            <a:cxnSpLocks/>
-            <a:stCxn id="5" idx="2"/>
-            <a:endCxn id="56" idx="3"/>
-          </p:cNvCxnSpPr>
-          <p:nvPr/>
-        </p:nvCxnSpPr>
-        <p:spPr>
-          <a:xfrm flipH="1">
-            <a:off x="4243798" y="3141754"/>
-            <a:ext cx="496468" cy="2920"/>
-          </a:xfrm>
-          <a:prstGeom prst="line">
-            <a:avLst/>
-          </a:prstGeom>
-          <a:ln w="38100"/>
-        </p:spPr>
-        <p:style>
-          <a:lnRef idx="2">
-            <a:schemeClr val="dk1"/>
-          </a:lnRef>
-          <a:fillRef idx="1">
-            <a:schemeClr val="lt1"/>
-          </a:fillRef>
-          <a:effectRef idx="0">
-            <a:schemeClr val="dk1"/>
-          </a:effectRef>
-          <a:fontRef idx="minor">
-            <a:schemeClr val="dk1"/>
-          </a:fontRef>
-        </p:style>
-      </p:cxnSp>
-      <p:sp>
-        <p:nvSpPr>
-          <p:cNvPr id="167" name="矩形 166">
-            <a:extLst>
-              <a:ext uri="{FF2B5EF4-FFF2-40B4-BE49-F238E27FC236}">
-                <a16:creationId xmlns:a16="http://schemas.microsoft.com/office/drawing/2014/main" id="{0D3BD67B-3B9E-45B7-8322-AC576AFD746E}"/>
-              </a:ext>
-            </a:extLst>
-          </p:cNvPr>
-          <p:cNvSpPr/>
-          <p:nvPr/>
-        </p:nvSpPr>
-        <p:spPr>
-          <a:xfrm>
-            <a:off x="2038389" y="2989530"/>
-            <a:ext cx="821377" cy="455507"/>
-          </a:xfrm>
-          <a:prstGeom prst="rect">
-            <a:avLst/>
-          </a:prstGeom>
-          <a:ln w="38100"/>
-        </p:spPr>
-        <p:style>
-          <a:lnRef idx="2">
-            <a:schemeClr val="dk1"/>
-          </a:lnRef>
-          <a:fillRef idx="1">
-            <a:schemeClr val="lt1"/>
-          </a:fillRef>
-          <a:effectRef idx="0">
-            <a:schemeClr val="dk1"/>
-          </a:effectRef>
-          <a:fontRef idx="minor">
-            <a:schemeClr val="dk1"/>
-          </a:fontRef>
-        </p:style>
-        <p:txBody>
-          <a:bodyPr rtlCol="0" anchor="ctr"/>
-          <a:lstStyle/>
-          <a:p>
-            <a:pPr algn="ctr"/>
-            <a:r>
-              <a:rPr lang="en-US" altLang="zh-CN" dirty="0">
-                <a:solidFill>
-                  <a:schemeClr val="dk1"/>
-                </a:solidFill>
-              </a:rPr>
-              <a:t>Kernel</a:t>
-            </a:r>
-            <a:endParaRPr lang="zh-CN" altLang="en-US" dirty="0">
-              <a:solidFill>
-                <a:schemeClr val="dk1"/>
-              </a:solidFill>
-            </a:endParaRPr>
-          </a:p>
-        </p:txBody>
-      </p:sp>
-      <p:sp>
-        <p:nvSpPr>
-          <p:cNvPr id="169" name="矩形 168">
-            <a:extLst>
-              <a:ext uri="{FF2B5EF4-FFF2-40B4-BE49-F238E27FC236}">
-                <a16:creationId xmlns:a16="http://schemas.microsoft.com/office/drawing/2014/main" id="{A4239ED1-B7ED-47AE-A4C3-28FEA8C6F336}"/>
-              </a:ext>
-            </a:extLst>
-          </p:cNvPr>
-          <p:cNvSpPr/>
-          <p:nvPr/>
-        </p:nvSpPr>
-        <p:spPr>
-          <a:xfrm>
-            <a:off x="9860728" y="3051272"/>
-            <a:ext cx="821377" cy="455507"/>
-          </a:xfrm>
-          <a:prstGeom prst="rect">
-            <a:avLst/>
-          </a:prstGeom>
-          <a:ln w="38100"/>
-        </p:spPr>
-        <p:style>
-          <a:lnRef idx="2">
-            <a:schemeClr val="dk1"/>
-          </a:lnRef>
-          <a:fillRef idx="1">
-            <a:schemeClr val="lt1"/>
-          </a:fillRef>
-          <a:effectRef idx="0">
-            <a:schemeClr val="dk1"/>
-          </a:effectRef>
-          <a:fontRef idx="minor">
-            <a:schemeClr val="dk1"/>
-          </a:fontRef>
-        </p:style>
-        <p:txBody>
-          <a:bodyPr rtlCol="0" anchor="ctr"/>
-          <a:lstStyle/>
-          <a:p>
-            <a:pPr algn="ctr"/>
-            <a:r>
-              <a:rPr lang="en-US" altLang="zh-CN" dirty="0">
-                <a:solidFill>
-                  <a:schemeClr val="dk1"/>
-                </a:solidFill>
-              </a:rPr>
-              <a:t>Kernel</a:t>
-            </a:r>
-            <a:endParaRPr lang="zh-CN" altLang="en-US" dirty="0">
-              <a:solidFill>
-                <a:schemeClr val="dk1"/>
-              </a:solidFill>
-            </a:endParaRPr>
-          </a:p>
-        </p:txBody>
-      </p:sp>
-      <p:cxnSp>
-        <p:nvCxnSpPr>
-          <p:cNvPr id="172" name="直接连接符 171">
-            <a:extLst>
-              <a:ext uri="{FF2B5EF4-FFF2-40B4-BE49-F238E27FC236}">
-                <a16:creationId xmlns:a16="http://schemas.microsoft.com/office/drawing/2014/main" id="{958B7BBD-68EA-490E-B5AC-1C496A51A466}"/>
-              </a:ext>
-            </a:extLst>
-          </p:cNvPr>
-          <p:cNvCxnSpPr>
-            <a:cxnSpLocks/>
-            <a:stCxn id="26" idx="1"/>
-            <a:endCxn id="57" idx="3"/>
-          </p:cNvCxnSpPr>
-          <p:nvPr/>
-        </p:nvCxnSpPr>
-        <p:spPr>
-          <a:xfrm flipH="1">
-            <a:off x="9441223" y="2733664"/>
-            <a:ext cx="419505" cy="404178"/>
-          </a:xfrm>
-          <a:prstGeom prst="line">
-            <a:avLst/>
-          </a:prstGeom>
-          <a:ln w="38100"/>
-        </p:spPr>
-        <p:style>
-          <a:lnRef idx="2">
-            <a:schemeClr val="dk1"/>
-          </a:lnRef>
-          <a:fillRef idx="1">
-            <a:schemeClr val="lt1"/>
-          </a:fillRef>
-          <a:effectRef idx="0">
-            <a:schemeClr val="dk1"/>
-          </a:effectRef>
-          <a:fontRef idx="minor">
-            <a:schemeClr val="dk1"/>
-          </a:fontRef>
-        </p:style>
-      </p:cxnSp>
-      <p:cxnSp>
-        <p:nvCxnSpPr>
-          <p:cNvPr id="175" name="直接连接符 174">
-            <a:extLst>
-              <a:ext uri="{FF2B5EF4-FFF2-40B4-BE49-F238E27FC236}">
-                <a16:creationId xmlns:a16="http://schemas.microsoft.com/office/drawing/2014/main" id="{10588AFB-54C5-4CED-B43F-31912960F893}"/>
-              </a:ext>
-            </a:extLst>
-          </p:cNvPr>
-          <p:cNvCxnSpPr>
-            <a:cxnSpLocks/>
-            <a:stCxn id="169" idx="1"/>
-            <a:endCxn id="57" idx="3"/>
-          </p:cNvCxnSpPr>
-          <p:nvPr/>
-        </p:nvCxnSpPr>
-        <p:spPr>
-          <a:xfrm flipH="1" flipV="1">
-            <a:off x="9441223" y="3137842"/>
-            <a:ext cx="419505" cy="141184"/>
-          </a:xfrm>
-          <a:prstGeom prst="line">
-            <a:avLst/>
-          </a:prstGeom>
-          <a:ln w="38100"/>
-        </p:spPr>
-        <p:style>
-          <a:lnRef idx="2">
-            <a:schemeClr val="dk1"/>
-          </a:lnRef>
-          <a:fillRef idx="1">
-            <a:schemeClr val="lt1"/>
-          </a:fillRef>
-          <a:effectRef idx="0">
-            <a:schemeClr val="dk1"/>
-          </a:effectRef>
-          <a:fontRef idx="minor">
-            <a:schemeClr val="dk1"/>
-          </a:fontRef>
-        </p:style>
-      </p:cxnSp>
-      <p:grpSp>
-        <p:nvGrpSpPr>
-          <p:cNvPr id="4" name="组合 3">
-            <a:extLst>
-              <a:ext uri="{FF2B5EF4-FFF2-40B4-BE49-F238E27FC236}">
-                <a16:creationId xmlns:a16="http://schemas.microsoft.com/office/drawing/2014/main" id="{051D2A1B-0FFA-4258-9673-500956A25DB9}"/>
-              </a:ext>
-            </a:extLst>
-          </p:cNvPr>
-          <p:cNvGrpSpPr/>
-          <p:nvPr/>
-        </p:nvGrpSpPr>
-        <p:grpSpPr>
-          <a:xfrm>
-            <a:off x="9569225" y="834958"/>
-            <a:ext cx="2081717" cy="633884"/>
-            <a:chOff x="9569231" y="6032204"/>
-            <a:chExt cx="2081717" cy="633884"/>
-          </a:xfrm>
-        </p:grpSpPr>
-        <p:sp>
-          <p:nvSpPr>
-            <p:cNvPr id="118" name="矩形: 圆角 117">
-              <a:extLst>
-                <a:ext uri="{FF2B5EF4-FFF2-40B4-BE49-F238E27FC236}">
-                  <a16:creationId xmlns:a16="http://schemas.microsoft.com/office/drawing/2014/main" id="{2721806F-28BF-40E5-AEA7-4C2277077CF3}"/>
-                </a:ext>
-              </a:extLst>
-            </p:cNvPr>
-            <p:cNvSpPr/>
-            <p:nvPr/>
-          </p:nvSpPr>
-          <p:spPr>
-            <a:xfrm>
-              <a:off x="9569231" y="6032204"/>
-              <a:ext cx="2081717" cy="633884"/>
-            </a:xfrm>
-            <a:prstGeom prst="roundRect">
-              <a:avLst/>
-            </a:prstGeom>
-          </p:spPr>
-          <p:style>
-            <a:lnRef idx="1">
-              <a:schemeClr val="accent3"/>
-            </a:lnRef>
-            <a:fillRef idx="2">
-              <a:schemeClr val="accent3"/>
-            </a:fillRef>
-            <a:effectRef idx="1">
-              <a:schemeClr val="accent3"/>
-            </a:effectRef>
-            <a:fontRef idx="minor">
-              <a:schemeClr val="dk1"/>
-            </a:fontRef>
-          </p:style>
-          <p:txBody>
-            <a:bodyPr rtlCol="0" anchor="ctr"/>
-            <a:lstStyle/>
-            <a:p>
-              <a:pPr algn="ctr"/>
-              <a:endParaRPr lang="zh-CN" altLang="en-US" dirty="0"/>
-            </a:p>
-          </p:txBody>
-        </p:sp>
-        <p:sp>
-          <p:nvSpPr>
-            <p:cNvPr id="123" name="文本框 122">
-              <a:extLst>
-                <a:ext uri="{FF2B5EF4-FFF2-40B4-BE49-F238E27FC236}">
-                  <a16:creationId xmlns:a16="http://schemas.microsoft.com/office/drawing/2014/main" id="{5CA18FD1-C371-40CC-86C5-C9D31691ED9B}"/>
-                </a:ext>
-              </a:extLst>
-            </p:cNvPr>
-            <p:cNvSpPr txBox="1"/>
-            <p:nvPr/>
-          </p:nvSpPr>
-          <p:spPr>
-            <a:xfrm>
-              <a:off x="10957260" y="6296756"/>
-              <a:ext cx="675185" cy="369332"/>
-            </a:xfrm>
-            <a:prstGeom prst="rect">
-              <a:avLst/>
-            </a:prstGeom>
-            <a:noFill/>
-          </p:spPr>
-          <p:txBody>
-            <a:bodyPr wrap="none" rtlCol="0">
-              <a:spAutoFit/>
-            </a:bodyPr>
-            <a:lstStyle/>
-            <a:p>
-              <a:r>
-                <a:rPr lang="en-US" altLang="zh-CN" b="1" dirty="0"/>
-                <a:t>Host</a:t>
-              </a:r>
-              <a:endParaRPr lang="zh-CN" altLang="en-US" b="1" dirty="0"/>
-            </a:p>
-          </p:txBody>
-        </p:sp>
-        <p:sp>
-          <p:nvSpPr>
-            <p:cNvPr id="183" name="矩形 182">
-              <a:extLst>
-                <a:ext uri="{FF2B5EF4-FFF2-40B4-BE49-F238E27FC236}">
-                  <a16:creationId xmlns:a16="http://schemas.microsoft.com/office/drawing/2014/main" id="{3200D977-FC08-41E2-93A1-C71D90B8945B}"/>
-                </a:ext>
-              </a:extLst>
-            </p:cNvPr>
-            <p:cNvSpPr/>
-            <p:nvPr/>
-          </p:nvSpPr>
-          <p:spPr>
-            <a:xfrm>
-              <a:off x="9623819" y="6150970"/>
-              <a:ext cx="821377" cy="455507"/>
-            </a:xfrm>
-            <a:prstGeom prst="rect">
-              <a:avLst/>
-            </a:prstGeom>
-            <a:ln w="38100"/>
-          </p:spPr>
-          <p:style>
-            <a:lnRef idx="2">
-              <a:schemeClr val="dk1"/>
-            </a:lnRef>
-            <a:fillRef idx="1">
-              <a:schemeClr val="lt1"/>
-            </a:fillRef>
-            <a:effectRef idx="0">
-              <a:schemeClr val="dk1"/>
-            </a:effectRef>
-            <a:fontRef idx="minor">
-              <a:schemeClr val="dk1"/>
-            </a:fontRef>
-          </p:style>
-          <p:txBody>
-            <a:bodyPr rtlCol="0" anchor="ctr"/>
-            <a:lstStyle/>
-            <a:p>
-              <a:pPr algn="ctr"/>
-              <a:r>
-                <a:rPr lang="en-US" altLang="zh-CN" dirty="0">
-                  <a:solidFill>
-                    <a:schemeClr val="dk1"/>
-                  </a:solidFill>
-                </a:rPr>
-                <a:t>SAM</a:t>
-              </a:r>
-              <a:endParaRPr lang="zh-CN" altLang="en-US" dirty="0">
-                <a:solidFill>
-                  <a:schemeClr val="dk1"/>
-                </a:solidFill>
-              </a:endParaRPr>
-            </a:p>
-          </p:txBody>
-        </p:sp>
-      </p:grpSp>
-      <p:sp>
-        <p:nvSpPr>
-          <p:cNvPr id="185" name="矩形 184">
-            <a:extLst>
-              <a:ext uri="{FF2B5EF4-FFF2-40B4-BE49-F238E27FC236}">
-                <a16:creationId xmlns:a16="http://schemas.microsoft.com/office/drawing/2014/main" id="{4D771B6C-40D0-47CD-B011-FF5B13905C1B}"/>
-              </a:ext>
-            </a:extLst>
-          </p:cNvPr>
-          <p:cNvSpPr/>
-          <p:nvPr/>
-        </p:nvSpPr>
-        <p:spPr>
-          <a:xfrm>
-            <a:off x="9598722" y="3921704"/>
-            <a:ext cx="821377" cy="455507"/>
-          </a:xfrm>
-          <a:prstGeom prst="rect">
-            <a:avLst/>
-          </a:prstGeom>
-          <a:ln w="38100"/>
-        </p:spPr>
-        <p:style>
-          <a:lnRef idx="2">
-            <a:schemeClr val="dk1"/>
-          </a:lnRef>
-          <a:fillRef idx="1">
-            <a:schemeClr val="lt1"/>
-          </a:fillRef>
-          <a:effectRef idx="0">
-            <a:schemeClr val="dk1"/>
-          </a:effectRef>
-          <a:fontRef idx="minor">
-            <a:schemeClr val="dk1"/>
-          </a:fontRef>
-        </p:style>
-        <p:txBody>
-          <a:bodyPr rtlCol="0" anchor="ctr"/>
-          <a:lstStyle/>
-          <a:p>
-            <a:pPr algn="ctr"/>
-            <a:r>
-              <a:rPr lang="en-US" altLang="zh-CN" dirty="0">
-                <a:solidFill>
-                  <a:schemeClr val="dk1"/>
-                </a:solidFill>
-              </a:rPr>
-              <a:t>Kernel</a:t>
-            </a:r>
-            <a:endParaRPr lang="zh-CN" altLang="en-US" dirty="0">
-              <a:solidFill>
-                <a:schemeClr val="dk1"/>
-              </a:solidFill>
-            </a:endParaRPr>
-          </a:p>
-        </p:txBody>
-      </p:sp>
-      <p:cxnSp>
-        <p:nvCxnSpPr>
-          <p:cNvPr id="186" name="直接连接符 185">
-            <a:extLst>
-              <a:ext uri="{FF2B5EF4-FFF2-40B4-BE49-F238E27FC236}">
-                <a16:creationId xmlns:a16="http://schemas.microsoft.com/office/drawing/2014/main" id="{197F93F7-5800-42C8-A2CD-F3B458A4BC79}"/>
-              </a:ext>
-            </a:extLst>
-          </p:cNvPr>
-          <p:cNvCxnSpPr>
-            <a:cxnSpLocks/>
-            <a:stCxn id="72" idx="3"/>
-            <a:endCxn id="185" idx="1"/>
-          </p:cNvCxnSpPr>
-          <p:nvPr/>
-        </p:nvCxnSpPr>
-        <p:spPr>
-          <a:xfrm flipV="1">
-            <a:off x="8976755" y="4149458"/>
-            <a:ext cx="621967" cy="1358441"/>
-          </a:xfrm>
-          <a:prstGeom prst="line">
-            <a:avLst/>
-          </a:prstGeom>
-          <a:ln w="38100"/>
-        </p:spPr>
-        <p:style>
-          <a:lnRef idx="2">
-            <a:schemeClr val="dk1"/>
-          </a:lnRef>
-          <a:fillRef idx="1">
-            <a:schemeClr val="lt1"/>
-          </a:fillRef>
-          <a:effectRef idx="0">
-            <a:schemeClr val="dk1"/>
-          </a:effectRef>
-          <a:fontRef idx="minor">
-            <a:schemeClr val="dk1"/>
-          </a:fontRef>
-        </p:style>
-      </p:cxnSp>
-      <p:cxnSp>
-        <p:nvCxnSpPr>
-          <p:cNvPr id="189" name="直接连接符 188">
-            <a:extLst>
-              <a:ext uri="{FF2B5EF4-FFF2-40B4-BE49-F238E27FC236}">
-                <a16:creationId xmlns:a16="http://schemas.microsoft.com/office/drawing/2014/main" id="{74673788-98AC-46D8-B0E6-ECEC1D62A799}"/>
-              </a:ext>
-            </a:extLst>
-          </p:cNvPr>
-          <p:cNvCxnSpPr>
-            <a:cxnSpLocks/>
-            <a:stCxn id="72" idx="3"/>
-            <a:endCxn id="192" idx="1"/>
-          </p:cNvCxnSpPr>
-          <p:nvPr/>
-        </p:nvCxnSpPr>
-        <p:spPr>
-          <a:xfrm flipV="1">
-            <a:off x="8976755" y="5189994"/>
-            <a:ext cx="647064" cy="317905"/>
-          </a:xfrm>
-          <a:prstGeom prst="line">
-            <a:avLst/>
-          </a:prstGeom>
-          <a:ln w="38100"/>
-        </p:spPr>
-        <p:style>
-          <a:lnRef idx="2">
-            <a:schemeClr val="dk1"/>
-          </a:lnRef>
-          <a:fillRef idx="1">
-            <a:schemeClr val="lt1"/>
-          </a:fillRef>
-          <a:effectRef idx="0">
-            <a:schemeClr val="dk1"/>
-          </a:effectRef>
-          <a:fontRef idx="minor">
-            <a:schemeClr val="dk1"/>
-          </a:fontRef>
-        </p:style>
-      </p:cxnSp>
-      <p:sp>
-        <p:nvSpPr>
-          <p:cNvPr id="192" name="矩形 191">
-            <a:extLst>
-              <a:ext uri="{FF2B5EF4-FFF2-40B4-BE49-F238E27FC236}">
-                <a16:creationId xmlns:a16="http://schemas.microsoft.com/office/drawing/2014/main" id="{BB7AF93C-7981-431E-BDE3-EF8CFC870898}"/>
-              </a:ext>
-            </a:extLst>
-          </p:cNvPr>
-          <p:cNvSpPr/>
-          <p:nvPr/>
-        </p:nvSpPr>
-        <p:spPr>
-          <a:xfrm>
-            <a:off x="9623819" y="4962240"/>
-            <a:ext cx="821377" cy="455507"/>
-          </a:xfrm>
-          <a:prstGeom prst="rect">
-            <a:avLst/>
-          </a:prstGeom>
-          <a:ln w="38100"/>
-        </p:spPr>
-        <p:style>
-          <a:lnRef idx="2">
-            <a:schemeClr val="dk1"/>
-          </a:lnRef>
-          <a:fillRef idx="1">
-            <a:schemeClr val="lt1"/>
-          </a:fillRef>
-          <a:effectRef idx="0">
-            <a:schemeClr val="dk1"/>
-          </a:effectRef>
-          <a:fontRef idx="minor">
-            <a:schemeClr val="dk1"/>
-          </a:fontRef>
-        </p:style>
-        <p:txBody>
-          <a:bodyPr rtlCol="0" anchor="ctr"/>
-          <a:lstStyle/>
-          <a:p>
-            <a:pPr algn="ctr"/>
-            <a:r>
-              <a:rPr lang="en-US" altLang="zh-CN" dirty="0">
-                <a:solidFill>
-                  <a:schemeClr val="dk1"/>
-                </a:solidFill>
-              </a:rPr>
-              <a:t>Kernel</a:t>
-            </a:r>
-            <a:endParaRPr lang="zh-CN" altLang="en-US" dirty="0">
-              <a:solidFill>
-                <a:schemeClr val="dk1"/>
-              </a:solidFill>
-            </a:endParaRPr>
-          </a:p>
-        </p:txBody>
-      </p:sp>
-      <p:cxnSp>
-        <p:nvCxnSpPr>
-          <p:cNvPr id="84" name="直接连接符 83">
-            <a:extLst>
-              <a:ext uri="{FF2B5EF4-FFF2-40B4-BE49-F238E27FC236}">
-                <a16:creationId xmlns:a16="http://schemas.microsoft.com/office/drawing/2014/main" id="{16562D5F-42E2-45A5-8E27-F9C92B51CC01}"/>
-              </a:ext>
-            </a:extLst>
-          </p:cNvPr>
-          <p:cNvCxnSpPr>
-            <a:cxnSpLocks/>
-            <a:stCxn id="92" idx="2"/>
-            <a:endCxn id="7" idx="7"/>
-          </p:cNvCxnSpPr>
-          <p:nvPr/>
-        </p:nvCxnSpPr>
-        <p:spPr>
-          <a:xfrm flipH="1">
-            <a:off x="7442097" y="1339871"/>
-            <a:ext cx="1414292" cy="1512469"/>
-          </a:xfrm>
-          <a:prstGeom prst="line">
-            <a:avLst/>
-          </a:prstGeom>
-          <a:ln w="12700">
-            <a:prstDash val="sysDash"/>
-          </a:ln>
-        </p:spPr>
-        <p:style>
-          <a:lnRef idx="2">
-            <a:schemeClr val="dk1"/>
-          </a:lnRef>
-          <a:fillRef idx="1">
-            <a:schemeClr val="lt1"/>
-          </a:fillRef>
-          <a:effectRef idx="0">
-            <a:schemeClr val="dk1"/>
-          </a:effectRef>
-          <a:fontRef idx="minor">
-            <a:schemeClr val="dk1"/>
-          </a:fontRef>
-        </p:style>
-      </p:cxnSp>
-      <p:cxnSp>
-        <p:nvCxnSpPr>
-          <p:cNvPr id="85" name="直接连接符 84">
-            <a:extLst>
-              <a:ext uri="{FF2B5EF4-FFF2-40B4-BE49-F238E27FC236}">
-                <a16:creationId xmlns:a16="http://schemas.microsoft.com/office/drawing/2014/main" id="{E7C69419-175F-497E-B979-86353FB1A505}"/>
-              </a:ext>
-            </a:extLst>
-          </p:cNvPr>
-          <p:cNvCxnSpPr>
-            <a:cxnSpLocks/>
-            <a:stCxn id="92" idx="2"/>
-            <a:endCxn id="58" idx="7"/>
-          </p:cNvCxnSpPr>
-          <p:nvPr/>
-        </p:nvCxnSpPr>
-        <p:spPr>
-          <a:xfrm flipH="1">
-            <a:off x="5452396" y="1339871"/>
-            <a:ext cx="3403993" cy="2662505"/>
-          </a:xfrm>
-          <a:prstGeom prst="line">
-            <a:avLst/>
-          </a:prstGeom>
-          <a:ln w="12700">
-            <a:prstDash val="sysDash"/>
-          </a:ln>
-        </p:spPr>
-        <p:style>
-          <a:lnRef idx="2">
-            <a:schemeClr val="dk1"/>
-          </a:lnRef>
-          <a:fillRef idx="1">
-            <a:schemeClr val="lt1"/>
-          </a:fillRef>
-          <a:effectRef idx="0">
-            <a:schemeClr val="dk1"/>
-          </a:effectRef>
-          <a:fontRef idx="minor">
-            <a:schemeClr val="dk1"/>
-          </a:fontRef>
-        </p:style>
-      </p:cxnSp>
-      <p:cxnSp>
-        <p:nvCxnSpPr>
-          <p:cNvPr id="86" name="直接连接符 85">
-            <a:extLst>
-              <a:ext uri="{FF2B5EF4-FFF2-40B4-BE49-F238E27FC236}">
-                <a16:creationId xmlns:a16="http://schemas.microsoft.com/office/drawing/2014/main" id="{AF0C5777-2B8A-4135-A7BD-A238071AB07D}"/>
-              </a:ext>
-            </a:extLst>
-          </p:cNvPr>
-          <p:cNvCxnSpPr>
-            <a:cxnSpLocks/>
-            <a:stCxn id="92" idx="2"/>
-            <a:endCxn id="5" idx="7"/>
-          </p:cNvCxnSpPr>
-          <p:nvPr/>
-        </p:nvCxnSpPr>
-        <p:spPr>
-          <a:xfrm flipH="1">
-            <a:off x="5452396" y="1339871"/>
-            <a:ext cx="3403993" cy="1512469"/>
-          </a:xfrm>
-          <a:prstGeom prst="line">
-            <a:avLst/>
-          </a:prstGeom>
-          <a:ln w="12700">
-            <a:prstDash val="sysDash"/>
-          </a:ln>
-        </p:spPr>
-        <p:style>
-          <a:lnRef idx="2">
-            <a:schemeClr val="dk1"/>
-          </a:lnRef>
-          <a:fillRef idx="1">
-            <a:schemeClr val="lt1"/>
-          </a:fillRef>
-          <a:effectRef idx="0">
-            <a:schemeClr val="dk1"/>
-          </a:effectRef>
-          <a:fontRef idx="minor">
-            <a:schemeClr val="dk1"/>
-          </a:fontRef>
-        </p:style>
-      </p:cxnSp>
-      <p:cxnSp>
-        <p:nvCxnSpPr>
-          <p:cNvPr id="89" name="直接连接符 88">
-            <a:extLst>
-              <a:ext uri="{FF2B5EF4-FFF2-40B4-BE49-F238E27FC236}">
-                <a16:creationId xmlns:a16="http://schemas.microsoft.com/office/drawing/2014/main" id="{8109292B-E443-4279-B042-9C147B494F26}"/>
-              </a:ext>
-            </a:extLst>
-          </p:cNvPr>
-          <p:cNvCxnSpPr>
-            <a:cxnSpLocks/>
-            <a:stCxn id="183" idx="2"/>
-            <a:endCxn id="72" idx="3"/>
-          </p:cNvCxnSpPr>
-          <p:nvPr/>
-        </p:nvCxnSpPr>
-        <p:spPr>
-          <a:xfrm flipH="1">
-            <a:off x="8976755" y="1409231"/>
-            <a:ext cx="1057747" cy="4098668"/>
-          </a:xfrm>
-          <a:prstGeom prst="line">
-            <a:avLst/>
-          </a:prstGeom>
-          <a:ln w="38100"/>
-        </p:spPr>
-        <p:style>
-          <a:lnRef idx="2">
-            <a:schemeClr val="dk1"/>
-          </a:lnRef>
-          <a:fillRef idx="1">
-            <a:schemeClr val="lt1"/>
-          </a:fillRef>
-          <a:effectRef idx="0">
-            <a:schemeClr val="dk1"/>
-          </a:effectRef>
-          <a:fontRef idx="minor">
-            <a:schemeClr val="dk1"/>
-          </a:fontRef>
-        </p:style>
-      </p:cxnSp>
-      <p:sp>
-        <p:nvSpPr>
-          <p:cNvPr id="92" name="文本框 91">
-            <a:extLst>
-              <a:ext uri="{FF2B5EF4-FFF2-40B4-BE49-F238E27FC236}">
-                <a16:creationId xmlns:a16="http://schemas.microsoft.com/office/drawing/2014/main" id="{FC9A054E-5899-4BE5-848E-1C72DF299908}"/>
-              </a:ext>
-            </a:extLst>
-          </p:cNvPr>
-          <p:cNvSpPr txBox="1"/>
-          <p:nvPr/>
-        </p:nvSpPr>
-        <p:spPr>
-          <a:xfrm>
-            <a:off x="8327515" y="970539"/>
-            <a:ext cx="1057748" cy="369332"/>
-          </a:xfrm>
-          <a:prstGeom prst="rect">
-            <a:avLst/>
-          </a:prstGeom>
-        </p:spPr>
-        <p:style>
-          <a:lnRef idx="2">
-            <a:schemeClr val="accent2">
-              <a:shade val="50000"/>
-            </a:schemeClr>
-          </a:lnRef>
-          <a:fillRef idx="1">
-            <a:schemeClr val="accent2"/>
-          </a:fillRef>
-          <a:effectRef idx="0">
-            <a:schemeClr val="accent2"/>
-          </a:effectRef>
-          <a:fontRef idx="minor">
-            <a:schemeClr val="lt1"/>
-          </a:fontRef>
-        </p:style>
-        <p:txBody>
-          <a:bodyPr wrap="square" rtlCol="0">
-            <a:spAutoFit/>
-          </a:bodyPr>
-          <a:lstStyle/>
-          <a:p>
-            <a:r>
-              <a:rPr lang="en-US" altLang="zh-CN" b="1" dirty="0"/>
-              <a:t>nat1</a:t>
-            </a:r>
-            <a:endParaRPr lang="zh-CN" altLang="en-US" b="1" dirty="0"/>
-          </a:p>
-        </p:txBody>
-      </p:sp>
-      <p:cxnSp>
-        <p:nvCxnSpPr>
-          <p:cNvPr id="102" name="直接连接符 101">
-            <a:extLst>
-              <a:ext uri="{FF2B5EF4-FFF2-40B4-BE49-F238E27FC236}">
-                <a16:creationId xmlns:a16="http://schemas.microsoft.com/office/drawing/2014/main" id="{7E0E08E4-6849-4662-9E6D-662775DA1DC5}"/>
-              </a:ext>
-            </a:extLst>
-          </p:cNvPr>
-          <p:cNvCxnSpPr>
-            <a:cxnSpLocks/>
-            <a:stCxn id="118" idx="1"/>
-            <a:endCxn id="92" idx="3"/>
-          </p:cNvCxnSpPr>
-          <p:nvPr/>
-        </p:nvCxnSpPr>
-        <p:spPr>
-          <a:xfrm flipH="1">
-            <a:off x="9385263" y="1151900"/>
-            <a:ext cx="183962" cy="3305"/>
-          </a:xfrm>
-          <a:prstGeom prst="line">
-            <a:avLst/>
-          </a:prstGeom>
-          <a:ln w="38100"/>
-        </p:spPr>
-        <p:style>
-          <a:lnRef idx="2">
-            <a:schemeClr val="dk1"/>
-          </a:lnRef>
-          <a:fillRef idx="1">
-            <a:schemeClr val="lt1"/>
-          </a:fillRef>
-          <a:effectRef idx="0">
-            <a:schemeClr val="dk1"/>
-          </a:effectRef>
-          <a:fontRef idx="minor">
-            <a:schemeClr val="dk1"/>
-          </a:fontRef>
-        </p:style>
-      </p:cxnSp>
-    </p:spTree>
-    <p:extLst>
-      <p:ext uri="{BB962C8B-B14F-4D97-AF65-F5344CB8AC3E}">
-        <p14:creationId xmlns:p14="http://schemas.microsoft.com/office/powerpoint/2010/main" val="753456139"/>
-      </p:ext>
-    </p:extLst>
-  </p:cSld>
-  <p:clrMapOvr>
-    <a:masterClrMapping/>
-  </p:clrMapOvr>
-</p:sld>
-</file>
-
-<file path=ppt/slides/slide12.xml><?xml version="1.0" encoding="utf-8"?>
-<p:sld xmlns:a="http://schemas.openxmlformats.org/drawingml/2006/main" xmlns:r="http://schemas.openxmlformats.org/officeDocument/2006/relationships" xmlns:p="http://schemas.openxmlformats.org/presentationml/2006/main">
-  <p:cSld>
-    <p:spTree>
-      <p:nvGrpSpPr>
-        <p:cNvPr id="1" name=""/>
-        <p:cNvGrpSpPr/>
-        <p:nvPr/>
-      </p:nvGrpSpPr>
-      <p:grpSpPr>
-        <a:xfrm>
-          <a:off x="0" y="0"/>
-          <a:ext cx="0" cy="0"/>
-          <a:chOff x="0" y="0"/>
-          <a:chExt cx="0" cy="0"/>
-        </a:xfrm>
-      </p:grpSpPr>
-      <p:sp>
-        <p:nvSpPr>
           <p:cNvPr id="63" name="矩形: 圆角 62">
             <a:extLst>
               <a:ext uri="{FF2B5EF4-FFF2-40B4-BE49-F238E27FC236}">
@@ -13831,7 +7975,7 @@
         </p:nvSpPr>
         <p:spPr>
           <a:xfrm>
-            <a:off x="5440602" y="2930159"/>
+            <a:off x="5424903" y="2997674"/>
             <a:ext cx="2106190" cy="539906"/>
           </a:xfrm>
           <a:prstGeom prst="roundRect">
@@ -15308,7 +9452,7 @@
         <p:spPr>
           <a:xfrm flipH="1" flipV="1">
             <a:off x="5461696" y="2705001"/>
-            <a:ext cx="1032001" cy="225158"/>
+            <a:ext cx="1016302" cy="292673"/>
           </a:xfrm>
           <a:prstGeom prst="straightConnector1">
             <a:avLst/>
@@ -15356,8 +9500,8 @@
         </p:nvCxnSpPr>
         <p:spPr>
           <a:xfrm flipV="1">
-            <a:off x="6493697" y="2716900"/>
-            <a:ext cx="1353710" cy="213259"/>
+            <a:off x="6477998" y="2716900"/>
+            <a:ext cx="1369409" cy="280774"/>
           </a:xfrm>
           <a:prstGeom prst="straightConnector1">
             <a:avLst/>
@@ -15405,8 +9549,8 @@
         </p:nvCxnSpPr>
         <p:spPr>
           <a:xfrm flipH="1">
-            <a:off x="4478967" y="3470065"/>
-            <a:ext cx="2014730" cy="269026"/>
+            <a:off x="4478967" y="3537580"/>
+            <a:ext cx="1999031" cy="201511"/>
           </a:xfrm>
           <a:prstGeom prst="straightConnector1">
             <a:avLst/>
@@ -15455,7 +9599,7 @@
         <p:spPr>
           <a:xfrm>
             <a:off x="3590894" y="2029861"/>
-            <a:ext cx="1849708" cy="1170251"/>
+            <a:ext cx="1834009" cy="1237766"/>
           </a:xfrm>
           <a:prstGeom prst="straightConnector1">
             <a:avLst/>
@@ -15503,8 +9647,8 @@
         </p:nvCxnSpPr>
         <p:spPr>
           <a:xfrm flipV="1">
-            <a:off x="3830987" y="3470065"/>
-            <a:ext cx="2662710" cy="1096236"/>
+            <a:off x="3830987" y="3537580"/>
+            <a:ext cx="2647011" cy="1028721"/>
           </a:xfrm>
           <a:prstGeom prst="straightConnector1">
             <a:avLst/>
@@ -15552,8 +9696,8 @@
         </p:nvCxnSpPr>
         <p:spPr>
           <a:xfrm flipH="1" flipV="1">
-            <a:off x="6493697" y="3470065"/>
-            <a:ext cx="2660806" cy="1040915"/>
+            <a:off x="6477998" y="3537580"/>
+            <a:ext cx="2676505" cy="973400"/>
           </a:xfrm>
           <a:prstGeom prst="straightConnector1">
             <a:avLst/>
@@ -15601,8 +9745,8 @@
         </p:nvCxnSpPr>
         <p:spPr>
           <a:xfrm flipH="1" flipV="1">
-            <a:off x="7546792" y="3200112"/>
-            <a:ext cx="1698763" cy="308275"/>
+            <a:off x="7531093" y="3267627"/>
+            <a:ext cx="1714462" cy="240760"/>
           </a:xfrm>
           <a:prstGeom prst="straightConnector1">
             <a:avLst/>
@@ -16055,7 +10199,7 @@
 </p:sld>
 </file>
 
-<file path=ppt/slides/slide13.xml><?xml version="1.0" encoding="utf-8"?>
+<file path=ppt/slides/slide12.xml><?xml version="1.0" encoding="utf-8"?>
 <p:sld xmlns:a="http://schemas.openxmlformats.org/drawingml/2006/main" xmlns:r="http://schemas.openxmlformats.org/officeDocument/2006/relationships" xmlns:p="http://schemas.openxmlformats.org/presentationml/2006/main">
   <p:cSld>
     <p:spTree>
@@ -23574,7 +17718,7 @@
         <p:spPr>
           <a:xfrm>
             <a:off x="864756" y="1545862"/>
-            <a:ext cx="3754554" cy="1477328"/>
+            <a:ext cx="3267241" cy="1477328"/>
           </a:xfrm>
           <a:prstGeom prst="rect">
             <a:avLst/>
@@ -23599,7 +17743,7 @@
             </a:pPr>
             <a:r>
               <a:rPr lang="en-US" altLang="zh-CN" dirty="0"/>
-              <a:t>nat1: 192.168.122.0/24</a:t>
+              <a:t>nat1: 2.2.122.0/24</a:t>
             </a:r>
           </a:p>
           <a:p>
@@ -23613,7 +17757,7 @@
             </a:r>
             <a:r>
               <a:rPr lang="en-US" altLang="zh-CN" dirty="0"/>
-              <a:t>: 192.168.123.0/24</a:t>
+              <a:t>: 2.2.123.0/24</a:t>
             </a:r>
           </a:p>
           <a:p>
@@ -23623,7 +17767,7 @@
             </a:pPr>
             <a:r>
               <a:rPr lang="en-US" altLang="zh-CN" dirty="0"/>
-              <a:t>toVNF1: 192.168.124.0/24</a:t>
+              <a:t>toVNF1: 2.2.124.0/24</a:t>
             </a:r>
           </a:p>
           <a:p>
@@ -23633,7 +17777,7 @@
             </a:pPr>
             <a:r>
               <a:rPr lang="en-US" altLang="zh-CN" dirty="0"/>
-              <a:t>toVNF1Backup: 192.168.125.0/24</a:t>
+              <a:t>toVNF1Backup: 2.2.125.0/24</a:t>
             </a:r>
             <a:endParaRPr lang="zh-CN" altLang="en-US" dirty="0"/>
           </a:p>

--- a/doc/SoftwareDesign/Architecture-SDNSwitch.pptx
+++ b/doc/SoftwareDesign/Architecture-SDNSwitch.pptx
@@ -208,7 +208,7 @@
           <a:p>
             <a:fld id="{28F549E5-EDF6-49DA-A258-26AEF78D5914}" type="datetimeFigureOut">
               <a:rPr lang="zh-CN" altLang="en-US" smtClean="0"/>
-              <a:t>2020/8/3</a:t>
+              <a:t>2020/8/9</a:t>
             </a:fld>
             <a:endParaRPr lang="zh-CN" altLang="en-US"/>
           </a:p>
@@ -1042,7 +1042,7 @@
           <a:p>
             <a:fld id="{8C8FE85A-A409-47B8-9A34-876552EE5CE2}" type="datetimeFigureOut">
               <a:rPr lang="zh-CN" altLang="en-US" smtClean="0"/>
-              <a:t>2020/8/3</a:t>
+              <a:t>2020/8/9</a:t>
             </a:fld>
             <a:endParaRPr lang="zh-CN" altLang="en-US"/>
           </a:p>
@@ -1240,7 +1240,7 @@
           <a:p>
             <a:fld id="{8C8FE85A-A409-47B8-9A34-876552EE5CE2}" type="datetimeFigureOut">
               <a:rPr lang="zh-CN" altLang="en-US" smtClean="0"/>
-              <a:t>2020/8/3</a:t>
+              <a:t>2020/8/9</a:t>
             </a:fld>
             <a:endParaRPr lang="zh-CN" altLang="en-US"/>
           </a:p>
@@ -1448,7 +1448,7 @@
           <a:p>
             <a:fld id="{8C8FE85A-A409-47B8-9A34-876552EE5CE2}" type="datetimeFigureOut">
               <a:rPr lang="zh-CN" altLang="en-US" smtClean="0"/>
-              <a:t>2020/8/3</a:t>
+              <a:t>2020/8/9</a:t>
             </a:fld>
             <a:endParaRPr lang="zh-CN" altLang="en-US"/>
           </a:p>
@@ -1646,7 +1646,7 @@
           <a:p>
             <a:fld id="{8C8FE85A-A409-47B8-9A34-876552EE5CE2}" type="datetimeFigureOut">
               <a:rPr lang="zh-CN" altLang="en-US" smtClean="0"/>
-              <a:t>2020/8/3</a:t>
+              <a:t>2020/8/9</a:t>
             </a:fld>
             <a:endParaRPr lang="zh-CN" altLang="en-US"/>
           </a:p>
@@ -1921,7 +1921,7 @@
           <a:p>
             <a:fld id="{8C8FE85A-A409-47B8-9A34-876552EE5CE2}" type="datetimeFigureOut">
               <a:rPr lang="zh-CN" altLang="en-US" smtClean="0"/>
-              <a:t>2020/8/3</a:t>
+              <a:t>2020/8/9</a:t>
             </a:fld>
             <a:endParaRPr lang="zh-CN" altLang="en-US"/>
           </a:p>
@@ -2186,7 +2186,7 @@
           <a:p>
             <a:fld id="{8C8FE85A-A409-47B8-9A34-876552EE5CE2}" type="datetimeFigureOut">
               <a:rPr lang="zh-CN" altLang="en-US" smtClean="0"/>
-              <a:t>2020/8/3</a:t>
+              <a:t>2020/8/9</a:t>
             </a:fld>
             <a:endParaRPr lang="zh-CN" altLang="en-US"/>
           </a:p>
@@ -2598,7 +2598,7 @@
           <a:p>
             <a:fld id="{8C8FE85A-A409-47B8-9A34-876552EE5CE2}" type="datetimeFigureOut">
               <a:rPr lang="zh-CN" altLang="en-US" smtClean="0"/>
-              <a:t>2020/8/3</a:t>
+              <a:t>2020/8/9</a:t>
             </a:fld>
             <a:endParaRPr lang="zh-CN" altLang="en-US"/>
           </a:p>
@@ -2739,7 +2739,7 @@
           <a:p>
             <a:fld id="{8C8FE85A-A409-47B8-9A34-876552EE5CE2}" type="datetimeFigureOut">
               <a:rPr lang="zh-CN" altLang="en-US" smtClean="0"/>
-              <a:t>2020/8/3</a:t>
+              <a:t>2020/8/9</a:t>
             </a:fld>
             <a:endParaRPr lang="zh-CN" altLang="en-US"/>
           </a:p>
@@ -2852,7 +2852,7 @@
           <a:p>
             <a:fld id="{8C8FE85A-A409-47B8-9A34-876552EE5CE2}" type="datetimeFigureOut">
               <a:rPr lang="zh-CN" altLang="en-US" smtClean="0"/>
-              <a:t>2020/8/3</a:t>
+              <a:t>2020/8/9</a:t>
             </a:fld>
             <a:endParaRPr lang="zh-CN" altLang="en-US"/>
           </a:p>
@@ -3163,7 +3163,7 @@
           <a:p>
             <a:fld id="{8C8FE85A-A409-47B8-9A34-876552EE5CE2}" type="datetimeFigureOut">
               <a:rPr lang="zh-CN" altLang="en-US" smtClean="0"/>
-              <a:t>2020/8/3</a:t>
+              <a:t>2020/8/9</a:t>
             </a:fld>
             <a:endParaRPr lang="zh-CN" altLang="en-US"/>
           </a:p>
@@ -3451,7 +3451,7 @@
           <a:p>
             <a:fld id="{8C8FE85A-A409-47B8-9A34-876552EE5CE2}" type="datetimeFigureOut">
               <a:rPr lang="zh-CN" altLang="en-US" smtClean="0"/>
-              <a:t>2020/8/3</a:t>
+              <a:t>2020/8/9</a:t>
             </a:fld>
             <a:endParaRPr lang="zh-CN" altLang="en-US"/>
           </a:p>
@@ -3692,7 +3692,7 @@
           <a:p>
             <a:fld id="{8C8FE85A-A409-47B8-9A34-876552EE5CE2}" type="datetimeFigureOut">
               <a:rPr lang="zh-CN" altLang="en-US" smtClean="0"/>
-              <a:t>2020/8/3</a:t>
+              <a:t>2020/8/9</a:t>
             </a:fld>
             <a:endParaRPr lang="zh-CN" altLang="en-US"/>
           </a:p>
@@ -7022,56 +7022,6 @@
       </p:grpSpPr>
       <p:sp>
         <p:nvSpPr>
-          <p:cNvPr id="63" name="矩形: 圆角 62">
-            <a:extLst>
-              <a:ext uri="{FF2B5EF4-FFF2-40B4-BE49-F238E27FC236}">
-                <a16:creationId xmlns:a16="http://schemas.microsoft.com/office/drawing/2014/main" id="{3FF7420C-42C5-4C6F-BA70-B4BCE9F5FCAA}"/>
-              </a:ext>
-            </a:extLst>
-          </p:cNvPr>
-          <p:cNvSpPr/>
-          <p:nvPr/>
-        </p:nvSpPr>
-        <p:spPr>
-          <a:xfrm>
-            <a:off x="9230039" y="5811591"/>
-            <a:ext cx="1490162" cy="379257"/>
-          </a:xfrm>
-          <a:prstGeom prst="roundRect">
-            <a:avLst/>
-          </a:prstGeom>
-        </p:spPr>
-        <p:style>
-          <a:lnRef idx="2">
-            <a:schemeClr val="accent4">
-              <a:shade val="50000"/>
-            </a:schemeClr>
-          </a:lnRef>
-          <a:fillRef idx="1">
-            <a:schemeClr val="accent4"/>
-          </a:fillRef>
-          <a:effectRef idx="0">
-            <a:schemeClr val="accent4"/>
-          </a:effectRef>
-          <a:fontRef idx="minor">
-            <a:schemeClr val="lt1"/>
-          </a:fontRef>
-        </p:style>
-        <p:txBody>
-          <a:bodyPr rtlCol="0" anchor="ctr"/>
-          <a:lstStyle/>
-          <a:p>
-            <a:pPr algn="ctr"/>
-            <a:r>
-              <a:rPr lang="en-US" altLang="zh-CN" dirty="0"/>
-              <a:t>RabbitMQ</a:t>
-            </a:r>
-            <a:endParaRPr lang="zh-CN" altLang="en-US" dirty="0"/>
-          </a:p>
-        </p:txBody>
-      </p:sp>
-      <p:sp>
-        <p:nvSpPr>
           <p:cNvPr id="104" name="矩形: 圆角 103">
             <a:extLst>
               <a:ext uri="{FF2B5EF4-FFF2-40B4-BE49-F238E27FC236}">
@@ -7963,56 +7913,6 @@
       </p:cxnSp>
       <p:sp>
         <p:nvSpPr>
-          <p:cNvPr id="61" name="矩形: 圆角 60">
-            <a:extLst>
-              <a:ext uri="{FF2B5EF4-FFF2-40B4-BE49-F238E27FC236}">
-                <a16:creationId xmlns:a16="http://schemas.microsoft.com/office/drawing/2014/main" id="{A7B3F63E-C11E-4F1C-BDEC-D1C642EC4D3B}"/>
-              </a:ext>
-            </a:extLst>
-          </p:cNvPr>
-          <p:cNvSpPr/>
-          <p:nvPr/>
-        </p:nvSpPr>
-        <p:spPr>
-          <a:xfrm>
-            <a:off x="5424903" y="2997674"/>
-            <a:ext cx="2106190" cy="539906"/>
-          </a:xfrm>
-          <a:prstGeom prst="roundRect">
-            <a:avLst/>
-          </a:prstGeom>
-        </p:spPr>
-        <p:style>
-          <a:lnRef idx="2">
-            <a:schemeClr val="accent4">
-              <a:shade val="50000"/>
-            </a:schemeClr>
-          </a:lnRef>
-          <a:fillRef idx="1">
-            <a:schemeClr val="accent4"/>
-          </a:fillRef>
-          <a:effectRef idx="0">
-            <a:schemeClr val="accent4"/>
-          </a:effectRef>
-          <a:fontRef idx="minor">
-            <a:schemeClr val="lt1"/>
-          </a:fontRef>
-        </p:style>
-        <p:txBody>
-          <a:bodyPr rtlCol="0" anchor="ctr"/>
-          <a:lstStyle/>
-          <a:p>
-            <a:pPr algn="ctr"/>
-            <a:r>
-              <a:rPr lang="en-US" altLang="zh-CN" dirty="0"/>
-              <a:t>RabbitMQ</a:t>
-            </a:r>
-            <a:endParaRPr lang="zh-CN" altLang="en-US" dirty="0"/>
-          </a:p>
-        </p:txBody>
-      </p:sp>
-      <p:sp>
-        <p:nvSpPr>
           <p:cNvPr id="72" name="圆柱体 71">
             <a:extLst>
               <a:ext uri="{FF2B5EF4-FFF2-40B4-BE49-F238E27FC236}">
@@ -8207,7 +8107,7 @@
         </p:nvSpPr>
         <p:spPr>
           <a:xfrm>
-            <a:off x="202755" y="1167177"/>
+            <a:off x="202517" y="1420317"/>
             <a:ext cx="833864" cy="1741080"/>
           </a:xfrm>
           <a:prstGeom prst="rect">
@@ -8271,7 +8171,7 @@
         </p:nvSpPr>
         <p:spPr>
           <a:xfrm>
-            <a:off x="1952781" y="1167176"/>
+            <a:off x="1952543" y="1420316"/>
             <a:ext cx="1633586" cy="524819"/>
           </a:xfrm>
           <a:prstGeom prst="rect">
@@ -8321,7 +8221,7 @@
         </p:nvSpPr>
         <p:spPr>
           <a:xfrm>
-            <a:off x="1957308" y="1767451"/>
+            <a:off x="1957070" y="2020591"/>
             <a:ext cx="1633586" cy="524819"/>
           </a:xfrm>
           <a:prstGeom prst="rect">
@@ -8371,7 +8271,7 @@
         </p:nvSpPr>
         <p:spPr>
           <a:xfrm>
-            <a:off x="1962200" y="2383437"/>
+            <a:off x="1961962" y="2636577"/>
             <a:ext cx="1633586" cy="524819"/>
           </a:xfrm>
           <a:prstGeom prst="rect">
@@ -8421,7 +8321,7 @@
         </p:nvSpPr>
         <p:spPr>
           <a:xfrm>
-            <a:off x="1358904" y="1167177"/>
+            <a:off x="1358666" y="1420317"/>
             <a:ext cx="602608" cy="1741080"/>
           </a:xfrm>
           <a:prstGeom prst="rect">
@@ -8475,7 +8375,7 @@
         </p:nvCxnSpPr>
         <p:spPr>
           <a:xfrm>
-            <a:off x="1036619" y="2037717"/>
+            <a:off x="1036381" y="2290857"/>
             <a:ext cx="322285" cy="0"/>
           </a:xfrm>
           <a:prstGeom prst="straightConnector1">
@@ -8518,8 +8418,8 @@
         </p:nvCxnSpPr>
         <p:spPr>
           <a:xfrm flipV="1">
-            <a:off x="8940916" y="2176466"/>
-            <a:ext cx="293686" cy="114212"/>
+            <a:off x="8940916" y="1706361"/>
+            <a:ext cx="313194" cy="584317"/>
           </a:xfrm>
           <a:prstGeom prst="straightConnector1">
             <a:avLst/>
@@ -8557,7 +8457,7 @@
         </p:nvSpPr>
         <p:spPr>
           <a:xfrm>
-            <a:off x="8514846" y="1759643"/>
+            <a:off x="8513433" y="1582010"/>
             <a:ext cx="692818" cy="369332"/>
           </a:xfrm>
           <a:prstGeom prst="rect">
@@ -8604,9 +8504,9 @@
           <p:nvPr/>
         </p:nvCxnSpPr>
         <p:spPr>
-          <a:xfrm>
-            <a:off x="6037922" y="1481457"/>
-            <a:ext cx="4609318" cy="461903"/>
+          <a:xfrm flipV="1">
+            <a:off x="6037922" y="1473255"/>
+            <a:ext cx="4628826" cy="8202"/>
           </a:xfrm>
           <a:prstGeom prst="straightConnector1">
             <a:avLst/>
@@ -8687,7 +8587,7 @@
         </p:nvGrpSpPr>
         <p:grpSpPr>
           <a:xfrm>
-            <a:off x="9228408" y="1943360"/>
+            <a:off x="9247916" y="1473255"/>
             <a:ext cx="2859552" cy="2205653"/>
             <a:chOff x="9410533" y="2079987"/>
             <a:chExt cx="2375752" cy="2205653"/>
@@ -9018,8 +8918,8 @@
         </p:nvCxnSpPr>
         <p:spPr>
           <a:xfrm>
-            <a:off x="4570429" y="5088154"/>
-            <a:ext cx="1182593" cy="288668"/>
+            <a:off x="5016496" y="5088154"/>
+            <a:ext cx="736526" cy="288668"/>
           </a:xfrm>
           <a:prstGeom prst="straightConnector1">
             <a:avLst/>
@@ -9150,7 +9050,7 @@
               <a:pPr algn="ctr"/>
               <a:r>
                 <a:rPr lang="en-US" altLang="zh-CN" dirty="0"/>
-                <a:t>BESS </a:t>
+                <a:t>SFF</a:t>
               </a:r>
             </a:p>
             <a:p>
@@ -9207,7 +9107,7 @@
               <a:pPr algn="ctr"/>
               <a:r>
                 <a:rPr lang="en-US" altLang="zh-CN" dirty="0"/>
-                <a:t>Docker</a:t>
+                <a:t>VNF</a:t>
               </a:r>
             </a:p>
             <a:p>
@@ -9395,8 +9295,8 @@
         </p:nvSpPr>
         <p:spPr>
           <a:xfrm>
-            <a:off x="2845380" y="3537977"/>
-            <a:ext cx="1633587" cy="402227"/>
+            <a:off x="202517" y="3769737"/>
+            <a:ext cx="11812674" cy="402227"/>
           </a:xfrm>
           <a:prstGeom prst="rect">
             <a:avLst/>
@@ -9444,7 +9344,7 @@
           </p:cNvPr>
           <p:cNvCxnSpPr>
             <a:cxnSpLocks/>
-            <a:stCxn id="61" idx="0"/>
+            <a:stCxn id="83" idx="0"/>
             <a:endCxn id="3" idx="2"/>
           </p:cNvCxnSpPr>
           <p:nvPr/>
@@ -9452,7 +9352,7 @@
         <p:spPr>
           <a:xfrm flipH="1" flipV="1">
             <a:off x="5461696" y="2705001"/>
-            <a:ext cx="1016302" cy="292673"/>
+            <a:ext cx="647158" cy="1064736"/>
           </a:xfrm>
           <a:prstGeom prst="straightConnector1">
             <a:avLst/>
@@ -9493,64 +9393,15 @@
           </p:cNvPr>
           <p:cNvCxnSpPr>
             <a:cxnSpLocks/>
-            <a:stCxn id="61" idx="0"/>
+            <a:stCxn id="83" idx="0"/>
             <a:endCxn id="84" idx="2"/>
           </p:cNvCxnSpPr>
           <p:nvPr/>
         </p:nvCxnSpPr>
         <p:spPr>
           <a:xfrm flipV="1">
-            <a:off x="6477998" y="2716900"/>
-            <a:ext cx="1369409" cy="280774"/>
-          </a:xfrm>
-          <a:prstGeom prst="straightConnector1">
-            <a:avLst/>
-          </a:prstGeom>
-          <a:ln w="9525" cap="flat" cmpd="sng" algn="ctr">
-            <a:solidFill>
-              <a:schemeClr val="accent1"/>
-            </a:solidFill>
-            <a:prstDash val="dash"/>
-            <a:round/>
-            <a:headEnd type="none" w="med" len="med"/>
-            <a:tailEnd type="none" w="med" len="med"/>
-          </a:ln>
-        </p:spPr>
-        <p:style>
-          <a:lnRef idx="0">
-            <a:scrgbClr r="0" g="0" b="0"/>
-          </a:lnRef>
-          <a:fillRef idx="0">
-            <a:scrgbClr r="0" g="0" b="0"/>
-          </a:fillRef>
-          <a:effectRef idx="0">
-            <a:scrgbClr r="0" g="0" b="0"/>
-          </a:effectRef>
-          <a:fontRef idx="minor">
-            <a:schemeClr val="tx1"/>
-          </a:fontRef>
-        </p:style>
-      </p:cxnSp>
-      <p:cxnSp>
-        <p:nvCxnSpPr>
-          <p:cNvPr id="93" name="直接箭头连接符 92">
-            <a:extLst>
-              <a:ext uri="{FF2B5EF4-FFF2-40B4-BE49-F238E27FC236}">
-                <a16:creationId xmlns:a16="http://schemas.microsoft.com/office/drawing/2014/main" id="{E83EF642-32D8-4DB5-88B5-49CAFC8D25DF}"/>
-              </a:ext>
-            </a:extLst>
-          </p:cNvPr>
-          <p:cNvCxnSpPr>
-            <a:cxnSpLocks/>
-            <a:stCxn id="61" idx="2"/>
-            <a:endCxn id="83" idx="3"/>
-          </p:cNvCxnSpPr>
-          <p:nvPr/>
-        </p:nvCxnSpPr>
-        <p:spPr>
-          <a:xfrm flipH="1">
-            <a:off x="4478967" y="3537580"/>
-            <a:ext cx="1999031" cy="201511"/>
+            <a:off x="6108854" y="2716900"/>
+            <a:ext cx="1738553" cy="1052837"/>
           </a:xfrm>
           <a:prstGeom prst="straightConnector1">
             <a:avLst/>
@@ -9592,14 +9443,14 @@
           <p:cNvCxnSpPr>
             <a:cxnSpLocks/>
             <a:stCxn id="154" idx="3"/>
-            <a:endCxn id="61" idx="1"/>
+            <a:endCxn id="3" idx="1"/>
           </p:cNvCxnSpPr>
           <p:nvPr/>
         </p:nvCxnSpPr>
         <p:spPr>
           <a:xfrm>
-            <a:off x="3590894" y="2029861"/>
-            <a:ext cx="1834009" cy="1237766"/>
+            <a:off x="3590656" y="2283001"/>
+            <a:ext cx="697403" cy="5132"/>
           </a:xfrm>
           <a:prstGeom prst="straightConnector1">
             <a:avLst/>
@@ -9641,14 +9492,14 @@
           <p:cNvCxnSpPr>
             <a:cxnSpLocks/>
             <a:stCxn id="69" idx="0"/>
-            <a:endCxn id="61" idx="2"/>
+            <a:endCxn id="83" idx="2"/>
           </p:cNvCxnSpPr>
           <p:nvPr/>
         </p:nvCxnSpPr>
         <p:spPr>
           <a:xfrm flipV="1">
-            <a:off x="3830987" y="3537580"/>
-            <a:ext cx="2647011" cy="1028721"/>
+            <a:off x="3305684" y="4171964"/>
+            <a:ext cx="2803170" cy="391779"/>
           </a:xfrm>
           <a:prstGeom prst="straightConnector1">
             <a:avLst/>
@@ -9690,14 +9541,14 @@
           <p:cNvCxnSpPr>
             <a:cxnSpLocks/>
             <a:stCxn id="60" idx="0"/>
-            <a:endCxn id="61" idx="2"/>
+            <a:endCxn id="83" idx="2"/>
           </p:cNvCxnSpPr>
           <p:nvPr/>
         </p:nvCxnSpPr>
         <p:spPr>
           <a:xfrm flipH="1" flipV="1">
-            <a:off x="6477998" y="3537580"/>
-            <a:ext cx="2676505" cy="973400"/>
+            <a:off x="6108854" y="4171964"/>
+            <a:ext cx="3045649" cy="339016"/>
           </a:xfrm>
           <a:prstGeom prst="straightConnector1">
             <a:avLst/>
@@ -9739,49 +9590,123 @@
           <p:cNvCxnSpPr>
             <a:cxnSpLocks/>
             <a:stCxn id="203" idx="1"/>
-            <a:endCxn id="61" idx="3"/>
+            <a:endCxn id="3" idx="2"/>
           </p:cNvCxnSpPr>
           <p:nvPr/>
         </p:nvCxnSpPr>
         <p:spPr>
           <a:xfrm flipH="1" flipV="1">
-            <a:off x="7531093" y="3267627"/>
-            <a:ext cx="1714462" cy="240760"/>
+            <a:off x="5461696" y="2705001"/>
+            <a:ext cx="3803367" cy="333281"/>
           </a:xfrm>
           <a:prstGeom prst="straightConnector1">
             <a:avLst/>
           </a:prstGeom>
-          <a:ln w="9525" cap="flat" cmpd="sng" algn="ctr">
-            <a:solidFill>
-              <a:schemeClr val="accent1"/>
-            </a:solidFill>
-            <a:prstDash val="dash"/>
-            <a:round/>
-            <a:headEnd type="none" w="med" len="med"/>
-            <a:tailEnd type="none" w="med" len="med"/>
+          <a:ln>
+            <a:tailEnd type="triangle"/>
           </a:ln>
         </p:spPr>
         <p:style>
-          <a:lnRef idx="0">
-            <a:scrgbClr r="0" g="0" b="0"/>
+          <a:lnRef idx="1">
+            <a:schemeClr val="accent1"/>
           </a:lnRef>
           <a:fillRef idx="0">
-            <a:scrgbClr r="0" g="0" b="0"/>
+            <a:schemeClr val="accent1"/>
           </a:fillRef>
           <a:effectRef idx="0">
-            <a:scrgbClr r="0" g="0" b="0"/>
+            <a:schemeClr val="accent1"/>
           </a:effectRef>
           <a:fontRef idx="minor">
             <a:schemeClr val="tx1"/>
           </a:fontRef>
         </p:style>
       </p:cxnSp>
+      <p:sp>
+        <p:nvSpPr>
+          <p:cNvPr id="24" name="文本框 23">
+            <a:extLst>
+              <a:ext uri="{FF2B5EF4-FFF2-40B4-BE49-F238E27FC236}">
+                <a16:creationId xmlns:a16="http://schemas.microsoft.com/office/drawing/2014/main" id="{03B58EF8-E2F2-4783-AC78-7D496CD6E96C}"/>
+              </a:ext>
+            </a:extLst>
+          </p:cNvPr>
+          <p:cNvSpPr txBox="1"/>
+          <p:nvPr/>
+        </p:nvSpPr>
+        <p:spPr>
+          <a:xfrm>
+            <a:off x="734847" y="5821516"/>
+            <a:ext cx="1178528" cy="369332"/>
+          </a:xfrm>
+          <a:prstGeom prst="rect">
+            <a:avLst/>
+          </a:prstGeom>
+          <a:noFill/>
+        </p:spPr>
+        <p:txBody>
+          <a:bodyPr wrap="none" rtlCol="0">
+            <a:spAutoFit/>
+          </a:bodyPr>
+          <a:lstStyle/>
+          <a:p>
+            <a:r>
+              <a:rPr lang="en-US" altLang="zh-CN" b="1" dirty="0"/>
+              <a:t>Ryu Apps</a:t>
+            </a:r>
+            <a:endParaRPr lang="zh-CN" altLang="en-US" b="1" dirty="0"/>
+          </a:p>
+        </p:txBody>
+      </p:sp>
+      <p:sp>
+        <p:nvSpPr>
+          <p:cNvPr id="100" name="文本框 99">
+            <a:extLst>
+              <a:ext uri="{FF2B5EF4-FFF2-40B4-BE49-F238E27FC236}">
+                <a16:creationId xmlns:a16="http://schemas.microsoft.com/office/drawing/2014/main" id="{2C0CB370-132F-495A-8318-8E0CB8DDA80C}"/>
+              </a:ext>
+            </a:extLst>
+          </p:cNvPr>
+          <p:cNvSpPr txBox="1"/>
+          <p:nvPr/>
+        </p:nvSpPr>
+        <p:spPr>
+          <a:xfrm>
+            <a:off x="8244325" y="2840284"/>
+            <a:ext cx="857927" cy="369332"/>
+          </a:xfrm>
+          <a:prstGeom prst="rect">
+            <a:avLst/>
+          </a:prstGeom>
+          <a:noFill/>
+        </p:spPr>
+        <p:txBody>
+          <a:bodyPr wrap="none" rtlCol="0">
+            <a:spAutoFit/>
+          </a:bodyPr>
+          <a:lstStyle/>
+          <a:p>
+            <a:r>
+              <a:rPr lang="en-US" altLang="zh-CN" b="1" dirty="0">
+                <a:solidFill>
+                  <a:srgbClr val="FF0000"/>
+                </a:solidFill>
+              </a:rPr>
+              <a:t>Adjust</a:t>
+            </a:r>
+            <a:endParaRPr lang="zh-CN" altLang="en-US" b="1" dirty="0">
+              <a:solidFill>
+                <a:srgbClr val="FF0000"/>
+              </a:solidFill>
+            </a:endParaRPr>
+          </a:p>
+        </p:txBody>
+      </p:sp>
       <p:grpSp>
         <p:nvGrpSpPr>
-          <p:cNvPr id="9" name="组合 8">
-            <a:extLst>
-              <a:ext uri="{FF2B5EF4-FFF2-40B4-BE49-F238E27FC236}">
-                <a16:creationId xmlns:a16="http://schemas.microsoft.com/office/drawing/2014/main" id="{16BB9ABC-2E92-4132-B634-728183B866A6}"/>
+          <p:cNvPr id="63" name="组合 62">
+            <a:extLst>
+              <a:ext uri="{FF2B5EF4-FFF2-40B4-BE49-F238E27FC236}">
+                <a16:creationId xmlns:a16="http://schemas.microsoft.com/office/drawing/2014/main" id="{7ABB2B80-8F99-4539-A1AA-F5F3B94943CD}"/>
               </a:ext>
             </a:extLst>
           </p:cNvPr>
@@ -9790,10 +9715,10 @@
         </p:nvGrpSpPr>
         <p:grpSpPr>
           <a:xfrm>
-            <a:off x="698178" y="4465851"/>
-            <a:ext cx="3872251" cy="1244605"/>
-            <a:chOff x="137066" y="4524390"/>
-            <a:chExt cx="3872251" cy="1244605"/>
+            <a:off x="202518" y="4465851"/>
+            <a:ext cx="4813978" cy="1244605"/>
+            <a:chOff x="202518" y="4465851"/>
+            <a:chExt cx="4813978" cy="1244605"/>
           </a:xfrm>
         </p:grpSpPr>
         <p:sp>
@@ -9810,8 +9735,8 @@
           </p:nvSpPr>
           <p:spPr>
             <a:xfrm>
-              <a:off x="2950846" y="5206641"/>
-              <a:ext cx="472199" cy="471686"/>
+              <a:off x="2977595" y="5142530"/>
+              <a:ext cx="710583" cy="471686"/>
             </a:xfrm>
             <a:prstGeom prst="rect">
               <a:avLst/>
@@ -9860,7 +9785,7 @@
           </p:nvSpPr>
           <p:spPr>
             <a:xfrm>
-              <a:off x="1692662" y="5192379"/>
+              <a:off x="1775077" y="5131669"/>
               <a:ext cx="1116039" cy="471686"/>
             </a:xfrm>
             <a:prstGeom prst="rect">
@@ -9910,7 +9835,7 @@
           </p:nvSpPr>
           <p:spPr>
             <a:xfrm>
-              <a:off x="215533" y="5192379"/>
+              <a:off x="297948" y="5131669"/>
               <a:ext cx="1375004" cy="471686"/>
             </a:xfrm>
             <a:prstGeom prst="rect">
@@ -9960,7 +9885,7 @@
           </p:nvSpPr>
           <p:spPr>
             <a:xfrm>
-              <a:off x="1469640" y="4616442"/>
+              <a:off x="1520808" y="4566400"/>
               <a:ext cx="1035797" cy="471686"/>
             </a:xfrm>
             <a:prstGeom prst="rect">
@@ -10010,8 +9935,8 @@
           </p:nvSpPr>
           <p:spPr>
             <a:xfrm>
-              <a:off x="137066" y="4524390"/>
-              <a:ext cx="3872251" cy="1244605"/>
+              <a:off x="202518" y="4465851"/>
+              <a:ext cx="4813978" cy="1244605"/>
             </a:xfrm>
             <a:prstGeom prst="rect">
               <a:avLst/>
@@ -10056,7 +9981,7 @@
           </p:nvSpPr>
           <p:spPr>
             <a:xfrm>
-              <a:off x="215533" y="4617121"/>
+              <a:off x="297948" y="4574167"/>
               <a:ext cx="1143269" cy="471686"/>
             </a:xfrm>
             <a:prstGeom prst="rect">
@@ -10113,7 +10038,7 @@
           </p:nvSpPr>
           <p:spPr>
             <a:xfrm>
-              <a:off x="2620863" y="4624840"/>
+              <a:off x="2656672" y="4563743"/>
               <a:ext cx="1298023" cy="471686"/>
             </a:xfrm>
             <a:prstGeom prst="rect">
@@ -10149,43 +10074,111 @@
             </a:p>
           </p:txBody>
         </p:sp>
+        <p:sp>
+          <p:nvSpPr>
+            <p:cNvPr id="101" name="矩形 100">
+              <a:extLst>
+                <a:ext uri="{FF2B5EF4-FFF2-40B4-BE49-F238E27FC236}">
+                  <a16:creationId xmlns:a16="http://schemas.microsoft.com/office/drawing/2014/main" id="{AACAC9B9-0784-4239-98FE-773E53E5A5AF}"/>
+                </a:ext>
+              </a:extLst>
+            </p:cNvPr>
+            <p:cNvSpPr/>
+            <p:nvPr/>
+          </p:nvSpPr>
+          <p:spPr>
+            <a:xfrm>
+              <a:off x="3831064" y="5142530"/>
+              <a:ext cx="1035797" cy="471686"/>
+            </a:xfrm>
+            <a:prstGeom prst="rect">
+              <a:avLst/>
+            </a:prstGeom>
+          </p:spPr>
+          <p:style>
+            <a:lnRef idx="2">
+              <a:schemeClr val="accent6">
+                <a:shade val="50000"/>
+              </a:schemeClr>
+            </a:lnRef>
+            <a:fillRef idx="1">
+              <a:schemeClr val="accent6"/>
+            </a:fillRef>
+            <a:effectRef idx="0">
+              <a:schemeClr val="accent6"/>
+            </a:effectRef>
+            <a:fontRef idx="minor">
+              <a:schemeClr val="lt1"/>
+            </a:fontRef>
+          </p:style>
+          <p:txBody>
+            <a:bodyPr rtlCol="0" anchor="ctr"/>
+            <a:lstStyle/>
+            <a:p>
+              <a:pPr algn="ctr"/>
+              <a:r>
+                <a:rPr lang="en-US" altLang="zh-CN" dirty="0"/>
+                <a:t>SFC-</a:t>
+              </a:r>
+              <a:r>
+                <a:rPr lang="en-US" altLang="zh-CN" dirty="0" err="1"/>
+                <a:t>NotVia</a:t>
+              </a:r>
+              <a:endParaRPr lang="zh-CN" altLang="en-US" dirty="0"/>
+            </a:p>
+          </p:txBody>
+        </p:sp>
+        <p:sp>
+          <p:nvSpPr>
+            <p:cNvPr id="108" name="矩形 107">
+              <a:extLst>
+                <a:ext uri="{FF2B5EF4-FFF2-40B4-BE49-F238E27FC236}">
+                  <a16:creationId xmlns:a16="http://schemas.microsoft.com/office/drawing/2014/main" id="{FAC1E66D-01C3-42E4-8B96-98D4FA8BF4D4}"/>
+                </a:ext>
+              </a:extLst>
+            </p:cNvPr>
+            <p:cNvSpPr/>
+            <p:nvPr/>
+          </p:nvSpPr>
+          <p:spPr>
+            <a:xfrm>
+              <a:off x="4041394" y="4556655"/>
+              <a:ext cx="814691" cy="471686"/>
+            </a:xfrm>
+            <a:prstGeom prst="rect">
+              <a:avLst/>
+            </a:prstGeom>
+          </p:spPr>
+          <p:style>
+            <a:lnRef idx="2">
+              <a:schemeClr val="accent6">
+                <a:shade val="50000"/>
+              </a:schemeClr>
+            </a:lnRef>
+            <a:fillRef idx="1">
+              <a:schemeClr val="accent6"/>
+            </a:fillRef>
+            <a:effectRef idx="0">
+              <a:schemeClr val="accent6"/>
+            </a:effectRef>
+            <a:fontRef idx="minor">
+              <a:schemeClr val="lt1"/>
+            </a:fontRef>
+          </p:style>
+          <p:txBody>
+            <a:bodyPr rtlCol="0" anchor="ctr"/>
+            <a:lstStyle/>
+            <a:p>
+              <a:pPr algn="ctr"/>
+              <a:r>
+                <a:rPr lang="en-US" altLang="zh-CN" dirty="0"/>
+                <a:t>SFC</a:t>
+              </a:r>
+              <a:endParaRPr lang="zh-CN" altLang="en-US" dirty="0"/>
+            </a:p>
+          </p:txBody>
+        </p:sp>
       </p:grpSp>
-      <p:sp>
-        <p:nvSpPr>
-          <p:cNvPr id="24" name="文本框 23">
-            <a:extLst>
-              <a:ext uri="{FF2B5EF4-FFF2-40B4-BE49-F238E27FC236}">
-                <a16:creationId xmlns:a16="http://schemas.microsoft.com/office/drawing/2014/main" id="{03B58EF8-E2F2-4783-AC78-7D496CD6E96C}"/>
-              </a:ext>
-            </a:extLst>
-          </p:cNvPr>
-          <p:cNvSpPr txBox="1"/>
-          <p:nvPr/>
-        </p:nvSpPr>
-        <p:spPr>
-          <a:xfrm>
-            <a:off x="734847" y="5821516"/>
-            <a:ext cx="1178528" cy="369332"/>
-          </a:xfrm>
-          <a:prstGeom prst="rect">
-            <a:avLst/>
-          </a:prstGeom>
-          <a:noFill/>
-        </p:spPr>
-        <p:txBody>
-          <a:bodyPr wrap="none" rtlCol="0">
-            <a:spAutoFit/>
-          </a:bodyPr>
-          <a:lstStyle/>
-          <a:p>
-            <a:r>
-              <a:rPr lang="en-US" altLang="zh-CN" b="1" dirty="0"/>
-              <a:t>Ryu Apps</a:t>
-            </a:r>
-            <a:endParaRPr lang="zh-CN" altLang="en-US" b="1" dirty="0"/>
-          </a:p>
-        </p:txBody>
-      </p:sp>
     </p:spTree>
     <p:extLst>
       <p:ext uri="{BB962C8B-B14F-4D97-AF65-F5344CB8AC3E}">
@@ -15012,7 +15005,7 @@
             <a:pPr algn="ctr"/>
             <a:r>
               <a:rPr lang="en-US" altLang="zh-CN" dirty="0"/>
-              <a:t>BESS Controller</a:t>
+              <a:t>SFF Controller</a:t>
             </a:r>
             <a:endParaRPr lang="zh-CN" altLang="en-US" dirty="0"/>
           </a:p>
@@ -17063,7 +17056,7 @@
             <a:pPr algn="ctr"/>
             <a:r>
               <a:rPr lang="en-US" altLang="zh-CN" dirty="0"/>
-              <a:t>BESS Controller</a:t>
+              <a:t>SFF Controller</a:t>
             </a:r>
             <a:endParaRPr lang="zh-CN" altLang="en-US" dirty="0"/>
           </a:p>

--- a/doc/SoftwareDesign/Architecture-SDNSwitch.pptx
+++ b/doc/SoftwareDesign/Architecture-SDNSwitch.pptx
@@ -208,7 +208,7 @@
           <a:p>
             <a:fld id="{28F549E5-EDF6-49DA-A258-26AEF78D5914}" type="datetimeFigureOut">
               <a:rPr lang="zh-CN" altLang="en-US" smtClean="0"/>
-              <a:t>2020/8/9</a:t>
+              <a:t>2020/8/17</a:t>
             </a:fld>
             <a:endParaRPr lang="zh-CN" altLang="en-US"/>
           </a:p>
@@ -1042,7 +1042,7 @@
           <a:p>
             <a:fld id="{8C8FE85A-A409-47B8-9A34-876552EE5CE2}" type="datetimeFigureOut">
               <a:rPr lang="zh-CN" altLang="en-US" smtClean="0"/>
-              <a:t>2020/8/9</a:t>
+              <a:t>2020/8/17</a:t>
             </a:fld>
             <a:endParaRPr lang="zh-CN" altLang="en-US"/>
           </a:p>
@@ -1240,7 +1240,7 @@
           <a:p>
             <a:fld id="{8C8FE85A-A409-47B8-9A34-876552EE5CE2}" type="datetimeFigureOut">
               <a:rPr lang="zh-CN" altLang="en-US" smtClean="0"/>
-              <a:t>2020/8/9</a:t>
+              <a:t>2020/8/17</a:t>
             </a:fld>
             <a:endParaRPr lang="zh-CN" altLang="en-US"/>
           </a:p>
@@ -1448,7 +1448,7 @@
           <a:p>
             <a:fld id="{8C8FE85A-A409-47B8-9A34-876552EE5CE2}" type="datetimeFigureOut">
               <a:rPr lang="zh-CN" altLang="en-US" smtClean="0"/>
-              <a:t>2020/8/9</a:t>
+              <a:t>2020/8/17</a:t>
             </a:fld>
             <a:endParaRPr lang="zh-CN" altLang="en-US"/>
           </a:p>
@@ -1646,7 +1646,7 @@
           <a:p>
             <a:fld id="{8C8FE85A-A409-47B8-9A34-876552EE5CE2}" type="datetimeFigureOut">
               <a:rPr lang="zh-CN" altLang="en-US" smtClean="0"/>
-              <a:t>2020/8/9</a:t>
+              <a:t>2020/8/17</a:t>
             </a:fld>
             <a:endParaRPr lang="zh-CN" altLang="en-US"/>
           </a:p>
@@ -1921,7 +1921,7 @@
           <a:p>
             <a:fld id="{8C8FE85A-A409-47B8-9A34-876552EE5CE2}" type="datetimeFigureOut">
               <a:rPr lang="zh-CN" altLang="en-US" smtClean="0"/>
-              <a:t>2020/8/9</a:t>
+              <a:t>2020/8/17</a:t>
             </a:fld>
             <a:endParaRPr lang="zh-CN" altLang="en-US"/>
           </a:p>
@@ -2186,7 +2186,7 @@
           <a:p>
             <a:fld id="{8C8FE85A-A409-47B8-9A34-876552EE5CE2}" type="datetimeFigureOut">
               <a:rPr lang="zh-CN" altLang="en-US" smtClean="0"/>
-              <a:t>2020/8/9</a:t>
+              <a:t>2020/8/17</a:t>
             </a:fld>
             <a:endParaRPr lang="zh-CN" altLang="en-US"/>
           </a:p>
@@ -2598,7 +2598,7 @@
           <a:p>
             <a:fld id="{8C8FE85A-A409-47B8-9A34-876552EE5CE2}" type="datetimeFigureOut">
               <a:rPr lang="zh-CN" altLang="en-US" smtClean="0"/>
-              <a:t>2020/8/9</a:t>
+              <a:t>2020/8/17</a:t>
             </a:fld>
             <a:endParaRPr lang="zh-CN" altLang="en-US"/>
           </a:p>
@@ -2739,7 +2739,7 @@
           <a:p>
             <a:fld id="{8C8FE85A-A409-47B8-9A34-876552EE5CE2}" type="datetimeFigureOut">
               <a:rPr lang="zh-CN" altLang="en-US" smtClean="0"/>
-              <a:t>2020/8/9</a:t>
+              <a:t>2020/8/17</a:t>
             </a:fld>
             <a:endParaRPr lang="zh-CN" altLang="en-US"/>
           </a:p>
@@ -2852,7 +2852,7 @@
           <a:p>
             <a:fld id="{8C8FE85A-A409-47B8-9A34-876552EE5CE2}" type="datetimeFigureOut">
               <a:rPr lang="zh-CN" altLang="en-US" smtClean="0"/>
-              <a:t>2020/8/9</a:t>
+              <a:t>2020/8/17</a:t>
             </a:fld>
             <a:endParaRPr lang="zh-CN" altLang="en-US"/>
           </a:p>
@@ -3163,7 +3163,7 @@
           <a:p>
             <a:fld id="{8C8FE85A-A409-47B8-9A34-876552EE5CE2}" type="datetimeFigureOut">
               <a:rPr lang="zh-CN" altLang="en-US" smtClean="0"/>
-              <a:t>2020/8/9</a:t>
+              <a:t>2020/8/17</a:t>
             </a:fld>
             <a:endParaRPr lang="zh-CN" altLang="en-US"/>
           </a:p>
@@ -3451,7 +3451,7 @@
           <a:p>
             <a:fld id="{8C8FE85A-A409-47B8-9A34-876552EE5CE2}" type="datetimeFigureOut">
               <a:rPr lang="zh-CN" altLang="en-US" smtClean="0"/>
-              <a:t>2020/8/9</a:t>
+              <a:t>2020/8/17</a:t>
             </a:fld>
             <a:endParaRPr lang="zh-CN" altLang="en-US"/>
           </a:p>
@@ -3692,7 +3692,7 @@
           <a:p>
             <a:fld id="{8C8FE85A-A409-47B8-9A34-876552EE5CE2}" type="datetimeFigureOut">
               <a:rPr lang="zh-CN" altLang="en-US" smtClean="0"/>
-              <a:t>2020/8/9</a:t>
+              <a:t>2020/8/17</a:t>
             </a:fld>
             <a:endParaRPr lang="zh-CN" altLang="en-US"/>
           </a:p>
@@ -6251,7 +6251,7 @@
         <p:spPr>
           <a:xfrm>
             <a:off x="1421944" y="4079428"/>
-            <a:ext cx="947695" cy="369332"/>
+            <a:ext cx="1069524" cy="369332"/>
           </a:xfrm>
           <a:prstGeom prst="rect">
             <a:avLst/>
@@ -6266,7 +6266,7 @@
           <a:p>
             <a:r>
               <a:rPr lang="en-US" altLang="zh-CN" dirty="0"/>
-              <a:t>10.0.0.1</a:t>
+              <a:t>10.0.18.1</a:t>
             </a:r>
             <a:endParaRPr lang="zh-CN" altLang="en-US" dirty="0"/>
           </a:p>
@@ -6286,8 +6286,8 @@
         </p:nvSpPr>
         <p:spPr>
           <a:xfrm>
-            <a:off x="11227431" y="3793855"/>
-            <a:ext cx="947695" cy="369332"/>
+            <a:off x="10760599" y="4124698"/>
+            <a:ext cx="1313180" cy="369332"/>
           </a:xfrm>
           <a:prstGeom prst="rect">
             <a:avLst/>
@@ -6302,7 +6302,7 @@
           <a:p>
             <a:r>
               <a:rPr lang="en-US" altLang="zh-CN" dirty="0"/>
-              <a:t>10.0.0.2</a:t>
+              <a:t>10.0.18.128</a:t>
             </a:r>
             <a:endParaRPr lang="zh-CN" altLang="en-US" dirty="0"/>
           </a:p>
@@ -10068,7 +10068,11 @@
               <a:pPr algn="ctr"/>
               <a:r>
                 <a:rPr lang="en-US" altLang="zh-CN" dirty="0"/>
-                <a:t>RYU Controller</a:t>
+                <a:t>RYU </a:t>
+              </a:r>
+              <a:r>
+                <a:rPr lang="en-US" altLang="zh-CN" dirty="0" err="1"/>
+                <a:t>CmdAgent</a:t>
               </a:r>
               <a:endParaRPr lang="zh-CN" altLang="en-US" dirty="0"/>
             </a:p>

--- a/doc/SoftwareDesign/Architecture-SDNSwitch.pptx
+++ b/doc/SoftwareDesign/Architecture-SDNSwitch.pptx
@@ -5,7 +5,7 @@
     <p:sldMasterId id="2147483648" r:id="rId1"/>
   </p:sldMasterIdLst>
   <p:notesMasterIdLst>
-    <p:notesMasterId r:id="rId14"/>
+    <p:notesMasterId r:id="rId15"/>
   </p:notesMasterIdLst>
   <p:sldIdLst>
     <p:sldId id="280" r:id="rId2"/>
@@ -18,8 +18,9 @@
     <p:sldId id="263" r:id="rId9"/>
     <p:sldId id="299" r:id="rId10"/>
     <p:sldId id="302" r:id="rId11"/>
-    <p:sldId id="305" r:id="rId12"/>
-    <p:sldId id="303" r:id="rId13"/>
+    <p:sldId id="306" r:id="rId12"/>
+    <p:sldId id="305" r:id="rId13"/>
+    <p:sldId id="303" r:id="rId14"/>
   </p:sldIdLst>
   <p:sldSz cx="12192000" cy="6858000"/>
   <p:notesSz cx="6858000" cy="9144000"/>
@@ -208,7 +209,7 @@
           <a:p>
             <a:fld id="{28F549E5-EDF6-49DA-A258-26AEF78D5914}" type="datetimeFigureOut">
               <a:rPr lang="zh-CN" altLang="en-US" smtClean="0"/>
-              <a:t>2020/8/17</a:t>
+              <a:t>2020/8/30</a:t>
             </a:fld>
             <a:endParaRPr lang="zh-CN" altLang="en-US"/>
           </a:p>
@@ -855,7 +856,7 @@
           <a:bodyPr/>
           <a:lstStyle/>
           <a:p>
-            <a:endParaRPr lang="zh-CN" altLang="en-US" dirty="0"/>
+            <a:endParaRPr lang="en-US" altLang="zh-CN" dirty="0"/>
           </a:p>
         </p:txBody>
       </p:sp>
@@ -877,6 +878,90 @@
             <a:fld id="{2C092C30-C02F-48DE-947D-311697961749}" type="slidenum">
               <a:rPr lang="zh-CN" altLang="en-US" smtClean="0"/>
               <a:t>11</a:t>
+            </a:fld>
+            <a:endParaRPr lang="zh-CN" altLang="en-US"/>
+          </a:p>
+        </p:txBody>
+      </p:sp>
+    </p:spTree>
+    <p:extLst>
+      <p:ext uri="{BB962C8B-B14F-4D97-AF65-F5344CB8AC3E}">
+        <p14:creationId xmlns:p14="http://schemas.microsoft.com/office/powerpoint/2010/main" val="2968628055"/>
+      </p:ext>
+    </p:extLst>
+  </p:cSld>
+  <p:clrMapOvr>
+    <a:masterClrMapping/>
+  </p:clrMapOvr>
+</p:notes>
+</file>
+
+<file path=ppt/notesSlides/notesSlide6.xml><?xml version="1.0" encoding="utf-8"?>
+<p:notes xmlns:a="http://schemas.openxmlformats.org/drawingml/2006/main" xmlns:r="http://schemas.openxmlformats.org/officeDocument/2006/relationships" xmlns:p="http://schemas.openxmlformats.org/presentationml/2006/main">
+  <p:cSld>
+    <p:spTree>
+      <p:nvGrpSpPr>
+        <p:cNvPr id="1" name=""/>
+        <p:cNvGrpSpPr/>
+        <p:nvPr/>
+      </p:nvGrpSpPr>
+      <p:grpSpPr>
+        <a:xfrm>
+          <a:off x="0" y="0"/>
+          <a:ext cx="0" cy="0"/>
+          <a:chOff x="0" y="0"/>
+          <a:chExt cx="0" cy="0"/>
+        </a:xfrm>
+      </p:grpSpPr>
+      <p:sp>
+        <p:nvSpPr>
+          <p:cNvPr id="2" name="幻灯片图像占位符 1"/>
+          <p:cNvSpPr>
+            <a:spLocks noGrp="1" noRot="1" noChangeAspect="1"/>
+          </p:cNvSpPr>
+          <p:nvPr>
+            <p:ph type="sldImg"/>
+          </p:nvPr>
+        </p:nvSpPr>
+        <p:spPr/>
+      </p:sp>
+      <p:sp>
+        <p:nvSpPr>
+          <p:cNvPr id="3" name="备注占位符 2"/>
+          <p:cNvSpPr>
+            <a:spLocks noGrp="1"/>
+          </p:cNvSpPr>
+          <p:nvPr>
+            <p:ph type="body" idx="1"/>
+          </p:nvPr>
+        </p:nvSpPr>
+        <p:spPr/>
+        <p:txBody>
+          <a:bodyPr/>
+          <a:lstStyle/>
+          <a:p>
+            <a:endParaRPr lang="zh-CN" altLang="en-US" dirty="0"/>
+          </a:p>
+        </p:txBody>
+      </p:sp>
+      <p:sp>
+        <p:nvSpPr>
+          <p:cNvPr id="4" name="灯片编号占位符 3"/>
+          <p:cNvSpPr>
+            <a:spLocks noGrp="1"/>
+          </p:cNvSpPr>
+          <p:nvPr>
+            <p:ph type="sldNum" sz="quarter" idx="5"/>
+          </p:nvPr>
+        </p:nvSpPr>
+        <p:spPr/>
+        <p:txBody>
+          <a:bodyPr/>
+          <a:lstStyle/>
+          <a:p>
+            <a:fld id="{2C092C30-C02F-48DE-947D-311697961749}" type="slidenum">
+              <a:rPr lang="zh-CN" altLang="en-US" smtClean="0"/>
+              <a:t>12</a:t>
             </a:fld>
             <a:endParaRPr lang="zh-CN" altLang="en-US"/>
           </a:p>
@@ -1042,7 +1127,7 @@
           <a:p>
             <a:fld id="{8C8FE85A-A409-47B8-9A34-876552EE5CE2}" type="datetimeFigureOut">
               <a:rPr lang="zh-CN" altLang="en-US" smtClean="0"/>
-              <a:t>2020/8/17</a:t>
+              <a:t>2020/8/30</a:t>
             </a:fld>
             <a:endParaRPr lang="zh-CN" altLang="en-US"/>
           </a:p>
@@ -1240,7 +1325,7 @@
           <a:p>
             <a:fld id="{8C8FE85A-A409-47B8-9A34-876552EE5CE2}" type="datetimeFigureOut">
               <a:rPr lang="zh-CN" altLang="en-US" smtClean="0"/>
-              <a:t>2020/8/17</a:t>
+              <a:t>2020/8/30</a:t>
             </a:fld>
             <a:endParaRPr lang="zh-CN" altLang="en-US"/>
           </a:p>
@@ -1448,7 +1533,7 @@
           <a:p>
             <a:fld id="{8C8FE85A-A409-47B8-9A34-876552EE5CE2}" type="datetimeFigureOut">
               <a:rPr lang="zh-CN" altLang="en-US" smtClean="0"/>
-              <a:t>2020/8/17</a:t>
+              <a:t>2020/8/30</a:t>
             </a:fld>
             <a:endParaRPr lang="zh-CN" altLang="en-US"/>
           </a:p>
@@ -1646,7 +1731,7 @@
           <a:p>
             <a:fld id="{8C8FE85A-A409-47B8-9A34-876552EE5CE2}" type="datetimeFigureOut">
               <a:rPr lang="zh-CN" altLang="en-US" smtClean="0"/>
-              <a:t>2020/8/17</a:t>
+              <a:t>2020/8/30</a:t>
             </a:fld>
             <a:endParaRPr lang="zh-CN" altLang="en-US"/>
           </a:p>
@@ -1921,7 +2006,7 @@
           <a:p>
             <a:fld id="{8C8FE85A-A409-47B8-9A34-876552EE5CE2}" type="datetimeFigureOut">
               <a:rPr lang="zh-CN" altLang="en-US" smtClean="0"/>
-              <a:t>2020/8/17</a:t>
+              <a:t>2020/8/30</a:t>
             </a:fld>
             <a:endParaRPr lang="zh-CN" altLang="en-US"/>
           </a:p>
@@ -2186,7 +2271,7 @@
           <a:p>
             <a:fld id="{8C8FE85A-A409-47B8-9A34-876552EE5CE2}" type="datetimeFigureOut">
               <a:rPr lang="zh-CN" altLang="en-US" smtClean="0"/>
-              <a:t>2020/8/17</a:t>
+              <a:t>2020/8/30</a:t>
             </a:fld>
             <a:endParaRPr lang="zh-CN" altLang="en-US"/>
           </a:p>
@@ -2598,7 +2683,7 @@
           <a:p>
             <a:fld id="{8C8FE85A-A409-47B8-9A34-876552EE5CE2}" type="datetimeFigureOut">
               <a:rPr lang="zh-CN" altLang="en-US" smtClean="0"/>
-              <a:t>2020/8/17</a:t>
+              <a:t>2020/8/30</a:t>
             </a:fld>
             <a:endParaRPr lang="zh-CN" altLang="en-US"/>
           </a:p>
@@ -2739,7 +2824,7 @@
           <a:p>
             <a:fld id="{8C8FE85A-A409-47B8-9A34-876552EE5CE2}" type="datetimeFigureOut">
               <a:rPr lang="zh-CN" altLang="en-US" smtClean="0"/>
-              <a:t>2020/8/17</a:t>
+              <a:t>2020/8/30</a:t>
             </a:fld>
             <a:endParaRPr lang="zh-CN" altLang="en-US"/>
           </a:p>
@@ -2852,7 +2937,7 @@
           <a:p>
             <a:fld id="{8C8FE85A-A409-47B8-9A34-876552EE5CE2}" type="datetimeFigureOut">
               <a:rPr lang="zh-CN" altLang="en-US" smtClean="0"/>
-              <a:t>2020/8/17</a:t>
+              <a:t>2020/8/30</a:t>
             </a:fld>
             <a:endParaRPr lang="zh-CN" altLang="en-US"/>
           </a:p>
@@ -3163,7 +3248,7 @@
           <a:p>
             <a:fld id="{8C8FE85A-A409-47B8-9A34-876552EE5CE2}" type="datetimeFigureOut">
               <a:rPr lang="zh-CN" altLang="en-US" smtClean="0"/>
-              <a:t>2020/8/17</a:t>
+              <a:t>2020/8/30</a:t>
             </a:fld>
             <a:endParaRPr lang="zh-CN" altLang="en-US"/>
           </a:p>
@@ -3451,7 +3536,7 @@
           <a:p>
             <a:fld id="{8C8FE85A-A409-47B8-9A34-876552EE5CE2}" type="datetimeFigureOut">
               <a:rPr lang="zh-CN" altLang="en-US" smtClean="0"/>
-              <a:t>2020/8/17</a:t>
+              <a:t>2020/8/30</a:t>
             </a:fld>
             <a:endParaRPr lang="zh-CN" altLang="en-US"/>
           </a:p>
@@ -3692,7 +3777,7 @@
           <a:p>
             <a:fld id="{8C8FE85A-A409-47B8-9A34-876552EE5CE2}" type="datetimeFigureOut">
               <a:rPr lang="zh-CN" altLang="en-US" smtClean="0"/>
-              <a:t>2020/8/17</a:t>
+              <a:t>2020/8/30</a:t>
             </a:fld>
             <a:endParaRPr lang="zh-CN" altLang="en-US"/>
           </a:p>
@@ -7022,6 +7107,3368 @@
       </p:grpSpPr>
       <p:sp>
         <p:nvSpPr>
+          <p:cNvPr id="47" name="矩形: 圆角 46">
+            <a:extLst>
+              <a:ext uri="{FF2B5EF4-FFF2-40B4-BE49-F238E27FC236}">
+                <a16:creationId xmlns:a16="http://schemas.microsoft.com/office/drawing/2014/main" id="{697E4017-D0A2-4442-8853-2A3C289999BA}"/>
+              </a:ext>
+            </a:extLst>
+          </p:cNvPr>
+          <p:cNvSpPr/>
+          <p:nvPr/>
+        </p:nvSpPr>
+        <p:spPr>
+          <a:xfrm>
+            <a:off x="5477668" y="5944777"/>
+            <a:ext cx="2127252" cy="788964"/>
+          </a:xfrm>
+          <a:prstGeom prst="roundRect">
+            <a:avLst/>
+          </a:prstGeom>
+        </p:spPr>
+        <p:style>
+          <a:lnRef idx="1">
+            <a:schemeClr val="accent3"/>
+          </a:lnRef>
+          <a:fillRef idx="2">
+            <a:schemeClr val="accent3"/>
+          </a:fillRef>
+          <a:effectRef idx="1">
+            <a:schemeClr val="accent3"/>
+          </a:effectRef>
+          <a:fontRef idx="minor">
+            <a:schemeClr val="dk1"/>
+          </a:fontRef>
+        </p:style>
+        <p:txBody>
+          <a:bodyPr rtlCol="0" anchor="ctr"/>
+          <a:lstStyle/>
+          <a:p>
+            <a:pPr algn="ctr"/>
+            <a:endParaRPr lang="zh-CN" altLang="en-US" dirty="0"/>
+          </a:p>
+        </p:txBody>
+      </p:sp>
+      <p:sp>
+        <p:nvSpPr>
+          <p:cNvPr id="48" name="矩形: 圆角 47">
+            <a:extLst>
+              <a:ext uri="{FF2B5EF4-FFF2-40B4-BE49-F238E27FC236}">
+                <a16:creationId xmlns:a16="http://schemas.microsoft.com/office/drawing/2014/main" id="{E325E0DA-EBFF-438A-8539-D3223779BB78}"/>
+              </a:ext>
+            </a:extLst>
+          </p:cNvPr>
+          <p:cNvSpPr/>
+          <p:nvPr/>
+        </p:nvSpPr>
+        <p:spPr>
+          <a:xfrm>
+            <a:off x="9463074" y="3341206"/>
+            <a:ext cx="1890725" cy="1062627"/>
+          </a:xfrm>
+          <a:prstGeom prst="roundRect">
+            <a:avLst/>
+          </a:prstGeom>
+        </p:spPr>
+        <p:style>
+          <a:lnRef idx="1">
+            <a:schemeClr val="accent3"/>
+          </a:lnRef>
+          <a:fillRef idx="2">
+            <a:schemeClr val="accent3"/>
+          </a:fillRef>
+          <a:effectRef idx="1">
+            <a:schemeClr val="accent3"/>
+          </a:effectRef>
+          <a:fontRef idx="minor">
+            <a:schemeClr val="dk1"/>
+          </a:fontRef>
+        </p:style>
+        <p:txBody>
+          <a:bodyPr rtlCol="0" anchor="ctr"/>
+          <a:lstStyle/>
+          <a:p>
+            <a:pPr algn="ctr"/>
+            <a:endParaRPr lang="zh-CN" altLang="en-US" dirty="0"/>
+          </a:p>
+        </p:txBody>
+      </p:sp>
+      <p:sp>
+        <p:nvSpPr>
+          <p:cNvPr id="49" name="矩形: 圆角 48">
+            <a:extLst>
+              <a:ext uri="{FF2B5EF4-FFF2-40B4-BE49-F238E27FC236}">
+                <a16:creationId xmlns:a16="http://schemas.microsoft.com/office/drawing/2014/main" id="{3A19A6EA-B330-41AD-9F66-7DA5AB365E5E}"/>
+              </a:ext>
+            </a:extLst>
+          </p:cNvPr>
+          <p:cNvSpPr/>
+          <p:nvPr/>
+        </p:nvSpPr>
+        <p:spPr>
+          <a:xfrm>
+            <a:off x="1720149" y="3360360"/>
+            <a:ext cx="1890725" cy="1062627"/>
+          </a:xfrm>
+          <a:prstGeom prst="roundRect">
+            <a:avLst/>
+          </a:prstGeom>
+        </p:spPr>
+        <p:style>
+          <a:lnRef idx="1">
+            <a:schemeClr val="accent3"/>
+          </a:lnRef>
+          <a:fillRef idx="2">
+            <a:schemeClr val="accent3"/>
+          </a:fillRef>
+          <a:effectRef idx="1">
+            <a:schemeClr val="accent3"/>
+          </a:effectRef>
+          <a:fontRef idx="minor">
+            <a:schemeClr val="dk1"/>
+          </a:fontRef>
+        </p:style>
+        <p:txBody>
+          <a:bodyPr rtlCol="0" anchor="ctr"/>
+          <a:lstStyle/>
+          <a:p>
+            <a:pPr algn="ctr"/>
+            <a:endParaRPr lang="zh-CN" altLang="en-US" dirty="0"/>
+          </a:p>
+        </p:txBody>
+      </p:sp>
+      <p:sp>
+        <p:nvSpPr>
+          <p:cNvPr id="44" name="矩形: 圆角 43">
+            <a:extLst>
+              <a:ext uri="{FF2B5EF4-FFF2-40B4-BE49-F238E27FC236}">
+                <a16:creationId xmlns:a16="http://schemas.microsoft.com/office/drawing/2014/main" id="{8E29D6DA-7AF3-400C-BBEC-DCD27B3EDC0D}"/>
+              </a:ext>
+            </a:extLst>
+          </p:cNvPr>
+          <p:cNvSpPr/>
+          <p:nvPr/>
+        </p:nvSpPr>
+        <p:spPr>
+          <a:xfrm>
+            <a:off x="4700388" y="3328835"/>
+            <a:ext cx="3069227" cy="2202938"/>
+          </a:xfrm>
+          <a:prstGeom prst="roundRect">
+            <a:avLst/>
+          </a:prstGeom>
+        </p:spPr>
+        <p:style>
+          <a:lnRef idx="1">
+            <a:schemeClr val="accent3"/>
+          </a:lnRef>
+          <a:fillRef idx="2">
+            <a:schemeClr val="accent3"/>
+          </a:fillRef>
+          <a:effectRef idx="1">
+            <a:schemeClr val="accent3"/>
+          </a:effectRef>
+          <a:fontRef idx="minor">
+            <a:schemeClr val="dk1"/>
+          </a:fontRef>
+        </p:style>
+        <p:txBody>
+          <a:bodyPr rtlCol="0" anchor="ctr"/>
+          <a:lstStyle/>
+          <a:p>
+            <a:pPr algn="ctr"/>
+            <a:endParaRPr lang="zh-CN" altLang="en-US" dirty="0"/>
+          </a:p>
+        </p:txBody>
+      </p:sp>
+      <p:sp>
+        <p:nvSpPr>
+          <p:cNvPr id="2" name="标题 1">
+            <a:extLst>
+              <a:ext uri="{FF2B5EF4-FFF2-40B4-BE49-F238E27FC236}">
+                <a16:creationId xmlns:a16="http://schemas.microsoft.com/office/drawing/2014/main" id="{16FFD267-FAB5-4CC9-86C7-800FDF0B86AD}"/>
+              </a:ext>
+            </a:extLst>
+          </p:cNvPr>
+          <p:cNvSpPr>
+            <a:spLocks noGrp="1"/>
+          </p:cNvSpPr>
+          <p:nvPr>
+            <p:ph type="title"/>
+          </p:nvPr>
+        </p:nvSpPr>
+        <p:spPr/>
+        <p:txBody>
+          <a:bodyPr/>
+          <a:lstStyle/>
+          <a:p>
+            <a:r>
+              <a:rPr lang="en-US" altLang="zh-CN" dirty="0"/>
+              <a:t>Datapath work flow – test2</a:t>
+            </a:r>
+            <a:endParaRPr lang="zh-CN" altLang="en-US" dirty="0"/>
+          </a:p>
+        </p:txBody>
+      </p:sp>
+      <p:sp>
+        <p:nvSpPr>
+          <p:cNvPr id="5" name="椭圆 4">
+            <a:extLst>
+              <a:ext uri="{FF2B5EF4-FFF2-40B4-BE49-F238E27FC236}">
+                <a16:creationId xmlns:a16="http://schemas.microsoft.com/office/drawing/2014/main" id="{F46BA4A4-FDAA-4D4B-AA43-AC346A00C2A7}"/>
+              </a:ext>
+            </a:extLst>
+          </p:cNvPr>
+          <p:cNvSpPr/>
+          <p:nvPr/>
+        </p:nvSpPr>
+        <p:spPr>
+          <a:xfrm>
+            <a:off x="4780906" y="3504081"/>
+            <a:ext cx="834312" cy="818585"/>
+          </a:xfrm>
+          <a:prstGeom prst="ellipse">
+            <a:avLst/>
+          </a:prstGeom>
+          <a:ln w="38100"/>
+        </p:spPr>
+        <p:style>
+          <a:lnRef idx="2">
+            <a:schemeClr val="dk1"/>
+          </a:lnRef>
+          <a:fillRef idx="1">
+            <a:schemeClr val="lt1"/>
+          </a:fillRef>
+          <a:effectRef idx="0">
+            <a:schemeClr val="dk1"/>
+          </a:effectRef>
+          <a:fontRef idx="minor">
+            <a:schemeClr val="dk1"/>
+          </a:fontRef>
+        </p:style>
+        <p:txBody>
+          <a:bodyPr rtlCol="0" anchor="ctr"/>
+          <a:lstStyle/>
+          <a:p>
+            <a:pPr algn="ctr"/>
+            <a:r>
+              <a:rPr lang="en-US" altLang="zh-CN" dirty="0" err="1"/>
+              <a:t>OvS</a:t>
+            </a:r>
+            <a:endParaRPr lang="zh-CN" altLang="en-US" dirty="0"/>
+          </a:p>
+        </p:txBody>
+      </p:sp>
+      <p:sp>
+        <p:nvSpPr>
+          <p:cNvPr id="6" name="椭圆 5">
+            <a:extLst>
+              <a:ext uri="{FF2B5EF4-FFF2-40B4-BE49-F238E27FC236}">
+                <a16:creationId xmlns:a16="http://schemas.microsoft.com/office/drawing/2014/main" id="{C3DD1DD2-71C2-45E8-9281-7AB96B44D282}"/>
+              </a:ext>
+            </a:extLst>
+          </p:cNvPr>
+          <p:cNvSpPr/>
+          <p:nvPr/>
+        </p:nvSpPr>
+        <p:spPr>
+          <a:xfrm>
+            <a:off x="5857132" y="4616785"/>
+            <a:ext cx="834312" cy="818585"/>
+          </a:xfrm>
+          <a:prstGeom prst="ellipse">
+            <a:avLst/>
+          </a:prstGeom>
+          <a:ln w="38100"/>
+        </p:spPr>
+        <p:style>
+          <a:lnRef idx="2">
+            <a:schemeClr val="dk1"/>
+          </a:lnRef>
+          <a:fillRef idx="1">
+            <a:schemeClr val="lt1"/>
+          </a:fillRef>
+          <a:effectRef idx="0">
+            <a:schemeClr val="dk1"/>
+          </a:effectRef>
+          <a:fontRef idx="minor">
+            <a:schemeClr val="dk1"/>
+          </a:fontRef>
+        </p:style>
+        <p:txBody>
+          <a:bodyPr rtlCol="0" anchor="ctr"/>
+          <a:lstStyle/>
+          <a:p>
+            <a:pPr algn="ctr"/>
+            <a:r>
+              <a:rPr lang="en-US" altLang="zh-CN" dirty="0" err="1"/>
+              <a:t>OvS</a:t>
+            </a:r>
+            <a:endParaRPr lang="zh-CN" altLang="en-US" dirty="0"/>
+          </a:p>
+        </p:txBody>
+      </p:sp>
+      <p:sp>
+        <p:nvSpPr>
+          <p:cNvPr id="7" name="椭圆 6">
+            <a:extLst>
+              <a:ext uri="{FF2B5EF4-FFF2-40B4-BE49-F238E27FC236}">
+                <a16:creationId xmlns:a16="http://schemas.microsoft.com/office/drawing/2014/main" id="{4E0E486C-6003-48F1-8811-A8238ECA0A6C}"/>
+              </a:ext>
+            </a:extLst>
+          </p:cNvPr>
+          <p:cNvSpPr/>
+          <p:nvPr/>
+        </p:nvSpPr>
+        <p:spPr>
+          <a:xfrm>
+            <a:off x="6770607" y="3504081"/>
+            <a:ext cx="834312" cy="818585"/>
+          </a:xfrm>
+          <a:prstGeom prst="ellipse">
+            <a:avLst/>
+          </a:prstGeom>
+          <a:ln w="38100"/>
+        </p:spPr>
+        <p:style>
+          <a:lnRef idx="2">
+            <a:schemeClr val="dk1"/>
+          </a:lnRef>
+          <a:fillRef idx="1">
+            <a:schemeClr val="lt1"/>
+          </a:fillRef>
+          <a:effectRef idx="0">
+            <a:schemeClr val="dk1"/>
+          </a:effectRef>
+          <a:fontRef idx="minor">
+            <a:schemeClr val="dk1"/>
+          </a:fontRef>
+        </p:style>
+        <p:txBody>
+          <a:bodyPr rtlCol="0" anchor="ctr"/>
+          <a:lstStyle/>
+          <a:p>
+            <a:pPr algn="ctr"/>
+            <a:r>
+              <a:rPr lang="en-US" altLang="zh-CN" dirty="0" err="1"/>
+              <a:t>OvS</a:t>
+            </a:r>
+            <a:endParaRPr lang="zh-CN" altLang="en-US" dirty="0"/>
+          </a:p>
+        </p:txBody>
+      </p:sp>
+      <p:cxnSp>
+        <p:nvCxnSpPr>
+          <p:cNvPr id="15" name="直接连接符 14">
+            <a:extLst>
+              <a:ext uri="{FF2B5EF4-FFF2-40B4-BE49-F238E27FC236}">
+                <a16:creationId xmlns:a16="http://schemas.microsoft.com/office/drawing/2014/main" id="{6FAFA491-2F21-4EED-A7FC-CD8B9DF8BE27}"/>
+              </a:ext>
+            </a:extLst>
+          </p:cNvPr>
+          <p:cNvCxnSpPr>
+            <a:cxnSpLocks/>
+            <a:stCxn id="6" idx="7"/>
+            <a:endCxn id="7" idx="3"/>
+          </p:cNvCxnSpPr>
+          <p:nvPr/>
+        </p:nvCxnSpPr>
+        <p:spPr>
+          <a:xfrm flipV="1">
+            <a:off x="6569262" y="4202787"/>
+            <a:ext cx="323527" cy="533877"/>
+          </a:xfrm>
+          <a:prstGeom prst="line">
+            <a:avLst/>
+          </a:prstGeom>
+          <a:ln w="38100"/>
+        </p:spPr>
+        <p:style>
+          <a:lnRef idx="2">
+            <a:schemeClr val="dk1"/>
+          </a:lnRef>
+          <a:fillRef idx="1">
+            <a:schemeClr val="lt1"/>
+          </a:fillRef>
+          <a:effectRef idx="0">
+            <a:schemeClr val="dk1"/>
+          </a:effectRef>
+          <a:fontRef idx="minor">
+            <a:schemeClr val="dk1"/>
+          </a:fontRef>
+        </p:style>
+      </p:cxnSp>
+      <p:cxnSp>
+        <p:nvCxnSpPr>
+          <p:cNvPr id="18" name="直接连接符 17">
+            <a:extLst>
+              <a:ext uri="{FF2B5EF4-FFF2-40B4-BE49-F238E27FC236}">
+                <a16:creationId xmlns:a16="http://schemas.microsoft.com/office/drawing/2014/main" id="{20CCD7C3-89C0-498C-A526-9CB62D80AE34}"/>
+              </a:ext>
+            </a:extLst>
+          </p:cNvPr>
+          <p:cNvCxnSpPr>
+            <a:cxnSpLocks/>
+            <a:stCxn id="6" idx="1"/>
+            <a:endCxn id="5" idx="5"/>
+          </p:cNvCxnSpPr>
+          <p:nvPr/>
+        </p:nvCxnSpPr>
+        <p:spPr>
+          <a:xfrm flipH="1" flipV="1">
+            <a:off x="5493036" y="4202787"/>
+            <a:ext cx="486278" cy="533877"/>
+          </a:xfrm>
+          <a:prstGeom prst="line">
+            <a:avLst/>
+          </a:prstGeom>
+          <a:ln w="38100"/>
+        </p:spPr>
+        <p:style>
+          <a:lnRef idx="2">
+            <a:schemeClr val="dk1"/>
+          </a:lnRef>
+          <a:fillRef idx="1">
+            <a:schemeClr val="lt1"/>
+          </a:fillRef>
+          <a:effectRef idx="0">
+            <a:schemeClr val="dk1"/>
+          </a:effectRef>
+          <a:fontRef idx="minor">
+            <a:schemeClr val="dk1"/>
+          </a:fontRef>
+        </p:style>
+      </p:cxnSp>
+      <p:sp>
+        <p:nvSpPr>
+          <p:cNvPr id="25" name="矩形 24">
+            <a:extLst>
+              <a:ext uri="{FF2B5EF4-FFF2-40B4-BE49-F238E27FC236}">
+                <a16:creationId xmlns:a16="http://schemas.microsoft.com/office/drawing/2014/main" id="{ED1327BF-09D2-4ED6-888D-F5F990F3C248}"/>
+              </a:ext>
+            </a:extLst>
+          </p:cNvPr>
+          <p:cNvSpPr/>
+          <p:nvPr/>
+        </p:nvSpPr>
+        <p:spPr>
+          <a:xfrm>
+            <a:off x="2834821" y="3682032"/>
+            <a:ext cx="764438" cy="455507"/>
+          </a:xfrm>
+          <a:prstGeom prst="rect">
+            <a:avLst/>
+          </a:prstGeom>
+          <a:ln w="38100"/>
+        </p:spPr>
+        <p:style>
+          <a:lnRef idx="2">
+            <a:schemeClr val="dk1"/>
+          </a:lnRef>
+          <a:fillRef idx="1">
+            <a:schemeClr val="lt1"/>
+          </a:fillRef>
+          <a:effectRef idx="0">
+            <a:schemeClr val="dk1"/>
+          </a:effectRef>
+          <a:fontRef idx="minor">
+            <a:schemeClr val="dk1"/>
+          </a:fontRef>
+        </p:style>
+        <p:txBody>
+          <a:bodyPr rtlCol="0" anchor="ctr"/>
+          <a:lstStyle/>
+          <a:p>
+            <a:pPr algn="ctr"/>
+            <a:r>
+              <a:rPr lang="en-US" altLang="zh-CN" dirty="0">
+                <a:solidFill>
+                  <a:schemeClr val="dk1"/>
+                </a:solidFill>
+              </a:rPr>
+              <a:t>BESS</a:t>
+            </a:r>
+            <a:endParaRPr lang="zh-CN" altLang="en-US" dirty="0">
+              <a:solidFill>
+                <a:schemeClr val="dk1"/>
+              </a:solidFill>
+            </a:endParaRPr>
+          </a:p>
+        </p:txBody>
+      </p:sp>
+      <p:sp>
+        <p:nvSpPr>
+          <p:cNvPr id="26" name="矩形 25">
+            <a:extLst>
+              <a:ext uri="{FF2B5EF4-FFF2-40B4-BE49-F238E27FC236}">
+                <a16:creationId xmlns:a16="http://schemas.microsoft.com/office/drawing/2014/main" id="{45B92116-640E-46FB-921D-F3C663FA6E00}"/>
+              </a:ext>
+            </a:extLst>
+          </p:cNvPr>
+          <p:cNvSpPr/>
+          <p:nvPr/>
+        </p:nvSpPr>
+        <p:spPr>
+          <a:xfrm>
+            <a:off x="9574125" y="3685344"/>
+            <a:ext cx="764438" cy="455507"/>
+          </a:xfrm>
+          <a:prstGeom prst="rect">
+            <a:avLst/>
+          </a:prstGeom>
+          <a:ln w="38100"/>
+        </p:spPr>
+        <p:style>
+          <a:lnRef idx="2">
+            <a:schemeClr val="dk1"/>
+          </a:lnRef>
+          <a:fillRef idx="1">
+            <a:schemeClr val="lt1"/>
+          </a:fillRef>
+          <a:effectRef idx="0">
+            <a:schemeClr val="dk1"/>
+          </a:effectRef>
+          <a:fontRef idx="minor">
+            <a:schemeClr val="dk1"/>
+          </a:fontRef>
+        </p:style>
+        <p:txBody>
+          <a:bodyPr rtlCol="0" anchor="ctr"/>
+          <a:lstStyle/>
+          <a:p>
+            <a:pPr algn="ctr"/>
+            <a:r>
+              <a:rPr lang="en-US" altLang="zh-CN" dirty="0">
+                <a:solidFill>
+                  <a:schemeClr val="dk1"/>
+                </a:solidFill>
+              </a:rPr>
+              <a:t>BESS</a:t>
+            </a:r>
+            <a:endParaRPr lang="zh-CN" altLang="en-US" dirty="0">
+              <a:solidFill>
+                <a:schemeClr val="dk1"/>
+              </a:solidFill>
+            </a:endParaRPr>
+          </a:p>
+        </p:txBody>
+      </p:sp>
+      <p:sp>
+        <p:nvSpPr>
+          <p:cNvPr id="27" name="矩形 26">
+            <a:extLst>
+              <a:ext uri="{FF2B5EF4-FFF2-40B4-BE49-F238E27FC236}">
+                <a16:creationId xmlns:a16="http://schemas.microsoft.com/office/drawing/2014/main" id="{E3142639-7F2F-4C44-814C-54D2781F5574}"/>
+              </a:ext>
+            </a:extLst>
+          </p:cNvPr>
+          <p:cNvSpPr/>
+          <p:nvPr/>
+        </p:nvSpPr>
+        <p:spPr>
+          <a:xfrm>
+            <a:off x="8688467" y="4806931"/>
+            <a:ext cx="993980" cy="453916"/>
+          </a:xfrm>
+          <a:prstGeom prst="rect">
+            <a:avLst/>
+          </a:prstGeom>
+          <a:ln w="38100"/>
+        </p:spPr>
+        <p:style>
+          <a:lnRef idx="2">
+            <a:schemeClr val="dk1"/>
+          </a:lnRef>
+          <a:fillRef idx="1">
+            <a:schemeClr val="lt1"/>
+          </a:fillRef>
+          <a:effectRef idx="0">
+            <a:schemeClr val="dk1"/>
+          </a:effectRef>
+          <a:fontRef idx="minor">
+            <a:schemeClr val="dk1"/>
+          </a:fontRef>
+        </p:style>
+        <p:txBody>
+          <a:bodyPr rtlCol="0" anchor="ctr"/>
+          <a:lstStyle/>
+          <a:p>
+            <a:pPr algn="ctr"/>
+            <a:r>
+              <a:rPr lang="en-US" altLang="zh-CN" dirty="0">
+                <a:solidFill>
+                  <a:schemeClr val="dk1"/>
+                </a:solidFill>
+              </a:rPr>
+              <a:t>Ingress</a:t>
+            </a:r>
+          </a:p>
+          <a:p>
+            <a:pPr algn="ctr"/>
+            <a:r>
+              <a:rPr lang="en-US" altLang="zh-CN" dirty="0"/>
+              <a:t>h1</a:t>
+            </a:r>
+            <a:endParaRPr lang="zh-CN" altLang="en-US" dirty="0">
+              <a:solidFill>
+                <a:schemeClr val="dk1"/>
+              </a:solidFill>
+            </a:endParaRPr>
+          </a:p>
+        </p:txBody>
+      </p:sp>
+      <p:cxnSp>
+        <p:nvCxnSpPr>
+          <p:cNvPr id="32" name="直接连接符 31">
+            <a:extLst>
+              <a:ext uri="{FF2B5EF4-FFF2-40B4-BE49-F238E27FC236}">
+                <a16:creationId xmlns:a16="http://schemas.microsoft.com/office/drawing/2014/main" id="{B883CDDD-AB62-42D0-B084-83FC63C4AD97}"/>
+              </a:ext>
+            </a:extLst>
+          </p:cNvPr>
+          <p:cNvCxnSpPr>
+            <a:cxnSpLocks/>
+            <a:stCxn id="6" idx="6"/>
+            <a:endCxn id="27" idx="1"/>
+          </p:cNvCxnSpPr>
+          <p:nvPr/>
+        </p:nvCxnSpPr>
+        <p:spPr>
+          <a:xfrm>
+            <a:off x="6691444" y="5026078"/>
+            <a:ext cx="1997023" cy="7811"/>
+          </a:xfrm>
+          <a:prstGeom prst="line">
+            <a:avLst/>
+          </a:prstGeom>
+          <a:ln w="38100"/>
+        </p:spPr>
+        <p:style>
+          <a:lnRef idx="2">
+            <a:schemeClr val="dk1"/>
+          </a:lnRef>
+          <a:fillRef idx="1">
+            <a:schemeClr val="lt1"/>
+          </a:fillRef>
+          <a:effectRef idx="0">
+            <a:schemeClr val="dk1"/>
+          </a:effectRef>
+          <a:fontRef idx="minor">
+            <a:schemeClr val="dk1"/>
+          </a:fontRef>
+        </p:style>
+      </p:cxnSp>
+      <p:cxnSp>
+        <p:nvCxnSpPr>
+          <p:cNvPr id="50" name="直接连接符 49">
+            <a:extLst>
+              <a:ext uri="{FF2B5EF4-FFF2-40B4-BE49-F238E27FC236}">
+                <a16:creationId xmlns:a16="http://schemas.microsoft.com/office/drawing/2014/main" id="{AD08DB53-6523-4D64-B1A6-8C53589AC0FE}"/>
+              </a:ext>
+            </a:extLst>
+          </p:cNvPr>
+          <p:cNvCxnSpPr>
+            <a:cxnSpLocks/>
+            <a:stCxn id="5" idx="0"/>
+            <a:endCxn id="109" idx="2"/>
+          </p:cNvCxnSpPr>
+          <p:nvPr/>
+        </p:nvCxnSpPr>
+        <p:spPr>
+          <a:xfrm flipH="1" flipV="1">
+            <a:off x="5182393" y="3345247"/>
+            <a:ext cx="15669" cy="158834"/>
+          </a:xfrm>
+          <a:prstGeom prst="line">
+            <a:avLst/>
+          </a:prstGeom>
+          <a:ln w="38100"/>
+        </p:spPr>
+        <p:style>
+          <a:lnRef idx="2">
+            <a:schemeClr val="dk1"/>
+          </a:lnRef>
+          <a:fillRef idx="1">
+            <a:schemeClr val="lt1"/>
+          </a:fillRef>
+          <a:effectRef idx="0">
+            <a:schemeClr val="dk1"/>
+          </a:effectRef>
+          <a:fontRef idx="minor">
+            <a:schemeClr val="dk1"/>
+          </a:fontRef>
+        </p:style>
+      </p:cxnSp>
+      <p:cxnSp>
+        <p:nvCxnSpPr>
+          <p:cNvPr id="53" name="直接连接符 52">
+            <a:extLst>
+              <a:ext uri="{FF2B5EF4-FFF2-40B4-BE49-F238E27FC236}">
+                <a16:creationId xmlns:a16="http://schemas.microsoft.com/office/drawing/2014/main" id="{1CCB862C-D310-4148-AAAE-8E0C9EE2A5A0}"/>
+              </a:ext>
+            </a:extLst>
+          </p:cNvPr>
+          <p:cNvCxnSpPr>
+            <a:cxnSpLocks/>
+            <a:stCxn id="7" idx="6"/>
+            <a:endCxn id="26" idx="1"/>
+          </p:cNvCxnSpPr>
+          <p:nvPr/>
+        </p:nvCxnSpPr>
+        <p:spPr>
+          <a:xfrm flipV="1">
+            <a:off x="7604919" y="3913098"/>
+            <a:ext cx="1969206" cy="276"/>
+          </a:xfrm>
+          <a:prstGeom prst="line">
+            <a:avLst/>
+          </a:prstGeom>
+          <a:ln w="38100"/>
+        </p:spPr>
+        <p:style>
+          <a:lnRef idx="2">
+            <a:schemeClr val="dk1"/>
+          </a:lnRef>
+          <a:fillRef idx="1">
+            <a:schemeClr val="lt1"/>
+          </a:fillRef>
+          <a:effectRef idx="0">
+            <a:schemeClr val="dk1"/>
+          </a:effectRef>
+          <a:fontRef idx="minor">
+            <a:schemeClr val="dk1"/>
+          </a:fontRef>
+        </p:style>
+      </p:cxnSp>
+      <p:sp>
+        <p:nvSpPr>
+          <p:cNvPr id="73" name="爆炸形: 8 pt  72">
+            <a:extLst>
+              <a:ext uri="{FF2B5EF4-FFF2-40B4-BE49-F238E27FC236}">
+                <a16:creationId xmlns:a16="http://schemas.microsoft.com/office/drawing/2014/main" id="{939F9979-DA86-44B1-9958-5D63BCAAD896}"/>
+              </a:ext>
+            </a:extLst>
+          </p:cNvPr>
+          <p:cNvSpPr/>
+          <p:nvPr/>
+        </p:nvSpPr>
+        <p:spPr>
+          <a:xfrm>
+            <a:off x="5360789" y="4145781"/>
+            <a:ext cx="659876" cy="622169"/>
+          </a:xfrm>
+          <a:prstGeom prst="irregularSeal1">
+            <a:avLst/>
+          </a:prstGeom>
+          <a:solidFill>
+            <a:srgbClr val="FFC000"/>
+          </a:solidFill>
+        </p:spPr>
+        <p:style>
+          <a:lnRef idx="2">
+            <a:schemeClr val="accent1">
+              <a:shade val="50000"/>
+            </a:schemeClr>
+          </a:lnRef>
+          <a:fillRef idx="1">
+            <a:schemeClr val="accent1"/>
+          </a:fillRef>
+          <a:effectRef idx="0">
+            <a:schemeClr val="accent1"/>
+          </a:effectRef>
+          <a:fontRef idx="minor">
+            <a:schemeClr val="lt1"/>
+          </a:fontRef>
+        </p:style>
+        <p:txBody>
+          <a:bodyPr rtlCol="0" anchor="ctr"/>
+          <a:lstStyle/>
+          <a:p>
+            <a:pPr algn="ctr"/>
+            <a:endParaRPr lang="zh-CN" altLang="en-US"/>
+          </a:p>
+        </p:txBody>
+      </p:sp>
+      <p:sp>
+        <p:nvSpPr>
+          <p:cNvPr id="74" name="矩形 73">
+            <a:extLst>
+              <a:ext uri="{FF2B5EF4-FFF2-40B4-BE49-F238E27FC236}">
+                <a16:creationId xmlns:a16="http://schemas.microsoft.com/office/drawing/2014/main" id="{55B4E74F-856E-4489-83CA-EB1FB1CBEBBD}"/>
+              </a:ext>
+            </a:extLst>
+          </p:cNvPr>
+          <p:cNvSpPr/>
+          <p:nvPr/>
+        </p:nvSpPr>
+        <p:spPr>
+          <a:xfrm>
+            <a:off x="1897227" y="3684168"/>
+            <a:ext cx="764438" cy="455507"/>
+          </a:xfrm>
+          <a:prstGeom prst="rect">
+            <a:avLst/>
+          </a:prstGeom>
+          <a:ln w="38100"/>
+        </p:spPr>
+        <p:style>
+          <a:lnRef idx="2">
+            <a:schemeClr val="dk1"/>
+          </a:lnRef>
+          <a:fillRef idx="1">
+            <a:schemeClr val="lt1"/>
+          </a:fillRef>
+          <a:effectRef idx="0">
+            <a:schemeClr val="dk1"/>
+          </a:effectRef>
+          <a:fontRef idx="minor">
+            <a:schemeClr val="dk1"/>
+          </a:fontRef>
+        </p:style>
+        <p:txBody>
+          <a:bodyPr rtlCol="0" anchor="ctr"/>
+          <a:lstStyle/>
+          <a:p>
+            <a:pPr algn="ctr"/>
+            <a:r>
+              <a:rPr lang="en-US" altLang="zh-CN" dirty="0">
+                <a:solidFill>
+                  <a:schemeClr val="dk1"/>
+                </a:solidFill>
+              </a:rPr>
+              <a:t>VNF1</a:t>
+            </a:r>
+            <a:endParaRPr lang="zh-CN" altLang="en-US" dirty="0">
+              <a:solidFill>
+                <a:schemeClr val="dk1"/>
+              </a:solidFill>
+            </a:endParaRPr>
+          </a:p>
+        </p:txBody>
+      </p:sp>
+      <p:sp>
+        <p:nvSpPr>
+          <p:cNvPr id="75" name="矩形 74">
+            <a:extLst>
+              <a:ext uri="{FF2B5EF4-FFF2-40B4-BE49-F238E27FC236}">
+                <a16:creationId xmlns:a16="http://schemas.microsoft.com/office/drawing/2014/main" id="{D72BA265-2392-4B0E-9BF0-56F7547C42BB}"/>
+              </a:ext>
+            </a:extLst>
+          </p:cNvPr>
+          <p:cNvSpPr/>
+          <p:nvPr/>
+        </p:nvSpPr>
+        <p:spPr>
+          <a:xfrm>
+            <a:off x="10512148" y="3687481"/>
+            <a:ext cx="764438" cy="455507"/>
+          </a:xfrm>
+          <a:prstGeom prst="rect">
+            <a:avLst/>
+          </a:prstGeom>
+          <a:ln w="38100"/>
+        </p:spPr>
+        <p:style>
+          <a:lnRef idx="2">
+            <a:schemeClr val="dk1"/>
+          </a:lnRef>
+          <a:fillRef idx="1">
+            <a:schemeClr val="lt1"/>
+          </a:fillRef>
+          <a:effectRef idx="0">
+            <a:schemeClr val="dk1"/>
+          </a:effectRef>
+          <a:fontRef idx="minor">
+            <a:schemeClr val="dk1"/>
+          </a:fontRef>
+        </p:style>
+        <p:txBody>
+          <a:bodyPr rtlCol="0" anchor="ctr"/>
+          <a:lstStyle/>
+          <a:p>
+            <a:pPr algn="ctr"/>
+            <a:r>
+              <a:rPr lang="en-US" altLang="zh-CN" dirty="0">
+                <a:solidFill>
+                  <a:schemeClr val="dk1"/>
+                </a:solidFill>
+              </a:rPr>
+              <a:t>VNF1</a:t>
+            </a:r>
+            <a:endParaRPr lang="zh-CN" altLang="en-US" dirty="0">
+              <a:solidFill>
+                <a:schemeClr val="dk1"/>
+              </a:solidFill>
+            </a:endParaRPr>
+          </a:p>
+        </p:txBody>
+      </p:sp>
+      <p:cxnSp>
+        <p:nvCxnSpPr>
+          <p:cNvPr id="76" name="直接连接符 75">
+            <a:extLst>
+              <a:ext uri="{FF2B5EF4-FFF2-40B4-BE49-F238E27FC236}">
+                <a16:creationId xmlns:a16="http://schemas.microsoft.com/office/drawing/2014/main" id="{7952ABC4-35FE-4291-8E09-1A6723DC69C8}"/>
+              </a:ext>
+            </a:extLst>
+          </p:cNvPr>
+          <p:cNvCxnSpPr>
+            <a:cxnSpLocks/>
+            <a:stCxn id="25" idx="1"/>
+            <a:endCxn id="74" idx="3"/>
+          </p:cNvCxnSpPr>
+          <p:nvPr/>
+        </p:nvCxnSpPr>
+        <p:spPr>
+          <a:xfrm flipH="1">
+            <a:off x="2661665" y="3909786"/>
+            <a:ext cx="173156" cy="2136"/>
+          </a:xfrm>
+          <a:prstGeom prst="line">
+            <a:avLst/>
+          </a:prstGeom>
+          <a:ln w="38100"/>
+        </p:spPr>
+        <p:style>
+          <a:lnRef idx="2">
+            <a:schemeClr val="dk1"/>
+          </a:lnRef>
+          <a:fillRef idx="1">
+            <a:schemeClr val="lt1"/>
+          </a:fillRef>
+          <a:effectRef idx="0">
+            <a:schemeClr val="dk1"/>
+          </a:effectRef>
+          <a:fontRef idx="minor">
+            <a:schemeClr val="dk1"/>
+          </a:fontRef>
+        </p:style>
+      </p:cxnSp>
+      <p:cxnSp>
+        <p:nvCxnSpPr>
+          <p:cNvPr id="79" name="直接连接符 78">
+            <a:extLst>
+              <a:ext uri="{FF2B5EF4-FFF2-40B4-BE49-F238E27FC236}">
+                <a16:creationId xmlns:a16="http://schemas.microsoft.com/office/drawing/2014/main" id="{88A7FF69-B49E-4529-96FE-914ACAAFCB72}"/>
+              </a:ext>
+            </a:extLst>
+          </p:cNvPr>
+          <p:cNvCxnSpPr>
+            <a:cxnSpLocks/>
+            <a:stCxn id="75" idx="1"/>
+            <a:endCxn id="26" idx="3"/>
+          </p:cNvCxnSpPr>
+          <p:nvPr/>
+        </p:nvCxnSpPr>
+        <p:spPr>
+          <a:xfrm flipH="1" flipV="1">
+            <a:off x="10338563" y="3913098"/>
+            <a:ext cx="173585" cy="2137"/>
+          </a:xfrm>
+          <a:prstGeom prst="line">
+            <a:avLst/>
+          </a:prstGeom>
+          <a:ln w="38100"/>
+        </p:spPr>
+        <p:style>
+          <a:lnRef idx="2">
+            <a:schemeClr val="dk1"/>
+          </a:lnRef>
+          <a:fillRef idx="1">
+            <a:schemeClr val="lt1"/>
+          </a:fillRef>
+          <a:effectRef idx="0">
+            <a:schemeClr val="dk1"/>
+          </a:effectRef>
+          <a:fontRef idx="minor">
+            <a:schemeClr val="dk1"/>
+          </a:fontRef>
+        </p:style>
+      </p:cxnSp>
+      <p:sp>
+        <p:nvSpPr>
+          <p:cNvPr id="30" name="矩形 29">
+            <a:extLst>
+              <a:ext uri="{FF2B5EF4-FFF2-40B4-BE49-F238E27FC236}">
+                <a16:creationId xmlns:a16="http://schemas.microsoft.com/office/drawing/2014/main" id="{C16E31D4-C861-4F0B-9165-196030B6AADC}"/>
+              </a:ext>
+            </a:extLst>
+          </p:cNvPr>
+          <p:cNvSpPr/>
+          <p:nvPr/>
+        </p:nvSpPr>
+        <p:spPr>
+          <a:xfrm>
+            <a:off x="5703823" y="6060455"/>
+            <a:ext cx="1140931" cy="453916"/>
+          </a:xfrm>
+          <a:prstGeom prst="rect">
+            <a:avLst/>
+          </a:prstGeom>
+          <a:ln w="38100"/>
+        </p:spPr>
+        <p:style>
+          <a:lnRef idx="2">
+            <a:schemeClr val="dk1"/>
+          </a:lnRef>
+          <a:fillRef idx="1">
+            <a:schemeClr val="lt1"/>
+          </a:fillRef>
+          <a:effectRef idx="0">
+            <a:schemeClr val="dk1"/>
+          </a:effectRef>
+          <a:fontRef idx="minor">
+            <a:schemeClr val="dk1"/>
+          </a:fontRef>
+        </p:style>
+        <p:txBody>
+          <a:bodyPr rtlCol="0" anchor="ctr"/>
+          <a:lstStyle/>
+          <a:p>
+            <a:pPr algn="ctr"/>
+            <a:r>
+              <a:rPr lang="en-US" altLang="zh-CN" dirty="0">
+                <a:solidFill>
+                  <a:schemeClr val="dk1"/>
+                </a:solidFill>
+              </a:rPr>
+              <a:t>Classifier</a:t>
+            </a:r>
+            <a:endParaRPr lang="zh-CN" altLang="en-US" dirty="0">
+              <a:solidFill>
+                <a:schemeClr val="dk1"/>
+              </a:solidFill>
+            </a:endParaRPr>
+          </a:p>
+        </p:txBody>
+      </p:sp>
+      <p:cxnSp>
+        <p:nvCxnSpPr>
+          <p:cNvPr id="31" name="直接连接符 30">
+            <a:extLst>
+              <a:ext uri="{FF2B5EF4-FFF2-40B4-BE49-F238E27FC236}">
+                <a16:creationId xmlns:a16="http://schemas.microsoft.com/office/drawing/2014/main" id="{815CE4DD-1593-4881-A2A5-9E8733490F8D}"/>
+              </a:ext>
+            </a:extLst>
+          </p:cNvPr>
+          <p:cNvCxnSpPr>
+            <a:cxnSpLocks/>
+            <a:stCxn id="6" idx="4"/>
+            <a:endCxn id="30" idx="0"/>
+          </p:cNvCxnSpPr>
+          <p:nvPr/>
+        </p:nvCxnSpPr>
+        <p:spPr>
+          <a:xfrm>
+            <a:off x="6274288" y="5435370"/>
+            <a:ext cx="1" cy="625085"/>
+          </a:xfrm>
+          <a:prstGeom prst="line">
+            <a:avLst/>
+          </a:prstGeom>
+          <a:ln w="38100"/>
+        </p:spPr>
+        <p:style>
+          <a:lnRef idx="2">
+            <a:schemeClr val="dk1"/>
+          </a:lnRef>
+          <a:fillRef idx="1">
+            <a:schemeClr val="lt1"/>
+          </a:fillRef>
+          <a:effectRef idx="0">
+            <a:schemeClr val="dk1"/>
+          </a:effectRef>
+          <a:fontRef idx="minor">
+            <a:schemeClr val="dk1"/>
+          </a:fontRef>
+        </p:style>
+      </p:cxnSp>
+      <p:sp>
+        <p:nvSpPr>
+          <p:cNvPr id="51" name="文本框 50">
+            <a:extLst>
+              <a:ext uri="{FF2B5EF4-FFF2-40B4-BE49-F238E27FC236}">
+                <a16:creationId xmlns:a16="http://schemas.microsoft.com/office/drawing/2014/main" id="{AD568948-2CC1-47FC-A785-8790A1227A54}"/>
+              </a:ext>
+            </a:extLst>
+          </p:cNvPr>
+          <p:cNvSpPr txBox="1"/>
+          <p:nvPr/>
+        </p:nvSpPr>
+        <p:spPr>
+          <a:xfrm>
+            <a:off x="1846157" y="3323804"/>
+            <a:ext cx="673582" cy="369332"/>
+          </a:xfrm>
+          <a:prstGeom prst="rect">
+            <a:avLst/>
+          </a:prstGeom>
+          <a:noFill/>
+        </p:spPr>
+        <p:txBody>
+          <a:bodyPr wrap="none" rtlCol="0">
+            <a:spAutoFit/>
+          </a:bodyPr>
+          <a:lstStyle/>
+          <a:p>
+            <a:r>
+              <a:rPr lang="en-US" altLang="zh-CN" b="1" dirty="0"/>
+              <a:t>VM2</a:t>
+            </a:r>
+            <a:endParaRPr lang="zh-CN" altLang="en-US" b="1" dirty="0"/>
+          </a:p>
+        </p:txBody>
+      </p:sp>
+      <p:sp>
+        <p:nvSpPr>
+          <p:cNvPr id="52" name="文本框 51">
+            <a:extLst>
+              <a:ext uri="{FF2B5EF4-FFF2-40B4-BE49-F238E27FC236}">
+                <a16:creationId xmlns:a16="http://schemas.microsoft.com/office/drawing/2014/main" id="{1725C1DA-833B-4D36-8140-A1257ECDC7F2}"/>
+              </a:ext>
+            </a:extLst>
+          </p:cNvPr>
+          <p:cNvSpPr txBox="1"/>
+          <p:nvPr/>
+        </p:nvSpPr>
+        <p:spPr>
+          <a:xfrm>
+            <a:off x="10607856" y="3321007"/>
+            <a:ext cx="673582" cy="369332"/>
+          </a:xfrm>
+          <a:prstGeom prst="rect">
+            <a:avLst/>
+          </a:prstGeom>
+          <a:noFill/>
+        </p:spPr>
+        <p:txBody>
+          <a:bodyPr wrap="none" rtlCol="0">
+            <a:spAutoFit/>
+          </a:bodyPr>
+          <a:lstStyle/>
+          <a:p>
+            <a:r>
+              <a:rPr lang="en-US" altLang="zh-CN" b="1" dirty="0"/>
+              <a:t>VM3</a:t>
+            </a:r>
+            <a:endParaRPr lang="zh-CN" altLang="en-US" b="1" dirty="0"/>
+          </a:p>
+        </p:txBody>
+      </p:sp>
+      <p:sp>
+        <p:nvSpPr>
+          <p:cNvPr id="54" name="文本框 53">
+            <a:extLst>
+              <a:ext uri="{FF2B5EF4-FFF2-40B4-BE49-F238E27FC236}">
+                <a16:creationId xmlns:a16="http://schemas.microsoft.com/office/drawing/2014/main" id="{C4545150-9D20-4C45-9936-B2A8009A8853}"/>
+              </a:ext>
+            </a:extLst>
+          </p:cNvPr>
+          <p:cNvSpPr txBox="1"/>
+          <p:nvPr/>
+        </p:nvSpPr>
+        <p:spPr>
+          <a:xfrm>
+            <a:off x="6864256" y="6440391"/>
+            <a:ext cx="673582" cy="369332"/>
+          </a:xfrm>
+          <a:prstGeom prst="rect">
+            <a:avLst/>
+          </a:prstGeom>
+          <a:noFill/>
+        </p:spPr>
+        <p:txBody>
+          <a:bodyPr wrap="none" rtlCol="0">
+            <a:spAutoFit/>
+          </a:bodyPr>
+          <a:lstStyle/>
+          <a:p>
+            <a:r>
+              <a:rPr lang="en-US" altLang="zh-CN" b="1" dirty="0"/>
+              <a:t>VM1</a:t>
+            </a:r>
+            <a:endParaRPr lang="zh-CN" altLang="en-US" b="1" dirty="0"/>
+          </a:p>
+        </p:txBody>
+      </p:sp>
+      <p:sp>
+        <p:nvSpPr>
+          <p:cNvPr id="55" name="文本框 54">
+            <a:extLst>
+              <a:ext uri="{FF2B5EF4-FFF2-40B4-BE49-F238E27FC236}">
+                <a16:creationId xmlns:a16="http://schemas.microsoft.com/office/drawing/2014/main" id="{08038D09-B435-4A3F-B63E-C2DFB7B23DFA}"/>
+              </a:ext>
+            </a:extLst>
+          </p:cNvPr>
+          <p:cNvSpPr txBox="1"/>
+          <p:nvPr/>
+        </p:nvSpPr>
+        <p:spPr>
+          <a:xfrm>
+            <a:off x="5498822" y="3336838"/>
+            <a:ext cx="995785" cy="369332"/>
+          </a:xfrm>
+          <a:prstGeom prst="rect">
+            <a:avLst/>
+          </a:prstGeom>
+          <a:noFill/>
+        </p:spPr>
+        <p:txBody>
+          <a:bodyPr wrap="none" rtlCol="0">
+            <a:spAutoFit/>
+          </a:bodyPr>
+          <a:lstStyle/>
+          <a:p>
+            <a:r>
+              <a:rPr lang="en-US" altLang="zh-CN" b="1" dirty="0"/>
+              <a:t>Mininet</a:t>
+            </a:r>
+            <a:endParaRPr lang="zh-CN" altLang="en-US" b="1" dirty="0"/>
+          </a:p>
+        </p:txBody>
+      </p:sp>
+      <p:sp>
+        <p:nvSpPr>
+          <p:cNvPr id="8" name="文本框 7">
+            <a:extLst>
+              <a:ext uri="{FF2B5EF4-FFF2-40B4-BE49-F238E27FC236}">
+                <a16:creationId xmlns:a16="http://schemas.microsoft.com/office/drawing/2014/main" id="{E9574E44-D02A-4AD7-B099-7A212A3DD143}"/>
+              </a:ext>
+            </a:extLst>
+          </p:cNvPr>
+          <p:cNvSpPr txBox="1"/>
+          <p:nvPr/>
+        </p:nvSpPr>
+        <p:spPr>
+          <a:xfrm>
+            <a:off x="98250" y="1182348"/>
+            <a:ext cx="3876382" cy="1754326"/>
+          </a:xfrm>
+          <a:prstGeom prst="rect">
+            <a:avLst/>
+          </a:prstGeom>
+          <a:noFill/>
+        </p:spPr>
+        <p:txBody>
+          <a:bodyPr wrap="none" rtlCol="0">
+            <a:spAutoFit/>
+          </a:bodyPr>
+          <a:lstStyle/>
+          <a:p>
+            <a:r>
+              <a:rPr lang="en-US" altLang="zh-CN" b="1" dirty="0"/>
+              <a:t>KVM bridge</a:t>
+            </a:r>
+          </a:p>
+          <a:p>
+            <a:pPr marL="285750" indent="-285750">
+              <a:buFont typeface="Arial" panose="020B0604020202020204" pitchFamily="34" charset="0"/>
+              <a:buChar char="•"/>
+            </a:pPr>
+            <a:r>
+              <a:rPr lang="en-US" altLang="zh-CN" dirty="0"/>
+              <a:t>nat1: 192.168.122.0/24</a:t>
+            </a:r>
+          </a:p>
+          <a:p>
+            <a:pPr marL="285750" indent="-285750">
+              <a:buFont typeface="Arial" panose="020B0604020202020204" pitchFamily="34" charset="0"/>
+              <a:buChar char="•"/>
+            </a:pPr>
+            <a:r>
+              <a:rPr lang="en-US" altLang="zh-CN" dirty="0" err="1"/>
+              <a:t>toClassifier</a:t>
+            </a:r>
+            <a:r>
+              <a:rPr lang="en-US" altLang="zh-CN" dirty="0"/>
+              <a:t>: 192.168.123.0/24</a:t>
+            </a:r>
+          </a:p>
+          <a:p>
+            <a:pPr marL="285750" indent="-285750">
+              <a:buFont typeface="Arial" panose="020B0604020202020204" pitchFamily="34" charset="0"/>
+              <a:buChar char="•"/>
+            </a:pPr>
+            <a:r>
+              <a:rPr lang="en-US" altLang="zh-CN" dirty="0"/>
+              <a:t>toVNF1: 192.168.124.0/24</a:t>
+            </a:r>
+          </a:p>
+          <a:p>
+            <a:pPr marL="285750" indent="-285750">
+              <a:buFont typeface="Arial" panose="020B0604020202020204" pitchFamily="34" charset="0"/>
+              <a:buChar char="•"/>
+            </a:pPr>
+            <a:r>
+              <a:rPr lang="en-US" altLang="zh-CN" dirty="0"/>
+              <a:t>toVNF1Backup: 192.168.125.0/24</a:t>
+            </a:r>
+          </a:p>
+          <a:p>
+            <a:pPr marL="285750" indent="-285750">
+              <a:buFont typeface="Arial" panose="020B0604020202020204" pitchFamily="34" charset="0"/>
+              <a:buChar char="•"/>
+            </a:pPr>
+            <a:r>
+              <a:rPr lang="en-US" altLang="zh-CN" dirty="0"/>
+              <a:t>toVNF1Backup0: 192.168.126.0/24</a:t>
+            </a:r>
+            <a:endParaRPr lang="zh-CN" altLang="en-US" dirty="0"/>
+          </a:p>
+        </p:txBody>
+      </p:sp>
+      <p:sp>
+        <p:nvSpPr>
+          <p:cNvPr id="10" name="文本框 9">
+            <a:extLst>
+              <a:ext uri="{FF2B5EF4-FFF2-40B4-BE49-F238E27FC236}">
+                <a16:creationId xmlns:a16="http://schemas.microsoft.com/office/drawing/2014/main" id="{B25D7260-FBD5-4475-A035-4555B7C5A0C6}"/>
+              </a:ext>
+            </a:extLst>
+          </p:cNvPr>
+          <p:cNvSpPr txBox="1"/>
+          <p:nvPr/>
+        </p:nvSpPr>
+        <p:spPr>
+          <a:xfrm>
+            <a:off x="5565588" y="5546881"/>
+            <a:ext cx="1338828" cy="369332"/>
+          </a:xfrm>
+          <a:prstGeom prst="rect">
+            <a:avLst/>
+          </a:prstGeom>
+        </p:spPr>
+        <p:style>
+          <a:lnRef idx="2">
+            <a:schemeClr val="accent2">
+              <a:shade val="50000"/>
+            </a:schemeClr>
+          </a:lnRef>
+          <a:fillRef idx="1">
+            <a:schemeClr val="accent2"/>
+          </a:fillRef>
+          <a:effectRef idx="0">
+            <a:schemeClr val="accent2"/>
+          </a:effectRef>
+          <a:fontRef idx="minor">
+            <a:schemeClr val="lt1"/>
+          </a:fontRef>
+        </p:style>
+        <p:txBody>
+          <a:bodyPr wrap="none" rtlCol="0">
+            <a:spAutoFit/>
+          </a:bodyPr>
+          <a:lstStyle>
+            <a:defPPr>
+              <a:defRPr lang="zh-CN"/>
+            </a:defPPr>
+            <a:lvl1pPr>
+              <a:defRPr b="1"/>
+            </a:lvl1pPr>
+            <a:lvl2pPr>
+              <a:defRPr>
+                <a:solidFill>
+                  <a:schemeClr val="lt1"/>
+                </a:solidFill>
+              </a:defRPr>
+            </a:lvl2pPr>
+            <a:lvl3pPr>
+              <a:defRPr>
+                <a:solidFill>
+                  <a:schemeClr val="lt1"/>
+                </a:solidFill>
+              </a:defRPr>
+            </a:lvl3pPr>
+            <a:lvl4pPr>
+              <a:defRPr>
+                <a:solidFill>
+                  <a:schemeClr val="lt1"/>
+                </a:solidFill>
+              </a:defRPr>
+            </a:lvl4pPr>
+            <a:lvl5pPr>
+              <a:defRPr>
+                <a:solidFill>
+                  <a:schemeClr val="lt1"/>
+                </a:solidFill>
+              </a:defRPr>
+            </a:lvl5pPr>
+            <a:lvl6pPr>
+              <a:defRPr>
+                <a:solidFill>
+                  <a:schemeClr val="lt1"/>
+                </a:solidFill>
+              </a:defRPr>
+            </a:lvl6pPr>
+            <a:lvl7pPr>
+              <a:defRPr>
+                <a:solidFill>
+                  <a:schemeClr val="lt1"/>
+                </a:solidFill>
+              </a:defRPr>
+            </a:lvl7pPr>
+            <a:lvl8pPr>
+              <a:defRPr>
+                <a:solidFill>
+                  <a:schemeClr val="lt1"/>
+                </a:solidFill>
+              </a:defRPr>
+            </a:lvl8pPr>
+            <a:lvl9pPr>
+              <a:defRPr>
+                <a:solidFill>
+                  <a:schemeClr val="lt1"/>
+                </a:solidFill>
+              </a:defRPr>
+            </a:lvl9pPr>
+          </a:lstStyle>
+          <a:p>
+            <a:r>
+              <a:rPr lang="en-US" altLang="zh-CN" dirty="0" err="1"/>
+              <a:t>toClassifier</a:t>
+            </a:r>
+            <a:endParaRPr lang="zh-CN" altLang="en-US" dirty="0"/>
+          </a:p>
+        </p:txBody>
+      </p:sp>
+      <p:sp>
+        <p:nvSpPr>
+          <p:cNvPr id="57" name="文本框 56">
+            <a:extLst>
+              <a:ext uri="{FF2B5EF4-FFF2-40B4-BE49-F238E27FC236}">
+                <a16:creationId xmlns:a16="http://schemas.microsoft.com/office/drawing/2014/main" id="{32DAB7B5-1CBE-483D-AE05-B34070B9E9A7}"/>
+              </a:ext>
+            </a:extLst>
+          </p:cNvPr>
+          <p:cNvSpPr txBox="1"/>
+          <p:nvPr/>
+        </p:nvSpPr>
+        <p:spPr>
+          <a:xfrm>
+            <a:off x="7772759" y="3758204"/>
+            <a:ext cx="1737976" cy="369332"/>
+          </a:xfrm>
+          <a:prstGeom prst="rect">
+            <a:avLst/>
+          </a:prstGeom>
+        </p:spPr>
+        <p:style>
+          <a:lnRef idx="2">
+            <a:schemeClr val="accent2">
+              <a:shade val="50000"/>
+            </a:schemeClr>
+          </a:lnRef>
+          <a:fillRef idx="1">
+            <a:schemeClr val="accent2"/>
+          </a:fillRef>
+          <a:effectRef idx="0">
+            <a:schemeClr val="accent2"/>
+          </a:effectRef>
+          <a:fontRef idx="minor">
+            <a:schemeClr val="lt1"/>
+          </a:fontRef>
+        </p:style>
+        <p:txBody>
+          <a:bodyPr wrap="none" rtlCol="0">
+            <a:spAutoFit/>
+          </a:bodyPr>
+          <a:lstStyle>
+            <a:defPPr>
+              <a:defRPr lang="zh-CN"/>
+            </a:defPPr>
+            <a:lvl1pPr>
+              <a:defRPr b="1"/>
+            </a:lvl1pPr>
+          </a:lstStyle>
+          <a:p>
+            <a:r>
+              <a:rPr lang="en-US" altLang="zh-CN" dirty="0"/>
+              <a:t>toVNF1Backup</a:t>
+            </a:r>
+            <a:endParaRPr lang="zh-CN" altLang="en-US" dirty="0"/>
+          </a:p>
+        </p:txBody>
+      </p:sp>
+      <p:sp>
+        <p:nvSpPr>
+          <p:cNvPr id="63" name="文本框 62">
+            <a:extLst>
+              <a:ext uri="{FF2B5EF4-FFF2-40B4-BE49-F238E27FC236}">
+                <a16:creationId xmlns:a16="http://schemas.microsoft.com/office/drawing/2014/main" id="{9C7EC896-3472-4C73-8302-855CAA73847F}"/>
+              </a:ext>
+            </a:extLst>
+          </p:cNvPr>
+          <p:cNvSpPr txBox="1"/>
+          <p:nvPr/>
+        </p:nvSpPr>
+        <p:spPr>
+          <a:xfrm>
+            <a:off x="8592523" y="4490978"/>
+            <a:ext cx="1207382" cy="369332"/>
+          </a:xfrm>
+          <a:prstGeom prst="rect">
+            <a:avLst/>
+          </a:prstGeom>
+          <a:noFill/>
+        </p:spPr>
+        <p:txBody>
+          <a:bodyPr wrap="none" rtlCol="0">
+            <a:spAutoFit/>
+          </a:bodyPr>
+          <a:lstStyle/>
+          <a:p>
+            <a:r>
+              <a:rPr lang="en-US" altLang="zh-CN" dirty="0"/>
+              <a:t>1.1.1.1.2/8</a:t>
+            </a:r>
+            <a:endParaRPr lang="zh-CN" altLang="en-US" dirty="0"/>
+          </a:p>
+        </p:txBody>
+      </p:sp>
+      <p:sp>
+        <p:nvSpPr>
+          <p:cNvPr id="82" name="文本框 81">
+            <a:extLst>
+              <a:ext uri="{FF2B5EF4-FFF2-40B4-BE49-F238E27FC236}">
+                <a16:creationId xmlns:a16="http://schemas.microsoft.com/office/drawing/2014/main" id="{0086ED26-0CAF-4B09-8AF7-7C154F2D9678}"/>
+              </a:ext>
+            </a:extLst>
+          </p:cNvPr>
+          <p:cNvSpPr txBox="1"/>
+          <p:nvPr/>
+        </p:nvSpPr>
+        <p:spPr>
+          <a:xfrm>
+            <a:off x="5587269" y="5056063"/>
+            <a:ext cx="1632178" cy="369332"/>
+          </a:xfrm>
+          <a:prstGeom prst="rect">
+            <a:avLst/>
+          </a:prstGeom>
+          <a:noFill/>
+        </p:spPr>
+        <p:txBody>
+          <a:bodyPr wrap="none" rtlCol="0">
+            <a:spAutoFit/>
+          </a:bodyPr>
+          <a:lstStyle/>
+          <a:p>
+            <a:r>
+              <a:rPr lang="en-US" altLang="zh-CN" b="1" dirty="0">
+                <a:effectLst>
+                  <a:outerShdw blurRad="38100" dist="38100" dir="2700000" algn="tl">
+                    <a:srgbClr val="000000">
+                      <a:alpha val="43137"/>
+                    </a:srgbClr>
+                  </a:outerShdw>
+                </a:effectLst>
+              </a:rPr>
+              <a:t>DCN Gateway</a:t>
+            </a:r>
+            <a:endParaRPr lang="zh-CN" altLang="en-US" b="1" dirty="0">
+              <a:effectLst>
+                <a:outerShdw blurRad="38100" dist="38100" dir="2700000" algn="tl">
+                  <a:srgbClr val="000000">
+                    <a:alpha val="43137"/>
+                  </a:srgbClr>
+                </a:outerShdw>
+              </a:effectLst>
+            </a:endParaRPr>
+          </a:p>
+        </p:txBody>
+      </p:sp>
+      <p:sp>
+        <p:nvSpPr>
+          <p:cNvPr id="84" name="文本框 83">
+            <a:extLst>
+              <a:ext uri="{FF2B5EF4-FFF2-40B4-BE49-F238E27FC236}">
+                <a16:creationId xmlns:a16="http://schemas.microsoft.com/office/drawing/2014/main" id="{5773DAAB-97BE-40BF-8ACF-324819AE56C6}"/>
+              </a:ext>
+            </a:extLst>
+          </p:cNvPr>
+          <p:cNvSpPr txBox="1"/>
+          <p:nvPr/>
+        </p:nvSpPr>
+        <p:spPr>
+          <a:xfrm>
+            <a:off x="33033" y="5206113"/>
+            <a:ext cx="5522666" cy="1477328"/>
+          </a:xfrm>
+          <a:prstGeom prst="rect">
+            <a:avLst/>
+          </a:prstGeom>
+          <a:noFill/>
+        </p:spPr>
+        <p:txBody>
+          <a:bodyPr wrap="none" rtlCol="0">
+            <a:spAutoFit/>
+          </a:bodyPr>
+          <a:lstStyle/>
+          <a:p>
+            <a:r>
+              <a:rPr lang="en-US" altLang="zh-CN" b="1" dirty="0">
+                <a:effectLst>
+                  <a:outerShdw blurRad="38100" dist="38100" dir="2700000" algn="tl">
+                    <a:srgbClr val="000000">
+                      <a:alpha val="43137"/>
+                    </a:srgbClr>
+                  </a:outerShdw>
+                </a:effectLst>
+              </a:rPr>
+              <a:t>DCN Gateway</a:t>
+            </a:r>
+          </a:p>
+          <a:p>
+            <a:pPr marL="285750" indent="-285750">
+              <a:buFont typeface="Arial" panose="020B0604020202020204" pitchFamily="34" charset="0"/>
+              <a:buChar char="•"/>
+            </a:pPr>
+            <a:r>
+              <a:rPr lang="en-US" altLang="zh-CN" dirty="0"/>
+              <a:t>Forward inbound traffic to classifier</a:t>
+            </a:r>
+          </a:p>
+          <a:p>
+            <a:r>
+              <a:rPr lang="en-US" altLang="zh-CN" b="1" dirty="0">
+                <a:effectLst>
+                  <a:outerShdw blurRad="38100" dist="38100" dir="2700000" algn="tl">
+                    <a:srgbClr val="000000">
+                      <a:alpha val="43137"/>
+                    </a:srgbClr>
+                  </a:outerShdw>
+                </a:effectLst>
+              </a:rPr>
+              <a:t>DCN</a:t>
+            </a:r>
+          </a:p>
+          <a:p>
+            <a:pPr marL="285750" indent="-285750">
+              <a:buFont typeface="Arial" panose="020B0604020202020204" pitchFamily="34" charset="0"/>
+              <a:buChar char="•"/>
+            </a:pPr>
+            <a:r>
+              <a:rPr lang="en-US" altLang="zh-CN" dirty="0"/>
+              <a:t>Private network enable packet-in</a:t>
+            </a:r>
+          </a:p>
+          <a:p>
+            <a:pPr marL="285750" indent="-285750">
+              <a:buFont typeface="Arial" panose="020B0604020202020204" pitchFamily="34" charset="0"/>
+              <a:buChar char="•"/>
+            </a:pPr>
+            <a:r>
+              <a:rPr lang="en-US" altLang="zh-CN" dirty="0"/>
+              <a:t>Public network use default output to DCN Gateway</a:t>
+            </a:r>
+            <a:endParaRPr lang="zh-CN" altLang="en-US" dirty="0"/>
+          </a:p>
+        </p:txBody>
+      </p:sp>
+      <p:sp>
+        <p:nvSpPr>
+          <p:cNvPr id="86" name="文本框 85">
+            <a:extLst>
+              <a:ext uri="{FF2B5EF4-FFF2-40B4-BE49-F238E27FC236}">
+                <a16:creationId xmlns:a16="http://schemas.microsoft.com/office/drawing/2014/main" id="{BA27F7AD-4476-4F3D-88CB-C2F792E3E46F}"/>
+              </a:ext>
+            </a:extLst>
+          </p:cNvPr>
+          <p:cNvSpPr txBox="1"/>
+          <p:nvPr/>
+        </p:nvSpPr>
+        <p:spPr>
+          <a:xfrm>
+            <a:off x="7715764" y="4970993"/>
+            <a:ext cx="1021433" cy="369332"/>
+          </a:xfrm>
+          <a:prstGeom prst="rect">
+            <a:avLst/>
+          </a:prstGeom>
+          <a:noFill/>
+        </p:spPr>
+        <p:txBody>
+          <a:bodyPr wrap="none" rtlCol="0">
+            <a:spAutoFit/>
+          </a:bodyPr>
+          <a:lstStyle/>
+          <a:p>
+            <a:r>
+              <a:rPr lang="en-US" altLang="zh-CN" dirty="0"/>
+              <a:t>Inbound</a:t>
+            </a:r>
+            <a:endParaRPr lang="zh-CN" altLang="en-US" dirty="0"/>
+          </a:p>
+        </p:txBody>
+      </p:sp>
+      <p:sp>
+        <p:nvSpPr>
+          <p:cNvPr id="81" name="文本框 80">
+            <a:extLst>
+              <a:ext uri="{FF2B5EF4-FFF2-40B4-BE49-F238E27FC236}">
+                <a16:creationId xmlns:a16="http://schemas.microsoft.com/office/drawing/2014/main" id="{28EA2CBF-093A-4909-8C28-BD9A3C3909F1}"/>
+              </a:ext>
+            </a:extLst>
+          </p:cNvPr>
+          <p:cNvSpPr txBox="1"/>
+          <p:nvPr/>
+        </p:nvSpPr>
+        <p:spPr>
+          <a:xfrm>
+            <a:off x="8226481" y="6016093"/>
+            <a:ext cx="3938899" cy="646331"/>
+          </a:xfrm>
+          <a:prstGeom prst="rect">
+            <a:avLst/>
+          </a:prstGeom>
+          <a:noFill/>
+        </p:spPr>
+        <p:txBody>
+          <a:bodyPr wrap="none" rtlCol="0">
+            <a:spAutoFit/>
+          </a:bodyPr>
+          <a:lstStyle/>
+          <a:p>
+            <a:r>
+              <a:rPr lang="en-US" altLang="zh-CN" b="1" dirty="0">
+                <a:effectLst>
+                  <a:outerShdw blurRad="38100" dist="38100" dir="2700000" algn="tl">
+                    <a:srgbClr val="000000">
+                      <a:alpha val="43137"/>
+                    </a:srgbClr>
+                  </a:outerShdw>
+                </a:effectLst>
+              </a:rPr>
+              <a:t>Inbound traffic = 1.1.1.1 -&gt; 2.2.0.34</a:t>
+            </a:r>
+          </a:p>
+          <a:p>
+            <a:r>
+              <a:rPr lang="en-US" altLang="zh-CN" b="1" dirty="0">
+                <a:effectLst>
+                  <a:outerShdw blurRad="38100" dist="38100" dir="2700000" algn="tl">
+                    <a:srgbClr val="000000">
+                      <a:alpha val="43137"/>
+                    </a:srgbClr>
+                  </a:outerShdw>
+                </a:effectLst>
+              </a:rPr>
+              <a:t>Website DNS </a:t>
+            </a:r>
+            <a:r>
+              <a:rPr lang="en-US" altLang="zh-CN" b="1" dirty="0" err="1">
+                <a:effectLst>
+                  <a:outerShdw blurRad="38100" dist="38100" dir="2700000" algn="tl">
+                    <a:srgbClr val="000000">
+                      <a:alpha val="43137"/>
+                    </a:srgbClr>
+                  </a:outerShdw>
+                </a:effectLst>
+              </a:rPr>
+              <a:t>ip</a:t>
+            </a:r>
+            <a:r>
+              <a:rPr lang="en-US" altLang="zh-CN" b="1" dirty="0">
+                <a:effectLst>
+                  <a:outerShdw blurRad="38100" dist="38100" dir="2700000" algn="tl">
+                    <a:srgbClr val="000000">
+                      <a:alpha val="43137"/>
+                    </a:srgbClr>
+                  </a:outerShdw>
+                </a:effectLst>
+              </a:rPr>
+              <a:t> =</a:t>
+            </a:r>
+            <a:r>
+              <a:rPr lang="en-US" altLang="zh-CN" dirty="0"/>
+              <a:t> 1.1.1.1</a:t>
+            </a:r>
+          </a:p>
+        </p:txBody>
+      </p:sp>
+      <p:sp>
+        <p:nvSpPr>
+          <p:cNvPr id="68" name="矩形 67">
+            <a:extLst>
+              <a:ext uri="{FF2B5EF4-FFF2-40B4-BE49-F238E27FC236}">
+                <a16:creationId xmlns:a16="http://schemas.microsoft.com/office/drawing/2014/main" id="{A9D723AE-F706-4D7D-BBAB-E5C514EEE369}"/>
+              </a:ext>
+            </a:extLst>
+          </p:cNvPr>
+          <p:cNvSpPr/>
+          <p:nvPr/>
+        </p:nvSpPr>
+        <p:spPr>
+          <a:xfrm>
+            <a:off x="2458674" y="4469725"/>
+            <a:ext cx="1109803" cy="572726"/>
+          </a:xfrm>
+          <a:prstGeom prst="rect">
+            <a:avLst/>
+          </a:prstGeom>
+          <a:ln w="38100"/>
+        </p:spPr>
+        <p:style>
+          <a:lnRef idx="2">
+            <a:schemeClr val="dk1"/>
+          </a:lnRef>
+          <a:fillRef idx="1">
+            <a:schemeClr val="lt1"/>
+          </a:fillRef>
+          <a:effectRef idx="0">
+            <a:schemeClr val="dk1"/>
+          </a:effectRef>
+          <a:fontRef idx="minor">
+            <a:schemeClr val="dk1"/>
+          </a:fontRef>
+        </p:style>
+        <p:txBody>
+          <a:bodyPr rtlCol="0" anchor="ctr"/>
+          <a:lstStyle/>
+          <a:p>
+            <a:pPr algn="ctr"/>
+            <a:r>
+              <a:rPr lang="en-US" altLang="zh-CN" dirty="0"/>
+              <a:t>Server 1</a:t>
+            </a:r>
+          </a:p>
+          <a:p>
+            <a:pPr algn="ctr"/>
+            <a:r>
+              <a:rPr lang="en-US" altLang="zh-CN" dirty="0">
+                <a:solidFill>
+                  <a:schemeClr val="dk1"/>
+                </a:solidFill>
+              </a:rPr>
+              <a:t>h2</a:t>
+            </a:r>
+            <a:endParaRPr lang="zh-CN" altLang="en-US" dirty="0">
+              <a:solidFill>
+                <a:schemeClr val="dk1"/>
+              </a:solidFill>
+            </a:endParaRPr>
+          </a:p>
+        </p:txBody>
+      </p:sp>
+      <p:cxnSp>
+        <p:nvCxnSpPr>
+          <p:cNvPr id="70" name="直接连接符 69">
+            <a:extLst>
+              <a:ext uri="{FF2B5EF4-FFF2-40B4-BE49-F238E27FC236}">
+                <a16:creationId xmlns:a16="http://schemas.microsoft.com/office/drawing/2014/main" id="{A06FF2B9-AD85-4911-9880-4ED322D661A5}"/>
+              </a:ext>
+            </a:extLst>
+          </p:cNvPr>
+          <p:cNvCxnSpPr>
+            <a:cxnSpLocks/>
+            <a:stCxn id="6" idx="2"/>
+            <a:endCxn id="68" idx="3"/>
+          </p:cNvCxnSpPr>
+          <p:nvPr/>
+        </p:nvCxnSpPr>
+        <p:spPr>
+          <a:xfrm flipH="1" flipV="1">
+            <a:off x="3568477" y="4756088"/>
+            <a:ext cx="2288655" cy="269990"/>
+          </a:xfrm>
+          <a:prstGeom prst="line">
+            <a:avLst/>
+          </a:prstGeom>
+          <a:ln w="38100"/>
+        </p:spPr>
+        <p:style>
+          <a:lnRef idx="2">
+            <a:schemeClr val="dk1"/>
+          </a:lnRef>
+          <a:fillRef idx="1">
+            <a:schemeClr val="lt1"/>
+          </a:fillRef>
+          <a:effectRef idx="0">
+            <a:schemeClr val="dk1"/>
+          </a:effectRef>
+          <a:fontRef idx="minor">
+            <a:schemeClr val="dk1"/>
+          </a:fontRef>
+        </p:style>
+      </p:cxnSp>
+      <p:sp>
+        <p:nvSpPr>
+          <p:cNvPr id="83" name="文本框 82">
+            <a:extLst>
+              <a:ext uri="{FF2B5EF4-FFF2-40B4-BE49-F238E27FC236}">
+                <a16:creationId xmlns:a16="http://schemas.microsoft.com/office/drawing/2014/main" id="{97A73C82-8706-4B2B-B30B-F868817277A0}"/>
+              </a:ext>
+            </a:extLst>
+          </p:cNvPr>
+          <p:cNvSpPr txBox="1"/>
+          <p:nvPr/>
+        </p:nvSpPr>
+        <p:spPr>
+          <a:xfrm>
+            <a:off x="3582448" y="4480489"/>
+            <a:ext cx="1277914" cy="369332"/>
+          </a:xfrm>
+          <a:prstGeom prst="rect">
+            <a:avLst/>
+          </a:prstGeom>
+          <a:noFill/>
+        </p:spPr>
+        <p:txBody>
+          <a:bodyPr wrap="none" rtlCol="0">
+            <a:spAutoFit/>
+          </a:bodyPr>
+          <a:lstStyle/>
+          <a:p>
+            <a:r>
+              <a:rPr lang="en-US" altLang="zh-CN" dirty="0"/>
+              <a:t>2.2.0.34/27</a:t>
+            </a:r>
+            <a:endParaRPr lang="zh-CN" altLang="en-US" dirty="0"/>
+          </a:p>
+        </p:txBody>
+      </p:sp>
+      <p:sp>
+        <p:nvSpPr>
+          <p:cNvPr id="60" name="文本框 59">
+            <a:extLst>
+              <a:ext uri="{FF2B5EF4-FFF2-40B4-BE49-F238E27FC236}">
+                <a16:creationId xmlns:a16="http://schemas.microsoft.com/office/drawing/2014/main" id="{0A3749F8-AD10-44BD-8E52-FFB631F8DD18}"/>
+              </a:ext>
+            </a:extLst>
+          </p:cNvPr>
+          <p:cNvSpPr txBox="1"/>
+          <p:nvPr/>
+        </p:nvSpPr>
+        <p:spPr>
+          <a:xfrm>
+            <a:off x="6421885" y="4678721"/>
+            <a:ext cx="1034257" cy="369332"/>
+          </a:xfrm>
+          <a:prstGeom prst="rect">
+            <a:avLst/>
+          </a:prstGeom>
+          <a:noFill/>
+        </p:spPr>
+        <p:txBody>
+          <a:bodyPr wrap="none" rtlCol="0">
+            <a:spAutoFit/>
+          </a:bodyPr>
+          <a:lstStyle/>
+          <a:p>
+            <a:r>
+              <a:rPr lang="en-US" altLang="zh-CN" dirty="0"/>
+              <a:t>1.1.1.1/8</a:t>
+            </a:r>
+            <a:endParaRPr lang="zh-CN" altLang="en-US" dirty="0"/>
+          </a:p>
+        </p:txBody>
+      </p:sp>
+      <p:sp>
+        <p:nvSpPr>
+          <p:cNvPr id="61" name="文本框 60">
+            <a:extLst>
+              <a:ext uri="{FF2B5EF4-FFF2-40B4-BE49-F238E27FC236}">
+                <a16:creationId xmlns:a16="http://schemas.microsoft.com/office/drawing/2014/main" id="{315C4D1C-7B5D-4D40-B5B5-B64483EE9DD1}"/>
+              </a:ext>
+            </a:extLst>
+          </p:cNvPr>
+          <p:cNvSpPr txBox="1"/>
+          <p:nvPr/>
+        </p:nvSpPr>
+        <p:spPr>
+          <a:xfrm>
+            <a:off x="6933179" y="5712967"/>
+            <a:ext cx="1277914" cy="369332"/>
+          </a:xfrm>
+          <a:prstGeom prst="rect">
+            <a:avLst/>
+          </a:prstGeom>
+          <a:noFill/>
+        </p:spPr>
+        <p:txBody>
+          <a:bodyPr wrap="none" rtlCol="0">
+            <a:spAutoFit/>
+          </a:bodyPr>
+          <a:lstStyle/>
+          <a:p>
+            <a:r>
+              <a:rPr lang="en-US" altLang="zh-CN" dirty="0"/>
+              <a:t>2.2.0.35/27</a:t>
+            </a:r>
+            <a:endParaRPr lang="zh-CN" altLang="en-US" dirty="0"/>
+          </a:p>
+        </p:txBody>
+      </p:sp>
+      <p:sp>
+        <p:nvSpPr>
+          <p:cNvPr id="62" name="文本框 61">
+            <a:extLst>
+              <a:ext uri="{FF2B5EF4-FFF2-40B4-BE49-F238E27FC236}">
+                <a16:creationId xmlns:a16="http://schemas.microsoft.com/office/drawing/2014/main" id="{72F999F1-F985-4321-8E37-6373238CE4E1}"/>
+              </a:ext>
+            </a:extLst>
+          </p:cNvPr>
+          <p:cNvSpPr txBox="1"/>
+          <p:nvPr/>
+        </p:nvSpPr>
+        <p:spPr>
+          <a:xfrm>
+            <a:off x="1412439" y="4089431"/>
+            <a:ext cx="1069524" cy="369332"/>
+          </a:xfrm>
+          <a:prstGeom prst="rect">
+            <a:avLst/>
+          </a:prstGeom>
+          <a:noFill/>
+        </p:spPr>
+        <p:txBody>
+          <a:bodyPr wrap="none" rtlCol="0">
+            <a:spAutoFit/>
+          </a:bodyPr>
+          <a:lstStyle/>
+          <a:p>
+            <a:r>
+              <a:rPr lang="en-US" altLang="zh-CN" dirty="0"/>
+              <a:t>10.0.17.1</a:t>
+            </a:r>
+            <a:endParaRPr lang="zh-CN" altLang="en-US" dirty="0"/>
+          </a:p>
+        </p:txBody>
+      </p:sp>
+      <p:sp>
+        <p:nvSpPr>
+          <p:cNvPr id="67" name="文本框 66">
+            <a:extLst>
+              <a:ext uri="{FF2B5EF4-FFF2-40B4-BE49-F238E27FC236}">
+                <a16:creationId xmlns:a16="http://schemas.microsoft.com/office/drawing/2014/main" id="{186D1ED5-8448-486E-8AD0-E84C9473ECCE}"/>
+              </a:ext>
+            </a:extLst>
+          </p:cNvPr>
+          <p:cNvSpPr txBox="1"/>
+          <p:nvPr/>
+        </p:nvSpPr>
+        <p:spPr>
+          <a:xfrm>
+            <a:off x="10760599" y="4124698"/>
+            <a:ext cx="1069524" cy="369332"/>
+          </a:xfrm>
+          <a:prstGeom prst="rect">
+            <a:avLst/>
+          </a:prstGeom>
+          <a:noFill/>
+        </p:spPr>
+        <p:txBody>
+          <a:bodyPr wrap="none" rtlCol="0">
+            <a:spAutoFit/>
+          </a:bodyPr>
+          <a:lstStyle/>
+          <a:p>
+            <a:r>
+              <a:rPr lang="en-US" altLang="zh-CN" dirty="0"/>
+              <a:t>10.0.17.3</a:t>
+            </a:r>
+            <a:endParaRPr lang="zh-CN" altLang="en-US" dirty="0"/>
+          </a:p>
+        </p:txBody>
+      </p:sp>
+      <p:sp>
+        <p:nvSpPr>
+          <p:cNvPr id="80" name="矩形 79">
+            <a:extLst>
+              <a:ext uri="{FF2B5EF4-FFF2-40B4-BE49-F238E27FC236}">
+                <a16:creationId xmlns:a16="http://schemas.microsoft.com/office/drawing/2014/main" id="{D55A9B67-1DBB-4C8B-9786-840E0034CF0E}"/>
+              </a:ext>
+            </a:extLst>
+          </p:cNvPr>
+          <p:cNvSpPr/>
+          <p:nvPr/>
+        </p:nvSpPr>
+        <p:spPr>
+          <a:xfrm>
+            <a:off x="6942287" y="6059721"/>
+            <a:ext cx="821377" cy="455507"/>
+          </a:xfrm>
+          <a:prstGeom prst="rect">
+            <a:avLst/>
+          </a:prstGeom>
+          <a:ln w="38100"/>
+        </p:spPr>
+        <p:style>
+          <a:lnRef idx="2">
+            <a:schemeClr val="dk1"/>
+          </a:lnRef>
+          <a:fillRef idx="1">
+            <a:schemeClr val="lt1"/>
+          </a:fillRef>
+          <a:effectRef idx="0">
+            <a:schemeClr val="dk1"/>
+          </a:effectRef>
+          <a:fontRef idx="minor">
+            <a:schemeClr val="dk1"/>
+          </a:fontRef>
+        </p:style>
+        <p:txBody>
+          <a:bodyPr rtlCol="0" anchor="ctr"/>
+          <a:lstStyle/>
+          <a:p>
+            <a:pPr algn="ctr"/>
+            <a:r>
+              <a:rPr lang="en-US" altLang="zh-CN" dirty="0">
+                <a:solidFill>
+                  <a:schemeClr val="dk1"/>
+                </a:solidFill>
+              </a:rPr>
+              <a:t>Kernel</a:t>
+            </a:r>
+            <a:endParaRPr lang="zh-CN" altLang="en-US" dirty="0">
+              <a:solidFill>
+                <a:schemeClr val="dk1"/>
+              </a:solidFill>
+            </a:endParaRPr>
+          </a:p>
+        </p:txBody>
+      </p:sp>
+      <p:sp>
+        <p:nvSpPr>
+          <p:cNvPr id="87" name="矩形 86">
+            <a:extLst>
+              <a:ext uri="{FF2B5EF4-FFF2-40B4-BE49-F238E27FC236}">
+                <a16:creationId xmlns:a16="http://schemas.microsoft.com/office/drawing/2014/main" id="{947D4B26-3859-42E6-8D3E-CBEA4131485A}"/>
+              </a:ext>
+            </a:extLst>
+          </p:cNvPr>
+          <p:cNvSpPr/>
+          <p:nvPr/>
+        </p:nvSpPr>
+        <p:spPr>
+          <a:xfrm>
+            <a:off x="2815182" y="3177266"/>
+            <a:ext cx="821377" cy="455507"/>
+          </a:xfrm>
+          <a:prstGeom prst="rect">
+            <a:avLst/>
+          </a:prstGeom>
+          <a:ln w="38100"/>
+        </p:spPr>
+        <p:style>
+          <a:lnRef idx="2">
+            <a:schemeClr val="dk1"/>
+          </a:lnRef>
+          <a:fillRef idx="1">
+            <a:schemeClr val="lt1"/>
+          </a:fillRef>
+          <a:effectRef idx="0">
+            <a:schemeClr val="dk1"/>
+          </a:effectRef>
+          <a:fontRef idx="minor">
+            <a:schemeClr val="dk1"/>
+          </a:fontRef>
+        </p:style>
+        <p:txBody>
+          <a:bodyPr rtlCol="0" anchor="ctr"/>
+          <a:lstStyle/>
+          <a:p>
+            <a:pPr algn="ctr"/>
+            <a:r>
+              <a:rPr lang="en-US" altLang="zh-CN" dirty="0">
+                <a:solidFill>
+                  <a:schemeClr val="dk1"/>
+                </a:solidFill>
+              </a:rPr>
+              <a:t>Kernel</a:t>
+            </a:r>
+            <a:endParaRPr lang="zh-CN" altLang="en-US" dirty="0">
+              <a:solidFill>
+                <a:schemeClr val="dk1"/>
+              </a:solidFill>
+            </a:endParaRPr>
+          </a:p>
+        </p:txBody>
+      </p:sp>
+      <p:sp>
+        <p:nvSpPr>
+          <p:cNvPr id="88" name="矩形 87">
+            <a:extLst>
+              <a:ext uri="{FF2B5EF4-FFF2-40B4-BE49-F238E27FC236}">
+                <a16:creationId xmlns:a16="http://schemas.microsoft.com/office/drawing/2014/main" id="{DAE6980D-8760-46B5-950A-015992C01E26}"/>
+              </a:ext>
+            </a:extLst>
+          </p:cNvPr>
+          <p:cNvSpPr/>
+          <p:nvPr/>
+        </p:nvSpPr>
+        <p:spPr>
+          <a:xfrm>
+            <a:off x="9545655" y="3194608"/>
+            <a:ext cx="821377" cy="455507"/>
+          </a:xfrm>
+          <a:prstGeom prst="rect">
+            <a:avLst/>
+          </a:prstGeom>
+          <a:ln w="38100"/>
+        </p:spPr>
+        <p:style>
+          <a:lnRef idx="2">
+            <a:schemeClr val="dk1"/>
+          </a:lnRef>
+          <a:fillRef idx="1">
+            <a:schemeClr val="lt1"/>
+          </a:fillRef>
+          <a:effectRef idx="0">
+            <a:schemeClr val="dk1"/>
+          </a:effectRef>
+          <a:fontRef idx="minor">
+            <a:schemeClr val="dk1"/>
+          </a:fontRef>
+        </p:style>
+        <p:txBody>
+          <a:bodyPr rtlCol="0" anchor="ctr"/>
+          <a:lstStyle/>
+          <a:p>
+            <a:pPr algn="ctr"/>
+            <a:r>
+              <a:rPr lang="en-US" altLang="zh-CN" dirty="0">
+                <a:solidFill>
+                  <a:schemeClr val="dk1"/>
+                </a:solidFill>
+              </a:rPr>
+              <a:t>Kernel</a:t>
+            </a:r>
+            <a:endParaRPr lang="zh-CN" altLang="en-US" dirty="0">
+              <a:solidFill>
+                <a:schemeClr val="dk1"/>
+              </a:solidFill>
+            </a:endParaRPr>
+          </a:p>
+        </p:txBody>
+      </p:sp>
+      <p:sp>
+        <p:nvSpPr>
+          <p:cNvPr id="59" name="文本框 58">
+            <a:extLst>
+              <a:ext uri="{FF2B5EF4-FFF2-40B4-BE49-F238E27FC236}">
+                <a16:creationId xmlns:a16="http://schemas.microsoft.com/office/drawing/2014/main" id="{7F4B04F3-A562-4705-B733-F038C206F54F}"/>
+              </a:ext>
+            </a:extLst>
+          </p:cNvPr>
+          <p:cNvSpPr txBox="1"/>
+          <p:nvPr/>
+        </p:nvSpPr>
+        <p:spPr>
+          <a:xfrm>
+            <a:off x="9317450" y="2828221"/>
+            <a:ext cx="1277914" cy="369332"/>
+          </a:xfrm>
+          <a:prstGeom prst="rect">
+            <a:avLst/>
+          </a:prstGeom>
+          <a:noFill/>
+        </p:spPr>
+        <p:txBody>
+          <a:bodyPr wrap="none" rtlCol="0">
+            <a:spAutoFit/>
+          </a:bodyPr>
+          <a:lstStyle/>
+          <a:p>
+            <a:r>
+              <a:rPr lang="en-US" altLang="zh-CN" dirty="0"/>
+              <a:t>2.2.0.98/27</a:t>
+            </a:r>
+            <a:endParaRPr lang="zh-CN" altLang="en-US" dirty="0"/>
+          </a:p>
+        </p:txBody>
+      </p:sp>
+      <p:sp>
+        <p:nvSpPr>
+          <p:cNvPr id="58" name="文本框 57">
+            <a:extLst>
+              <a:ext uri="{FF2B5EF4-FFF2-40B4-BE49-F238E27FC236}">
+                <a16:creationId xmlns:a16="http://schemas.microsoft.com/office/drawing/2014/main" id="{A784A929-0BCB-4A08-B150-E4871382A8EF}"/>
+              </a:ext>
+            </a:extLst>
+          </p:cNvPr>
+          <p:cNvSpPr txBox="1"/>
+          <p:nvPr/>
+        </p:nvSpPr>
+        <p:spPr>
+          <a:xfrm>
+            <a:off x="2408987" y="2865542"/>
+            <a:ext cx="1277914" cy="369332"/>
+          </a:xfrm>
+          <a:prstGeom prst="rect">
+            <a:avLst/>
+          </a:prstGeom>
+          <a:noFill/>
+        </p:spPr>
+        <p:txBody>
+          <a:bodyPr wrap="none" rtlCol="0">
+            <a:spAutoFit/>
+          </a:bodyPr>
+          <a:lstStyle/>
+          <a:p>
+            <a:r>
+              <a:rPr lang="en-US" altLang="zh-CN" dirty="0"/>
+              <a:t>2.2.0.68/27</a:t>
+            </a:r>
+            <a:endParaRPr lang="zh-CN" altLang="en-US" dirty="0"/>
+          </a:p>
+        </p:txBody>
+      </p:sp>
+      <p:sp>
+        <p:nvSpPr>
+          <p:cNvPr id="93" name="文本框 92">
+            <a:extLst>
+              <a:ext uri="{FF2B5EF4-FFF2-40B4-BE49-F238E27FC236}">
+                <a16:creationId xmlns:a16="http://schemas.microsoft.com/office/drawing/2014/main" id="{870A4AEB-5C76-4965-9605-1CE8493A823C}"/>
+              </a:ext>
+            </a:extLst>
+          </p:cNvPr>
+          <p:cNvSpPr txBox="1"/>
+          <p:nvPr/>
+        </p:nvSpPr>
+        <p:spPr>
+          <a:xfrm>
+            <a:off x="4528799" y="5778691"/>
+            <a:ext cx="1277914" cy="369332"/>
+          </a:xfrm>
+          <a:prstGeom prst="rect">
+            <a:avLst/>
+          </a:prstGeom>
+          <a:noFill/>
+        </p:spPr>
+        <p:txBody>
+          <a:bodyPr wrap="none" rtlCol="0">
+            <a:spAutoFit/>
+          </a:bodyPr>
+          <a:lstStyle/>
+          <a:p>
+            <a:r>
+              <a:rPr lang="en-US" altLang="zh-CN" dirty="0"/>
+              <a:t>2.2.0.36/27</a:t>
+            </a:r>
+            <a:endParaRPr lang="zh-CN" altLang="en-US" dirty="0"/>
+          </a:p>
+        </p:txBody>
+      </p:sp>
+      <p:sp>
+        <p:nvSpPr>
+          <p:cNvPr id="94" name="文本框 93">
+            <a:extLst>
+              <a:ext uri="{FF2B5EF4-FFF2-40B4-BE49-F238E27FC236}">
+                <a16:creationId xmlns:a16="http://schemas.microsoft.com/office/drawing/2014/main" id="{13F510F8-CC2A-4F24-9CC4-318584BCD982}"/>
+              </a:ext>
+            </a:extLst>
+          </p:cNvPr>
+          <p:cNvSpPr txBox="1"/>
+          <p:nvPr/>
+        </p:nvSpPr>
+        <p:spPr>
+          <a:xfrm>
+            <a:off x="2445273" y="4111666"/>
+            <a:ext cx="1277914" cy="369332"/>
+          </a:xfrm>
+          <a:prstGeom prst="rect">
+            <a:avLst/>
+          </a:prstGeom>
+          <a:noFill/>
+        </p:spPr>
+        <p:txBody>
+          <a:bodyPr wrap="none" rtlCol="0">
+            <a:spAutoFit/>
+          </a:bodyPr>
+          <a:lstStyle/>
+          <a:p>
+            <a:r>
+              <a:rPr lang="en-US" altLang="zh-CN" dirty="0"/>
+              <a:t>2.2.0.69/27</a:t>
+            </a:r>
+            <a:endParaRPr lang="zh-CN" altLang="en-US" dirty="0"/>
+          </a:p>
+        </p:txBody>
+      </p:sp>
+      <p:sp>
+        <p:nvSpPr>
+          <p:cNvPr id="95" name="文本框 94">
+            <a:extLst>
+              <a:ext uri="{FF2B5EF4-FFF2-40B4-BE49-F238E27FC236}">
+                <a16:creationId xmlns:a16="http://schemas.microsoft.com/office/drawing/2014/main" id="{D62BF4AA-C2FC-4F5D-90B4-98DE1285FC1D}"/>
+              </a:ext>
+            </a:extLst>
+          </p:cNvPr>
+          <p:cNvSpPr txBox="1"/>
+          <p:nvPr/>
+        </p:nvSpPr>
+        <p:spPr>
+          <a:xfrm>
+            <a:off x="8947297" y="4091158"/>
+            <a:ext cx="1277914" cy="369332"/>
+          </a:xfrm>
+          <a:prstGeom prst="rect">
+            <a:avLst/>
+          </a:prstGeom>
+          <a:noFill/>
+        </p:spPr>
+        <p:txBody>
+          <a:bodyPr wrap="none" rtlCol="0">
+            <a:spAutoFit/>
+          </a:bodyPr>
+          <a:lstStyle/>
+          <a:p>
+            <a:r>
+              <a:rPr lang="en-US" altLang="zh-CN" dirty="0"/>
+              <a:t>2.2.0.99/27</a:t>
+            </a:r>
+            <a:endParaRPr lang="zh-CN" altLang="en-US" dirty="0"/>
+          </a:p>
+        </p:txBody>
+      </p:sp>
+      <p:cxnSp>
+        <p:nvCxnSpPr>
+          <p:cNvPr id="98" name="直接连接符 97">
+            <a:extLst>
+              <a:ext uri="{FF2B5EF4-FFF2-40B4-BE49-F238E27FC236}">
+                <a16:creationId xmlns:a16="http://schemas.microsoft.com/office/drawing/2014/main" id="{02F08F7A-8AC0-497C-AF9F-04D7A2DB3F17}"/>
+              </a:ext>
+            </a:extLst>
+          </p:cNvPr>
+          <p:cNvCxnSpPr>
+            <a:cxnSpLocks/>
+            <a:stCxn id="5" idx="6"/>
+            <a:endCxn id="7" idx="2"/>
+          </p:cNvCxnSpPr>
+          <p:nvPr/>
+        </p:nvCxnSpPr>
+        <p:spPr>
+          <a:xfrm>
+            <a:off x="5615218" y="3913374"/>
+            <a:ext cx="1155389" cy="0"/>
+          </a:xfrm>
+          <a:prstGeom prst="line">
+            <a:avLst/>
+          </a:prstGeom>
+          <a:ln w="38100"/>
+        </p:spPr>
+        <p:style>
+          <a:lnRef idx="2">
+            <a:schemeClr val="dk1"/>
+          </a:lnRef>
+          <a:fillRef idx="1">
+            <a:schemeClr val="lt1"/>
+          </a:fillRef>
+          <a:effectRef idx="0">
+            <a:schemeClr val="dk1"/>
+          </a:effectRef>
+          <a:fontRef idx="minor">
+            <a:schemeClr val="dk1"/>
+          </a:fontRef>
+        </p:style>
+      </p:cxnSp>
+      <p:sp>
+        <p:nvSpPr>
+          <p:cNvPr id="99" name="矩形 98">
+            <a:extLst>
+              <a:ext uri="{FF2B5EF4-FFF2-40B4-BE49-F238E27FC236}">
+                <a16:creationId xmlns:a16="http://schemas.microsoft.com/office/drawing/2014/main" id="{EE24C969-DEBB-4D30-BB58-A30D41E57A39}"/>
+              </a:ext>
+            </a:extLst>
+          </p:cNvPr>
+          <p:cNvSpPr/>
+          <p:nvPr/>
+        </p:nvSpPr>
+        <p:spPr>
+          <a:xfrm>
+            <a:off x="3740517" y="4963422"/>
+            <a:ext cx="1109803" cy="572726"/>
+          </a:xfrm>
+          <a:prstGeom prst="rect">
+            <a:avLst/>
+          </a:prstGeom>
+          <a:ln w="38100"/>
+        </p:spPr>
+        <p:style>
+          <a:lnRef idx="2">
+            <a:schemeClr val="dk1"/>
+          </a:lnRef>
+          <a:fillRef idx="1">
+            <a:schemeClr val="lt1"/>
+          </a:fillRef>
+          <a:effectRef idx="0">
+            <a:schemeClr val="dk1"/>
+          </a:effectRef>
+          <a:fontRef idx="minor">
+            <a:schemeClr val="dk1"/>
+          </a:fontRef>
+        </p:style>
+        <p:txBody>
+          <a:bodyPr rtlCol="0" anchor="ctr"/>
+          <a:lstStyle/>
+          <a:p>
+            <a:pPr algn="ctr"/>
+            <a:r>
+              <a:rPr lang="en-US" altLang="zh-CN" dirty="0">
+                <a:solidFill>
+                  <a:schemeClr val="dk1"/>
+                </a:solidFill>
+              </a:rPr>
+              <a:t>Server </a:t>
+            </a:r>
+            <a:r>
+              <a:rPr lang="en-US" altLang="zh-CN" dirty="0"/>
+              <a:t>2</a:t>
+            </a:r>
+          </a:p>
+          <a:p>
+            <a:pPr algn="ctr"/>
+            <a:r>
+              <a:rPr lang="en-US" altLang="zh-CN" dirty="0">
+                <a:solidFill>
+                  <a:schemeClr val="dk1"/>
+                </a:solidFill>
+              </a:rPr>
+              <a:t>h3</a:t>
+            </a:r>
+            <a:endParaRPr lang="zh-CN" altLang="en-US" dirty="0">
+              <a:solidFill>
+                <a:schemeClr val="dk1"/>
+              </a:solidFill>
+            </a:endParaRPr>
+          </a:p>
+        </p:txBody>
+      </p:sp>
+      <p:cxnSp>
+        <p:nvCxnSpPr>
+          <p:cNvPr id="100" name="直接连接符 99">
+            <a:extLst>
+              <a:ext uri="{FF2B5EF4-FFF2-40B4-BE49-F238E27FC236}">
+                <a16:creationId xmlns:a16="http://schemas.microsoft.com/office/drawing/2014/main" id="{8A98D02B-C873-45C7-9836-2E18B275EBB9}"/>
+              </a:ext>
+            </a:extLst>
+          </p:cNvPr>
+          <p:cNvCxnSpPr>
+            <a:cxnSpLocks/>
+            <a:stCxn id="6" idx="2"/>
+            <a:endCxn id="99" idx="3"/>
+          </p:cNvCxnSpPr>
+          <p:nvPr/>
+        </p:nvCxnSpPr>
+        <p:spPr>
+          <a:xfrm flipH="1">
+            <a:off x="4850320" y="5026078"/>
+            <a:ext cx="1006812" cy="223707"/>
+          </a:xfrm>
+          <a:prstGeom prst="line">
+            <a:avLst/>
+          </a:prstGeom>
+          <a:ln w="38100"/>
+        </p:spPr>
+        <p:style>
+          <a:lnRef idx="2">
+            <a:schemeClr val="dk1"/>
+          </a:lnRef>
+          <a:fillRef idx="1">
+            <a:schemeClr val="lt1"/>
+          </a:fillRef>
+          <a:effectRef idx="0">
+            <a:schemeClr val="dk1"/>
+          </a:effectRef>
+          <a:fontRef idx="minor">
+            <a:schemeClr val="dk1"/>
+          </a:fontRef>
+        </p:style>
+      </p:cxnSp>
+      <p:sp>
+        <p:nvSpPr>
+          <p:cNvPr id="102" name="矩形 101">
+            <a:extLst>
+              <a:ext uri="{FF2B5EF4-FFF2-40B4-BE49-F238E27FC236}">
+                <a16:creationId xmlns:a16="http://schemas.microsoft.com/office/drawing/2014/main" id="{4903BAFA-667D-4941-AF10-5E634D2162F5}"/>
+              </a:ext>
+            </a:extLst>
+          </p:cNvPr>
+          <p:cNvSpPr/>
+          <p:nvPr/>
+        </p:nvSpPr>
+        <p:spPr>
+          <a:xfrm>
+            <a:off x="7893634" y="2103231"/>
+            <a:ext cx="1109803" cy="572726"/>
+          </a:xfrm>
+          <a:prstGeom prst="rect">
+            <a:avLst/>
+          </a:prstGeom>
+          <a:ln w="38100"/>
+        </p:spPr>
+        <p:style>
+          <a:lnRef idx="2">
+            <a:schemeClr val="dk1"/>
+          </a:lnRef>
+          <a:fillRef idx="1">
+            <a:schemeClr val="lt1"/>
+          </a:fillRef>
+          <a:effectRef idx="0">
+            <a:schemeClr val="dk1"/>
+          </a:effectRef>
+          <a:fontRef idx="minor">
+            <a:schemeClr val="dk1"/>
+          </a:fontRef>
+        </p:style>
+        <p:txBody>
+          <a:bodyPr rtlCol="0" anchor="ctr"/>
+          <a:lstStyle/>
+          <a:p>
+            <a:pPr algn="ctr"/>
+            <a:r>
+              <a:rPr lang="en-US" altLang="zh-CN" dirty="0">
+                <a:solidFill>
+                  <a:schemeClr val="dk1"/>
+                </a:solidFill>
+              </a:rPr>
+              <a:t>Server 3</a:t>
+            </a:r>
+          </a:p>
+          <a:p>
+            <a:pPr algn="ctr"/>
+            <a:r>
+              <a:rPr lang="en-US" altLang="zh-CN" dirty="0"/>
+              <a:t>h4</a:t>
+            </a:r>
+            <a:endParaRPr lang="zh-CN" altLang="en-US" dirty="0">
+              <a:solidFill>
+                <a:schemeClr val="dk1"/>
+              </a:solidFill>
+            </a:endParaRPr>
+          </a:p>
+        </p:txBody>
+      </p:sp>
+      <p:cxnSp>
+        <p:nvCxnSpPr>
+          <p:cNvPr id="103" name="直接连接符 102">
+            <a:extLst>
+              <a:ext uri="{FF2B5EF4-FFF2-40B4-BE49-F238E27FC236}">
+                <a16:creationId xmlns:a16="http://schemas.microsoft.com/office/drawing/2014/main" id="{7315CAC2-3F00-4407-A3D5-B2F103BD90BB}"/>
+              </a:ext>
+            </a:extLst>
+          </p:cNvPr>
+          <p:cNvCxnSpPr>
+            <a:cxnSpLocks/>
+            <a:stCxn id="7" idx="7"/>
+            <a:endCxn id="102" idx="2"/>
+          </p:cNvCxnSpPr>
+          <p:nvPr/>
+        </p:nvCxnSpPr>
+        <p:spPr>
+          <a:xfrm flipV="1">
+            <a:off x="7482737" y="2675957"/>
+            <a:ext cx="965799" cy="948003"/>
+          </a:xfrm>
+          <a:prstGeom prst="line">
+            <a:avLst/>
+          </a:prstGeom>
+          <a:ln w="38100"/>
+        </p:spPr>
+        <p:style>
+          <a:lnRef idx="2">
+            <a:schemeClr val="dk1"/>
+          </a:lnRef>
+          <a:fillRef idx="1">
+            <a:schemeClr val="lt1"/>
+          </a:fillRef>
+          <a:effectRef idx="0">
+            <a:schemeClr val="dk1"/>
+          </a:effectRef>
+          <a:fontRef idx="minor">
+            <a:schemeClr val="dk1"/>
+          </a:fontRef>
+        </p:style>
+      </p:cxnSp>
+      <p:sp>
+        <p:nvSpPr>
+          <p:cNvPr id="105" name="文本框 104">
+            <a:extLst>
+              <a:ext uri="{FF2B5EF4-FFF2-40B4-BE49-F238E27FC236}">
+                <a16:creationId xmlns:a16="http://schemas.microsoft.com/office/drawing/2014/main" id="{3E2DBD36-2142-4943-8AD9-5F5104AA432C}"/>
+              </a:ext>
+            </a:extLst>
+          </p:cNvPr>
+          <p:cNvSpPr txBox="1"/>
+          <p:nvPr/>
+        </p:nvSpPr>
+        <p:spPr>
+          <a:xfrm>
+            <a:off x="4444287" y="5210411"/>
+            <a:ext cx="1277914" cy="369332"/>
+          </a:xfrm>
+          <a:prstGeom prst="rect">
+            <a:avLst/>
+          </a:prstGeom>
+          <a:noFill/>
+        </p:spPr>
+        <p:txBody>
+          <a:bodyPr wrap="none" rtlCol="0">
+            <a:spAutoFit/>
+          </a:bodyPr>
+          <a:lstStyle/>
+          <a:p>
+            <a:r>
+              <a:rPr lang="en-US" altLang="zh-CN" dirty="0"/>
+              <a:t>2.2.0.37/27</a:t>
+            </a:r>
+            <a:endParaRPr lang="zh-CN" altLang="en-US" dirty="0"/>
+          </a:p>
+        </p:txBody>
+      </p:sp>
+      <p:sp>
+        <p:nvSpPr>
+          <p:cNvPr id="106" name="文本框 105">
+            <a:extLst>
+              <a:ext uri="{FF2B5EF4-FFF2-40B4-BE49-F238E27FC236}">
+                <a16:creationId xmlns:a16="http://schemas.microsoft.com/office/drawing/2014/main" id="{109069B5-42AB-44E1-BB4D-60EECB40040B}"/>
+              </a:ext>
+            </a:extLst>
+          </p:cNvPr>
+          <p:cNvSpPr txBox="1"/>
+          <p:nvPr/>
+        </p:nvSpPr>
+        <p:spPr>
+          <a:xfrm>
+            <a:off x="7556063" y="2626416"/>
+            <a:ext cx="1399742" cy="369332"/>
+          </a:xfrm>
+          <a:prstGeom prst="rect">
+            <a:avLst/>
+          </a:prstGeom>
+          <a:noFill/>
+        </p:spPr>
+        <p:txBody>
+          <a:bodyPr wrap="none" rtlCol="0">
+            <a:spAutoFit/>
+          </a:bodyPr>
+          <a:lstStyle/>
+          <a:p>
+            <a:r>
+              <a:rPr lang="en-US" altLang="zh-CN" dirty="0"/>
+              <a:t>2.2.0.100/27</a:t>
+            </a:r>
+            <a:endParaRPr lang="zh-CN" altLang="en-US" dirty="0"/>
+          </a:p>
+        </p:txBody>
+      </p:sp>
+      <p:sp>
+        <p:nvSpPr>
+          <p:cNvPr id="64" name="矩形: 圆角 63">
+            <a:extLst>
+              <a:ext uri="{FF2B5EF4-FFF2-40B4-BE49-F238E27FC236}">
+                <a16:creationId xmlns:a16="http://schemas.microsoft.com/office/drawing/2014/main" id="{2DF6606C-789B-4291-9AB6-706C1747CB5A}"/>
+              </a:ext>
+            </a:extLst>
+          </p:cNvPr>
+          <p:cNvSpPr/>
+          <p:nvPr/>
+        </p:nvSpPr>
+        <p:spPr>
+          <a:xfrm>
+            <a:off x="4224503" y="1746381"/>
+            <a:ext cx="1890725" cy="1062627"/>
+          </a:xfrm>
+          <a:prstGeom prst="roundRect">
+            <a:avLst/>
+          </a:prstGeom>
+        </p:spPr>
+        <p:style>
+          <a:lnRef idx="1">
+            <a:schemeClr val="accent3"/>
+          </a:lnRef>
+          <a:fillRef idx="2">
+            <a:schemeClr val="accent3"/>
+          </a:fillRef>
+          <a:effectRef idx="1">
+            <a:schemeClr val="accent3"/>
+          </a:effectRef>
+          <a:fontRef idx="minor">
+            <a:schemeClr val="dk1"/>
+          </a:fontRef>
+        </p:style>
+        <p:txBody>
+          <a:bodyPr rtlCol="0" anchor="ctr"/>
+          <a:lstStyle/>
+          <a:p>
+            <a:pPr algn="ctr"/>
+            <a:endParaRPr lang="zh-CN" altLang="en-US" dirty="0"/>
+          </a:p>
+        </p:txBody>
+      </p:sp>
+      <p:sp>
+        <p:nvSpPr>
+          <p:cNvPr id="65" name="矩形 64">
+            <a:extLst>
+              <a:ext uri="{FF2B5EF4-FFF2-40B4-BE49-F238E27FC236}">
+                <a16:creationId xmlns:a16="http://schemas.microsoft.com/office/drawing/2014/main" id="{796FA357-C697-4F41-AF79-36DA37AE4359}"/>
+              </a:ext>
+            </a:extLst>
+          </p:cNvPr>
+          <p:cNvSpPr/>
+          <p:nvPr/>
+        </p:nvSpPr>
+        <p:spPr>
+          <a:xfrm>
+            <a:off x="5339175" y="2068053"/>
+            <a:ext cx="764438" cy="455507"/>
+          </a:xfrm>
+          <a:prstGeom prst="rect">
+            <a:avLst/>
+          </a:prstGeom>
+          <a:ln w="38100"/>
+        </p:spPr>
+        <p:style>
+          <a:lnRef idx="2">
+            <a:schemeClr val="dk1"/>
+          </a:lnRef>
+          <a:fillRef idx="1">
+            <a:schemeClr val="lt1"/>
+          </a:fillRef>
+          <a:effectRef idx="0">
+            <a:schemeClr val="dk1"/>
+          </a:effectRef>
+          <a:fontRef idx="minor">
+            <a:schemeClr val="dk1"/>
+          </a:fontRef>
+        </p:style>
+        <p:txBody>
+          <a:bodyPr rtlCol="0" anchor="ctr"/>
+          <a:lstStyle/>
+          <a:p>
+            <a:pPr algn="ctr"/>
+            <a:r>
+              <a:rPr lang="en-US" altLang="zh-CN" dirty="0">
+                <a:solidFill>
+                  <a:schemeClr val="dk1"/>
+                </a:solidFill>
+              </a:rPr>
+              <a:t>BESS</a:t>
+            </a:r>
+            <a:endParaRPr lang="zh-CN" altLang="en-US" dirty="0">
+              <a:solidFill>
+                <a:schemeClr val="dk1"/>
+              </a:solidFill>
+            </a:endParaRPr>
+          </a:p>
+        </p:txBody>
+      </p:sp>
+      <p:sp>
+        <p:nvSpPr>
+          <p:cNvPr id="66" name="矩形 65">
+            <a:extLst>
+              <a:ext uri="{FF2B5EF4-FFF2-40B4-BE49-F238E27FC236}">
+                <a16:creationId xmlns:a16="http://schemas.microsoft.com/office/drawing/2014/main" id="{73848ABE-AB3F-4088-AD37-A5A4F0D4318E}"/>
+              </a:ext>
+            </a:extLst>
+          </p:cNvPr>
+          <p:cNvSpPr/>
+          <p:nvPr/>
+        </p:nvSpPr>
+        <p:spPr>
+          <a:xfrm>
+            <a:off x="4401581" y="2070189"/>
+            <a:ext cx="764438" cy="455507"/>
+          </a:xfrm>
+          <a:prstGeom prst="rect">
+            <a:avLst/>
+          </a:prstGeom>
+          <a:ln w="38100"/>
+        </p:spPr>
+        <p:style>
+          <a:lnRef idx="2">
+            <a:schemeClr val="dk1"/>
+          </a:lnRef>
+          <a:fillRef idx="1">
+            <a:schemeClr val="lt1"/>
+          </a:fillRef>
+          <a:effectRef idx="0">
+            <a:schemeClr val="dk1"/>
+          </a:effectRef>
+          <a:fontRef idx="minor">
+            <a:schemeClr val="dk1"/>
+          </a:fontRef>
+        </p:style>
+        <p:txBody>
+          <a:bodyPr rtlCol="0" anchor="ctr"/>
+          <a:lstStyle/>
+          <a:p>
+            <a:pPr algn="ctr"/>
+            <a:r>
+              <a:rPr lang="en-US" altLang="zh-CN" dirty="0">
+                <a:solidFill>
+                  <a:schemeClr val="dk1"/>
+                </a:solidFill>
+              </a:rPr>
+              <a:t>VNF1</a:t>
+            </a:r>
+            <a:endParaRPr lang="zh-CN" altLang="en-US" dirty="0">
+              <a:solidFill>
+                <a:schemeClr val="dk1"/>
+              </a:solidFill>
+            </a:endParaRPr>
+          </a:p>
+        </p:txBody>
+      </p:sp>
+      <p:cxnSp>
+        <p:nvCxnSpPr>
+          <p:cNvPr id="69" name="直接连接符 68">
+            <a:extLst>
+              <a:ext uri="{FF2B5EF4-FFF2-40B4-BE49-F238E27FC236}">
+                <a16:creationId xmlns:a16="http://schemas.microsoft.com/office/drawing/2014/main" id="{A310C4EA-24CE-438F-A24A-3A1D0CC95B4D}"/>
+              </a:ext>
+            </a:extLst>
+          </p:cNvPr>
+          <p:cNvCxnSpPr>
+            <a:cxnSpLocks/>
+            <a:stCxn id="65" idx="1"/>
+            <a:endCxn id="66" idx="3"/>
+          </p:cNvCxnSpPr>
+          <p:nvPr/>
+        </p:nvCxnSpPr>
+        <p:spPr>
+          <a:xfrm flipH="1">
+            <a:off x="5166019" y="2295807"/>
+            <a:ext cx="173156" cy="2136"/>
+          </a:xfrm>
+          <a:prstGeom prst="line">
+            <a:avLst/>
+          </a:prstGeom>
+          <a:ln w="38100"/>
+        </p:spPr>
+        <p:style>
+          <a:lnRef idx="2">
+            <a:schemeClr val="dk1"/>
+          </a:lnRef>
+          <a:fillRef idx="1">
+            <a:schemeClr val="lt1"/>
+          </a:fillRef>
+          <a:effectRef idx="0">
+            <a:schemeClr val="dk1"/>
+          </a:effectRef>
+          <a:fontRef idx="minor">
+            <a:schemeClr val="dk1"/>
+          </a:fontRef>
+        </p:style>
+      </p:cxnSp>
+      <p:sp>
+        <p:nvSpPr>
+          <p:cNvPr id="71" name="文本框 70">
+            <a:extLst>
+              <a:ext uri="{FF2B5EF4-FFF2-40B4-BE49-F238E27FC236}">
+                <a16:creationId xmlns:a16="http://schemas.microsoft.com/office/drawing/2014/main" id="{7517BD37-08D8-46BC-986B-278FB5823B35}"/>
+              </a:ext>
+            </a:extLst>
+          </p:cNvPr>
+          <p:cNvSpPr txBox="1"/>
+          <p:nvPr/>
+        </p:nvSpPr>
+        <p:spPr>
+          <a:xfrm>
+            <a:off x="4350511" y="1709825"/>
+            <a:ext cx="673582" cy="369332"/>
+          </a:xfrm>
+          <a:prstGeom prst="rect">
+            <a:avLst/>
+          </a:prstGeom>
+          <a:noFill/>
+        </p:spPr>
+        <p:txBody>
+          <a:bodyPr wrap="none" rtlCol="0">
+            <a:spAutoFit/>
+          </a:bodyPr>
+          <a:lstStyle/>
+          <a:p>
+            <a:r>
+              <a:rPr lang="en-US" altLang="zh-CN" b="1" dirty="0"/>
+              <a:t>VM2</a:t>
+            </a:r>
+            <a:endParaRPr lang="zh-CN" altLang="en-US" b="1" dirty="0"/>
+          </a:p>
+        </p:txBody>
+      </p:sp>
+      <p:sp>
+        <p:nvSpPr>
+          <p:cNvPr id="72" name="文本框 71">
+            <a:extLst>
+              <a:ext uri="{FF2B5EF4-FFF2-40B4-BE49-F238E27FC236}">
+                <a16:creationId xmlns:a16="http://schemas.microsoft.com/office/drawing/2014/main" id="{EF8EB845-663D-4C84-9E35-A633357294CD}"/>
+              </a:ext>
+            </a:extLst>
+          </p:cNvPr>
+          <p:cNvSpPr txBox="1"/>
+          <p:nvPr/>
+        </p:nvSpPr>
+        <p:spPr>
+          <a:xfrm>
+            <a:off x="3916793" y="2475452"/>
+            <a:ext cx="1069524" cy="369332"/>
+          </a:xfrm>
+          <a:prstGeom prst="rect">
+            <a:avLst/>
+          </a:prstGeom>
+          <a:noFill/>
+        </p:spPr>
+        <p:txBody>
+          <a:bodyPr wrap="none" rtlCol="0">
+            <a:spAutoFit/>
+          </a:bodyPr>
+          <a:lstStyle/>
+          <a:p>
+            <a:r>
+              <a:rPr lang="en-US" altLang="zh-CN" dirty="0"/>
+              <a:t>10.0.17.2</a:t>
+            </a:r>
+            <a:endParaRPr lang="zh-CN" altLang="en-US" dirty="0"/>
+          </a:p>
+        </p:txBody>
+      </p:sp>
+      <p:sp>
+        <p:nvSpPr>
+          <p:cNvPr id="77" name="矩形 76">
+            <a:extLst>
+              <a:ext uri="{FF2B5EF4-FFF2-40B4-BE49-F238E27FC236}">
+                <a16:creationId xmlns:a16="http://schemas.microsoft.com/office/drawing/2014/main" id="{6FB16D8D-AC4C-4CAC-BEF1-C9B85E843F63}"/>
+              </a:ext>
+            </a:extLst>
+          </p:cNvPr>
+          <p:cNvSpPr/>
+          <p:nvPr/>
+        </p:nvSpPr>
+        <p:spPr>
+          <a:xfrm>
+            <a:off x="5319536" y="1563287"/>
+            <a:ext cx="821377" cy="455507"/>
+          </a:xfrm>
+          <a:prstGeom prst="rect">
+            <a:avLst/>
+          </a:prstGeom>
+          <a:ln w="38100"/>
+        </p:spPr>
+        <p:style>
+          <a:lnRef idx="2">
+            <a:schemeClr val="dk1"/>
+          </a:lnRef>
+          <a:fillRef idx="1">
+            <a:schemeClr val="lt1"/>
+          </a:fillRef>
+          <a:effectRef idx="0">
+            <a:schemeClr val="dk1"/>
+          </a:effectRef>
+          <a:fontRef idx="minor">
+            <a:schemeClr val="dk1"/>
+          </a:fontRef>
+        </p:style>
+        <p:txBody>
+          <a:bodyPr rtlCol="0" anchor="ctr"/>
+          <a:lstStyle/>
+          <a:p>
+            <a:pPr algn="ctr"/>
+            <a:r>
+              <a:rPr lang="en-US" altLang="zh-CN" dirty="0">
+                <a:solidFill>
+                  <a:schemeClr val="dk1"/>
+                </a:solidFill>
+              </a:rPr>
+              <a:t>Kernel</a:t>
+            </a:r>
+            <a:endParaRPr lang="zh-CN" altLang="en-US" dirty="0">
+              <a:solidFill>
+                <a:schemeClr val="dk1"/>
+              </a:solidFill>
+            </a:endParaRPr>
+          </a:p>
+        </p:txBody>
+      </p:sp>
+      <p:sp>
+        <p:nvSpPr>
+          <p:cNvPr id="78" name="文本框 77">
+            <a:extLst>
+              <a:ext uri="{FF2B5EF4-FFF2-40B4-BE49-F238E27FC236}">
+                <a16:creationId xmlns:a16="http://schemas.microsoft.com/office/drawing/2014/main" id="{63D2A975-3182-4654-A123-ED88A667CB08}"/>
+              </a:ext>
+            </a:extLst>
+          </p:cNvPr>
+          <p:cNvSpPr txBox="1"/>
+          <p:nvPr/>
+        </p:nvSpPr>
+        <p:spPr>
+          <a:xfrm>
+            <a:off x="4913341" y="1251563"/>
+            <a:ext cx="1277914" cy="369332"/>
+          </a:xfrm>
+          <a:prstGeom prst="rect">
+            <a:avLst/>
+          </a:prstGeom>
+          <a:noFill/>
+        </p:spPr>
+        <p:txBody>
+          <a:bodyPr wrap="none" rtlCol="0">
+            <a:spAutoFit/>
+          </a:bodyPr>
+          <a:lstStyle/>
+          <a:p>
+            <a:r>
+              <a:rPr lang="en-US" altLang="zh-CN" dirty="0"/>
+              <a:t>2.2.0.70/27</a:t>
+            </a:r>
+            <a:endParaRPr lang="zh-CN" altLang="en-US" dirty="0"/>
+          </a:p>
+        </p:txBody>
+      </p:sp>
+      <p:cxnSp>
+        <p:nvCxnSpPr>
+          <p:cNvPr id="89" name="直接连接符 88">
+            <a:extLst>
+              <a:ext uri="{FF2B5EF4-FFF2-40B4-BE49-F238E27FC236}">
+                <a16:creationId xmlns:a16="http://schemas.microsoft.com/office/drawing/2014/main" id="{D1B2994E-6789-444A-A52B-E722D0604E05}"/>
+              </a:ext>
+            </a:extLst>
+          </p:cNvPr>
+          <p:cNvCxnSpPr>
+            <a:cxnSpLocks/>
+            <a:stCxn id="5" idx="2"/>
+            <a:endCxn id="25" idx="3"/>
+          </p:cNvCxnSpPr>
+          <p:nvPr/>
+        </p:nvCxnSpPr>
+        <p:spPr>
+          <a:xfrm flipH="1" flipV="1">
+            <a:off x="3599259" y="3909786"/>
+            <a:ext cx="1181647" cy="3588"/>
+          </a:xfrm>
+          <a:prstGeom prst="line">
+            <a:avLst/>
+          </a:prstGeom>
+          <a:ln w="38100"/>
+        </p:spPr>
+        <p:style>
+          <a:lnRef idx="2">
+            <a:schemeClr val="dk1"/>
+          </a:lnRef>
+          <a:fillRef idx="1">
+            <a:schemeClr val="lt1"/>
+          </a:fillRef>
+          <a:effectRef idx="0">
+            <a:schemeClr val="dk1"/>
+          </a:effectRef>
+          <a:fontRef idx="minor">
+            <a:schemeClr val="dk1"/>
+          </a:fontRef>
+        </p:style>
+      </p:cxnSp>
+      <p:sp>
+        <p:nvSpPr>
+          <p:cNvPr id="56" name="文本框 55">
+            <a:extLst>
+              <a:ext uri="{FF2B5EF4-FFF2-40B4-BE49-F238E27FC236}">
+                <a16:creationId xmlns:a16="http://schemas.microsoft.com/office/drawing/2014/main" id="{73414816-ED22-4BAC-A498-70F9C193E17C}"/>
+              </a:ext>
+            </a:extLst>
+          </p:cNvPr>
+          <p:cNvSpPr txBox="1"/>
+          <p:nvPr/>
+        </p:nvSpPr>
+        <p:spPr>
+          <a:xfrm>
+            <a:off x="3686786" y="3731635"/>
+            <a:ext cx="973343" cy="369332"/>
+          </a:xfrm>
+          <a:prstGeom prst="rect">
+            <a:avLst/>
+          </a:prstGeom>
+        </p:spPr>
+        <p:style>
+          <a:lnRef idx="2">
+            <a:schemeClr val="accent2">
+              <a:shade val="50000"/>
+            </a:schemeClr>
+          </a:lnRef>
+          <a:fillRef idx="1">
+            <a:schemeClr val="accent2"/>
+          </a:fillRef>
+          <a:effectRef idx="0">
+            <a:schemeClr val="accent2"/>
+          </a:effectRef>
+          <a:fontRef idx="minor">
+            <a:schemeClr val="lt1"/>
+          </a:fontRef>
+        </p:style>
+        <p:txBody>
+          <a:bodyPr wrap="none" rtlCol="0">
+            <a:spAutoFit/>
+          </a:bodyPr>
+          <a:lstStyle/>
+          <a:p>
+            <a:r>
+              <a:rPr lang="en-US" altLang="zh-CN" b="1" dirty="0"/>
+              <a:t>toVNF1</a:t>
+            </a:r>
+            <a:endParaRPr lang="zh-CN" altLang="en-US" b="1" dirty="0"/>
+          </a:p>
+        </p:txBody>
+      </p:sp>
+      <p:sp>
+        <p:nvSpPr>
+          <p:cNvPr id="109" name="文本框 108">
+            <a:extLst>
+              <a:ext uri="{FF2B5EF4-FFF2-40B4-BE49-F238E27FC236}">
+                <a16:creationId xmlns:a16="http://schemas.microsoft.com/office/drawing/2014/main" id="{4D7EB1A8-0AC5-4D10-A677-E620B367283B}"/>
+              </a:ext>
+            </a:extLst>
+          </p:cNvPr>
+          <p:cNvSpPr txBox="1"/>
+          <p:nvPr/>
+        </p:nvSpPr>
+        <p:spPr>
+          <a:xfrm>
+            <a:off x="4249284" y="2975915"/>
+            <a:ext cx="1866217" cy="369332"/>
+          </a:xfrm>
+          <a:prstGeom prst="rect">
+            <a:avLst/>
+          </a:prstGeom>
+        </p:spPr>
+        <p:style>
+          <a:lnRef idx="2">
+            <a:schemeClr val="accent2">
+              <a:shade val="50000"/>
+            </a:schemeClr>
+          </a:lnRef>
+          <a:fillRef idx="1">
+            <a:schemeClr val="accent2"/>
+          </a:fillRef>
+          <a:effectRef idx="0">
+            <a:schemeClr val="accent2"/>
+          </a:effectRef>
+          <a:fontRef idx="minor">
+            <a:schemeClr val="lt1"/>
+          </a:fontRef>
+        </p:style>
+        <p:txBody>
+          <a:bodyPr wrap="none" rtlCol="0">
+            <a:spAutoFit/>
+          </a:bodyPr>
+          <a:lstStyle/>
+          <a:p>
+            <a:r>
+              <a:rPr lang="en-US" altLang="zh-CN" b="1" dirty="0"/>
+              <a:t>toVNF1Backup0</a:t>
+            </a:r>
+            <a:endParaRPr lang="zh-CN" altLang="en-US" b="1" dirty="0"/>
+          </a:p>
+        </p:txBody>
+      </p:sp>
+      <p:cxnSp>
+        <p:nvCxnSpPr>
+          <p:cNvPr id="110" name="直接连接符 109">
+            <a:extLst>
+              <a:ext uri="{FF2B5EF4-FFF2-40B4-BE49-F238E27FC236}">
+                <a16:creationId xmlns:a16="http://schemas.microsoft.com/office/drawing/2014/main" id="{CBAE9284-2DE2-4421-ACBD-9F74005DDBFF}"/>
+              </a:ext>
+            </a:extLst>
+          </p:cNvPr>
+          <p:cNvCxnSpPr>
+            <a:cxnSpLocks/>
+            <a:stCxn id="109" idx="0"/>
+            <a:endCxn id="65" idx="3"/>
+          </p:cNvCxnSpPr>
+          <p:nvPr/>
+        </p:nvCxnSpPr>
+        <p:spPr>
+          <a:xfrm flipV="1">
+            <a:off x="5182393" y="2295807"/>
+            <a:ext cx="921220" cy="680108"/>
+          </a:xfrm>
+          <a:prstGeom prst="line">
+            <a:avLst/>
+          </a:prstGeom>
+          <a:ln w="38100"/>
+        </p:spPr>
+        <p:style>
+          <a:lnRef idx="2">
+            <a:schemeClr val="dk1"/>
+          </a:lnRef>
+          <a:fillRef idx="1">
+            <a:schemeClr val="lt1"/>
+          </a:fillRef>
+          <a:effectRef idx="0">
+            <a:schemeClr val="dk1"/>
+          </a:effectRef>
+          <a:fontRef idx="minor">
+            <a:schemeClr val="dk1"/>
+          </a:fontRef>
+        </p:style>
+      </p:cxnSp>
+      <p:sp>
+        <p:nvSpPr>
+          <p:cNvPr id="85" name="文本框 84">
+            <a:extLst>
+              <a:ext uri="{FF2B5EF4-FFF2-40B4-BE49-F238E27FC236}">
+                <a16:creationId xmlns:a16="http://schemas.microsoft.com/office/drawing/2014/main" id="{02A60A95-5889-4CE6-8693-EF5C3D2864DC}"/>
+              </a:ext>
+            </a:extLst>
+          </p:cNvPr>
+          <p:cNvSpPr txBox="1"/>
+          <p:nvPr/>
+        </p:nvSpPr>
+        <p:spPr>
+          <a:xfrm>
+            <a:off x="4976261" y="2497687"/>
+            <a:ext cx="1277914" cy="369332"/>
+          </a:xfrm>
+          <a:prstGeom prst="rect">
+            <a:avLst/>
+          </a:prstGeom>
+          <a:noFill/>
+        </p:spPr>
+        <p:txBody>
+          <a:bodyPr wrap="none" rtlCol="0">
+            <a:spAutoFit/>
+          </a:bodyPr>
+          <a:lstStyle/>
+          <a:p>
+            <a:r>
+              <a:rPr lang="en-US" altLang="zh-CN" dirty="0"/>
+              <a:t>2.2.0.71/27</a:t>
+            </a:r>
+            <a:endParaRPr lang="zh-CN" altLang="en-US" dirty="0"/>
+          </a:p>
+        </p:txBody>
+      </p:sp>
+    </p:spTree>
+    <p:extLst>
+      <p:ext uri="{BB962C8B-B14F-4D97-AF65-F5344CB8AC3E}">
+        <p14:creationId xmlns:p14="http://schemas.microsoft.com/office/powerpoint/2010/main" val="2845546032"/>
+      </p:ext>
+    </p:extLst>
+  </p:cSld>
+  <p:clrMapOvr>
+    <a:masterClrMapping/>
+  </p:clrMapOvr>
+</p:sld>
+</file>
+
+<file path=ppt/slides/slide12.xml><?xml version="1.0" encoding="utf-8"?>
+<p:sld xmlns:a="http://schemas.openxmlformats.org/drawingml/2006/main" xmlns:r="http://schemas.openxmlformats.org/officeDocument/2006/relationships" xmlns:p="http://schemas.openxmlformats.org/presentationml/2006/main">
+  <p:cSld>
+    <p:spTree>
+      <p:nvGrpSpPr>
+        <p:cNvPr id="1" name=""/>
+        <p:cNvGrpSpPr/>
+        <p:nvPr/>
+      </p:nvGrpSpPr>
+      <p:grpSpPr>
+        <a:xfrm>
+          <a:off x="0" y="0"/>
+          <a:ext cx="0" cy="0"/>
+          <a:chOff x="0" y="0"/>
+          <a:chExt cx="0" cy="0"/>
+        </a:xfrm>
+      </p:grpSpPr>
+      <p:sp>
+        <p:nvSpPr>
           <p:cNvPr id="104" name="矩形: 圆角 103">
             <a:extLst>
               <a:ext uri="{FF2B5EF4-FFF2-40B4-BE49-F238E27FC236}">
@@ -7984,19 +11431,19 @@
           <a:prstGeom prst="straightConnector1">
             <a:avLst/>
           </a:prstGeom>
-          <a:ln>
+          <a:ln w="28575">
             <a:tailEnd type="triangle"/>
           </a:ln>
         </p:spPr>
         <p:style>
-          <a:lnRef idx="1">
-            <a:schemeClr val="accent1"/>
+          <a:lnRef idx="2">
+            <a:schemeClr val="accent6"/>
           </a:lnRef>
           <a:fillRef idx="0">
-            <a:schemeClr val="accent1"/>
+            <a:schemeClr val="accent6"/>
           </a:fillRef>
-          <a:effectRef idx="0">
-            <a:schemeClr val="accent1"/>
+          <a:effectRef idx="1">
+            <a:schemeClr val="accent6"/>
           </a:effectRef>
           <a:fontRef idx="minor">
             <a:schemeClr val="tx1"/>
@@ -8062,31 +11509,31 @@
           <p:cNvCxnSpPr>
             <a:cxnSpLocks/>
             <a:stCxn id="84" idx="0"/>
+            <a:endCxn id="72" idx="3"/>
           </p:cNvCxnSpPr>
           <p:nvPr/>
         </p:nvCxnSpPr>
         <p:spPr>
           <a:xfrm flipH="1" flipV="1">
-            <a:off x="5461697" y="1297657"/>
-            <a:ext cx="2385710" cy="566798"/>
+            <a:off x="6037922" y="1481457"/>
+            <a:ext cx="1809485" cy="382998"/>
           </a:xfrm>
           <a:prstGeom prst="straightConnector1">
             <a:avLst/>
           </a:prstGeom>
-          <a:ln>
-            <a:prstDash val="dash"/>
+          <a:ln w="28575">
             <a:tailEnd type="triangle"/>
           </a:ln>
         </p:spPr>
         <p:style>
-          <a:lnRef idx="1">
-            <a:schemeClr val="accent1"/>
+          <a:lnRef idx="2">
+            <a:schemeClr val="accent6"/>
           </a:lnRef>
           <a:fillRef idx="0">
-            <a:schemeClr val="accent1"/>
+            <a:schemeClr val="accent6"/>
           </a:fillRef>
-          <a:effectRef idx="0">
-            <a:schemeClr val="accent1"/>
+          <a:effectRef idx="1">
+            <a:schemeClr val="accent6"/>
           </a:effectRef>
           <a:fontRef idx="minor">
             <a:schemeClr val="tx1"/>
@@ -8107,8 +11554,8 @@
         </p:nvSpPr>
         <p:spPr>
           <a:xfrm>
-            <a:off x="202517" y="1420317"/>
-            <a:ext cx="833864" cy="1741080"/>
+            <a:off x="265157" y="1420317"/>
+            <a:ext cx="771224" cy="1741080"/>
           </a:xfrm>
           <a:prstGeom prst="rect">
             <a:avLst/>
@@ -8424,19 +11871,25 @@
           <a:prstGeom prst="straightConnector1">
             <a:avLst/>
           </a:prstGeom>
-          <a:ln>
-            <a:tailEnd type="triangle"/>
+          <a:ln w="38100" cap="flat" cmpd="sng" algn="ctr">
+            <a:solidFill>
+              <a:srgbClr val="FFC000"/>
+            </a:solidFill>
+            <a:prstDash val="dash"/>
+            <a:round/>
+            <a:headEnd type="none" w="med" len="med"/>
+            <a:tailEnd type="none" w="med" len="med"/>
           </a:ln>
         </p:spPr>
         <p:style>
-          <a:lnRef idx="1">
-            <a:schemeClr val="accent1"/>
+          <a:lnRef idx="0">
+            <a:scrgbClr r="0" g="0" b="0"/>
           </a:lnRef>
           <a:fillRef idx="0">
-            <a:schemeClr val="accent1"/>
+            <a:scrgbClr r="0" g="0" b="0"/>
           </a:fillRef>
           <a:effectRef idx="0">
-            <a:schemeClr val="accent1"/>
+            <a:scrgbClr r="0" g="0" b="0"/>
           </a:effectRef>
           <a:fontRef idx="minor">
             <a:schemeClr val="tx1"/>
@@ -8967,19 +12420,25 @@
           <a:prstGeom prst="straightConnector1">
             <a:avLst/>
           </a:prstGeom>
-          <a:ln>
-            <a:tailEnd type="triangle"/>
+          <a:ln w="38100" cap="flat" cmpd="sng" algn="ctr">
+            <a:solidFill>
+              <a:srgbClr val="FFC000"/>
+            </a:solidFill>
+            <a:prstDash val="dash"/>
+            <a:round/>
+            <a:headEnd type="none" w="med" len="med"/>
+            <a:tailEnd type="none" w="med" len="med"/>
           </a:ln>
         </p:spPr>
         <p:style>
-          <a:lnRef idx="1">
-            <a:schemeClr val="accent1"/>
+          <a:lnRef idx="0">
+            <a:scrgbClr r="0" g="0" b="0"/>
           </a:lnRef>
           <a:fillRef idx="0">
-            <a:schemeClr val="accent1"/>
+            <a:scrgbClr r="0" g="0" b="0"/>
           </a:fillRef>
           <a:effectRef idx="0">
-            <a:schemeClr val="accent1"/>
+            <a:scrgbClr r="0" g="0" b="0"/>
           </a:effectRef>
           <a:fontRef idx="minor">
             <a:schemeClr val="tx1"/>
@@ -9357,9 +12816,9 @@
           <a:prstGeom prst="straightConnector1">
             <a:avLst/>
           </a:prstGeom>
-          <a:ln w="9525" cap="flat" cmpd="sng" algn="ctr">
+          <a:ln w="38100" cap="flat" cmpd="sng" algn="ctr">
             <a:solidFill>
-              <a:schemeClr val="accent1"/>
+              <a:srgbClr val="FFC000"/>
             </a:solidFill>
             <a:prstDash val="dash"/>
             <a:round/>
@@ -9406,9 +12865,9 @@
           <a:prstGeom prst="straightConnector1">
             <a:avLst/>
           </a:prstGeom>
-          <a:ln w="9525" cap="flat" cmpd="sng" algn="ctr">
+          <a:ln w="38100" cap="flat" cmpd="sng" algn="ctr">
             <a:solidFill>
-              <a:schemeClr val="accent1"/>
+              <a:srgbClr val="FFC000"/>
             </a:solidFill>
             <a:prstDash val="dash"/>
             <a:round/>
@@ -9455,9 +12914,9 @@
           <a:prstGeom prst="straightConnector1">
             <a:avLst/>
           </a:prstGeom>
-          <a:ln w="9525" cap="flat" cmpd="sng" algn="ctr">
+          <a:ln w="38100" cap="flat" cmpd="sng" algn="ctr">
             <a:solidFill>
-              <a:schemeClr val="accent1"/>
+              <a:srgbClr val="FFC000"/>
             </a:solidFill>
             <a:prstDash val="dash"/>
             <a:round/>
@@ -9504,9 +12963,9 @@
           <a:prstGeom prst="straightConnector1">
             <a:avLst/>
           </a:prstGeom>
-          <a:ln w="9525" cap="flat" cmpd="sng" algn="ctr">
+          <a:ln w="38100" cap="flat" cmpd="sng" algn="ctr">
             <a:solidFill>
-              <a:schemeClr val="accent1"/>
+              <a:srgbClr val="FFC000"/>
             </a:solidFill>
             <a:prstDash val="dash"/>
             <a:round/>
@@ -9553,9 +13012,9 @@
           <a:prstGeom prst="straightConnector1">
             <a:avLst/>
           </a:prstGeom>
-          <a:ln w="9525" cap="flat" cmpd="sng" algn="ctr">
+          <a:ln w="38100" cap="flat" cmpd="sng" algn="ctr">
             <a:solidFill>
-              <a:schemeClr val="accent1"/>
+              <a:srgbClr val="FFC000"/>
             </a:solidFill>
             <a:prstDash val="dash"/>
             <a:round/>
@@ -9602,19 +13061,25 @@
           <a:prstGeom prst="straightConnector1">
             <a:avLst/>
           </a:prstGeom>
-          <a:ln>
-            <a:tailEnd type="triangle"/>
+          <a:ln w="38100" cap="flat" cmpd="sng" algn="ctr">
+            <a:solidFill>
+              <a:srgbClr val="FFC000"/>
+            </a:solidFill>
+            <a:prstDash val="dash"/>
+            <a:round/>
+            <a:headEnd type="none" w="med" len="med"/>
+            <a:tailEnd type="none" w="med" len="med"/>
           </a:ln>
         </p:spPr>
         <p:style>
-          <a:lnRef idx="1">
-            <a:schemeClr val="accent1"/>
+          <a:lnRef idx="0">
+            <a:scrgbClr r="0" g="0" b="0"/>
           </a:lnRef>
           <a:fillRef idx="0">
-            <a:schemeClr val="accent1"/>
+            <a:scrgbClr r="0" g="0" b="0"/>
           </a:fillRef>
           <a:effectRef idx="0">
-            <a:schemeClr val="accent1"/>
+            <a:scrgbClr r="0" g="0" b="0"/>
           </a:effectRef>
           <a:fontRef idx="minor">
             <a:schemeClr val="tx1"/>
@@ -10196,7 +13661,7 @@
 </p:sld>
 </file>
 
-<file path=ppt/slides/slide12.xml><?xml version="1.0" encoding="utf-8"?>
+<file path=ppt/slides/slide13.xml><?xml version="1.0" encoding="utf-8"?>
 <p:sld xmlns:a="http://schemas.openxmlformats.org/drawingml/2006/main" xmlns:r="http://schemas.openxmlformats.org/officeDocument/2006/relationships" xmlns:p="http://schemas.openxmlformats.org/presentationml/2006/main">
   <p:cSld>
     <p:spTree>

--- a/doc/SoftwareDesign/Architecture-SDNSwitch.pptx
+++ b/doc/SoftwareDesign/Architecture-SDNSwitch.pptx
@@ -209,7 +209,7 @@
           <a:p>
             <a:fld id="{28F549E5-EDF6-49DA-A258-26AEF78D5914}" type="datetimeFigureOut">
               <a:rPr lang="zh-CN" altLang="en-US" smtClean="0"/>
-              <a:t>2020/8/30</a:t>
+              <a:t>2020/9/5</a:t>
             </a:fld>
             <a:endParaRPr lang="zh-CN" altLang="en-US"/>
           </a:p>
@@ -1127,7 +1127,7 @@
           <a:p>
             <a:fld id="{8C8FE85A-A409-47B8-9A34-876552EE5CE2}" type="datetimeFigureOut">
               <a:rPr lang="zh-CN" altLang="en-US" smtClean="0"/>
-              <a:t>2020/8/30</a:t>
+              <a:t>2020/9/5</a:t>
             </a:fld>
             <a:endParaRPr lang="zh-CN" altLang="en-US"/>
           </a:p>
@@ -1325,7 +1325,7 @@
           <a:p>
             <a:fld id="{8C8FE85A-A409-47B8-9A34-876552EE5CE2}" type="datetimeFigureOut">
               <a:rPr lang="zh-CN" altLang="en-US" smtClean="0"/>
-              <a:t>2020/8/30</a:t>
+              <a:t>2020/9/5</a:t>
             </a:fld>
             <a:endParaRPr lang="zh-CN" altLang="en-US"/>
           </a:p>
@@ -1533,7 +1533,7 @@
           <a:p>
             <a:fld id="{8C8FE85A-A409-47B8-9A34-876552EE5CE2}" type="datetimeFigureOut">
               <a:rPr lang="zh-CN" altLang="en-US" smtClean="0"/>
-              <a:t>2020/8/30</a:t>
+              <a:t>2020/9/5</a:t>
             </a:fld>
             <a:endParaRPr lang="zh-CN" altLang="en-US"/>
           </a:p>
@@ -1731,7 +1731,7 @@
           <a:p>
             <a:fld id="{8C8FE85A-A409-47B8-9A34-876552EE5CE2}" type="datetimeFigureOut">
               <a:rPr lang="zh-CN" altLang="en-US" smtClean="0"/>
-              <a:t>2020/8/30</a:t>
+              <a:t>2020/9/5</a:t>
             </a:fld>
             <a:endParaRPr lang="zh-CN" altLang="en-US"/>
           </a:p>
@@ -2006,7 +2006,7 @@
           <a:p>
             <a:fld id="{8C8FE85A-A409-47B8-9A34-876552EE5CE2}" type="datetimeFigureOut">
               <a:rPr lang="zh-CN" altLang="en-US" smtClean="0"/>
-              <a:t>2020/8/30</a:t>
+              <a:t>2020/9/5</a:t>
             </a:fld>
             <a:endParaRPr lang="zh-CN" altLang="en-US"/>
           </a:p>
@@ -2271,7 +2271,7 @@
           <a:p>
             <a:fld id="{8C8FE85A-A409-47B8-9A34-876552EE5CE2}" type="datetimeFigureOut">
               <a:rPr lang="zh-CN" altLang="en-US" smtClean="0"/>
-              <a:t>2020/8/30</a:t>
+              <a:t>2020/9/5</a:t>
             </a:fld>
             <a:endParaRPr lang="zh-CN" altLang="en-US"/>
           </a:p>
@@ -2683,7 +2683,7 @@
           <a:p>
             <a:fld id="{8C8FE85A-A409-47B8-9A34-876552EE5CE2}" type="datetimeFigureOut">
               <a:rPr lang="zh-CN" altLang="en-US" smtClean="0"/>
-              <a:t>2020/8/30</a:t>
+              <a:t>2020/9/5</a:t>
             </a:fld>
             <a:endParaRPr lang="zh-CN" altLang="en-US"/>
           </a:p>
@@ -2824,7 +2824,7 @@
           <a:p>
             <a:fld id="{8C8FE85A-A409-47B8-9A34-876552EE5CE2}" type="datetimeFigureOut">
               <a:rPr lang="zh-CN" altLang="en-US" smtClean="0"/>
-              <a:t>2020/8/30</a:t>
+              <a:t>2020/9/5</a:t>
             </a:fld>
             <a:endParaRPr lang="zh-CN" altLang="en-US"/>
           </a:p>
@@ -2937,7 +2937,7 @@
           <a:p>
             <a:fld id="{8C8FE85A-A409-47B8-9A34-876552EE5CE2}" type="datetimeFigureOut">
               <a:rPr lang="zh-CN" altLang="en-US" smtClean="0"/>
-              <a:t>2020/8/30</a:t>
+              <a:t>2020/9/5</a:t>
             </a:fld>
             <a:endParaRPr lang="zh-CN" altLang="en-US"/>
           </a:p>
@@ -3248,7 +3248,7 @@
           <a:p>
             <a:fld id="{8C8FE85A-A409-47B8-9A34-876552EE5CE2}" type="datetimeFigureOut">
               <a:rPr lang="zh-CN" altLang="en-US" smtClean="0"/>
-              <a:t>2020/8/30</a:t>
+              <a:t>2020/9/5</a:t>
             </a:fld>
             <a:endParaRPr lang="zh-CN" altLang="en-US"/>
           </a:p>
@@ -3536,7 +3536,7 @@
           <a:p>
             <a:fld id="{8C8FE85A-A409-47B8-9A34-876552EE5CE2}" type="datetimeFigureOut">
               <a:rPr lang="zh-CN" altLang="en-US" smtClean="0"/>
-              <a:t>2020/8/30</a:t>
+              <a:t>2020/9/5</a:t>
             </a:fld>
             <a:endParaRPr lang="zh-CN" altLang="en-US"/>
           </a:p>
@@ -3777,7 +3777,7 @@
           <a:p>
             <a:fld id="{8C8FE85A-A409-47B8-9A34-876552EE5CE2}" type="datetimeFigureOut">
               <a:rPr lang="zh-CN" altLang="en-US" smtClean="0"/>
-              <a:t>2020/8/30</a:t>
+              <a:t>2020/9/5</a:t>
             </a:fld>
             <a:endParaRPr lang="zh-CN" altLang="en-US"/>
           </a:p>
@@ -10469,6 +10469,161 @@
       </p:grpSpPr>
       <p:sp>
         <p:nvSpPr>
+          <p:cNvPr id="70" name="文本框 69">
+            <a:extLst>
+              <a:ext uri="{FF2B5EF4-FFF2-40B4-BE49-F238E27FC236}">
+                <a16:creationId xmlns:a16="http://schemas.microsoft.com/office/drawing/2014/main" id="{696C3A7B-AA2B-4EE2-892C-D0F03840A9C9}"/>
+              </a:ext>
+            </a:extLst>
+          </p:cNvPr>
+          <p:cNvSpPr txBox="1"/>
+          <p:nvPr/>
+        </p:nvSpPr>
+        <p:spPr>
+          <a:xfrm>
+            <a:off x="7021203" y="709234"/>
+            <a:ext cx="2803170" cy="1190138"/>
+          </a:xfrm>
+          <a:prstGeom prst="rect">
+            <a:avLst/>
+          </a:prstGeom>
+        </p:spPr>
+        <p:style>
+          <a:lnRef idx="2">
+            <a:schemeClr val="accent1"/>
+          </a:lnRef>
+          <a:fillRef idx="1">
+            <a:schemeClr val="lt1"/>
+          </a:fillRef>
+          <a:effectRef idx="0">
+            <a:schemeClr val="accent1"/>
+          </a:effectRef>
+          <a:fontRef idx="minor">
+            <a:schemeClr val="dk1"/>
+          </a:fontRef>
+        </p:style>
+        <p:txBody>
+          <a:bodyPr rtlCol="0" anchor="ctr"/>
+          <a:lstStyle>
+            <a:defPPr>
+              <a:defRPr lang="zh-CN"/>
+            </a:defPPr>
+            <a:lvl1pPr marL="285750" indent="-285750">
+              <a:buFont typeface="Arial" panose="020B0604020202020204" pitchFamily="34" charset="0"/>
+              <a:buChar char="•"/>
+              <a:defRPr sz="1400">
+                <a:solidFill>
+                  <a:schemeClr val="dk1"/>
+                </a:solidFill>
+              </a:defRPr>
+            </a:lvl1pPr>
+            <a:lvl2pPr>
+              <a:defRPr>
+                <a:solidFill>
+                  <a:schemeClr val="dk1"/>
+                </a:solidFill>
+              </a:defRPr>
+            </a:lvl2pPr>
+            <a:lvl3pPr>
+              <a:defRPr>
+                <a:solidFill>
+                  <a:schemeClr val="dk1"/>
+                </a:solidFill>
+              </a:defRPr>
+            </a:lvl3pPr>
+            <a:lvl4pPr>
+              <a:defRPr>
+                <a:solidFill>
+                  <a:schemeClr val="dk1"/>
+                </a:solidFill>
+              </a:defRPr>
+            </a:lvl4pPr>
+            <a:lvl5pPr>
+              <a:defRPr>
+                <a:solidFill>
+                  <a:schemeClr val="dk1"/>
+                </a:solidFill>
+              </a:defRPr>
+            </a:lvl5pPr>
+            <a:lvl6pPr>
+              <a:defRPr>
+                <a:solidFill>
+                  <a:schemeClr val="dk1"/>
+                </a:solidFill>
+              </a:defRPr>
+            </a:lvl6pPr>
+            <a:lvl7pPr>
+              <a:defRPr>
+                <a:solidFill>
+                  <a:schemeClr val="dk1"/>
+                </a:solidFill>
+              </a:defRPr>
+            </a:lvl7pPr>
+            <a:lvl8pPr>
+              <a:defRPr>
+                <a:solidFill>
+                  <a:schemeClr val="dk1"/>
+                </a:solidFill>
+              </a:defRPr>
+            </a:lvl8pPr>
+            <a:lvl9pPr>
+              <a:defRPr>
+                <a:solidFill>
+                  <a:schemeClr val="dk1"/>
+                </a:solidFill>
+              </a:defRPr>
+            </a:lvl9pPr>
+          </a:lstStyle>
+          <a:p>
+            <a:r>
+              <a:rPr lang="en-US" altLang="zh-CN" dirty="0"/>
+              <a:t>Network info (Real-time info)</a:t>
+            </a:r>
+          </a:p>
+          <a:p>
+            <a:pPr marL="742950" lvl="1" indent="-285750">
+              <a:buFont typeface="Arial" panose="020B0604020202020204" pitchFamily="34" charset="0"/>
+              <a:buChar char="•"/>
+            </a:pPr>
+            <a:r>
+              <a:rPr lang="en-US" altLang="zh-CN" sz="1400" dirty="0"/>
+              <a:t>Switch info</a:t>
+            </a:r>
+          </a:p>
+          <a:p>
+            <a:pPr marL="742950" lvl="1" indent="-285750">
+              <a:buFont typeface="Arial" panose="020B0604020202020204" pitchFamily="34" charset="0"/>
+              <a:buChar char="•"/>
+            </a:pPr>
+            <a:r>
+              <a:rPr lang="en-US" altLang="zh-CN" sz="1400" dirty="0"/>
+              <a:t>Server info</a:t>
+            </a:r>
+          </a:p>
+          <a:p>
+            <a:pPr marL="1200150" lvl="2" indent="-285750">
+              <a:buFont typeface="Arial" panose="020B0604020202020204" pitchFamily="34" charset="0"/>
+              <a:buChar char="•"/>
+            </a:pPr>
+            <a:r>
+              <a:rPr lang="en-US" altLang="zh-CN" sz="1400" dirty="0"/>
+              <a:t>VNF info</a:t>
+            </a:r>
+          </a:p>
+          <a:p>
+            <a:pPr marL="1200150" lvl="2" indent="-285750">
+              <a:buFont typeface="Arial" panose="020B0604020202020204" pitchFamily="34" charset="0"/>
+              <a:buChar char="•"/>
+            </a:pPr>
+            <a:r>
+              <a:rPr lang="en-US" altLang="zh-CN" sz="1400" dirty="0"/>
+              <a:t>SFF info</a:t>
+            </a:r>
+          </a:p>
+        </p:txBody>
+      </p:sp>
+      <p:sp>
+        <p:nvSpPr>
           <p:cNvPr id="104" name="矩形: 圆角 103">
             <a:extLst>
               <a:ext uri="{FF2B5EF4-FFF2-40B4-BE49-F238E27FC236}">
@@ -10697,8 +10852,8 @@
         </p:nvSpPr>
         <p:spPr>
           <a:xfrm>
-            <a:off x="6448248" y="109803"/>
-            <a:ext cx="2992471" cy="1493258"/>
+            <a:off x="5110396" y="400827"/>
+            <a:ext cx="1805812" cy="332865"/>
           </a:xfrm>
           <a:prstGeom prst="roundRect">
             <a:avLst/>
@@ -10728,55 +10883,7 @@
             </a:pPr>
             <a:r>
               <a:rPr lang="en-US" altLang="zh-CN" sz="1400" dirty="0"/>
-              <a:t>SFC info</a:t>
-            </a:r>
-          </a:p>
-          <a:p>
-            <a:pPr marL="285750" indent="-285750">
-              <a:buFont typeface="Arial" panose="020B0604020202020204" pitchFamily="34" charset="0"/>
-              <a:buChar char="•"/>
-            </a:pPr>
-            <a:r>
-              <a:rPr lang="en-US" altLang="zh-CN" sz="1400" dirty="0"/>
-              <a:t>Network info (Real-time info)</a:t>
-            </a:r>
-          </a:p>
-          <a:p>
-            <a:pPr marL="800100" lvl="1" indent="-342900">
-              <a:buAutoNum type="arabicParenBoth"/>
-            </a:pPr>
-            <a:r>
-              <a:rPr lang="en-US" altLang="zh-CN" sz="1400" dirty="0"/>
-              <a:t>Switch info</a:t>
-            </a:r>
-          </a:p>
-          <a:p>
-            <a:pPr marL="800100" lvl="1" indent="-342900">
-              <a:buAutoNum type="arabicParenBoth"/>
-            </a:pPr>
-            <a:r>
-              <a:rPr lang="en-US" altLang="zh-CN" sz="1400" dirty="0"/>
-              <a:t>Server info</a:t>
-            </a:r>
-          </a:p>
-          <a:p>
-            <a:pPr marL="1257300" lvl="2" indent="-342900">
-              <a:buFont typeface="+mj-lt"/>
-              <a:buAutoNum type="alphaLcPeriod"/>
-            </a:pPr>
-            <a:r>
-              <a:rPr lang="en-US" altLang="zh-CN" sz="1400" dirty="0"/>
-              <a:t>VNF info</a:t>
-            </a:r>
-          </a:p>
-          <a:p>
-            <a:pPr marL="1257300" lvl="2" indent="-342900">
-              <a:buFont typeface="+mj-lt"/>
-              <a:buAutoNum type="alphaLcPeriod"/>
-            </a:pPr>
-            <a:r>
-              <a:rPr lang="en-US" altLang="zh-CN" sz="1400" dirty="0"/>
-              <a:t>SFF info</a:t>
+              <a:t>SFC request info</a:t>
             </a:r>
           </a:p>
         </p:txBody>
@@ -11236,7 +11343,7 @@
         </p:nvSpPr>
         <p:spPr>
           <a:xfrm>
-            <a:off x="4288059" y="1871265"/>
+            <a:off x="3834787" y="1871265"/>
             <a:ext cx="2347274" cy="833736"/>
           </a:xfrm>
           <a:prstGeom prst="rect">
@@ -11372,7 +11479,7 @@
         </p:nvSpPr>
         <p:spPr>
           <a:xfrm>
-            <a:off x="5135016" y="762034"/>
+            <a:off x="5034543" y="888642"/>
             <a:ext cx="1805812" cy="719423"/>
           </a:xfrm>
           <a:prstGeom prst="can">
@@ -11425,8 +11532,8 @@
         </p:nvCxnSpPr>
         <p:spPr>
           <a:xfrm flipH="1">
-            <a:off x="5461696" y="1481457"/>
-            <a:ext cx="576226" cy="389808"/>
+            <a:off x="5008424" y="1608065"/>
+            <a:ext cx="929025" cy="263200"/>
           </a:xfrm>
           <a:prstGeom prst="straightConnector1">
             <a:avLst/>
@@ -11464,7 +11571,7 @@
         </p:nvSpPr>
         <p:spPr>
           <a:xfrm>
-            <a:off x="6753898" y="1864455"/>
+            <a:off x="6630053" y="1864455"/>
             <a:ext cx="2187018" cy="852445"/>
           </a:xfrm>
           <a:prstGeom prst="rect">
@@ -11497,49 +11604,6 @@
           </a:p>
         </p:txBody>
       </p:sp>
-      <p:cxnSp>
-        <p:nvCxnSpPr>
-          <p:cNvPr id="142" name="直接箭头连接符 141">
-            <a:extLst>
-              <a:ext uri="{FF2B5EF4-FFF2-40B4-BE49-F238E27FC236}">
-                <a16:creationId xmlns:a16="http://schemas.microsoft.com/office/drawing/2014/main" id="{F110A6C6-0087-4753-8C1E-FC39D0CE661F}"/>
-              </a:ext>
-            </a:extLst>
-          </p:cNvPr>
-          <p:cNvCxnSpPr>
-            <a:cxnSpLocks/>
-            <a:stCxn id="84" idx="0"/>
-            <a:endCxn id="72" idx="3"/>
-          </p:cNvCxnSpPr>
-          <p:nvPr/>
-        </p:nvCxnSpPr>
-        <p:spPr>
-          <a:xfrm flipH="1" flipV="1">
-            <a:off x="6037922" y="1481457"/>
-            <a:ext cx="1809485" cy="382998"/>
-          </a:xfrm>
-          <a:prstGeom prst="straightConnector1">
-            <a:avLst/>
-          </a:prstGeom>
-          <a:ln w="28575">
-            <a:tailEnd type="triangle"/>
-          </a:ln>
-        </p:spPr>
-        <p:style>
-          <a:lnRef idx="2">
-            <a:schemeClr val="accent6"/>
-          </a:lnRef>
-          <a:fillRef idx="0">
-            <a:schemeClr val="accent6"/>
-          </a:fillRef>
-          <a:effectRef idx="1">
-            <a:schemeClr val="accent6"/>
-          </a:effectRef>
-          <a:fontRef idx="minor">
-            <a:schemeClr val="tx1"/>
-          </a:fontRef>
-        </p:style>
-      </p:cxnSp>
       <p:sp>
         <p:nvSpPr>
           <p:cNvPr id="151" name="矩形 150">
@@ -11824,142 +11888,6 @@
           <a:xfrm>
             <a:off x="1036381" y="2290857"/>
             <a:ext cx="322285" cy="0"/>
-          </a:xfrm>
-          <a:prstGeom prst="straightConnector1">
-            <a:avLst/>
-          </a:prstGeom>
-          <a:ln>
-            <a:tailEnd type="triangle"/>
-          </a:ln>
-        </p:spPr>
-        <p:style>
-          <a:lnRef idx="1">
-            <a:schemeClr val="accent1"/>
-          </a:lnRef>
-          <a:fillRef idx="0">
-            <a:schemeClr val="accent1"/>
-          </a:fillRef>
-          <a:effectRef idx="0">
-            <a:schemeClr val="accent1"/>
-          </a:effectRef>
-          <a:fontRef idx="minor">
-            <a:schemeClr val="tx1"/>
-          </a:fontRef>
-        </p:style>
-      </p:cxnSp>
-      <p:cxnSp>
-        <p:nvCxnSpPr>
-          <p:cNvPr id="194" name="直接箭头连接符 193">
-            <a:extLst>
-              <a:ext uri="{FF2B5EF4-FFF2-40B4-BE49-F238E27FC236}">
-                <a16:creationId xmlns:a16="http://schemas.microsoft.com/office/drawing/2014/main" id="{E0FA9DA2-96AF-4F65-908A-1BAB033C3AD5}"/>
-              </a:ext>
-            </a:extLst>
-          </p:cNvPr>
-          <p:cNvCxnSpPr>
-            <a:cxnSpLocks/>
-            <a:stCxn id="84" idx="3"/>
-            <a:endCxn id="150" idx="1"/>
-          </p:cNvCxnSpPr>
-          <p:nvPr/>
-        </p:nvCxnSpPr>
-        <p:spPr>
-          <a:xfrm flipV="1">
-            <a:off x="8940916" y="1706361"/>
-            <a:ext cx="313194" cy="584317"/>
-          </a:xfrm>
-          <a:prstGeom prst="straightConnector1">
-            <a:avLst/>
-          </a:prstGeom>
-          <a:ln w="38100" cap="flat" cmpd="sng" algn="ctr">
-            <a:solidFill>
-              <a:srgbClr val="FFC000"/>
-            </a:solidFill>
-            <a:prstDash val="dash"/>
-            <a:round/>
-            <a:headEnd type="none" w="med" len="med"/>
-            <a:tailEnd type="none" w="med" len="med"/>
-          </a:ln>
-        </p:spPr>
-        <p:style>
-          <a:lnRef idx="0">
-            <a:scrgbClr r="0" g="0" b="0"/>
-          </a:lnRef>
-          <a:fillRef idx="0">
-            <a:scrgbClr r="0" g="0" b="0"/>
-          </a:fillRef>
-          <a:effectRef idx="0">
-            <a:scrgbClr r="0" g="0" b="0"/>
-          </a:effectRef>
-          <a:fontRef idx="minor">
-            <a:schemeClr val="tx1"/>
-          </a:fontRef>
-        </p:style>
-      </p:cxnSp>
-      <p:sp>
-        <p:nvSpPr>
-          <p:cNvPr id="202" name="文本框 201">
-            <a:extLst>
-              <a:ext uri="{FF2B5EF4-FFF2-40B4-BE49-F238E27FC236}">
-                <a16:creationId xmlns:a16="http://schemas.microsoft.com/office/drawing/2014/main" id="{80BE80F1-8403-482A-B8E0-9AA716949272}"/>
-              </a:ext>
-            </a:extLst>
-          </p:cNvPr>
-          <p:cNvSpPr txBox="1"/>
-          <p:nvPr/>
-        </p:nvSpPr>
-        <p:spPr>
-          <a:xfrm>
-            <a:off x="8513433" y="1582010"/>
-            <a:ext cx="692818" cy="369332"/>
-          </a:xfrm>
-          <a:prstGeom prst="rect">
-            <a:avLst/>
-          </a:prstGeom>
-          <a:noFill/>
-        </p:spPr>
-        <p:txBody>
-          <a:bodyPr wrap="none" rtlCol="0">
-            <a:spAutoFit/>
-          </a:bodyPr>
-          <a:lstStyle/>
-          <a:p>
-            <a:r>
-              <a:rPr lang="en-US" altLang="zh-CN" b="1" dirty="0">
-                <a:solidFill>
-                  <a:srgbClr val="FF0000"/>
-                </a:solidFill>
-              </a:rPr>
-              <a:t>Alert</a:t>
-            </a:r>
-            <a:endParaRPr lang="zh-CN" altLang="en-US" b="1" dirty="0">
-              <a:solidFill>
-                <a:srgbClr val="FF0000"/>
-              </a:solidFill>
-            </a:endParaRPr>
-          </a:p>
-        </p:txBody>
-      </p:sp>
-      <p:cxnSp>
-        <p:nvCxnSpPr>
-          <p:cNvPr id="221" name="直接箭头连接符 220">
-            <a:extLst>
-              <a:ext uri="{FF2B5EF4-FFF2-40B4-BE49-F238E27FC236}">
-                <a16:creationId xmlns:a16="http://schemas.microsoft.com/office/drawing/2014/main" id="{240D4660-E7D2-47F7-93F0-BD11B514E6DB}"/>
-              </a:ext>
-            </a:extLst>
-          </p:cNvPr>
-          <p:cNvCxnSpPr>
-            <a:cxnSpLocks/>
-            <a:stCxn id="72" idx="3"/>
-            <a:endCxn id="150" idx="0"/>
-          </p:cNvCxnSpPr>
-          <p:nvPr/>
-        </p:nvCxnSpPr>
-        <p:spPr>
-          <a:xfrm flipV="1">
-            <a:off x="6037922" y="1473255"/>
-            <a:ext cx="4628826" cy="8202"/>
           </a:xfrm>
           <a:prstGeom prst="straightConnector1">
             <a:avLst/>
@@ -12810,8 +12738,8 @@
         </p:nvCxnSpPr>
         <p:spPr>
           <a:xfrm flipH="1" flipV="1">
-            <a:off x="5461696" y="2705001"/>
-            <a:ext cx="647158" cy="1064736"/>
+            <a:off x="5008424" y="2705001"/>
+            <a:ext cx="1100430" cy="1064736"/>
           </a:xfrm>
           <a:prstGeom prst="straightConnector1">
             <a:avLst/>
@@ -12860,7 +12788,7 @@
         <p:spPr>
           <a:xfrm flipV="1">
             <a:off x="6108854" y="2716900"/>
-            <a:ext cx="1738553" cy="1052837"/>
+            <a:ext cx="1614708" cy="1052837"/>
           </a:xfrm>
           <a:prstGeom prst="straightConnector1">
             <a:avLst/>
@@ -12909,7 +12837,7 @@
         <p:spPr>
           <a:xfrm>
             <a:off x="3590656" y="2283001"/>
-            <a:ext cx="697403" cy="5132"/>
+            <a:ext cx="244131" cy="5132"/>
           </a:xfrm>
           <a:prstGeom prst="straightConnector1">
             <a:avLst/>
@@ -13055,8 +12983,8 @@
         </p:nvCxnSpPr>
         <p:spPr>
           <a:xfrm flipH="1" flipV="1">
-            <a:off x="5461696" y="2705001"/>
-            <a:ext cx="3803367" cy="333281"/>
+            <a:off x="5008424" y="2705001"/>
+            <a:ext cx="4256639" cy="333281"/>
           </a:xfrm>
           <a:prstGeom prst="straightConnector1">
             <a:avLst/>
@@ -13648,6 +13576,104 @@
           </p:txBody>
         </p:sp>
       </p:grpSp>
+      <p:cxnSp>
+        <p:nvCxnSpPr>
+          <p:cNvPr id="76" name="直接箭头连接符 75">
+            <a:extLst>
+              <a:ext uri="{FF2B5EF4-FFF2-40B4-BE49-F238E27FC236}">
+                <a16:creationId xmlns:a16="http://schemas.microsoft.com/office/drawing/2014/main" id="{695CF55C-3762-4D16-8E1C-CF298092C82E}"/>
+              </a:ext>
+            </a:extLst>
+          </p:cNvPr>
+          <p:cNvCxnSpPr>
+            <a:cxnSpLocks/>
+            <a:stCxn id="84" idx="1"/>
+            <a:endCxn id="3" idx="3"/>
+          </p:cNvCxnSpPr>
+          <p:nvPr/>
+        </p:nvCxnSpPr>
+        <p:spPr>
+          <a:xfrm flipH="1" flipV="1">
+            <a:off x="6182061" y="2288133"/>
+            <a:ext cx="447992" cy="2545"/>
+          </a:xfrm>
+          <a:prstGeom prst="straightConnector1">
+            <a:avLst/>
+          </a:prstGeom>
+          <a:ln w="38100" cap="flat" cmpd="sng" algn="ctr">
+            <a:solidFill>
+              <a:srgbClr val="FFC000"/>
+            </a:solidFill>
+            <a:prstDash val="dash"/>
+            <a:round/>
+            <a:headEnd type="none" w="med" len="med"/>
+            <a:tailEnd type="none" w="med" len="med"/>
+          </a:ln>
+        </p:spPr>
+        <p:style>
+          <a:lnRef idx="0">
+            <a:scrgbClr r="0" g="0" b="0"/>
+          </a:lnRef>
+          <a:fillRef idx="0">
+            <a:scrgbClr r="0" g="0" b="0"/>
+          </a:fillRef>
+          <a:effectRef idx="0">
+            <a:scrgbClr r="0" g="0" b="0"/>
+          </a:effectRef>
+          <a:fontRef idx="minor">
+            <a:schemeClr val="tx1"/>
+          </a:fontRef>
+        </p:style>
+      </p:cxnSp>
+      <p:cxnSp>
+        <p:nvCxnSpPr>
+          <p:cNvPr id="77" name="直接箭头连接符 76">
+            <a:extLst>
+              <a:ext uri="{FF2B5EF4-FFF2-40B4-BE49-F238E27FC236}">
+                <a16:creationId xmlns:a16="http://schemas.microsoft.com/office/drawing/2014/main" id="{F67A72F9-DF88-4453-AAAE-22B67E9A0F5E}"/>
+              </a:ext>
+            </a:extLst>
+          </p:cNvPr>
+          <p:cNvCxnSpPr>
+            <a:cxnSpLocks/>
+            <a:stCxn id="84" idx="3"/>
+            <a:endCxn id="150" idx="1"/>
+          </p:cNvCxnSpPr>
+          <p:nvPr/>
+        </p:nvCxnSpPr>
+        <p:spPr>
+          <a:xfrm flipV="1">
+            <a:off x="8817071" y="1706361"/>
+            <a:ext cx="437039" cy="584317"/>
+          </a:xfrm>
+          <a:prstGeom prst="straightConnector1">
+            <a:avLst/>
+          </a:prstGeom>
+          <a:ln w="38100" cap="flat" cmpd="sng" algn="ctr">
+            <a:solidFill>
+              <a:srgbClr val="FFC000"/>
+            </a:solidFill>
+            <a:prstDash val="dash"/>
+            <a:round/>
+            <a:headEnd type="none" w="med" len="med"/>
+            <a:tailEnd type="none" w="med" len="med"/>
+          </a:ln>
+        </p:spPr>
+        <p:style>
+          <a:lnRef idx="0">
+            <a:scrgbClr r="0" g="0" b="0"/>
+          </a:lnRef>
+          <a:fillRef idx="0">
+            <a:scrgbClr r="0" g="0" b="0"/>
+          </a:fillRef>
+          <a:effectRef idx="0">
+            <a:scrgbClr r="0" g="0" b="0"/>
+          </a:effectRef>
+          <a:fontRef idx="minor">
+            <a:schemeClr val="tx1"/>
+          </a:fontRef>
+        </p:style>
+      </p:cxnSp>
     </p:spTree>
     <p:extLst>
       <p:ext uri="{BB962C8B-B14F-4D97-AF65-F5344CB8AC3E}">

--- a/doc/SoftwareDesign/Architecture-SDNSwitch.pptx
+++ b/doc/SoftwareDesign/Architecture-SDNSwitch.pptx
@@ -5,7 +5,7 @@
     <p:sldMasterId id="2147483648" r:id="rId1"/>
   </p:sldMasterIdLst>
   <p:notesMasterIdLst>
-    <p:notesMasterId r:id="rId15"/>
+    <p:notesMasterId r:id="rId18"/>
   </p:notesMasterIdLst>
   <p:sldIdLst>
     <p:sldId id="280" r:id="rId2"/>
@@ -20,7 +20,10 @@
     <p:sldId id="302" r:id="rId11"/>
     <p:sldId id="306" r:id="rId12"/>
     <p:sldId id="305" r:id="rId13"/>
-    <p:sldId id="303" r:id="rId14"/>
+    <p:sldId id="307" r:id="rId14"/>
+    <p:sldId id="309" r:id="rId15"/>
+    <p:sldId id="308" r:id="rId16"/>
+    <p:sldId id="303" r:id="rId17"/>
   </p:sldIdLst>
   <p:sldSz cx="12192000" cy="6858000"/>
   <p:notesSz cx="6858000" cy="9144000"/>
@@ -209,7 +212,7 @@
           <a:p>
             <a:fld id="{28F549E5-EDF6-49DA-A258-26AEF78D5914}" type="datetimeFigureOut">
               <a:rPr lang="zh-CN" altLang="en-US" smtClean="0"/>
-              <a:t>2020/9/5</a:t>
+              <a:t>2020/9/8</a:t>
             </a:fld>
             <a:endParaRPr lang="zh-CN" altLang="en-US"/>
           </a:p>
@@ -980,6 +983,174 @@
 </p:notes>
 </file>
 
+<file path=ppt/notesSlides/notesSlide7.xml><?xml version="1.0" encoding="utf-8"?>
+<p:notes xmlns:a="http://schemas.openxmlformats.org/drawingml/2006/main" xmlns:r="http://schemas.openxmlformats.org/officeDocument/2006/relationships" xmlns:p="http://schemas.openxmlformats.org/presentationml/2006/main">
+  <p:cSld>
+    <p:spTree>
+      <p:nvGrpSpPr>
+        <p:cNvPr id="1" name=""/>
+        <p:cNvGrpSpPr/>
+        <p:nvPr/>
+      </p:nvGrpSpPr>
+      <p:grpSpPr>
+        <a:xfrm>
+          <a:off x="0" y="0"/>
+          <a:ext cx="0" cy="0"/>
+          <a:chOff x="0" y="0"/>
+          <a:chExt cx="0" cy="0"/>
+        </a:xfrm>
+      </p:grpSpPr>
+      <p:sp>
+        <p:nvSpPr>
+          <p:cNvPr id="2" name="幻灯片图像占位符 1"/>
+          <p:cNvSpPr>
+            <a:spLocks noGrp="1" noRot="1" noChangeAspect="1"/>
+          </p:cNvSpPr>
+          <p:nvPr>
+            <p:ph type="sldImg"/>
+          </p:nvPr>
+        </p:nvSpPr>
+        <p:spPr/>
+      </p:sp>
+      <p:sp>
+        <p:nvSpPr>
+          <p:cNvPr id="3" name="备注占位符 2"/>
+          <p:cNvSpPr>
+            <a:spLocks noGrp="1"/>
+          </p:cNvSpPr>
+          <p:nvPr>
+            <p:ph type="body" idx="1"/>
+          </p:nvPr>
+        </p:nvSpPr>
+        <p:spPr/>
+        <p:txBody>
+          <a:bodyPr/>
+          <a:lstStyle/>
+          <a:p>
+            <a:endParaRPr lang="zh-CN" altLang="en-US" dirty="0"/>
+          </a:p>
+        </p:txBody>
+      </p:sp>
+      <p:sp>
+        <p:nvSpPr>
+          <p:cNvPr id="4" name="灯片编号占位符 3"/>
+          <p:cNvSpPr>
+            <a:spLocks noGrp="1"/>
+          </p:cNvSpPr>
+          <p:nvPr>
+            <p:ph type="sldNum" sz="quarter" idx="5"/>
+          </p:nvPr>
+        </p:nvSpPr>
+        <p:spPr/>
+        <p:txBody>
+          <a:bodyPr/>
+          <a:lstStyle/>
+          <a:p>
+            <a:fld id="{2C092C30-C02F-48DE-947D-311697961749}" type="slidenum">
+              <a:rPr lang="zh-CN" altLang="en-US" smtClean="0"/>
+              <a:t>13</a:t>
+            </a:fld>
+            <a:endParaRPr lang="zh-CN" altLang="en-US"/>
+          </a:p>
+        </p:txBody>
+      </p:sp>
+    </p:spTree>
+    <p:extLst>
+      <p:ext uri="{BB962C8B-B14F-4D97-AF65-F5344CB8AC3E}">
+        <p14:creationId xmlns:p14="http://schemas.microsoft.com/office/powerpoint/2010/main" val="2998303157"/>
+      </p:ext>
+    </p:extLst>
+  </p:cSld>
+  <p:clrMapOvr>
+    <a:masterClrMapping/>
+  </p:clrMapOvr>
+</p:notes>
+</file>
+
+<file path=ppt/notesSlides/notesSlide8.xml><?xml version="1.0" encoding="utf-8"?>
+<p:notes xmlns:a="http://schemas.openxmlformats.org/drawingml/2006/main" xmlns:r="http://schemas.openxmlformats.org/officeDocument/2006/relationships" xmlns:p="http://schemas.openxmlformats.org/presentationml/2006/main">
+  <p:cSld>
+    <p:spTree>
+      <p:nvGrpSpPr>
+        <p:cNvPr id="1" name=""/>
+        <p:cNvGrpSpPr/>
+        <p:nvPr/>
+      </p:nvGrpSpPr>
+      <p:grpSpPr>
+        <a:xfrm>
+          <a:off x="0" y="0"/>
+          <a:ext cx="0" cy="0"/>
+          <a:chOff x="0" y="0"/>
+          <a:chExt cx="0" cy="0"/>
+        </a:xfrm>
+      </p:grpSpPr>
+      <p:sp>
+        <p:nvSpPr>
+          <p:cNvPr id="2" name="幻灯片图像占位符 1"/>
+          <p:cNvSpPr>
+            <a:spLocks noGrp="1" noRot="1" noChangeAspect="1"/>
+          </p:cNvSpPr>
+          <p:nvPr>
+            <p:ph type="sldImg"/>
+          </p:nvPr>
+        </p:nvSpPr>
+        <p:spPr/>
+      </p:sp>
+      <p:sp>
+        <p:nvSpPr>
+          <p:cNvPr id="3" name="备注占位符 2"/>
+          <p:cNvSpPr>
+            <a:spLocks noGrp="1"/>
+          </p:cNvSpPr>
+          <p:nvPr>
+            <p:ph type="body" idx="1"/>
+          </p:nvPr>
+        </p:nvSpPr>
+        <p:spPr/>
+        <p:txBody>
+          <a:bodyPr/>
+          <a:lstStyle/>
+          <a:p>
+            <a:endParaRPr lang="zh-CN" altLang="en-US" dirty="0"/>
+          </a:p>
+        </p:txBody>
+      </p:sp>
+      <p:sp>
+        <p:nvSpPr>
+          <p:cNvPr id="4" name="灯片编号占位符 3"/>
+          <p:cNvSpPr>
+            <a:spLocks noGrp="1"/>
+          </p:cNvSpPr>
+          <p:nvPr>
+            <p:ph type="sldNum" sz="quarter" idx="5"/>
+          </p:nvPr>
+        </p:nvSpPr>
+        <p:spPr/>
+        <p:txBody>
+          <a:bodyPr/>
+          <a:lstStyle/>
+          <a:p>
+            <a:fld id="{2C092C30-C02F-48DE-947D-311697961749}" type="slidenum">
+              <a:rPr lang="zh-CN" altLang="en-US" smtClean="0"/>
+              <a:t>14</a:t>
+            </a:fld>
+            <a:endParaRPr lang="zh-CN" altLang="en-US"/>
+          </a:p>
+        </p:txBody>
+      </p:sp>
+    </p:spTree>
+    <p:extLst>
+      <p:ext uri="{BB962C8B-B14F-4D97-AF65-F5344CB8AC3E}">
+        <p14:creationId xmlns:p14="http://schemas.microsoft.com/office/powerpoint/2010/main" val="1386212806"/>
+      </p:ext>
+    </p:extLst>
+  </p:cSld>
+  <p:clrMapOvr>
+    <a:masterClrMapping/>
+  </p:clrMapOvr>
+</p:notes>
+</file>
+
 <file path=ppt/slideLayouts/slideLayout1.xml><?xml version="1.0" encoding="utf-8"?>
 <p:sldLayout xmlns:a="http://schemas.openxmlformats.org/drawingml/2006/main" xmlns:r="http://schemas.openxmlformats.org/officeDocument/2006/relationships" xmlns:p="http://schemas.openxmlformats.org/presentationml/2006/main" type="title" preserve="1">
   <p:cSld name="标题幻灯片">
@@ -1127,7 +1298,7 @@
           <a:p>
             <a:fld id="{8C8FE85A-A409-47B8-9A34-876552EE5CE2}" type="datetimeFigureOut">
               <a:rPr lang="zh-CN" altLang="en-US" smtClean="0"/>
-              <a:t>2020/9/5</a:t>
+              <a:t>2020/9/8</a:t>
             </a:fld>
             <a:endParaRPr lang="zh-CN" altLang="en-US"/>
           </a:p>
@@ -1325,7 +1496,7 @@
           <a:p>
             <a:fld id="{8C8FE85A-A409-47B8-9A34-876552EE5CE2}" type="datetimeFigureOut">
               <a:rPr lang="zh-CN" altLang="en-US" smtClean="0"/>
-              <a:t>2020/9/5</a:t>
+              <a:t>2020/9/8</a:t>
             </a:fld>
             <a:endParaRPr lang="zh-CN" altLang="en-US"/>
           </a:p>
@@ -1533,7 +1704,7 @@
           <a:p>
             <a:fld id="{8C8FE85A-A409-47B8-9A34-876552EE5CE2}" type="datetimeFigureOut">
               <a:rPr lang="zh-CN" altLang="en-US" smtClean="0"/>
-              <a:t>2020/9/5</a:t>
+              <a:t>2020/9/8</a:t>
             </a:fld>
             <a:endParaRPr lang="zh-CN" altLang="en-US"/>
           </a:p>
@@ -1731,7 +1902,7 @@
           <a:p>
             <a:fld id="{8C8FE85A-A409-47B8-9A34-876552EE5CE2}" type="datetimeFigureOut">
               <a:rPr lang="zh-CN" altLang="en-US" smtClean="0"/>
-              <a:t>2020/9/5</a:t>
+              <a:t>2020/9/8</a:t>
             </a:fld>
             <a:endParaRPr lang="zh-CN" altLang="en-US"/>
           </a:p>
@@ -2006,7 +2177,7 @@
           <a:p>
             <a:fld id="{8C8FE85A-A409-47B8-9A34-876552EE5CE2}" type="datetimeFigureOut">
               <a:rPr lang="zh-CN" altLang="en-US" smtClean="0"/>
-              <a:t>2020/9/5</a:t>
+              <a:t>2020/9/8</a:t>
             </a:fld>
             <a:endParaRPr lang="zh-CN" altLang="en-US"/>
           </a:p>
@@ -2271,7 +2442,7 @@
           <a:p>
             <a:fld id="{8C8FE85A-A409-47B8-9A34-876552EE5CE2}" type="datetimeFigureOut">
               <a:rPr lang="zh-CN" altLang="en-US" smtClean="0"/>
-              <a:t>2020/9/5</a:t>
+              <a:t>2020/9/8</a:t>
             </a:fld>
             <a:endParaRPr lang="zh-CN" altLang="en-US"/>
           </a:p>
@@ -2683,7 +2854,7 @@
           <a:p>
             <a:fld id="{8C8FE85A-A409-47B8-9A34-876552EE5CE2}" type="datetimeFigureOut">
               <a:rPr lang="zh-CN" altLang="en-US" smtClean="0"/>
-              <a:t>2020/9/5</a:t>
+              <a:t>2020/9/8</a:t>
             </a:fld>
             <a:endParaRPr lang="zh-CN" altLang="en-US"/>
           </a:p>
@@ -2824,7 +2995,7 @@
           <a:p>
             <a:fld id="{8C8FE85A-A409-47B8-9A34-876552EE5CE2}" type="datetimeFigureOut">
               <a:rPr lang="zh-CN" altLang="en-US" smtClean="0"/>
-              <a:t>2020/9/5</a:t>
+              <a:t>2020/9/8</a:t>
             </a:fld>
             <a:endParaRPr lang="zh-CN" altLang="en-US"/>
           </a:p>
@@ -2937,7 +3108,7 @@
           <a:p>
             <a:fld id="{8C8FE85A-A409-47B8-9A34-876552EE5CE2}" type="datetimeFigureOut">
               <a:rPr lang="zh-CN" altLang="en-US" smtClean="0"/>
-              <a:t>2020/9/5</a:t>
+              <a:t>2020/9/8</a:t>
             </a:fld>
             <a:endParaRPr lang="zh-CN" altLang="en-US"/>
           </a:p>
@@ -3248,7 +3419,7 @@
           <a:p>
             <a:fld id="{8C8FE85A-A409-47B8-9A34-876552EE5CE2}" type="datetimeFigureOut">
               <a:rPr lang="zh-CN" altLang="en-US" smtClean="0"/>
-              <a:t>2020/9/5</a:t>
+              <a:t>2020/9/8</a:t>
             </a:fld>
             <a:endParaRPr lang="zh-CN" altLang="en-US"/>
           </a:p>
@@ -3536,7 +3707,7 @@
           <a:p>
             <a:fld id="{8C8FE85A-A409-47B8-9A34-876552EE5CE2}" type="datetimeFigureOut">
               <a:rPr lang="zh-CN" altLang="en-US" smtClean="0"/>
-              <a:t>2020/9/5</a:t>
+              <a:t>2020/9/8</a:t>
             </a:fld>
             <a:endParaRPr lang="zh-CN" altLang="en-US"/>
           </a:p>
@@ -3777,7 +3948,7 @@
           <a:p>
             <a:fld id="{8C8FE85A-A409-47B8-9A34-876552EE5CE2}" type="datetimeFigureOut">
               <a:rPr lang="zh-CN" altLang="en-US" smtClean="0"/>
-              <a:t>2020/9/5</a:t>
+              <a:t>2020/9/8</a:t>
             </a:fld>
             <a:endParaRPr lang="zh-CN" altLang="en-US"/>
           </a:p>
@@ -11397,8 +11568,8 @@
         </p:nvCxnSpPr>
         <p:spPr>
           <a:xfrm flipH="1">
-            <a:off x="7661563" y="5079706"/>
-            <a:ext cx="783152" cy="1115351"/>
+            <a:off x="7661563" y="5079781"/>
+            <a:ext cx="650020" cy="1115276"/>
           </a:xfrm>
           <a:prstGeom prst="straightConnector1">
             <a:avLst/>
@@ -11440,8 +11611,8 @@
         </p:nvCxnSpPr>
         <p:spPr>
           <a:xfrm flipH="1">
-            <a:off x="4364297" y="5073606"/>
-            <a:ext cx="2621147" cy="1142618"/>
+            <a:off x="4364297" y="5073681"/>
+            <a:ext cx="2488015" cy="1142543"/>
           </a:xfrm>
           <a:prstGeom prst="straightConnector1">
             <a:avLst/>
@@ -11929,8 +12100,8 @@
         </p:nvCxnSpPr>
         <p:spPr>
           <a:xfrm flipH="1">
-            <a:off x="8747212" y="5077905"/>
-            <a:ext cx="1186622" cy="1117152"/>
+            <a:off x="8747212" y="5077980"/>
+            <a:ext cx="1053490" cy="1117077"/>
           </a:xfrm>
           <a:prstGeom prst="straightConnector1">
             <a:avLst/>
@@ -11968,7 +12139,7 @@
         </p:nvGrpSpPr>
         <p:grpSpPr>
           <a:xfrm>
-            <a:off x="9247916" y="1473255"/>
+            <a:off x="9129431" y="1472120"/>
             <a:ext cx="2859552" cy="2205653"/>
             <a:chOff x="9410533" y="2079987"/>
             <a:chExt cx="2375752" cy="2205653"/>
@@ -12299,8 +12470,8 @@
         </p:nvCxnSpPr>
         <p:spPr>
           <a:xfrm>
-            <a:off x="5016496" y="5088154"/>
-            <a:ext cx="736526" cy="288668"/>
+            <a:off x="5045769" y="5089152"/>
+            <a:ext cx="707253" cy="287670"/>
           </a:xfrm>
           <a:prstGeom prst="straightConnector1">
             <a:avLst/>
@@ -12342,8 +12513,8 @@
         </p:nvCxnSpPr>
         <p:spPr>
           <a:xfrm flipV="1">
-            <a:off x="9972616" y="5069513"/>
-            <a:ext cx="1440385" cy="1125544"/>
+            <a:off x="9972616" y="5069588"/>
+            <a:ext cx="1307253" cy="1125469"/>
           </a:xfrm>
           <a:prstGeom prst="straightConnector1">
             <a:avLst/>
@@ -12387,7 +12558,7 @@
         </p:nvGrpSpPr>
         <p:grpSpPr>
           <a:xfrm>
-            <a:off x="6173684" y="4510980"/>
+            <a:off x="6040552" y="4511055"/>
             <a:ext cx="5961638" cy="673192"/>
             <a:chOff x="6085926" y="4341438"/>
             <a:chExt cx="5961638" cy="673192"/>
@@ -12885,8 +13056,8 @@
         </p:nvCxnSpPr>
         <p:spPr>
           <a:xfrm flipV="1">
-            <a:off x="3305684" y="4171964"/>
-            <a:ext cx="2803170" cy="391779"/>
+            <a:off x="3334957" y="4171964"/>
+            <a:ext cx="2773897" cy="392777"/>
           </a:xfrm>
           <a:prstGeom prst="straightConnector1">
             <a:avLst/>
@@ -12935,7 +13106,7 @@
         <p:spPr>
           <a:xfrm flipH="1" flipV="1">
             <a:off x="6108854" y="4171964"/>
-            <a:ext cx="3045649" cy="339016"/>
+            <a:ext cx="2912517" cy="339091"/>
           </a:xfrm>
           <a:prstGeom prst="straightConnector1">
             <a:avLst/>
@@ -12984,7 +13155,7 @@
         <p:spPr>
           <a:xfrm flipH="1" flipV="1">
             <a:off x="5008424" y="2705001"/>
-            <a:ext cx="4256639" cy="333281"/>
+            <a:ext cx="4138154" cy="332146"/>
           </a:xfrm>
           <a:prstGeom prst="straightConnector1">
             <a:avLst/>
@@ -13028,7 +13199,7 @@
         </p:nvSpPr>
         <p:spPr>
           <a:xfrm>
-            <a:off x="734847" y="5821516"/>
+            <a:off x="764120" y="5822514"/>
             <a:ext cx="1178528" cy="369332"/>
           </a:xfrm>
           <a:prstGeom prst="rect">
@@ -13108,7 +13279,7 @@
         </p:nvGrpSpPr>
         <p:grpSpPr>
           <a:xfrm>
-            <a:off x="202518" y="4465851"/>
+            <a:off x="231791" y="4466849"/>
             <a:ext cx="4813978" cy="1244605"/>
             <a:chOff x="202518" y="4465851"/>
             <a:chExt cx="4813978" cy="1244605"/>
@@ -13643,8 +13814,8 @@
         </p:nvCxnSpPr>
         <p:spPr>
           <a:xfrm flipV="1">
-            <a:off x="8817071" y="1706361"/>
-            <a:ext cx="437039" cy="584317"/>
+            <a:off x="8817071" y="1705226"/>
+            <a:ext cx="318554" cy="585452"/>
           </a:xfrm>
           <a:prstGeom prst="straightConnector1">
             <a:avLst/>
@@ -13688,6 +13859,6180 @@
 </file>
 
 <file path=ppt/slides/slide13.xml><?xml version="1.0" encoding="utf-8"?>
+<p:sld xmlns:a="http://schemas.openxmlformats.org/drawingml/2006/main" xmlns:r="http://schemas.openxmlformats.org/officeDocument/2006/relationships" xmlns:p="http://schemas.openxmlformats.org/presentationml/2006/main">
+  <p:cSld>
+    <p:spTree>
+      <p:nvGrpSpPr>
+        <p:cNvPr id="1" name=""/>
+        <p:cNvGrpSpPr/>
+        <p:nvPr/>
+      </p:nvGrpSpPr>
+      <p:grpSpPr>
+        <a:xfrm>
+          <a:off x="0" y="0"/>
+          <a:ext cx="0" cy="0"/>
+          <a:chOff x="0" y="0"/>
+          <a:chExt cx="0" cy="0"/>
+        </a:xfrm>
+      </p:grpSpPr>
+      <p:sp>
+        <p:nvSpPr>
+          <p:cNvPr id="70" name="文本框 69">
+            <a:extLst>
+              <a:ext uri="{FF2B5EF4-FFF2-40B4-BE49-F238E27FC236}">
+                <a16:creationId xmlns:a16="http://schemas.microsoft.com/office/drawing/2014/main" id="{696C3A7B-AA2B-4EE2-892C-D0F03840A9C9}"/>
+              </a:ext>
+            </a:extLst>
+          </p:cNvPr>
+          <p:cNvSpPr txBox="1"/>
+          <p:nvPr/>
+        </p:nvSpPr>
+        <p:spPr>
+          <a:xfrm>
+            <a:off x="9273957" y="588376"/>
+            <a:ext cx="2803170" cy="1190138"/>
+          </a:xfrm>
+          <a:prstGeom prst="rect">
+            <a:avLst/>
+          </a:prstGeom>
+        </p:spPr>
+        <p:style>
+          <a:lnRef idx="2">
+            <a:schemeClr val="accent1"/>
+          </a:lnRef>
+          <a:fillRef idx="1">
+            <a:schemeClr val="lt1"/>
+          </a:fillRef>
+          <a:effectRef idx="0">
+            <a:schemeClr val="accent1"/>
+          </a:effectRef>
+          <a:fontRef idx="minor">
+            <a:schemeClr val="dk1"/>
+          </a:fontRef>
+        </p:style>
+        <p:txBody>
+          <a:bodyPr rtlCol="0" anchor="ctr"/>
+          <a:lstStyle>
+            <a:defPPr>
+              <a:defRPr lang="zh-CN"/>
+            </a:defPPr>
+            <a:lvl1pPr marL="285750" indent="-285750">
+              <a:buFont typeface="Arial" panose="020B0604020202020204" pitchFamily="34" charset="0"/>
+              <a:buChar char="•"/>
+              <a:defRPr sz="1400">
+                <a:solidFill>
+                  <a:schemeClr val="dk1"/>
+                </a:solidFill>
+              </a:defRPr>
+            </a:lvl1pPr>
+            <a:lvl2pPr>
+              <a:defRPr>
+                <a:solidFill>
+                  <a:schemeClr val="dk1"/>
+                </a:solidFill>
+              </a:defRPr>
+            </a:lvl2pPr>
+            <a:lvl3pPr>
+              <a:defRPr>
+                <a:solidFill>
+                  <a:schemeClr val="dk1"/>
+                </a:solidFill>
+              </a:defRPr>
+            </a:lvl3pPr>
+            <a:lvl4pPr>
+              <a:defRPr>
+                <a:solidFill>
+                  <a:schemeClr val="dk1"/>
+                </a:solidFill>
+              </a:defRPr>
+            </a:lvl4pPr>
+            <a:lvl5pPr>
+              <a:defRPr>
+                <a:solidFill>
+                  <a:schemeClr val="dk1"/>
+                </a:solidFill>
+              </a:defRPr>
+            </a:lvl5pPr>
+            <a:lvl6pPr>
+              <a:defRPr>
+                <a:solidFill>
+                  <a:schemeClr val="dk1"/>
+                </a:solidFill>
+              </a:defRPr>
+            </a:lvl6pPr>
+            <a:lvl7pPr>
+              <a:defRPr>
+                <a:solidFill>
+                  <a:schemeClr val="dk1"/>
+                </a:solidFill>
+              </a:defRPr>
+            </a:lvl7pPr>
+            <a:lvl8pPr>
+              <a:defRPr>
+                <a:solidFill>
+                  <a:schemeClr val="dk1"/>
+                </a:solidFill>
+              </a:defRPr>
+            </a:lvl8pPr>
+            <a:lvl9pPr>
+              <a:defRPr>
+                <a:solidFill>
+                  <a:schemeClr val="dk1"/>
+                </a:solidFill>
+              </a:defRPr>
+            </a:lvl9pPr>
+          </a:lstStyle>
+          <a:p>
+            <a:r>
+              <a:rPr lang="en-US" altLang="zh-CN" dirty="0"/>
+              <a:t>Network info (Real-time info)</a:t>
+            </a:r>
+          </a:p>
+          <a:p>
+            <a:pPr marL="742950" lvl="1" indent="-285750">
+              <a:buFont typeface="Arial" panose="020B0604020202020204" pitchFamily="34" charset="0"/>
+              <a:buChar char="•"/>
+            </a:pPr>
+            <a:r>
+              <a:rPr lang="en-US" altLang="zh-CN" sz="1400" dirty="0"/>
+              <a:t>Switch info</a:t>
+            </a:r>
+          </a:p>
+          <a:p>
+            <a:pPr marL="742950" lvl="1" indent="-285750">
+              <a:buFont typeface="Arial" panose="020B0604020202020204" pitchFamily="34" charset="0"/>
+              <a:buChar char="•"/>
+            </a:pPr>
+            <a:r>
+              <a:rPr lang="en-US" altLang="zh-CN" sz="1400" dirty="0"/>
+              <a:t>Server info</a:t>
+            </a:r>
+          </a:p>
+          <a:p>
+            <a:pPr marL="1200150" lvl="2" indent="-285750">
+              <a:buFont typeface="Arial" panose="020B0604020202020204" pitchFamily="34" charset="0"/>
+              <a:buChar char="•"/>
+            </a:pPr>
+            <a:r>
+              <a:rPr lang="en-US" altLang="zh-CN" sz="1400" dirty="0"/>
+              <a:t>VNF info</a:t>
+            </a:r>
+          </a:p>
+          <a:p>
+            <a:pPr marL="1200150" lvl="2" indent="-285750">
+              <a:buFont typeface="Arial" panose="020B0604020202020204" pitchFamily="34" charset="0"/>
+              <a:buChar char="•"/>
+            </a:pPr>
+            <a:r>
+              <a:rPr lang="en-US" altLang="zh-CN" sz="1400" dirty="0"/>
+              <a:t>SFF info</a:t>
+            </a:r>
+          </a:p>
+        </p:txBody>
+      </p:sp>
+      <p:sp>
+        <p:nvSpPr>
+          <p:cNvPr id="104" name="矩形: 圆角 103">
+            <a:extLst>
+              <a:ext uri="{FF2B5EF4-FFF2-40B4-BE49-F238E27FC236}">
+                <a16:creationId xmlns:a16="http://schemas.microsoft.com/office/drawing/2014/main" id="{EFE12B39-825C-4F8F-9ECD-47C94D1F8E55}"/>
+              </a:ext>
+            </a:extLst>
+          </p:cNvPr>
+          <p:cNvSpPr/>
+          <p:nvPr/>
+        </p:nvSpPr>
+        <p:spPr>
+          <a:xfrm>
+            <a:off x="5461696" y="6172229"/>
+            <a:ext cx="1190587" cy="615839"/>
+          </a:xfrm>
+          <a:prstGeom prst="roundRect">
+            <a:avLst/>
+          </a:prstGeom>
+        </p:spPr>
+        <p:style>
+          <a:lnRef idx="1">
+            <a:schemeClr val="accent3"/>
+          </a:lnRef>
+          <a:fillRef idx="2">
+            <a:schemeClr val="accent3"/>
+          </a:fillRef>
+          <a:effectRef idx="1">
+            <a:schemeClr val="accent3"/>
+          </a:effectRef>
+          <a:fontRef idx="minor">
+            <a:schemeClr val="dk1"/>
+          </a:fontRef>
+        </p:style>
+        <p:txBody>
+          <a:bodyPr rtlCol="0" anchor="ctr"/>
+          <a:lstStyle/>
+          <a:p>
+            <a:pPr algn="ctr"/>
+            <a:endParaRPr lang="zh-CN" altLang="en-US" dirty="0"/>
+          </a:p>
+        </p:txBody>
+      </p:sp>
+      <p:sp>
+        <p:nvSpPr>
+          <p:cNvPr id="96" name="矩形: 圆角 95">
+            <a:extLst>
+              <a:ext uri="{FF2B5EF4-FFF2-40B4-BE49-F238E27FC236}">
+                <a16:creationId xmlns:a16="http://schemas.microsoft.com/office/drawing/2014/main" id="{0BD9E8F9-5167-4A39-BFED-F18B9065396F}"/>
+              </a:ext>
+            </a:extLst>
+          </p:cNvPr>
+          <p:cNvSpPr/>
+          <p:nvPr/>
+        </p:nvSpPr>
+        <p:spPr>
+          <a:xfrm>
+            <a:off x="3599859" y="6060856"/>
+            <a:ext cx="1416637" cy="727212"/>
+          </a:xfrm>
+          <a:prstGeom prst="roundRect">
+            <a:avLst/>
+          </a:prstGeom>
+        </p:spPr>
+        <p:style>
+          <a:lnRef idx="1">
+            <a:schemeClr val="accent3"/>
+          </a:lnRef>
+          <a:fillRef idx="2">
+            <a:schemeClr val="accent3"/>
+          </a:fillRef>
+          <a:effectRef idx="1">
+            <a:schemeClr val="accent3"/>
+          </a:effectRef>
+          <a:fontRef idx="minor">
+            <a:schemeClr val="dk1"/>
+          </a:fontRef>
+        </p:style>
+        <p:txBody>
+          <a:bodyPr rtlCol="0" anchor="ctr"/>
+          <a:lstStyle/>
+          <a:p>
+            <a:pPr algn="ctr"/>
+            <a:endParaRPr lang="zh-CN" altLang="en-US" dirty="0"/>
+          </a:p>
+        </p:txBody>
+      </p:sp>
+      <p:sp>
+        <p:nvSpPr>
+          <p:cNvPr id="90" name="矩形: 圆角 89">
+            <a:extLst>
+              <a:ext uri="{FF2B5EF4-FFF2-40B4-BE49-F238E27FC236}">
+                <a16:creationId xmlns:a16="http://schemas.microsoft.com/office/drawing/2014/main" id="{BCD184C4-0A00-4F92-B8C3-189ECB2506EA}"/>
+              </a:ext>
+            </a:extLst>
+          </p:cNvPr>
+          <p:cNvSpPr/>
+          <p:nvPr/>
+        </p:nvSpPr>
+        <p:spPr>
+          <a:xfrm>
+            <a:off x="7129386" y="6083946"/>
+            <a:ext cx="2131357" cy="727212"/>
+          </a:xfrm>
+          <a:prstGeom prst="roundRect">
+            <a:avLst/>
+          </a:prstGeom>
+        </p:spPr>
+        <p:style>
+          <a:lnRef idx="1">
+            <a:schemeClr val="accent3"/>
+          </a:lnRef>
+          <a:fillRef idx="2">
+            <a:schemeClr val="accent3"/>
+          </a:fillRef>
+          <a:effectRef idx="1">
+            <a:schemeClr val="accent3"/>
+          </a:effectRef>
+          <a:fontRef idx="minor">
+            <a:schemeClr val="dk1"/>
+          </a:fontRef>
+        </p:style>
+        <p:txBody>
+          <a:bodyPr rtlCol="0" anchor="ctr"/>
+          <a:lstStyle/>
+          <a:p>
+            <a:pPr algn="ctr"/>
+            <a:endParaRPr lang="zh-CN" altLang="en-US" dirty="0"/>
+          </a:p>
+        </p:txBody>
+      </p:sp>
+      <p:sp>
+        <p:nvSpPr>
+          <p:cNvPr id="55" name="矩形 54">
+            <a:extLst>
+              <a:ext uri="{FF2B5EF4-FFF2-40B4-BE49-F238E27FC236}">
+                <a16:creationId xmlns:a16="http://schemas.microsoft.com/office/drawing/2014/main" id="{C76FE96B-BEE1-40A6-9AE1-B42DE8085D04}"/>
+              </a:ext>
+            </a:extLst>
+          </p:cNvPr>
+          <p:cNvSpPr/>
+          <p:nvPr/>
+        </p:nvSpPr>
+        <p:spPr>
+          <a:xfrm>
+            <a:off x="9238482" y="6195057"/>
+            <a:ext cx="1468268" cy="431827"/>
+          </a:xfrm>
+          <a:prstGeom prst="rect">
+            <a:avLst/>
+          </a:prstGeom>
+        </p:spPr>
+        <p:style>
+          <a:lnRef idx="2">
+            <a:schemeClr val="accent6">
+              <a:shade val="50000"/>
+            </a:schemeClr>
+          </a:lnRef>
+          <a:fillRef idx="1">
+            <a:schemeClr val="accent6"/>
+          </a:fillRef>
+          <a:effectRef idx="0">
+            <a:schemeClr val="accent6"/>
+          </a:effectRef>
+          <a:fontRef idx="minor">
+            <a:schemeClr val="lt1"/>
+          </a:fontRef>
+        </p:style>
+        <p:txBody>
+          <a:bodyPr rtlCol="0" anchor="ctr"/>
+          <a:lstStyle/>
+          <a:p>
+            <a:pPr algn="ctr"/>
+            <a:r>
+              <a:rPr lang="en-US" altLang="zh-CN" dirty="0"/>
+              <a:t>Server Agent</a:t>
+            </a:r>
+            <a:endParaRPr lang="zh-CN" altLang="en-US" dirty="0"/>
+          </a:p>
+        </p:txBody>
+      </p:sp>
+      <p:sp>
+        <p:nvSpPr>
+          <p:cNvPr id="2" name="标题 1">
+            <a:extLst>
+              <a:ext uri="{FF2B5EF4-FFF2-40B4-BE49-F238E27FC236}">
+                <a16:creationId xmlns:a16="http://schemas.microsoft.com/office/drawing/2014/main" id="{16FFD267-FAB5-4CC9-86C7-800FDF0B86AD}"/>
+              </a:ext>
+            </a:extLst>
+          </p:cNvPr>
+          <p:cNvSpPr>
+            <a:spLocks noGrp="1"/>
+          </p:cNvSpPr>
+          <p:nvPr>
+            <p:ph type="title"/>
+          </p:nvPr>
+        </p:nvSpPr>
+        <p:spPr>
+          <a:xfrm>
+            <a:off x="828126" y="95333"/>
+            <a:ext cx="10515600" cy="1325563"/>
+          </a:xfrm>
+        </p:spPr>
+        <p:txBody>
+          <a:bodyPr/>
+          <a:lstStyle/>
+          <a:p>
+            <a:r>
+              <a:rPr lang="en-US" altLang="zh-CN" dirty="0"/>
+              <a:t>SAM Architecture</a:t>
+            </a:r>
+            <a:endParaRPr lang="zh-CN" altLang="en-US" dirty="0"/>
+          </a:p>
+        </p:txBody>
+      </p:sp>
+      <p:sp>
+        <p:nvSpPr>
+          <p:cNvPr id="176" name="矩形: 圆角 175">
+            <a:extLst>
+              <a:ext uri="{FF2B5EF4-FFF2-40B4-BE49-F238E27FC236}">
+                <a16:creationId xmlns:a16="http://schemas.microsoft.com/office/drawing/2014/main" id="{4EF5B3CD-89A3-4F57-9DD1-439DED45036E}"/>
+              </a:ext>
+            </a:extLst>
+          </p:cNvPr>
+          <p:cNvSpPr/>
+          <p:nvPr/>
+        </p:nvSpPr>
+        <p:spPr>
+          <a:xfrm>
+            <a:off x="5805918" y="136284"/>
+            <a:ext cx="2319455" cy="737082"/>
+          </a:xfrm>
+          <a:prstGeom prst="roundRect">
+            <a:avLst/>
+          </a:prstGeom>
+        </p:spPr>
+        <p:style>
+          <a:lnRef idx="2">
+            <a:schemeClr val="accent1"/>
+          </a:lnRef>
+          <a:fillRef idx="1">
+            <a:schemeClr val="lt1"/>
+          </a:fillRef>
+          <a:effectRef idx="0">
+            <a:schemeClr val="accent1"/>
+          </a:effectRef>
+          <a:fontRef idx="minor">
+            <a:schemeClr val="dk1"/>
+          </a:fontRef>
+        </p:style>
+        <p:txBody>
+          <a:bodyPr rtlCol="0" anchor="ctr"/>
+          <a:lstStyle/>
+          <a:p>
+            <a:pPr marL="285750" indent="-285750">
+              <a:buFont typeface="Arial" panose="020B0604020202020204" pitchFamily="34" charset="0"/>
+              <a:buChar char="•"/>
+            </a:pPr>
+            <a:r>
+              <a:rPr lang="en-US" altLang="zh-CN" sz="1400" dirty="0"/>
+              <a:t>SFC request Table</a:t>
+            </a:r>
+          </a:p>
+          <a:p>
+            <a:pPr marL="285750" indent="-285750">
+              <a:buFont typeface="Arial" panose="020B0604020202020204" pitchFamily="34" charset="0"/>
+              <a:buChar char="•"/>
+            </a:pPr>
+            <a:r>
+              <a:rPr lang="en-US" altLang="zh-CN" sz="1400" dirty="0"/>
+              <a:t>SFCI Table</a:t>
+            </a:r>
+          </a:p>
+          <a:p>
+            <a:pPr marL="285750" indent="-285750">
+              <a:buFont typeface="Arial" panose="020B0604020202020204" pitchFamily="34" charset="0"/>
+              <a:buChar char="•"/>
+            </a:pPr>
+            <a:r>
+              <a:rPr lang="en-US" altLang="zh-CN" sz="1400" dirty="0"/>
+              <a:t>Zone Table</a:t>
+            </a:r>
+          </a:p>
+        </p:txBody>
+      </p:sp>
+      <p:sp>
+        <p:nvSpPr>
+          <p:cNvPr id="5" name="椭圆 4">
+            <a:extLst>
+              <a:ext uri="{FF2B5EF4-FFF2-40B4-BE49-F238E27FC236}">
+                <a16:creationId xmlns:a16="http://schemas.microsoft.com/office/drawing/2014/main" id="{F46BA4A4-FDAA-4D4B-AA43-AC346A00C2A7}"/>
+              </a:ext>
+            </a:extLst>
+          </p:cNvPr>
+          <p:cNvSpPr/>
+          <p:nvPr/>
+        </p:nvSpPr>
+        <p:spPr>
+          <a:xfrm>
+            <a:off x="5630840" y="5256943"/>
+            <a:ext cx="834312" cy="818585"/>
+          </a:xfrm>
+          <a:prstGeom prst="ellipse">
+            <a:avLst/>
+          </a:prstGeom>
+          <a:ln w="38100"/>
+        </p:spPr>
+        <p:style>
+          <a:lnRef idx="2">
+            <a:schemeClr val="dk1"/>
+          </a:lnRef>
+          <a:fillRef idx="1">
+            <a:schemeClr val="lt1"/>
+          </a:fillRef>
+          <a:effectRef idx="0">
+            <a:schemeClr val="dk1"/>
+          </a:effectRef>
+          <a:fontRef idx="minor">
+            <a:schemeClr val="dk1"/>
+          </a:fontRef>
+        </p:style>
+        <p:txBody>
+          <a:bodyPr rtlCol="0" anchor="ctr"/>
+          <a:lstStyle/>
+          <a:p>
+            <a:pPr algn="ctr"/>
+            <a:r>
+              <a:rPr lang="en-US" altLang="zh-CN" dirty="0" err="1"/>
+              <a:t>OvS</a:t>
+            </a:r>
+            <a:endParaRPr lang="zh-CN" altLang="en-US" dirty="0"/>
+          </a:p>
+        </p:txBody>
+      </p:sp>
+      <p:sp>
+        <p:nvSpPr>
+          <p:cNvPr id="26" name="矩形 25">
+            <a:extLst>
+              <a:ext uri="{FF2B5EF4-FFF2-40B4-BE49-F238E27FC236}">
+                <a16:creationId xmlns:a16="http://schemas.microsoft.com/office/drawing/2014/main" id="{45B92116-640E-46FB-921D-F3C663FA6E00}"/>
+              </a:ext>
+            </a:extLst>
+          </p:cNvPr>
+          <p:cNvSpPr/>
+          <p:nvPr/>
+        </p:nvSpPr>
+        <p:spPr>
+          <a:xfrm>
+            <a:off x="7279344" y="6195057"/>
+            <a:ext cx="764438" cy="526659"/>
+          </a:xfrm>
+          <a:prstGeom prst="rect">
+            <a:avLst/>
+          </a:prstGeom>
+          <a:ln w="38100"/>
+        </p:spPr>
+        <p:style>
+          <a:lnRef idx="2">
+            <a:schemeClr val="dk1"/>
+          </a:lnRef>
+          <a:fillRef idx="1">
+            <a:schemeClr val="lt1"/>
+          </a:fillRef>
+          <a:effectRef idx="0">
+            <a:schemeClr val="dk1"/>
+          </a:effectRef>
+          <a:fontRef idx="minor">
+            <a:schemeClr val="dk1"/>
+          </a:fontRef>
+        </p:style>
+        <p:txBody>
+          <a:bodyPr rtlCol="0" anchor="ctr"/>
+          <a:lstStyle/>
+          <a:p>
+            <a:pPr algn="ctr"/>
+            <a:r>
+              <a:rPr lang="en-US" altLang="zh-CN" dirty="0">
+                <a:solidFill>
+                  <a:schemeClr val="dk1"/>
+                </a:solidFill>
+              </a:rPr>
+              <a:t>BESS</a:t>
+            </a:r>
+            <a:endParaRPr lang="zh-CN" altLang="en-US" dirty="0">
+              <a:solidFill>
+                <a:schemeClr val="dk1"/>
+              </a:solidFill>
+            </a:endParaRPr>
+          </a:p>
+        </p:txBody>
+      </p:sp>
+      <p:sp>
+        <p:nvSpPr>
+          <p:cNvPr id="28" name="矩形 27">
+            <a:extLst>
+              <a:ext uri="{FF2B5EF4-FFF2-40B4-BE49-F238E27FC236}">
+                <a16:creationId xmlns:a16="http://schemas.microsoft.com/office/drawing/2014/main" id="{C2C26730-774F-419A-9B22-7858A1C28C48}"/>
+              </a:ext>
+            </a:extLst>
+          </p:cNvPr>
+          <p:cNvSpPr/>
+          <p:nvPr/>
+        </p:nvSpPr>
+        <p:spPr>
+          <a:xfrm>
+            <a:off x="5630840" y="6240602"/>
+            <a:ext cx="834312" cy="526659"/>
+          </a:xfrm>
+          <a:prstGeom prst="rect">
+            <a:avLst/>
+          </a:prstGeom>
+          <a:ln w="38100"/>
+        </p:spPr>
+        <p:style>
+          <a:lnRef idx="2">
+            <a:schemeClr val="dk1"/>
+          </a:lnRef>
+          <a:fillRef idx="1">
+            <a:schemeClr val="lt1"/>
+          </a:fillRef>
+          <a:effectRef idx="0">
+            <a:schemeClr val="dk1"/>
+          </a:effectRef>
+          <a:fontRef idx="minor">
+            <a:schemeClr val="dk1"/>
+          </a:fontRef>
+        </p:style>
+        <p:txBody>
+          <a:bodyPr rtlCol="0" anchor="ctr"/>
+          <a:lstStyle/>
+          <a:p>
+            <a:pPr algn="ctr"/>
+            <a:r>
+              <a:rPr lang="en-US" altLang="zh-CN" dirty="0">
+                <a:solidFill>
+                  <a:schemeClr val="dk1"/>
+                </a:solidFill>
+              </a:rPr>
+              <a:t>Egress</a:t>
+            </a:r>
+            <a:endParaRPr lang="zh-CN" altLang="en-US" dirty="0">
+              <a:solidFill>
+                <a:schemeClr val="dk1"/>
+              </a:solidFill>
+            </a:endParaRPr>
+          </a:p>
+        </p:txBody>
+      </p:sp>
+      <p:cxnSp>
+        <p:nvCxnSpPr>
+          <p:cNvPr id="53" name="直接连接符 52">
+            <a:extLst>
+              <a:ext uri="{FF2B5EF4-FFF2-40B4-BE49-F238E27FC236}">
+                <a16:creationId xmlns:a16="http://schemas.microsoft.com/office/drawing/2014/main" id="{1CCB862C-D310-4148-AAAE-8E0C9EE2A5A0}"/>
+              </a:ext>
+            </a:extLst>
+          </p:cNvPr>
+          <p:cNvCxnSpPr>
+            <a:cxnSpLocks/>
+            <a:stCxn id="5" idx="4"/>
+            <a:endCxn id="26" idx="0"/>
+          </p:cNvCxnSpPr>
+          <p:nvPr/>
+        </p:nvCxnSpPr>
+        <p:spPr>
+          <a:xfrm>
+            <a:off x="6047996" y="6075528"/>
+            <a:ext cx="1613567" cy="119529"/>
+          </a:xfrm>
+          <a:prstGeom prst="line">
+            <a:avLst/>
+          </a:prstGeom>
+          <a:ln w="38100"/>
+        </p:spPr>
+        <p:style>
+          <a:lnRef idx="2">
+            <a:schemeClr val="dk1"/>
+          </a:lnRef>
+          <a:fillRef idx="1">
+            <a:schemeClr val="lt1"/>
+          </a:fillRef>
+          <a:effectRef idx="0">
+            <a:schemeClr val="dk1"/>
+          </a:effectRef>
+          <a:fontRef idx="minor">
+            <a:schemeClr val="dk1"/>
+          </a:fontRef>
+        </p:style>
+      </p:cxnSp>
+      <p:sp>
+        <p:nvSpPr>
+          <p:cNvPr id="75" name="矩形 74">
+            <a:extLst>
+              <a:ext uri="{FF2B5EF4-FFF2-40B4-BE49-F238E27FC236}">
+                <a16:creationId xmlns:a16="http://schemas.microsoft.com/office/drawing/2014/main" id="{D72BA265-2392-4B0E-9BF0-56F7547C42BB}"/>
+              </a:ext>
+            </a:extLst>
+          </p:cNvPr>
+          <p:cNvSpPr/>
+          <p:nvPr/>
+        </p:nvSpPr>
+        <p:spPr>
+          <a:xfrm>
+            <a:off x="8364993" y="6195057"/>
+            <a:ext cx="764438" cy="526659"/>
+          </a:xfrm>
+          <a:prstGeom prst="rect">
+            <a:avLst/>
+          </a:prstGeom>
+          <a:ln w="38100"/>
+        </p:spPr>
+        <p:style>
+          <a:lnRef idx="2">
+            <a:schemeClr val="dk1"/>
+          </a:lnRef>
+          <a:fillRef idx="1">
+            <a:schemeClr val="lt1"/>
+          </a:fillRef>
+          <a:effectRef idx="0">
+            <a:schemeClr val="dk1"/>
+          </a:effectRef>
+          <a:fontRef idx="minor">
+            <a:schemeClr val="dk1"/>
+          </a:fontRef>
+        </p:style>
+        <p:txBody>
+          <a:bodyPr rtlCol="0" anchor="ctr"/>
+          <a:lstStyle/>
+          <a:p>
+            <a:pPr algn="ctr"/>
+            <a:r>
+              <a:rPr lang="en-US" altLang="zh-CN" dirty="0">
+                <a:solidFill>
+                  <a:schemeClr val="dk1"/>
+                </a:solidFill>
+              </a:rPr>
+              <a:t>VNF1</a:t>
+            </a:r>
+            <a:endParaRPr lang="zh-CN" altLang="en-US" dirty="0">
+              <a:solidFill>
+                <a:schemeClr val="dk1"/>
+              </a:solidFill>
+            </a:endParaRPr>
+          </a:p>
+        </p:txBody>
+      </p:sp>
+      <p:cxnSp>
+        <p:nvCxnSpPr>
+          <p:cNvPr id="79" name="直接连接符 78">
+            <a:extLst>
+              <a:ext uri="{FF2B5EF4-FFF2-40B4-BE49-F238E27FC236}">
+                <a16:creationId xmlns:a16="http://schemas.microsoft.com/office/drawing/2014/main" id="{88A7FF69-B49E-4529-96FE-914ACAAFCB72}"/>
+              </a:ext>
+            </a:extLst>
+          </p:cNvPr>
+          <p:cNvCxnSpPr>
+            <a:cxnSpLocks/>
+            <a:stCxn id="75" idx="1"/>
+            <a:endCxn id="26" idx="3"/>
+          </p:cNvCxnSpPr>
+          <p:nvPr/>
+        </p:nvCxnSpPr>
+        <p:spPr>
+          <a:xfrm flipH="1">
+            <a:off x="8043782" y="6458387"/>
+            <a:ext cx="321211" cy="0"/>
+          </a:xfrm>
+          <a:prstGeom prst="line">
+            <a:avLst/>
+          </a:prstGeom>
+          <a:ln w="38100"/>
+        </p:spPr>
+        <p:style>
+          <a:lnRef idx="2">
+            <a:schemeClr val="dk1"/>
+          </a:lnRef>
+          <a:fillRef idx="1">
+            <a:schemeClr val="lt1"/>
+          </a:fillRef>
+          <a:effectRef idx="0">
+            <a:schemeClr val="dk1"/>
+          </a:effectRef>
+          <a:fontRef idx="minor">
+            <a:schemeClr val="dk1"/>
+          </a:fontRef>
+        </p:style>
+      </p:cxnSp>
+      <p:sp>
+        <p:nvSpPr>
+          <p:cNvPr id="30" name="矩形 29">
+            <a:extLst>
+              <a:ext uri="{FF2B5EF4-FFF2-40B4-BE49-F238E27FC236}">
+                <a16:creationId xmlns:a16="http://schemas.microsoft.com/office/drawing/2014/main" id="{C16E31D4-C861-4F0B-9165-196030B6AADC}"/>
+              </a:ext>
+            </a:extLst>
+          </p:cNvPr>
+          <p:cNvSpPr/>
+          <p:nvPr/>
+        </p:nvSpPr>
+        <p:spPr>
+          <a:xfrm>
+            <a:off x="3793831" y="6216224"/>
+            <a:ext cx="1140931" cy="524819"/>
+          </a:xfrm>
+          <a:prstGeom prst="rect">
+            <a:avLst/>
+          </a:prstGeom>
+          <a:ln w="38100"/>
+        </p:spPr>
+        <p:style>
+          <a:lnRef idx="2">
+            <a:schemeClr val="dk1"/>
+          </a:lnRef>
+          <a:fillRef idx="1">
+            <a:schemeClr val="lt1"/>
+          </a:fillRef>
+          <a:effectRef idx="0">
+            <a:schemeClr val="dk1"/>
+          </a:effectRef>
+          <a:fontRef idx="minor">
+            <a:schemeClr val="dk1"/>
+          </a:fontRef>
+        </p:style>
+        <p:txBody>
+          <a:bodyPr rtlCol="0" anchor="ctr"/>
+          <a:lstStyle/>
+          <a:p>
+            <a:pPr algn="ctr"/>
+            <a:r>
+              <a:rPr lang="en-US" altLang="zh-CN" dirty="0">
+                <a:solidFill>
+                  <a:schemeClr val="dk1"/>
+                </a:solidFill>
+              </a:rPr>
+              <a:t>Classifier</a:t>
+            </a:r>
+            <a:endParaRPr lang="zh-CN" altLang="en-US" dirty="0">
+              <a:solidFill>
+                <a:schemeClr val="dk1"/>
+              </a:solidFill>
+            </a:endParaRPr>
+          </a:p>
+        </p:txBody>
+      </p:sp>
+      <p:cxnSp>
+        <p:nvCxnSpPr>
+          <p:cNvPr id="31" name="直接连接符 30">
+            <a:extLst>
+              <a:ext uri="{FF2B5EF4-FFF2-40B4-BE49-F238E27FC236}">
+                <a16:creationId xmlns:a16="http://schemas.microsoft.com/office/drawing/2014/main" id="{815CE4DD-1593-4881-A2A5-9E8733490F8D}"/>
+              </a:ext>
+            </a:extLst>
+          </p:cNvPr>
+          <p:cNvCxnSpPr>
+            <a:cxnSpLocks/>
+            <a:stCxn id="5" idx="4"/>
+            <a:endCxn id="30" idx="0"/>
+          </p:cNvCxnSpPr>
+          <p:nvPr/>
+        </p:nvCxnSpPr>
+        <p:spPr>
+          <a:xfrm flipH="1">
+            <a:off x="4364297" y="6075528"/>
+            <a:ext cx="1683699" cy="140696"/>
+          </a:xfrm>
+          <a:prstGeom prst="line">
+            <a:avLst/>
+          </a:prstGeom>
+          <a:ln w="38100"/>
+        </p:spPr>
+        <p:style>
+          <a:lnRef idx="2">
+            <a:schemeClr val="dk1"/>
+          </a:lnRef>
+          <a:fillRef idx="1">
+            <a:schemeClr val="lt1"/>
+          </a:fillRef>
+          <a:effectRef idx="0">
+            <a:schemeClr val="dk1"/>
+          </a:effectRef>
+          <a:fontRef idx="minor">
+            <a:schemeClr val="dk1"/>
+          </a:fontRef>
+        </p:style>
+      </p:cxnSp>
+      <p:cxnSp>
+        <p:nvCxnSpPr>
+          <p:cNvPr id="33" name="直接连接符 32">
+            <a:extLst>
+              <a:ext uri="{FF2B5EF4-FFF2-40B4-BE49-F238E27FC236}">
+                <a16:creationId xmlns:a16="http://schemas.microsoft.com/office/drawing/2014/main" id="{0E834C34-9680-47A7-84E0-76336690B590}"/>
+              </a:ext>
+            </a:extLst>
+          </p:cNvPr>
+          <p:cNvCxnSpPr>
+            <a:cxnSpLocks/>
+            <a:stCxn id="5" idx="4"/>
+            <a:endCxn id="28" idx="0"/>
+          </p:cNvCxnSpPr>
+          <p:nvPr/>
+        </p:nvCxnSpPr>
+        <p:spPr>
+          <a:xfrm>
+            <a:off x="6047996" y="6075528"/>
+            <a:ext cx="0" cy="165074"/>
+          </a:xfrm>
+          <a:prstGeom prst="line">
+            <a:avLst/>
+          </a:prstGeom>
+          <a:ln w="38100"/>
+        </p:spPr>
+        <p:style>
+          <a:lnRef idx="2">
+            <a:schemeClr val="dk1"/>
+          </a:lnRef>
+          <a:fillRef idx="1">
+            <a:schemeClr val="lt1"/>
+          </a:fillRef>
+          <a:effectRef idx="0">
+            <a:schemeClr val="dk1"/>
+          </a:effectRef>
+          <a:fontRef idx="minor">
+            <a:schemeClr val="dk1"/>
+          </a:fontRef>
+        </p:style>
+      </p:cxnSp>
+      <p:sp>
+        <p:nvSpPr>
+          <p:cNvPr id="3" name="矩形 2">
+            <a:extLst>
+              <a:ext uri="{FF2B5EF4-FFF2-40B4-BE49-F238E27FC236}">
+                <a16:creationId xmlns:a16="http://schemas.microsoft.com/office/drawing/2014/main" id="{40FF0644-6E34-4188-A58F-E03C485DB240}"/>
+              </a:ext>
+            </a:extLst>
+          </p:cNvPr>
+          <p:cNvSpPr/>
+          <p:nvPr/>
+        </p:nvSpPr>
+        <p:spPr>
+          <a:xfrm>
+            <a:off x="6017793" y="2001325"/>
+            <a:ext cx="1633586" cy="833736"/>
+          </a:xfrm>
+          <a:prstGeom prst="rect">
+            <a:avLst/>
+          </a:prstGeom>
+        </p:spPr>
+        <p:style>
+          <a:lnRef idx="2">
+            <a:schemeClr val="accent1">
+              <a:shade val="50000"/>
+            </a:schemeClr>
+          </a:lnRef>
+          <a:fillRef idx="1">
+            <a:schemeClr val="accent1"/>
+          </a:fillRef>
+          <a:effectRef idx="0">
+            <a:schemeClr val="accent1"/>
+          </a:effectRef>
+          <a:fontRef idx="minor">
+            <a:schemeClr val="lt1"/>
+          </a:fontRef>
+        </p:style>
+        <p:txBody>
+          <a:bodyPr rtlCol="0" anchor="ctr"/>
+          <a:lstStyle/>
+          <a:p>
+            <a:pPr algn="ctr"/>
+            <a:r>
+              <a:rPr lang="en-US" altLang="zh-CN" dirty="0"/>
+              <a:t>Orchestration</a:t>
+            </a:r>
+            <a:endParaRPr lang="zh-CN" altLang="en-US" dirty="0"/>
+          </a:p>
+        </p:txBody>
+      </p:sp>
+      <p:cxnSp>
+        <p:nvCxnSpPr>
+          <p:cNvPr id="11" name="直接箭头连接符 10">
+            <a:extLst>
+              <a:ext uri="{FF2B5EF4-FFF2-40B4-BE49-F238E27FC236}">
+                <a16:creationId xmlns:a16="http://schemas.microsoft.com/office/drawing/2014/main" id="{C4F46709-FCE9-46F2-B982-9CFD473E64A6}"/>
+              </a:ext>
+            </a:extLst>
+          </p:cNvPr>
+          <p:cNvCxnSpPr>
+            <a:cxnSpLocks/>
+            <a:stCxn id="29" idx="2"/>
+            <a:endCxn id="26" idx="0"/>
+          </p:cNvCxnSpPr>
+          <p:nvPr/>
+        </p:nvCxnSpPr>
+        <p:spPr>
+          <a:xfrm flipH="1">
+            <a:off x="7661563" y="5079781"/>
+            <a:ext cx="650020" cy="1115276"/>
+          </a:xfrm>
+          <a:prstGeom prst="straightConnector1">
+            <a:avLst/>
+          </a:prstGeom>
+          <a:ln>
+            <a:tailEnd type="triangle"/>
+          </a:ln>
+        </p:spPr>
+        <p:style>
+          <a:lnRef idx="1">
+            <a:schemeClr val="accent1"/>
+          </a:lnRef>
+          <a:fillRef idx="0">
+            <a:schemeClr val="accent1"/>
+          </a:fillRef>
+          <a:effectRef idx="0">
+            <a:schemeClr val="accent1"/>
+          </a:effectRef>
+          <a:fontRef idx="minor">
+            <a:schemeClr val="tx1"/>
+          </a:fontRef>
+        </p:style>
+      </p:cxnSp>
+      <p:cxnSp>
+        <p:nvCxnSpPr>
+          <p:cNvPr id="35" name="直接箭头连接符 34">
+            <a:extLst>
+              <a:ext uri="{FF2B5EF4-FFF2-40B4-BE49-F238E27FC236}">
+                <a16:creationId xmlns:a16="http://schemas.microsoft.com/office/drawing/2014/main" id="{46E0559C-93C0-447E-9B77-BC0459CDFAB5}"/>
+              </a:ext>
+            </a:extLst>
+          </p:cNvPr>
+          <p:cNvCxnSpPr>
+            <a:cxnSpLocks/>
+            <a:stCxn id="68" idx="2"/>
+            <a:endCxn id="30" idx="0"/>
+          </p:cNvCxnSpPr>
+          <p:nvPr/>
+        </p:nvCxnSpPr>
+        <p:spPr>
+          <a:xfrm flipH="1">
+            <a:off x="4364297" y="5073681"/>
+            <a:ext cx="2488015" cy="1142543"/>
+          </a:xfrm>
+          <a:prstGeom prst="straightConnector1">
+            <a:avLst/>
+          </a:prstGeom>
+          <a:ln>
+            <a:tailEnd type="triangle"/>
+          </a:ln>
+        </p:spPr>
+        <p:style>
+          <a:lnRef idx="1">
+            <a:schemeClr val="accent1"/>
+          </a:lnRef>
+          <a:fillRef idx="0">
+            <a:schemeClr val="accent1"/>
+          </a:fillRef>
+          <a:effectRef idx="0">
+            <a:schemeClr val="accent1"/>
+          </a:effectRef>
+          <a:fontRef idx="minor">
+            <a:schemeClr val="tx1"/>
+          </a:fontRef>
+        </p:style>
+      </p:cxnSp>
+      <p:sp>
+        <p:nvSpPr>
+          <p:cNvPr id="72" name="圆柱体 71">
+            <a:extLst>
+              <a:ext uri="{FF2B5EF4-FFF2-40B4-BE49-F238E27FC236}">
+                <a16:creationId xmlns:a16="http://schemas.microsoft.com/office/drawing/2014/main" id="{FD56D661-8DF4-4576-B8B4-829153BC7290}"/>
+              </a:ext>
+            </a:extLst>
+          </p:cNvPr>
+          <p:cNvSpPr/>
+          <p:nvPr/>
+        </p:nvSpPr>
+        <p:spPr>
+          <a:xfrm>
+            <a:off x="5931680" y="933586"/>
+            <a:ext cx="1805812" cy="719423"/>
+          </a:xfrm>
+          <a:prstGeom prst="can">
+            <a:avLst/>
+          </a:prstGeom>
+        </p:spPr>
+        <p:style>
+          <a:lnRef idx="2">
+            <a:schemeClr val="accent1">
+              <a:shade val="50000"/>
+            </a:schemeClr>
+          </a:lnRef>
+          <a:fillRef idx="1">
+            <a:schemeClr val="accent1"/>
+          </a:fillRef>
+          <a:effectRef idx="0">
+            <a:schemeClr val="accent1"/>
+          </a:effectRef>
+          <a:fontRef idx="minor">
+            <a:schemeClr val="lt1"/>
+          </a:fontRef>
+        </p:style>
+        <p:txBody>
+          <a:bodyPr rtlCol="0" anchor="ctr"/>
+          <a:lstStyle/>
+          <a:p>
+            <a:pPr algn="ctr"/>
+            <a:r>
+              <a:rPr lang="en-US" altLang="zh-CN" dirty="0"/>
+              <a:t>Database</a:t>
+            </a:r>
+          </a:p>
+        </p:txBody>
+      </p:sp>
+      <p:cxnSp>
+        <p:nvCxnSpPr>
+          <p:cNvPr id="80" name="直接箭头连接符 79">
+            <a:extLst>
+              <a:ext uri="{FF2B5EF4-FFF2-40B4-BE49-F238E27FC236}">
+                <a16:creationId xmlns:a16="http://schemas.microsoft.com/office/drawing/2014/main" id="{F15DAA96-49AB-497B-BD6C-13BE32AEF80D}"/>
+              </a:ext>
+            </a:extLst>
+          </p:cNvPr>
+          <p:cNvCxnSpPr>
+            <a:cxnSpLocks/>
+            <a:stCxn id="72" idx="3"/>
+            <a:endCxn id="3" idx="0"/>
+          </p:cNvCxnSpPr>
+          <p:nvPr/>
+        </p:nvCxnSpPr>
+        <p:spPr>
+          <a:xfrm>
+            <a:off x="6834586" y="1653009"/>
+            <a:ext cx="0" cy="348316"/>
+          </a:xfrm>
+          <a:prstGeom prst="straightConnector1">
+            <a:avLst/>
+          </a:prstGeom>
+          <a:ln w="28575">
+            <a:tailEnd type="triangle"/>
+          </a:ln>
+        </p:spPr>
+        <p:style>
+          <a:lnRef idx="2">
+            <a:schemeClr val="accent6"/>
+          </a:lnRef>
+          <a:fillRef idx="0">
+            <a:schemeClr val="accent6"/>
+          </a:fillRef>
+          <a:effectRef idx="1">
+            <a:schemeClr val="accent6"/>
+          </a:effectRef>
+          <a:fontRef idx="minor">
+            <a:schemeClr val="tx1"/>
+          </a:fontRef>
+        </p:style>
+      </p:cxnSp>
+      <p:sp>
+        <p:nvSpPr>
+          <p:cNvPr id="84" name="矩形 83">
+            <a:extLst>
+              <a:ext uri="{FF2B5EF4-FFF2-40B4-BE49-F238E27FC236}">
+                <a16:creationId xmlns:a16="http://schemas.microsoft.com/office/drawing/2014/main" id="{5E345BC5-2B5D-45F1-933E-E9DF59F406A4}"/>
+              </a:ext>
+            </a:extLst>
+          </p:cNvPr>
+          <p:cNvSpPr/>
+          <p:nvPr/>
+        </p:nvSpPr>
+        <p:spPr>
+          <a:xfrm>
+            <a:off x="9858959" y="2021603"/>
+            <a:ext cx="2187018" cy="809006"/>
+          </a:xfrm>
+          <a:prstGeom prst="rect">
+            <a:avLst/>
+          </a:prstGeom>
+        </p:spPr>
+        <p:style>
+          <a:lnRef idx="1">
+            <a:schemeClr val="accent1"/>
+          </a:lnRef>
+          <a:fillRef idx="2">
+            <a:schemeClr val="accent1"/>
+          </a:fillRef>
+          <a:effectRef idx="1">
+            <a:schemeClr val="accent1"/>
+          </a:effectRef>
+          <a:fontRef idx="minor">
+            <a:schemeClr val="dk1"/>
+          </a:fontRef>
+        </p:style>
+        <p:txBody>
+          <a:bodyPr rtlCol="0" anchor="ctr"/>
+          <a:lstStyle/>
+          <a:p>
+            <a:pPr algn="ctr"/>
+            <a:r>
+              <a:rPr lang="en-US" altLang="zh-CN" dirty="0"/>
+              <a:t>Measurement</a:t>
+            </a:r>
+          </a:p>
+        </p:txBody>
+      </p:sp>
+      <p:sp>
+        <p:nvSpPr>
+          <p:cNvPr id="151" name="矩形 150">
+            <a:extLst>
+              <a:ext uri="{FF2B5EF4-FFF2-40B4-BE49-F238E27FC236}">
+                <a16:creationId xmlns:a16="http://schemas.microsoft.com/office/drawing/2014/main" id="{2021B616-BA54-4FF9-BB88-AF472BE1FCA8}"/>
+              </a:ext>
+            </a:extLst>
+          </p:cNvPr>
+          <p:cNvSpPr/>
+          <p:nvPr/>
+        </p:nvSpPr>
+        <p:spPr>
+          <a:xfrm>
+            <a:off x="294855" y="1541292"/>
+            <a:ext cx="771224" cy="1741080"/>
+          </a:xfrm>
+          <a:prstGeom prst="rect">
+            <a:avLst/>
+          </a:prstGeom>
+        </p:spPr>
+        <p:style>
+          <a:lnRef idx="2">
+            <a:schemeClr val="accent3">
+              <a:shade val="50000"/>
+            </a:schemeClr>
+          </a:lnRef>
+          <a:fillRef idx="1">
+            <a:schemeClr val="accent3"/>
+          </a:fillRef>
+          <a:effectRef idx="0">
+            <a:schemeClr val="accent3"/>
+          </a:effectRef>
+          <a:fontRef idx="minor">
+            <a:schemeClr val="lt1"/>
+          </a:fontRef>
+        </p:style>
+        <p:txBody>
+          <a:bodyPr rtlCol="0" anchor="ctr"/>
+          <a:lstStyle/>
+          <a:p>
+            <a:pPr algn="ctr"/>
+            <a:r>
+              <a:rPr lang="en-US" altLang="zh-CN" sz="1400" dirty="0"/>
+              <a:t>Web</a:t>
+            </a:r>
+          </a:p>
+          <a:p>
+            <a:pPr algn="ctr"/>
+            <a:r>
+              <a:rPr lang="en-US" altLang="zh-CN" sz="1400" dirty="0"/>
+              <a:t>Front</a:t>
+            </a:r>
+          </a:p>
+          <a:p>
+            <a:pPr algn="ctr"/>
+            <a:r>
+              <a:rPr lang="en-US" altLang="zh-CN" sz="1400" dirty="0"/>
+              <a:t>End</a:t>
+            </a:r>
+            <a:endParaRPr lang="zh-CN" altLang="en-US" sz="1400" dirty="0"/>
+          </a:p>
+        </p:txBody>
+      </p:sp>
+      <p:sp>
+        <p:nvSpPr>
+          <p:cNvPr id="153" name="矩形 152">
+            <a:extLst>
+              <a:ext uri="{FF2B5EF4-FFF2-40B4-BE49-F238E27FC236}">
+                <a16:creationId xmlns:a16="http://schemas.microsoft.com/office/drawing/2014/main" id="{11A28C1D-881F-4E3E-9569-15DF62FB7949}"/>
+              </a:ext>
+            </a:extLst>
+          </p:cNvPr>
+          <p:cNvSpPr/>
+          <p:nvPr/>
+        </p:nvSpPr>
+        <p:spPr>
+          <a:xfrm>
+            <a:off x="1982240" y="1541291"/>
+            <a:ext cx="1642789" cy="592210"/>
+          </a:xfrm>
+          <a:prstGeom prst="rect">
+            <a:avLst/>
+          </a:prstGeom>
+        </p:spPr>
+        <p:style>
+          <a:lnRef idx="2">
+            <a:schemeClr val="accent3">
+              <a:shade val="50000"/>
+            </a:schemeClr>
+          </a:lnRef>
+          <a:fillRef idx="1">
+            <a:schemeClr val="accent3"/>
+          </a:fillRef>
+          <a:effectRef idx="0">
+            <a:schemeClr val="accent3"/>
+          </a:effectRef>
+          <a:fontRef idx="minor">
+            <a:schemeClr val="lt1"/>
+          </a:fontRef>
+        </p:style>
+        <p:txBody>
+          <a:bodyPr rtlCol="0" anchor="ctr"/>
+          <a:lstStyle/>
+          <a:p>
+            <a:pPr algn="ctr"/>
+            <a:r>
+              <a:rPr lang="en-US" altLang="zh-CN" sz="1400" dirty="0"/>
+              <a:t>create SFC request </a:t>
+            </a:r>
+            <a:endParaRPr lang="zh-CN" altLang="en-US" sz="1400" dirty="0"/>
+          </a:p>
+        </p:txBody>
+      </p:sp>
+      <p:sp>
+        <p:nvSpPr>
+          <p:cNvPr id="154" name="矩形 153">
+            <a:extLst>
+              <a:ext uri="{FF2B5EF4-FFF2-40B4-BE49-F238E27FC236}">
+                <a16:creationId xmlns:a16="http://schemas.microsoft.com/office/drawing/2014/main" id="{95A101C6-C6ED-4222-A062-D16DDCB60E12}"/>
+              </a:ext>
+            </a:extLst>
+          </p:cNvPr>
+          <p:cNvSpPr/>
+          <p:nvPr/>
+        </p:nvSpPr>
+        <p:spPr>
+          <a:xfrm>
+            <a:off x="1986767" y="2141566"/>
+            <a:ext cx="1633587" cy="524819"/>
+          </a:xfrm>
+          <a:prstGeom prst="rect">
+            <a:avLst/>
+          </a:prstGeom>
+        </p:spPr>
+        <p:style>
+          <a:lnRef idx="2">
+            <a:schemeClr val="accent3">
+              <a:shade val="50000"/>
+            </a:schemeClr>
+          </a:lnRef>
+          <a:fillRef idx="1">
+            <a:schemeClr val="accent3"/>
+          </a:fillRef>
+          <a:effectRef idx="0">
+            <a:schemeClr val="accent3"/>
+          </a:effectRef>
+          <a:fontRef idx="minor">
+            <a:schemeClr val="lt1"/>
+          </a:fontRef>
+        </p:style>
+        <p:txBody>
+          <a:bodyPr rtlCol="0" anchor="ctr"/>
+          <a:lstStyle/>
+          <a:p>
+            <a:pPr algn="ctr"/>
+            <a:r>
+              <a:rPr lang="en-US" altLang="zh-CN" sz="1400" dirty="0"/>
+              <a:t>get SFC request </a:t>
+            </a:r>
+            <a:endParaRPr lang="zh-CN" altLang="en-US" sz="1400" dirty="0"/>
+          </a:p>
+        </p:txBody>
+      </p:sp>
+      <p:sp>
+        <p:nvSpPr>
+          <p:cNvPr id="155" name="矩形 154">
+            <a:extLst>
+              <a:ext uri="{FF2B5EF4-FFF2-40B4-BE49-F238E27FC236}">
+                <a16:creationId xmlns:a16="http://schemas.microsoft.com/office/drawing/2014/main" id="{E2A42485-64CB-424B-A4CC-72F370AC7AD3}"/>
+              </a:ext>
+            </a:extLst>
+          </p:cNvPr>
+          <p:cNvSpPr/>
+          <p:nvPr/>
+        </p:nvSpPr>
+        <p:spPr>
+          <a:xfrm>
+            <a:off x="1991660" y="2674450"/>
+            <a:ext cx="1633586" cy="607921"/>
+          </a:xfrm>
+          <a:prstGeom prst="rect">
+            <a:avLst/>
+          </a:prstGeom>
+        </p:spPr>
+        <p:style>
+          <a:lnRef idx="2">
+            <a:schemeClr val="accent3">
+              <a:shade val="50000"/>
+            </a:schemeClr>
+          </a:lnRef>
+          <a:fillRef idx="1">
+            <a:schemeClr val="accent3"/>
+          </a:fillRef>
+          <a:effectRef idx="0">
+            <a:schemeClr val="accent3"/>
+          </a:effectRef>
+          <a:fontRef idx="minor">
+            <a:schemeClr val="lt1"/>
+          </a:fontRef>
+        </p:style>
+        <p:txBody>
+          <a:bodyPr rtlCol="0" anchor="ctr"/>
+          <a:lstStyle/>
+          <a:p>
+            <a:pPr algn="ctr"/>
+            <a:r>
+              <a:rPr lang="en-US" altLang="zh-CN" sz="1400" dirty="0"/>
+              <a:t>delete SFC request </a:t>
+            </a:r>
+            <a:endParaRPr lang="zh-CN" altLang="en-US" sz="1400" dirty="0"/>
+          </a:p>
+        </p:txBody>
+      </p:sp>
+      <p:sp>
+        <p:nvSpPr>
+          <p:cNvPr id="157" name="矩形 156">
+            <a:extLst>
+              <a:ext uri="{FF2B5EF4-FFF2-40B4-BE49-F238E27FC236}">
+                <a16:creationId xmlns:a16="http://schemas.microsoft.com/office/drawing/2014/main" id="{128C99C3-2946-4536-BDE3-4579ADA131B4}"/>
+              </a:ext>
+            </a:extLst>
+          </p:cNvPr>
+          <p:cNvSpPr/>
+          <p:nvPr/>
+        </p:nvSpPr>
+        <p:spPr>
+          <a:xfrm>
+            <a:off x="1388364" y="1541292"/>
+            <a:ext cx="602608" cy="1741080"/>
+          </a:xfrm>
+          <a:prstGeom prst="rect">
+            <a:avLst/>
+          </a:prstGeom>
+        </p:spPr>
+        <p:style>
+          <a:lnRef idx="2">
+            <a:schemeClr val="accent3">
+              <a:shade val="50000"/>
+            </a:schemeClr>
+          </a:lnRef>
+          <a:fillRef idx="1">
+            <a:schemeClr val="accent3"/>
+          </a:fillRef>
+          <a:effectRef idx="0">
+            <a:schemeClr val="accent3"/>
+          </a:effectRef>
+          <a:fontRef idx="minor">
+            <a:schemeClr val="lt1"/>
+          </a:fontRef>
+        </p:style>
+        <p:txBody>
+          <a:bodyPr rtlCol="0" anchor="ctr"/>
+          <a:lstStyle/>
+          <a:p>
+            <a:pPr algn="ctr"/>
+            <a:r>
+              <a:rPr lang="en-US" altLang="zh-CN" sz="1400" dirty="0" err="1"/>
+              <a:t>Cmd</a:t>
+            </a:r>
+            <a:endParaRPr lang="zh-CN" altLang="en-US" sz="1400" dirty="0"/>
+          </a:p>
+        </p:txBody>
+      </p:sp>
+      <p:cxnSp>
+        <p:nvCxnSpPr>
+          <p:cNvPr id="178" name="直接箭头连接符 177">
+            <a:extLst>
+              <a:ext uri="{FF2B5EF4-FFF2-40B4-BE49-F238E27FC236}">
+                <a16:creationId xmlns:a16="http://schemas.microsoft.com/office/drawing/2014/main" id="{5FD3C077-CF02-44A9-AE47-D1A0ED745980}"/>
+              </a:ext>
+            </a:extLst>
+          </p:cNvPr>
+          <p:cNvCxnSpPr>
+            <a:cxnSpLocks/>
+            <a:stCxn id="151" idx="3"/>
+            <a:endCxn id="157" idx="1"/>
+          </p:cNvCxnSpPr>
+          <p:nvPr/>
+        </p:nvCxnSpPr>
+        <p:spPr>
+          <a:xfrm>
+            <a:off x="1066079" y="2411832"/>
+            <a:ext cx="322285" cy="0"/>
+          </a:xfrm>
+          <a:prstGeom prst="straightConnector1">
+            <a:avLst/>
+          </a:prstGeom>
+          <a:ln>
+            <a:tailEnd type="triangle"/>
+          </a:ln>
+        </p:spPr>
+        <p:style>
+          <a:lnRef idx="1">
+            <a:schemeClr val="accent1"/>
+          </a:lnRef>
+          <a:fillRef idx="0">
+            <a:schemeClr val="accent1"/>
+          </a:fillRef>
+          <a:effectRef idx="0">
+            <a:schemeClr val="accent1"/>
+          </a:effectRef>
+          <a:fontRef idx="minor">
+            <a:schemeClr val="tx1"/>
+          </a:fontRef>
+        </p:style>
+      </p:cxnSp>
+      <p:cxnSp>
+        <p:nvCxnSpPr>
+          <p:cNvPr id="56" name="直接箭头连接符 55">
+            <a:extLst>
+              <a:ext uri="{FF2B5EF4-FFF2-40B4-BE49-F238E27FC236}">
+                <a16:creationId xmlns:a16="http://schemas.microsoft.com/office/drawing/2014/main" id="{BF3EFA3D-AFA5-4FCB-B497-0CBAD1A3593F}"/>
+              </a:ext>
+            </a:extLst>
+          </p:cNvPr>
+          <p:cNvCxnSpPr>
+            <a:cxnSpLocks/>
+            <a:stCxn id="52" idx="2"/>
+            <a:endCxn id="75" idx="0"/>
+          </p:cNvCxnSpPr>
+          <p:nvPr/>
+        </p:nvCxnSpPr>
+        <p:spPr>
+          <a:xfrm flipH="1">
+            <a:off x="8747212" y="5077980"/>
+            <a:ext cx="1053490" cy="1117077"/>
+          </a:xfrm>
+          <a:prstGeom prst="straightConnector1">
+            <a:avLst/>
+          </a:prstGeom>
+          <a:ln>
+            <a:tailEnd type="triangle"/>
+          </a:ln>
+        </p:spPr>
+        <p:style>
+          <a:lnRef idx="1">
+            <a:schemeClr val="accent1"/>
+          </a:lnRef>
+          <a:fillRef idx="0">
+            <a:schemeClr val="accent1"/>
+          </a:fillRef>
+          <a:effectRef idx="0">
+            <a:schemeClr val="accent1"/>
+          </a:effectRef>
+          <a:fontRef idx="minor">
+            <a:schemeClr val="tx1"/>
+          </a:fontRef>
+        </p:style>
+      </p:cxnSp>
+      <p:sp>
+        <p:nvSpPr>
+          <p:cNvPr id="150" name="矩形 149">
+            <a:extLst>
+              <a:ext uri="{FF2B5EF4-FFF2-40B4-BE49-F238E27FC236}">
+                <a16:creationId xmlns:a16="http://schemas.microsoft.com/office/drawing/2014/main" id="{5DC60042-06B1-493F-83B3-241D6B6BF4D2}"/>
+              </a:ext>
+            </a:extLst>
+          </p:cNvPr>
+          <p:cNvSpPr/>
+          <p:nvPr/>
+        </p:nvSpPr>
+        <p:spPr>
+          <a:xfrm>
+            <a:off x="8342024" y="2026055"/>
+            <a:ext cx="1240543" cy="809006"/>
+          </a:xfrm>
+          <a:prstGeom prst="rect">
+            <a:avLst/>
+          </a:prstGeom>
+        </p:spPr>
+        <p:style>
+          <a:lnRef idx="2">
+            <a:schemeClr val="accent1">
+              <a:shade val="50000"/>
+            </a:schemeClr>
+          </a:lnRef>
+          <a:fillRef idx="1">
+            <a:schemeClr val="accent1"/>
+          </a:fillRef>
+          <a:effectRef idx="0">
+            <a:schemeClr val="accent1"/>
+          </a:effectRef>
+          <a:fontRef idx="minor">
+            <a:schemeClr val="lt1"/>
+          </a:fontRef>
+        </p:style>
+        <p:txBody>
+          <a:bodyPr rtlCol="0" anchor="ctr"/>
+          <a:lstStyle/>
+          <a:p>
+            <a:pPr algn="ctr"/>
+            <a:r>
+              <a:rPr lang="en-US" altLang="zh-CN" dirty="0"/>
+              <a:t>Adaptive</a:t>
+            </a:r>
+            <a:endParaRPr lang="zh-CN" altLang="en-US" dirty="0"/>
+          </a:p>
+        </p:txBody>
+      </p:sp>
+      <p:cxnSp>
+        <p:nvCxnSpPr>
+          <p:cNvPr id="115" name="直接箭头连接符 114">
+            <a:extLst>
+              <a:ext uri="{FF2B5EF4-FFF2-40B4-BE49-F238E27FC236}">
+                <a16:creationId xmlns:a16="http://schemas.microsoft.com/office/drawing/2014/main" id="{D1A526CB-E9A2-456E-8CCC-52469FA63317}"/>
+              </a:ext>
+            </a:extLst>
+          </p:cNvPr>
+          <p:cNvCxnSpPr>
+            <a:cxnSpLocks/>
+            <a:stCxn id="85" idx="3"/>
+            <a:endCxn id="5" idx="1"/>
+          </p:cNvCxnSpPr>
+          <p:nvPr/>
+        </p:nvCxnSpPr>
+        <p:spPr>
+          <a:xfrm>
+            <a:off x="5045769" y="5089152"/>
+            <a:ext cx="707253" cy="287670"/>
+          </a:xfrm>
+          <a:prstGeom prst="straightConnector1">
+            <a:avLst/>
+          </a:prstGeom>
+          <a:ln>
+            <a:tailEnd type="triangle"/>
+          </a:ln>
+        </p:spPr>
+        <p:style>
+          <a:lnRef idx="1">
+            <a:schemeClr val="accent1"/>
+          </a:lnRef>
+          <a:fillRef idx="0">
+            <a:schemeClr val="accent1"/>
+          </a:fillRef>
+          <a:effectRef idx="0">
+            <a:schemeClr val="accent1"/>
+          </a:effectRef>
+          <a:fontRef idx="minor">
+            <a:schemeClr val="tx1"/>
+          </a:fontRef>
+        </p:style>
+      </p:cxnSp>
+      <p:cxnSp>
+        <p:nvCxnSpPr>
+          <p:cNvPr id="59" name="直接箭头连接符 58">
+            <a:extLst>
+              <a:ext uri="{FF2B5EF4-FFF2-40B4-BE49-F238E27FC236}">
+                <a16:creationId xmlns:a16="http://schemas.microsoft.com/office/drawing/2014/main" id="{46D68FD0-912F-4888-AF10-93BD162E4201}"/>
+              </a:ext>
+            </a:extLst>
+          </p:cNvPr>
+          <p:cNvCxnSpPr>
+            <a:cxnSpLocks/>
+            <a:stCxn id="55" idx="0"/>
+            <a:endCxn id="66" idx="2"/>
+          </p:cNvCxnSpPr>
+          <p:nvPr/>
+        </p:nvCxnSpPr>
+        <p:spPr>
+          <a:xfrm flipV="1">
+            <a:off x="9972616" y="5069588"/>
+            <a:ext cx="1307253" cy="1125469"/>
+          </a:xfrm>
+          <a:prstGeom prst="straightConnector1">
+            <a:avLst/>
+          </a:prstGeom>
+          <a:ln w="38100" cap="flat" cmpd="sng" algn="ctr">
+            <a:solidFill>
+              <a:srgbClr val="FFC000"/>
+            </a:solidFill>
+            <a:prstDash val="dash"/>
+            <a:round/>
+            <a:headEnd type="none" w="med" len="med"/>
+            <a:tailEnd type="none" w="med" len="med"/>
+          </a:ln>
+        </p:spPr>
+        <p:style>
+          <a:lnRef idx="0">
+            <a:scrgbClr r="0" g="0" b="0"/>
+          </a:lnRef>
+          <a:fillRef idx="0">
+            <a:scrgbClr r="0" g="0" b="0"/>
+          </a:fillRef>
+          <a:effectRef idx="0">
+            <a:scrgbClr r="0" g="0" b="0"/>
+          </a:effectRef>
+          <a:fontRef idx="minor">
+            <a:schemeClr val="tx1"/>
+          </a:fontRef>
+        </p:style>
+      </p:cxnSp>
+      <p:grpSp>
+        <p:nvGrpSpPr>
+          <p:cNvPr id="13" name="组合 12">
+            <a:extLst>
+              <a:ext uri="{FF2B5EF4-FFF2-40B4-BE49-F238E27FC236}">
+                <a16:creationId xmlns:a16="http://schemas.microsoft.com/office/drawing/2014/main" id="{331855F4-E14F-4DB6-9391-91098E241008}"/>
+              </a:ext>
+            </a:extLst>
+          </p:cNvPr>
+          <p:cNvGrpSpPr/>
+          <p:nvPr/>
+        </p:nvGrpSpPr>
+        <p:grpSpPr>
+          <a:xfrm>
+            <a:off x="6040552" y="4511055"/>
+            <a:ext cx="5961638" cy="673192"/>
+            <a:chOff x="6085926" y="4341438"/>
+            <a:chExt cx="5961638" cy="673192"/>
+          </a:xfrm>
+        </p:grpSpPr>
+        <p:sp>
+          <p:nvSpPr>
+            <p:cNvPr id="29" name="矩形 28">
+              <a:extLst>
+                <a:ext uri="{FF2B5EF4-FFF2-40B4-BE49-F238E27FC236}">
+                  <a16:creationId xmlns:a16="http://schemas.microsoft.com/office/drawing/2014/main" id="{225A2D5D-9290-4FA7-8325-130726CB092B}"/>
+                </a:ext>
+              </a:extLst>
+            </p:cNvPr>
+            <p:cNvSpPr/>
+            <p:nvPr/>
+          </p:nvSpPr>
+          <p:spPr>
+            <a:xfrm>
+              <a:off x="7703655" y="4438478"/>
+              <a:ext cx="1306604" cy="471686"/>
+            </a:xfrm>
+            <a:prstGeom prst="rect">
+              <a:avLst/>
+            </a:prstGeom>
+          </p:spPr>
+          <p:style>
+            <a:lnRef idx="2">
+              <a:schemeClr val="accent6">
+                <a:shade val="50000"/>
+              </a:schemeClr>
+            </a:lnRef>
+            <a:fillRef idx="1">
+              <a:schemeClr val="accent6"/>
+            </a:fillRef>
+            <a:effectRef idx="0">
+              <a:schemeClr val="accent6"/>
+            </a:effectRef>
+            <a:fontRef idx="minor">
+              <a:schemeClr val="lt1"/>
+            </a:fontRef>
+          </p:style>
+          <p:txBody>
+            <a:bodyPr rtlCol="0" anchor="ctr"/>
+            <a:lstStyle/>
+            <a:p>
+              <a:pPr algn="ctr"/>
+              <a:r>
+                <a:rPr lang="en-US" altLang="zh-CN" dirty="0"/>
+                <a:t>SFF</a:t>
+              </a:r>
+            </a:p>
+            <a:p>
+              <a:pPr algn="ctr"/>
+              <a:r>
+                <a:rPr lang="en-US" altLang="zh-CN" dirty="0"/>
+                <a:t>Controller</a:t>
+              </a:r>
+              <a:endParaRPr lang="zh-CN" altLang="en-US" dirty="0"/>
+            </a:p>
+          </p:txBody>
+        </p:sp>
+        <p:sp>
+          <p:nvSpPr>
+            <p:cNvPr id="52" name="矩形 51">
+              <a:extLst>
+                <a:ext uri="{FF2B5EF4-FFF2-40B4-BE49-F238E27FC236}">
+                  <a16:creationId xmlns:a16="http://schemas.microsoft.com/office/drawing/2014/main" id="{0167D1BA-F934-4768-BF78-7629030295B4}"/>
+                </a:ext>
+              </a:extLst>
+            </p:cNvPr>
+            <p:cNvSpPr/>
+            <p:nvPr/>
+          </p:nvSpPr>
+          <p:spPr>
+            <a:xfrm>
+              <a:off x="9206559" y="4436677"/>
+              <a:ext cx="1279033" cy="471686"/>
+            </a:xfrm>
+            <a:prstGeom prst="rect">
+              <a:avLst/>
+            </a:prstGeom>
+          </p:spPr>
+          <p:style>
+            <a:lnRef idx="2">
+              <a:schemeClr val="accent6">
+                <a:shade val="50000"/>
+              </a:schemeClr>
+            </a:lnRef>
+            <a:fillRef idx="1">
+              <a:schemeClr val="accent6"/>
+            </a:fillRef>
+            <a:effectRef idx="0">
+              <a:schemeClr val="accent6"/>
+            </a:effectRef>
+            <a:fontRef idx="minor">
+              <a:schemeClr val="lt1"/>
+            </a:fontRef>
+          </p:style>
+          <p:txBody>
+            <a:bodyPr rtlCol="0" anchor="ctr"/>
+            <a:lstStyle/>
+            <a:p>
+              <a:pPr algn="ctr"/>
+              <a:r>
+                <a:rPr lang="en-US" altLang="zh-CN" dirty="0"/>
+                <a:t>VNF</a:t>
+              </a:r>
+            </a:p>
+            <a:p>
+              <a:pPr algn="ctr"/>
+              <a:r>
+                <a:rPr lang="en-US" altLang="zh-CN" dirty="0"/>
+                <a:t>Controller</a:t>
+              </a:r>
+              <a:endParaRPr lang="zh-CN" altLang="en-US" dirty="0"/>
+            </a:p>
+          </p:txBody>
+        </p:sp>
+        <p:sp>
+          <p:nvSpPr>
+            <p:cNvPr id="60" name="矩形 59">
+              <a:extLst>
+                <a:ext uri="{FF2B5EF4-FFF2-40B4-BE49-F238E27FC236}">
+                  <a16:creationId xmlns:a16="http://schemas.microsoft.com/office/drawing/2014/main" id="{21BCA351-AAE7-411F-A5CB-4C41156B857E}"/>
+                </a:ext>
+              </a:extLst>
+            </p:cNvPr>
+            <p:cNvSpPr/>
+            <p:nvPr/>
+          </p:nvSpPr>
+          <p:spPr>
+            <a:xfrm>
+              <a:off x="6085926" y="4341438"/>
+              <a:ext cx="5961638" cy="673192"/>
+            </a:xfrm>
+            <a:prstGeom prst="rect">
+              <a:avLst/>
+            </a:prstGeom>
+            <a:noFill/>
+            <a:ln w="57150"/>
+          </p:spPr>
+          <p:style>
+            <a:lnRef idx="2">
+              <a:schemeClr val="accent6"/>
+            </a:lnRef>
+            <a:fillRef idx="1">
+              <a:schemeClr val="lt1"/>
+            </a:fillRef>
+            <a:effectRef idx="0">
+              <a:schemeClr val="accent6"/>
+            </a:effectRef>
+            <a:fontRef idx="minor">
+              <a:schemeClr val="dk1"/>
+            </a:fontRef>
+          </p:style>
+          <p:txBody>
+            <a:bodyPr rtlCol="0" anchor="ctr"/>
+            <a:lstStyle/>
+            <a:p>
+              <a:pPr algn="r"/>
+              <a:endParaRPr lang="zh-CN" altLang="en-US" dirty="0"/>
+            </a:p>
+          </p:txBody>
+        </p:sp>
+        <p:sp>
+          <p:nvSpPr>
+            <p:cNvPr id="66" name="矩形 65">
+              <a:extLst>
+                <a:ext uri="{FF2B5EF4-FFF2-40B4-BE49-F238E27FC236}">
+                  <a16:creationId xmlns:a16="http://schemas.microsoft.com/office/drawing/2014/main" id="{B9BE4EE8-2590-434A-AC63-B2D7B2E8C915}"/>
+                </a:ext>
+              </a:extLst>
+            </p:cNvPr>
+            <p:cNvSpPr/>
+            <p:nvPr/>
+          </p:nvSpPr>
+          <p:spPr>
+            <a:xfrm>
+              <a:off x="10685726" y="4428285"/>
+              <a:ext cx="1279033" cy="471686"/>
+            </a:xfrm>
+            <a:prstGeom prst="rect">
+              <a:avLst/>
+            </a:prstGeom>
+          </p:spPr>
+          <p:style>
+            <a:lnRef idx="2">
+              <a:schemeClr val="accent6">
+                <a:shade val="50000"/>
+              </a:schemeClr>
+            </a:lnRef>
+            <a:fillRef idx="1">
+              <a:schemeClr val="accent6"/>
+            </a:fillRef>
+            <a:effectRef idx="0">
+              <a:schemeClr val="accent6"/>
+            </a:effectRef>
+            <a:fontRef idx="minor">
+              <a:schemeClr val="lt1"/>
+            </a:fontRef>
+          </p:style>
+          <p:txBody>
+            <a:bodyPr rtlCol="0" anchor="ctr"/>
+            <a:lstStyle/>
+            <a:p>
+              <a:pPr algn="ctr"/>
+              <a:r>
+                <a:rPr lang="en-US" altLang="zh-CN" dirty="0"/>
+                <a:t>Server </a:t>
+              </a:r>
+            </a:p>
+            <a:p>
+              <a:pPr algn="ctr"/>
+              <a:r>
+                <a:rPr lang="en-US" altLang="zh-CN" dirty="0"/>
+                <a:t>Manager</a:t>
+              </a:r>
+              <a:endParaRPr lang="zh-CN" altLang="en-US" dirty="0"/>
+            </a:p>
+          </p:txBody>
+        </p:sp>
+        <p:sp>
+          <p:nvSpPr>
+            <p:cNvPr id="68" name="矩形 67">
+              <a:extLst>
+                <a:ext uri="{FF2B5EF4-FFF2-40B4-BE49-F238E27FC236}">
+                  <a16:creationId xmlns:a16="http://schemas.microsoft.com/office/drawing/2014/main" id="{309DB223-AFB6-477C-B539-A733F4157003}"/>
+                </a:ext>
+              </a:extLst>
+            </p:cNvPr>
+            <p:cNvSpPr/>
+            <p:nvPr/>
+          </p:nvSpPr>
+          <p:spPr>
+            <a:xfrm>
+              <a:off x="6258169" y="4432378"/>
+              <a:ext cx="1279033" cy="471686"/>
+            </a:xfrm>
+            <a:prstGeom prst="rect">
+              <a:avLst/>
+            </a:prstGeom>
+          </p:spPr>
+          <p:style>
+            <a:lnRef idx="2">
+              <a:schemeClr val="accent6">
+                <a:shade val="50000"/>
+              </a:schemeClr>
+            </a:lnRef>
+            <a:fillRef idx="1">
+              <a:schemeClr val="accent6"/>
+            </a:fillRef>
+            <a:effectRef idx="0">
+              <a:schemeClr val="accent6"/>
+            </a:effectRef>
+            <a:fontRef idx="minor">
+              <a:schemeClr val="lt1"/>
+            </a:fontRef>
+          </p:style>
+          <p:txBody>
+            <a:bodyPr rtlCol="0" anchor="ctr"/>
+            <a:lstStyle/>
+            <a:p>
+              <a:pPr algn="ctr"/>
+              <a:r>
+                <a:rPr lang="en-US" altLang="zh-CN" dirty="0"/>
+                <a:t>Classifier</a:t>
+              </a:r>
+            </a:p>
+            <a:p>
+              <a:pPr algn="ctr"/>
+              <a:r>
+                <a:rPr lang="en-US" altLang="zh-CN" dirty="0"/>
+                <a:t>Controller</a:t>
+              </a:r>
+              <a:endParaRPr lang="zh-CN" altLang="en-US" dirty="0"/>
+            </a:p>
+          </p:txBody>
+        </p:sp>
+      </p:grpSp>
+      <p:sp>
+        <p:nvSpPr>
+          <p:cNvPr id="83" name="矩形 82">
+            <a:extLst>
+              <a:ext uri="{FF2B5EF4-FFF2-40B4-BE49-F238E27FC236}">
+                <a16:creationId xmlns:a16="http://schemas.microsoft.com/office/drawing/2014/main" id="{1FAAF00A-3816-436D-950F-FD8C8856A429}"/>
+              </a:ext>
+            </a:extLst>
+          </p:cNvPr>
+          <p:cNvSpPr/>
+          <p:nvPr/>
+        </p:nvSpPr>
+        <p:spPr>
+          <a:xfrm>
+            <a:off x="202517" y="3769737"/>
+            <a:ext cx="11812674" cy="402227"/>
+          </a:xfrm>
+          <a:prstGeom prst="rect">
+            <a:avLst/>
+          </a:prstGeom>
+          <a:solidFill>
+            <a:schemeClr val="bg1"/>
+          </a:solidFill>
+          <a:ln w="57150"/>
+        </p:spPr>
+        <p:style>
+          <a:lnRef idx="2">
+            <a:schemeClr val="accent6"/>
+          </a:lnRef>
+          <a:fillRef idx="1">
+            <a:schemeClr val="lt1"/>
+          </a:fillRef>
+          <a:effectRef idx="0">
+            <a:schemeClr val="accent6"/>
+          </a:effectRef>
+          <a:fontRef idx="minor">
+            <a:schemeClr val="dk1"/>
+          </a:fontRef>
+        </p:style>
+        <p:txBody>
+          <a:bodyPr rtlCol="0" anchor="ctr"/>
+          <a:lstStyle/>
+          <a:p>
+            <a:pPr algn="ctr"/>
+            <a:r>
+              <a:rPr lang="en-US" altLang="zh-CN" b="1" dirty="0"/>
+              <a:t>Mediator</a:t>
+            </a:r>
+            <a:endParaRPr lang="zh-CN" altLang="en-US" b="1" dirty="0"/>
+          </a:p>
+        </p:txBody>
+      </p:sp>
+      <p:cxnSp>
+        <p:nvCxnSpPr>
+          <p:cNvPr id="89" name="直接箭头连接符 88">
+            <a:extLst>
+              <a:ext uri="{FF2B5EF4-FFF2-40B4-BE49-F238E27FC236}">
+                <a16:creationId xmlns:a16="http://schemas.microsoft.com/office/drawing/2014/main" id="{AD34A92D-E28A-4891-B524-C0FBF59E38AF}"/>
+              </a:ext>
+            </a:extLst>
+          </p:cNvPr>
+          <p:cNvCxnSpPr>
+            <a:cxnSpLocks/>
+            <a:stCxn id="83" idx="0"/>
+            <a:endCxn id="3" idx="2"/>
+          </p:cNvCxnSpPr>
+          <p:nvPr/>
+        </p:nvCxnSpPr>
+        <p:spPr>
+          <a:xfrm flipV="1">
+            <a:off x="6108854" y="2835061"/>
+            <a:ext cx="725732" cy="934676"/>
+          </a:xfrm>
+          <a:prstGeom prst="straightConnector1">
+            <a:avLst/>
+          </a:prstGeom>
+          <a:ln w="38100" cap="flat" cmpd="sng" algn="ctr">
+            <a:solidFill>
+              <a:srgbClr val="FFC000"/>
+            </a:solidFill>
+            <a:prstDash val="dash"/>
+            <a:round/>
+            <a:headEnd type="none" w="med" len="med"/>
+            <a:tailEnd type="none" w="med" len="med"/>
+          </a:ln>
+        </p:spPr>
+        <p:style>
+          <a:lnRef idx="0">
+            <a:scrgbClr r="0" g="0" b="0"/>
+          </a:lnRef>
+          <a:fillRef idx="0">
+            <a:scrgbClr r="0" g="0" b="0"/>
+          </a:fillRef>
+          <a:effectRef idx="0">
+            <a:scrgbClr r="0" g="0" b="0"/>
+          </a:effectRef>
+          <a:fontRef idx="minor">
+            <a:schemeClr val="tx1"/>
+          </a:fontRef>
+        </p:style>
+      </p:cxnSp>
+      <p:cxnSp>
+        <p:nvCxnSpPr>
+          <p:cNvPr id="91" name="直接箭头连接符 90">
+            <a:extLst>
+              <a:ext uri="{FF2B5EF4-FFF2-40B4-BE49-F238E27FC236}">
+                <a16:creationId xmlns:a16="http://schemas.microsoft.com/office/drawing/2014/main" id="{C8184B5B-7094-4C1C-9566-05DE8EB1C631}"/>
+              </a:ext>
+            </a:extLst>
+          </p:cNvPr>
+          <p:cNvCxnSpPr>
+            <a:cxnSpLocks/>
+            <a:stCxn id="83" idx="0"/>
+            <a:endCxn id="84" idx="2"/>
+          </p:cNvCxnSpPr>
+          <p:nvPr/>
+        </p:nvCxnSpPr>
+        <p:spPr>
+          <a:xfrm flipV="1">
+            <a:off x="6108854" y="2830609"/>
+            <a:ext cx="4843614" cy="939128"/>
+          </a:xfrm>
+          <a:prstGeom prst="straightConnector1">
+            <a:avLst/>
+          </a:prstGeom>
+          <a:ln w="38100" cap="flat" cmpd="sng" algn="ctr">
+            <a:solidFill>
+              <a:srgbClr val="FFC000"/>
+            </a:solidFill>
+            <a:prstDash val="dash"/>
+            <a:round/>
+            <a:headEnd type="none" w="med" len="med"/>
+            <a:tailEnd type="none" w="med" len="med"/>
+          </a:ln>
+        </p:spPr>
+        <p:style>
+          <a:lnRef idx="0">
+            <a:scrgbClr r="0" g="0" b="0"/>
+          </a:lnRef>
+          <a:fillRef idx="0">
+            <a:scrgbClr r="0" g="0" b="0"/>
+          </a:fillRef>
+          <a:effectRef idx="0">
+            <a:scrgbClr r="0" g="0" b="0"/>
+          </a:effectRef>
+          <a:fontRef idx="minor">
+            <a:schemeClr val="tx1"/>
+          </a:fontRef>
+        </p:style>
+      </p:cxnSp>
+      <p:cxnSp>
+        <p:nvCxnSpPr>
+          <p:cNvPr id="106" name="直接箭头连接符 105">
+            <a:extLst>
+              <a:ext uri="{FF2B5EF4-FFF2-40B4-BE49-F238E27FC236}">
+                <a16:creationId xmlns:a16="http://schemas.microsoft.com/office/drawing/2014/main" id="{C5142B84-E1CA-4CFA-85B4-B1C23F39C1FF}"/>
+              </a:ext>
+            </a:extLst>
+          </p:cNvPr>
+          <p:cNvCxnSpPr>
+            <a:cxnSpLocks/>
+            <a:stCxn id="69" idx="0"/>
+            <a:endCxn id="83" idx="2"/>
+          </p:cNvCxnSpPr>
+          <p:nvPr/>
+        </p:nvCxnSpPr>
+        <p:spPr>
+          <a:xfrm flipV="1">
+            <a:off x="3334957" y="4171964"/>
+            <a:ext cx="2773897" cy="392777"/>
+          </a:xfrm>
+          <a:prstGeom prst="straightConnector1">
+            <a:avLst/>
+          </a:prstGeom>
+          <a:ln w="38100" cap="flat" cmpd="sng" algn="ctr">
+            <a:solidFill>
+              <a:srgbClr val="FFC000"/>
+            </a:solidFill>
+            <a:prstDash val="dash"/>
+            <a:round/>
+            <a:headEnd type="none" w="med" len="med"/>
+            <a:tailEnd type="none" w="med" len="med"/>
+          </a:ln>
+        </p:spPr>
+        <p:style>
+          <a:lnRef idx="0">
+            <a:scrgbClr r="0" g="0" b="0"/>
+          </a:lnRef>
+          <a:fillRef idx="0">
+            <a:scrgbClr r="0" g="0" b="0"/>
+          </a:fillRef>
+          <a:effectRef idx="0">
+            <a:scrgbClr r="0" g="0" b="0"/>
+          </a:effectRef>
+          <a:fontRef idx="minor">
+            <a:schemeClr val="tx1"/>
+          </a:fontRef>
+        </p:style>
+      </p:cxnSp>
+      <p:cxnSp>
+        <p:nvCxnSpPr>
+          <p:cNvPr id="109" name="直接箭头连接符 108">
+            <a:extLst>
+              <a:ext uri="{FF2B5EF4-FFF2-40B4-BE49-F238E27FC236}">
+                <a16:creationId xmlns:a16="http://schemas.microsoft.com/office/drawing/2014/main" id="{E8EAE9A5-71B0-4F08-A472-28F102D84E2A}"/>
+              </a:ext>
+            </a:extLst>
+          </p:cNvPr>
+          <p:cNvCxnSpPr>
+            <a:cxnSpLocks/>
+            <a:stCxn id="60" idx="0"/>
+            <a:endCxn id="83" idx="2"/>
+          </p:cNvCxnSpPr>
+          <p:nvPr/>
+        </p:nvCxnSpPr>
+        <p:spPr>
+          <a:xfrm flipH="1" flipV="1">
+            <a:off x="6108854" y="4171964"/>
+            <a:ext cx="2912517" cy="339091"/>
+          </a:xfrm>
+          <a:prstGeom prst="straightConnector1">
+            <a:avLst/>
+          </a:prstGeom>
+          <a:ln w="38100" cap="flat" cmpd="sng" algn="ctr">
+            <a:solidFill>
+              <a:srgbClr val="FFC000"/>
+            </a:solidFill>
+            <a:prstDash val="dash"/>
+            <a:round/>
+            <a:headEnd type="none" w="med" len="med"/>
+            <a:tailEnd type="none" w="med" len="med"/>
+          </a:ln>
+        </p:spPr>
+        <p:style>
+          <a:lnRef idx="0">
+            <a:scrgbClr r="0" g="0" b="0"/>
+          </a:lnRef>
+          <a:fillRef idx="0">
+            <a:scrgbClr r="0" g="0" b="0"/>
+          </a:fillRef>
+          <a:effectRef idx="0">
+            <a:scrgbClr r="0" g="0" b="0"/>
+          </a:effectRef>
+          <a:fontRef idx="minor">
+            <a:schemeClr val="tx1"/>
+          </a:fontRef>
+        </p:style>
+      </p:cxnSp>
+      <p:sp>
+        <p:nvSpPr>
+          <p:cNvPr id="24" name="文本框 23">
+            <a:extLst>
+              <a:ext uri="{FF2B5EF4-FFF2-40B4-BE49-F238E27FC236}">
+                <a16:creationId xmlns:a16="http://schemas.microsoft.com/office/drawing/2014/main" id="{03B58EF8-E2F2-4783-AC78-7D496CD6E96C}"/>
+              </a:ext>
+            </a:extLst>
+          </p:cNvPr>
+          <p:cNvSpPr txBox="1"/>
+          <p:nvPr/>
+        </p:nvSpPr>
+        <p:spPr>
+          <a:xfrm>
+            <a:off x="764120" y="5822514"/>
+            <a:ext cx="1178528" cy="369332"/>
+          </a:xfrm>
+          <a:prstGeom prst="rect">
+            <a:avLst/>
+          </a:prstGeom>
+          <a:noFill/>
+        </p:spPr>
+        <p:txBody>
+          <a:bodyPr wrap="none" rtlCol="0">
+            <a:spAutoFit/>
+          </a:bodyPr>
+          <a:lstStyle/>
+          <a:p>
+            <a:r>
+              <a:rPr lang="en-US" altLang="zh-CN" b="1" dirty="0"/>
+              <a:t>Ryu Apps</a:t>
+            </a:r>
+            <a:endParaRPr lang="zh-CN" altLang="en-US" b="1" dirty="0"/>
+          </a:p>
+        </p:txBody>
+      </p:sp>
+      <p:grpSp>
+        <p:nvGrpSpPr>
+          <p:cNvPr id="63" name="组合 62">
+            <a:extLst>
+              <a:ext uri="{FF2B5EF4-FFF2-40B4-BE49-F238E27FC236}">
+                <a16:creationId xmlns:a16="http://schemas.microsoft.com/office/drawing/2014/main" id="{7ABB2B80-8F99-4539-A1AA-F5F3B94943CD}"/>
+              </a:ext>
+            </a:extLst>
+          </p:cNvPr>
+          <p:cNvGrpSpPr/>
+          <p:nvPr/>
+        </p:nvGrpSpPr>
+        <p:grpSpPr>
+          <a:xfrm>
+            <a:off x="231791" y="4466849"/>
+            <a:ext cx="4813978" cy="1244605"/>
+            <a:chOff x="202518" y="4465851"/>
+            <a:chExt cx="4813978" cy="1244605"/>
+          </a:xfrm>
+        </p:grpSpPr>
+        <p:sp>
+          <p:nvSpPr>
+            <p:cNvPr id="163" name="矩形 162">
+              <a:extLst>
+                <a:ext uri="{FF2B5EF4-FFF2-40B4-BE49-F238E27FC236}">
+                  <a16:creationId xmlns:a16="http://schemas.microsoft.com/office/drawing/2014/main" id="{399E2120-1C3A-4D17-B494-4FF358DD3DAD}"/>
+                </a:ext>
+              </a:extLst>
+            </p:cNvPr>
+            <p:cNvSpPr/>
+            <p:nvPr/>
+          </p:nvSpPr>
+          <p:spPr>
+            <a:xfrm>
+              <a:off x="2977595" y="5142530"/>
+              <a:ext cx="710583" cy="471686"/>
+            </a:xfrm>
+            <a:prstGeom prst="rect">
+              <a:avLst/>
+            </a:prstGeom>
+          </p:spPr>
+          <p:style>
+            <a:lnRef idx="2">
+              <a:schemeClr val="accent6">
+                <a:shade val="50000"/>
+              </a:schemeClr>
+            </a:lnRef>
+            <a:fillRef idx="1">
+              <a:schemeClr val="accent6"/>
+            </a:fillRef>
+            <a:effectRef idx="0">
+              <a:schemeClr val="accent6"/>
+            </a:effectRef>
+            <a:fontRef idx="minor">
+              <a:schemeClr val="lt1"/>
+            </a:fontRef>
+          </p:style>
+          <p:txBody>
+            <a:bodyPr rtlCol="0" anchor="ctr"/>
+            <a:lstStyle/>
+            <a:p>
+              <a:pPr algn="ctr"/>
+              <a:r>
+                <a:rPr lang="en-US" altLang="zh-CN" dirty="0"/>
+                <a:t>L2</a:t>
+              </a:r>
+              <a:endParaRPr lang="zh-CN" altLang="en-US" dirty="0"/>
+            </a:p>
+          </p:txBody>
+        </p:sp>
+        <p:sp>
+          <p:nvSpPr>
+            <p:cNvPr id="73" name="矩形 72">
+              <a:extLst>
+                <a:ext uri="{FF2B5EF4-FFF2-40B4-BE49-F238E27FC236}">
+                  <a16:creationId xmlns:a16="http://schemas.microsoft.com/office/drawing/2014/main" id="{AF7F6D31-38A0-4C71-AD71-DB98CB298FF3}"/>
+                </a:ext>
+              </a:extLst>
+            </p:cNvPr>
+            <p:cNvSpPr/>
+            <p:nvPr/>
+          </p:nvSpPr>
+          <p:spPr>
+            <a:xfrm>
+              <a:off x="1775077" y="5131669"/>
+              <a:ext cx="1116039" cy="471686"/>
+            </a:xfrm>
+            <a:prstGeom prst="rect">
+              <a:avLst/>
+            </a:prstGeom>
+          </p:spPr>
+          <p:style>
+            <a:lnRef idx="2">
+              <a:schemeClr val="accent6">
+                <a:shade val="50000"/>
+              </a:schemeClr>
+            </a:lnRef>
+            <a:fillRef idx="1">
+              <a:schemeClr val="accent6"/>
+            </a:fillRef>
+            <a:effectRef idx="0">
+              <a:schemeClr val="accent6"/>
+            </a:effectRef>
+            <a:fontRef idx="minor">
+              <a:schemeClr val="lt1"/>
+            </a:fontRef>
+          </p:style>
+          <p:txBody>
+            <a:bodyPr rtlCol="0" anchor="ctr"/>
+            <a:lstStyle/>
+            <a:p>
+              <a:pPr algn="ctr"/>
+              <a:r>
+                <a:rPr lang="en-US" altLang="zh-CN" dirty="0" err="1"/>
+                <a:t>WestEast</a:t>
+              </a:r>
+              <a:endParaRPr lang="zh-CN" altLang="en-US" dirty="0"/>
+            </a:p>
+          </p:txBody>
+        </p:sp>
+        <p:sp>
+          <p:nvSpPr>
+            <p:cNvPr id="74" name="矩形 73">
+              <a:extLst>
+                <a:ext uri="{FF2B5EF4-FFF2-40B4-BE49-F238E27FC236}">
+                  <a16:creationId xmlns:a16="http://schemas.microsoft.com/office/drawing/2014/main" id="{02EEBB01-E170-4F04-8DAF-97F3412A23ED}"/>
+                </a:ext>
+              </a:extLst>
+            </p:cNvPr>
+            <p:cNvSpPr/>
+            <p:nvPr/>
+          </p:nvSpPr>
+          <p:spPr>
+            <a:xfrm>
+              <a:off x="297948" y="5131669"/>
+              <a:ext cx="1375004" cy="471686"/>
+            </a:xfrm>
+            <a:prstGeom prst="rect">
+              <a:avLst/>
+            </a:prstGeom>
+          </p:spPr>
+          <p:style>
+            <a:lnRef idx="2">
+              <a:schemeClr val="accent6">
+                <a:shade val="50000"/>
+              </a:schemeClr>
+            </a:lnRef>
+            <a:fillRef idx="1">
+              <a:schemeClr val="accent6"/>
+            </a:fillRef>
+            <a:effectRef idx="0">
+              <a:schemeClr val="accent6"/>
+            </a:effectRef>
+            <a:fontRef idx="minor">
+              <a:schemeClr val="lt1"/>
+            </a:fontRef>
+          </p:style>
+          <p:txBody>
+            <a:bodyPr rtlCol="0" anchor="ctr"/>
+            <a:lstStyle/>
+            <a:p>
+              <a:pPr algn="ctr"/>
+              <a:r>
+                <a:rPr lang="en-US" altLang="zh-CN" dirty="0" err="1"/>
+                <a:t>NorthSouth</a:t>
+              </a:r>
+              <a:endParaRPr lang="zh-CN" altLang="en-US" dirty="0"/>
+            </a:p>
+          </p:txBody>
+        </p:sp>
+        <p:sp>
+          <p:nvSpPr>
+            <p:cNvPr id="78" name="矩形 77">
+              <a:extLst>
+                <a:ext uri="{FF2B5EF4-FFF2-40B4-BE49-F238E27FC236}">
+                  <a16:creationId xmlns:a16="http://schemas.microsoft.com/office/drawing/2014/main" id="{927374F4-1275-4437-938A-3D8E5A095E5B}"/>
+                </a:ext>
+              </a:extLst>
+            </p:cNvPr>
+            <p:cNvSpPr/>
+            <p:nvPr/>
+          </p:nvSpPr>
+          <p:spPr>
+            <a:xfrm>
+              <a:off x="1520808" y="4566400"/>
+              <a:ext cx="1035797" cy="471686"/>
+            </a:xfrm>
+            <a:prstGeom prst="rect">
+              <a:avLst/>
+            </a:prstGeom>
+          </p:spPr>
+          <p:style>
+            <a:lnRef idx="2">
+              <a:schemeClr val="accent6">
+                <a:shade val="50000"/>
+              </a:schemeClr>
+            </a:lnRef>
+            <a:fillRef idx="1">
+              <a:schemeClr val="accent6"/>
+            </a:fillRef>
+            <a:effectRef idx="0">
+              <a:schemeClr val="accent6"/>
+            </a:effectRef>
+            <a:fontRef idx="minor">
+              <a:schemeClr val="lt1"/>
+            </a:fontRef>
+          </p:style>
+          <p:txBody>
+            <a:bodyPr rtlCol="0" anchor="ctr"/>
+            <a:lstStyle/>
+            <a:p>
+              <a:pPr algn="ctr"/>
+              <a:r>
+                <a:rPr lang="en-US" altLang="zh-CN" dirty="0"/>
+                <a:t>UFFR</a:t>
+              </a:r>
+              <a:endParaRPr lang="zh-CN" altLang="en-US" dirty="0"/>
+            </a:p>
+          </p:txBody>
+        </p:sp>
+        <p:sp>
+          <p:nvSpPr>
+            <p:cNvPr id="85" name="矩形 84">
+              <a:extLst>
+                <a:ext uri="{FF2B5EF4-FFF2-40B4-BE49-F238E27FC236}">
+                  <a16:creationId xmlns:a16="http://schemas.microsoft.com/office/drawing/2014/main" id="{760FD45B-EB98-45CA-AF9A-BEA51DB92094}"/>
+                </a:ext>
+              </a:extLst>
+            </p:cNvPr>
+            <p:cNvSpPr/>
+            <p:nvPr/>
+          </p:nvSpPr>
+          <p:spPr>
+            <a:xfrm>
+              <a:off x="202518" y="4465851"/>
+              <a:ext cx="4813978" cy="1244605"/>
+            </a:xfrm>
+            <a:prstGeom prst="rect">
+              <a:avLst/>
+            </a:prstGeom>
+            <a:noFill/>
+            <a:ln w="57150"/>
+          </p:spPr>
+          <p:style>
+            <a:lnRef idx="2">
+              <a:schemeClr val="accent6"/>
+            </a:lnRef>
+            <a:fillRef idx="1">
+              <a:schemeClr val="lt1"/>
+            </a:fillRef>
+            <a:effectRef idx="0">
+              <a:schemeClr val="accent6"/>
+            </a:effectRef>
+            <a:fontRef idx="minor">
+              <a:schemeClr val="dk1"/>
+            </a:fontRef>
+          </p:style>
+          <p:txBody>
+            <a:bodyPr rtlCol="0" anchor="ctr"/>
+            <a:lstStyle/>
+            <a:p>
+              <a:pPr algn="r"/>
+              <a:endParaRPr lang="zh-CN" altLang="en-US" dirty="0"/>
+            </a:p>
+          </p:txBody>
+        </p:sp>
+        <p:sp>
+          <p:nvSpPr>
+            <p:cNvPr id="97" name="矩形 96">
+              <a:extLst>
+                <a:ext uri="{FF2B5EF4-FFF2-40B4-BE49-F238E27FC236}">
+                  <a16:creationId xmlns:a16="http://schemas.microsoft.com/office/drawing/2014/main" id="{FD8C76F4-0234-45FC-BF1C-91D4DBBC68A8}"/>
+                </a:ext>
+              </a:extLst>
+            </p:cNvPr>
+            <p:cNvSpPr/>
+            <p:nvPr/>
+          </p:nvSpPr>
+          <p:spPr>
+            <a:xfrm>
+              <a:off x="297948" y="4574167"/>
+              <a:ext cx="1143269" cy="471686"/>
+            </a:xfrm>
+            <a:prstGeom prst="rect">
+              <a:avLst/>
+            </a:prstGeom>
+          </p:spPr>
+          <p:style>
+            <a:lnRef idx="2">
+              <a:schemeClr val="accent6">
+                <a:shade val="50000"/>
+              </a:schemeClr>
+            </a:lnRef>
+            <a:fillRef idx="1">
+              <a:schemeClr val="accent6"/>
+            </a:fillRef>
+            <a:effectRef idx="0">
+              <a:schemeClr val="accent6"/>
+            </a:effectRef>
+            <a:fontRef idx="minor">
+              <a:schemeClr val="lt1"/>
+            </a:fontRef>
+          </p:style>
+          <p:txBody>
+            <a:bodyPr rtlCol="0" anchor="ctr"/>
+            <a:lstStyle/>
+            <a:p>
+              <a:pPr algn="ctr"/>
+              <a:r>
+                <a:rPr lang="en-US" altLang="zh-CN" dirty="0"/>
+                <a:t>Topo</a:t>
+              </a:r>
+            </a:p>
+            <a:p>
+              <a:pPr algn="ctr"/>
+              <a:r>
+                <a:rPr lang="en-US" altLang="zh-CN" dirty="0"/>
+                <a:t>Collector</a:t>
+              </a:r>
+              <a:endParaRPr lang="zh-CN" altLang="en-US" dirty="0"/>
+            </a:p>
+          </p:txBody>
+        </p:sp>
+        <p:sp>
+          <p:nvSpPr>
+            <p:cNvPr id="69" name="矩形 68">
+              <a:extLst>
+                <a:ext uri="{FF2B5EF4-FFF2-40B4-BE49-F238E27FC236}">
+                  <a16:creationId xmlns:a16="http://schemas.microsoft.com/office/drawing/2014/main" id="{DD37CC3F-175E-4B74-995E-B0A051C6E000}"/>
+                </a:ext>
+              </a:extLst>
+            </p:cNvPr>
+            <p:cNvSpPr/>
+            <p:nvPr/>
+          </p:nvSpPr>
+          <p:spPr>
+            <a:xfrm>
+              <a:off x="2656672" y="4563743"/>
+              <a:ext cx="1298023" cy="471686"/>
+            </a:xfrm>
+            <a:prstGeom prst="rect">
+              <a:avLst/>
+            </a:prstGeom>
+          </p:spPr>
+          <p:style>
+            <a:lnRef idx="2">
+              <a:schemeClr val="accent6">
+                <a:shade val="50000"/>
+              </a:schemeClr>
+            </a:lnRef>
+            <a:fillRef idx="1">
+              <a:schemeClr val="accent6"/>
+            </a:fillRef>
+            <a:effectRef idx="0">
+              <a:schemeClr val="accent6"/>
+            </a:effectRef>
+            <a:fontRef idx="minor">
+              <a:schemeClr val="lt1"/>
+            </a:fontRef>
+          </p:style>
+          <p:txBody>
+            <a:bodyPr rtlCol="0" anchor="ctr"/>
+            <a:lstStyle/>
+            <a:p>
+              <a:pPr algn="ctr"/>
+              <a:r>
+                <a:rPr lang="en-US" altLang="zh-CN" dirty="0"/>
+                <a:t>RYU </a:t>
+              </a:r>
+              <a:r>
+                <a:rPr lang="en-US" altLang="zh-CN" dirty="0" err="1"/>
+                <a:t>CmdAgent</a:t>
+              </a:r>
+              <a:endParaRPr lang="zh-CN" altLang="en-US" dirty="0"/>
+            </a:p>
+          </p:txBody>
+        </p:sp>
+        <p:sp>
+          <p:nvSpPr>
+            <p:cNvPr id="101" name="矩形 100">
+              <a:extLst>
+                <a:ext uri="{FF2B5EF4-FFF2-40B4-BE49-F238E27FC236}">
+                  <a16:creationId xmlns:a16="http://schemas.microsoft.com/office/drawing/2014/main" id="{AACAC9B9-0784-4239-98FE-773E53E5A5AF}"/>
+                </a:ext>
+              </a:extLst>
+            </p:cNvPr>
+            <p:cNvSpPr/>
+            <p:nvPr/>
+          </p:nvSpPr>
+          <p:spPr>
+            <a:xfrm>
+              <a:off x="3831064" y="5142530"/>
+              <a:ext cx="1035797" cy="471686"/>
+            </a:xfrm>
+            <a:prstGeom prst="rect">
+              <a:avLst/>
+            </a:prstGeom>
+          </p:spPr>
+          <p:style>
+            <a:lnRef idx="2">
+              <a:schemeClr val="accent6">
+                <a:shade val="50000"/>
+              </a:schemeClr>
+            </a:lnRef>
+            <a:fillRef idx="1">
+              <a:schemeClr val="accent6"/>
+            </a:fillRef>
+            <a:effectRef idx="0">
+              <a:schemeClr val="accent6"/>
+            </a:effectRef>
+            <a:fontRef idx="minor">
+              <a:schemeClr val="lt1"/>
+            </a:fontRef>
+          </p:style>
+          <p:txBody>
+            <a:bodyPr rtlCol="0" anchor="ctr"/>
+            <a:lstStyle/>
+            <a:p>
+              <a:pPr algn="ctr"/>
+              <a:r>
+                <a:rPr lang="en-US" altLang="zh-CN" dirty="0"/>
+                <a:t>SFC-</a:t>
+              </a:r>
+              <a:r>
+                <a:rPr lang="en-US" altLang="zh-CN" dirty="0" err="1"/>
+                <a:t>NotVia</a:t>
+              </a:r>
+              <a:endParaRPr lang="zh-CN" altLang="en-US" dirty="0"/>
+            </a:p>
+          </p:txBody>
+        </p:sp>
+        <p:sp>
+          <p:nvSpPr>
+            <p:cNvPr id="108" name="矩形 107">
+              <a:extLst>
+                <a:ext uri="{FF2B5EF4-FFF2-40B4-BE49-F238E27FC236}">
+                  <a16:creationId xmlns:a16="http://schemas.microsoft.com/office/drawing/2014/main" id="{FAC1E66D-01C3-42E4-8B96-98D4FA8BF4D4}"/>
+                </a:ext>
+              </a:extLst>
+            </p:cNvPr>
+            <p:cNvSpPr/>
+            <p:nvPr/>
+          </p:nvSpPr>
+          <p:spPr>
+            <a:xfrm>
+              <a:off x="4041394" y="4556655"/>
+              <a:ext cx="814691" cy="471686"/>
+            </a:xfrm>
+            <a:prstGeom prst="rect">
+              <a:avLst/>
+            </a:prstGeom>
+          </p:spPr>
+          <p:style>
+            <a:lnRef idx="2">
+              <a:schemeClr val="accent6">
+                <a:shade val="50000"/>
+              </a:schemeClr>
+            </a:lnRef>
+            <a:fillRef idx="1">
+              <a:schemeClr val="accent6"/>
+            </a:fillRef>
+            <a:effectRef idx="0">
+              <a:schemeClr val="accent6"/>
+            </a:effectRef>
+            <a:fontRef idx="minor">
+              <a:schemeClr val="lt1"/>
+            </a:fontRef>
+          </p:style>
+          <p:txBody>
+            <a:bodyPr rtlCol="0" anchor="ctr"/>
+            <a:lstStyle/>
+            <a:p>
+              <a:pPr algn="ctr"/>
+              <a:r>
+                <a:rPr lang="en-US" altLang="zh-CN" dirty="0"/>
+                <a:t>SFC</a:t>
+              </a:r>
+              <a:endParaRPr lang="zh-CN" altLang="en-US" dirty="0"/>
+            </a:p>
+          </p:txBody>
+        </p:sp>
+      </p:grpSp>
+      <p:sp>
+        <p:nvSpPr>
+          <p:cNvPr id="81" name="矩形 80">
+            <a:extLst>
+              <a:ext uri="{FF2B5EF4-FFF2-40B4-BE49-F238E27FC236}">
+                <a16:creationId xmlns:a16="http://schemas.microsoft.com/office/drawing/2014/main" id="{539E132C-DF75-48C2-8D92-5AABC9F9C3E3}"/>
+              </a:ext>
+            </a:extLst>
+          </p:cNvPr>
+          <p:cNvSpPr/>
+          <p:nvPr/>
+        </p:nvSpPr>
+        <p:spPr>
+          <a:xfrm>
+            <a:off x="3629432" y="1543447"/>
+            <a:ext cx="1147818" cy="1738923"/>
+          </a:xfrm>
+          <a:prstGeom prst="rect">
+            <a:avLst/>
+          </a:prstGeom>
+        </p:spPr>
+        <p:style>
+          <a:lnRef idx="2">
+            <a:schemeClr val="accent1">
+              <a:shade val="50000"/>
+            </a:schemeClr>
+          </a:lnRef>
+          <a:fillRef idx="1">
+            <a:schemeClr val="accent1"/>
+          </a:fillRef>
+          <a:effectRef idx="0">
+            <a:schemeClr val="accent1"/>
+          </a:effectRef>
+          <a:fontRef idx="minor">
+            <a:schemeClr val="lt1"/>
+          </a:fontRef>
+        </p:style>
+        <p:txBody>
+          <a:bodyPr rtlCol="0" anchor="ctr"/>
+          <a:lstStyle/>
+          <a:p>
+            <a:pPr algn="ctr"/>
+            <a:r>
+              <a:rPr lang="en-US" altLang="zh-CN" dirty="0"/>
+              <a:t>Request</a:t>
+            </a:r>
+          </a:p>
+          <a:p>
+            <a:pPr algn="ctr"/>
+            <a:r>
+              <a:rPr lang="en-US" altLang="zh-CN" dirty="0"/>
+              <a:t>Processor</a:t>
+            </a:r>
+            <a:endParaRPr lang="zh-CN" altLang="en-US" dirty="0"/>
+          </a:p>
+        </p:txBody>
+      </p:sp>
+      <p:cxnSp>
+        <p:nvCxnSpPr>
+          <p:cNvPr id="82" name="直接箭头连接符 81">
+            <a:extLst>
+              <a:ext uri="{FF2B5EF4-FFF2-40B4-BE49-F238E27FC236}">
+                <a16:creationId xmlns:a16="http://schemas.microsoft.com/office/drawing/2014/main" id="{B43E4AE6-616C-4306-8977-56283FCC591E}"/>
+              </a:ext>
+            </a:extLst>
+          </p:cNvPr>
+          <p:cNvCxnSpPr>
+            <a:cxnSpLocks/>
+            <a:stCxn id="81" idx="3"/>
+            <a:endCxn id="72" idx="3"/>
+          </p:cNvCxnSpPr>
+          <p:nvPr/>
+        </p:nvCxnSpPr>
+        <p:spPr>
+          <a:xfrm flipV="1">
+            <a:off x="4777250" y="1653009"/>
+            <a:ext cx="2057336" cy="759900"/>
+          </a:xfrm>
+          <a:prstGeom prst="straightConnector1">
+            <a:avLst/>
+          </a:prstGeom>
+          <a:ln w="28575">
+            <a:tailEnd type="triangle"/>
+          </a:ln>
+        </p:spPr>
+        <p:style>
+          <a:lnRef idx="2">
+            <a:schemeClr val="accent6"/>
+          </a:lnRef>
+          <a:fillRef idx="0">
+            <a:schemeClr val="accent6"/>
+          </a:fillRef>
+          <a:effectRef idx="1">
+            <a:schemeClr val="accent6"/>
+          </a:effectRef>
+          <a:fontRef idx="minor">
+            <a:schemeClr val="tx1"/>
+          </a:fontRef>
+        </p:style>
+      </p:cxnSp>
+      <p:cxnSp>
+        <p:nvCxnSpPr>
+          <p:cNvPr id="94" name="直接箭头连接符 93">
+            <a:extLst>
+              <a:ext uri="{FF2B5EF4-FFF2-40B4-BE49-F238E27FC236}">
+                <a16:creationId xmlns:a16="http://schemas.microsoft.com/office/drawing/2014/main" id="{F4614104-F4B4-4B34-AF9F-04DA4BE22382}"/>
+              </a:ext>
+            </a:extLst>
+          </p:cNvPr>
+          <p:cNvCxnSpPr>
+            <a:cxnSpLocks/>
+            <a:stCxn id="72" idx="3"/>
+            <a:endCxn id="150" idx="0"/>
+          </p:cNvCxnSpPr>
+          <p:nvPr/>
+        </p:nvCxnSpPr>
+        <p:spPr>
+          <a:xfrm>
+            <a:off x="6834586" y="1653009"/>
+            <a:ext cx="2127710" cy="373046"/>
+          </a:xfrm>
+          <a:prstGeom prst="straightConnector1">
+            <a:avLst/>
+          </a:prstGeom>
+          <a:ln w="28575">
+            <a:tailEnd type="triangle"/>
+          </a:ln>
+        </p:spPr>
+        <p:style>
+          <a:lnRef idx="2">
+            <a:schemeClr val="accent6"/>
+          </a:lnRef>
+          <a:fillRef idx="0">
+            <a:schemeClr val="accent6"/>
+          </a:fillRef>
+          <a:effectRef idx="1">
+            <a:schemeClr val="accent6"/>
+          </a:effectRef>
+          <a:fontRef idx="minor">
+            <a:schemeClr val="tx1"/>
+          </a:fontRef>
+        </p:style>
+      </p:cxnSp>
+      <p:cxnSp>
+        <p:nvCxnSpPr>
+          <p:cNvPr id="118" name="直接箭头连接符 117">
+            <a:extLst>
+              <a:ext uri="{FF2B5EF4-FFF2-40B4-BE49-F238E27FC236}">
+                <a16:creationId xmlns:a16="http://schemas.microsoft.com/office/drawing/2014/main" id="{579197A3-D9BA-4158-A6AF-11127D6FEE0C}"/>
+              </a:ext>
+            </a:extLst>
+          </p:cNvPr>
+          <p:cNvCxnSpPr>
+            <a:cxnSpLocks/>
+            <a:stCxn id="3" idx="3"/>
+            <a:endCxn id="150" idx="1"/>
+          </p:cNvCxnSpPr>
+          <p:nvPr/>
+        </p:nvCxnSpPr>
+        <p:spPr>
+          <a:xfrm>
+            <a:off x="7651379" y="2418193"/>
+            <a:ext cx="690645" cy="12365"/>
+          </a:xfrm>
+          <a:prstGeom prst="straightConnector1">
+            <a:avLst/>
+          </a:prstGeom>
+          <a:ln w="38100" cap="flat" cmpd="sng" algn="ctr">
+            <a:solidFill>
+              <a:srgbClr val="FFC000"/>
+            </a:solidFill>
+            <a:prstDash val="dash"/>
+            <a:round/>
+            <a:headEnd type="none" w="med" len="med"/>
+            <a:tailEnd type="none" w="med" len="med"/>
+          </a:ln>
+        </p:spPr>
+        <p:style>
+          <a:lnRef idx="0">
+            <a:scrgbClr r="0" g="0" b="0"/>
+          </a:lnRef>
+          <a:fillRef idx="0">
+            <a:scrgbClr r="0" g="0" b="0"/>
+          </a:fillRef>
+          <a:effectRef idx="0">
+            <a:scrgbClr r="0" g="0" b="0"/>
+          </a:effectRef>
+          <a:fontRef idx="minor">
+            <a:schemeClr val="tx1"/>
+          </a:fontRef>
+        </p:style>
+      </p:cxnSp>
+      <p:cxnSp>
+        <p:nvCxnSpPr>
+          <p:cNvPr id="137" name="直接箭头连接符 136">
+            <a:extLst>
+              <a:ext uri="{FF2B5EF4-FFF2-40B4-BE49-F238E27FC236}">
+                <a16:creationId xmlns:a16="http://schemas.microsoft.com/office/drawing/2014/main" id="{E04DDE99-6961-469A-8697-8AB6359B14CF}"/>
+              </a:ext>
+            </a:extLst>
+          </p:cNvPr>
+          <p:cNvCxnSpPr>
+            <a:cxnSpLocks/>
+            <a:stCxn id="3" idx="1"/>
+            <a:endCxn id="81" idx="3"/>
+          </p:cNvCxnSpPr>
+          <p:nvPr/>
+        </p:nvCxnSpPr>
+        <p:spPr>
+          <a:xfrm flipH="1" flipV="1">
+            <a:off x="4777250" y="2412909"/>
+            <a:ext cx="1240543" cy="5284"/>
+          </a:xfrm>
+          <a:prstGeom prst="straightConnector1">
+            <a:avLst/>
+          </a:prstGeom>
+          <a:ln w="38100" cap="flat" cmpd="sng" algn="ctr">
+            <a:solidFill>
+              <a:srgbClr val="FFC000"/>
+            </a:solidFill>
+            <a:prstDash val="dash"/>
+            <a:round/>
+            <a:headEnd type="none" w="med" len="med"/>
+            <a:tailEnd type="none" w="med" len="med"/>
+          </a:ln>
+        </p:spPr>
+        <p:style>
+          <a:lnRef idx="0">
+            <a:scrgbClr r="0" g="0" b="0"/>
+          </a:lnRef>
+          <a:fillRef idx="0">
+            <a:scrgbClr r="0" g="0" b="0"/>
+          </a:fillRef>
+          <a:effectRef idx="0">
+            <a:scrgbClr r="0" g="0" b="0"/>
+          </a:effectRef>
+          <a:fontRef idx="minor">
+            <a:schemeClr val="tx1"/>
+          </a:fontRef>
+        </p:style>
+      </p:cxnSp>
+      <p:sp>
+        <p:nvSpPr>
+          <p:cNvPr id="168" name="文本框 167">
+            <a:extLst>
+              <a:ext uri="{FF2B5EF4-FFF2-40B4-BE49-F238E27FC236}">
+                <a16:creationId xmlns:a16="http://schemas.microsoft.com/office/drawing/2014/main" id="{34A2CC59-614E-42B5-B8E8-1CAE25CAF9B2}"/>
+              </a:ext>
+            </a:extLst>
+          </p:cNvPr>
+          <p:cNvSpPr txBox="1"/>
+          <p:nvPr/>
+        </p:nvSpPr>
+        <p:spPr>
+          <a:xfrm>
+            <a:off x="4905330" y="2599767"/>
+            <a:ext cx="1628972" cy="461665"/>
+          </a:xfrm>
+          <a:prstGeom prst="rect">
+            <a:avLst/>
+          </a:prstGeom>
+          <a:noFill/>
+        </p:spPr>
+        <p:txBody>
+          <a:bodyPr wrap="none" rtlCol="0">
+            <a:spAutoFit/>
+          </a:bodyPr>
+          <a:lstStyle/>
+          <a:p>
+            <a:r>
+              <a:rPr lang="en-US" altLang="zh-CN" sz="1200" b="1" dirty="0">
+                <a:effectLst/>
+                <a:latin typeface="Consolas" panose="020B0609020204030204" pitchFamily="49" charset="0"/>
+              </a:rPr>
+              <a:t>CMD_TYPE_ADD_SFCI</a:t>
+            </a:r>
+          </a:p>
+          <a:p>
+            <a:r>
+              <a:rPr lang="en-US" altLang="zh-CN" sz="1200" b="1" dirty="0">
+                <a:effectLst/>
+                <a:latin typeface="Consolas" panose="020B0609020204030204" pitchFamily="49" charset="0"/>
+              </a:rPr>
+              <a:t>CMD_TYPE_DEL_SFC</a:t>
+            </a:r>
+          </a:p>
+        </p:txBody>
+      </p:sp>
+      <p:sp>
+        <p:nvSpPr>
+          <p:cNvPr id="177" name="文本框 176">
+            <a:extLst>
+              <a:ext uri="{FF2B5EF4-FFF2-40B4-BE49-F238E27FC236}">
+                <a16:creationId xmlns:a16="http://schemas.microsoft.com/office/drawing/2014/main" id="{BEFC353B-5C2B-4492-9BAC-AB8DF3366CE1}"/>
+              </a:ext>
+            </a:extLst>
+          </p:cNvPr>
+          <p:cNvSpPr txBox="1"/>
+          <p:nvPr/>
+        </p:nvSpPr>
+        <p:spPr>
+          <a:xfrm>
+            <a:off x="7326941" y="2572944"/>
+            <a:ext cx="1628972" cy="461665"/>
+          </a:xfrm>
+          <a:prstGeom prst="rect">
+            <a:avLst/>
+          </a:prstGeom>
+          <a:noFill/>
+        </p:spPr>
+        <p:txBody>
+          <a:bodyPr wrap="none" rtlCol="0">
+            <a:spAutoFit/>
+          </a:bodyPr>
+          <a:lstStyle/>
+          <a:p>
+            <a:r>
+              <a:rPr lang="en-US" altLang="zh-CN" sz="1200" b="1" dirty="0">
+                <a:effectLst/>
+                <a:latin typeface="Consolas" panose="020B0609020204030204" pitchFamily="49" charset="0"/>
+              </a:rPr>
+              <a:t>CMD_TYPE_ADD_SFCI</a:t>
+            </a:r>
+          </a:p>
+          <a:p>
+            <a:r>
+              <a:rPr lang="en-US" altLang="zh-CN" sz="1200" b="1" dirty="0">
+                <a:effectLst/>
+                <a:latin typeface="Consolas" panose="020B0609020204030204" pitchFamily="49" charset="0"/>
+              </a:rPr>
+              <a:t>CMD_TYPE_DEL_SFCI</a:t>
+            </a:r>
+          </a:p>
+        </p:txBody>
+      </p:sp>
+      <p:cxnSp>
+        <p:nvCxnSpPr>
+          <p:cNvPr id="64" name="直接箭头连接符 63">
+            <a:extLst>
+              <a:ext uri="{FF2B5EF4-FFF2-40B4-BE49-F238E27FC236}">
+                <a16:creationId xmlns:a16="http://schemas.microsoft.com/office/drawing/2014/main" id="{575AC45D-C8E1-4287-A004-2A0D96481626}"/>
+              </a:ext>
+            </a:extLst>
+          </p:cNvPr>
+          <p:cNvCxnSpPr>
+            <a:cxnSpLocks/>
+            <a:stCxn id="72" idx="3"/>
+            <a:endCxn id="84" idx="0"/>
+          </p:cNvCxnSpPr>
+          <p:nvPr/>
+        </p:nvCxnSpPr>
+        <p:spPr>
+          <a:xfrm>
+            <a:off x="6834586" y="1653009"/>
+            <a:ext cx="4117882" cy="368594"/>
+          </a:xfrm>
+          <a:prstGeom prst="straightConnector1">
+            <a:avLst/>
+          </a:prstGeom>
+          <a:ln w="28575">
+            <a:tailEnd type="triangle"/>
+          </a:ln>
+        </p:spPr>
+        <p:style>
+          <a:lnRef idx="2">
+            <a:schemeClr val="accent6"/>
+          </a:lnRef>
+          <a:fillRef idx="0">
+            <a:schemeClr val="accent6"/>
+          </a:fillRef>
+          <a:effectRef idx="1">
+            <a:schemeClr val="accent6"/>
+          </a:effectRef>
+          <a:fontRef idx="minor">
+            <a:schemeClr val="tx1"/>
+          </a:fontRef>
+        </p:style>
+      </p:cxnSp>
+    </p:spTree>
+    <p:extLst>
+      <p:ext uri="{BB962C8B-B14F-4D97-AF65-F5344CB8AC3E}">
+        <p14:creationId xmlns:p14="http://schemas.microsoft.com/office/powerpoint/2010/main" val="1510641304"/>
+      </p:ext>
+    </p:extLst>
+  </p:cSld>
+  <p:clrMapOvr>
+    <a:masterClrMapping/>
+  </p:clrMapOvr>
+</p:sld>
+</file>
+
+<file path=ppt/slides/slide14.xml><?xml version="1.0" encoding="utf-8"?>
+<p:sld xmlns:a="http://schemas.openxmlformats.org/drawingml/2006/main" xmlns:r="http://schemas.openxmlformats.org/officeDocument/2006/relationships" xmlns:p="http://schemas.openxmlformats.org/presentationml/2006/main">
+  <p:cSld>
+    <p:spTree>
+      <p:nvGrpSpPr>
+        <p:cNvPr id="1" name=""/>
+        <p:cNvGrpSpPr/>
+        <p:nvPr/>
+      </p:nvGrpSpPr>
+      <p:grpSpPr>
+        <a:xfrm>
+          <a:off x="0" y="0"/>
+          <a:ext cx="0" cy="0"/>
+          <a:chOff x="0" y="0"/>
+          <a:chExt cx="0" cy="0"/>
+        </a:xfrm>
+      </p:grpSpPr>
+      <p:sp>
+        <p:nvSpPr>
+          <p:cNvPr id="2" name="标题 1">
+            <a:extLst>
+              <a:ext uri="{FF2B5EF4-FFF2-40B4-BE49-F238E27FC236}">
+                <a16:creationId xmlns:a16="http://schemas.microsoft.com/office/drawing/2014/main" id="{16FFD267-FAB5-4CC9-86C7-800FDF0B86AD}"/>
+              </a:ext>
+            </a:extLst>
+          </p:cNvPr>
+          <p:cNvSpPr>
+            <a:spLocks noGrp="1"/>
+          </p:cNvSpPr>
+          <p:nvPr>
+            <p:ph type="title"/>
+          </p:nvPr>
+        </p:nvSpPr>
+        <p:spPr>
+          <a:xfrm>
+            <a:off x="828126" y="95333"/>
+            <a:ext cx="10515600" cy="1325563"/>
+          </a:xfrm>
+        </p:spPr>
+        <p:txBody>
+          <a:bodyPr/>
+          <a:lstStyle/>
+          <a:p>
+            <a:r>
+              <a:rPr lang="en-US" altLang="zh-CN" dirty="0"/>
+              <a:t>SAM Architecture</a:t>
+            </a:r>
+            <a:endParaRPr lang="zh-CN" altLang="en-US" dirty="0"/>
+          </a:p>
+        </p:txBody>
+      </p:sp>
+      <p:sp>
+        <p:nvSpPr>
+          <p:cNvPr id="83" name="矩形 82">
+            <a:extLst>
+              <a:ext uri="{FF2B5EF4-FFF2-40B4-BE49-F238E27FC236}">
+                <a16:creationId xmlns:a16="http://schemas.microsoft.com/office/drawing/2014/main" id="{1FAAF00A-3816-436D-950F-FD8C8856A429}"/>
+              </a:ext>
+            </a:extLst>
+          </p:cNvPr>
+          <p:cNvSpPr/>
+          <p:nvPr/>
+        </p:nvSpPr>
+        <p:spPr>
+          <a:xfrm>
+            <a:off x="202517" y="3769737"/>
+            <a:ext cx="11812674" cy="402227"/>
+          </a:xfrm>
+          <a:prstGeom prst="rect">
+            <a:avLst/>
+          </a:prstGeom>
+          <a:solidFill>
+            <a:schemeClr val="bg1"/>
+          </a:solidFill>
+          <a:ln w="57150"/>
+        </p:spPr>
+        <p:style>
+          <a:lnRef idx="2">
+            <a:schemeClr val="accent6"/>
+          </a:lnRef>
+          <a:fillRef idx="1">
+            <a:schemeClr val="lt1"/>
+          </a:fillRef>
+          <a:effectRef idx="0">
+            <a:schemeClr val="accent6"/>
+          </a:effectRef>
+          <a:fontRef idx="minor">
+            <a:schemeClr val="dk1"/>
+          </a:fontRef>
+        </p:style>
+        <p:txBody>
+          <a:bodyPr rtlCol="0" anchor="ctr"/>
+          <a:lstStyle/>
+          <a:p>
+            <a:pPr algn="ctr"/>
+            <a:r>
+              <a:rPr lang="en-US" altLang="zh-CN" b="1" dirty="0"/>
+              <a:t>Mediator</a:t>
+            </a:r>
+            <a:endParaRPr lang="zh-CN" altLang="en-US" b="1" dirty="0"/>
+          </a:p>
+        </p:txBody>
+      </p:sp>
+      <p:cxnSp>
+        <p:nvCxnSpPr>
+          <p:cNvPr id="106" name="直接箭头连接符 105">
+            <a:extLst>
+              <a:ext uri="{FF2B5EF4-FFF2-40B4-BE49-F238E27FC236}">
+                <a16:creationId xmlns:a16="http://schemas.microsoft.com/office/drawing/2014/main" id="{C5142B84-E1CA-4CFA-85B4-B1C23F39C1FF}"/>
+              </a:ext>
+            </a:extLst>
+          </p:cNvPr>
+          <p:cNvCxnSpPr>
+            <a:cxnSpLocks/>
+            <a:stCxn id="69" idx="0"/>
+            <a:endCxn id="83" idx="2"/>
+          </p:cNvCxnSpPr>
+          <p:nvPr/>
+        </p:nvCxnSpPr>
+        <p:spPr>
+          <a:xfrm flipV="1">
+            <a:off x="1038982" y="4171964"/>
+            <a:ext cx="5069872" cy="458692"/>
+          </a:xfrm>
+          <a:prstGeom prst="straightConnector1">
+            <a:avLst/>
+          </a:prstGeom>
+          <a:ln w="38100" cap="flat" cmpd="sng" algn="ctr">
+            <a:solidFill>
+              <a:srgbClr val="FFC000"/>
+            </a:solidFill>
+            <a:prstDash val="dash"/>
+            <a:round/>
+            <a:headEnd type="none" w="med" len="med"/>
+            <a:tailEnd type="none" w="med" len="med"/>
+          </a:ln>
+        </p:spPr>
+        <p:style>
+          <a:lnRef idx="0">
+            <a:scrgbClr r="0" g="0" b="0"/>
+          </a:lnRef>
+          <a:fillRef idx="0">
+            <a:scrgbClr r="0" g="0" b="0"/>
+          </a:fillRef>
+          <a:effectRef idx="0">
+            <a:scrgbClr r="0" g="0" b="0"/>
+          </a:effectRef>
+          <a:fontRef idx="minor">
+            <a:schemeClr val="tx1"/>
+          </a:fontRef>
+        </p:style>
+      </p:cxnSp>
+      <p:cxnSp>
+        <p:nvCxnSpPr>
+          <p:cNvPr id="109" name="直接箭头连接符 108">
+            <a:extLst>
+              <a:ext uri="{FF2B5EF4-FFF2-40B4-BE49-F238E27FC236}">
+                <a16:creationId xmlns:a16="http://schemas.microsoft.com/office/drawing/2014/main" id="{E8EAE9A5-71B0-4F08-A472-28F102D84E2A}"/>
+              </a:ext>
+            </a:extLst>
+          </p:cNvPr>
+          <p:cNvCxnSpPr>
+            <a:cxnSpLocks/>
+            <a:stCxn id="60" idx="0"/>
+            <a:endCxn id="83" idx="2"/>
+          </p:cNvCxnSpPr>
+          <p:nvPr/>
+        </p:nvCxnSpPr>
+        <p:spPr>
+          <a:xfrm flipV="1">
+            <a:off x="4980100" y="4171964"/>
+            <a:ext cx="1128754" cy="378743"/>
+          </a:xfrm>
+          <a:prstGeom prst="straightConnector1">
+            <a:avLst/>
+          </a:prstGeom>
+          <a:ln w="38100" cap="flat" cmpd="sng" algn="ctr">
+            <a:solidFill>
+              <a:srgbClr val="FFC000"/>
+            </a:solidFill>
+            <a:prstDash val="dash"/>
+            <a:round/>
+            <a:headEnd type="none" w="med" len="med"/>
+            <a:tailEnd type="none" w="med" len="med"/>
+          </a:ln>
+        </p:spPr>
+        <p:style>
+          <a:lnRef idx="0">
+            <a:scrgbClr r="0" g="0" b="0"/>
+          </a:lnRef>
+          <a:fillRef idx="0">
+            <a:scrgbClr r="0" g="0" b="0"/>
+          </a:fillRef>
+          <a:effectRef idx="0">
+            <a:scrgbClr r="0" g="0" b="0"/>
+          </a:effectRef>
+          <a:fontRef idx="minor">
+            <a:schemeClr val="tx1"/>
+          </a:fontRef>
+        </p:style>
+      </p:cxnSp>
+      <p:cxnSp>
+        <p:nvCxnSpPr>
+          <p:cNvPr id="122" name="直接箭头连接符 121">
+            <a:extLst>
+              <a:ext uri="{FF2B5EF4-FFF2-40B4-BE49-F238E27FC236}">
+                <a16:creationId xmlns:a16="http://schemas.microsoft.com/office/drawing/2014/main" id="{E132C89C-7D07-4D1A-905C-DCF1C7944D3B}"/>
+              </a:ext>
+            </a:extLst>
+          </p:cNvPr>
+          <p:cNvCxnSpPr>
+            <a:cxnSpLocks/>
+            <a:stCxn id="119" idx="0"/>
+            <a:endCxn id="83" idx="2"/>
+          </p:cNvCxnSpPr>
+          <p:nvPr/>
+        </p:nvCxnSpPr>
+        <p:spPr>
+          <a:xfrm flipH="1" flipV="1">
+            <a:off x="6108854" y="4171964"/>
+            <a:ext cx="2648013" cy="1495818"/>
+          </a:xfrm>
+          <a:prstGeom prst="straightConnector1">
+            <a:avLst/>
+          </a:prstGeom>
+          <a:ln w="38100" cap="flat" cmpd="sng" algn="ctr">
+            <a:solidFill>
+              <a:srgbClr val="FFC000"/>
+            </a:solidFill>
+            <a:prstDash val="dash"/>
+            <a:round/>
+            <a:headEnd type="none" w="med" len="med"/>
+            <a:tailEnd type="none" w="med" len="med"/>
+          </a:ln>
+        </p:spPr>
+        <p:style>
+          <a:lnRef idx="0">
+            <a:scrgbClr r="0" g="0" b="0"/>
+          </a:lnRef>
+          <a:fillRef idx="0">
+            <a:scrgbClr r="0" g="0" b="0"/>
+          </a:fillRef>
+          <a:effectRef idx="0">
+            <a:scrgbClr r="0" g="0" b="0"/>
+          </a:effectRef>
+          <a:fontRef idx="minor">
+            <a:schemeClr val="tx1"/>
+          </a:fontRef>
+        </p:style>
+      </p:cxnSp>
+      <p:cxnSp>
+        <p:nvCxnSpPr>
+          <p:cNvPr id="123" name="直接箭头连接符 122">
+            <a:extLst>
+              <a:ext uri="{FF2B5EF4-FFF2-40B4-BE49-F238E27FC236}">
+                <a16:creationId xmlns:a16="http://schemas.microsoft.com/office/drawing/2014/main" id="{68E02FA8-62FC-4CBE-A0F0-DFA1D3AC7610}"/>
+              </a:ext>
+            </a:extLst>
+          </p:cNvPr>
+          <p:cNvCxnSpPr>
+            <a:cxnSpLocks/>
+            <a:stCxn id="113" idx="0"/>
+            <a:endCxn id="83" idx="2"/>
+          </p:cNvCxnSpPr>
+          <p:nvPr/>
+        </p:nvCxnSpPr>
+        <p:spPr>
+          <a:xfrm flipV="1">
+            <a:off x="4815749" y="4171964"/>
+            <a:ext cx="1293105" cy="1575767"/>
+          </a:xfrm>
+          <a:prstGeom prst="straightConnector1">
+            <a:avLst/>
+          </a:prstGeom>
+          <a:ln w="38100" cap="flat" cmpd="sng" algn="ctr">
+            <a:solidFill>
+              <a:srgbClr val="FFC000"/>
+            </a:solidFill>
+            <a:prstDash val="dash"/>
+            <a:round/>
+            <a:headEnd type="none" w="med" len="med"/>
+            <a:tailEnd type="none" w="med" len="med"/>
+          </a:ln>
+        </p:spPr>
+        <p:style>
+          <a:lnRef idx="0">
+            <a:scrgbClr r="0" g="0" b="0"/>
+          </a:lnRef>
+          <a:fillRef idx="0">
+            <a:scrgbClr r="0" g="0" b="0"/>
+          </a:fillRef>
+          <a:effectRef idx="0">
+            <a:scrgbClr r="0" g="0" b="0"/>
+          </a:effectRef>
+          <a:fontRef idx="minor">
+            <a:schemeClr val="tx1"/>
+          </a:fontRef>
+        </p:style>
+      </p:cxnSp>
+      <p:grpSp>
+        <p:nvGrpSpPr>
+          <p:cNvPr id="32" name="组合 31">
+            <a:extLst>
+              <a:ext uri="{FF2B5EF4-FFF2-40B4-BE49-F238E27FC236}">
+                <a16:creationId xmlns:a16="http://schemas.microsoft.com/office/drawing/2014/main" id="{198B3A23-4E5C-49E8-8791-838A388417DC}"/>
+              </a:ext>
+            </a:extLst>
+          </p:cNvPr>
+          <p:cNvGrpSpPr/>
+          <p:nvPr/>
+        </p:nvGrpSpPr>
+        <p:grpSpPr>
+          <a:xfrm>
+            <a:off x="202517" y="4396643"/>
+            <a:ext cx="7963270" cy="1011922"/>
+            <a:chOff x="202517" y="4396643"/>
+            <a:chExt cx="7963270" cy="1011922"/>
+          </a:xfrm>
+        </p:grpSpPr>
+        <p:grpSp>
+          <p:nvGrpSpPr>
+            <p:cNvPr id="18" name="组合 17">
+              <a:extLst>
+                <a:ext uri="{FF2B5EF4-FFF2-40B4-BE49-F238E27FC236}">
+                  <a16:creationId xmlns:a16="http://schemas.microsoft.com/office/drawing/2014/main" id="{F2BB0526-6A8E-4633-A024-60E7181C54B8}"/>
+                </a:ext>
+              </a:extLst>
+            </p:cNvPr>
+            <p:cNvGrpSpPr/>
+            <p:nvPr/>
+          </p:nvGrpSpPr>
+          <p:grpSpPr>
+            <a:xfrm>
+              <a:off x="202517" y="4396643"/>
+              <a:ext cx="7963270" cy="934676"/>
+              <a:chOff x="1154097" y="4524566"/>
+              <a:chExt cx="7963270" cy="934676"/>
+            </a:xfrm>
+          </p:grpSpPr>
+          <p:grpSp>
+            <p:nvGrpSpPr>
+              <p:cNvPr id="13" name="组合 12">
+                <a:extLst>
+                  <a:ext uri="{FF2B5EF4-FFF2-40B4-BE49-F238E27FC236}">
+                    <a16:creationId xmlns:a16="http://schemas.microsoft.com/office/drawing/2014/main" id="{331855F4-E14F-4DB6-9391-91098E241008}"/>
+                  </a:ext>
+                </a:extLst>
+              </p:cNvPr>
+              <p:cNvGrpSpPr/>
+              <p:nvPr/>
+            </p:nvGrpSpPr>
+            <p:grpSpPr>
+              <a:xfrm>
+                <a:off x="2950861" y="4678630"/>
+                <a:ext cx="5961638" cy="673192"/>
+                <a:chOff x="6085926" y="4341438"/>
+                <a:chExt cx="5961638" cy="673192"/>
+              </a:xfrm>
+            </p:grpSpPr>
+            <p:sp>
+              <p:nvSpPr>
+                <p:cNvPr id="29" name="矩形 28">
+                  <a:extLst>
+                    <a:ext uri="{FF2B5EF4-FFF2-40B4-BE49-F238E27FC236}">
+                      <a16:creationId xmlns:a16="http://schemas.microsoft.com/office/drawing/2014/main" id="{225A2D5D-9290-4FA7-8325-130726CB092B}"/>
+                    </a:ext>
+                  </a:extLst>
+                </p:cNvPr>
+                <p:cNvSpPr/>
+                <p:nvPr/>
+              </p:nvSpPr>
+              <p:spPr>
+                <a:xfrm>
+                  <a:off x="7703655" y="4438478"/>
+                  <a:ext cx="1306604" cy="471686"/>
+                </a:xfrm>
+                <a:prstGeom prst="rect">
+                  <a:avLst/>
+                </a:prstGeom>
+              </p:spPr>
+              <p:style>
+                <a:lnRef idx="2">
+                  <a:schemeClr val="accent6">
+                    <a:shade val="50000"/>
+                  </a:schemeClr>
+                </a:lnRef>
+                <a:fillRef idx="1">
+                  <a:schemeClr val="accent6"/>
+                </a:fillRef>
+                <a:effectRef idx="0">
+                  <a:schemeClr val="accent6"/>
+                </a:effectRef>
+                <a:fontRef idx="minor">
+                  <a:schemeClr val="lt1"/>
+                </a:fontRef>
+              </p:style>
+              <p:txBody>
+                <a:bodyPr rtlCol="0" anchor="ctr"/>
+                <a:lstStyle/>
+                <a:p>
+                  <a:pPr algn="ctr"/>
+                  <a:r>
+                    <a:rPr lang="en-US" altLang="zh-CN" dirty="0"/>
+                    <a:t>SFF</a:t>
+                  </a:r>
+                </a:p>
+                <a:p>
+                  <a:pPr algn="ctr"/>
+                  <a:r>
+                    <a:rPr lang="en-US" altLang="zh-CN" dirty="0"/>
+                    <a:t>Controller</a:t>
+                  </a:r>
+                  <a:endParaRPr lang="zh-CN" altLang="en-US" dirty="0"/>
+                </a:p>
+              </p:txBody>
+            </p:sp>
+            <p:sp>
+              <p:nvSpPr>
+                <p:cNvPr id="52" name="矩形 51">
+                  <a:extLst>
+                    <a:ext uri="{FF2B5EF4-FFF2-40B4-BE49-F238E27FC236}">
+                      <a16:creationId xmlns:a16="http://schemas.microsoft.com/office/drawing/2014/main" id="{0167D1BA-F934-4768-BF78-7629030295B4}"/>
+                    </a:ext>
+                  </a:extLst>
+                </p:cNvPr>
+                <p:cNvSpPr/>
+                <p:nvPr/>
+              </p:nvSpPr>
+              <p:spPr>
+                <a:xfrm>
+                  <a:off x="9206559" y="4436677"/>
+                  <a:ext cx="1279033" cy="471686"/>
+                </a:xfrm>
+                <a:prstGeom prst="rect">
+                  <a:avLst/>
+                </a:prstGeom>
+              </p:spPr>
+              <p:style>
+                <a:lnRef idx="2">
+                  <a:schemeClr val="accent6">
+                    <a:shade val="50000"/>
+                  </a:schemeClr>
+                </a:lnRef>
+                <a:fillRef idx="1">
+                  <a:schemeClr val="accent6"/>
+                </a:fillRef>
+                <a:effectRef idx="0">
+                  <a:schemeClr val="accent6"/>
+                </a:effectRef>
+                <a:fontRef idx="minor">
+                  <a:schemeClr val="lt1"/>
+                </a:fontRef>
+              </p:style>
+              <p:txBody>
+                <a:bodyPr rtlCol="0" anchor="ctr"/>
+                <a:lstStyle/>
+                <a:p>
+                  <a:pPr algn="ctr"/>
+                  <a:r>
+                    <a:rPr lang="en-US" altLang="zh-CN" dirty="0"/>
+                    <a:t>VNF</a:t>
+                  </a:r>
+                </a:p>
+                <a:p>
+                  <a:pPr algn="ctr"/>
+                  <a:r>
+                    <a:rPr lang="en-US" altLang="zh-CN" dirty="0"/>
+                    <a:t>Controller</a:t>
+                  </a:r>
+                  <a:endParaRPr lang="zh-CN" altLang="en-US" dirty="0"/>
+                </a:p>
+              </p:txBody>
+            </p:sp>
+            <p:sp>
+              <p:nvSpPr>
+                <p:cNvPr id="60" name="矩形 59">
+                  <a:extLst>
+                    <a:ext uri="{FF2B5EF4-FFF2-40B4-BE49-F238E27FC236}">
+                      <a16:creationId xmlns:a16="http://schemas.microsoft.com/office/drawing/2014/main" id="{21BCA351-AAE7-411F-A5CB-4C41156B857E}"/>
+                    </a:ext>
+                  </a:extLst>
+                </p:cNvPr>
+                <p:cNvSpPr/>
+                <p:nvPr/>
+              </p:nvSpPr>
+              <p:spPr>
+                <a:xfrm>
+                  <a:off x="6085926" y="4341438"/>
+                  <a:ext cx="5961638" cy="673192"/>
+                </a:xfrm>
+                <a:prstGeom prst="rect">
+                  <a:avLst/>
+                </a:prstGeom>
+                <a:noFill/>
+                <a:ln w="57150"/>
+              </p:spPr>
+              <p:style>
+                <a:lnRef idx="2">
+                  <a:schemeClr val="accent6"/>
+                </a:lnRef>
+                <a:fillRef idx="1">
+                  <a:schemeClr val="lt1"/>
+                </a:fillRef>
+                <a:effectRef idx="0">
+                  <a:schemeClr val="accent6"/>
+                </a:effectRef>
+                <a:fontRef idx="minor">
+                  <a:schemeClr val="dk1"/>
+                </a:fontRef>
+              </p:style>
+              <p:txBody>
+                <a:bodyPr rtlCol="0" anchor="ctr"/>
+                <a:lstStyle/>
+                <a:p>
+                  <a:pPr algn="r"/>
+                  <a:endParaRPr lang="zh-CN" altLang="en-US" dirty="0"/>
+                </a:p>
+              </p:txBody>
+            </p:sp>
+            <p:sp>
+              <p:nvSpPr>
+                <p:cNvPr id="66" name="矩形 65">
+                  <a:extLst>
+                    <a:ext uri="{FF2B5EF4-FFF2-40B4-BE49-F238E27FC236}">
+                      <a16:creationId xmlns:a16="http://schemas.microsoft.com/office/drawing/2014/main" id="{B9BE4EE8-2590-434A-AC63-B2D7B2E8C915}"/>
+                    </a:ext>
+                  </a:extLst>
+                </p:cNvPr>
+                <p:cNvSpPr/>
+                <p:nvPr/>
+              </p:nvSpPr>
+              <p:spPr>
+                <a:xfrm>
+                  <a:off x="10685726" y="4428285"/>
+                  <a:ext cx="1279033" cy="471686"/>
+                </a:xfrm>
+                <a:prstGeom prst="rect">
+                  <a:avLst/>
+                </a:prstGeom>
+              </p:spPr>
+              <p:style>
+                <a:lnRef idx="2">
+                  <a:schemeClr val="accent6">
+                    <a:shade val="50000"/>
+                  </a:schemeClr>
+                </a:lnRef>
+                <a:fillRef idx="1">
+                  <a:schemeClr val="accent6"/>
+                </a:fillRef>
+                <a:effectRef idx="0">
+                  <a:schemeClr val="accent6"/>
+                </a:effectRef>
+                <a:fontRef idx="minor">
+                  <a:schemeClr val="lt1"/>
+                </a:fontRef>
+              </p:style>
+              <p:txBody>
+                <a:bodyPr rtlCol="0" anchor="ctr"/>
+                <a:lstStyle/>
+                <a:p>
+                  <a:pPr algn="ctr"/>
+                  <a:r>
+                    <a:rPr lang="en-US" altLang="zh-CN" dirty="0"/>
+                    <a:t>Server </a:t>
+                  </a:r>
+                </a:p>
+                <a:p>
+                  <a:pPr algn="ctr"/>
+                  <a:r>
+                    <a:rPr lang="en-US" altLang="zh-CN" dirty="0"/>
+                    <a:t>Manager</a:t>
+                  </a:r>
+                  <a:endParaRPr lang="zh-CN" altLang="en-US" dirty="0"/>
+                </a:p>
+              </p:txBody>
+            </p:sp>
+            <p:sp>
+              <p:nvSpPr>
+                <p:cNvPr id="68" name="矩形 67">
+                  <a:extLst>
+                    <a:ext uri="{FF2B5EF4-FFF2-40B4-BE49-F238E27FC236}">
+                      <a16:creationId xmlns:a16="http://schemas.microsoft.com/office/drawing/2014/main" id="{309DB223-AFB6-477C-B539-A733F4157003}"/>
+                    </a:ext>
+                  </a:extLst>
+                </p:cNvPr>
+                <p:cNvSpPr/>
+                <p:nvPr/>
+              </p:nvSpPr>
+              <p:spPr>
+                <a:xfrm>
+                  <a:off x="6258169" y="4432378"/>
+                  <a:ext cx="1279033" cy="471686"/>
+                </a:xfrm>
+                <a:prstGeom prst="rect">
+                  <a:avLst/>
+                </a:prstGeom>
+              </p:spPr>
+              <p:style>
+                <a:lnRef idx="2">
+                  <a:schemeClr val="accent6">
+                    <a:shade val="50000"/>
+                  </a:schemeClr>
+                </a:lnRef>
+                <a:fillRef idx="1">
+                  <a:schemeClr val="accent6"/>
+                </a:fillRef>
+                <a:effectRef idx="0">
+                  <a:schemeClr val="accent6"/>
+                </a:effectRef>
+                <a:fontRef idx="minor">
+                  <a:schemeClr val="lt1"/>
+                </a:fontRef>
+              </p:style>
+              <p:txBody>
+                <a:bodyPr rtlCol="0" anchor="ctr"/>
+                <a:lstStyle/>
+                <a:p>
+                  <a:pPr algn="ctr"/>
+                  <a:r>
+                    <a:rPr lang="en-US" altLang="zh-CN" dirty="0"/>
+                    <a:t>Classifier</a:t>
+                  </a:r>
+                </a:p>
+                <a:p>
+                  <a:pPr algn="ctr"/>
+                  <a:r>
+                    <a:rPr lang="en-US" altLang="zh-CN" dirty="0"/>
+                    <a:t>Controller</a:t>
+                  </a:r>
+                  <a:endParaRPr lang="zh-CN" altLang="en-US" dirty="0"/>
+                </a:p>
+              </p:txBody>
+            </p:sp>
+          </p:grpSp>
+          <p:sp>
+            <p:nvSpPr>
+              <p:cNvPr id="69" name="矩形 68">
+                <a:extLst>
+                  <a:ext uri="{FF2B5EF4-FFF2-40B4-BE49-F238E27FC236}">
+                    <a16:creationId xmlns:a16="http://schemas.microsoft.com/office/drawing/2014/main" id="{DD37CC3F-175E-4B74-995E-B0A051C6E000}"/>
+                  </a:ext>
+                </a:extLst>
+              </p:cNvPr>
+              <p:cNvSpPr/>
+              <p:nvPr/>
+            </p:nvSpPr>
+            <p:spPr>
+              <a:xfrm>
+                <a:off x="1341550" y="4758579"/>
+                <a:ext cx="1298023" cy="471686"/>
+              </a:xfrm>
+              <a:prstGeom prst="rect">
+                <a:avLst/>
+              </a:prstGeom>
+            </p:spPr>
+            <p:style>
+              <a:lnRef idx="2">
+                <a:schemeClr val="accent6">
+                  <a:shade val="50000"/>
+                </a:schemeClr>
+              </a:lnRef>
+              <a:fillRef idx="1">
+                <a:schemeClr val="accent6"/>
+              </a:fillRef>
+              <a:effectRef idx="0">
+                <a:schemeClr val="accent6"/>
+              </a:effectRef>
+              <a:fontRef idx="minor">
+                <a:schemeClr val="lt1"/>
+              </a:fontRef>
+            </p:style>
+            <p:txBody>
+              <a:bodyPr rtlCol="0" anchor="ctr"/>
+              <a:lstStyle/>
+              <a:p>
+                <a:pPr algn="ctr"/>
+                <a:r>
+                  <a:rPr lang="en-US" altLang="zh-CN" dirty="0"/>
+                  <a:t>RYU </a:t>
+                </a:r>
+                <a:r>
+                  <a:rPr lang="en-US" altLang="zh-CN" dirty="0" err="1"/>
+                  <a:t>CmdAgent</a:t>
+                </a:r>
+                <a:endParaRPr lang="zh-CN" altLang="en-US" dirty="0"/>
+              </a:p>
+            </p:txBody>
+          </p:sp>
+          <p:sp>
+            <p:nvSpPr>
+              <p:cNvPr id="17" name="矩形 16">
+                <a:extLst>
+                  <a:ext uri="{FF2B5EF4-FFF2-40B4-BE49-F238E27FC236}">
+                    <a16:creationId xmlns:a16="http://schemas.microsoft.com/office/drawing/2014/main" id="{A4DB3671-BDD1-46C4-A48B-12672E8747DE}"/>
+                  </a:ext>
+                </a:extLst>
+              </p:cNvPr>
+              <p:cNvSpPr/>
+              <p:nvPr/>
+            </p:nvSpPr>
+            <p:spPr>
+              <a:xfrm>
+                <a:off x="1154097" y="4524566"/>
+                <a:ext cx="7963270" cy="934676"/>
+              </a:xfrm>
+              <a:prstGeom prst="rect">
+                <a:avLst/>
+              </a:prstGeom>
+              <a:noFill/>
+              <a:ln w="28575"/>
+            </p:spPr>
+            <p:style>
+              <a:lnRef idx="2">
+                <a:schemeClr val="accent4"/>
+              </a:lnRef>
+              <a:fillRef idx="1">
+                <a:schemeClr val="lt1"/>
+              </a:fillRef>
+              <a:effectRef idx="0">
+                <a:schemeClr val="accent4"/>
+              </a:effectRef>
+              <a:fontRef idx="minor">
+                <a:schemeClr val="dk1"/>
+              </a:fontRef>
+            </p:style>
+            <p:txBody>
+              <a:bodyPr rtlCol="0" anchor="ctr"/>
+              <a:lstStyle/>
+              <a:p>
+                <a:pPr algn="ctr"/>
+                <a:endParaRPr lang="zh-CN" altLang="en-US"/>
+              </a:p>
+            </p:txBody>
+          </p:sp>
+        </p:grpSp>
+        <p:sp>
+          <p:nvSpPr>
+            <p:cNvPr id="25" name="文本框 24">
+              <a:extLst>
+                <a:ext uri="{FF2B5EF4-FFF2-40B4-BE49-F238E27FC236}">
+                  <a16:creationId xmlns:a16="http://schemas.microsoft.com/office/drawing/2014/main" id="{07C5E1B8-038D-4566-B4BE-85615DE1822A}"/>
+                </a:ext>
+              </a:extLst>
+            </p:cNvPr>
+            <p:cNvSpPr txBox="1"/>
+            <p:nvPr/>
+          </p:nvSpPr>
+          <p:spPr>
+            <a:xfrm>
+              <a:off x="507272" y="5039233"/>
+              <a:ext cx="909223" cy="369332"/>
+            </a:xfrm>
+            <a:prstGeom prst="rect">
+              <a:avLst/>
+            </a:prstGeom>
+            <a:noFill/>
+          </p:spPr>
+          <p:txBody>
+            <a:bodyPr wrap="none" rtlCol="0">
+              <a:spAutoFit/>
+            </a:bodyPr>
+            <a:lstStyle/>
+            <a:p>
+              <a:r>
+                <a:rPr lang="en-US" altLang="zh-CN" b="1" dirty="0"/>
+                <a:t>Zone 1</a:t>
+              </a:r>
+              <a:endParaRPr lang="zh-CN" altLang="en-US" b="1" dirty="0"/>
+            </a:p>
+          </p:txBody>
+        </p:sp>
+      </p:grpSp>
+      <p:grpSp>
+        <p:nvGrpSpPr>
+          <p:cNvPr id="34" name="组合 33">
+            <a:extLst>
+              <a:ext uri="{FF2B5EF4-FFF2-40B4-BE49-F238E27FC236}">
+                <a16:creationId xmlns:a16="http://schemas.microsoft.com/office/drawing/2014/main" id="{81EAA146-E594-47A6-975B-A7CDAD1BDD37}"/>
+              </a:ext>
+            </a:extLst>
+          </p:cNvPr>
+          <p:cNvGrpSpPr/>
+          <p:nvPr/>
+        </p:nvGrpSpPr>
+        <p:grpSpPr>
+          <a:xfrm>
+            <a:off x="3979284" y="5513718"/>
+            <a:ext cx="7963270" cy="1009293"/>
+            <a:chOff x="3979284" y="5513718"/>
+            <a:chExt cx="7963270" cy="1009293"/>
+          </a:xfrm>
+        </p:grpSpPr>
+        <p:grpSp>
+          <p:nvGrpSpPr>
+            <p:cNvPr id="111" name="组合 110">
+              <a:extLst>
+                <a:ext uri="{FF2B5EF4-FFF2-40B4-BE49-F238E27FC236}">
+                  <a16:creationId xmlns:a16="http://schemas.microsoft.com/office/drawing/2014/main" id="{F4401360-85F7-4665-AB5C-52D974558D0B}"/>
+                </a:ext>
+              </a:extLst>
+            </p:cNvPr>
+            <p:cNvGrpSpPr/>
+            <p:nvPr/>
+          </p:nvGrpSpPr>
+          <p:grpSpPr>
+            <a:xfrm>
+              <a:off x="3979284" y="5513718"/>
+              <a:ext cx="7963270" cy="934676"/>
+              <a:chOff x="1154097" y="4524566"/>
+              <a:chExt cx="7963270" cy="934676"/>
+            </a:xfrm>
+          </p:grpSpPr>
+          <p:grpSp>
+            <p:nvGrpSpPr>
+              <p:cNvPr id="112" name="组合 111">
+                <a:extLst>
+                  <a:ext uri="{FF2B5EF4-FFF2-40B4-BE49-F238E27FC236}">
+                    <a16:creationId xmlns:a16="http://schemas.microsoft.com/office/drawing/2014/main" id="{46AF8381-470A-41C9-A69B-FECD7F56A54D}"/>
+                  </a:ext>
+                </a:extLst>
+              </p:cNvPr>
+              <p:cNvGrpSpPr/>
+              <p:nvPr/>
+            </p:nvGrpSpPr>
+            <p:grpSpPr>
+              <a:xfrm>
+                <a:off x="2950861" y="4678630"/>
+                <a:ext cx="5961638" cy="673192"/>
+                <a:chOff x="6085926" y="4341438"/>
+                <a:chExt cx="5961638" cy="673192"/>
+              </a:xfrm>
+            </p:grpSpPr>
+            <p:sp>
+              <p:nvSpPr>
+                <p:cNvPr id="116" name="矩形 115">
+                  <a:extLst>
+                    <a:ext uri="{FF2B5EF4-FFF2-40B4-BE49-F238E27FC236}">
+                      <a16:creationId xmlns:a16="http://schemas.microsoft.com/office/drawing/2014/main" id="{AEBCA444-FF39-4E05-A568-0F22EAC7CAE9}"/>
+                    </a:ext>
+                  </a:extLst>
+                </p:cNvPr>
+                <p:cNvSpPr/>
+                <p:nvPr/>
+              </p:nvSpPr>
+              <p:spPr>
+                <a:xfrm>
+                  <a:off x="7703655" y="4438478"/>
+                  <a:ext cx="1306604" cy="471686"/>
+                </a:xfrm>
+                <a:prstGeom prst="rect">
+                  <a:avLst/>
+                </a:prstGeom>
+              </p:spPr>
+              <p:style>
+                <a:lnRef idx="2">
+                  <a:schemeClr val="accent6">
+                    <a:shade val="50000"/>
+                  </a:schemeClr>
+                </a:lnRef>
+                <a:fillRef idx="1">
+                  <a:schemeClr val="accent6"/>
+                </a:fillRef>
+                <a:effectRef idx="0">
+                  <a:schemeClr val="accent6"/>
+                </a:effectRef>
+                <a:fontRef idx="minor">
+                  <a:schemeClr val="lt1"/>
+                </a:fontRef>
+              </p:style>
+              <p:txBody>
+                <a:bodyPr rtlCol="0" anchor="ctr"/>
+                <a:lstStyle/>
+                <a:p>
+                  <a:pPr algn="ctr"/>
+                  <a:r>
+                    <a:rPr lang="en-US" altLang="zh-CN" dirty="0"/>
+                    <a:t>SFF</a:t>
+                  </a:r>
+                </a:p>
+                <a:p>
+                  <a:pPr algn="ctr"/>
+                  <a:r>
+                    <a:rPr lang="en-US" altLang="zh-CN" dirty="0"/>
+                    <a:t>Controller</a:t>
+                  </a:r>
+                  <a:endParaRPr lang="zh-CN" altLang="en-US" dirty="0"/>
+                </a:p>
+              </p:txBody>
+            </p:sp>
+            <p:sp>
+              <p:nvSpPr>
+                <p:cNvPr id="117" name="矩形 116">
+                  <a:extLst>
+                    <a:ext uri="{FF2B5EF4-FFF2-40B4-BE49-F238E27FC236}">
+                      <a16:creationId xmlns:a16="http://schemas.microsoft.com/office/drawing/2014/main" id="{8D4BD195-6C7D-4AFE-8796-FAB6D4420EDB}"/>
+                    </a:ext>
+                  </a:extLst>
+                </p:cNvPr>
+                <p:cNvSpPr/>
+                <p:nvPr/>
+              </p:nvSpPr>
+              <p:spPr>
+                <a:xfrm>
+                  <a:off x="9206559" y="4436677"/>
+                  <a:ext cx="1279033" cy="471686"/>
+                </a:xfrm>
+                <a:prstGeom prst="rect">
+                  <a:avLst/>
+                </a:prstGeom>
+              </p:spPr>
+              <p:style>
+                <a:lnRef idx="2">
+                  <a:schemeClr val="accent6">
+                    <a:shade val="50000"/>
+                  </a:schemeClr>
+                </a:lnRef>
+                <a:fillRef idx="1">
+                  <a:schemeClr val="accent6"/>
+                </a:fillRef>
+                <a:effectRef idx="0">
+                  <a:schemeClr val="accent6"/>
+                </a:effectRef>
+                <a:fontRef idx="minor">
+                  <a:schemeClr val="lt1"/>
+                </a:fontRef>
+              </p:style>
+              <p:txBody>
+                <a:bodyPr rtlCol="0" anchor="ctr"/>
+                <a:lstStyle/>
+                <a:p>
+                  <a:pPr algn="ctr"/>
+                  <a:r>
+                    <a:rPr lang="en-US" altLang="zh-CN" dirty="0"/>
+                    <a:t>VNF</a:t>
+                  </a:r>
+                </a:p>
+                <a:p>
+                  <a:pPr algn="ctr"/>
+                  <a:r>
+                    <a:rPr lang="en-US" altLang="zh-CN" dirty="0"/>
+                    <a:t>Controller</a:t>
+                  </a:r>
+                  <a:endParaRPr lang="zh-CN" altLang="en-US" dirty="0"/>
+                </a:p>
+              </p:txBody>
+            </p:sp>
+            <p:sp>
+              <p:nvSpPr>
+                <p:cNvPr id="119" name="矩形 118">
+                  <a:extLst>
+                    <a:ext uri="{FF2B5EF4-FFF2-40B4-BE49-F238E27FC236}">
+                      <a16:creationId xmlns:a16="http://schemas.microsoft.com/office/drawing/2014/main" id="{25886148-A5AD-47D8-88F9-60A2C9E2E02D}"/>
+                    </a:ext>
+                  </a:extLst>
+                </p:cNvPr>
+                <p:cNvSpPr/>
+                <p:nvPr/>
+              </p:nvSpPr>
+              <p:spPr>
+                <a:xfrm>
+                  <a:off x="6085926" y="4341438"/>
+                  <a:ext cx="5961638" cy="673192"/>
+                </a:xfrm>
+                <a:prstGeom prst="rect">
+                  <a:avLst/>
+                </a:prstGeom>
+                <a:noFill/>
+                <a:ln w="57150"/>
+              </p:spPr>
+              <p:style>
+                <a:lnRef idx="2">
+                  <a:schemeClr val="accent6"/>
+                </a:lnRef>
+                <a:fillRef idx="1">
+                  <a:schemeClr val="lt1"/>
+                </a:fillRef>
+                <a:effectRef idx="0">
+                  <a:schemeClr val="accent6"/>
+                </a:effectRef>
+                <a:fontRef idx="minor">
+                  <a:schemeClr val="dk1"/>
+                </a:fontRef>
+              </p:style>
+              <p:txBody>
+                <a:bodyPr rtlCol="0" anchor="ctr"/>
+                <a:lstStyle/>
+                <a:p>
+                  <a:pPr algn="r"/>
+                  <a:endParaRPr lang="zh-CN" altLang="en-US" dirty="0"/>
+                </a:p>
+              </p:txBody>
+            </p:sp>
+            <p:sp>
+              <p:nvSpPr>
+                <p:cNvPr id="120" name="矩形 119">
+                  <a:extLst>
+                    <a:ext uri="{FF2B5EF4-FFF2-40B4-BE49-F238E27FC236}">
+                      <a16:creationId xmlns:a16="http://schemas.microsoft.com/office/drawing/2014/main" id="{A9EC7169-14FC-414F-8FE1-1BA09BBF4FD7}"/>
+                    </a:ext>
+                  </a:extLst>
+                </p:cNvPr>
+                <p:cNvSpPr/>
+                <p:nvPr/>
+              </p:nvSpPr>
+              <p:spPr>
+                <a:xfrm>
+                  <a:off x="10685726" y="4428285"/>
+                  <a:ext cx="1279033" cy="471686"/>
+                </a:xfrm>
+                <a:prstGeom prst="rect">
+                  <a:avLst/>
+                </a:prstGeom>
+              </p:spPr>
+              <p:style>
+                <a:lnRef idx="2">
+                  <a:schemeClr val="accent6">
+                    <a:shade val="50000"/>
+                  </a:schemeClr>
+                </a:lnRef>
+                <a:fillRef idx="1">
+                  <a:schemeClr val="accent6"/>
+                </a:fillRef>
+                <a:effectRef idx="0">
+                  <a:schemeClr val="accent6"/>
+                </a:effectRef>
+                <a:fontRef idx="minor">
+                  <a:schemeClr val="lt1"/>
+                </a:fontRef>
+              </p:style>
+              <p:txBody>
+                <a:bodyPr rtlCol="0" anchor="ctr"/>
+                <a:lstStyle/>
+                <a:p>
+                  <a:pPr algn="ctr"/>
+                  <a:r>
+                    <a:rPr lang="en-US" altLang="zh-CN" dirty="0"/>
+                    <a:t>Server </a:t>
+                  </a:r>
+                </a:p>
+                <a:p>
+                  <a:pPr algn="ctr"/>
+                  <a:r>
+                    <a:rPr lang="en-US" altLang="zh-CN" dirty="0"/>
+                    <a:t>Manager</a:t>
+                  </a:r>
+                  <a:endParaRPr lang="zh-CN" altLang="en-US" dirty="0"/>
+                </a:p>
+              </p:txBody>
+            </p:sp>
+            <p:sp>
+              <p:nvSpPr>
+                <p:cNvPr id="121" name="矩形 120">
+                  <a:extLst>
+                    <a:ext uri="{FF2B5EF4-FFF2-40B4-BE49-F238E27FC236}">
+                      <a16:creationId xmlns:a16="http://schemas.microsoft.com/office/drawing/2014/main" id="{4105F97D-FBA6-4153-B9E5-FDE6EB9A7DB3}"/>
+                    </a:ext>
+                  </a:extLst>
+                </p:cNvPr>
+                <p:cNvSpPr/>
+                <p:nvPr/>
+              </p:nvSpPr>
+              <p:spPr>
+                <a:xfrm>
+                  <a:off x="6258169" y="4432378"/>
+                  <a:ext cx="1279033" cy="471686"/>
+                </a:xfrm>
+                <a:prstGeom prst="rect">
+                  <a:avLst/>
+                </a:prstGeom>
+              </p:spPr>
+              <p:style>
+                <a:lnRef idx="2">
+                  <a:schemeClr val="accent6">
+                    <a:shade val="50000"/>
+                  </a:schemeClr>
+                </a:lnRef>
+                <a:fillRef idx="1">
+                  <a:schemeClr val="accent6"/>
+                </a:fillRef>
+                <a:effectRef idx="0">
+                  <a:schemeClr val="accent6"/>
+                </a:effectRef>
+                <a:fontRef idx="minor">
+                  <a:schemeClr val="lt1"/>
+                </a:fontRef>
+              </p:style>
+              <p:txBody>
+                <a:bodyPr rtlCol="0" anchor="ctr"/>
+                <a:lstStyle/>
+                <a:p>
+                  <a:pPr algn="ctr"/>
+                  <a:r>
+                    <a:rPr lang="en-US" altLang="zh-CN" dirty="0"/>
+                    <a:t>Classifier</a:t>
+                  </a:r>
+                </a:p>
+                <a:p>
+                  <a:pPr algn="ctr"/>
+                  <a:r>
+                    <a:rPr lang="en-US" altLang="zh-CN" dirty="0"/>
+                    <a:t>Controller</a:t>
+                  </a:r>
+                  <a:endParaRPr lang="zh-CN" altLang="en-US" dirty="0"/>
+                </a:p>
+              </p:txBody>
+            </p:sp>
+          </p:grpSp>
+          <p:sp>
+            <p:nvSpPr>
+              <p:cNvPr id="113" name="矩形 112">
+                <a:extLst>
+                  <a:ext uri="{FF2B5EF4-FFF2-40B4-BE49-F238E27FC236}">
+                    <a16:creationId xmlns:a16="http://schemas.microsoft.com/office/drawing/2014/main" id="{7C8A3DB7-91B8-4953-BDFD-CD82C9B09C0E}"/>
+                  </a:ext>
+                </a:extLst>
+              </p:cNvPr>
+              <p:cNvSpPr/>
+              <p:nvPr/>
+            </p:nvSpPr>
+            <p:spPr>
+              <a:xfrm>
+                <a:off x="1341550" y="4758579"/>
+                <a:ext cx="1298023" cy="471686"/>
+              </a:xfrm>
+              <a:prstGeom prst="rect">
+                <a:avLst/>
+              </a:prstGeom>
+            </p:spPr>
+            <p:style>
+              <a:lnRef idx="2">
+                <a:schemeClr val="accent6">
+                  <a:shade val="50000"/>
+                </a:schemeClr>
+              </a:lnRef>
+              <a:fillRef idx="1">
+                <a:schemeClr val="accent6"/>
+              </a:fillRef>
+              <a:effectRef idx="0">
+                <a:schemeClr val="accent6"/>
+              </a:effectRef>
+              <a:fontRef idx="minor">
+                <a:schemeClr val="lt1"/>
+              </a:fontRef>
+            </p:style>
+            <p:txBody>
+              <a:bodyPr rtlCol="0" anchor="ctr"/>
+              <a:lstStyle/>
+              <a:p>
+                <a:pPr algn="ctr"/>
+                <a:r>
+                  <a:rPr lang="en-US" altLang="zh-CN" dirty="0"/>
+                  <a:t>RYU </a:t>
+                </a:r>
+                <a:r>
+                  <a:rPr lang="en-US" altLang="zh-CN" dirty="0" err="1"/>
+                  <a:t>CmdAgent</a:t>
+                </a:r>
+                <a:endParaRPr lang="zh-CN" altLang="en-US" dirty="0"/>
+              </a:p>
+            </p:txBody>
+          </p:sp>
+          <p:sp>
+            <p:nvSpPr>
+              <p:cNvPr id="114" name="矩形 113">
+                <a:extLst>
+                  <a:ext uri="{FF2B5EF4-FFF2-40B4-BE49-F238E27FC236}">
+                    <a16:creationId xmlns:a16="http://schemas.microsoft.com/office/drawing/2014/main" id="{9312AAAF-0618-4752-ABF5-440A670C26BE}"/>
+                  </a:ext>
+                </a:extLst>
+              </p:cNvPr>
+              <p:cNvSpPr/>
+              <p:nvPr/>
+            </p:nvSpPr>
+            <p:spPr>
+              <a:xfrm>
+                <a:off x="1154097" y="4524566"/>
+                <a:ext cx="7963270" cy="934676"/>
+              </a:xfrm>
+              <a:prstGeom prst="rect">
+                <a:avLst/>
+              </a:prstGeom>
+              <a:noFill/>
+              <a:ln w="28575"/>
+            </p:spPr>
+            <p:style>
+              <a:lnRef idx="2">
+                <a:schemeClr val="accent4"/>
+              </a:lnRef>
+              <a:fillRef idx="1">
+                <a:schemeClr val="lt1"/>
+              </a:fillRef>
+              <a:effectRef idx="0">
+                <a:schemeClr val="accent4"/>
+              </a:effectRef>
+              <a:fontRef idx="minor">
+                <a:schemeClr val="dk1"/>
+              </a:fontRef>
+            </p:style>
+            <p:txBody>
+              <a:bodyPr rtlCol="0" anchor="ctr"/>
+              <a:lstStyle/>
+              <a:p>
+                <a:pPr algn="ctr"/>
+                <a:endParaRPr lang="zh-CN" altLang="en-US"/>
+              </a:p>
+            </p:txBody>
+          </p:sp>
+        </p:grpSp>
+        <p:sp>
+          <p:nvSpPr>
+            <p:cNvPr id="124" name="文本框 123">
+              <a:extLst>
+                <a:ext uri="{FF2B5EF4-FFF2-40B4-BE49-F238E27FC236}">
+                  <a16:creationId xmlns:a16="http://schemas.microsoft.com/office/drawing/2014/main" id="{6374950D-6D2D-47B1-954B-8978F1FBEF20}"/>
+                </a:ext>
+              </a:extLst>
+            </p:cNvPr>
+            <p:cNvSpPr txBox="1"/>
+            <p:nvPr/>
+          </p:nvSpPr>
+          <p:spPr>
+            <a:xfrm>
+              <a:off x="4279907" y="6153679"/>
+              <a:ext cx="909223" cy="369332"/>
+            </a:xfrm>
+            <a:prstGeom prst="rect">
+              <a:avLst/>
+            </a:prstGeom>
+            <a:noFill/>
+          </p:spPr>
+          <p:txBody>
+            <a:bodyPr wrap="none" rtlCol="0">
+              <a:spAutoFit/>
+            </a:bodyPr>
+            <a:lstStyle/>
+            <a:p>
+              <a:r>
+                <a:rPr lang="en-US" altLang="zh-CN" b="1" dirty="0"/>
+                <a:t>Zone 2</a:t>
+              </a:r>
+              <a:endParaRPr lang="zh-CN" altLang="en-US" b="1" dirty="0"/>
+            </a:p>
+          </p:txBody>
+        </p:sp>
+      </p:grpSp>
+      <p:sp>
+        <p:nvSpPr>
+          <p:cNvPr id="4" name="文本框 3">
+            <a:extLst>
+              <a:ext uri="{FF2B5EF4-FFF2-40B4-BE49-F238E27FC236}">
+                <a16:creationId xmlns:a16="http://schemas.microsoft.com/office/drawing/2014/main" id="{FBF713BD-228D-4452-A609-3362721FF4B9}"/>
+              </a:ext>
+            </a:extLst>
+          </p:cNvPr>
+          <p:cNvSpPr txBox="1"/>
+          <p:nvPr/>
+        </p:nvSpPr>
+        <p:spPr>
+          <a:xfrm>
+            <a:off x="8432944" y="4722426"/>
+            <a:ext cx="2446504" cy="369332"/>
+          </a:xfrm>
+          <a:prstGeom prst="rect">
+            <a:avLst/>
+          </a:prstGeom>
+          <a:noFill/>
+        </p:spPr>
+        <p:txBody>
+          <a:bodyPr wrap="none" rtlCol="0">
+            <a:spAutoFit/>
+          </a:bodyPr>
+          <a:lstStyle/>
+          <a:p>
+            <a:r>
+              <a:rPr lang="zh-CN" altLang="en-US" dirty="0"/>
+              <a:t>不同</a:t>
+            </a:r>
+            <a:r>
+              <a:rPr lang="en-US" altLang="zh-CN" dirty="0"/>
+              <a:t>zone</a:t>
+            </a:r>
+            <a:r>
+              <a:rPr lang="zh-CN" altLang="en-US" dirty="0"/>
+              <a:t>的</a:t>
+            </a:r>
+            <a:r>
+              <a:rPr lang="en-US" altLang="zh-CN" dirty="0"/>
+              <a:t>queue</a:t>
+            </a:r>
+            <a:r>
+              <a:rPr lang="zh-CN" altLang="en-US" dirty="0"/>
+              <a:t>不同</a:t>
+            </a:r>
+          </a:p>
+        </p:txBody>
+      </p:sp>
+      <p:sp>
+        <p:nvSpPr>
+          <p:cNvPr id="127" name="文本框 126">
+            <a:extLst>
+              <a:ext uri="{FF2B5EF4-FFF2-40B4-BE49-F238E27FC236}">
+                <a16:creationId xmlns:a16="http://schemas.microsoft.com/office/drawing/2014/main" id="{2FEC6B10-8CA1-4855-93B3-A99BCA236002}"/>
+              </a:ext>
+            </a:extLst>
+          </p:cNvPr>
+          <p:cNvSpPr txBox="1"/>
+          <p:nvPr/>
+        </p:nvSpPr>
+        <p:spPr>
+          <a:xfrm>
+            <a:off x="9273957" y="588376"/>
+            <a:ext cx="2803170" cy="1190138"/>
+          </a:xfrm>
+          <a:prstGeom prst="rect">
+            <a:avLst/>
+          </a:prstGeom>
+        </p:spPr>
+        <p:style>
+          <a:lnRef idx="2">
+            <a:schemeClr val="accent1"/>
+          </a:lnRef>
+          <a:fillRef idx="1">
+            <a:schemeClr val="lt1"/>
+          </a:fillRef>
+          <a:effectRef idx="0">
+            <a:schemeClr val="accent1"/>
+          </a:effectRef>
+          <a:fontRef idx="minor">
+            <a:schemeClr val="dk1"/>
+          </a:fontRef>
+        </p:style>
+        <p:txBody>
+          <a:bodyPr rtlCol="0" anchor="ctr"/>
+          <a:lstStyle>
+            <a:defPPr>
+              <a:defRPr lang="zh-CN"/>
+            </a:defPPr>
+            <a:lvl1pPr marL="285750" indent="-285750">
+              <a:buFont typeface="Arial" panose="020B0604020202020204" pitchFamily="34" charset="0"/>
+              <a:buChar char="•"/>
+              <a:defRPr sz="1400">
+                <a:solidFill>
+                  <a:schemeClr val="dk1"/>
+                </a:solidFill>
+              </a:defRPr>
+            </a:lvl1pPr>
+            <a:lvl2pPr>
+              <a:defRPr>
+                <a:solidFill>
+                  <a:schemeClr val="dk1"/>
+                </a:solidFill>
+              </a:defRPr>
+            </a:lvl2pPr>
+            <a:lvl3pPr>
+              <a:defRPr>
+                <a:solidFill>
+                  <a:schemeClr val="dk1"/>
+                </a:solidFill>
+              </a:defRPr>
+            </a:lvl3pPr>
+            <a:lvl4pPr>
+              <a:defRPr>
+                <a:solidFill>
+                  <a:schemeClr val="dk1"/>
+                </a:solidFill>
+              </a:defRPr>
+            </a:lvl4pPr>
+            <a:lvl5pPr>
+              <a:defRPr>
+                <a:solidFill>
+                  <a:schemeClr val="dk1"/>
+                </a:solidFill>
+              </a:defRPr>
+            </a:lvl5pPr>
+            <a:lvl6pPr>
+              <a:defRPr>
+                <a:solidFill>
+                  <a:schemeClr val="dk1"/>
+                </a:solidFill>
+              </a:defRPr>
+            </a:lvl6pPr>
+            <a:lvl7pPr>
+              <a:defRPr>
+                <a:solidFill>
+                  <a:schemeClr val="dk1"/>
+                </a:solidFill>
+              </a:defRPr>
+            </a:lvl7pPr>
+            <a:lvl8pPr>
+              <a:defRPr>
+                <a:solidFill>
+                  <a:schemeClr val="dk1"/>
+                </a:solidFill>
+              </a:defRPr>
+            </a:lvl8pPr>
+            <a:lvl9pPr>
+              <a:defRPr>
+                <a:solidFill>
+                  <a:schemeClr val="dk1"/>
+                </a:solidFill>
+              </a:defRPr>
+            </a:lvl9pPr>
+          </a:lstStyle>
+          <a:p>
+            <a:r>
+              <a:rPr lang="en-US" altLang="zh-CN" dirty="0"/>
+              <a:t>Network info (Real-time info)</a:t>
+            </a:r>
+          </a:p>
+          <a:p>
+            <a:pPr marL="742950" lvl="1" indent="-285750">
+              <a:buFont typeface="Arial" panose="020B0604020202020204" pitchFamily="34" charset="0"/>
+              <a:buChar char="•"/>
+            </a:pPr>
+            <a:r>
+              <a:rPr lang="en-US" altLang="zh-CN" sz="1400" dirty="0"/>
+              <a:t>Switch info</a:t>
+            </a:r>
+          </a:p>
+          <a:p>
+            <a:pPr marL="742950" lvl="1" indent="-285750">
+              <a:buFont typeface="Arial" panose="020B0604020202020204" pitchFamily="34" charset="0"/>
+              <a:buChar char="•"/>
+            </a:pPr>
+            <a:r>
+              <a:rPr lang="en-US" altLang="zh-CN" sz="1400" dirty="0"/>
+              <a:t>Server info</a:t>
+            </a:r>
+          </a:p>
+          <a:p>
+            <a:pPr marL="1200150" lvl="2" indent="-285750">
+              <a:buFont typeface="Arial" panose="020B0604020202020204" pitchFamily="34" charset="0"/>
+              <a:buChar char="•"/>
+            </a:pPr>
+            <a:r>
+              <a:rPr lang="en-US" altLang="zh-CN" sz="1400" dirty="0"/>
+              <a:t>VNF info</a:t>
+            </a:r>
+          </a:p>
+          <a:p>
+            <a:pPr marL="1200150" lvl="2" indent="-285750">
+              <a:buFont typeface="Arial" panose="020B0604020202020204" pitchFamily="34" charset="0"/>
+              <a:buChar char="•"/>
+            </a:pPr>
+            <a:r>
+              <a:rPr lang="en-US" altLang="zh-CN" sz="1400" dirty="0"/>
+              <a:t>SFF info</a:t>
+            </a:r>
+          </a:p>
+        </p:txBody>
+      </p:sp>
+      <p:sp>
+        <p:nvSpPr>
+          <p:cNvPr id="128" name="矩形 127">
+            <a:extLst>
+              <a:ext uri="{FF2B5EF4-FFF2-40B4-BE49-F238E27FC236}">
+                <a16:creationId xmlns:a16="http://schemas.microsoft.com/office/drawing/2014/main" id="{1FCE7B30-5143-4641-9826-62A1F71F077F}"/>
+              </a:ext>
+            </a:extLst>
+          </p:cNvPr>
+          <p:cNvSpPr/>
+          <p:nvPr/>
+        </p:nvSpPr>
+        <p:spPr>
+          <a:xfrm>
+            <a:off x="5898993" y="2001325"/>
+            <a:ext cx="1633586" cy="833736"/>
+          </a:xfrm>
+          <a:prstGeom prst="rect">
+            <a:avLst/>
+          </a:prstGeom>
+        </p:spPr>
+        <p:style>
+          <a:lnRef idx="2">
+            <a:schemeClr val="accent1">
+              <a:shade val="50000"/>
+            </a:schemeClr>
+          </a:lnRef>
+          <a:fillRef idx="1">
+            <a:schemeClr val="accent1"/>
+          </a:fillRef>
+          <a:effectRef idx="0">
+            <a:schemeClr val="accent1"/>
+          </a:effectRef>
+          <a:fontRef idx="minor">
+            <a:schemeClr val="lt1"/>
+          </a:fontRef>
+        </p:style>
+        <p:txBody>
+          <a:bodyPr rtlCol="0" anchor="ctr"/>
+          <a:lstStyle/>
+          <a:p>
+            <a:pPr algn="ctr"/>
+            <a:r>
+              <a:rPr lang="en-US" altLang="zh-CN" dirty="0"/>
+              <a:t>Orchestration</a:t>
+            </a:r>
+            <a:endParaRPr lang="zh-CN" altLang="en-US" dirty="0"/>
+          </a:p>
+        </p:txBody>
+      </p:sp>
+      <p:sp>
+        <p:nvSpPr>
+          <p:cNvPr id="129" name="圆柱体 128">
+            <a:extLst>
+              <a:ext uri="{FF2B5EF4-FFF2-40B4-BE49-F238E27FC236}">
+                <a16:creationId xmlns:a16="http://schemas.microsoft.com/office/drawing/2014/main" id="{A2FB7CD0-5085-4D6F-85F9-38FBC02561B0}"/>
+              </a:ext>
+            </a:extLst>
+          </p:cNvPr>
+          <p:cNvSpPr/>
+          <p:nvPr/>
+        </p:nvSpPr>
+        <p:spPr>
+          <a:xfrm>
+            <a:off x="5931680" y="933586"/>
+            <a:ext cx="1805812" cy="719423"/>
+          </a:xfrm>
+          <a:prstGeom prst="can">
+            <a:avLst/>
+          </a:prstGeom>
+        </p:spPr>
+        <p:style>
+          <a:lnRef idx="2">
+            <a:schemeClr val="accent1">
+              <a:shade val="50000"/>
+            </a:schemeClr>
+          </a:lnRef>
+          <a:fillRef idx="1">
+            <a:schemeClr val="accent1"/>
+          </a:fillRef>
+          <a:effectRef idx="0">
+            <a:schemeClr val="accent1"/>
+          </a:effectRef>
+          <a:fontRef idx="minor">
+            <a:schemeClr val="lt1"/>
+          </a:fontRef>
+        </p:style>
+        <p:txBody>
+          <a:bodyPr rtlCol="0" anchor="ctr"/>
+          <a:lstStyle/>
+          <a:p>
+            <a:pPr algn="ctr"/>
+            <a:r>
+              <a:rPr lang="en-US" altLang="zh-CN" dirty="0"/>
+              <a:t>Database</a:t>
+            </a:r>
+          </a:p>
+        </p:txBody>
+      </p:sp>
+      <p:cxnSp>
+        <p:nvCxnSpPr>
+          <p:cNvPr id="130" name="直接箭头连接符 129">
+            <a:extLst>
+              <a:ext uri="{FF2B5EF4-FFF2-40B4-BE49-F238E27FC236}">
+                <a16:creationId xmlns:a16="http://schemas.microsoft.com/office/drawing/2014/main" id="{720FF18F-9C13-451C-BAC5-0EAD81FAFFE6}"/>
+              </a:ext>
+            </a:extLst>
+          </p:cNvPr>
+          <p:cNvCxnSpPr>
+            <a:cxnSpLocks/>
+            <a:stCxn id="129" idx="3"/>
+            <a:endCxn id="128" idx="0"/>
+          </p:cNvCxnSpPr>
+          <p:nvPr/>
+        </p:nvCxnSpPr>
+        <p:spPr>
+          <a:xfrm flipH="1">
+            <a:off x="6715786" y="1653009"/>
+            <a:ext cx="118800" cy="348316"/>
+          </a:xfrm>
+          <a:prstGeom prst="straightConnector1">
+            <a:avLst/>
+          </a:prstGeom>
+          <a:ln w="28575">
+            <a:tailEnd type="triangle"/>
+          </a:ln>
+        </p:spPr>
+        <p:style>
+          <a:lnRef idx="2">
+            <a:schemeClr val="accent6"/>
+          </a:lnRef>
+          <a:fillRef idx="0">
+            <a:schemeClr val="accent6"/>
+          </a:fillRef>
+          <a:effectRef idx="1">
+            <a:schemeClr val="accent6"/>
+          </a:effectRef>
+          <a:fontRef idx="minor">
+            <a:schemeClr val="tx1"/>
+          </a:fontRef>
+        </p:style>
+      </p:cxnSp>
+      <p:sp>
+        <p:nvSpPr>
+          <p:cNvPr id="131" name="矩形 130">
+            <a:extLst>
+              <a:ext uri="{FF2B5EF4-FFF2-40B4-BE49-F238E27FC236}">
+                <a16:creationId xmlns:a16="http://schemas.microsoft.com/office/drawing/2014/main" id="{F16ADC46-A138-434B-ABA1-4F9C487825B0}"/>
+              </a:ext>
+            </a:extLst>
+          </p:cNvPr>
+          <p:cNvSpPr/>
+          <p:nvPr/>
+        </p:nvSpPr>
+        <p:spPr>
+          <a:xfrm>
+            <a:off x="9858959" y="2021603"/>
+            <a:ext cx="2187018" cy="809006"/>
+          </a:xfrm>
+          <a:prstGeom prst="rect">
+            <a:avLst/>
+          </a:prstGeom>
+        </p:spPr>
+        <p:style>
+          <a:lnRef idx="1">
+            <a:schemeClr val="accent1"/>
+          </a:lnRef>
+          <a:fillRef idx="2">
+            <a:schemeClr val="accent1"/>
+          </a:fillRef>
+          <a:effectRef idx="1">
+            <a:schemeClr val="accent1"/>
+          </a:effectRef>
+          <a:fontRef idx="minor">
+            <a:schemeClr val="dk1"/>
+          </a:fontRef>
+        </p:style>
+        <p:txBody>
+          <a:bodyPr rtlCol="0" anchor="ctr"/>
+          <a:lstStyle/>
+          <a:p>
+            <a:pPr algn="ctr"/>
+            <a:r>
+              <a:rPr lang="en-US" altLang="zh-CN" dirty="0"/>
+              <a:t>Measurement</a:t>
+            </a:r>
+          </a:p>
+        </p:txBody>
+      </p:sp>
+      <p:sp>
+        <p:nvSpPr>
+          <p:cNvPr id="132" name="矩形 131">
+            <a:extLst>
+              <a:ext uri="{FF2B5EF4-FFF2-40B4-BE49-F238E27FC236}">
+                <a16:creationId xmlns:a16="http://schemas.microsoft.com/office/drawing/2014/main" id="{026F66B6-A934-4A33-AFAB-3BC270019F80}"/>
+              </a:ext>
+            </a:extLst>
+          </p:cNvPr>
+          <p:cNvSpPr/>
+          <p:nvPr/>
+        </p:nvSpPr>
+        <p:spPr>
+          <a:xfrm>
+            <a:off x="294855" y="1541292"/>
+            <a:ext cx="771224" cy="1741080"/>
+          </a:xfrm>
+          <a:prstGeom prst="rect">
+            <a:avLst/>
+          </a:prstGeom>
+        </p:spPr>
+        <p:style>
+          <a:lnRef idx="2">
+            <a:schemeClr val="accent3">
+              <a:shade val="50000"/>
+            </a:schemeClr>
+          </a:lnRef>
+          <a:fillRef idx="1">
+            <a:schemeClr val="accent3"/>
+          </a:fillRef>
+          <a:effectRef idx="0">
+            <a:schemeClr val="accent3"/>
+          </a:effectRef>
+          <a:fontRef idx="minor">
+            <a:schemeClr val="lt1"/>
+          </a:fontRef>
+        </p:style>
+        <p:txBody>
+          <a:bodyPr rtlCol="0" anchor="ctr"/>
+          <a:lstStyle/>
+          <a:p>
+            <a:pPr algn="ctr"/>
+            <a:r>
+              <a:rPr lang="en-US" altLang="zh-CN" sz="1400" dirty="0"/>
+              <a:t>Web</a:t>
+            </a:r>
+          </a:p>
+          <a:p>
+            <a:pPr algn="ctr"/>
+            <a:r>
+              <a:rPr lang="en-US" altLang="zh-CN" sz="1400" dirty="0"/>
+              <a:t>Front</a:t>
+            </a:r>
+          </a:p>
+          <a:p>
+            <a:pPr algn="ctr"/>
+            <a:r>
+              <a:rPr lang="en-US" altLang="zh-CN" sz="1400" dirty="0"/>
+              <a:t>End</a:t>
+            </a:r>
+            <a:endParaRPr lang="zh-CN" altLang="en-US" sz="1400" dirty="0"/>
+          </a:p>
+        </p:txBody>
+      </p:sp>
+      <p:sp>
+        <p:nvSpPr>
+          <p:cNvPr id="133" name="矩形 132">
+            <a:extLst>
+              <a:ext uri="{FF2B5EF4-FFF2-40B4-BE49-F238E27FC236}">
+                <a16:creationId xmlns:a16="http://schemas.microsoft.com/office/drawing/2014/main" id="{86C17C4F-A5D8-426D-B92D-DFB25733143A}"/>
+              </a:ext>
+            </a:extLst>
+          </p:cNvPr>
+          <p:cNvSpPr/>
+          <p:nvPr/>
+        </p:nvSpPr>
+        <p:spPr>
+          <a:xfrm>
+            <a:off x="1982240" y="1541291"/>
+            <a:ext cx="1642789" cy="592210"/>
+          </a:xfrm>
+          <a:prstGeom prst="rect">
+            <a:avLst/>
+          </a:prstGeom>
+        </p:spPr>
+        <p:style>
+          <a:lnRef idx="2">
+            <a:schemeClr val="accent3">
+              <a:shade val="50000"/>
+            </a:schemeClr>
+          </a:lnRef>
+          <a:fillRef idx="1">
+            <a:schemeClr val="accent3"/>
+          </a:fillRef>
+          <a:effectRef idx="0">
+            <a:schemeClr val="accent3"/>
+          </a:effectRef>
+          <a:fontRef idx="minor">
+            <a:schemeClr val="lt1"/>
+          </a:fontRef>
+        </p:style>
+        <p:txBody>
+          <a:bodyPr rtlCol="0" anchor="ctr"/>
+          <a:lstStyle/>
+          <a:p>
+            <a:pPr algn="ctr"/>
+            <a:r>
+              <a:rPr lang="en-US" altLang="zh-CN" sz="1400" dirty="0"/>
+              <a:t>create SFC request </a:t>
+            </a:r>
+            <a:endParaRPr lang="zh-CN" altLang="en-US" sz="1400" dirty="0"/>
+          </a:p>
+        </p:txBody>
+      </p:sp>
+      <p:sp>
+        <p:nvSpPr>
+          <p:cNvPr id="134" name="矩形 133">
+            <a:extLst>
+              <a:ext uri="{FF2B5EF4-FFF2-40B4-BE49-F238E27FC236}">
+                <a16:creationId xmlns:a16="http://schemas.microsoft.com/office/drawing/2014/main" id="{4A67718F-2A82-404D-A918-DECA843D554B}"/>
+              </a:ext>
+            </a:extLst>
+          </p:cNvPr>
+          <p:cNvSpPr/>
+          <p:nvPr/>
+        </p:nvSpPr>
+        <p:spPr>
+          <a:xfrm>
+            <a:off x="1986767" y="2141566"/>
+            <a:ext cx="1633587" cy="524819"/>
+          </a:xfrm>
+          <a:prstGeom prst="rect">
+            <a:avLst/>
+          </a:prstGeom>
+        </p:spPr>
+        <p:style>
+          <a:lnRef idx="2">
+            <a:schemeClr val="accent3">
+              <a:shade val="50000"/>
+            </a:schemeClr>
+          </a:lnRef>
+          <a:fillRef idx="1">
+            <a:schemeClr val="accent3"/>
+          </a:fillRef>
+          <a:effectRef idx="0">
+            <a:schemeClr val="accent3"/>
+          </a:effectRef>
+          <a:fontRef idx="minor">
+            <a:schemeClr val="lt1"/>
+          </a:fontRef>
+        </p:style>
+        <p:txBody>
+          <a:bodyPr rtlCol="0" anchor="ctr"/>
+          <a:lstStyle/>
+          <a:p>
+            <a:pPr algn="ctr"/>
+            <a:r>
+              <a:rPr lang="en-US" altLang="zh-CN" sz="1400" dirty="0"/>
+              <a:t>get SFC request </a:t>
+            </a:r>
+            <a:endParaRPr lang="zh-CN" altLang="en-US" sz="1400" dirty="0"/>
+          </a:p>
+        </p:txBody>
+      </p:sp>
+      <p:sp>
+        <p:nvSpPr>
+          <p:cNvPr id="135" name="矩形 134">
+            <a:extLst>
+              <a:ext uri="{FF2B5EF4-FFF2-40B4-BE49-F238E27FC236}">
+                <a16:creationId xmlns:a16="http://schemas.microsoft.com/office/drawing/2014/main" id="{CEA7101D-A6E9-4AB0-BE61-53F994D0E705}"/>
+              </a:ext>
+            </a:extLst>
+          </p:cNvPr>
+          <p:cNvSpPr/>
+          <p:nvPr/>
+        </p:nvSpPr>
+        <p:spPr>
+          <a:xfrm>
+            <a:off x="1991660" y="2674450"/>
+            <a:ext cx="1633586" cy="607921"/>
+          </a:xfrm>
+          <a:prstGeom prst="rect">
+            <a:avLst/>
+          </a:prstGeom>
+        </p:spPr>
+        <p:style>
+          <a:lnRef idx="2">
+            <a:schemeClr val="accent3">
+              <a:shade val="50000"/>
+            </a:schemeClr>
+          </a:lnRef>
+          <a:fillRef idx="1">
+            <a:schemeClr val="accent3"/>
+          </a:fillRef>
+          <a:effectRef idx="0">
+            <a:schemeClr val="accent3"/>
+          </a:effectRef>
+          <a:fontRef idx="minor">
+            <a:schemeClr val="lt1"/>
+          </a:fontRef>
+        </p:style>
+        <p:txBody>
+          <a:bodyPr rtlCol="0" anchor="ctr"/>
+          <a:lstStyle/>
+          <a:p>
+            <a:pPr algn="ctr"/>
+            <a:r>
+              <a:rPr lang="en-US" altLang="zh-CN" sz="1400" dirty="0"/>
+              <a:t>delete SFC request </a:t>
+            </a:r>
+            <a:endParaRPr lang="zh-CN" altLang="en-US" sz="1400" dirty="0"/>
+          </a:p>
+        </p:txBody>
+      </p:sp>
+      <p:sp>
+        <p:nvSpPr>
+          <p:cNvPr id="136" name="矩形 135">
+            <a:extLst>
+              <a:ext uri="{FF2B5EF4-FFF2-40B4-BE49-F238E27FC236}">
+                <a16:creationId xmlns:a16="http://schemas.microsoft.com/office/drawing/2014/main" id="{75B4CC28-EBD4-4646-9915-8E83E01D7DC9}"/>
+              </a:ext>
+            </a:extLst>
+          </p:cNvPr>
+          <p:cNvSpPr/>
+          <p:nvPr/>
+        </p:nvSpPr>
+        <p:spPr>
+          <a:xfrm>
+            <a:off x="1388364" y="1541292"/>
+            <a:ext cx="602608" cy="1741080"/>
+          </a:xfrm>
+          <a:prstGeom prst="rect">
+            <a:avLst/>
+          </a:prstGeom>
+        </p:spPr>
+        <p:style>
+          <a:lnRef idx="2">
+            <a:schemeClr val="accent3">
+              <a:shade val="50000"/>
+            </a:schemeClr>
+          </a:lnRef>
+          <a:fillRef idx="1">
+            <a:schemeClr val="accent3"/>
+          </a:fillRef>
+          <a:effectRef idx="0">
+            <a:schemeClr val="accent3"/>
+          </a:effectRef>
+          <a:fontRef idx="minor">
+            <a:schemeClr val="lt1"/>
+          </a:fontRef>
+        </p:style>
+        <p:txBody>
+          <a:bodyPr rtlCol="0" anchor="ctr"/>
+          <a:lstStyle/>
+          <a:p>
+            <a:pPr algn="ctr"/>
+            <a:r>
+              <a:rPr lang="en-US" altLang="zh-CN" sz="1400" dirty="0" err="1"/>
+              <a:t>Cmd</a:t>
+            </a:r>
+            <a:endParaRPr lang="zh-CN" altLang="en-US" sz="1400" dirty="0"/>
+          </a:p>
+        </p:txBody>
+      </p:sp>
+      <p:cxnSp>
+        <p:nvCxnSpPr>
+          <p:cNvPr id="138" name="直接箭头连接符 137">
+            <a:extLst>
+              <a:ext uri="{FF2B5EF4-FFF2-40B4-BE49-F238E27FC236}">
+                <a16:creationId xmlns:a16="http://schemas.microsoft.com/office/drawing/2014/main" id="{FA9E6563-F527-411F-800B-C382985FC12D}"/>
+              </a:ext>
+            </a:extLst>
+          </p:cNvPr>
+          <p:cNvCxnSpPr>
+            <a:cxnSpLocks/>
+            <a:stCxn id="132" idx="3"/>
+            <a:endCxn id="136" idx="1"/>
+          </p:cNvCxnSpPr>
+          <p:nvPr/>
+        </p:nvCxnSpPr>
+        <p:spPr>
+          <a:xfrm>
+            <a:off x="1066079" y="2411832"/>
+            <a:ext cx="322285" cy="0"/>
+          </a:xfrm>
+          <a:prstGeom prst="straightConnector1">
+            <a:avLst/>
+          </a:prstGeom>
+          <a:ln>
+            <a:tailEnd type="triangle"/>
+          </a:ln>
+        </p:spPr>
+        <p:style>
+          <a:lnRef idx="1">
+            <a:schemeClr val="accent1"/>
+          </a:lnRef>
+          <a:fillRef idx="0">
+            <a:schemeClr val="accent1"/>
+          </a:fillRef>
+          <a:effectRef idx="0">
+            <a:schemeClr val="accent1"/>
+          </a:effectRef>
+          <a:fontRef idx="minor">
+            <a:schemeClr val="tx1"/>
+          </a:fontRef>
+        </p:style>
+      </p:cxnSp>
+      <p:sp>
+        <p:nvSpPr>
+          <p:cNvPr id="139" name="矩形 138">
+            <a:extLst>
+              <a:ext uri="{FF2B5EF4-FFF2-40B4-BE49-F238E27FC236}">
+                <a16:creationId xmlns:a16="http://schemas.microsoft.com/office/drawing/2014/main" id="{71796163-4E76-4936-BD2D-F000BAEBC584}"/>
+              </a:ext>
+            </a:extLst>
+          </p:cNvPr>
+          <p:cNvSpPr/>
+          <p:nvPr/>
+        </p:nvSpPr>
+        <p:spPr>
+          <a:xfrm>
+            <a:off x="8342024" y="2026055"/>
+            <a:ext cx="1240543" cy="809006"/>
+          </a:xfrm>
+          <a:prstGeom prst="rect">
+            <a:avLst/>
+          </a:prstGeom>
+        </p:spPr>
+        <p:style>
+          <a:lnRef idx="2">
+            <a:schemeClr val="accent1">
+              <a:shade val="50000"/>
+            </a:schemeClr>
+          </a:lnRef>
+          <a:fillRef idx="1">
+            <a:schemeClr val="accent1"/>
+          </a:fillRef>
+          <a:effectRef idx="0">
+            <a:schemeClr val="accent1"/>
+          </a:effectRef>
+          <a:fontRef idx="minor">
+            <a:schemeClr val="lt1"/>
+          </a:fontRef>
+        </p:style>
+        <p:txBody>
+          <a:bodyPr rtlCol="0" anchor="ctr"/>
+          <a:lstStyle/>
+          <a:p>
+            <a:pPr algn="ctr"/>
+            <a:r>
+              <a:rPr lang="en-US" altLang="zh-CN" dirty="0"/>
+              <a:t>Adaptive</a:t>
+            </a:r>
+            <a:endParaRPr lang="zh-CN" altLang="en-US" dirty="0"/>
+          </a:p>
+        </p:txBody>
+      </p:sp>
+      <p:sp>
+        <p:nvSpPr>
+          <p:cNvPr id="140" name="矩形 139">
+            <a:extLst>
+              <a:ext uri="{FF2B5EF4-FFF2-40B4-BE49-F238E27FC236}">
+                <a16:creationId xmlns:a16="http://schemas.microsoft.com/office/drawing/2014/main" id="{8B41CDAD-998B-423B-87E0-CC56D6DEF4CA}"/>
+              </a:ext>
+            </a:extLst>
+          </p:cNvPr>
+          <p:cNvSpPr/>
+          <p:nvPr/>
+        </p:nvSpPr>
+        <p:spPr>
+          <a:xfrm>
+            <a:off x="3629432" y="1543447"/>
+            <a:ext cx="1147818" cy="1738923"/>
+          </a:xfrm>
+          <a:prstGeom prst="rect">
+            <a:avLst/>
+          </a:prstGeom>
+        </p:spPr>
+        <p:style>
+          <a:lnRef idx="2">
+            <a:schemeClr val="accent1">
+              <a:shade val="50000"/>
+            </a:schemeClr>
+          </a:lnRef>
+          <a:fillRef idx="1">
+            <a:schemeClr val="accent1"/>
+          </a:fillRef>
+          <a:effectRef idx="0">
+            <a:schemeClr val="accent1"/>
+          </a:effectRef>
+          <a:fontRef idx="minor">
+            <a:schemeClr val="lt1"/>
+          </a:fontRef>
+        </p:style>
+        <p:txBody>
+          <a:bodyPr rtlCol="0" anchor="ctr"/>
+          <a:lstStyle/>
+          <a:p>
+            <a:pPr algn="ctr"/>
+            <a:r>
+              <a:rPr lang="en-US" altLang="zh-CN" dirty="0"/>
+              <a:t>Request</a:t>
+            </a:r>
+          </a:p>
+          <a:p>
+            <a:pPr algn="ctr"/>
+            <a:r>
+              <a:rPr lang="en-US" altLang="zh-CN" dirty="0"/>
+              <a:t>Processor</a:t>
+            </a:r>
+            <a:endParaRPr lang="zh-CN" altLang="en-US" dirty="0"/>
+          </a:p>
+        </p:txBody>
+      </p:sp>
+      <p:cxnSp>
+        <p:nvCxnSpPr>
+          <p:cNvPr id="141" name="直接箭头连接符 140">
+            <a:extLst>
+              <a:ext uri="{FF2B5EF4-FFF2-40B4-BE49-F238E27FC236}">
+                <a16:creationId xmlns:a16="http://schemas.microsoft.com/office/drawing/2014/main" id="{773A53DF-50E5-4AD7-8D88-E79EC9B65F07}"/>
+              </a:ext>
+            </a:extLst>
+          </p:cNvPr>
+          <p:cNvCxnSpPr>
+            <a:cxnSpLocks/>
+            <a:stCxn id="140" idx="3"/>
+            <a:endCxn id="129" idx="3"/>
+          </p:cNvCxnSpPr>
+          <p:nvPr/>
+        </p:nvCxnSpPr>
+        <p:spPr>
+          <a:xfrm flipV="1">
+            <a:off x="4777250" y="1653009"/>
+            <a:ext cx="2057336" cy="759900"/>
+          </a:xfrm>
+          <a:prstGeom prst="straightConnector1">
+            <a:avLst/>
+          </a:prstGeom>
+          <a:ln w="28575">
+            <a:tailEnd type="triangle"/>
+          </a:ln>
+        </p:spPr>
+        <p:style>
+          <a:lnRef idx="2">
+            <a:schemeClr val="accent6"/>
+          </a:lnRef>
+          <a:fillRef idx="0">
+            <a:schemeClr val="accent6"/>
+          </a:fillRef>
+          <a:effectRef idx="1">
+            <a:schemeClr val="accent6"/>
+          </a:effectRef>
+          <a:fontRef idx="minor">
+            <a:schemeClr val="tx1"/>
+          </a:fontRef>
+        </p:style>
+      </p:cxnSp>
+      <p:cxnSp>
+        <p:nvCxnSpPr>
+          <p:cNvPr id="142" name="直接箭头连接符 141">
+            <a:extLst>
+              <a:ext uri="{FF2B5EF4-FFF2-40B4-BE49-F238E27FC236}">
+                <a16:creationId xmlns:a16="http://schemas.microsoft.com/office/drawing/2014/main" id="{09A95B6D-FD5A-405B-B8A6-C09546D2C75C}"/>
+              </a:ext>
+            </a:extLst>
+          </p:cNvPr>
+          <p:cNvCxnSpPr>
+            <a:cxnSpLocks/>
+            <a:stCxn id="129" idx="3"/>
+            <a:endCxn id="139" idx="0"/>
+          </p:cNvCxnSpPr>
+          <p:nvPr/>
+        </p:nvCxnSpPr>
+        <p:spPr>
+          <a:xfrm>
+            <a:off x="6834586" y="1653009"/>
+            <a:ext cx="2127710" cy="373046"/>
+          </a:xfrm>
+          <a:prstGeom prst="straightConnector1">
+            <a:avLst/>
+          </a:prstGeom>
+          <a:ln w="28575">
+            <a:tailEnd type="triangle"/>
+          </a:ln>
+        </p:spPr>
+        <p:style>
+          <a:lnRef idx="2">
+            <a:schemeClr val="accent6"/>
+          </a:lnRef>
+          <a:fillRef idx="0">
+            <a:schemeClr val="accent6"/>
+          </a:fillRef>
+          <a:effectRef idx="1">
+            <a:schemeClr val="accent6"/>
+          </a:effectRef>
+          <a:fontRef idx="minor">
+            <a:schemeClr val="tx1"/>
+          </a:fontRef>
+        </p:style>
+      </p:cxnSp>
+      <p:cxnSp>
+        <p:nvCxnSpPr>
+          <p:cNvPr id="143" name="直接箭头连接符 142">
+            <a:extLst>
+              <a:ext uri="{FF2B5EF4-FFF2-40B4-BE49-F238E27FC236}">
+                <a16:creationId xmlns:a16="http://schemas.microsoft.com/office/drawing/2014/main" id="{52ED35B8-BB3F-4E85-A202-960BADF4A145}"/>
+              </a:ext>
+            </a:extLst>
+          </p:cNvPr>
+          <p:cNvCxnSpPr>
+            <a:cxnSpLocks/>
+            <a:stCxn id="128" idx="3"/>
+            <a:endCxn id="139" idx="1"/>
+          </p:cNvCxnSpPr>
+          <p:nvPr/>
+        </p:nvCxnSpPr>
+        <p:spPr>
+          <a:xfrm>
+            <a:off x="7532579" y="2418193"/>
+            <a:ext cx="809445" cy="12365"/>
+          </a:xfrm>
+          <a:prstGeom prst="straightConnector1">
+            <a:avLst/>
+          </a:prstGeom>
+          <a:ln w="38100" cap="flat" cmpd="sng" algn="ctr">
+            <a:solidFill>
+              <a:srgbClr val="FFC000"/>
+            </a:solidFill>
+            <a:prstDash val="dash"/>
+            <a:round/>
+            <a:headEnd type="none" w="med" len="med"/>
+            <a:tailEnd type="none" w="med" len="med"/>
+          </a:ln>
+        </p:spPr>
+        <p:style>
+          <a:lnRef idx="0">
+            <a:scrgbClr r="0" g="0" b="0"/>
+          </a:lnRef>
+          <a:fillRef idx="0">
+            <a:scrgbClr r="0" g="0" b="0"/>
+          </a:fillRef>
+          <a:effectRef idx="0">
+            <a:scrgbClr r="0" g="0" b="0"/>
+          </a:effectRef>
+          <a:fontRef idx="minor">
+            <a:schemeClr val="tx1"/>
+          </a:fontRef>
+        </p:style>
+      </p:cxnSp>
+      <p:cxnSp>
+        <p:nvCxnSpPr>
+          <p:cNvPr id="144" name="直接箭头连接符 143">
+            <a:extLst>
+              <a:ext uri="{FF2B5EF4-FFF2-40B4-BE49-F238E27FC236}">
+                <a16:creationId xmlns:a16="http://schemas.microsoft.com/office/drawing/2014/main" id="{2394FA7A-AF39-46E8-B866-C1D7052F993C}"/>
+              </a:ext>
+            </a:extLst>
+          </p:cNvPr>
+          <p:cNvCxnSpPr>
+            <a:cxnSpLocks/>
+            <a:stCxn id="128" idx="1"/>
+            <a:endCxn id="140" idx="3"/>
+          </p:cNvCxnSpPr>
+          <p:nvPr/>
+        </p:nvCxnSpPr>
+        <p:spPr>
+          <a:xfrm flipH="1" flipV="1">
+            <a:off x="4777250" y="2412909"/>
+            <a:ext cx="1121743" cy="5284"/>
+          </a:xfrm>
+          <a:prstGeom prst="straightConnector1">
+            <a:avLst/>
+          </a:prstGeom>
+          <a:ln w="38100" cap="flat" cmpd="sng" algn="ctr">
+            <a:solidFill>
+              <a:srgbClr val="FFC000"/>
+            </a:solidFill>
+            <a:prstDash val="dash"/>
+            <a:round/>
+            <a:headEnd type="none" w="med" len="med"/>
+            <a:tailEnd type="none" w="med" len="med"/>
+          </a:ln>
+        </p:spPr>
+        <p:style>
+          <a:lnRef idx="0">
+            <a:scrgbClr r="0" g="0" b="0"/>
+          </a:lnRef>
+          <a:fillRef idx="0">
+            <a:scrgbClr r="0" g="0" b="0"/>
+          </a:fillRef>
+          <a:effectRef idx="0">
+            <a:scrgbClr r="0" g="0" b="0"/>
+          </a:effectRef>
+          <a:fontRef idx="minor">
+            <a:schemeClr val="tx1"/>
+          </a:fontRef>
+        </p:style>
+      </p:cxnSp>
+      <p:sp>
+        <p:nvSpPr>
+          <p:cNvPr id="145" name="文本框 144">
+            <a:extLst>
+              <a:ext uri="{FF2B5EF4-FFF2-40B4-BE49-F238E27FC236}">
+                <a16:creationId xmlns:a16="http://schemas.microsoft.com/office/drawing/2014/main" id="{2C9BBBC5-4139-4B34-B289-28827A73D1AF}"/>
+              </a:ext>
+            </a:extLst>
+          </p:cNvPr>
+          <p:cNvSpPr txBox="1"/>
+          <p:nvPr/>
+        </p:nvSpPr>
+        <p:spPr>
+          <a:xfrm>
+            <a:off x="4905330" y="2599767"/>
+            <a:ext cx="1628972" cy="461665"/>
+          </a:xfrm>
+          <a:prstGeom prst="rect">
+            <a:avLst/>
+          </a:prstGeom>
+          <a:noFill/>
+        </p:spPr>
+        <p:txBody>
+          <a:bodyPr wrap="none" rtlCol="0">
+            <a:spAutoFit/>
+          </a:bodyPr>
+          <a:lstStyle/>
+          <a:p>
+            <a:r>
+              <a:rPr lang="en-US" altLang="zh-CN" sz="1200" b="1" dirty="0">
+                <a:effectLst/>
+                <a:latin typeface="Consolas" panose="020B0609020204030204" pitchFamily="49" charset="0"/>
+              </a:rPr>
+              <a:t>CMD_TYPE_ADD_SFCI</a:t>
+            </a:r>
+          </a:p>
+          <a:p>
+            <a:r>
+              <a:rPr lang="en-US" altLang="zh-CN" sz="1200" b="1" dirty="0">
+                <a:effectLst/>
+                <a:latin typeface="Consolas" panose="020B0609020204030204" pitchFamily="49" charset="0"/>
+              </a:rPr>
+              <a:t>CMD_TYPE_DEL_SFC</a:t>
+            </a:r>
+          </a:p>
+        </p:txBody>
+      </p:sp>
+      <p:sp>
+        <p:nvSpPr>
+          <p:cNvPr id="146" name="文本框 145">
+            <a:extLst>
+              <a:ext uri="{FF2B5EF4-FFF2-40B4-BE49-F238E27FC236}">
+                <a16:creationId xmlns:a16="http://schemas.microsoft.com/office/drawing/2014/main" id="{4E30BAC3-42D9-4DF7-A36C-522FB2893527}"/>
+              </a:ext>
+            </a:extLst>
+          </p:cNvPr>
+          <p:cNvSpPr txBox="1"/>
+          <p:nvPr/>
+        </p:nvSpPr>
+        <p:spPr>
+          <a:xfrm>
+            <a:off x="7326941" y="2572944"/>
+            <a:ext cx="1628972" cy="461665"/>
+          </a:xfrm>
+          <a:prstGeom prst="rect">
+            <a:avLst/>
+          </a:prstGeom>
+          <a:noFill/>
+        </p:spPr>
+        <p:txBody>
+          <a:bodyPr wrap="none" rtlCol="0">
+            <a:spAutoFit/>
+          </a:bodyPr>
+          <a:lstStyle/>
+          <a:p>
+            <a:r>
+              <a:rPr lang="en-US" altLang="zh-CN" sz="1200" b="1" dirty="0">
+                <a:effectLst/>
+                <a:latin typeface="Consolas" panose="020B0609020204030204" pitchFamily="49" charset="0"/>
+              </a:rPr>
+              <a:t>CMD_TYPE_ADD_SFCI</a:t>
+            </a:r>
+          </a:p>
+          <a:p>
+            <a:r>
+              <a:rPr lang="en-US" altLang="zh-CN" sz="1200" b="1" dirty="0">
+                <a:effectLst/>
+                <a:latin typeface="Consolas" panose="020B0609020204030204" pitchFamily="49" charset="0"/>
+              </a:rPr>
+              <a:t>CMD_TYPE_DEL_SFCI</a:t>
+            </a:r>
+          </a:p>
+        </p:txBody>
+      </p:sp>
+      <p:cxnSp>
+        <p:nvCxnSpPr>
+          <p:cNvPr id="147" name="直接箭头连接符 146">
+            <a:extLst>
+              <a:ext uri="{FF2B5EF4-FFF2-40B4-BE49-F238E27FC236}">
+                <a16:creationId xmlns:a16="http://schemas.microsoft.com/office/drawing/2014/main" id="{1CF77096-CB93-44C6-8FF7-A95F3D97E0CA}"/>
+              </a:ext>
+            </a:extLst>
+          </p:cNvPr>
+          <p:cNvCxnSpPr>
+            <a:cxnSpLocks/>
+            <a:stCxn id="129" idx="3"/>
+            <a:endCxn id="131" idx="0"/>
+          </p:cNvCxnSpPr>
+          <p:nvPr/>
+        </p:nvCxnSpPr>
+        <p:spPr>
+          <a:xfrm>
+            <a:off x="6834586" y="1653009"/>
+            <a:ext cx="4117882" cy="368594"/>
+          </a:xfrm>
+          <a:prstGeom prst="straightConnector1">
+            <a:avLst/>
+          </a:prstGeom>
+          <a:ln w="28575">
+            <a:tailEnd type="triangle"/>
+          </a:ln>
+        </p:spPr>
+        <p:style>
+          <a:lnRef idx="2">
+            <a:schemeClr val="accent6"/>
+          </a:lnRef>
+          <a:fillRef idx="0">
+            <a:schemeClr val="accent6"/>
+          </a:fillRef>
+          <a:effectRef idx="1">
+            <a:schemeClr val="accent6"/>
+          </a:effectRef>
+          <a:fontRef idx="minor">
+            <a:schemeClr val="tx1"/>
+          </a:fontRef>
+        </p:style>
+      </p:cxnSp>
+      <p:sp>
+        <p:nvSpPr>
+          <p:cNvPr id="148" name="矩形: 圆角 147">
+            <a:extLst>
+              <a:ext uri="{FF2B5EF4-FFF2-40B4-BE49-F238E27FC236}">
+                <a16:creationId xmlns:a16="http://schemas.microsoft.com/office/drawing/2014/main" id="{34F66F97-25AA-4E64-A595-34621CE887EC}"/>
+              </a:ext>
+            </a:extLst>
+          </p:cNvPr>
+          <p:cNvSpPr/>
+          <p:nvPr/>
+        </p:nvSpPr>
+        <p:spPr>
+          <a:xfrm>
+            <a:off x="5805918" y="136284"/>
+            <a:ext cx="2319455" cy="737082"/>
+          </a:xfrm>
+          <a:prstGeom prst="roundRect">
+            <a:avLst/>
+          </a:prstGeom>
+        </p:spPr>
+        <p:style>
+          <a:lnRef idx="2">
+            <a:schemeClr val="accent1"/>
+          </a:lnRef>
+          <a:fillRef idx="1">
+            <a:schemeClr val="lt1"/>
+          </a:fillRef>
+          <a:effectRef idx="0">
+            <a:schemeClr val="accent1"/>
+          </a:effectRef>
+          <a:fontRef idx="minor">
+            <a:schemeClr val="dk1"/>
+          </a:fontRef>
+        </p:style>
+        <p:txBody>
+          <a:bodyPr rtlCol="0" anchor="ctr"/>
+          <a:lstStyle/>
+          <a:p>
+            <a:pPr marL="285750" indent="-285750">
+              <a:buFont typeface="Arial" panose="020B0604020202020204" pitchFamily="34" charset="0"/>
+              <a:buChar char="•"/>
+            </a:pPr>
+            <a:r>
+              <a:rPr lang="en-US" altLang="zh-CN" sz="1400" dirty="0"/>
+              <a:t>SFC request Table</a:t>
+            </a:r>
+          </a:p>
+          <a:p>
+            <a:pPr marL="285750" indent="-285750">
+              <a:buFont typeface="Arial" panose="020B0604020202020204" pitchFamily="34" charset="0"/>
+              <a:buChar char="•"/>
+            </a:pPr>
+            <a:r>
+              <a:rPr lang="en-US" altLang="zh-CN" sz="1400" dirty="0"/>
+              <a:t>SFCI Table</a:t>
+            </a:r>
+          </a:p>
+          <a:p>
+            <a:pPr marL="285750" indent="-285750">
+              <a:buFont typeface="Arial" panose="020B0604020202020204" pitchFamily="34" charset="0"/>
+              <a:buChar char="•"/>
+            </a:pPr>
+            <a:r>
+              <a:rPr lang="en-US" altLang="zh-CN" sz="1400" dirty="0"/>
+              <a:t>Zone Table</a:t>
+            </a:r>
+          </a:p>
+        </p:txBody>
+      </p:sp>
+      <p:cxnSp>
+        <p:nvCxnSpPr>
+          <p:cNvPr id="149" name="直接箭头连接符 148">
+            <a:extLst>
+              <a:ext uri="{FF2B5EF4-FFF2-40B4-BE49-F238E27FC236}">
+                <a16:creationId xmlns:a16="http://schemas.microsoft.com/office/drawing/2014/main" id="{7679EF0A-8DDB-4FD6-8E2B-A95D45FA0C07}"/>
+              </a:ext>
+            </a:extLst>
+          </p:cNvPr>
+          <p:cNvCxnSpPr>
+            <a:cxnSpLocks/>
+            <a:stCxn id="83" idx="0"/>
+            <a:endCxn id="128" idx="2"/>
+          </p:cNvCxnSpPr>
+          <p:nvPr/>
+        </p:nvCxnSpPr>
+        <p:spPr>
+          <a:xfrm flipV="1">
+            <a:off x="6108854" y="2835061"/>
+            <a:ext cx="606932" cy="934676"/>
+          </a:xfrm>
+          <a:prstGeom prst="straightConnector1">
+            <a:avLst/>
+          </a:prstGeom>
+          <a:ln w="38100" cap="flat" cmpd="sng" algn="ctr">
+            <a:solidFill>
+              <a:srgbClr val="FFC000"/>
+            </a:solidFill>
+            <a:prstDash val="dash"/>
+            <a:round/>
+            <a:headEnd type="none" w="med" len="med"/>
+            <a:tailEnd type="none" w="med" len="med"/>
+          </a:ln>
+        </p:spPr>
+        <p:style>
+          <a:lnRef idx="0">
+            <a:scrgbClr r="0" g="0" b="0"/>
+          </a:lnRef>
+          <a:fillRef idx="0">
+            <a:scrgbClr r="0" g="0" b="0"/>
+          </a:fillRef>
+          <a:effectRef idx="0">
+            <a:scrgbClr r="0" g="0" b="0"/>
+          </a:effectRef>
+          <a:fontRef idx="minor">
+            <a:schemeClr val="tx1"/>
+          </a:fontRef>
+        </p:style>
+      </p:cxnSp>
+      <p:cxnSp>
+        <p:nvCxnSpPr>
+          <p:cNvPr id="152" name="直接箭头连接符 151">
+            <a:extLst>
+              <a:ext uri="{FF2B5EF4-FFF2-40B4-BE49-F238E27FC236}">
+                <a16:creationId xmlns:a16="http://schemas.microsoft.com/office/drawing/2014/main" id="{3763F01C-7D3F-4091-98C1-1AD796602EAF}"/>
+              </a:ext>
+            </a:extLst>
+          </p:cNvPr>
+          <p:cNvCxnSpPr>
+            <a:cxnSpLocks/>
+            <a:stCxn id="83" idx="0"/>
+            <a:endCxn id="131" idx="2"/>
+          </p:cNvCxnSpPr>
+          <p:nvPr/>
+        </p:nvCxnSpPr>
+        <p:spPr>
+          <a:xfrm flipV="1">
+            <a:off x="6108854" y="2830609"/>
+            <a:ext cx="4843614" cy="939128"/>
+          </a:xfrm>
+          <a:prstGeom prst="straightConnector1">
+            <a:avLst/>
+          </a:prstGeom>
+          <a:ln w="38100" cap="flat" cmpd="sng" algn="ctr">
+            <a:solidFill>
+              <a:srgbClr val="FFC000"/>
+            </a:solidFill>
+            <a:prstDash val="dash"/>
+            <a:round/>
+            <a:headEnd type="none" w="med" len="med"/>
+            <a:tailEnd type="none" w="med" len="med"/>
+          </a:ln>
+        </p:spPr>
+        <p:style>
+          <a:lnRef idx="0">
+            <a:scrgbClr r="0" g="0" b="0"/>
+          </a:lnRef>
+          <a:fillRef idx="0">
+            <a:scrgbClr r="0" g="0" b="0"/>
+          </a:fillRef>
+          <a:effectRef idx="0">
+            <a:scrgbClr r="0" g="0" b="0"/>
+          </a:effectRef>
+          <a:fontRef idx="minor">
+            <a:schemeClr val="tx1"/>
+          </a:fontRef>
+        </p:style>
+      </p:cxnSp>
+    </p:spTree>
+    <p:extLst>
+      <p:ext uri="{BB962C8B-B14F-4D97-AF65-F5344CB8AC3E}">
+        <p14:creationId xmlns:p14="http://schemas.microsoft.com/office/powerpoint/2010/main" val="2849545697"/>
+      </p:ext>
+    </p:extLst>
+  </p:cSld>
+  <p:clrMapOvr>
+    <a:masterClrMapping/>
+  </p:clrMapOvr>
+</p:sld>
+</file>
+
+<file path=ppt/slides/slide15.xml><?xml version="1.0" encoding="utf-8"?>
+<p:sld xmlns:a="http://schemas.openxmlformats.org/drawingml/2006/main" xmlns:r="http://schemas.openxmlformats.org/officeDocument/2006/relationships" xmlns:p="http://schemas.openxmlformats.org/presentationml/2006/main">
+  <p:cSld>
+    <p:spTree>
+      <p:nvGrpSpPr>
+        <p:cNvPr id="1" name=""/>
+        <p:cNvGrpSpPr/>
+        <p:nvPr/>
+      </p:nvGrpSpPr>
+      <p:grpSpPr>
+        <a:xfrm>
+          <a:off x="0" y="0"/>
+          <a:ext cx="0" cy="0"/>
+          <a:chOff x="0" y="0"/>
+          <a:chExt cx="0" cy="0"/>
+        </a:xfrm>
+      </p:grpSpPr>
+      <p:sp>
+        <p:nvSpPr>
+          <p:cNvPr id="2" name="标题 1">
+            <a:extLst>
+              <a:ext uri="{FF2B5EF4-FFF2-40B4-BE49-F238E27FC236}">
+                <a16:creationId xmlns:a16="http://schemas.microsoft.com/office/drawing/2014/main" id="{1A4B3B71-C0EB-42C4-80E2-8B6EF4740F01}"/>
+              </a:ext>
+            </a:extLst>
+          </p:cNvPr>
+          <p:cNvSpPr>
+            <a:spLocks noGrp="1"/>
+          </p:cNvSpPr>
+          <p:nvPr>
+            <p:ph type="title"/>
+          </p:nvPr>
+        </p:nvSpPr>
+        <p:spPr/>
+        <p:txBody>
+          <a:bodyPr/>
+          <a:lstStyle/>
+          <a:p>
+            <a:r>
+              <a:rPr lang="en-US" altLang="zh-CN" dirty="0"/>
+              <a:t>SFC Request State</a:t>
+            </a:r>
+            <a:endParaRPr lang="zh-CN" altLang="en-US" dirty="0"/>
+          </a:p>
+        </p:txBody>
+      </p:sp>
+      <p:sp>
+        <p:nvSpPr>
+          <p:cNvPr id="4" name="椭圆 3">
+            <a:extLst>
+              <a:ext uri="{FF2B5EF4-FFF2-40B4-BE49-F238E27FC236}">
+                <a16:creationId xmlns:a16="http://schemas.microsoft.com/office/drawing/2014/main" id="{3FA1D28B-8EAC-4377-B1A9-62683C132555}"/>
+              </a:ext>
+            </a:extLst>
+          </p:cNvPr>
+          <p:cNvSpPr/>
+          <p:nvPr/>
+        </p:nvSpPr>
+        <p:spPr>
+          <a:xfrm>
+            <a:off x="2024109" y="3053919"/>
+            <a:ext cx="1049784" cy="1049784"/>
+          </a:xfrm>
+          <a:prstGeom prst="ellipse">
+            <a:avLst/>
+          </a:prstGeom>
+          <a:ln w="38100"/>
+        </p:spPr>
+        <p:style>
+          <a:lnRef idx="2">
+            <a:schemeClr val="dk1"/>
+          </a:lnRef>
+          <a:fillRef idx="1">
+            <a:schemeClr val="lt1"/>
+          </a:fillRef>
+          <a:effectRef idx="0">
+            <a:schemeClr val="dk1"/>
+          </a:effectRef>
+          <a:fontRef idx="minor">
+            <a:schemeClr val="dk1"/>
+          </a:fontRef>
+        </p:style>
+        <p:txBody>
+          <a:bodyPr rtlCol="0" anchor="ctr"/>
+          <a:lstStyle/>
+          <a:p>
+            <a:pPr algn="ctr"/>
+            <a:r>
+              <a:rPr lang="en-US" altLang="zh-CN" dirty="0"/>
+              <a:t>Initial</a:t>
+            </a:r>
+            <a:endParaRPr lang="zh-CN" altLang="en-US" dirty="0"/>
+          </a:p>
+        </p:txBody>
+      </p:sp>
+      <p:sp>
+        <p:nvSpPr>
+          <p:cNvPr id="5" name="椭圆 4">
+            <a:extLst>
+              <a:ext uri="{FF2B5EF4-FFF2-40B4-BE49-F238E27FC236}">
+                <a16:creationId xmlns:a16="http://schemas.microsoft.com/office/drawing/2014/main" id="{28E610B5-550C-42BD-81DF-B96D1B72736C}"/>
+              </a:ext>
+            </a:extLst>
+          </p:cNvPr>
+          <p:cNvSpPr/>
+          <p:nvPr/>
+        </p:nvSpPr>
+        <p:spPr>
+          <a:xfrm>
+            <a:off x="5149047" y="3053919"/>
+            <a:ext cx="1049784" cy="1049784"/>
+          </a:xfrm>
+          <a:prstGeom prst="ellipse">
+            <a:avLst/>
+          </a:prstGeom>
+          <a:ln w="38100"/>
+        </p:spPr>
+        <p:style>
+          <a:lnRef idx="2">
+            <a:schemeClr val="dk1"/>
+          </a:lnRef>
+          <a:fillRef idx="1">
+            <a:schemeClr val="lt1"/>
+          </a:fillRef>
+          <a:effectRef idx="0">
+            <a:schemeClr val="dk1"/>
+          </a:effectRef>
+          <a:fontRef idx="minor">
+            <a:schemeClr val="dk1"/>
+          </a:fontRef>
+        </p:style>
+        <p:txBody>
+          <a:bodyPr rtlCol="0" anchor="ctr"/>
+          <a:lstStyle/>
+          <a:p>
+            <a:pPr algn="ctr"/>
+            <a:r>
+              <a:rPr lang="en-US" altLang="zh-CN" dirty="0"/>
+              <a:t>In Processing</a:t>
+            </a:r>
+            <a:endParaRPr lang="zh-CN" altLang="en-US" dirty="0"/>
+          </a:p>
+        </p:txBody>
+      </p:sp>
+      <p:cxnSp>
+        <p:nvCxnSpPr>
+          <p:cNvPr id="7" name="直接箭头连接符 6">
+            <a:extLst>
+              <a:ext uri="{FF2B5EF4-FFF2-40B4-BE49-F238E27FC236}">
+                <a16:creationId xmlns:a16="http://schemas.microsoft.com/office/drawing/2014/main" id="{42089E05-1382-4D70-B802-43E9E6D4F593}"/>
+              </a:ext>
+            </a:extLst>
+          </p:cNvPr>
+          <p:cNvCxnSpPr>
+            <a:cxnSpLocks/>
+            <a:stCxn id="4" idx="6"/>
+            <a:endCxn id="5" idx="2"/>
+          </p:cNvCxnSpPr>
+          <p:nvPr/>
+        </p:nvCxnSpPr>
+        <p:spPr>
+          <a:xfrm>
+            <a:off x="3073893" y="3578811"/>
+            <a:ext cx="2075154" cy="0"/>
+          </a:xfrm>
+          <a:prstGeom prst="straightConnector1">
+            <a:avLst/>
+          </a:prstGeom>
+          <a:ln w="38100" cap="flat" cmpd="sng" algn="ctr">
+            <a:solidFill>
+              <a:schemeClr val="dk1"/>
+            </a:solidFill>
+            <a:prstDash val="solid"/>
+            <a:round/>
+            <a:headEnd type="none" w="med" len="med"/>
+            <a:tailEnd type="arrow" w="med" len="med"/>
+          </a:ln>
+        </p:spPr>
+        <p:style>
+          <a:lnRef idx="0">
+            <a:scrgbClr r="0" g="0" b="0"/>
+          </a:lnRef>
+          <a:fillRef idx="0">
+            <a:scrgbClr r="0" g="0" b="0"/>
+          </a:fillRef>
+          <a:effectRef idx="0">
+            <a:scrgbClr r="0" g="0" b="0"/>
+          </a:effectRef>
+          <a:fontRef idx="minor">
+            <a:schemeClr val="tx1"/>
+          </a:fontRef>
+        </p:style>
+      </p:cxnSp>
+      <p:sp>
+        <p:nvSpPr>
+          <p:cNvPr id="13" name="椭圆 12">
+            <a:extLst>
+              <a:ext uri="{FF2B5EF4-FFF2-40B4-BE49-F238E27FC236}">
+                <a16:creationId xmlns:a16="http://schemas.microsoft.com/office/drawing/2014/main" id="{AE4CF58B-16C5-4EEC-8103-18711618BE98}"/>
+              </a:ext>
+            </a:extLst>
+          </p:cNvPr>
+          <p:cNvSpPr/>
+          <p:nvPr/>
+        </p:nvSpPr>
+        <p:spPr>
+          <a:xfrm>
+            <a:off x="8060923" y="3053919"/>
+            <a:ext cx="1049784" cy="1049784"/>
+          </a:xfrm>
+          <a:prstGeom prst="ellipse">
+            <a:avLst/>
+          </a:prstGeom>
+          <a:ln w="38100"/>
+        </p:spPr>
+        <p:style>
+          <a:lnRef idx="2">
+            <a:schemeClr val="dk1"/>
+          </a:lnRef>
+          <a:fillRef idx="1">
+            <a:schemeClr val="lt1"/>
+          </a:fillRef>
+          <a:effectRef idx="0">
+            <a:schemeClr val="dk1"/>
+          </a:effectRef>
+          <a:fontRef idx="minor">
+            <a:schemeClr val="dk1"/>
+          </a:fontRef>
+        </p:style>
+        <p:txBody>
+          <a:bodyPr rtlCol="0" anchor="ctr"/>
+          <a:lstStyle/>
+          <a:p>
+            <a:pPr algn="ctr"/>
+            <a:r>
+              <a:rPr lang="en-US" altLang="zh-CN" dirty="0"/>
+              <a:t>Successful</a:t>
+            </a:r>
+            <a:endParaRPr lang="zh-CN" altLang="en-US" dirty="0"/>
+          </a:p>
+        </p:txBody>
+      </p:sp>
+      <p:cxnSp>
+        <p:nvCxnSpPr>
+          <p:cNvPr id="15" name="直接箭头连接符 14">
+            <a:extLst>
+              <a:ext uri="{FF2B5EF4-FFF2-40B4-BE49-F238E27FC236}">
+                <a16:creationId xmlns:a16="http://schemas.microsoft.com/office/drawing/2014/main" id="{C9A39C97-014D-4453-A961-74515B100125}"/>
+              </a:ext>
+            </a:extLst>
+          </p:cNvPr>
+          <p:cNvCxnSpPr>
+            <a:cxnSpLocks/>
+            <a:stCxn id="5" idx="6"/>
+            <a:endCxn id="13" idx="2"/>
+          </p:cNvCxnSpPr>
+          <p:nvPr/>
+        </p:nvCxnSpPr>
+        <p:spPr>
+          <a:xfrm>
+            <a:off x="6198831" y="3578811"/>
+            <a:ext cx="1862092" cy="0"/>
+          </a:xfrm>
+          <a:prstGeom prst="straightConnector1">
+            <a:avLst/>
+          </a:prstGeom>
+          <a:ln w="38100" cap="flat" cmpd="sng" algn="ctr">
+            <a:solidFill>
+              <a:schemeClr val="dk1"/>
+            </a:solidFill>
+            <a:prstDash val="solid"/>
+            <a:round/>
+            <a:headEnd type="none" w="med" len="med"/>
+            <a:tailEnd type="arrow" w="med" len="med"/>
+          </a:ln>
+        </p:spPr>
+        <p:style>
+          <a:lnRef idx="0">
+            <a:scrgbClr r="0" g="0" b="0"/>
+          </a:lnRef>
+          <a:fillRef idx="0">
+            <a:scrgbClr r="0" g="0" b="0"/>
+          </a:fillRef>
+          <a:effectRef idx="0">
+            <a:scrgbClr r="0" g="0" b="0"/>
+          </a:effectRef>
+          <a:fontRef idx="minor">
+            <a:schemeClr val="tx1"/>
+          </a:fontRef>
+        </p:style>
+      </p:cxnSp>
+      <p:sp>
+        <p:nvSpPr>
+          <p:cNvPr id="19" name="椭圆 18">
+            <a:extLst>
+              <a:ext uri="{FF2B5EF4-FFF2-40B4-BE49-F238E27FC236}">
+                <a16:creationId xmlns:a16="http://schemas.microsoft.com/office/drawing/2014/main" id="{7D86451F-13EF-45F1-9155-19ED1C230637}"/>
+              </a:ext>
+            </a:extLst>
+          </p:cNvPr>
+          <p:cNvSpPr/>
+          <p:nvPr/>
+        </p:nvSpPr>
+        <p:spPr>
+          <a:xfrm>
+            <a:off x="8060923" y="4785573"/>
+            <a:ext cx="1049784" cy="1049784"/>
+          </a:xfrm>
+          <a:prstGeom prst="ellipse">
+            <a:avLst/>
+          </a:prstGeom>
+          <a:ln w="38100"/>
+        </p:spPr>
+        <p:style>
+          <a:lnRef idx="2">
+            <a:schemeClr val="dk1"/>
+          </a:lnRef>
+          <a:fillRef idx="1">
+            <a:schemeClr val="lt1"/>
+          </a:fillRef>
+          <a:effectRef idx="0">
+            <a:schemeClr val="dk1"/>
+          </a:effectRef>
+          <a:fontRef idx="minor">
+            <a:schemeClr val="dk1"/>
+          </a:fontRef>
+        </p:style>
+        <p:txBody>
+          <a:bodyPr rtlCol="0" anchor="ctr"/>
+          <a:lstStyle/>
+          <a:p>
+            <a:pPr algn="ctr"/>
+            <a:r>
+              <a:rPr lang="en-US" altLang="zh-CN" dirty="0"/>
+              <a:t>Failed</a:t>
+            </a:r>
+            <a:endParaRPr lang="zh-CN" altLang="en-US" dirty="0"/>
+          </a:p>
+        </p:txBody>
+      </p:sp>
+      <p:cxnSp>
+        <p:nvCxnSpPr>
+          <p:cNvPr id="20" name="直接箭头连接符 19">
+            <a:extLst>
+              <a:ext uri="{FF2B5EF4-FFF2-40B4-BE49-F238E27FC236}">
+                <a16:creationId xmlns:a16="http://schemas.microsoft.com/office/drawing/2014/main" id="{D1C476BA-9912-46B4-AF32-D79C87501A73}"/>
+              </a:ext>
+            </a:extLst>
+          </p:cNvPr>
+          <p:cNvCxnSpPr>
+            <a:cxnSpLocks/>
+            <a:stCxn id="5" idx="6"/>
+            <a:endCxn id="19" idx="2"/>
+          </p:cNvCxnSpPr>
+          <p:nvPr/>
+        </p:nvCxnSpPr>
+        <p:spPr>
+          <a:xfrm>
+            <a:off x="6198831" y="3578811"/>
+            <a:ext cx="1862092" cy="1731654"/>
+          </a:xfrm>
+          <a:prstGeom prst="straightConnector1">
+            <a:avLst/>
+          </a:prstGeom>
+          <a:ln w="38100" cap="flat" cmpd="sng" algn="ctr">
+            <a:solidFill>
+              <a:schemeClr val="dk1"/>
+            </a:solidFill>
+            <a:prstDash val="solid"/>
+            <a:round/>
+            <a:headEnd type="none" w="med" len="med"/>
+            <a:tailEnd type="arrow" w="med" len="med"/>
+          </a:ln>
+        </p:spPr>
+        <p:style>
+          <a:lnRef idx="0">
+            <a:scrgbClr r="0" g="0" b="0"/>
+          </a:lnRef>
+          <a:fillRef idx="0">
+            <a:scrgbClr r="0" g="0" b="0"/>
+          </a:fillRef>
+          <a:effectRef idx="0">
+            <a:scrgbClr r="0" g="0" b="0"/>
+          </a:effectRef>
+          <a:fontRef idx="minor">
+            <a:schemeClr val="tx1"/>
+          </a:fontRef>
+        </p:style>
+      </p:cxnSp>
+      <p:sp>
+        <p:nvSpPr>
+          <p:cNvPr id="26" name="弧形 25">
+            <a:extLst>
+              <a:ext uri="{FF2B5EF4-FFF2-40B4-BE49-F238E27FC236}">
+                <a16:creationId xmlns:a16="http://schemas.microsoft.com/office/drawing/2014/main" id="{280767E4-7460-40A5-9455-86BDEA88404C}"/>
+              </a:ext>
+            </a:extLst>
+          </p:cNvPr>
+          <p:cNvSpPr/>
+          <p:nvPr/>
+        </p:nvSpPr>
+        <p:spPr>
+          <a:xfrm flipH="1">
+            <a:off x="5673939" y="2446121"/>
+            <a:ext cx="2955156" cy="1202561"/>
+          </a:xfrm>
+          <a:prstGeom prst="arc">
+            <a:avLst>
+              <a:gd name="adj1" fmla="val 10729381"/>
+              <a:gd name="adj2" fmla="val 0"/>
+            </a:avLst>
+          </a:prstGeom>
+          <a:ln w="38100" cap="flat" cmpd="sng" algn="ctr">
+            <a:solidFill>
+              <a:schemeClr val="dk1"/>
+            </a:solidFill>
+            <a:prstDash val="solid"/>
+            <a:round/>
+            <a:headEnd type="none" w="med" len="med"/>
+            <a:tailEnd type="arrow" w="med" len="med"/>
+          </a:ln>
+        </p:spPr>
+        <p:style>
+          <a:lnRef idx="0">
+            <a:scrgbClr r="0" g="0" b="0"/>
+          </a:lnRef>
+          <a:fillRef idx="0">
+            <a:scrgbClr r="0" g="0" b="0"/>
+          </a:fillRef>
+          <a:effectRef idx="0">
+            <a:scrgbClr r="0" g="0" b="0"/>
+          </a:effectRef>
+          <a:fontRef idx="minor">
+            <a:schemeClr val="tx1"/>
+          </a:fontRef>
+        </p:style>
+        <p:txBody>
+          <a:bodyPr rtlCol="0" anchor="ctr"/>
+          <a:lstStyle/>
+          <a:p>
+            <a:pPr algn="ctr"/>
+            <a:endParaRPr lang="zh-CN" altLang="en-US"/>
+          </a:p>
+        </p:txBody>
+      </p:sp>
+      <p:sp>
+        <p:nvSpPr>
+          <p:cNvPr id="27" name="文本框 26">
+            <a:extLst>
+              <a:ext uri="{FF2B5EF4-FFF2-40B4-BE49-F238E27FC236}">
+                <a16:creationId xmlns:a16="http://schemas.microsoft.com/office/drawing/2014/main" id="{89CE2E51-C651-4B9D-BADD-E3119228FA5D}"/>
+              </a:ext>
+            </a:extLst>
+          </p:cNvPr>
+          <p:cNvSpPr txBox="1"/>
+          <p:nvPr/>
+        </p:nvSpPr>
+        <p:spPr>
+          <a:xfrm>
+            <a:off x="6649375" y="1795589"/>
+            <a:ext cx="1107996" cy="646331"/>
+          </a:xfrm>
+          <a:prstGeom prst="rect">
+            <a:avLst/>
+          </a:prstGeom>
+          <a:noFill/>
+        </p:spPr>
+        <p:txBody>
+          <a:bodyPr wrap="none" rtlCol="0">
+            <a:spAutoFit/>
+          </a:bodyPr>
+          <a:lstStyle/>
+          <a:p>
+            <a:r>
+              <a:rPr lang="zh-CN" altLang="en-US" dirty="0"/>
+              <a:t>发生故障</a:t>
+            </a:r>
+            <a:endParaRPr lang="en-US" altLang="zh-CN" dirty="0"/>
+          </a:p>
+          <a:p>
+            <a:r>
+              <a:rPr lang="zh-CN" altLang="en-US" dirty="0"/>
+              <a:t>突发流量</a:t>
+            </a:r>
+          </a:p>
+        </p:txBody>
+      </p:sp>
+    </p:spTree>
+    <p:extLst>
+      <p:ext uri="{BB962C8B-B14F-4D97-AF65-F5344CB8AC3E}">
+        <p14:creationId xmlns:p14="http://schemas.microsoft.com/office/powerpoint/2010/main" val="356562233"/>
+      </p:ext>
+    </p:extLst>
+  </p:cSld>
+  <p:clrMapOvr>
+    <a:masterClrMapping/>
+  </p:clrMapOvr>
+</p:sld>
+</file>
+
+<file path=ppt/slides/slide16.xml><?xml version="1.0" encoding="utf-8"?>
 <p:sld xmlns:a="http://schemas.openxmlformats.org/drawingml/2006/main" xmlns:r="http://schemas.openxmlformats.org/officeDocument/2006/relationships" xmlns:p="http://schemas.openxmlformats.org/presentationml/2006/main">
   <p:cSld>
     <p:spTree>

--- a/doc/SoftwareDesign/Architecture-SDNSwitch.pptx
+++ b/doc/SoftwareDesign/Architecture-SDNSwitch.pptx
@@ -20,8 +20,8 @@
     <p:sldId id="302" r:id="rId11"/>
     <p:sldId id="306" r:id="rId12"/>
     <p:sldId id="305" r:id="rId13"/>
-    <p:sldId id="307" r:id="rId14"/>
-    <p:sldId id="309" r:id="rId15"/>
+    <p:sldId id="309" r:id="rId14"/>
+    <p:sldId id="307" r:id="rId15"/>
     <p:sldId id="308" r:id="rId16"/>
     <p:sldId id="303" r:id="rId17"/>
   </p:sldIdLst>
@@ -212,7 +212,7 @@
           <a:p>
             <a:fld id="{28F549E5-EDF6-49DA-A258-26AEF78D5914}" type="datetimeFigureOut">
               <a:rPr lang="zh-CN" altLang="en-US" smtClean="0"/>
-              <a:t>2020/9/8</a:t>
+              <a:t>2020/9/12</a:t>
             </a:fld>
             <a:endParaRPr lang="zh-CN" altLang="en-US"/>
           </a:p>
@@ -1057,7 +1057,7 @@
     </p:spTree>
     <p:extLst>
       <p:ext uri="{BB962C8B-B14F-4D97-AF65-F5344CB8AC3E}">
-        <p14:creationId xmlns:p14="http://schemas.microsoft.com/office/powerpoint/2010/main" val="2998303157"/>
+        <p14:creationId xmlns:p14="http://schemas.microsoft.com/office/powerpoint/2010/main" val="1386212806"/>
       </p:ext>
     </p:extLst>
   </p:cSld>
@@ -1141,7 +1141,7 @@
     </p:spTree>
     <p:extLst>
       <p:ext uri="{BB962C8B-B14F-4D97-AF65-F5344CB8AC3E}">
-        <p14:creationId xmlns:p14="http://schemas.microsoft.com/office/powerpoint/2010/main" val="1386212806"/>
+        <p14:creationId xmlns:p14="http://schemas.microsoft.com/office/powerpoint/2010/main" val="2998303157"/>
       </p:ext>
     </p:extLst>
   </p:cSld>
@@ -1298,7 +1298,7 @@
           <a:p>
             <a:fld id="{8C8FE85A-A409-47B8-9A34-876552EE5CE2}" type="datetimeFigureOut">
               <a:rPr lang="zh-CN" altLang="en-US" smtClean="0"/>
-              <a:t>2020/9/8</a:t>
+              <a:t>2020/9/12</a:t>
             </a:fld>
             <a:endParaRPr lang="zh-CN" altLang="en-US"/>
           </a:p>
@@ -1496,7 +1496,7 @@
           <a:p>
             <a:fld id="{8C8FE85A-A409-47B8-9A34-876552EE5CE2}" type="datetimeFigureOut">
               <a:rPr lang="zh-CN" altLang="en-US" smtClean="0"/>
-              <a:t>2020/9/8</a:t>
+              <a:t>2020/9/12</a:t>
             </a:fld>
             <a:endParaRPr lang="zh-CN" altLang="en-US"/>
           </a:p>
@@ -1704,7 +1704,7 @@
           <a:p>
             <a:fld id="{8C8FE85A-A409-47B8-9A34-876552EE5CE2}" type="datetimeFigureOut">
               <a:rPr lang="zh-CN" altLang="en-US" smtClean="0"/>
-              <a:t>2020/9/8</a:t>
+              <a:t>2020/9/12</a:t>
             </a:fld>
             <a:endParaRPr lang="zh-CN" altLang="en-US"/>
           </a:p>
@@ -1902,7 +1902,7 @@
           <a:p>
             <a:fld id="{8C8FE85A-A409-47B8-9A34-876552EE5CE2}" type="datetimeFigureOut">
               <a:rPr lang="zh-CN" altLang="en-US" smtClean="0"/>
-              <a:t>2020/9/8</a:t>
+              <a:t>2020/9/12</a:t>
             </a:fld>
             <a:endParaRPr lang="zh-CN" altLang="en-US"/>
           </a:p>
@@ -2177,7 +2177,7 @@
           <a:p>
             <a:fld id="{8C8FE85A-A409-47B8-9A34-876552EE5CE2}" type="datetimeFigureOut">
               <a:rPr lang="zh-CN" altLang="en-US" smtClean="0"/>
-              <a:t>2020/9/8</a:t>
+              <a:t>2020/9/12</a:t>
             </a:fld>
             <a:endParaRPr lang="zh-CN" altLang="en-US"/>
           </a:p>
@@ -2442,7 +2442,7 @@
           <a:p>
             <a:fld id="{8C8FE85A-A409-47B8-9A34-876552EE5CE2}" type="datetimeFigureOut">
               <a:rPr lang="zh-CN" altLang="en-US" smtClean="0"/>
-              <a:t>2020/9/8</a:t>
+              <a:t>2020/9/12</a:t>
             </a:fld>
             <a:endParaRPr lang="zh-CN" altLang="en-US"/>
           </a:p>
@@ -2854,7 +2854,7 @@
           <a:p>
             <a:fld id="{8C8FE85A-A409-47B8-9A34-876552EE5CE2}" type="datetimeFigureOut">
               <a:rPr lang="zh-CN" altLang="en-US" smtClean="0"/>
-              <a:t>2020/9/8</a:t>
+              <a:t>2020/9/12</a:t>
             </a:fld>
             <a:endParaRPr lang="zh-CN" altLang="en-US"/>
           </a:p>
@@ -2995,7 +2995,7 @@
           <a:p>
             <a:fld id="{8C8FE85A-A409-47B8-9A34-876552EE5CE2}" type="datetimeFigureOut">
               <a:rPr lang="zh-CN" altLang="en-US" smtClean="0"/>
-              <a:t>2020/9/8</a:t>
+              <a:t>2020/9/12</a:t>
             </a:fld>
             <a:endParaRPr lang="zh-CN" altLang="en-US"/>
           </a:p>
@@ -3108,7 +3108,7 @@
           <a:p>
             <a:fld id="{8C8FE85A-A409-47B8-9A34-876552EE5CE2}" type="datetimeFigureOut">
               <a:rPr lang="zh-CN" altLang="en-US" smtClean="0"/>
-              <a:t>2020/9/8</a:t>
+              <a:t>2020/9/12</a:t>
             </a:fld>
             <a:endParaRPr lang="zh-CN" altLang="en-US"/>
           </a:p>
@@ -3419,7 +3419,7 @@
           <a:p>
             <a:fld id="{8C8FE85A-A409-47B8-9A34-876552EE5CE2}" type="datetimeFigureOut">
               <a:rPr lang="zh-CN" altLang="en-US" smtClean="0"/>
-              <a:t>2020/9/8</a:t>
+              <a:t>2020/9/12</a:t>
             </a:fld>
             <a:endParaRPr lang="zh-CN" altLang="en-US"/>
           </a:p>
@@ -3707,7 +3707,7 @@
           <a:p>
             <a:fld id="{8C8FE85A-A409-47B8-9A34-876552EE5CE2}" type="datetimeFigureOut">
               <a:rPr lang="zh-CN" altLang="en-US" smtClean="0"/>
-              <a:t>2020/9/8</a:t>
+              <a:t>2020/9/12</a:t>
             </a:fld>
             <a:endParaRPr lang="zh-CN" altLang="en-US"/>
           </a:p>
@@ -3948,7 +3948,7 @@
           <a:p>
             <a:fld id="{8C8FE85A-A409-47B8-9A34-876552EE5CE2}" type="datetimeFigureOut">
               <a:rPr lang="zh-CN" altLang="en-US" smtClean="0"/>
-              <a:t>2020/9/8</a:t>
+              <a:t>2020/9/12</a:t>
             </a:fld>
             <a:endParaRPr lang="zh-CN" altLang="en-US"/>
           </a:p>
@@ -10608,6 +10608,358 @@
           </a:p>
         </p:txBody>
       </p:sp>
+      <p:sp>
+        <p:nvSpPr>
+          <p:cNvPr id="3" name="文本框 2">
+            <a:extLst>
+              <a:ext uri="{FF2B5EF4-FFF2-40B4-BE49-F238E27FC236}">
+                <a16:creationId xmlns:a16="http://schemas.microsoft.com/office/drawing/2014/main" id="{84E1341C-BBCD-40AA-864F-F6ACC909A4F2}"/>
+              </a:ext>
+            </a:extLst>
+          </p:cNvPr>
+          <p:cNvSpPr txBox="1"/>
+          <p:nvPr/>
+        </p:nvSpPr>
+        <p:spPr>
+          <a:xfrm>
+            <a:off x="5425967" y="6439390"/>
+            <a:ext cx="825867" cy="369332"/>
+          </a:xfrm>
+          <a:prstGeom prst="rect">
+            <a:avLst/>
+          </a:prstGeom>
+          <a:noFill/>
+        </p:spPr>
+        <p:txBody>
+          <a:bodyPr wrap="none" rtlCol="0">
+            <a:spAutoFit/>
+          </a:bodyPr>
+          <a:lstStyle/>
+          <a:p>
+            <a:r>
+              <a:rPr lang="en-US" altLang="zh-CN" b="1" dirty="0">
+                <a:solidFill>
+                  <a:srgbClr val="00B0F0"/>
+                </a:solidFill>
+              </a:rPr>
+              <a:t>10001</a:t>
+            </a:r>
+            <a:endParaRPr lang="zh-CN" altLang="en-US" b="1" dirty="0">
+              <a:solidFill>
+                <a:srgbClr val="00B0F0"/>
+              </a:solidFill>
+            </a:endParaRPr>
+          </a:p>
+        </p:txBody>
+      </p:sp>
+      <p:sp>
+        <p:nvSpPr>
+          <p:cNvPr id="90" name="文本框 89">
+            <a:extLst>
+              <a:ext uri="{FF2B5EF4-FFF2-40B4-BE49-F238E27FC236}">
+                <a16:creationId xmlns:a16="http://schemas.microsoft.com/office/drawing/2014/main" id="{676ACDCF-9BC8-4C2A-B572-3CECAC2BCC93}"/>
+              </a:ext>
+            </a:extLst>
+          </p:cNvPr>
+          <p:cNvSpPr txBox="1"/>
+          <p:nvPr/>
+        </p:nvSpPr>
+        <p:spPr>
+          <a:xfrm>
+            <a:off x="1022650" y="3385115"/>
+            <a:ext cx="825867" cy="369332"/>
+          </a:xfrm>
+          <a:prstGeom prst="rect">
+            <a:avLst/>
+          </a:prstGeom>
+          <a:noFill/>
+        </p:spPr>
+        <p:txBody>
+          <a:bodyPr wrap="none" rtlCol="0">
+            <a:spAutoFit/>
+          </a:bodyPr>
+          <a:lstStyle/>
+          <a:p>
+            <a:r>
+              <a:rPr lang="en-US" altLang="zh-CN" b="1" dirty="0">
+                <a:solidFill>
+                  <a:srgbClr val="00B0F0"/>
+                </a:solidFill>
+              </a:rPr>
+              <a:t>10003</a:t>
+            </a:r>
+            <a:endParaRPr lang="zh-CN" altLang="en-US" b="1" dirty="0">
+              <a:solidFill>
+                <a:srgbClr val="00B0F0"/>
+              </a:solidFill>
+            </a:endParaRPr>
+          </a:p>
+        </p:txBody>
+      </p:sp>
+      <p:sp>
+        <p:nvSpPr>
+          <p:cNvPr id="91" name="文本框 90">
+            <a:extLst>
+              <a:ext uri="{FF2B5EF4-FFF2-40B4-BE49-F238E27FC236}">
+                <a16:creationId xmlns:a16="http://schemas.microsoft.com/office/drawing/2014/main" id="{5E81FB0A-AD2D-43B7-98B4-8F011A74236B}"/>
+              </a:ext>
+            </a:extLst>
+          </p:cNvPr>
+          <p:cNvSpPr txBox="1"/>
+          <p:nvPr/>
+        </p:nvSpPr>
+        <p:spPr>
+          <a:xfrm>
+            <a:off x="4173457" y="1459290"/>
+            <a:ext cx="825867" cy="369332"/>
+          </a:xfrm>
+          <a:prstGeom prst="rect">
+            <a:avLst/>
+          </a:prstGeom>
+          <a:noFill/>
+        </p:spPr>
+        <p:txBody>
+          <a:bodyPr wrap="none" rtlCol="0">
+            <a:spAutoFit/>
+          </a:bodyPr>
+          <a:lstStyle/>
+          <a:p>
+            <a:r>
+              <a:rPr lang="en-US" altLang="zh-CN" b="1" dirty="0">
+                <a:solidFill>
+                  <a:srgbClr val="00B0F0"/>
+                </a:solidFill>
+              </a:rPr>
+              <a:t>10004</a:t>
+            </a:r>
+            <a:endParaRPr lang="zh-CN" altLang="en-US" b="1" dirty="0">
+              <a:solidFill>
+                <a:srgbClr val="00B0F0"/>
+              </a:solidFill>
+            </a:endParaRPr>
+          </a:p>
+        </p:txBody>
+      </p:sp>
+      <p:sp>
+        <p:nvSpPr>
+          <p:cNvPr id="92" name="文本框 91">
+            <a:extLst>
+              <a:ext uri="{FF2B5EF4-FFF2-40B4-BE49-F238E27FC236}">
+                <a16:creationId xmlns:a16="http://schemas.microsoft.com/office/drawing/2014/main" id="{A7FD16CB-08D4-46F4-A258-5B6967141651}"/>
+              </a:ext>
+            </a:extLst>
+          </p:cNvPr>
+          <p:cNvSpPr txBox="1"/>
+          <p:nvPr/>
+        </p:nvSpPr>
+        <p:spPr>
+          <a:xfrm>
+            <a:off x="10595237" y="2995570"/>
+            <a:ext cx="825867" cy="369332"/>
+          </a:xfrm>
+          <a:prstGeom prst="rect">
+            <a:avLst/>
+          </a:prstGeom>
+          <a:noFill/>
+        </p:spPr>
+        <p:txBody>
+          <a:bodyPr wrap="none" rtlCol="0">
+            <a:spAutoFit/>
+          </a:bodyPr>
+          <a:lstStyle/>
+          <a:p>
+            <a:r>
+              <a:rPr lang="en-US" altLang="zh-CN" b="1" dirty="0">
+                <a:solidFill>
+                  <a:srgbClr val="00B0F0"/>
+                </a:solidFill>
+              </a:rPr>
+              <a:t>10005</a:t>
+            </a:r>
+            <a:endParaRPr lang="zh-CN" altLang="en-US" b="1" dirty="0">
+              <a:solidFill>
+                <a:srgbClr val="00B0F0"/>
+              </a:solidFill>
+            </a:endParaRPr>
+          </a:p>
+        </p:txBody>
+      </p:sp>
+      <p:sp>
+        <p:nvSpPr>
+          <p:cNvPr id="96" name="文本框 95">
+            <a:extLst>
+              <a:ext uri="{FF2B5EF4-FFF2-40B4-BE49-F238E27FC236}">
+                <a16:creationId xmlns:a16="http://schemas.microsoft.com/office/drawing/2014/main" id="{5BF9FDCE-5ACB-4D97-8317-2C7F9C219331}"/>
+              </a:ext>
+            </a:extLst>
+          </p:cNvPr>
+          <p:cNvSpPr txBox="1"/>
+          <p:nvPr/>
+        </p:nvSpPr>
+        <p:spPr>
+          <a:xfrm>
+            <a:off x="1915845" y="4771193"/>
+            <a:ext cx="825867" cy="369332"/>
+          </a:xfrm>
+          <a:prstGeom prst="rect">
+            <a:avLst/>
+          </a:prstGeom>
+          <a:noFill/>
+        </p:spPr>
+        <p:txBody>
+          <a:bodyPr wrap="none" rtlCol="0">
+            <a:spAutoFit/>
+          </a:bodyPr>
+          <a:lstStyle/>
+          <a:p>
+            <a:r>
+              <a:rPr lang="en-US" altLang="zh-CN" b="1" dirty="0">
+                <a:solidFill>
+                  <a:srgbClr val="00B0F0"/>
+                </a:solidFill>
+              </a:rPr>
+              <a:t>10002</a:t>
+            </a:r>
+            <a:endParaRPr lang="zh-CN" altLang="en-US" b="1" dirty="0">
+              <a:solidFill>
+                <a:srgbClr val="00B0F0"/>
+              </a:solidFill>
+            </a:endParaRPr>
+          </a:p>
+        </p:txBody>
+      </p:sp>
+      <p:sp>
+        <p:nvSpPr>
+          <p:cNvPr id="97" name="文本框 96">
+            <a:extLst>
+              <a:ext uri="{FF2B5EF4-FFF2-40B4-BE49-F238E27FC236}">
+                <a16:creationId xmlns:a16="http://schemas.microsoft.com/office/drawing/2014/main" id="{8B850635-94F6-4DB1-B955-78DAAFE355F1}"/>
+              </a:ext>
+            </a:extLst>
+          </p:cNvPr>
+          <p:cNvSpPr txBox="1"/>
+          <p:nvPr/>
+        </p:nvSpPr>
+        <p:spPr>
+          <a:xfrm>
+            <a:off x="6117835" y="4592887"/>
+            <a:ext cx="312906" cy="369332"/>
+          </a:xfrm>
+          <a:prstGeom prst="rect">
+            <a:avLst/>
+          </a:prstGeom>
+          <a:noFill/>
+        </p:spPr>
+        <p:txBody>
+          <a:bodyPr wrap="none" rtlCol="0">
+            <a:spAutoFit/>
+          </a:bodyPr>
+          <a:lstStyle/>
+          <a:p>
+            <a:r>
+              <a:rPr lang="en-US" altLang="zh-CN" b="1" dirty="0">
+                <a:solidFill>
+                  <a:srgbClr val="00B0F0"/>
+                </a:solidFill>
+              </a:rPr>
+              <a:t>1</a:t>
+            </a:r>
+            <a:endParaRPr lang="zh-CN" altLang="en-US" b="1" dirty="0">
+              <a:solidFill>
+                <a:srgbClr val="00B0F0"/>
+              </a:solidFill>
+            </a:endParaRPr>
+          </a:p>
+        </p:txBody>
+      </p:sp>
+      <p:sp>
+        <p:nvSpPr>
+          <p:cNvPr id="101" name="文本框 100">
+            <a:extLst>
+              <a:ext uri="{FF2B5EF4-FFF2-40B4-BE49-F238E27FC236}">
+                <a16:creationId xmlns:a16="http://schemas.microsoft.com/office/drawing/2014/main" id="{4742D1FA-9CEB-4A43-A5D4-02C411313CF4}"/>
+              </a:ext>
+            </a:extLst>
+          </p:cNvPr>
+          <p:cNvSpPr txBox="1"/>
+          <p:nvPr/>
+        </p:nvSpPr>
+        <p:spPr>
+          <a:xfrm>
+            <a:off x="5059353" y="3518363"/>
+            <a:ext cx="312906" cy="369332"/>
+          </a:xfrm>
+          <a:prstGeom prst="rect">
+            <a:avLst/>
+          </a:prstGeom>
+          <a:noFill/>
+        </p:spPr>
+        <p:txBody>
+          <a:bodyPr wrap="none" rtlCol="0">
+            <a:spAutoFit/>
+          </a:bodyPr>
+          <a:lstStyle/>
+          <a:p>
+            <a:r>
+              <a:rPr lang="en-US" altLang="zh-CN" b="1" dirty="0">
+                <a:solidFill>
+                  <a:srgbClr val="00B0F0"/>
+                </a:solidFill>
+              </a:rPr>
+              <a:t>2</a:t>
+            </a:r>
+            <a:endParaRPr lang="zh-CN" altLang="en-US" b="1" dirty="0">
+              <a:solidFill>
+                <a:srgbClr val="00B0F0"/>
+              </a:solidFill>
+            </a:endParaRPr>
+          </a:p>
+        </p:txBody>
+      </p:sp>
+      <p:sp>
+        <p:nvSpPr>
+          <p:cNvPr id="104" name="文本框 103">
+            <a:extLst>
+              <a:ext uri="{FF2B5EF4-FFF2-40B4-BE49-F238E27FC236}">
+                <a16:creationId xmlns:a16="http://schemas.microsoft.com/office/drawing/2014/main" id="{F546C479-2636-4586-8EA8-F20940AFC625}"/>
+              </a:ext>
+            </a:extLst>
+          </p:cNvPr>
+          <p:cNvSpPr txBox="1"/>
+          <p:nvPr/>
+        </p:nvSpPr>
+        <p:spPr>
+          <a:xfrm>
+            <a:off x="7048768" y="3518363"/>
+            <a:ext cx="312906" cy="369332"/>
+          </a:xfrm>
+          <a:prstGeom prst="rect">
+            <a:avLst/>
+          </a:prstGeom>
+          <a:noFill/>
+        </p:spPr>
+        <p:txBody>
+          <a:bodyPr wrap="none" rtlCol="0">
+            <a:spAutoFit/>
+          </a:bodyPr>
+          <a:lstStyle/>
+          <a:p>
+            <a:r>
+              <a:rPr lang="en-US" altLang="zh-CN" b="1" dirty="0">
+                <a:solidFill>
+                  <a:srgbClr val="00B0F0"/>
+                </a:solidFill>
+              </a:rPr>
+              <a:t>3</a:t>
+            </a:r>
+            <a:endParaRPr lang="zh-CN" altLang="en-US" b="1" dirty="0">
+              <a:solidFill>
+                <a:srgbClr val="00B0F0"/>
+              </a:solidFill>
+            </a:endParaRPr>
+          </a:p>
+        </p:txBody>
+      </p:sp>
     </p:spTree>
     <p:extLst>
       <p:ext uri="{BB962C8B-B14F-4D97-AF65-F5344CB8AC3E}">
@@ -10622,7 +10974,7 @@
 </file>
 
 <file path=ppt/slides/slide12.xml><?xml version="1.0" encoding="utf-8"?>
-<p:sld xmlns:a="http://schemas.openxmlformats.org/drawingml/2006/main" xmlns:r="http://schemas.openxmlformats.org/officeDocument/2006/relationships" xmlns:p="http://schemas.openxmlformats.org/presentationml/2006/main">
+<p:sld xmlns:a="http://schemas.openxmlformats.org/drawingml/2006/main" xmlns:r="http://schemas.openxmlformats.org/officeDocument/2006/relationships" xmlns:p="http://schemas.openxmlformats.org/presentationml/2006/main" show="0">
   <p:cSld>
     <p:spTree>
       <p:nvGrpSpPr>
@@ -11770,7 +12122,7 @@
             <a:pPr algn="ctr"/>
             <a:r>
               <a:rPr lang="en-US" altLang="zh-CN" dirty="0"/>
-              <a:t>Measurement</a:t>
+              <a:t>Measurer</a:t>
             </a:r>
           </a:p>
         </p:txBody>
@@ -13877,10 +14229,1289 @@
       </p:grpSpPr>
       <p:sp>
         <p:nvSpPr>
-          <p:cNvPr id="70" name="文本框 69">
-            <a:extLst>
-              <a:ext uri="{FF2B5EF4-FFF2-40B4-BE49-F238E27FC236}">
-                <a16:creationId xmlns:a16="http://schemas.microsoft.com/office/drawing/2014/main" id="{696C3A7B-AA2B-4EE2-892C-D0F03840A9C9}"/>
+          <p:cNvPr id="2" name="标题 1">
+            <a:extLst>
+              <a:ext uri="{FF2B5EF4-FFF2-40B4-BE49-F238E27FC236}">
+                <a16:creationId xmlns:a16="http://schemas.microsoft.com/office/drawing/2014/main" id="{16FFD267-FAB5-4CC9-86C7-800FDF0B86AD}"/>
+              </a:ext>
+            </a:extLst>
+          </p:cNvPr>
+          <p:cNvSpPr>
+            <a:spLocks noGrp="1"/>
+          </p:cNvSpPr>
+          <p:nvPr>
+            <p:ph type="title"/>
+          </p:nvPr>
+        </p:nvSpPr>
+        <p:spPr>
+          <a:xfrm>
+            <a:off x="828126" y="95333"/>
+            <a:ext cx="10515600" cy="1325563"/>
+          </a:xfrm>
+        </p:spPr>
+        <p:txBody>
+          <a:bodyPr/>
+          <a:lstStyle/>
+          <a:p>
+            <a:r>
+              <a:rPr lang="en-US" altLang="zh-CN" dirty="0"/>
+              <a:t>SAM Architecture</a:t>
+            </a:r>
+            <a:endParaRPr lang="zh-CN" altLang="en-US" dirty="0"/>
+          </a:p>
+        </p:txBody>
+      </p:sp>
+      <p:sp>
+        <p:nvSpPr>
+          <p:cNvPr id="83" name="矩形 82">
+            <a:extLst>
+              <a:ext uri="{FF2B5EF4-FFF2-40B4-BE49-F238E27FC236}">
+                <a16:creationId xmlns:a16="http://schemas.microsoft.com/office/drawing/2014/main" id="{1FAAF00A-3816-436D-950F-FD8C8856A429}"/>
+              </a:ext>
+            </a:extLst>
+          </p:cNvPr>
+          <p:cNvSpPr/>
+          <p:nvPr/>
+        </p:nvSpPr>
+        <p:spPr>
+          <a:xfrm>
+            <a:off x="202517" y="3769737"/>
+            <a:ext cx="11812674" cy="402227"/>
+          </a:xfrm>
+          <a:prstGeom prst="rect">
+            <a:avLst/>
+          </a:prstGeom>
+          <a:solidFill>
+            <a:schemeClr val="bg1"/>
+          </a:solidFill>
+          <a:ln w="57150"/>
+        </p:spPr>
+        <p:style>
+          <a:lnRef idx="2">
+            <a:schemeClr val="accent6"/>
+          </a:lnRef>
+          <a:fillRef idx="1">
+            <a:schemeClr val="lt1"/>
+          </a:fillRef>
+          <a:effectRef idx="0">
+            <a:schemeClr val="accent6"/>
+          </a:effectRef>
+          <a:fontRef idx="minor">
+            <a:schemeClr val="dk1"/>
+          </a:fontRef>
+        </p:style>
+        <p:txBody>
+          <a:bodyPr rtlCol="0" anchor="ctr"/>
+          <a:lstStyle/>
+          <a:p>
+            <a:pPr algn="ctr"/>
+            <a:r>
+              <a:rPr lang="en-US" altLang="zh-CN" b="1" dirty="0"/>
+              <a:t>Mediator</a:t>
+            </a:r>
+            <a:endParaRPr lang="zh-CN" altLang="en-US" b="1" dirty="0"/>
+          </a:p>
+        </p:txBody>
+      </p:sp>
+      <p:cxnSp>
+        <p:nvCxnSpPr>
+          <p:cNvPr id="106" name="直接箭头连接符 105">
+            <a:extLst>
+              <a:ext uri="{FF2B5EF4-FFF2-40B4-BE49-F238E27FC236}">
+                <a16:creationId xmlns:a16="http://schemas.microsoft.com/office/drawing/2014/main" id="{C5142B84-E1CA-4CFA-85B4-B1C23F39C1FF}"/>
+              </a:ext>
+            </a:extLst>
+          </p:cNvPr>
+          <p:cNvCxnSpPr>
+            <a:cxnSpLocks/>
+            <a:stCxn id="69" idx="0"/>
+            <a:endCxn id="83" idx="2"/>
+          </p:cNvCxnSpPr>
+          <p:nvPr/>
+        </p:nvCxnSpPr>
+        <p:spPr>
+          <a:xfrm flipV="1">
+            <a:off x="1038982" y="4171964"/>
+            <a:ext cx="5069872" cy="458692"/>
+          </a:xfrm>
+          <a:prstGeom prst="straightConnector1">
+            <a:avLst/>
+          </a:prstGeom>
+          <a:ln w="38100" cap="flat" cmpd="sng" algn="ctr">
+            <a:solidFill>
+              <a:srgbClr val="FFC000"/>
+            </a:solidFill>
+            <a:prstDash val="dash"/>
+            <a:round/>
+            <a:headEnd type="none" w="med" len="med"/>
+            <a:tailEnd type="none" w="med" len="med"/>
+          </a:ln>
+        </p:spPr>
+        <p:style>
+          <a:lnRef idx="0">
+            <a:scrgbClr r="0" g="0" b="0"/>
+          </a:lnRef>
+          <a:fillRef idx="0">
+            <a:scrgbClr r="0" g="0" b="0"/>
+          </a:fillRef>
+          <a:effectRef idx="0">
+            <a:scrgbClr r="0" g="0" b="0"/>
+          </a:effectRef>
+          <a:fontRef idx="minor">
+            <a:schemeClr val="tx1"/>
+          </a:fontRef>
+        </p:style>
+      </p:cxnSp>
+      <p:cxnSp>
+        <p:nvCxnSpPr>
+          <p:cNvPr id="109" name="直接箭头连接符 108">
+            <a:extLst>
+              <a:ext uri="{FF2B5EF4-FFF2-40B4-BE49-F238E27FC236}">
+                <a16:creationId xmlns:a16="http://schemas.microsoft.com/office/drawing/2014/main" id="{E8EAE9A5-71B0-4F08-A472-28F102D84E2A}"/>
+              </a:ext>
+            </a:extLst>
+          </p:cNvPr>
+          <p:cNvCxnSpPr>
+            <a:cxnSpLocks/>
+            <a:stCxn id="60" idx="0"/>
+            <a:endCxn id="83" idx="2"/>
+          </p:cNvCxnSpPr>
+          <p:nvPr/>
+        </p:nvCxnSpPr>
+        <p:spPr>
+          <a:xfrm flipV="1">
+            <a:off x="4980100" y="4171964"/>
+            <a:ext cx="1128754" cy="378743"/>
+          </a:xfrm>
+          <a:prstGeom prst="straightConnector1">
+            <a:avLst/>
+          </a:prstGeom>
+          <a:ln w="38100" cap="flat" cmpd="sng" algn="ctr">
+            <a:solidFill>
+              <a:srgbClr val="FFC000"/>
+            </a:solidFill>
+            <a:prstDash val="dash"/>
+            <a:round/>
+            <a:headEnd type="none" w="med" len="med"/>
+            <a:tailEnd type="none" w="med" len="med"/>
+          </a:ln>
+        </p:spPr>
+        <p:style>
+          <a:lnRef idx="0">
+            <a:scrgbClr r="0" g="0" b="0"/>
+          </a:lnRef>
+          <a:fillRef idx="0">
+            <a:scrgbClr r="0" g="0" b="0"/>
+          </a:fillRef>
+          <a:effectRef idx="0">
+            <a:scrgbClr r="0" g="0" b="0"/>
+          </a:effectRef>
+          <a:fontRef idx="minor">
+            <a:schemeClr val="tx1"/>
+          </a:fontRef>
+        </p:style>
+      </p:cxnSp>
+      <p:cxnSp>
+        <p:nvCxnSpPr>
+          <p:cNvPr id="122" name="直接箭头连接符 121">
+            <a:extLst>
+              <a:ext uri="{FF2B5EF4-FFF2-40B4-BE49-F238E27FC236}">
+                <a16:creationId xmlns:a16="http://schemas.microsoft.com/office/drawing/2014/main" id="{E132C89C-7D07-4D1A-905C-DCF1C7944D3B}"/>
+              </a:ext>
+            </a:extLst>
+          </p:cNvPr>
+          <p:cNvCxnSpPr>
+            <a:cxnSpLocks/>
+            <a:stCxn id="119" idx="0"/>
+            <a:endCxn id="83" idx="2"/>
+          </p:cNvCxnSpPr>
+          <p:nvPr/>
+        </p:nvCxnSpPr>
+        <p:spPr>
+          <a:xfrm flipH="1" flipV="1">
+            <a:off x="6108854" y="4171964"/>
+            <a:ext cx="2648013" cy="1495818"/>
+          </a:xfrm>
+          <a:prstGeom prst="straightConnector1">
+            <a:avLst/>
+          </a:prstGeom>
+          <a:ln w="38100" cap="flat" cmpd="sng" algn="ctr">
+            <a:solidFill>
+              <a:srgbClr val="FFC000"/>
+            </a:solidFill>
+            <a:prstDash val="dash"/>
+            <a:round/>
+            <a:headEnd type="none" w="med" len="med"/>
+            <a:tailEnd type="none" w="med" len="med"/>
+          </a:ln>
+        </p:spPr>
+        <p:style>
+          <a:lnRef idx="0">
+            <a:scrgbClr r="0" g="0" b="0"/>
+          </a:lnRef>
+          <a:fillRef idx="0">
+            <a:scrgbClr r="0" g="0" b="0"/>
+          </a:fillRef>
+          <a:effectRef idx="0">
+            <a:scrgbClr r="0" g="0" b="0"/>
+          </a:effectRef>
+          <a:fontRef idx="minor">
+            <a:schemeClr val="tx1"/>
+          </a:fontRef>
+        </p:style>
+      </p:cxnSp>
+      <p:cxnSp>
+        <p:nvCxnSpPr>
+          <p:cNvPr id="123" name="直接箭头连接符 122">
+            <a:extLst>
+              <a:ext uri="{FF2B5EF4-FFF2-40B4-BE49-F238E27FC236}">
+                <a16:creationId xmlns:a16="http://schemas.microsoft.com/office/drawing/2014/main" id="{68E02FA8-62FC-4CBE-A0F0-DFA1D3AC7610}"/>
+              </a:ext>
+            </a:extLst>
+          </p:cNvPr>
+          <p:cNvCxnSpPr>
+            <a:cxnSpLocks/>
+            <a:stCxn id="113" idx="0"/>
+            <a:endCxn id="83" idx="2"/>
+          </p:cNvCxnSpPr>
+          <p:nvPr/>
+        </p:nvCxnSpPr>
+        <p:spPr>
+          <a:xfrm flipV="1">
+            <a:off x="4815749" y="4171964"/>
+            <a:ext cx="1293105" cy="1575767"/>
+          </a:xfrm>
+          <a:prstGeom prst="straightConnector1">
+            <a:avLst/>
+          </a:prstGeom>
+          <a:ln w="38100" cap="flat" cmpd="sng" algn="ctr">
+            <a:solidFill>
+              <a:srgbClr val="FFC000"/>
+            </a:solidFill>
+            <a:prstDash val="dash"/>
+            <a:round/>
+            <a:headEnd type="none" w="med" len="med"/>
+            <a:tailEnd type="none" w="med" len="med"/>
+          </a:ln>
+        </p:spPr>
+        <p:style>
+          <a:lnRef idx="0">
+            <a:scrgbClr r="0" g="0" b="0"/>
+          </a:lnRef>
+          <a:fillRef idx="0">
+            <a:scrgbClr r="0" g="0" b="0"/>
+          </a:fillRef>
+          <a:effectRef idx="0">
+            <a:scrgbClr r="0" g="0" b="0"/>
+          </a:effectRef>
+          <a:fontRef idx="minor">
+            <a:schemeClr val="tx1"/>
+          </a:fontRef>
+        </p:style>
+      </p:cxnSp>
+      <p:grpSp>
+        <p:nvGrpSpPr>
+          <p:cNvPr id="32" name="组合 31">
+            <a:extLst>
+              <a:ext uri="{FF2B5EF4-FFF2-40B4-BE49-F238E27FC236}">
+                <a16:creationId xmlns:a16="http://schemas.microsoft.com/office/drawing/2014/main" id="{198B3A23-4E5C-49E8-8791-838A388417DC}"/>
+              </a:ext>
+            </a:extLst>
+          </p:cNvPr>
+          <p:cNvGrpSpPr/>
+          <p:nvPr/>
+        </p:nvGrpSpPr>
+        <p:grpSpPr>
+          <a:xfrm>
+            <a:off x="202517" y="4396643"/>
+            <a:ext cx="7963270" cy="1011922"/>
+            <a:chOff x="202517" y="4396643"/>
+            <a:chExt cx="7963270" cy="1011922"/>
+          </a:xfrm>
+        </p:grpSpPr>
+        <p:grpSp>
+          <p:nvGrpSpPr>
+            <p:cNvPr id="18" name="组合 17">
+              <a:extLst>
+                <a:ext uri="{FF2B5EF4-FFF2-40B4-BE49-F238E27FC236}">
+                  <a16:creationId xmlns:a16="http://schemas.microsoft.com/office/drawing/2014/main" id="{F2BB0526-6A8E-4633-A024-60E7181C54B8}"/>
+                </a:ext>
+              </a:extLst>
+            </p:cNvPr>
+            <p:cNvGrpSpPr/>
+            <p:nvPr/>
+          </p:nvGrpSpPr>
+          <p:grpSpPr>
+            <a:xfrm>
+              <a:off x="202517" y="4396643"/>
+              <a:ext cx="7963270" cy="934676"/>
+              <a:chOff x="1154097" y="4524566"/>
+              <a:chExt cx="7963270" cy="934676"/>
+            </a:xfrm>
+          </p:grpSpPr>
+          <p:grpSp>
+            <p:nvGrpSpPr>
+              <p:cNvPr id="13" name="组合 12">
+                <a:extLst>
+                  <a:ext uri="{FF2B5EF4-FFF2-40B4-BE49-F238E27FC236}">
+                    <a16:creationId xmlns:a16="http://schemas.microsoft.com/office/drawing/2014/main" id="{331855F4-E14F-4DB6-9391-91098E241008}"/>
+                  </a:ext>
+                </a:extLst>
+              </p:cNvPr>
+              <p:cNvGrpSpPr/>
+              <p:nvPr/>
+            </p:nvGrpSpPr>
+            <p:grpSpPr>
+              <a:xfrm>
+                <a:off x="2950861" y="4678630"/>
+                <a:ext cx="5961638" cy="673192"/>
+                <a:chOff x="6085926" y="4341438"/>
+                <a:chExt cx="5961638" cy="673192"/>
+              </a:xfrm>
+            </p:grpSpPr>
+            <p:sp>
+              <p:nvSpPr>
+                <p:cNvPr id="29" name="矩形 28">
+                  <a:extLst>
+                    <a:ext uri="{FF2B5EF4-FFF2-40B4-BE49-F238E27FC236}">
+                      <a16:creationId xmlns:a16="http://schemas.microsoft.com/office/drawing/2014/main" id="{225A2D5D-9290-4FA7-8325-130726CB092B}"/>
+                    </a:ext>
+                  </a:extLst>
+                </p:cNvPr>
+                <p:cNvSpPr/>
+                <p:nvPr/>
+              </p:nvSpPr>
+              <p:spPr>
+                <a:xfrm>
+                  <a:off x="7703655" y="4438478"/>
+                  <a:ext cx="1306604" cy="471686"/>
+                </a:xfrm>
+                <a:prstGeom prst="rect">
+                  <a:avLst/>
+                </a:prstGeom>
+              </p:spPr>
+              <p:style>
+                <a:lnRef idx="2">
+                  <a:schemeClr val="accent6">
+                    <a:shade val="50000"/>
+                  </a:schemeClr>
+                </a:lnRef>
+                <a:fillRef idx="1">
+                  <a:schemeClr val="accent6"/>
+                </a:fillRef>
+                <a:effectRef idx="0">
+                  <a:schemeClr val="accent6"/>
+                </a:effectRef>
+                <a:fontRef idx="minor">
+                  <a:schemeClr val="lt1"/>
+                </a:fontRef>
+              </p:style>
+              <p:txBody>
+                <a:bodyPr rtlCol="0" anchor="ctr"/>
+                <a:lstStyle/>
+                <a:p>
+                  <a:pPr algn="ctr"/>
+                  <a:r>
+                    <a:rPr lang="en-US" altLang="zh-CN" dirty="0"/>
+                    <a:t>SFF</a:t>
+                  </a:r>
+                </a:p>
+                <a:p>
+                  <a:pPr algn="ctr"/>
+                  <a:r>
+                    <a:rPr lang="en-US" altLang="zh-CN" dirty="0"/>
+                    <a:t>Controller</a:t>
+                  </a:r>
+                  <a:endParaRPr lang="zh-CN" altLang="en-US" dirty="0"/>
+                </a:p>
+              </p:txBody>
+            </p:sp>
+            <p:sp>
+              <p:nvSpPr>
+                <p:cNvPr id="52" name="矩形 51">
+                  <a:extLst>
+                    <a:ext uri="{FF2B5EF4-FFF2-40B4-BE49-F238E27FC236}">
+                      <a16:creationId xmlns:a16="http://schemas.microsoft.com/office/drawing/2014/main" id="{0167D1BA-F934-4768-BF78-7629030295B4}"/>
+                    </a:ext>
+                  </a:extLst>
+                </p:cNvPr>
+                <p:cNvSpPr/>
+                <p:nvPr/>
+              </p:nvSpPr>
+              <p:spPr>
+                <a:xfrm>
+                  <a:off x="9206559" y="4436677"/>
+                  <a:ext cx="1279033" cy="471686"/>
+                </a:xfrm>
+                <a:prstGeom prst="rect">
+                  <a:avLst/>
+                </a:prstGeom>
+              </p:spPr>
+              <p:style>
+                <a:lnRef idx="2">
+                  <a:schemeClr val="accent6">
+                    <a:shade val="50000"/>
+                  </a:schemeClr>
+                </a:lnRef>
+                <a:fillRef idx="1">
+                  <a:schemeClr val="accent6"/>
+                </a:fillRef>
+                <a:effectRef idx="0">
+                  <a:schemeClr val="accent6"/>
+                </a:effectRef>
+                <a:fontRef idx="minor">
+                  <a:schemeClr val="lt1"/>
+                </a:fontRef>
+              </p:style>
+              <p:txBody>
+                <a:bodyPr rtlCol="0" anchor="ctr"/>
+                <a:lstStyle/>
+                <a:p>
+                  <a:pPr algn="ctr"/>
+                  <a:r>
+                    <a:rPr lang="en-US" altLang="zh-CN" dirty="0"/>
+                    <a:t>VNF</a:t>
+                  </a:r>
+                </a:p>
+                <a:p>
+                  <a:pPr algn="ctr"/>
+                  <a:r>
+                    <a:rPr lang="en-US" altLang="zh-CN" dirty="0"/>
+                    <a:t>Controller</a:t>
+                  </a:r>
+                  <a:endParaRPr lang="zh-CN" altLang="en-US" dirty="0"/>
+                </a:p>
+              </p:txBody>
+            </p:sp>
+            <p:sp>
+              <p:nvSpPr>
+                <p:cNvPr id="60" name="矩形 59">
+                  <a:extLst>
+                    <a:ext uri="{FF2B5EF4-FFF2-40B4-BE49-F238E27FC236}">
+                      <a16:creationId xmlns:a16="http://schemas.microsoft.com/office/drawing/2014/main" id="{21BCA351-AAE7-411F-A5CB-4C41156B857E}"/>
+                    </a:ext>
+                  </a:extLst>
+                </p:cNvPr>
+                <p:cNvSpPr/>
+                <p:nvPr/>
+              </p:nvSpPr>
+              <p:spPr>
+                <a:xfrm>
+                  <a:off x="6085926" y="4341438"/>
+                  <a:ext cx="5961638" cy="673192"/>
+                </a:xfrm>
+                <a:prstGeom prst="rect">
+                  <a:avLst/>
+                </a:prstGeom>
+                <a:noFill/>
+                <a:ln w="57150"/>
+              </p:spPr>
+              <p:style>
+                <a:lnRef idx="2">
+                  <a:schemeClr val="accent6"/>
+                </a:lnRef>
+                <a:fillRef idx="1">
+                  <a:schemeClr val="lt1"/>
+                </a:fillRef>
+                <a:effectRef idx="0">
+                  <a:schemeClr val="accent6"/>
+                </a:effectRef>
+                <a:fontRef idx="minor">
+                  <a:schemeClr val="dk1"/>
+                </a:fontRef>
+              </p:style>
+              <p:txBody>
+                <a:bodyPr rtlCol="0" anchor="ctr"/>
+                <a:lstStyle/>
+                <a:p>
+                  <a:pPr algn="r"/>
+                  <a:endParaRPr lang="zh-CN" altLang="en-US" dirty="0"/>
+                </a:p>
+              </p:txBody>
+            </p:sp>
+            <p:sp>
+              <p:nvSpPr>
+                <p:cNvPr id="66" name="矩形 65">
+                  <a:extLst>
+                    <a:ext uri="{FF2B5EF4-FFF2-40B4-BE49-F238E27FC236}">
+                      <a16:creationId xmlns:a16="http://schemas.microsoft.com/office/drawing/2014/main" id="{B9BE4EE8-2590-434A-AC63-B2D7B2E8C915}"/>
+                    </a:ext>
+                  </a:extLst>
+                </p:cNvPr>
+                <p:cNvSpPr/>
+                <p:nvPr/>
+              </p:nvSpPr>
+              <p:spPr>
+                <a:xfrm>
+                  <a:off x="10685726" y="4428285"/>
+                  <a:ext cx="1279033" cy="471686"/>
+                </a:xfrm>
+                <a:prstGeom prst="rect">
+                  <a:avLst/>
+                </a:prstGeom>
+              </p:spPr>
+              <p:style>
+                <a:lnRef idx="2">
+                  <a:schemeClr val="accent6">
+                    <a:shade val="50000"/>
+                  </a:schemeClr>
+                </a:lnRef>
+                <a:fillRef idx="1">
+                  <a:schemeClr val="accent6"/>
+                </a:fillRef>
+                <a:effectRef idx="0">
+                  <a:schemeClr val="accent6"/>
+                </a:effectRef>
+                <a:fontRef idx="minor">
+                  <a:schemeClr val="lt1"/>
+                </a:fontRef>
+              </p:style>
+              <p:txBody>
+                <a:bodyPr rtlCol="0" anchor="ctr"/>
+                <a:lstStyle/>
+                <a:p>
+                  <a:pPr algn="ctr"/>
+                  <a:r>
+                    <a:rPr lang="en-US" altLang="zh-CN" dirty="0"/>
+                    <a:t>Server </a:t>
+                  </a:r>
+                </a:p>
+                <a:p>
+                  <a:pPr algn="ctr"/>
+                  <a:r>
+                    <a:rPr lang="en-US" altLang="zh-CN" dirty="0"/>
+                    <a:t>Manager</a:t>
+                  </a:r>
+                  <a:endParaRPr lang="zh-CN" altLang="en-US" dirty="0"/>
+                </a:p>
+              </p:txBody>
+            </p:sp>
+            <p:sp>
+              <p:nvSpPr>
+                <p:cNvPr id="68" name="矩形 67">
+                  <a:extLst>
+                    <a:ext uri="{FF2B5EF4-FFF2-40B4-BE49-F238E27FC236}">
+                      <a16:creationId xmlns:a16="http://schemas.microsoft.com/office/drawing/2014/main" id="{309DB223-AFB6-477C-B539-A733F4157003}"/>
+                    </a:ext>
+                  </a:extLst>
+                </p:cNvPr>
+                <p:cNvSpPr/>
+                <p:nvPr/>
+              </p:nvSpPr>
+              <p:spPr>
+                <a:xfrm>
+                  <a:off x="6258169" y="4432378"/>
+                  <a:ext cx="1279033" cy="471686"/>
+                </a:xfrm>
+                <a:prstGeom prst="rect">
+                  <a:avLst/>
+                </a:prstGeom>
+              </p:spPr>
+              <p:style>
+                <a:lnRef idx="2">
+                  <a:schemeClr val="accent6">
+                    <a:shade val="50000"/>
+                  </a:schemeClr>
+                </a:lnRef>
+                <a:fillRef idx="1">
+                  <a:schemeClr val="accent6"/>
+                </a:fillRef>
+                <a:effectRef idx="0">
+                  <a:schemeClr val="accent6"/>
+                </a:effectRef>
+                <a:fontRef idx="minor">
+                  <a:schemeClr val="lt1"/>
+                </a:fontRef>
+              </p:style>
+              <p:txBody>
+                <a:bodyPr rtlCol="0" anchor="ctr"/>
+                <a:lstStyle/>
+                <a:p>
+                  <a:pPr algn="ctr"/>
+                  <a:r>
+                    <a:rPr lang="en-US" altLang="zh-CN" dirty="0"/>
+                    <a:t>Classifier</a:t>
+                  </a:r>
+                </a:p>
+                <a:p>
+                  <a:pPr algn="ctr"/>
+                  <a:r>
+                    <a:rPr lang="en-US" altLang="zh-CN" dirty="0"/>
+                    <a:t>Controller</a:t>
+                  </a:r>
+                  <a:endParaRPr lang="zh-CN" altLang="en-US" dirty="0"/>
+                </a:p>
+              </p:txBody>
+            </p:sp>
+          </p:grpSp>
+          <p:sp>
+            <p:nvSpPr>
+              <p:cNvPr id="69" name="矩形 68">
+                <a:extLst>
+                  <a:ext uri="{FF2B5EF4-FFF2-40B4-BE49-F238E27FC236}">
+                    <a16:creationId xmlns:a16="http://schemas.microsoft.com/office/drawing/2014/main" id="{DD37CC3F-175E-4B74-995E-B0A051C6E000}"/>
+                  </a:ext>
+                </a:extLst>
+              </p:cNvPr>
+              <p:cNvSpPr/>
+              <p:nvPr/>
+            </p:nvSpPr>
+            <p:spPr>
+              <a:xfrm>
+                <a:off x="1341550" y="4758579"/>
+                <a:ext cx="1298023" cy="471686"/>
+              </a:xfrm>
+              <a:prstGeom prst="rect">
+                <a:avLst/>
+              </a:prstGeom>
+            </p:spPr>
+            <p:style>
+              <a:lnRef idx="2">
+                <a:schemeClr val="accent6">
+                  <a:shade val="50000"/>
+                </a:schemeClr>
+              </a:lnRef>
+              <a:fillRef idx="1">
+                <a:schemeClr val="accent6"/>
+              </a:fillRef>
+              <a:effectRef idx="0">
+                <a:schemeClr val="accent6"/>
+              </a:effectRef>
+              <a:fontRef idx="minor">
+                <a:schemeClr val="lt1"/>
+              </a:fontRef>
+            </p:style>
+            <p:txBody>
+              <a:bodyPr rtlCol="0" anchor="ctr"/>
+              <a:lstStyle/>
+              <a:p>
+                <a:pPr algn="ctr"/>
+                <a:r>
+                  <a:rPr lang="en-US" altLang="zh-CN" dirty="0"/>
+                  <a:t>RYU </a:t>
+                </a:r>
+                <a:r>
+                  <a:rPr lang="en-US" altLang="zh-CN" dirty="0" err="1"/>
+                  <a:t>CmdAgent</a:t>
+                </a:r>
+                <a:endParaRPr lang="zh-CN" altLang="en-US" dirty="0"/>
+              </a:p>
+            </p:txBody>
+          </p:sp>
+          <p:sp>
+            <p:nvSpPr>
+              <p:cNvPr id="17" name="矩形 16">
+                <a:extLst>
+                  <a:ext uri="{FF2B5EF4-FFF2-40B4-BE49-F238E27FC236}">
+                    <a16:creationId xmlns:a16="http://schemas.microsoft.com/office/drawing/2014/main" id="{A4DB3671-BDD1-46C4-A48B-12672E8747DE}"/>
+                  </a:ext>
+                </a:extLst>
+              </p:cNvPr>
+              <p:cNvSpPr/>
+              <p:nvPr/>
+            </p:nvSpPr>
+            <p:spPr>
+              <a:xfrm>
+                <a:off x="1154097" y="4524566"/>
+                <a:ext cx="7963270" cy="934676"/>
+              </a:xfrm>
+              <a:prstGeom prst="rect">
+                <a:avLst/>
+              </a:prstGeom>
+              <a:noFill/>
+              <a:ln w="28575"/>
+            </p:spPr>
+            <p:style>
+              <a:lnRef idx="2">
+                <a:schemeClr val="accent4"/>
+              </a:lnRef>
+              <a:fillRef idx="1">
+                <a:schemeClr val="lt1"/>
+              </a:fillRef>
+              <a:effectRef idx="0">
+                <a:schemeClr val="accent4"/>
+              </a:effectRef>
+              <a:fontRef idx="minor">
+                <a:schemeClr val="dk1"/>
+              </a:fontRef>
+            </p:style>
+            <p:txBody>
+              <a:bodyPr rtlCol="0" anchor="ctr"/>
+              <a:lstStyle/>
+              <a:p>
+                <a:pPr algn="ctr"/>
+                <a:endParaRPr lang="zh-CN" altLang="en-US"/>
+              </a:p>
+            </p:txBody>
+          </p:sp>
+        </p:grpSp>
+        <p:sp>
+          <p:nvSpPr>
+            <p:cNvPr id="25" name="文本框 24">
+              <a:extLst>
+                <a:ext uri="{FF2B5EF4-FFF2-40B4-BE49-F238E27FC236}">
+                  <a16:creationId xmlns:a16="http://schemas.microsoft.com/office/drawing/2014/main" id="{07C5E1B8-038D-4566-B4BE-85615DE1822A}"/>
+                </a:ext>
+              </a:extLst>
+            </p:cNvPr>
+            <p:cNvSpPr txBox="1"/>
+            <p:nvPr/>
+          </p:nvSpPr>
+          <p:spPr>
+            <a:xfrm>
+              <a:off x="507272" y="5039233"/>
+              <a:ext cx="909223" cy="369332"/>
+            </a:xfrm>
+            <a:prstGeom prst="rect">
+              <a:avLst/>
+            </a:prstGeom>
+            <a:noFill/>
+          </p:spPr>
+          <p:txBody>
+            <a:bodyPr wrap="none" rtlCol="0">
+              <a:spAutoFit/>
+            </a:bodyPr>
+            <a:lstStyle/>
+            <a:p>
+              <a:r>
+                <a:rPr lang="en-US" altLang="zh-CN" b="1" dirty="0"/>
+                <a:t>Zone 1</a:t>
+              </a:r>
+              <a:endParaRPr lang="zh-CN" altLang="en-US" b="1" dirty="0"/>
+            </a:p>
+          </p:txBody>
+        </p:sp>
+      </p:grpSp>
+      <p:grpSp>
+        <p:nvGrpSpPr>
+          <p:cNvPr id="34" name="组合 33">
+            <a:extLst>
+              <a:ext uri="{FF2B5EF4-FFF2-40B4-BE49-F238E27FC236}">
+                <a16:creationId xmlns:a16="http://schemas.microsoft.com/office/drawing/2014/main" id="{81EAA146-E594-47A6-975B-A7CDAD1BDD37}"/>
+              </a:ext>
+            </a:extLst>
+          </p:cNvPr>
+          <p:cNvGrpSpPr/>
+          <p:nvPr/>
+        </p:nvGrpSpPr>
+        <p:grpSpPr>
+          <a:xfrm>
+            <a:off x="3979284" y="5513718"/>
+            <a:ext cx="7963270" cy="1009293"/>
+            <a:chOff x="3979284" y="5513718"/>
+            <a:chExt cx="7963270" cy="1009293"/>
+          </a:xfrm>
+        </p:grpSpPr>
+        <p:grpSp>
+          <p:nvGrpSpPr>
+            <p:cNvPr id="111" name="组合 110">
+              <a:extLst>
+                <a:ext uri="{FF2B5EF4-FFF2-40B4-BE49-F238E27FC236}">
+                  <a16:creationId xmlns:a16="http://schemas.microsoft.com/office/drawing/2014/main" id="{F4401360-85F7-4665-AB5C-52D974558D0B}"/>
+                </a:ext>
+              </a:extLst>
+            </p:cNvPr>
+            <p:cNvGrpSpPr/>
+            <p:nvPr/>
+          </p:nvGrpSpPr>
+          <p:grpSpPr>
+            <a:xfrm>
+              <a:off x="3979284" y="5513718"/>
+              <a:ext cx="7963270" cy="934676"/>
+              <a:chOff x="1154097" y="4524566"/>
+              <a:chExt cx="7963270" cy="934676"/>
+            </a:xfrm>
+          </p:grpSpPr>
+          <p:grpSp>
+            <p:nvGrpSpPr>
+              <p:cNvPr id="112" name="组合 111">
+                <a:extLst>
+                  <a:ext uri="{FF2B5EF4-FFF2-40B4-BE49-F238E27FC236}">
+                    <a16:creationId xmlns:a16="http://schemas.microsoft.com/office/drawing/2014/main" id="{46AF8381-470A-41C9-A69B-FECD7F56A54D}"/>
+                  </a:ext>
+                </a:extLst>
+              </p:cNvPr>
+              <p:cNvGrpSpPr/>
+              <p:nvPr/>
+            </p:nvGrpSpPr>
+            <p:grpSpPr>
+              <a:xfrm>
+                <a:off x="2950861" y="4678630"/>
+                <a:ext cx="5961638" cy="673192"/>
+                <a:chOff x="6085926" y="4341438"/>
+                <a:chExt cx="5961638" cy="673192"/>
+              </a:xfrm>
+            </p:grpSpPr>
+            <p:sp>
+              <p:nvSpPr>
+                <p:cNvPr id="116" name="矩形 115">
+                  <a:extLst>
+                    <a:ext uri="{FF2B5EF4-FFF2-40B4-BE49-F238E27FC236}">
+                      <a16:creationId xmlns:a16="http://schemas.microsoft.com/office/drawing/2014/main" id="{AEBCA444-FF39-4E05-A568-0F22EAC7CAE9}"/>
+                    </a:ext>
+                  </a:extLst>
+                </p:cNvPr>
+                <p:cNvSpPr/>
+                <p:nvPr/>
+              </p:nvSpPr>
+              <p:spPr>
+                <a:xfrm>
+                  <a:off x="7703655" y="4438478"/>
+                  <a:ext cx="1306604" cy="471686"/>
+                </a:xfrm>
+                <a:prstGeom prst="rect">
+                  <a:avLst/>
+                </a:prstGeom>
+              </p:spPr>
+              <p:style>
+                <a:lnRef idx="2">
+                  <a:schemeClr val="accent6">
+                    <a:shade val="50000"/>
+                  </a:schemeClr>
+                </a:lnRef>
+                <a:fillRef idx="1">
+                  <a:schemeClr val="accent6"/>
+                </a:fillRef>
+                <a:effectRef idx="0">
+                  <a:schemeClr val="accent6"/>
+                </a:effectRef>
+                <a:fontRef idx="minor">
+                  <a:schemeClr val="lt1"/>
+                </a:fontRef>
+              </p:style>
+              <p:txBody>
+                <a:bodyPr rtlCol="0" anchor="ctr"/>
+                <a:lstStyle/>
+                <a:p>
+                  <a:pPr algn="ctr"/>
+                  <a:r>
+                    <a:rPr lang="en-US" altLang="zh-CN" dirty="0"/>
+                    <a:t>SFF</a:t>
+                  </a:r>
+                </a:p>
+                <a:p>
+                  <a:pPr algn="ctr"/>
+                  <a:r>
+                    <a:rPr lang="en-US" altLang="zh-CN" dirty="0"/>
+                    <a:t>Controller</a:t>
+                  </a:r>
+                  <a:endParaRPr lang="zh-CN" altLang="en-US" dirty="0"/>
+                </a:p>
+              </p:txBody>
+            </p:sp>
+            <p:sp>
+              <p:nvSpPr>
+                <p:cNvPr id="117" name="矩形 116">
+                  <a:extLst>
+                    <a:ext uri="{FF2B5EF4-FFF2-40B4-BE49-F238E27FC236}">
+                      <a16:creationId xmlns:a16="http://schemas.microsoft.com/office/drawing/2014/main" id="{8D4BD195-6C7D-4AFE-8796-FAB6D4420EDB}"/>
+                    </a:ext>
+                  </a:extLst>
+                </p:cNvPr>
+                <p:cNvSpPr/>
+                <p:nvPr/>
+              </p:nvSpPr>
+              <p:spPr>
+                <a:xfrm>
+                  <a:off x="9206559" y="4436677"/>
+                  <a:ext cx="1279033" cy="471686"/>
+                </a:xfrm>
+                <a:prstGeom prst="rect">
+                  <a:avLst/>
+                </a:prstGeom>
+              </p:spPr>
+              <p:style>
+                <a:lnRef idx="2">
+                  <a:schemeClr val="accent6">
+                    <a:shade val="50000"/>
+                  </a:schemeClr>
+                </a:lnRef>
+                <a:fillRef idx="1">
+                  <a:schemeClr val="accent6"/>
+                </a:fillRef>
+                <a:effectRef idx="0">
+                  <a:schemeClr val="accent6"/>
+                </a:effectRef>
+                <a:fontRef idx="minor">
+                  <a:schemeClr val="lt1"/>
+                </a:fontRef>
+              </p:style>
+              <p:txBody>
+                <a:bodyPr rtlCol="0" anchor="ctr"/>
+                <a:lstStyle/>
+                <a:p>
+                  <a:pPr algn="ctr"/>
+                  <a:r>
+                    <a:rPr lang="en-US" altLang="zh-CN" dirty="0"/>
+                    <a:t>VNF</a:t>
+                  </a:r>
+                </a:p>
+                <a:p>
+                  <a:pPr algn="ctr"/>
+                  <a:r>
+                    <a:rPr lang="en-US" altLang="zh-CN" dirty="0"/>
+                    <a:t>Controller</a:t>
+                  </a:r>
+                  <a:endParaRPr lang="zh-CN" altLang="en-US" dirty="0"/>
+                </a:p>
+              </p:txBody>
+            </p:sp>
+            <p:sp>
+              <p:nvSpPr>
+                <p:cNvPr id="119" name="矩形 118">
+                  <a:extLst>
+                    <a:ext uri="{FF2B5EF4-FFF2-40B4-BE49-F238E27FC236}">
+                      <a16:creationId xmlns:a16="http://schemas.microsoft.com/office/drawing/2014/main" id="{25886148-A5AD-47D8-88F9-60A2C9E2E02D}"/>
+                    </a:ext>
+                  </a:extLst>
+                </p:cNvPr>
+                <p:cNvSpPr/>
+                <p:nvPr/>
+              </p:nvSpPr>
+              <p:spPr>
+                <a:xfrm>
+                  <a:off x="6085926" y="4341438"/>
+                  <a:ext cx="5961638" cy="673192"/>
+                </a:xfrm>
+                <a:prstGeom prst="rect">
+                  <a:avLst/>
+                </a:prstGeom>
+                <a:noFill/>
+                <a:ln w="57150"/>
+              </p:spPr>
+              <p:style>
+                <a:lnRef idx="2">
+                  <a:schemeClr val="accent6"/>
+                </a:lnRef>
+                <a:fillRef idx="1">
+                  <a:schemeClr val="lt1"/>
+                </a:fillRef>
+                <a:effectRef idx="0">
+                  <a:schemeClr val="accent6"/>
+                </a:effectRef>
+                <a:fontRef idx="minor">
+                  <a:schemeClr val="dk1"/>
+                </a:fontRef>
+              </p:style>
+              <p:txBody>
+                <a:bodyPr rtlCol="0" anchor="ctr"/>
+                <a:lstStyle/>
+                <a:p>
+                  <a:pPr algn="r"/>
+                  <a:endParaRPr lang="zh-CN" altLang="en-US" dirty="0"/>
+                </a:p>
+              </p:txBody>
+            </p:sp>
+            <p:sp>
+              <p:nvSpPr>
+                <p:cNvPr id="120" name="矩形 119">
+                  <a:extLst>
+                    <a:ext uri="{FF2B5EF4-FFF2-40B4-BE49-F238E27FC236}">
+                      <a16:creationId xmlns:a16="http://schemas.microsoft.com/office/drawing/2014/main" id="{A9EC7169-14FC-414F-8FE1-1BA09BBF4FD7}"/>
+                    </a:ext>
+                  </a:extLst>
+                </p:cNvPr>
+                <p:cNvSpPr/>
+                <p:nvPr/>
+              </p:nvSpPr>
+              <p:spPr>
+                <a:xfrm>
+                  <a:off x="10685726" y="4428285"/>
+                  <a:ext cx="1279033" cy="471686"/>
+                </a:xfrm>
+                <a:prstGeom prst="rect">
+                  <a:avLst/>
+                </a:prstGeom>
+              </p:spPr>
+              <p:style>
+                <a:lnRef idx="2">
+                  <a:schemeClr val="accent6">
+                    <a:shade val="50000"/>
+                  </a:schemeClr>
+                </a:lnRef>
+                <a:fillRef idx="1">
+                  <a:schemeClr val="accent6"/>
+                </a:fillRef>
+                <a:effectRef idx="0">
+                  <a:schemeClr val="accent6"/>
+                </a:effectRef>
+                <a:fontRef idx="minor">
+                  <a:schemeClr val="lt1"/>
+                </a:fontRef>
+              </p:style>
+              <p:txBody>
+                <a:bodyPr rtlCol="0" anchor="ctr"/>
+                <a:lstStyle/>
+                <a:p>
+                  <a:pPr algn="ctr"/>
+                  <a:r>
+                    <a:rPr lang="en-US" altLang="zh-CN" dirty="0"/>
+                    <a:t>Server </a:t>
+                  </a:r>
+                </a:p>
+                <a:p>
+                  <a:pPr algn="ctr"/>
+                  <a:r>
+                    <a:rPr lang="en-US" altLang="zh-CN" dirty="0"/>
+                    <a:t>Manager</a:t>
+                  </a:r>
+                  <a:endParaRPr lang="zh-CN" altLang="en-US" dirty="0"/>
+                </a:p>
+              </p:txBody>
+            </p:sp>
+            <p:sp>
+              <p:nvSpPr>
+                <p:cNvPr id="121" name="矩形 120">
+                  <a:extLst>
+                    <a:ext uri="{FF2B5EF4-FFF2-40B4-BE49-F238E27FC236}">
+                      <a16:creationId xmlns:a16="http://schemas.microsoft.com/office/drawing/2014/main" id="{4105F97D-FBA6-4153-B9E5-FDE6EB9A7DB3}"/>
+                    </a:ext>
+                  </a:extLst>
+                </p:cNvPr>
+                <p:cNvSpPr/>
+                <p:nvPr/>
+              </p:nvSpPr>
+              <p:spPr>
+                <a:xfrm>
+                  <a:off x="6258169" y="4432378"/>
+                  <a:ext cx="1279033" cy="471686"/>
+                </a:xfrm>
+                <a:prstGeom prst="rect">
+                  <a:avLst/>
+                </a:prstGeom>
+              </p:spPr>
+              <p:style>
+                <a:lnRef idx="2">
+                  <a:schemeClr val="accent6">
+                    <a:shade val="50000"/>
+                  </a:schemeClr>
+                </a:lnRef>
+                <a:fillRef idx="1">
+                  <a:schemeClr val="accent6"/>
+                </a:fillRef>
+                <a:effectRef idx="0">
+                  <a:schemeClr val="accent6"/>
+                </a:effectRef>
+                <a:fontRef idx="minor">
+                  <a:schemeClr val="lt1"/>
+                </a:fontRef>
+              </p:style>
+              <p:txBody>
+                <a:bodyPr rtlCol="0" anchor="ctr"/>
+                <a:lstStyle/>
+                <a:p>
+                  <a:pPr algn="ctr"/>
+                  <a:r>
+                    <a:rPr lang="en-US" altLang="zh-CN" dirty="0"/>
+                    <a:t>Classifier</a:t>
+                  </a:r>
+                </a:p>
+                <a:p>
+                  <a:pPr algn="ctr"/>
+                  <a:r>
+                    <a:rPr lang="en-US" altLang="zh-CN" dirty="0"/>
+                    <a:t>Controller</a:t>
+                  </a:r>
+                  <a:endParaRPr lang="zh-CN" altLang="en-US" dirty="0"/>
+                </a:p>
+              </p:txBody>
+            </p:sp>
+          </p:grpSp>
+          <p:sp>
+            <p:nvSpPr>
+              <p:cNvPr id="113" name="矩形 112">
+                <a:extLst>
+                  <a:ext uri="{FF2B5EF4-FFF2-40B4-BE49-F238E27FC236}">
+                    <a16:creationId xmlns:a16="http://schemas.microsoft.com/office/drawing/2014/main" id="{7C8A3DB7-91B8-4953-BDFD-CD82C9B09C0E}"/>
+                  </a:ext>
+                </a:extLst>
+              </p:cNvPr>
+              <p:cNvSpPr/>
+              <p:nvPr/>
+            </p:nvSpPr>
+            <p:spPr>
+              <a:xfrm>
+                <a:off x="1341550" y="4758579"/>
+                <a:ext cx="1298023" cy="471686"/>
+              </a:xfrm>
+              <a:prstGeom prst="rect">
+                <a:avLst/>
+              </a:prstGeom>
+            </p:spPr>
+            <p:style>
+              <a:lnRef idx="2">
+                <a:schemeClr val="accent6">
+                  <a:shade val="50000"/>
+                </a:schemeClr>
+              </a:lnRef>
+              <a:fillRef idx="1">
+                <a:schemeClr val="accent6"/>
+              </a:fillRef>
+              <a:effectRef idx="0">
+                <a:schemeClr val="accent6"/>
+              </a:effectRef>
+              <a:fontRef idx="minor">
+                <a:schemeClr val="lt1"/>
+              </a:fontRef>
+            </p:style>
+            <p:txBody>
+              <a:bodyPr rtlCol="0" anchor="ctr"/>
+              <a:lstStyle/>
+              <a:p>
+                <a:pPr algn="ctr"/>
+                <a:r>
+                  <a:rPr lang="en-US" altLang="zh-CN" dirty="0"/>
+                  <a:t>RYU </a:t>
+                </a:r>
+                <a:r>
+                  <a:rPr lang="en-US" altLang="zh-CN" dirty="0" err="1"/>
+                  <a:t>CmdAgent</a:t>
+                </a:r>
+                <a:endParaRPr lang="zh-CN" altLang="en-US" dirty="0"/>
+              </a:p>
+            </p:txBody>
+          </p:sp>
+          <p:sp>
+            <p:nvSpPr>
+              <p:cNvPr id="114" name="矩形 113">
+                <a:extLst>
+                  <a:ext uri="{FF2B5EF4-FFF2-40B4-BE49-F238E27FC236}">
+                    <a16:creationId xmlns:a16="http://schemas.microsoft.com/office/drawing/2014/main" id="{9312AAAF-0618-4752-ABF5-440A670C26BE}"/>
+                  </a:ext>
+                </a:extLst>
+              </p:cNvPr>
+              <p:cNvSpPr/>
+              <p:nvPr/>
+            </p:nvSpPr>
+            <p:spPr>
+              <a:xfrm>
+                <a:off x="1154097" y="4524566"/>
+                <a:ext cx="7963270" cy="934676"/>
+              </a:xfrm>
+              <a:prstGeom prst="rect">
+                <a:avLst/>
+              </a:prstGeom>
+              <a:noFill/>
+              <a:ln w="28575"/>
+            </p:spPr>
+            <p:style>
+              <a:lnRef idx="2">
+                <a:schemeClr val="accent4"/>
+              </a:lnRef>
+              <a:fillRef idx="1">
+                <a:schemeClr val="lt1"/>
+              </a:fillRef>
+              <a:effectRef idx="0">
+                <a:schemeClr val="accent4"/>
+              </a:effectRef>
+              <a:fontRef idx="minor">
+                <a:schemeClr val="dk1"/>
+              </a:fontRef>
+            </p:style>
+            <p:txBody>
+              <a:bodyPr rtlCol="0" anchor="ctr"/>
+              <a:lstStyle/>
+              <a:p>
+                <a:pPr algn="ctr"/>
+                <a:endParaRPr lang="zh-CN" altLang="en-US"/>
+              </a:p>
+            </p:txBody>
+          </p:sp>
+        </p:grpSp>
+        <p:sp>
+          <p:nvSpPr>
+            <p:cNvPr id="124" name="文本框 123">
+              <a:extLst>
+                <a:ext uri="{FF2B5EF4-FFF2-40B4-BE49-F238E27FC236}">
+                  <a16:creationId xmlns:a16="http://schemas.microsoft.com/office/drawing/2014/main" id="{6374950D-6D2D-47B1-954B-8978F1FBEF20}"/>
+                </a:ext>
+              </a:extLst>
+            </p:cNvPr>
+            <p:cNvSpPr txBox="1"/>
+            <p:nvPr/>
+          </p:nvSpPr>
+          <p:spPr>
+            <a:xfrm>
+              <a:off x="4279907" y="6153679"/>
+              <a:ext cx="909223" cy="369332"/>
+            </a:xfrm>
+            <a:prstGeom prst="rect">
+              <a:avLst/>
+            </a:prstGeom>
+            <a:noFill/>
+          </p:spPr>
+          <p:txBody>
+            <a:bodyPr wrap="none" rtlCol="0">
+              <a:spAutoFit/>
+            </a:bodyPr>
+            <a:lstStyle/>
+            <a:p>
+              <a:r>
+                <a:rPr lang="en-US" altLang="zh-CN" b="1" dirty="0"/>
+                <a:t>Zone 2</a:t>
+              </a:r>
+              <a:endParaRPr lang="zh-CN" altLang="en-US" b="1" dirty="0"/>
+            </a:p>
+          </p:txBody>
+        </p:sp>
+      </p:grpSp>
+      <p:sp>
+        <p:nvSpPr>
+          <p:cNvPr id="4" name="文本框 3">
+            <a:extLst>
+              <a:ext uri="{FF2B5EF4-FFF2-40B4-BE49-F238E27FC236}">
+                <a16:creationId xmlns:a16="http://schemas.microsoft.com/office/drawing/2014/main" id="{FBF713BD-228D-4452-A609-3362721FF4B9}"/>
+              </a:ext>
+            </a:extLst>
+          </p:cNvPr>
+          <p:cNvSpPr txBox="1"/>
+          <p:nvPr/>
+        </p:nvSpPr>
+        <p:spPr>
+          <a:xfrm>
+            <a:off x="8432944" y="4722426"/>
+            <a:ext cx="3042821" cy="369332"/>
+          </a:xfrm>
+          <a:prstGeom prst="rect">
+            <a:avLst/>
+          </a:prstGeom>
+          <a:noFill/>
+        </p:spPr>
+        <p:txBody>
+          <a:bodyPr wrap="none" rtlCol="0">
+            <a:spAutoFit/>
+          </a:bodyPr>
+          <a:lstStyle/>
+          <a:p>
+            <a:r>
+              <a:rPr lang="zh-CN" altLang="en-US" dirty="0"/>
+              <a:t>不同</a:t>
+            </a:r>
+            <a:r>
+              <a:rPr lang="en-US" altLang="zh-CN" dirty="0"/>
+              <a:t>zone</a:t>
+            </a:r>
+            <a:r>
+              <a:rPr lang="zh-CN" altLang="en-US" dirty="0"/>
+              <a:t>的</a:t>
+            </a:r>
+            <a:r>
+              <a:rPr lang="en-US" altLang="zh-CN" dirty="0" err="1"/>
+              <a:t>queueName</a:t>
+            </a:r>
+            <a:r>
+              <a:rPr lang="zh-CN" altLang="en-US" dirty="0"/>
+              <a:t>不同</a:t>
+            </a:r>
+          </a:p>
+        </p:txBody>
+      </p:sp>
+      <p:sp>
+        <p:nvSpPr>
+          <p:cNvPr id="127" name="文本框 126">
+            <a:extLst>
+              <a:ext uri="{FF2B5EF4-FFF2-40B4-BE49-F238E27FC236}">
+                <a16:creationId xmlns:a16="http://schemas.microsoft.com/office/drawing/2014/main" id="{2FEC6B10-8CA1-4855-93B3-A99BCA236002}"/>
               </a:ext>
             </a:extLst>
           </p:cNvPr>
@@ -13985,7 +15616,7 @@
           <a:p>
             <a:r>
               <a:rPr lang="en-US" altLang="zh-CN" dirty="0"/>
-              <a:t>Network info (Real-time info)</a:t>
+              <a:t>Network info</a:t>
             </a:r>
           </a:p>
           <a:p>
@@ -13995,7 +15626,7 @@
             </a:pPr>
             <a:r>
               <a:rPr lang="en-US" altLang="zh-CN" sz="1400" dirty="0"/>
-              <a:t>Switch info</a:t>
+              <a:t>Switches</a:t>
             </a:r>
           </a:p>
           <a:p>
@@ -14005,27 +15636,1315 @@
             </a:pPr>
             <a:r>
               <a:rPr lang="en-US" altLang="zh-CN" sz="1400" dirty="0"/>
-              <a:t>Server info</a:t>
-            </a:r>
-          </a:p>
-          <a:p>
-            <a:pPr marL="1200150" lvl="2" indent="-285750">
+              <a:t>Links</a:t>
+            </a:r>
+          </a:p>
+          <a:p>
+            <a:pPr marL="742950" lvl="1" indent="-285750">
               <a:buFont typeface="Arial" panose="020B0604020202020204" pitchFamily="34" charset="0"/>
               <a:buChar char="•"/>
             </a:pPr>
             <a:r>
               <a:rPr lang="en-US" altLang="zh-CN" sz="1400" dirty="0"/>
-              <a:t>VNF info</a:t>
-            </a:r>
-          </a:p>
-          <a:p>
-            <a:pPr marL="1200150" lvl="2" indent="-285750">
+              <a:t>Servers</a:t>
+            </a:r>
+          </a:p>
+          <a:p>
+            <a:pPr marL="742950" lvl="1" indent="-285750">
               <a:buFont typeface="Arial" panose="020B0604020202020204" pitchFamily="34" charset="0"/>
               <a:buChar char="•"/>
             </a:pPr>
             <a:r>
               <a:rPr lang="en-US" altLang="zh-CN" sz="1400" dirty="0"/>
-              <a:t>SFF info</a:t>
+              <a:t>Hosts</a:t>
+            </a:r>
+          </a:p>
+        </p:txBody>
+      </p:sp>
+      <p:sp>
+        <p:nvSpPr>
+          <p:cNvPr id="128" name="矩形 127">
+            <a:extLst>
+              <a:ext uri="{FF2B5EF4-FFF2-40B4-BE49-F238E27FC236}">
+                <a16:creationId xmlns:a16="http://schemas.microsoft.com/office/drawing/2014/main" id="{1FCE7B30-5143-4641-9826-62A1F71F077F}"/>
+              </a:ext>
+            </a:extLst>
+          </p:cNvPr>
+          <p:cNvSpPr/>
+          <p:nvPr/>
+        </p:nvSpPr>
+        <p:spPr>
+          <a:xfrm>
+            <a:off x="6023282" y="2001325"/>
+            <a:ext cx="1633586" cy="833736"/>
+          </a:xfrm>
+          <a:prstGeom prst="rect">
+            <a:avLst/>
+          </a:prstGeom>
+        </p:spPr>
+        <p:style>
+          <a:lnRef idx="2">
+            <a:schemeClr val="accent1">
+              <a:shade val="50000"/>
+            </a:schemeClr>
+          </a:lnRef>
+          <a:fillRef idx="1">
+            <a:schemeClr val="accent1"/>
+          </a:fillRef>
+          <a:effectRef idx="0">
+            <a:schemeClr val="accent1"/>
+          </a:effectRef>
+          <a:fontRef idx="minor">
+            <a:schemeClr val="lt1"/>
+          </a:fontRef>
+        </p:style>
+        <p:txBody>
+          <a:bodyPr rtlCol="0" anchor="ctr"/>
+          <a:lstStyle/>
+          <a:p>
+            <a:pPr algn="ctr"/>
+            <a:r>
+              <a:rPr lang="en-US" altLang="zh-CN" dirty="0"/>
+              <a:t>Orchestration</a:t>
+            </a:r>
+            <a:endParaRPr lang="zh-CN" altLang="en-US" dirty="0"/>
+          </a:p>
+        </p:txBody>
+      </p:sp>
+      <p:sp>
+        <p:nvSpPr>
+          <p:cNvPr id="129" name="圆柱体 128">
+            <a:extLst>
+              <a:ext uri="{FF2B5EF4-FFF2-40B4-BE49-F238E27FC236}">
+                <a16:creationId xmlns:a16="http://schemas.microsoft.com/office/drawing/2014/main" id="{A2FB7CD0-5085-4D6F-85F9-38FBC02561B0}"/>
+              </a:ext>
+            </a:extLst>
+          </p:cNvPr>
+          <p:cNvSpPr/>
+          <p:nvPr/>
+        </p:nvSpPr>
+        <p:spPr>
+          <a:xfrm>
+            <a:off x="5931680" y="933586"/>
+            <a:ext cx="1805812" cy="719423"/>
+          </a:xfrm>
+          <a:prstGeom prst="can">
+            <a:avLst/>
+          </a:prstGeom>
+        </p:spPr>
+        <p:style>
+          <a:lnRef idx="2">
+            <a:schemeClr val="accent1">
+              <a:shade val="50000"/>
+            </a:schemeClr>
+          </a:lnRef>
+          <a:fillRef idx="1">
+            <a:schemeClr val="accent1"/>
+          </a:fillRef>
+          <a:effectRef idx="0">
+            <a:schemeClr val="accent1"/>
+          </a:effectRef>
+          <a:fontRef idx="minor">
+            <a:schemeClr val="lt1"/>
+          </a:fontRef>
+        </p:style>
+        <p:txBody>
+          <a:bodyPr rtlCol="0" anchor="ctr"/>
+          <a:lstStyle/>
+          <a:p>
+            <a:pPr algn="ctr"/>
+            <a:r>
+              <a:rPr lang="en-US" altLang="zh-CN" dirty="0"/>
+              <a:t>Database</a:t>
+            </a:r>
+          </a:p>
+        </p:txBody>
+      </p:sp>
+      <p:cxnSp>
+        <p:nvCxnSpPr>
+          <p:cNvPr id="130" name="直接箭头连接符 129">
+            <a:extLst>
+              <a:ext uri="{FF2B5EF4-FFF2-40B4-BE49-F238E27FC236}">
+                <a16:creationId xmlns:a16="http://schemas.microsoft.com/office/drawing/2014/main" id="{720FF18F-9C13-451C-BAC5-0EAD81FAFFE6}"/>
+              </a:ext>
+            </a:extLst>
+          </p:cNvPr>
+          <p:cNvCxnSpPr>
+            <a:cxnSpLocks/>
+            <a:stCxn id="129" idx="3"/>
+            <a:endCxn id="128" idx="0"/>
+          </p:cNvCxnSpPr>
+          <p:nvPr/>
+        </p:nvCxnSpPr>
+        <p:spPr>
+          <a:xfrm>
+            <a:off x="6834586" y="1653009"/>
+            <a:ext cx="5489" cy="348316"/>
+          </a:xfrm>
+          <a:prstGeom prst="straightConnector1">
+            <a:avLst/>
+          </a:prstGeom>
+          <a:ln w="28575">
+            <a:tailEnd type="triangle"/>
+          </a:ln>
+        </p:spPr>
+        <p:style>
+          <a:lnRef idx="2">
+            <a:schemeClr val="accent6"/>
+          </a:lnRef>
+          <a:fillRef idx="0">
+            <a:schemeClr val="accent6"/>
+          </a:fillRef>
+          <a:effectRef idx="1">
+            <a:schemeClr val="accent6"/>
+          </a:effectRef>
+          <a:fontRef idx="minor">
+            <a:schemeClr val="tx1"/>
+          </a:fontRef>
+        </p:style>
+      </p:cxnSp>
+      <p:sp>
+        <p:nvSpPr>
+          <p:cNvPr id="132" name="矩形 131">
+            <a:extLst>
+              <a:ext uri="{FF2B5EF4-FFF2-40B4-BE49-F238E27FC236}">
+                <a16:creationId xmlns:a16="http://schemas.microsoft.com/office/drawing/2014/main" id="{026F66B6-A934-4A33-AFAB-3BC270019F80}"/>
+              </a:ext>
+            </a:extLst>
+          </p:cNvPr>
+          <p:cNvSpPr/>
+          <p:nvPr/>
+        </p:nvSpPr>
+        <p:spPr>
+          <a:xfrm>
+            <a:off x="294855" y="1541292"/>
+            <a:ext cx="771224" cy="1741080"/>
+          </a:xfrm>
+          <a:prstGeom prst="rect">
+            <a:avLst/>
+          </a:prstGeom>
+        </p:spPr>
+        <p:style>
+          <a:lnRef idx="2">
+            <a:schemeClr val="accent3">
+              <a:shade val="50000"/>
+            </a:schemeClr>
+          </a:lnRef>
+          <a:fillRef idx="1">
+            <a:schemeClr val="accent3"/>
+          </a:fillRef>
+          <a:effectRef idx="0">
+            <a:schemeClr val="accent3"/>
+          </a:effectRef>
+          <a:fontRef idx="minor">
+            <a:schemeClr val="lt1"/>
+          </a:fontRef>
+        </p:style>
+        <p:txBody>
+          <a:bodyPr rtlCol="0" anchor="ctr"/>
+          <a:lstStyle/>
+          <a:p>
+            <a:pPr algn="ctr"/>
+            <a:r>
+              <a:rPr lang="en-US" altLang="zh-CN" sz="1400" dirty="0"/>
+              <a:t>Web</a:t>
+            </a:r>
+          </a:p>
+          <a:p>
+            <a:pPr algn="ctr"/>
+            <a:r>
+              <a:rPr lang="en-US" altLang="zh-CN" sz="1400" dirty="0"/>
+              <a:t>Front</a:t>
+            </a:r>
+          </a:p>
+          <a:p>
+            <a:pPr algn="ctr"/>
+            <a:r>
+              <a:rPr lang="en-US" altLang="zh-CN" sz="1400" dirty="0"/>
+              <a:t>End</a:t>
+            </a:r>
+            <a:endParaRPr lang="zh-CN" altLang="en-US" sz="1400" dirty="0"/>
+          </a:p>
+        </p:txBody>
+      </p:sp>
+      <p:sp>
+        <p:nvSpPr>
+          <p:cNvPr id="133" name="矩形 132">
+            <a:extLst>
+              <a:ext uri="{FF2B5EF4-FFF2-40B4-BE49-F238E27FC236}">
+                <a16:creationId xmlns:a16="http://schemas.microsoft.com/office/drawing/2014/main" id="{86C17C4F-A5D8-426D-B92D-DFB25733143A}"/>
+              </a:ext>
+            </a:extLst>
+          </p:cNvPr>
+          <p:cNvSpPr/>
+          <p:nvPr/>
+        </p:nvSpPr>
+        <p:spPr>
+          <a:xfrm>
+            <a:off x="1982240" y="1541291"/>
+            <a:ext cx="1642789" cy="592210"/>
+          </a:xfrm>
+          <a:prstGeom prst="rect">
+            <a:avLst/>
+          </a:prstGeom>
+        </p:spPr>
+        <p:style>
+          <a:lnRef idx="2">
+            <a:schemeClr val="accent3">
+              <a:shade val="50000"/>
+            </a:schemeClr>
+          </a:lnRef>
+          <a:fillRef idx="1">
+            <a:schemeClr val="accent3"/>
+          </a:fillRef>
+          <a:effectRef idx="0">
+            <a:schemeClr val="accent3"/>
+          </a:effectRef>
+          <a:fontRef idx="minor">
+            <a:schemeClr val="lt1"/>
+          </a:fontRef>
+        </p:style>
+        <p:txBody>
+          <a:bodyPr rtlCol="0" anchor="ctr"/>
+          <a:lstStyle/>
+          <a:p>
+            <a:pPr algn="ctr"/>
+            <a:r>
+              <a:rPr lang="en-US" altLang="zh-CN" sz="1400" dirty="0"/>
+              <a:t>create SFC request </a:t>
+            </a:r>
+            <a:endParaRPr lang="zh-CN" altLang="en-US" sz="1400" dirty="0"/>
+          </a:p>
+        </p:txBody>
+      </p:sp>
+      <p:sp>
+        <p:nvSpPr>
+          <p:cNvPr id="134" name="矩形 133">
+            <a:extLst>
+              <a:ext uri="{FF2B5EF4-FFF2-40B4-BE49-F238E27FC236}">
+                <a16:creationId xmlns:a16="http://schemas.microsoft.com/office/drawing/2014/main" id="{4A67718F-2A82-404D-A918-DECA843D554B}"/>
+              </a:ext>
+            </a:extLst>
+          </p:cNvPr>
+          <p:cNvSpPr/>
+          <p:nvPr/>
+        </p:nvSpPr>
+        <p:spPr>
+          <a:xfrm>
+            <a:off x="1986767" y="2141566"/>
+            <a:ext cx="1633587" cy="524819"/>
+          </a:xfrm>
+          <a:prstGeom prst="rect">
+            <a:avLst/>
+          </a:prstGeom>
+        </p:spPr>
+        <p:style>
+          <a:lnRef idx="2">
+            <a:schemeClr val="accent3">
+              <a:shade val="50000"/>
+            </a:schemeClr>
+          </a:lnRef>
+          <a:fillRef idx="1">
+            <a:schemeClr val="accent3"/>
+          </a:fillRef>
+          <a:effectRef idx="0">
+            <a:schemeClr val="accent3"/>
+          </a:effectRef>
+          <a:fontRef idx="minor">
+            <a:schemeClr val="lt1"/>
+          </a:fontRef>
+        </p:style>
+        <p:txBody>
+          <a:bodyPr rtlCol="0" anchor="ctr"/>
+          <a:lstStyle/>
+          <a:p>
+            <a:pPr algn="ctr"/>
+            <a:r>
+              <a:rPr lang="en-US" altLang="zh-CN" sz="1400" dirty="0"/>
+              <a:t>get SFC request </a:t>
+            </a:r>
+            <a:endParaRPr lang="zh-CN" altLang="en-US" sz="1400" dirty="0"/>
+          </a:p>
+        </p:txBody>
+      </p:sp>
+      <p:sp>
+        <p:nvSpPr>
+          <p:cNvPr id="135" name="矩形 134">
+            <a:extLst>
+              <a:ext uri="{FF2B5EF4-FFF2-40B4-BE49-F238E27FC236}">
+                <a16:creationId xmlns:a16="http://schemas.microsoft.com/office/drawing/2014/main" id="{CEA7101D-A6E9-4AB0-BE61-53F994D0E705}"/>
+              </a:ext>
+            </a:extLst>
+          </p:cNvPr>
+          <p:cNvSpPr/>
+          <p:nvPr/>
+        </p:nvSpPr>
+        <p:spPr>
+          <a:xfrm>
+            <a:off x="1991660" y="2674450"/>
+            <a:ext cx="1633586" cy="607921"/>
+          </a:xfrm>
+          <a:prstGeom prst="rect">
+            <a:avLst/>
+          </a:prstGeom>
+        </p:spPr>
+        <p:style>
+          <a:lnRef idx="2">
+            <a:schemeClr val="accent3">
+              <a:shade val="50000"/>
+            </a:schemeClr>
+          </a:lnRef>
+          <a:fillRef idx="1">
+            <a:schemeClr val="accent3"/>
+          </a:fillRef>
+          <a:effectRef idx="0">
+            <a:schemeClr val="accent3"/>
+          </a:effectRef>
+          <a:fontRef idx="minor">
+            <a:schemeClr val="lt1"/>
+          </a:fontRef>
+        </p:style>
+        <p:txBody>
+          <a:bodyPr rtlCol="0" anchor="ctr"/>
+          <a:lstStyle/>
+          <a:p>
+            <a:pPr algn="ctr"/>
+            <a:r>
+              <a:rPr lang="en-US" altLang="zh-CN" sz="1400" dirty="0"/>
+              <a:t>delete SFC request </a:t>
+            </a:r>
+            <a:endParaRPr lang="zh-CN" altLang="en-US" sz="1400" dirty="0"/>
+          </a:p>
+        </p:txBody>
+      </p:sp>
+      <p:sp>
+        <p:nvSpPr>
+          <p:cNvPr id="136" name="矩形 135">
+            <a:extLst>
+              <a:ext uri="{FF2B5EF4-FFF2-40B4-BE49-F238E27FC236}">
+                <a16:creationId xmlns:a16="http://schemas.microsoft.com/office/drawing/2014/main" id="{75B4CC28-EBD4-4646-9915-8E83E01D7DC9}"/>
+              </a:ext>
+            </a:extLst>
+          </p:cNvPr>
+          <p:cNvSpPr/>
+          <p:nvPr/>
+        </p:nvSpPr>
+        <p:spPr>
+          <a:xfrm>
+            <a:off x="1388364" y="1541292"/>
+            <a:ext cx="602608" cy="1741080"/>
+          </a:xfrm>
+          <a:prstGeom prst="rect">
+            <a:avLst/>
+          </a:prstGeom>
+        </p:spPr>
+        <p:style>
+          <a:lnRef idx="2">
+            <a:schemeClr val="accent3">
+              <a:shade val="50000"/>
+            </a:schemeClr>
+          </a:lnRef>
+          <a:fillRef idx="1">
+            <a:schemeClr val="accent3"/>
+          </a:fillRef>
+          <a:effectRef idx="0">
+            <a:schemeClr val="accent3"/>
+          </a:effectRef>
+          <a:fontRef idx="minor">
+            <a:schemeClr val="lt1"/>
+          </a:fontRef>
+        </p:style>
+        <p:txBody>
+          <a:bodyPr rtlCol="0" anchor="ctr"/>
+          <a:lstStyle/>
+          <a:p>
+            <a:pPr algn="ctr"/>
+            <a:r>
+              <a:rPr lang="en-US" altLang="zh-CN" sz="1400" dirty="0" err="1"/>
+              <a:t>Cmd</a:t>
+            </a:r>
+            <a:endParaRPr lang="zh-CN" altLang="en-US" sz="1400" dirty="0"/>
+          </a:p>
+        </p:txBody>
+      </p:sp>
+      <p:cxnSp>
+        <p:nvCxnSpPr>
+          <p:cNvPr id="138" name="直接箭头连接符 137">
+            <a:extLst>
+              <a:ext uri="{FF2B5EF4-FFF2-40B4-BE49-F238E27FC236}">
+                <a16:creationId xmlns:a16="http://schemas.microsoft.com/office/drawing/2014/main" id="{FA9E6563-F527-411F-800B-C382985FC12D}"/>
+              </a:ext>
+            </a:extLst>
+          </p:cNvPr>
+          <p:cNvCxnSpPr>
+            <a:cxnSpLocks/>
+            <a:stCxn id="132" idx="3"/>
+            <a:endCxn id="136" idx="1"/>
+          </p:cNvCxnSpPr>
+          <p:nvPr/>
+        </p:nvCxnSpPr>
+        <p:spPr>
+          <a:xfrm>
+            <a:off x="1066079" y="2411832"/>
+            <a:ext cx="322285" cy="0"/>
+          </a:xfrm>
+          <a:prstGeom prst="straightConnector1">
+            <a:avLst/>
+          </a:prstGeom>
+          <a:ln>
+            <a:tailEnd type="triangle"/>
+          </a:ln>
+        </p:spPr>
+        <p:style>
+          <a:lnRef idx="1">
+            <a:schemeClr val="accent1"/>
+          </a:lnRef>
+          <a:fillRef idx="0">
+            <a:schemeClr val="accent1"/>
+          </a:fillRef>
+          <a:effectRef idx="0">
+            <a:schemeClr val="accent1"/>
+          </a:effectRef>
+          <a:fontRef idx="minor">
+            <a:schemeClr val="tx1"/>
+          </a:fontRef>
+        </p:style>
+      </p:cxnSp>
+      <p:sp>
+        <p:nvSpPr>
+          <p:cNvPr id="139" name="矩形 138">
+            <a:extLst>
+              <a:ext uri="{FF2B5EF4-FFF2-40B4-BE49-F238E27FC236}">
+                <a16:creationId xmlns:a16="http://schemas.microsoft.com/office/drawing/2014/main" id="{71796163-4E76-4936-BD2D-F000BAEBC584}"/>
+              </a:ext>
+            </a:extLst>
+          </p:cNvPr>
+          <p:cNvSpPr/>
+          <p:nvPr/>
+        </p:nvSpPr>
+        <p:spPr>
+          <a:xfrm>
+            <a:off x="8342024" y="2026055"/>
+            <a:ext cx="1240543" cy="809006"/>
+          </a:xfrm>
+          <a:prstGeom prst="rect">
+            <a:avLst/>
+          </a:prstGeom>
+        </p:spPr>
+        <p:style>
+          <a:lnRef idx="2">
+            <a:schemeClr val="accent1">
+              <a:shade val="50000"/>
+            </a:schemeClr>
+          </a:lnRef>
+          <a:fillRef idx="1">
+            <a:schemeClr val="accent1"/>
+          </a:fillRef>
+          <a:effectRef idx="0">
+            <a:schemeClr val="accent1"/>
+          </a:effectRef>
+          <a:fontRef idx="minor">
+            <a:schemeClr val="lt1"/>
+          </a:fontRef>
+        </p:style>
+        <p:txBody>
+          <a:bodyPr rtlCol="0" anchor="ctr"/>
+          <a:lstStyle/>
+          <a:p>
+            <a:pPr algn="ctr"/>
+            <a:r>
+              <a:rPr lang="en-US" altLang="zh-CN" dirty="0"/>
+              <a:t>Adaptive</a:t>
+            </a:r>
+            <a:endParaRPr lang="zh-CN" altLang="en-US" dirty="0"/>
+          </a:p>
+        </p:txBody>
+      </p:sp>
+      <p:sp>
+        <p:nvSpPr>
+          <p:cNvPr id="140" name="矩形 139">
+            <a:extLst>
+              <a:ext uri="{FF2B5EF4-FFF2-40B4-BE49-F238E27FC236}">
+                <a16:creationId xmlns:a16="http://schemas.microsoft.com/office/drawing/2014/main" id="{8B41CDAD-998B-423B-87E0-CC56D6DEF4CA}"/>
+              </a:ext>
+            </a:extLst>
+          </p:cNvPr>
+          <p:cNvSpPr/>
+          <p:nvPr/>
+        </p:nvSpPr>
+        <p:spPr>
+          <a:xfrm>
+            <a:off x="3629432" y="1543447"/>
+            <a:ext cx="1147818" cy="1738923"/>
+          </a:xfrm>
+          <a:prstGeom prst="rect">
+            <a:avLst/>
+          </a:prstGeom>
+        </p:spPr>
+        <p:style>
+          <a:lnRef idx="2">
+            <a:schemeClr val="accent1">
+              <a:shade val="50000"/>
+            </a:schemeClr>
+          </a:lnRef>
+          <a:fillRef idx="1">
+            <a:schemeClr val="accent1"/>
+          </a:fillRef>
+          <a:effectRef idx="0">
+            <a:schemeClr val="accent1"/>
+          </a:effectRef>
+          <a:fontRef idx="minor">
+            <a:schemeClr val="lt1"/>
+          </a:fontRef>
+        </p:style>
+        <p:txBody>
+          <a:bodyPr rtlCol="0" anchor="ctr"/>
+          <a:lstStyle/>
+          <a:p>
+            <a:pPr algn="ctr"/>
+            <a:r>
+              <a:rPr lang="en-US" altLang="zh-CN" dirty="0"/>
+              <a:t>Request</a:t>
+            </a:r>
+          </a:p>
+          <a:p>
+            <a:pPr algn="ctr"/>
+            <a:r>
+              <a:rPr lang="en-US" altLang="zh-CN" dirty="0"/>
+              <a:t>Processor</a:t>
+            </a:r>
+            <a:endParaRPr lang="zh-CN" altLang="en-US" dirty="0"/>
+          </a:p>
+        </p:txBody>
+      </p:sp>
+      <p:cxnSp>
+        <p:nvCxnSpPr>
+          <p:cNvPr id="141" name="直接箭头连接符 140">
+            <a:extLst>
+              <a:ext uri="{FF2B5EF4-FFF2-40B4-BE49-F238E27FC236}">
+                <a16:creationId xmlns:a16="http://schemas.microsoft.com/office/drawing/2014/main" id="{773A53DF-50E5-4AD7-8D88-E79EC9B65F07}"/>
+              </a:ext>
+            </a:extLst>
+          </p:cNvPr>
+          <p:cNvCxnSpPr>
+            <a:cxnSpLocks/>
+            <a:stCxn id="140" idx="3"/>
+            <a:endCxn id="129" idx="3"/>
+          </p:cNvCxnSpPr>
+          <p:nvPr/>
+        </p:nvCxnSpPr>
+        <p:spPr>
+          <a:xfrm flipV="1">
+            <a:off x="4777250" y="1653009"/>
+            <a:ext cx="2057336" cy="759900"/>
+          </a:xfrm>
+          <a:prstGeom prst="straightConnector1">
+            <a:avLst/>
+          </a:prstGeom>
+          <a:ln w="28575">
+            <a:tailEnd type="triangle"/>
+          </a:ln>
+        </p:spPr>
+        <p:style>
+          <a:lnRef idx="2">
+            <a:schemeClr val="accent6"/>
+          </a:lnRef>
+          <a:fillRef idx="0">
+            <a:schemeClr val="accent6"/>
+          </a:fillRef>
+          <a:effectRef idx="1">
+            <a:schemeClr val="accent6"/>
+          </a:effectRef>
+          <a:fontRef idx="minor">
+            <a:schemeClr val="tx1"/>
+          </a:fontRef>
+        </p:style>
+      </p:cxnSp>
+      <p:cxnSp>
+        <p:nvCxnSpPr>
+          <p:cNvPr id="142" name="直接箭头连接符 141">
+            <a:extLst>
+              <a:ext uri="{FF2B5EF4-FFF2-40B4-BE49-F238E27FC236}">
+                <a16:creationId xmlns:a16="http://schemas.microsoft.com/office/drawing/2014/main" id="{09A95B6D-FD5A-405B-B8A6-C09546D2C75C}"/>
+              </a:ext>
+            </a:extLst>
+          </p:cNvPr>
+          <p:cNvCxnSpPr>
+            <a:cxnSpLocks/>
+            <a:stCxn id="129" idx="3"/>
+            <a:endCxn id="139" idx="0"/>
+          </p:cNvCxnSpPr>
+          <p:nvPr/>
+        </p:nvCxnSpPr>
+        <p:spPr>
+          <a:xfrm>
+            <a:off x="6834586" y="1653009"/>
+            <a:ext cx="2127710" cy="373046"/>
+          </a:xfrm>
+          <a:prstGeom prst="straightConnector1">
+            <a:avLst/>
+          </a:prstGeom>
+          <a:ln w="28575">
+            <a:tailEnd type="triangle"/>
+          </a:ln>
+        </p:spPr>
+        <p:style>
+          <a:lnRef idx="2">
+            <a:schemeClr val="accent6"/>
+          </a:lnRef>
+          <a:fillRef idx="0">
+            <a:schemeClr val="accent6"/>
+          </a:fillRef>
+          <a:effectRef idx="1">
+            <a:schemeClr val="accent6"/>
+          </a:effectRef>
+          <a:fontRef idx="minor">
+            <a:schemeClr val="tx1"/>
+          </a:fontRef>
+        </p:style>
+      </p:cxnSp>
+      <p:cxnSp>
+        <p:nvCxnSpPr>
+          <p:cNvPr id="143" name="直接箭头连接符 142">
+            <a:extLst>
+              <a:ext uri="{FF2B5EF4-FFF2-40B4-BE49-F238E27FC236}">
+                <a16:creationId xmlns:a16="http://schemas.microsoft.com/office/drawing/2014/main" id="{52ED35B8-BB3F-4E85-A202-960BADF4A145}"/>
+              </a:ext>
+            </a:extLst>
+          </p:cNvPr>
+          <p:cNvCxnSpPr>
+            <a:cxnSpLocks/>
+            <a:stCxn id="128" idx="3"/>
+            <a:endCxn id="139" idx="1"/>
+          </p:cNvCxnSpPr>
+          <p:nvPr/>
+        </p:nvCxnSpPr>
+        <p:spPr>
+          <a:xfrm>
+            <a:off x="7656868" y="2418193"/>
+            <a:ext cx="685156" cy="12365"/>
+          </a:xfrm>
+          <a:prstGeom prst="straightConnector1">
+            <a:avLst/>
+          </a:prstGeom>
+          <a:ln w="38100" cap="flat" cmpd="sng" algn="ctr">
+            <a:solidFill>
+              <a:srgbClr val="FFC000"/>
+            </a:solidFill>
+            <a:prstDash val="dash"/>
+            <a:round/>
+            <a:headEnd type="none" w="med" len="med"/>
+            <a:tailEnd type="none" w="med" len="med"/>
+          </a:ln>
+        </p:spPr>
+        <p:style>
+          <a:lnRef idx="0">
+            <a:scrgbClr r="0" g="0" b="0"/>
+          </a:lnRef>
+          <a:fillRef idx="0">
+            <a:scrgbClr r="0" g="0" b="0"/>
+          </a:fillRef>
+          <a:effectRef idx="0">
+            <a:scrgbClr r="0" g="0" b="0"/>
+          </a:effectRef>
+          <a:fontRef idx="minor">
+            <a:schemeClr val="tx1"/>
+          </a:fontRef>
+        </p:style>
+      </p:cxnSp>
+      <p:cxnSp>
+        <p:nvCxnSpPr>
+          <p:cNvPr id="144" name="直接箭头连接符 143">
+            <a:extLst>
+              <a:ext uri="{FF2B5EF4-FFF2-40B4-BE49-F238E27FC236}">
+                <a16:creationId xmlns:a16="http://schemas.microsoft.com/office/drawing/2014/main" id="{2394FA7A-AF39-46E8-B866-C1D7052F993C}"/>
+              </a:ext>
+            </a:extLst>
+          </p:cNvPr>
+          <p:cNvCxnSpPr>
+            <a:cxnSpLocks/>
+            <a:stCxn id="128" idx="1"/>
+            <a:endCxn id="140" idx="3"/>
+          </p:cNvCxnSpPr>
+          <p:nvPr/>
+        </p:nvCxnSpPr>
+        <p:spPr>
+          <a:xfrm flipH="1" flipV="1">
+            <a:off x="4777250" y="2412909"/>
+            <a:ext cx="1246032" cy="5284"/>
+          </a:xfrm>
+          <a:prstGeom prst="straightConnector1">
+            <a:avLst/>
+          </a:prstGeom>
+          <a:ln w="38100" cap="flat" cmpd="sng" algn="ctr">
+            <a:solidFill>
+              <a:srgbClr val="FFC000"/>
+            </a:solidFill>
+            <a:prstDash val="dash"/>
+            <a:round/>
+            <a:headEnd type="none" w="med" len="med"/>
+            <a:tailEnd type="none" w="med" len="med"/>
+          </a:ln>
+        </p:spPr>
+        <p:style>
+          <a:lnRef idx="0">
+            <a:scrgbClr r="0" g="0" b="0"/>
+          </a:lnRef>
+          <a:fillRef idx="0">
+            <a:scrgbClr r="0" g="0" b="0"/>
+          </a:fillRef>
+          <a:effectRef idx="0">
+            <a:scrgbClr r="0" g="0" b="0"/>
+          </a:effectRef>
+          <a:fontRef idx="minor">
+            <a:schemeClr val="tx1"/>
+          </a:fontRef>
+        </p:style>
+      </p:cxnSp>
+      <p:cxnSp>
+        <p:nvCxnSpPr>
+          <p:cNvPr id="147" name="直接箭头连接符 146">
+            <a:extLst>
+              <a:ext uri="{FF2B5EF4-FFF2-40B4-BE49-F238E27FC236}">
+                <a16:creationId xmlns:a16="http://schemas.microsoft.com/office/drawing/2014/main" id="{1CF77096-CB93-44C6-8FF7-A95F3D97E0CA}"/>
+              </a:ext>
+            </a:extLst>
+          </p:cNvPr>
+          <p:cNvCxnSpPr>
+            <a:cxnSpLocks/>
+            <a:stCxn id="129" idx="3"/>
+            <a:endCxn id="54" idx="0"/>
+          </p:cNvCxnSpPr>
+          <p:nvPr/>
+        </p:nvCxnSpPr>
+        <p:spPr>
+          <a:xfrm>
+            <a:off x="6834586" y="1653009"/>
+            <a:ext cx="4408511" cy="368594"/>
+          </a:xfrm>
+          <a:prstGeom prst="straightConnector1">
+            <a:avLst/>
+          </a:prstGeom>
+          <a:ln w="28575">
+            <a:tailEnd type="triangle"/>
+          </a:ln>
+        </p:spPr>
+        <p:style>
+          <a:lnRef idx="2">
+            <a:schemeClr val="accent6"/>
+          </a:lnRef>
+          <a:fillRef idx="0">
+            <a:schemeClr val="accent6"/>
+          </a:fillRef>
+          <a:effectRef idx="1">
+            <a:schemeClr val="accent6"/>
+          </a:effectRef>
+          <a:fontRef idx="minor">
+            <a:schemeClr val="tx1"/>
+          </a:fontRef>
+        </p:style>
+      </p:cxnSp>
+      <p:sp>
+        <p:nvSpPr>
+          <p:cNvPr id="148" name="矩形: 圆角 147">
+            <a:extLst>
+              <a:ext uri="{FF2B5EF4-FFF2-40B4-BE49-F238E27FC236}">
+                <a16:creationId xmlns:a16="http://schemas.microsoft.com/office/drawing/2014/main" id="{34F66F97-25AA-4E64-A595-34621CE887EC}"/>
+              </a:ext>
+            </a:extLst>
+          </p:cNvPr>
+          <p:cNvSpPr/>
+          <p:nvPr/>
+        </p:nvSpPr>
+        <p:spPr>
+          <a:xfrm>
+            <a:off x="5805918" y="136284"/>
+            <a:ext cx="2319455" cy="737082"/>
+          </a:xfrm>
+          <a:prstGeom prst="roundRect">
+            <a:avLst/>
+          </a:prstGeom>
+        </p:spPr>
+        <p:style>
+          <a:lnRef idx="2">
+            <a:schemeClr val="accent1"/>
+          </a:lnRef>
+          <a:fillRef idx="1">
+            <a:schemeClr val="lt1"/>
+          </a:fillRef>
+          <a:effectRef idx="0">
+            <a:schemeClr val="accent1"/>
+          </a:effectRef>
+          <a:fontRef idx="minor">
+            <a:schemeClr val="dk1"/>
+          </a:fontRef>
+        </p:style>
+        <p:txBody>
+          <a:bodyPr rtlCol="0" anchor="ctr"/>
+          <a:lstStyle/>
+          <a:p>
+            <a:pPr marL="285750" indent="-285750">
+              <a:buFont typeface="Arial" panose="020B0604020202020204" pitchFamily="34" charset="0"/>
+              <a:buChar char="•"/>
+            </a:pPr>
+            <a:r>
+              <a:rPr lang="en-US" altLang="zh-CN" sz="1400" dirty="0"/>
+              <a:t>SFC Request Table</a:t>
+            </a:r>
+          </a:p>
+          <a:p>
+            <a:pPr marL="285750" indent="-285750">
+              <a:buFont typeface="Arial" panose="020B0604020202020204" pitchFamily="34" charset="0"/>
+              <a:buChar char="•"/>
+            </a:pPr>
+            <a:r>
+              <a:rPr lang="en-US" altLang="zh-CN" sz="1400" dirty="0"/>
+              <a:t>SFCI Table</a:t>
+            </a:r>
+          </a:p>
+          <a:p>
+            <a:pPr marL="285750" indent="-285750">
+              <a:buFont typeface="Arial" panose="020B0604020202020204" pitchFamily="34" charset="0"/>
+              <a:buChar char="•"/>
+            </a:pPr>
+            <a:r>
+              <a:rPr lang="en-US" altLang="zh-CN" sz="1400" dirty="0"/>
+              <a:t>Zone Table</a:t>
+            </a:r>
+          </a:p>
+        </p:txBody>
+      </p:sp>
+      <p:cxnSp>
+        <p:nvCxnSpPr>
+          <p:cNvPr id="149" name="直接箭头连接符 148">
+            <a:extLst>
+              <a:ext uri="{FF2B5EF4-FFF2-40B4-BE49-F238E27FC236}">
+                <a16:creationId xmlns:a16="http://schemas.microsoft.com/office/drawing/2014/main" id="{7679EF0A-8DDB-4FD6-8E2B-A95D45FA0C07}"/>
+              </a:ext>
+            </a:extLst>
+          </p:cNvPr>
+          <p:cNvCxnSpPr>
+            <a:cxnSpLocks/>
+            <a:stCxn id="83" idx="0"/>
+            <a:endCxn id="128" idx="2"/>
+          </p:cNvCxnSpPr>
+          <p:nvPr/>
+        </p:nvCxnSpPr>
+        <p:spPr>
+          <a:xfrm flipV="1">
+            <a:off x="6108854" y="2835061"/>
+            <a:ext cx="731221" cy="934676"/>
+          </a:xfrm>
+          <a:prstGeom prst="straightConnector1">
+            <a:avLst/>
+          </a:prstGeom>
+          <a:ln w="38100" cap="flat" cmpd="sng" algn="ctr">
+            <a:solidFill>
+              <a:srgbClr val="FFC000"/>
+            </a:solidFill>
+            <a:prstDash val="dash"/>
+            <a:round/>
+            <a:headEnd type="none" w="med" len="med"/>
+            <a:tailEnd type="none" w="med" len="med"/>
+          </a:ln>
+        </p:spPr>
+        <p:style>
+          <a:lnRef idx="0">
+            <a:scrgbClr r="0" g="0" b="0"/>
+          </a:lnRef>
+          <a:fillRef idx="0">
+            <a:scrgbClr r="0" g="0" b="0"/>
+          </a:fillRef>
+          <a:effectRef idx="0">
+            <a:scrgbClr r="0" g="0" b="0"/>
+          </a:effectRef>
+          <a:fontRef idx="minor">
+            <a:schemeClr val="tx1"/>
+          </a:fontRef>
+        </p:style>
+      </p:cxnSp>
+      <p:cxnSp>
+        <p:nvCxnSpPr>
+          <p:cNvPr id="152" name="直接箭头连接符 151">
+            <a:extLst>
+              <a:ext uri="{FF2B5EF4-FFF2-40B4-BE49-F238E27FC236}">
+                <a16:creationId xmlns:a16="http://schemas.microsoft.com/office/drawing/2014/main" id="{3763F01C-7D3F-4091-98C1-1AD796602EAF}"/>
+              </a:ext>
+            </a:extLst>
+          </p:cNvPr>
+          <p:cNvCxnSpPr>
+            <a:cxnSpLocks/>
+            <a:stCxn id="83" idx="0"/>
+            <a:endCxn id="54" idx="2"/>
+          </p:cNvCxnSpPr>
+          <p:nvPr/>
+        </p:nvCxnSpPr>
+        <p:spPr>
+          <a:xfrm flipV="1">
+            <a:off x="6108854" y="2830609"/>
+            <a:ext cx="5134243" cy="939128"/>
+          </a:xfrm>
+          <a:prstGeom prst="straightConnector1">
+            <a:avLst/>
+          </a:prstGeom>
+          <a:ln w="38100" cap="flat" cmpd="sng" algn="ctr">
+            <a:solidFill>
+              <a:srgbClr val="FFC000"/>
+            </a:solidFill>
+            <a:prstDash val="dash"/>
+            <a:round/>
+            <a:headEnd type="none" w="med" len="med"/>
+            <a:tailEnd type="none" w="med" len="med"/>
+          </a:ln>
+        </p:spPr>
+        <p:style>
+          <a:lnRef idx="0">
+            <a:scrgbClr r="0" g="0" b="0"/>
+          </a:lnRef>
+          <a:fillRef idx="0">
+            <a:scrgbClr r="0" g="0" b="0"/>
+          </a:fillRef>
+          <a:effectRef idx="0">
+            <a:scrgbClr r="0" g="0" b="0"/>
+          </a:effectRef>
+          <a:fontRef idx="minor">
+            <a:schemeClr val="tx1"/>
+          </a:fontRef>
+        </p:style>
+      </p:cxnSp>
+      <p:sp>
+        <p:nvSpPr>
+          <p:cNvPr id="54" name="矩形 53">
+            <a:extLst>
+              <a:ext uri="{FF2B5EF4-FFF2-40B4-BE49-F238E27FC236}">
+                <a16:creationId xmlns:a16="http://schemas.microsoft.com/office/drawing/2014/main" id="{BE61C337-220E-42EF-A760-ED891CA46E5C}"/>
+              </a:ext>
+            </a:extLst>
+          </p:cNvPr>
+          <p:cNvSpPr/>
+          <p:nvPr/>
+        </p:nvSpPr>
+        <p:spPr>
+          <a:xfrm>
+            <a:off x="10440217" y="2021603"/>
+            <a:ext cx="1605759" cy="809006"/>
+          </a:xfrm>
+          <a:prstGeom prst="rect">
+            <a:avLst/>
+          </a:prstGeom>
+        </p:spPr>
+        <p:style>
+          <a:lnRef idx="1">
+            <a:schemeClr val="accent1"/>
+          </a:lnRef>
+          <a:fillRef idx="2">
+            <a:schemeClr val="accent1"/>
+          </a:fillRef>
+          <a:effectRef idx="1">
+            <a:schemeClr val="accent1"/>
+          </a:effectRef>
+          <a:fontRef idx="minor">
+            <a:schemeClr val="dk1"/>
+          </a:fontRef>
+        </p:style>
+        <p:txBody>
+          <a:bodyPr rtlCol="0" anchor="ctr"/>
+          <a:lstStyle/>
+          <a:p>
+            <a:pPr algn="ctr"/>
+            <a:r>
+              <a:rPr lang="en-US" altLang="zh-CN" dirty="0"/>
+              <a:t>Measurer</a:t>
+            </a:r>
+          </a:p>
+        </p:txBody>
+      </p:sp>
+      <p:cxnSp>
+        <p:nvCxnSpPr>
+          <p:cNvPr id="58" name="直接箭头连接符 57">
+            <a:extLst>
+              <a:ext uri="{FF2B5EF4-FFF2-40B4-BE49-F238E27FC236}">
+                <a16:creationId xmlns:a16="http://schemas.microsoft.com/office/drawing/2014/main" id="{A8A1CE62-AD11-4348-9036-741D0E8488B4}"/>
+              </a:ext>
+            </a:extLst>
+          </p:cNvPr>
+          <p:cNvCxnSpPr>
+            <a:cxnSpLocks/>
+            <a:stCxn id="139" idx="3"/>
+            <a:endCxn id="54" idx="1"/>
+          </p:cNvCxnSpPr>
+          <p:nvPr/>
+        </p:nvCxnSpPr>
+        <p:spPr>
+          <a:xfrm flipV="1">
+            <a:off x="9582567" y="2426106"/>
+            <a:ext cx="857650" cy="4452"/>
+          </a:xfrm>
+          <a:prstGeom prst="straightConnector1">
+            <a:avLst/>
+          </a:prstGeom>
+          <a:ln w="38100" cap="flat" cmpd="sng" algn="ctr">
+            <a:solidFill>
+              <a:srgbClr val="FFC000"/>
+            </a:solidFill>
+            <a:prstDash val="dash"/>
+            <a:round/>
+            <a:headEnd type="none" w="med" len="med"/>
+            <a:tailEnd type="none" w="med" len="med"/>
+          </a:ln>
+        </p:spPr>
+        <p:style>
+          <a:lnRef idx="0">
+            <a:scrgbClr r="0" g="0" b="0"/>
+          </a:lnRef>
+          <a:fillRef idx="0">
+            <a:scrgbClr r="0" g="0" b="0"/>
+          </a:fillRef>
+          <a:effectRef idx="0">
+            <a:scrgbClr r="0" g="0" b="0"/>
+          </a:effectRef>
+          <a:fontRef idx="minor">
+            <a:schemeClr val="tx1"/>
+          </a:fontRef>
+        </p:style>
+      </p:cxnSp>
+      <p:sp>
+        <p:nvSpPr>
+          <p:cNvPr id="64" name="弧形 63">
+            <a:extLst>
+              <a:ext uri="{FF2B5EF4-FFF2-40B4-BE49-F238E27FC236}">
+                <a16:creationId xmlns:a16="http://schemas.microsoft.com/office/drawing/2014/main" id="{48F03D98-8BBB-4EA8-9EFC-B3835D7C3E2E}"/>
+              </a:ext>
+            </a:extLst>
+          </p:cNvPr>
+          <p:cNvSpPr/>
+          <p:nvPr/>
+        </p:nvSpPr>
+        <p:spPr>
+          <a:xfrm>
+            <a:off x="6834585" y="1680578"/>
+            <a:ext cx="4408510" cy="672832"/>
+          </a:xfrm>
+          <a:prstGeom prst="arc">
+            <a:avLst>
+              <a:gd name="adj1" fmla="val 10871121"/>
+              <a:gd name="adj2" fmla="val 0"/>
+            </a:avLst>
+          </a:prstGeom>
+          <a:ln w="38100" cap="flat" cmpd="sng" algn="ctr">
+            <a:solidFill>
+              <a:srgbClr val="FFC000"/>
+            </a:solidFill>
+            <a:prstDash val="dash"/>
+            <a:round/>
+            <a:headEnd type="none" w="med" len="med"/>
+            <a:tailEnd type="none" w="med" len="med"/>
+          </a:ln>
+        </p:spPr>
+        <p:style>
+          <a:lnRef idx="0">
+            <a:scrgbClr r="0" g="0" b="0"/>
+          </a:lnRef>
+          <a:fillRef idx="0">
+            <a:scrgbClr r="0" g="0" b="0"/>
+          </a:fillRef>
+          <a:effectRef idx="0">
+            <a:scrgbClr r="0" g="0" b="0"/>
+          </a:effectRef>
+          <a:fontRef idx="minor">
+            <a:schemeClr val="tx1"/>
+          </a:fontRef>
+        </p:style>
+        <p:txBody>
+          <a:bodyPr rtlCol="0" anchor="ctr"/>
+          <a:lstStyle/>
+          <a:p>
+            <a:pPr algn="ctr"/>
+            <a:endParaRPr lang="zh-CN" altLang="en-US"/>
+          </a:p>
+        </p:txBody>
+      </p:sp>
+    </p:spTree>
+    <p:extLst>
+      <p:ext uri="{BB962C8B-B14F-4D97-AF65-F5344CB8AC3E}">
+        <p14:creationId xmlns:p14="http://schemas.microsoft.com/office/powerpoint/2010/main" val="2849545697"/>
+      </p:ext>
+    </p:extLst>
+  </p:cSld>
+  <p:clrMapOvr>
+    <a:masterClrMapping/>
+  </p:clrMapOvr>
+</p:sld>
+</file>
+
+<file path=ppt/slides/slide14.xml><?xml version="1.0" encoding="utf-8"?>
+<p:sld xmlns:a="http://schemas.openxmlformats.org/drawingml/2006/main" xmlns:r="http://schemas.openxmlformats.org/officeDocument/2006/relationships" xmlns:p="http://schemas.openxmlformats.org/presentationml/2006/main">
+  <p:cSld>
+    <p:spTree>
+      <p:nvGrpSpPr>
+        <p:cNvPr id="1" name=""/>
+        <p:cNvGrpSpPr/>
+        <p:nvPr/>
+      </p:nvGrpSpPr>
+      <p:grpSpPr>
+        <a:xfrm>
+          <a:off x="0" y="0"/>
+          <a:ext cx="0" cy="0"/>
+          <a:chOff x="0" y="0"/>
+          <a:chExt cx="0" cy="0"/>
+        </a:xfrm>
+      </p:grpSpPr>
+      <p:sp>
+        <p:nvSpPr>
+          <p:cNvPr id="70" name="文本框 69">
+            <a:extLst>
+              <a:ext uri="{FF2B5EF4-FFF2-40B4-BE49-F238E27FC236}">
+                <a16:creationId xmlns:a16="http://schemas.microsoft.com/office/drawing/2014/main" id="{696C3A7B-AA2B-4EE2-892C-D0F03840A9C9}"/>
+              </a:ext>
+            </a:extLst>
+          </p:cNvPr>
+          <p:cNvSpPr txBox="1"/>
+          <p:nvPr/>
+        </p:nvSpPr>
+        <p:spPr>
+          <a:xfrm>
+            <a:off x="9273957" y="588376"/>
+            <a:ext cx="2803170" cy="1190138"/>
+          </a:xfrm>
+          <a:prstGeom prst="rect">
+            <a:avLst/>
+          </a:prstGeom>
+        </p:spPr>
+        <p:style>
+          <a:lnRef idx="2">
+            <a:schemeClr val="accent1"/>
+          </a:lnRef>
+          <a:fillRef idx="1">
+            <a:schemeClr val="lt1"/>
+          </a:fillRef>
+          <a:effectRef idx="0">
+            <a:schemeClr val="accent1"/>
+          </a:effectRef>
+          <a:fontRef idx="minor">
+            <a:schemeClr val="dk1"/>
+          </a:fontRef>
+        </p:style>
+        <p:txBody>
+          <a:bodyPr rtlCol="0" anchor="ctr"/>
+          <a:lstStyle>
+            <a:defPPr>
+              <a:defRPr lang="zh-CN"/>
+            </a:defPPr>
+            <a:lvl1pPr marL="285750" indent="-285750">
+              <a:buFont typeface="Arial" panose="020B0604020202020204" pitchFamily="34" charset="0"/>
+              <a:buChar char="•"/>
+              <a:defRPr sz="1400">
+                <a:solidFill>
+                  <a:schemeClr val="dk1"/>
+                </a:solidFill>
+              </a:defRPr>
+            </a:lvl1pPr>
+            <a:lvl2pPr>
+              <a:defRPr>
+                <a:solidFill>
+                  <a:schemeClr val="dk1"/>
+                </a:solidFill>
+              </a:defRPr>
+            </a:lvl2pPr>
+            <a:lvl3pPr>
+              <a:defRPr>
+                <a:solidFill>
+                  <a:schemeClr val="dk1"/>
+                </a:solidFill>
+              </a:defRPr>
+            </a:lvl3pPr>
+            <a:lvl4pPr>
+              <a:defRPr>
+                <a:solidFill>
+                  <a:schemeClr val="dk1"/>
+                </a:solidFill>
+              </a:defRPr>
+            </a:lvl4pPr>
+            <a:lvl5pPr>
+              <a:defRPr>
+                <a:solidFill>
+                  <a:schemeClr val="dk1"/>
+                </a:solidFill>
+              </a:defRPr>
+            </a:lvl5pPr>
+            <a:lvl6pPr>
+              <a:defRPr>
+                <a:solidFill>
+                  <a:schemeClr val="dk1"/>
+                </a:solidFill>
+              </a:defRPr>
+            </a:lvl6pPr>
+            <a:lvl7pPr>
+              <a:defRPr>
+                <a:solidFill>
+                  <a:schemeClr val="dk1"/>
+                </a:solidFill>
+              </a:defRPr>
+            </a:lvl7pPr>
+            <a:lvl8pPr>
+              <a:defRPr>
+                <a:solidFill>
+                  <a:schemeClr val="dk1"/>
+                </a:solidFill>
+              </a:defRPr>
+            </a:lvl8pPr>
+            <a:lvl9pPr>
+              <a:defRPr>
+                <a:solidFill>
+                  <a:schemeClr val="dk1"/>
+                </a:solidFill>
+              </a:defRPr>
+            </a:lvl9pPr>
+          </a:lstStyle>
+          <a:p>
+            <a:r>
+              <a:rPr lang="en-US" altLang="zh-CN" dirty="0"/>
+              <a:t>Network info</a:t>
+            </a:r>
+          </a:p>
+          <a:p>
+            <a:pPr marL="742950" lvl="1" indent="-285750">
+              <a:buFont typeface="Arial" panose="020B0604020202020204" pitchFamily="34" charset="0"/>
+              <a:buChar char="•"/>
+            </a:pPr>
+            <a:r>
+              <a:rPr lang="en-US" altLang="zh-CN" sz="1400" dirty="0"/>
+              <a:t>Switches</a:t>
+            </a:r>
+          </a:p>
+          <a:p>
+            <a:pPr marL="742950" lvl="1" indent="-285750">
+              <a:buFont typeface="Arial" panose="020B0604020202020204" pitchFamily="34" charset="0"/>
+              <a:buChar char="•"/>
+            </a:pPr>
+            <a:r>
+              <a:rPr lang="en-US" altLang="zh-CN" sz="1400" dirty="0"/>
+              <a:t>Links</a:t>
+            </a:r>
+          </a:p>
+          <a:p>
+            <a:pPr marL="742950" lvl="1" indent="-285750">
+              <a:buFont typeface="Arial" panose="020B0604020202020204" pitchFamily="34" charset="0"/>
+              <a:buChar char="•"/>
+            </a:pPr>
+            <a:r>
+              <a:rPr lang="en-US" altLang="zh-CN" sz="1400" dirty="0"/>
+              <a:t>Servers</a:t>
+            </a:r>
+          </a:p>
+          <a:p>
+            <a:pPr marL="742950" lvl="1" indent="-285750">
+              <a:buFont typeface="Arial" panose="020B0604020202020204" pitchFamily="34" charset="0"/>
+              <a:buChar char="•"/>
+            </a:pPr>
+            <a:r>
+              <a:rPr lang="en-US" altLang="zh-CN" sz="1400" dirty="0"/>
+              <a:t>Hosts</a:t>
             </a:r>
           </a:p>
         </p:txBody>
@@ -14291,7 +17210,7 @@
             </a:pPr>
             <a:r>
               <a:rPr lang="en-US" altLang="zh-CN" sz="1400" dirty="0"/>
-              <a:t>SFC request Table</a:t>
+              <a:t>SFC Request Table</a:t>
             </a:r>
           </a:p>
           <a:p>
@@ -14999,8 +17918,8 @@
         </p:nvSpPr>
         <p:spPr>
           <a:xfrm>
-            <a:off x="9858959" y="2021603"/>
-            <a:ext cx="2187018" cy="809006"/>
+            <a:off x="10440217" y="2021603"/>
+            <a:ext cx="1605759" cy="809006"/>
           </a:xfrm>
           <a:prstGeom prst="rect">
             <a:avLst/>
@@ -15027,7 +17946,7 @@
             <a:pPr algn="ctr"/>
             <a:r>
               <a:rPr lang="en-US" altLang="zh-CN" dirty="0"/>
-              <a:t>Measurement</a:t>
+              <a:t>Measurer</a:t>
             </a:r>
           </a:p>
         </p:txBody>
@@ -15939,7 +18858,7 @@
         <p:spPr>
           <a:xfrm flipV="1">
             <a:off x="6108854" y="2830609"/>
-            <a:ext cx="4843614" cy="939128"/>
+            <a:ext cx="5134243" cy="939128"/>
           </a:xfrm>
           <a:prstGeom prst="straightConnector1">
             <a:avLst/>
@@ -16826,100 +19745,6 @@
           </a:fontRef>
         </p:style>
       </p:cxnSp>
-      <p:sp>
-        <p:nvSpPr>
-          <p:cNvPr id="168" name="文本框 167">
-            <a:extLst>
-              <a:ext uri="{FF2B5EF4-FFF2-40B4-BE49-F238E27FC236}">
-                <a16:creationId xmlns:a16="http://schemas.microsoft.com/office/drawing/2014/main" id="{34A2CC59-614E-42B5-B8E8-1CAE25CAF9B2}"/>
-              </a:ext>
-            </a:extLst>
-          </p:cNvPr>
-          <p:cNvSpPr txBox="1"/>
-          <p:nvPr/>
-        </p:nvSpPr>
-        <p:spPr>
-          <a:xfrm>
-            <a:off x="4905330" y="2599767"/>
-            <a:ext cx="1628972" cy="461665"/>
-          </a:xfrm>
-          <a:prstGeom prst="rect">
-            <a:avLst/>
-          </a:prstGeom>
-          <a:noFill/>
-        </p:spPr>
-        <p:txBody>
-          <a:bodyPr wrap="none" rtlCol="0">
-            <a:spAutoFit/>
-          </a:bodyPr>
-          <a:lstStyle/>
-          <a:p>
-            <a:r>
-              <a:rPr lang="en-US" altLang="zh-CN" sz="1200" b="1" dirty="0">
-                <a:effectLst/>
-                <a:latin typeface="Consolas" panose="020B0609020204030204" pitchFamily="49" charset="0"/>
-              </a:rPr>
-              <a:t>CMD_TYPE_ADD_SFCI</a:t>
-            </a:r>
-          </a:p>
-          <a:p>
-            <a:r>
-              <a:rPr lang="en-US" altLang="zh-CN" sz="1200" b="1" dirty="0">
-                <a:effectLst/>
-                <a:latin typeface="Consolas" panose="020B0609020204030204" pitchFamily="49" charset="0"/>
-              </a:rPr>
-              <a:t>CMD_TYPE_DEL_SFC</a:t>
-            </a:r>
-          </a:p>
-        </p:txBody>
-      </p:sp>
-      <p:sp>
-        <p:nvSpPr>
-          <p:cNvPr id="177" name="文本框 176">
-            <a:extLst>
-              <a:ext uri="{FF2B5EF4-FFF2-40B4-BE49-F238E27FC236}">
-                <a16:creationId xmlns:a16="http://schemas.microsoft.com/office/drawing/2014/main" id="{BEFC353B-5C2B-4492-9BAC-AB8DF3366CE1}"/>
-              </a:ext>
-            </a:extLst>
-          </p:cNvPr>
-          <p:cNvSpPr txBox="1"/>
-          <p:nvPr/>
-        </p:nvSpPr>
-        <p:spPr>
-          <a:xfrm>
-            <a:off x="7326941" y="2572944"/>
-            <a:ext cx="1628972" cy="461665"/>
-          </a:xfrm>
-          <a:prstGeom prst="rect">
-            <a:avLst/>
-          </a:prstGeom>
-          <a:noFill/>
-        </p:spPr>
-        <p:txBody>
-          <a:bodyPr wrap="none" rtlCol="0">
-            <a:spAutoFit/>
-          </a:bodyPr>
-          <a:lstStyle/>
-          <a:p>
-            <a:r>
-              <a:rPr lang="en-US" altLang="zh-CN" sz="1200" b="1" dirty="0">
-                <a:effectLst/>
-                <a:latin typeface="Consolas" panose="020B0609020204030204" pitchFamily="49" charset="0"/>
-              </a:rPr>
-              <a:t>CMD_TYPE_ADD_SFCI</a:t>
-            </a:r>
-          </a:p>
-          <a:p>
-            <a:r>
-              <a:rPr lang="en-US" altLang="zh-CN" sz="1200" b="1" dirty="0">
-                <a:effectLst/>
-                <a:latin typeface="Consolas" panose="020B0609020204030204" pitchFamily="49" charset="0"/>
-              </a:rPr>
-              <a:t>CMD_TYPE_DEL_SFCI</a:t>
-            </a:r>
-          </a:p>
-        </p:txBody>
-      </p:sp>
       <p:cxnSp>
         <p:nvCxnSpPr>
           <p:cNvPr id="64" name="直接箭头连接符 63">
@@ -16939,7 +19764,7 @@
         <p:spPr>
           <a:xfrm>
             <a:off x="6834586" y="1653009"/>
-            <a:ext cx="4117882" cy="368594"/>
+            <a:ext cx="4408511" cy="368594"/>
           </a:xfrm>
           <a:prstGeom prst="straightConnector1">
             <a:avLst/>
@@ -16963,142 +19788,26 @@
           </a:fontRef>
         </p:style>
       </p:cxnSp>
-    </p:spTree>
-    <p:extLst>
-      <p:ext uri="{BB962C8B-B14F-4D97-AF65-F5344CB8AC3E}">
-        <p14:creationId xmlns:p14="http://schemas.microsoft.com/office/powerpoint/2010/main" val="1510641304"/>
-      </p:ext>
-    </p:extLst>
-  </p:cSld>
-  <p:clrMapOvr>
-    <a:masterClrMapping/>
-  </p:clrMapOvr>
-</p:sld>
-</file>
-
-<file path=ppt/slides/slide14.xml><?xml version="1.0" encoding="utf-8"?>
-<p:sld xmlns:a="http://schemas.openxmlformats.org/drawingml/2006/main" xmlns:r="http://schemas.openxmlformats.org/officeDocument/2006/relationships" xmlns:p="http://schemas.openxmlformats.org/presentationml/2006/main">
-  <p:cSld>
-    <p:spTree>
-      <p:nvGrpSpPr>
-        <p:cNvPr id="1" name=""/>
-        <p:cNvGrpSpPr/>
-        <p:nvPr/>
-      </p:nvGrpSpPr>
-      <p:grpSpPr>
-        <a:xfrm>
-          <a:off x="0" y="0"/>
-          <a:ext cx="0" cy="0"/>
-          <a:chOff x="0" y="0"/>
-          <a:chExt cx="0" cy="0"/>
-        </a:xfrm>
-      </p:grpSpPr>
-      <p:sp>
-        <p:nvSpPr>
-          <p:cNvPr id="2" name="标题 1">
-            <a:extLst>
-              <a:ext uri="{FF2B5EF4-FFF2-40B4-BE49-F238E27FC236}">
-                <a16:creationId xmlns:a16="http://schemas.microsoft.com/office/drawing/2014/main" id="{16FFD267-FAB5-4CC9-86C7-800FDF0B86AD}"/>
-              </a:ext>
-            </a:extLst>
-          </p:cNvPr>
-          <p:cNvSpPr>
-            <a:spLocks noGrp="1"/>
-          </p:cNvSpPr>
-          <p:nvPr>
-            <p:ph type="title"/>
-          </p:nvPr>
-        </p:nvSpPr>
-        <p:spPr>
-          <a:xfrm>
-            <a:off x="828126" y="95333"/>
-            <a:ext cx="10515600" cy="1325563"/>
-          </a:xfrm>
-        </p:spPr>
-        <p:txBody>
-          <a:bodyPr/>
-          <a:lstStyle/>
-          <a:p>
-            <a:r>
-              <a:rPr lang="en-US" altLang="zh-CN" dirty="0"/>
-              <a:t>SAM Architecture</a:t>
-            </a:r>
-            <a:endParaRPr lang="zh-CN" altLang="en-US" dirty="0"/>
-          </a:p>
-        </p:txBody>
-      </p:sp>
-      <p:sp>
-        <p:nvSpPr>
-          <p:cNvPr id="83" name="矩形 82">
-            <a:extLst>
-              <a:ext uri="{FF2B5EF4-FFF2-40B4-BE49-F238E27FC236}">
-                <a16:creationId xmlns:a16="http://schemas.microsoft.com/office/drawing/2014/main" id="{1FAAF00A-3816-436D-950F-FD8C8856A429}"/>
-              </a:ext>
-            </a:extLst>
-          </p:cNvPr>
-          <p:cNvSpPr/>
-          <p:nvPr/>
-        </p:nvSpPr>
-        <p:spPr>
-          <a:xfrm>
-            <a:off x="202517" y="3769737"/>
-            <a:ext cx="11812674" cy="402227"/>
-          </a:xfrm>
-          <a:prstGeom prst="rect">
-            <a:avLst/>
-          </a:prstGeom>
-          <a:solidFill>
-            <a:schemeClr val="bg1"/>
-          </a:solidFill>
-          <a:ln w="57150"/>
-        </p:spPr>
-        <p:style>
-          <a:lnRef idx="2">
-            <a:schemeClr val="accent6"/>
-          </a:lnRef>
-          <a:fillRef idx="1">
-            <a:schemeClr val="lt1"/>
-          </a:fillRef>
-          <a:effectRef idx="0">
-            <a:schemeClr val="accent6"/>
-          </a:effectRef>
-          <a:fontRef idx="minor">
-            <a:schemeClr val="dk1"/>
-          </a:fontRef>
-        </p:style>
-        <p:txBody>
-          <a:bodyPr rtlCol="0" anchor="ctr"/>
-          <a:lstStyle/>
-          <a:p>
-            <a:pPr algn="ctr"/>
-            <a:r>
-              <a:rPr lang="en-US" altLang="zh-CN" b="1" dirty="0"/>
-              <a:t>Mediator</a:t>
-            </a:r>
-            <a:endParaRPr lang="zh-CN" altLang="en-US" b="1" dirty="0"/>
-          </a:p>
-        </p:txBody>
-      </p:sp>
       <p:cxnSp>
         <p:nvCxnSpPr>
-          <p:cNvPr id="106" name="直接箭头连接符 105">
-            <a:extLst>
-              <a:ext uri="{FF2B5EF4-FFF2-40B4-BE49-F238E27FC236}">
-                <a16:creationId xmlns:a16="http://schemas.microsoft.com/office/drawing/2014/main" id="{C5142B84-E1CA-4CFA-85B4-B1C23F39C1FF}"/>
+          <p:cNvPr id="67" name="直接箭头连接符 66">
+            <a:extLst>
+              <a:ext uri="{FF2B5EF4-FFF2-40B4-BE49-F238E27FC236}">
+                <a16:creationId xmlns:a16="http://schemas.microsoft.com/office/drawing/2014/main" id="{DE2BB936-176B-40CB-85C9-22BCEBAF24A7}"/>
               </a:ext>
             </a:extLst>
           </p:cNvPr>
           <p:cNvCxnSpPr>
             <a:cxnSpLocks/>
-            <a:stCxn id="69" idx="0"/>
-            <a:endCxn id="83" idx="2"/>
+            <a:stCxn id="150" idx="3"/>
+            <a:endCxn id="84" idx="1"/>
           </p:cNvCxnSpPr>
           <p:nvPr/>
         </p:nvCxnSpPr>
         <p:spPr>
           <a:xfrm flipV="1">
-            <a:off x="1038982" y="4171964"/>
-            <a:ext cx="5069872" cy="458692"/>
+            <a:off x="9582567" y="2426106"/>
+            <a:ext cx="857650" cy="4452"/>
           </a:xfrm>
           <a:prstGeom prst="straightConnector1">
             <a:avLst/>
@@ -17128,29 +19837,28 @@
           </a:fontRef>
         </p:style>
       </p:cxnSp>
-      <p:cxnSp>
-        <p:nvCxnSpPr>
-          <p:cNvPr id="109" name="直接箭头连接符 108">
-            <a:extLst>
-              <a:ext uri="{FF2B5EF4-FFF2-40B4-BE49-F238E27FC236}">
-                <a16:creationId xmlns:a16="http://schemas.microsoft.com/office/drawing/2014/main" id="{E8EAE9A5-71B0-4F08-A472-28F102D84E2A}"/>
-              </a:ext>
-            </a:extLst>
-          </p:cNvPr>
-          <p:cNvCxnSpPr>
-            <a:cxnSpLocks/>
-            <a:stCxn id="60" idx="0"/>
-            <a:endCxn id="83" idx="2"/>
-          </p:cNvCxnSpPr>
-          <p:nvPr/>
-        </p:nvCxnSpPr>
-        <p:spPr>
-          <a:xfrm flipV="1">
-            <a:off x="4980100" y="4171964"/>
-            <a:ext cx="1128754" cy="378743"/>
-          </a:xfrm>
-          <a:prstGeom prst="straightConnector1">
-            <a:avLst/>
+      <p:sp>
+        <p:nvSpPr>
+          <p:cNvPr id="77" name="弧形 76">
+            <a:extLst>
+              <a:ext uri="{FF2B5EF4-FFF2-40B4-BE49-F238E27FC236}">
+                <a16:creationId xmlns:a16="http://schemas.microsoft.com/office/drawing/2014/main" id="{4550B361-6455-4CC5-BB3B-1572C3B0B864}"/>
+              </a:ext>
+            </a:extLst>
+          </p:cNvPr>
+          <p:cNvSpPr/>
+          <p:nvPr/>
+        </p:nvSpPr>
+        <p:spPr>
+          <a:xfrm>
+            <a:off x="6834585" y="1680578"/>
+            <a:ext cx="4408510" cy="672832"/>
+          </a:xfrm>
+          <a:prstGeom prst="arc">
+            <a:avLst>
+              <a:gd name="adj1" fmla="val 10871121"/>
+              <a:gd name="adj2" fmla="val 0"/>
+            </a:avLst>
           </a:prstGeom>
           <a:ln w="38100" cap="flat" cmpd="sng" algn="ctr">
             <a:solidFill>
@@ -17176,1057 +19884,21 @@
             <a:schemeClr val="tx1"/>
           </a:fontRef>
         </p:style>
-      </p:cxnSp>
-      <p:cxnSp>
-        <p:nvCxnSpPr>
-          <p:cNvPr id="122" name="直接箭头连接符 121">
-            <a:extLst>
-              <a:ext uri="{FF2B5EF4-FFF2-40B4-BE49-F238E27FC236}">
-                <a16:creationId xmlns:a16="http://schemas.microsoft.com/office/drawing/2014/main" id="{E132C89C-7D07-4D1A-905C-DCF1C7944D3B}"/>
-              </a:ext>
-            </a:extLst>
-          </p:cNvPr>
-          <p:cNvCxnSpPr>
-            <a:cxnSpLocks/>
-            <a:stCxn id="119" idx="0"/>
-            <a:endCxn id="83" idx="2"/>
-          </p:cNvCxnSpPr>
-          <p:nvPr/>
-        </p:nvCxnSpPr>
-        <p:spPr>
-          <a:xfrm flipH="1" flipV="1">
-            <a:off x="6108854" y="4171964"/>
-            <a:ext cx="2648013" cy="1495818"/>
-          </a:xfrm>
-          <a:prstGeom prst="straightConnector1">
-            <a:avLst/>
-          </a:prstGeom>
-          <a:ln w="38100" cap="flat" cmpd="sng" algn="ctr">
-            <a:solidFill>
-              <a:srgbClr val="FFC000"/>
-            </a:solidFill>
-            <a:prstDash val="dash"/>
-            <a:round/>
-            <a:headEnd type="none" w="med" len="med"/>
-            <a:tailEnd type="none" w="med" len="med"/>
-          </a:ln>
-        </p:spPr>
-        <p:style>
-          <a:lnRef idx="0">
-            <a:scrgbClr r="0" g="0" b="0"/>
-          </a:lnRef>
-          <a:fillRef idx="0">
-            <a:scrgbClr r="0" g="0" b="0"/>
-          </a:fillRef>
-          <a:effectRef idx="0">
-            <a:scrgbClr r="0" g="0" b="0"/>
-          </a:effectRef>
-          <a:fontRef idx="minor">
-            <a:schemeClr val="tx1"/>
-          </a:fontRef>
-        </p:style>
-      </p:cxnSp>
-      <p:cxnSp>
-        <p:nvCxnSpPr>
-          <p:cNvPr id="123" name="直接箭头连接符 122">
-            <a:extLst>
-              <a:ext uri="{FF2B5EF4-FFF2-40B4-BE49-F238E27FC236}">
-                <a16:creationId xmlns:a16="http://schemas.microsoft.com/office/drawing/2014/main" id="{68E02FA8-62FC-4CBE-A0F0-DFA1D3AC7610}"/>
-              </a:ext>
-            </a:extLst>
-          </p:cNvPr>
-          <p:cNvCxnSpPr>
-            <a:cxnSpLocks/>
-            <a:stCxn id="113" idx="0"/>
-            <a:endCxn id="83" idx="2"/>
-          </p:cNvCxnSpPr>
-          <p:nvPr/>
-        </p:nvCxnSpPr>
-        <p:spPr>
-          <a:xfrm flipV="1">
-            <a:off x="4815749" y="4171964"/>
-            <a:ext cx="1293105" cy="1575767"/>
-          </a:xfrm>
-          <a:prstGeom prst="straightConnector1">
-            <a:avLst/>
-          </a:prstGeom>
-          <a:ln w="38100" cap="flat" cmpd="sng" algn="ctr">
-            <a:solidFill>
-              <a:srgbClr val="FFC000"/>
-            </a:solidFill>
-            <a:prstDash val="dash"/>
-            <a:round/>
-            <a:headEnd type="none" w="med" len="med"/>
-            <a:tailEnd type="none" w="med" len="med"/>
-          </a:ln>
-        </p:spPr>
-        <p:style>
-          <a:lnRef idx="0">
-            <a:scrgbClr r="0" g="0" b="0"/>
-          </a:lnRef>
-          <a:fillRef idx="0">
-            <a:scrgbClr r="0" g="0" b="0"/>
-          </a:fillRef>
-          <a:effectRef idx="0">
-            <a:scrgbClr r="0" g="0" b="0"/>
-          </a:effectRef>
-          <a:fontRef idx="minor">
-            <a:schemeClr val="tx1"/>
-          </a:fontRef>
-        </p:style>
-      </p:cxnSp>
-      <p:grpSp>
-        <p:nvGrpSpPr>
-          <p:cNvPr id="32" name="组合 31">
-            <a:extLst>
-              <a:ext uri="{FF2B5EF4-FFF2-40B4-BE49-F238E27FC236}">
-                <a16:creationId xmlns:a16="http://schemas.microsoft.com/office/drawing/2014/main" id="{198B3A23-4E5C-49E8-8791-838A388417DC}"/>
-              </a:ext>
-            </a:extLst>
-          </p:cNvPr>
-          <p:cNvGrpSpPr/>
-          <p:nvPr/>
-        </p:nvGrpSpPr>
-        <p:grpSpPr>
-          <a:xfrm>
-            <a:off x="202517" y="4396643"/>
-            <a:ext cx="7963270" cy="1011922"/>
-            <a:chOff x="202517" y="4396643"/>
-            <a:chExt cx="7963270" cy="1011922"/>
-          </a:xfrm>
-        </p:grpSpPr>
-        <p:grpSp>
-          <p:nvGrpSpPr>
-            <p:cNvPr id="18" name="组合 17">
-              <a:extLst>
-                <a:ext uri="{FF2B5EF4-FFF2-40B4-BE49-F238E27FC236}">
-                  <a16:creationId xmlns:a16="http://schemas.microsoft.com/office/drawing/2014/main" id="{F2BB0526-6A8E-4633-A024-60E7181C54B8}"/>
-                </a:ext>
-              </a:extLst>
-            </p:cNvPr>
-            <p:cNvGrpSpPr/>
-            <p:nvPr/>
-          </p:nvGrpSpPr>
-          <p:grpSpPr>
-            <a:xfrm>
-              <a:off x="202517" y="4396643"/>
-              <a:ext cx="7963270" cy="934676"/>
-              <a:chOff x="1154097" y="4524566"/>
-              <a:chExt cx="7963270" cy="934676"/>
-            </a:xfrm>
-          </p:grpSpPr>
-          <p:grpSp>
-            <p:nvGrpSpPr>
-              <p:cNvPr id="13" name="组合 12">
-                <a:extLst>
-                  <a:ext uri="{FF2B5EF4-FFF2-40B4-BE49-F238E27FC236}">
-                    <a16:creationId xmlns:a16="http://schemas.microsoft.com/office/drawing/2014/main" id="{331855F4-E14F-4DB6-9391-91098E241008}"/>
-                  </a:ext>
-                </a:extLst>
-              </p:cNvPr>
-              <p:cNvGrpSpPr/>
-              <p:nvPr/>
-            </p:nvGrpSpPr>
-            <p:grpSpPr>
-              <a:xfrm>
-                <a:off x="2950861" y="4678630"/>
-                <a:ext cx="5961638" cy="673192"/>
-                <a:chOff x="6085926" y="4341438"/>
-                <a:chExt cx="5961638" cy="673192"/>
-              </a:xfrm>
-            </p:grpSpPr>
-            <p:sp>
-              <p:nvSpPr>
-                <p:cNvPr id="29" name="矩形 28">
-                  <a:extLst>
-                    <a:ext uri="{FF2B5EF4-FFF2-40B4-BE49-F238E27FC236}">
-                      <a16:creationId xmlns:a16="http://schemas.microsoft.com/office/drawing/2014/main" id="{225A2D5D-9290-4FA7-8325-130726CB092B}"/>
-                    </a:ext>
-                  </a:extLst>
-                </p:cNvPr>
-                <p:cNvSpPr/>
-                <p:nvPr/>
-              </p:nvSpPr>
-              <p:spPr>
-                <a:xfrm>
-                  <a:off x="7703655" y="4438478"/>
-                  <a:ext cx="1306604" cy="471686"/>
-                </a:xfrm>
-                <a:prstGeom prst="rect">
-                  <a:avLst/>
-                </a:prstGeom>
-              </p:spPr>
-              <p:style>
-                <a:lnRef idx="2">
-                  <a:schemeClr val="accent6">
-                    <a:shade val="50000"/>
-                  </a:schemeClr>
-                </a:lnRef>
-                <a:fillRef idx="1">
-                  <a:schemeClr val="accent6"/>
-                </a:fillRef>
-                <a:effectRef idx="0">
-                  <a:schemeClr val="accent6"/>
-                </a:effectRef>
-                <a:fontRef idx="minor">
-                  <a:schemeClr val="lt1"/>
-                </a:fontRef>
-              </p:style>
-              <p:txBody>
-                <a:bodyPr rtlCol="0" anchor="ctr"/>
-                <a:lstStyle/>
-                <a:p>
-                  <a:pPr algn="ctr"/>
-                  <a:r>
-                    <a:rPr lang="en-US" altLang="zh-CN" dirty="0"/>
-                    <a:t>SFF</a:t>
-                  </a:r>
-                </a:p>
-                <a:p>
-                  <a:pPr algn="ctr"/>
-                  <a:r>
-                    <a:rPr lang="en-US" altLang="zh-CN" dirty="0"/>
-                    <a:t>Controller</a:t>
-                  </a:r>
-                  <a:endParaRPr lang="zh-CN" altLang="en-US" dirty="0"/>
-                </a:p>
-              </p:txBody>
-            </p:sp>
-            <p:sp>
-              <p:nvSpPr>
-                <p:cNvPr id="52" name="矩形 51">
-                  <a:extLst>
-                    <a:ext uri="{FF2B5EF4-FFF2-40B4-BE49-F238E27FC236}">
-                      <a16:creationId xmlns:a16="http://schemas.microsoft.com/office/drawing/2014/main" id="{0167D1BA-F934-4768-BF78-7629030295B4}"/>
-                    </a:ext>
-                  </a:extLst>
-                </p:cNvPr>
-                <p:cNvSpPr/>
-                <p:nvPr/>
-              </p:nvSpPr>
-              <p:spPr>
-                <a:xfrm>
-                  <a:off x="9206559" y="4436677"/>
-                  <a:ext cx="1279033" cy="471686"/>
-                </a:xfrm>
-                <a:prstGeom prst="rect">
-                  <a:avLst/>
-                </a:prstGeom>
-              </p:spPr>
-              <p:style>
-                <a:lnRef idx="2">
-                  <a:schemeClr val="accent6">
-                    <a:shade val="50000"/>
-                  </a:schemeClr>
-                </a:lnRef>
-                <a:fillRef idx="1">
-                  <a:schemeClr val="accent6"/>
-                </a:fillRef>
-                <a:effectRef idx="0">
-                  <a:schemeClr val="accent6"/>
-                </a:effectRef>
-                <a:fontRef idx="minor">
-                  <a:schemeClr val="lt1"/>
-                </a:fontRef>
-              </p:style>
-              <p:txBody>
-                <a:bodyPr rtlCol="0" anchor="ctr"/>
-                <a:lstStyle/>
-                <a:p>
-                  <a:pPr algn="ctr"/>
-                  <a:r>
-                    <a:rPr lang="en-US" altLang="zh-CN" dirty="0"/>
-                    <a:t>VNF</a:t>
-                  </a:r>
-                </a:p>
-                <a:p>
-                  <a:pPr algn="ctr"/>
-                  <a:r>
-                    <a:rPr lang="en-US" altLang="zh-CN" dirty="0"/>
-                    <a:t>Controller</a:t>
-                  </a:r>
-                  <a:endParaRPr lang="zh-CN" altLang="en-US" dirty="0"/>
-                </a:p>
-              </p:txBody>
-            </p:sp>
-            <p:sp>
-              <p:nvSpPr>
-                <p:cNvPr id="60" name="矩形 59">
-                  <a:extLst>
-                    <a:ext uri="{FF2B5EF4-FFF2-40B4-BE49-F238E27FC236}">
-                      <a16:creationId xmlns:a16="http://schemas.microsoft.com/office/drawing/2014/main" id="{21BCA351-AAE7-411F-A5CB-4C41156B857E}"/>
-                    </a:ext>
-                  </a:extLst>
-                </p:cNvPr>
-                <p:cNvSpPr/>
-                <p:nvPr/>
-              </p:nvSpPr>
-              <p:spPr>
-                <a:xfrm>
-                  <a:off x="6085926" y="4341438"/>
-                  <a:ext cx="5961638" cy="673192"/>
-                </a:xfrm>
-                <a:prstGeom prst="rect">
-                  <a:avLst/>
-                </a:prstGeom>
-                <a:noFill/>
-                <a:ln w="57150"/>
-              </p:spPr>
-              <p:style>
-                <a:lnRef idx="2">
-                  <a:schemeClr val="accent6"/>
-                </a:lnRef>
-                <a:fillRef idx="1">
-                  <a:schemeClr val="lt1"/>
-                </a:fillRef>
-                <a:effectRef idx="0">
-                  <a:schemeClr val="accent6"/>
-                </a:effectRef>
-                <a:fontRef idx="minor">
-                  <a:schemeClr val="dk1"/>
-                </a:fontRef>
-              </p:style>
-              <p:txBody>
-                <a:bodyPr rtlCol="0" anchor="ctr"/>
-                <a:lstStyle/>
-                <a:p>
-                  <a:pPr algn="r"/>
-                  <a:endParaRPr lang="zh-CN" altLang="en-US" dirty="0"/>
-                </a:p>
-              </p:txBody>
-            </p:sp>
-            <p:sp>
-              <p:nvSpPr>
-                <p:cNvPr id="66" name="矩形 65">
-                  <a:extLst>
-                    <a:ext uri="{FF2B5EF4-FFF2-40B4-BE49-F238E27FC236}">
-                      <a16:creationId xmlns:a16="http://schemas.microsoft.com/office/drawing/2014/main" id="{B9BE4EE8-2590-434A-AC63-B2D7B2E8C915}"/>
-                    </a:ext>
-                  </a:extLst>
-                </p:cNvPr>
-                <p:cNvSpPr/>
-                <p:nvPr/>
-              </p:nvSpPr>
-              <p:spPr>
-                <a:xfrm>
-                  <a:off x="10685726" y="4428285"/>
-                  <a:ext cx="1279033" cy="471686"/>
-                </a:xfrm>
-                <a:prstGeom prst="rect">
-                  <a:avLst/>
-                </a:prstGeom>
-              </p:spPr>
-              <p:style>
-                <a:lnRef idx="2">
-                  <a:schemeClr val="accent6">
-                    <a:shade val="50000"/>
-                  </a:schemeClr>
-                </a:lnRef>
-                <a:fillRef idx="1">
-                  <a:schemeClr val="accent6"/>
-                </a:fillRef>
-                <a:effectRef idx="0">
-                  <a:schemeClr val="accent6"/>
-                </a:effectRef>
-                <a:fontRef idx="minor">
-                  <a:schemeClr val="lt1"/>
-                </a:fontRef>
-              </p:style>
-              <p:txBody>
-                <a:bodyPr rtlCol="0" anchor="ctr"/>
-                <a:lstStyle/>
-                <a:p>
-                  <a:pPr algn="ctr"/>
-                  <a:r>
-                    <a:rPr lang="en-US" altLang="zh-CN" dirty="0"/>
-                    <a:t>Server </a:t>
-                  </a:r>
-                </a:p>
-                <a:p>
-                  <a:pPr algn="ctr"/>
-                  <a:r>
-                    <a:rPr lang="en-US" altLang="zh-CN" dirty="0"/>
-                    <a:t>Manager</a:t>
-                  </a:r>
-                  <a:endParaRPr lang="zh-CN" altLang="en-US" dirty="0"/>
-                </a:p>
-              </p:txBody>
-            </p:sp>
-            <p:sp>
-              <p:nvSpPr>
-                <p:cNvPr id="68" name="矩形 67">
-                  <a:extLst>
-                    <a:ext uri="{FF2B5EF4-FFF2-40B4-BE49-F238E27FC236}">
-                      <a16:creationId xmlns:a16="http://schemas.microsoft.com/office/drawing/2014/main" id="{309DB223-AFB6-477C-B539-A733F4157003}"/>
-                    </a:ext>
-                  </a:extLst>
-                </p:cNvPr>
-                <p:cNvSpPr/>
-                <p:nvPr/>
-              </p:nvSpPr>
-              <p:spPr>
-                <a:xfrm>
-                  <a:off x="6258169" y="4432378"/>
-                  <a:ext cx="1279033" cy="471686"/>
-                </a:xfrm>
-                <a:prstGeom prst="rect">
-                  <a:avLst/>
-                </a:prstGeom>
-              </p:spPr>
-              <p:style>
-                <a:lnRef idx="2">
-                  <a:schemeClr val="accent6">
-                    <a:shade val="50000"/>
-                  </a:schemeClr>
-                </a:lnRef>
-                <a:fillRef idx="1">
-                  <a:schemeClr val="accent6"/>
-                </a:fillRef>
-                <a:effectRef idx="0">
-                  <a:schemeClr val="accent6"/>
-                </a:effectRef>
-                <a:fontRef idx="minor">
-                  <a:schemeClr val="lt1"/>
-                </a:fontRef>
-              </p:style>
-              <p:txBody>
-                <a:bodyPr rtlCol="0" anchor="ctr"/>
-                <a:lstStyle/>
-                <a:p>
-                  <a:pPr algn="ctr"/>
-                  <a:r>
-                    <a:rPr lang="en-US" altLang="zh-CN" dirty="0"/>
-                    <a:t>Classifier</a:t>
-                  </a:r>
-                </a:p>
-                <a:p>
-                  <a:pPr algn="ctr"/>
-                  <a:r>
-                    <a:rPr lang="en-US" altLang="zh-CN" dirty="0"/>
-                    <a:t>Controller</a:t>
-                  </a:r>
-                  <a:endParaRPr lang="zh-CN" altLang="en-US" dirty="0"/>
-                </a:p>
-              </p:txBody>
-            </p:sp>
-          </p:grpSp>
-          <p:sp>
-            <p:nvSpPr>
-              <p:cNvPr id="69" name="矩形 68">
-                <a:extLst>
-                  <a:ext uri="{FF2B5EF4-FFF2-40B4-BE49-F238E27FC236}">
-                    <a16:creationId xmlns:a16="http://schemas.microsoft.com/office/drawing/2014/main" id="{DD37CC3F-175E-4B74-995E-B0A051C6E000}"/>
-                  </a:ext>
-                </a:extLst>
-              </p:cNvPr>
-              <p:cNvSpPr/>
-              <p:nvPr/>
-            </p:nvSpPr>
-            <p:spPr>
-              <a:xfrm>
-                <a:off x="1341550" y="4758579"/>
-                <a:ext cx="1298023" cy="471686"/>
-              </a:xfrm>
-              <a:prstGeom prst="rect">
-                <a:avLst/>
-              </a:prstGeom>
-            </p:spPr>
-            <p:style>
-              <a:lnRef idx="2">
-                <a:schemeClr val="accent6">
-                  <a:shade val="50000"/>
-                </a:schemeClr>
-              </a:lnRef>
-              <a:fillRef idx="1">
-                <a:schemeClr val="accent6"/>
-              </a:fillRef>
-              <a:effectRef idx="0">
-                <a:schemeClr val="accent6"/>
-              </a:effectRef>
-              <a:fontRef idx="minor">
-                <a:schemeClr val="lt1"/>
-              </a:fontRef>
-            </p:style>
-            <p:txBody>
-              <a:bodyPr rtlCol="0" anchor="ctr"/>
-              <a:lstStyle/>
-              <a:p>
-                <a:pPr algn="ctr"/>
-                <a:r>
-                  <a:rPr lang="en-US" altLang="zh-CN" dirty="0"/>
-                  <a:t>RYU </a:t>
-                </a:r>
-                <a:r>
-                  <a:rPr lang="en-US" altLang="zh-CN" dirty="0" err="1"/>
-                  <a:t>CmdAgent</a:t>
-                </a:r>
-                <a:endParaRPr lang="zh-CN" altLang="en-US" dirty="0"/>
-              </a:p>
-            </p:txBody>
-          </p:sp>
-          <p:sp>
-            <p:nvSpPr>
-              <p:cNvPr id="17" name="矩形 16">
-                <a:extLst>
-                  <a:ext uri="{FF2B5EF4-FFF2-40B4-BE49-F238E27FC236}">
-                    <a16:creationId xmlns:a16="http://schemas.microsoft.com/office/drawing/2014/main" id="{A4DB3671-BDD1-46C4-A48B-12672E8747DE}"/>
-                  </a:ext>
-                </a:extLst>
-              </p:cNvPr>
-              <p:cNvSpPr/>
-              <p:nvPr/>
-            </p:nvSpPr>
-            <p:spPr>
-              <a:xfrm>
-                <a:off x="1154097" y="4524566"/>
-                <a:ext cx="7963270" cy="934676"/>
-              </a:xfrm>
-              <a:prstGeom prst="rect">
-                <a:avLst/>
-              </a:prstGeom>
-              <a:noFill/>
-              <a:ln w="28575"/>
-            </p:spPr>
-            <p:style>
-              <a:lnRef idx="2">
-                <a:schemeClr val="accent4"/>
-              </a:lnRef>
-              <a:fillRef idx="1">
-                <a:schemeClr val="lt1"/>
-              </a:fillRef>
-              <a:effectRef idx="0">
-                <a:schemeClr val="accent4"/>
-              </a:effectRef>
-              <a:fontRef idx="minor">
-                <a:schemeClr val="dk1"/>
-              </a:fontRef>
-            </p:style>
-            <p:txBody>
-              <a:bodyPr rtlCol="0" anchor="ctr"/>
-              <a:lstStyle/>
-              <a:p>
-                <a:pPr algn="ctr"/>
-                <a:endParaRPr lang="zh-CN" altLang="en-US"/>
-              </a:p>
-            </p:txBody>
-          </p:sp>
-        </p:grpSp>
-        <p:sp>
-          <p:nvSpPr>
-            <p:cNvPr id="25" name="文本框 24">
-              <a:extLst>
-                <a:ext uri="{FF2B5EF4-FFF2-40B4-BE49-F238E27FC236}">
-                  <a16:creationId xmlns:a16="http://schemas.microsoft.com/office/drawing/2014/main" id="{07C5E1B8-038D-4566-B4BE-85615DE1822A}"/>
-                </a:ext>
-              </a:extLst>
-            </p:cNvPr>
-            <p:cNvSpPr txBox="1"/>
-            <p:nvPr/>
-          </p:nvSpPr>
-          <p:spPr>
-            <a:xfrm>
-              <a:off x="507272" y="5039233"/>
-              <a:ext cx="909223" cy="369332"/>
-            </a:xfrm>
-            <a:prstGeom prst="rect">
-              <a:avLst/>
-            </a:prstGeom>
-            <a:noFill/>
-          </p:spPr>
-          <p:txBody>
-            <a:bodyPr wrap="none" rtlCol="0">
-              <a:spAutoFit/>
-            </a:bodyPr>
-            <a:lstStyle/>
-            <a:p>
-              <a:r>
-                <a:rPr lang="en-US" altLang="zh-CN" b="1" dirty="0"/>
-                <a:t>Zone 1</a:t>
-              </a:r>
-              <a:endParaRPr lang="zh-CN" altLang="en-US" b="1" dirty="0"/>
-            </a:p>
-          </p:txBody>
-        </p:sp>
-      </p:grpSp>
-      <p:grpSp>
-        <p:nvGrpSpPr>
-          <p:cNvPr id="34" name="组合 33">
-            <a:extLst>
-              <a:ext uri="{FF2B5EF4-FFF2-40B4-BE49-F238E27FC236}">
-                <a16:creationId xmlns:a16="http://schemas.microsoft.com/office/drawing/2014/main" id="{81EAA146-E594-47A6-975B-A7CDAD1BDD37}"/>
-              </a:ext>
-            </a:extLst>
-          </p:cNvPr>
-          <p:cNvGrpSpPr/>
-          <p:nvPr/>
-        </p:nvGrpSpPr>
-        <p:grpSpPr>
-          <a:xfrm>
-            <a:off x="3979284" y="5513718"/>
-            <a:ext cx="7963270" cy="1009293"/>
-            <a:chOff x="3979284" y="5513718"/>
-            <a:chExt cx="7963270" cy="1009293"/>
-          </a:xfrm>
-        </p:grpSpPr>
-        <p:grpSp>
-          <p:nvGrpSpPr>
-            <p:cNvPr id="111" name="组合 110">
-              <a:extLst>
-                <a:ext uri="{FF2B5EF4-FFF2-40B4-BE49-F238E27FC236}">
-                  <a16:creationId xmlns:a16="http://schemas.microsoft.com/office/drawing/2014/main" id="{F4401360-85F7-4665-AB5C-52D974558D0B}"/>
-                </a:ext>
-              </a:extLst>
-            </p:cNvPr>
-            <p:cNvGrpSpPr/>
-            <p:nvPr/>
-          </p:nvGrpSpPr>
-          <p:grpSpPr>
-            <a:xfrm>
-              <a:off x="3979284" y="5513718"/>
-              <a:ext cx="7963270" cy="934676"/>
-              <a:chOff x="1154097" y="4524566"/>
-              <a:chExt cx="7963270" cy="934676"/>
-            </a:xfrm>
-          </p:grpSpPr>
-          <p:grpSp>
-            <p:nvGrpSpPr>
-              <p:cNvPr id="112" name="组合 111">
-                <a:extLst>
-                  <a:ext uri="{FF2B5EF4-FFF2-40B4-BE49-F238E27FC236}">
-                    <a16:creationId xmlns:a16="http://schemas.microsoft.com/office/drawing/2014/main" id="{46AF8381-470A-41C9-A69B-FECD7F56A54D}"/>
-                  </a:ext>
-                </a:extLst>
-              </p:cNvPr>
-              <p:cNvGrpSpPr/>
-              <p:nvPr/>
-            </p:nvGrpSpPr>
-            <p:grpSpPr>
-              <a:xfrm>
-                <a:off x="2950861" y="4678630"/>
-                <a:ext cx="5961638" cy="673192"/>
-                <a:chOff x="6085926" y="4341438"/>
-                <a:chExt cx="5961638" cy="673192"/>
-              </a:xfrm>
-            </p:grpSpPr>
-            <p:sp>
-              <p:nvSpPr>
-                <p:cNvPr id="116" name="矩形 115">
-                  <a:extLst>
-                    <a:ext uri="{FF2B5EF4-FFF2-40B4-BE49-F238E27FC236}">
-                      <a16:creationId xmlns:a16="http://schemas.microsoft.com/office/drawing/2014/main" id="{AEBCA444-FF39-4E05-A568-0F22EAC7CAE9}"/>
-                    </a:ext>
-                  </a:extLst>
-                </p:cNvPr>
-                <p:cNvSpPr/>
-                <p:nvPr/>
-              </p:nvSpPr>
-              <p:spPr>
-                <a:xfrm>
-                  <a:off x="7703655" y="4438478"/>
-                  <a:ext cx="1306604" cy="471686"/>
-                </a:xfrm>
-                <a:prstGeom prst="rect">
-                  <a:avLst/>
-                </a:prstGeom>
-              </p:spPr>
-              <p:style>
-                <a:lnRef idx="2">
-                  <a:schemeClr val="accent6">
-                    <a:shade val="50000"/>
-                  </a:schemeClr>
-                </a:lnRef>
-                <a:fillRef idx="1">
-                  <a:schemeClr val="accent6"/>
-                </a:fillRef>
-                <a:effectRef idx="0">
-                  <a:schemeClr val="accent6"/>
-                </a:effectRef>
-                <a:fontRef idx="minor">
-                  <a:schemeClr val="lt1"/>
-                </a:fontRef>
-              </p:style>
-              <p:txBody>
-                <a:bodyPr rtlCol="0" anchor="ctr"/>
-                <a:lstStyle/>
-                <a:p>
-                  <a:pPr algn="ctr"/>
-                  <a:r>
-                    <a:rPr lang="en-US" altLang="zh-CN" dirty="0"/>
-                    <a:t>SFF</a:t>
-                  </a:r>
-                </a:p>
-                <a:p>
-                  <a:pPr algn="ctr"/>
-                  <a:r>
-                    <a:rPr lang="en-US" altLang="zh-CN" dirty="0"/>
-                    <a:t>Controller</a:t>
-                  </a:r>
-                  <a:endParaRPr lang="zh-CN" altLang="en-US" dirty="0"/>
-                </a:p>
-              </p:txBody>
-            </p:sp>
-            <p:sp>
-              <p:nvSpPr>
-                <p:cNvPr id="117" name="矩形 116">
-                  <a:extLst>
-                    <a:ext uri="{FF2B5EF4-FFF2-40B4-BE49-F238E27FC236}">
-                      <a16:creationId xmlns:a16="http://schemas.microsoft.com/office/drawing/2014/main" id="{8D4BD195-6C7D-4AFE-8796-FAB6D4420EDB}"/>
-                    </a:ext>
-                  </a:extLst>
-                </p:cNvPr>
-                <p:cNvSpPr/>
-                <p:nvPr/>
-              </p:nvSpPr>
-              <p:spPr>
-                <a:xfrm>
-                  <a:off x="9206559" y="4436677"/>
-                  <a:ext cx="1279033" cy="471686"/>
-                </a:xfrm>
-                <a:prstGeom prst="rect">
-                  <a:avLst/>
-                </a:prstGeom>
-              </p:spPr>
-              <p:style>
-                <a:lnRef idx="2">
-                  <a:schemeClr val="accent6">
-                    <a:shade val="50000"/>
-                  </a:schemeClr>
-                </a:lnRef>
-                <a:fillRef idx="1">
-                  <a:schemeClr val="accent6"/>
-                </a:fillRef>
-                <a:effectRef idx="0">
-                  <a:schemeClr val="accent6"/>
-                </a:effectRef>
-                <a:fontRef idx="minor">
-                  <a:schemeClr val="lt1"/>
-                </a:fontRef>
-              </p:style>
-              <p:txBody>
-                <a:bodyPr rtlCol="0" anchor="ctr"/>
-                <a:lstStyle/>
-                <a:p>
-                  <a:pPr algn="ctr"/>
-                  <a:r>
-                    <a:rPr lang="en-US" altLang="zh-CN" dirty="0"/>
-                    <a:t>VNF</a:t>
-                  </a:r>
-                </a:p>
-                <a:p>
-                  <a:pPr algn="ctr"/>
-                  <a:r>
-                    <a:rPr lang="en-US" altLang="zh-CN" dirty="0"/>
-                    <a:t>Controller</a:t>
-                  </a:r>
-                  <a:endParaRPr lang="zh-CN" altLang="en-US" dirty="0"/>
-                </a:p>
-              </p:txBody>
-            </p:sp>
-            <p:sp>
-              <p:nvSpPr>
-                <p:cNvPr id="119" name="矩形 118">
-                  <a:extLst>
-                    <a:ext uri="{FF2B5EF4-FFF2-40B4-BE49-F238E27FC236}">
-                      <a16:creationId xmlns:a16="http://schemas.microsoft.com/office/drawing/2014/main" id="{25886148-A5AD-47D8-88F9-60A2C9E2E02D}"/>
-                    </a:ext>
-                  </a:extLst>
-                </p:cNvPr>
-                <p:cNvSpPr/>
-                <p:nvPr/>
-              </p:nvSpPr>
-              <p:spPr>
-                <a:xfrm>
-                  <a:off x="6085926" y="4341438"/>
-                  <a:ext cx="5961638" cy="673192"/>
-                </a:xfrm>
-                <a:prstGeom prst="rect">
-                  <a:avLst/>
-                </a:prstGeom>
-                <a:noFill/>
-                <a:ln w="57150"/>
-              </p:spPr>
-              <p:style>
-                <a:lnRef idx="2">
-                  <a:schemeClr val="accent6"/>
-                </a:lnRef>
-                <a:fillRef idx="1">
-                  <a:schemeClr val="lt1"/>
-                </a:fillRef>
-                <a:effectRef idx="0">
-                  <a:schemeClr val="accent6"/>
-                </a:effectRef>
-                <a:fontRef idx="minor">
-                  <a:schemeClr val="dk1"/>
-                </a:fontRef>
-              </p:style>
-              <p:txBody>
-                <a:bodyPr rtlCol="0" anchor="ctr"/>
-                <a:lstStyle/>
-                <a:p>
-                  <a:pPr algn="r"/>
-                  <a:endParaRPr lang="zh-CN" altLang="en-US" dirty="0"/>
-                </a:p>
-              </p:txBody>
-            </p:sp>
-            <p:sp>
-              <p:nvSpPr>
-                <p:cNvPr id="120" name="矩形 119">
-                  <a:extLst>
-                    <a:ext uri="{FF2B5EF4-FFF2-40B4-BE49-F238E27FC236}">
-                      <a16:creationId xmlns:a16="http://schemas.microsoft.com/office/drawing/2014/main" id="{A9EC7169-14FC-414F-8FE1-1BA09BBF4FD7}"/>
-                    </a:ext>
-                  </a:extLst>
-                </p:cNvPr>
-                <p:cNvSpPr/>
-                <p:nvPr/>
-              </p:nvSpPr>
-              <p:spPr>
-                <a:xfrm>
-                  <a:off x="10685726" y="4428285"/>
-                  <a:ext cx="1279033" cy="471686"/>
-                </a:xfrm>
-                <a:prstGeom prst="rect">
-                  <a:avLst/>
-                </a:prstGeom>
-              </p:spPr>
-              <p:style>
-                <a:lnRef idx="2">
-                  <a:schemeClr val="accent6">
-                    <a:shade val="50000"/>
-                  </a:schemeClr>
-                </a:lnRef>
-                <a:fillRef idx="1">
-                  <a:schemeClr val="accent6"/>
-                </a:fillRef>
-                <a:effectRef idx="0">
-                  <a:schemeClr val="accent6"/>
-                </a:effectRef>
-                <a:fontRef idx="minor">
-                  <a:schemeClr val="lt1"/>
-                </a:fontRef>
-              </p:style>
-              <p:txBody>
-                <a:bodyPr rtlCol="0" anchor="ctr"/>
-                <a:lstStyle/>
-                <a:p>
-                  <a:pPr algn="ctr"/>
-                  <a:r>
-                    <a:rPr lang="en-US" altLang="zh-CN" dirty="0"/>
-                    <a:t>Server </a:t>
-                  </a:r>
-                </a:p>
-                <a:p>
-                  <a:pPr algn="ctr"/>
-                  <a:r>
-                    <a:rPr lang="en-US" altLang="zh-CN" dirty="0"/>
-                    <a:t>Manager</a:t>
-                  </a:r>
-                  <a:endParaRPr lang="zh-CN" altLang="en-US" dirty="0"/>
-                </a:p>
-              </p:txBody>
-            </p:sp>
-            <p:sp>
-              <p:nvSpPr>
-                <p:cNvPr id="121" name="矩形 120">
-                  <a:extLst>
-                    <a:ext uri="{FF2B5EF4-FFF2-40B4-BE49-F238E27FC236}">
-                      <a16:creationId xmlns:a16="http://schemas.microsoft.com/office/drawing/2014/main" id="{4105F97D-FBA6-4153-B9E5-FDE6EB9A7DB3}"/>
-                    </a:ext>
-                  </a:extLst>
-                </p:cNvPr>
-                <p:cNvSpPr/>
-                <p:nvPr/>
-              </p:nvSpPr>
-              <p:spPr>
-                <a:xfrm>
-                  <a:off x="6258169" y="4432378"/>
-                  <a:ext cx="1279033" cy="471686"/>
-                </a:xfrm>
-                <a:prstGeom prst="rect">
-                  <a:avLst/>
-                </a:prstGeom>
-              </p:spPr>
-              <p:style>
-                <a:lnRef idx="2">
-                  <a:schemeClr val="accent6">
-                    <a:shade val="50000"/>
-                  </a:schemeClr>
-                </a:lnRef>
-                <a:fillRef idx="1">
-                  <a:schemeClr val="accent6"/>
-                </a:fillRef>
-                <a:effectRef idx="0">
-                  <a:schemeClr val="accent6"/>
-                </a:effectRef>
-                <a:fontRef idx="minor">
-                  <a:schemeClr val="lt1"/>
-                </a:fontRef>
-              </p:style>
-              <p:txBody>
-                <a:bodyPr rtlCol="0" anchor="ctr"/>
-                <a:lstStyle/>
-                <a:p>
-                  <a:pPr algn="ctr"/>
-                  <a:r>
-                    <a:rPr lang="en-US" altLang="zh-CN" dirty="0"/>
-                    <a:t>Classifier</a:t>
-                  </a:r>
-                </a:p>
-                <a:p>
-                  <a:pPr algn="ctr"/>
-                  <a:r>
-                    <a:rPr lang="en-US" altLang="zh-CN" dirty="0"/>
-                    <a:t>Controller</a:t>
-                  </a:r>
-                  <a:endParaRPr lang="zh-CN" altLang="en-US" dirty="0"/>
-                </a:p>
-              </p:txBody>
-            </p:sp>
-          </p:grpSp>
-          <p:sp>
-            <p:nvSpPr>
-              <p:cNvPr id="113" name="矩形 112">
-                <a:extLst>
-                  <a:ext uri="{FF2B5EF4-FFF2-40B4-BE49-F238E27FC236}">
-                    <a16:creationId xmlns:a16="http://schemas.microsoft.com/office/drawing/2014/main" id="{7C8A3DB7-91B8-4953-BDFD-CD82C9B09C0E}"/>
-                  </a:ext>
-                </a:extLst>
-              </p:cNvPr>
-              <p:cNvSpPr/>
-              <p:nvPr/>
-            </p:nvSpPr>
-            <p:spPr>
-              <a:xfrm>
-                <a:off x="1341550" y="4758579"/>
-                <a:ext cx="1298023" cy="471686"/>
-              </a:xfrm>
-              <a:prstGeom prst="rect">
-                <a:avLst/>
-              </a:prstGeom>
-            </p:spPr>
-            <p:style>
-              <a:lnRef idx="2">
-                <a:schemeClr val="accent6">
-                  <a:shade val="50000"/>
-                </a:schemeClr>
-              </a:lnRef>
-              <a:fillRef idx="1">
-                <a:schemeClr val="accent6"/>
-              </a:fillRef>
-              <a:effectRef idx="0">
-                <a:schemeClr val="accent6"/>
-              </a:effectRef>
-              <a:fontRef idx="minor">
-                <a:schemeClr val="lt1"/>
-              </a:fontRef>
-            </p:style>
-            <p:txBody>
-              <a:bodyPr rtlCol="0" anchor="ctr"/>
-              <a:lstStyle/>
-              <a:p>
-                <a:pPr algn="ctr"/>
-                <a:r>
-                  <a:rPr lang="en-US" altLang="zh-CN" dirty="0"/>
-                  <a:t>RYU </a:t>
-                </a:r>
-                <a:r>
-                  <a:rPr lang="en-US" altLang="zh-CN" dirty="0" err="1"/>
-                  <a:t>CmdAgent</a:t>
-                </a:r>
-                <a:endParaRPr lang="zh-CN" altLang="en-US" dirty="0"/>
-              </a:p>
-            </p:txBody>
-          </p:sp>
-          <p:sp>
-            <p:nvSpPr>
-              <p:cNvPr id="114" name="矩形 113">
-                <a:extLst>
-                  <a:ext uri="{FF2B5EF4-FFF2-40B4-BE49-F238E27FC236}">
-                    <a16:creationId xmlns:a16="http://schemas.microsoft.com/office/drawing/2014/main" id="{9312AAAF-0618-4752-ABF5-440A670C26BE}"/>
-                  </a:ext>
-                </a:extLst>
-              </p:cNvPr>
-              <p:cNvSpPr/>
-              <p:nvPr/>
-            </p:nvSpPr>
-            <p:spPr>
-              <a:xfrm>
-                <a:off x="1154097" y="4524566"/>
-                <a:ext cx="7963270" cy="934676"/>
-              </a:xfrm>
-              <a:prstGeom prst="rect">
-                <a:avLst/>
-              </a:prstGeom>
-              <a:noFill/>
-              <a:ln w="28575"/>
-            </p:spPr>
-            <p:style>
-              <a:lnRef idx="2">
-                <a:schemeClr val="accent4"/>
-              </a:lnRef>
-              <a:fillRef idx="1">
-                <a:schemeClr val="lt1"/>
-              </a:fillRef>
-              <a:effectRef idx="0">
-                <a:schemeClr val="accent4"/>
-              </a:effectRef>
-              <a:fontRef idx="minor">
-                <a:schemeClr val="dk1"/>
-              </a:fontRef>
-            </p:style>
-            <p:txBody>
-              <a:bodyPr rtlCol="0" anchor="ctr"/>
-              <a:lstStyle/>
-              <a:p>
-                <a:pPr algn="ctr"/>
-                <a:endParaRPr lang="zh-CN" altLang="en-US"/>
-              </a:p>
-            </p:txBody>
-          </p:sp>
-        </p:grpSp>
-        <p:sp>
-          <p:nvSpPr>
-            <p:cNvPr id="124" name="文本框 123">
-              <a:extLst>
-                <a:ext uri="{FF2B5EF4-FFF2-40B4-BE49-F238E27FC236}">
-                  <a16:creationId xmlns:a16="http://schemas.microsoft.com/office/drawing/2014/main" id="{6374950D-6D2D-47B1-954B-8978F1FBEF20}"/>
-                </a:ext>
-              </a:extLst>
-            </p:cNvPr>
-            <p:cNvSpPr txBox="1"/>
-            <p:nvPr/>
-          </p:nvSpPr>
-          <p:spPr>
-            <a:xfrm>
-              <a:off x="4279907" y="6153679"/>
-              <a:ext cx="909223" cy="369332"/>
-            </a:xfrm>
-            <a:prstGeom prst="rect">
-              <a:avLst/>
-            </a:prstGeom>
-            <a:noFill/>
-          </p:spPr>
-          <p:txBody>
-            <a:bodyPr wrap="none" rtlCol="0">
-              <a:spAutoFit/>
-            </a:bodyPr>
-            <a:lstStyle/>
-            <a:p>
-              <a:r>
-                <a:rPr lang="en-US" altLang="zh-CN" b="1" dirty="0"/>
-                <a:t>Zone 2</a:t>
-              </a:r>
-              <a:endParaRPr lang="zh-CN" altLang="en-US" b="1" dirty="0"/>
-            </a:p>
-          </p:txBody>
-        </p:sp>
-      </p:grpSp>
-      <p:sp>
-        <p:nvSpPr>
-          <p:cNvPr id="4" name="文本框 3">
-            <a:extLst>
-              <a:ext uri="{FF2B5EF4-FFF2-40B4-BE49-F238E27FC236}">
-                <a16:creationId xmlns:a16="http://schemas.microsoft.com/office/drawing/2014/main" id="{FBF713BD-228D-4452-A609-3362721FF4B9}"/>
+        <p:txBody>
+          <a:bodyPr rtlCol="0" anchor="ctr"/>
+          <a:lstStyle/>
+          <a:p>
+            <a:pPr algn="ctr"/>
+            <a:endParaRPr lang="zh-CN" altLang="en-US"/>
+          </a:p>
+        </p:txBody>
+      </p:sp>
+      <p:sp>
+        <p:nvSpPr>
+          <p:cNvPr id="86" name="文本框 85">
+            <a:extLst>
+              <a:ext uri="{FF2B5EF4-FFF2-40B4-BE49-F238E27FC236}">
+                <a16:creationId xmlns:a16="http://schemas.microsoft.com/office/drawing/2014/main" id="{F8846252-E3D6-4899-8795-E900F86660C1}"/>
               </a:ext>
             </a:extLst>
           </p:cNvPr>
@@ -18235,8 +19907,8 @@
         </p:nvSpPr>
         <p:spPr>
           <a:xfrm>
-            <a:off x="8432944" y="4722426"/>
-            <a:ext cx="2446504" cy="369332"/>
+            <a:off x="4683760" y="2228658"/>
+            <a:ext cx="1544012" cy="461665"/>
           </a:xfrm>
           <a:prstGeom prst="rect">
             <a:avLst/>
@@ -18250,34 +19922,30 @@
           <a:lstStyle/>
           <a:p>
             <a:r>
-              <a:rPr lang="zh-CN" altLang="en-US" dirty="0"/>
-              <a:t>不同</a:t>
-            </a:r>
-            <a:r>
-              <a:rPr lang="en-US" altLang="zh-CN" dirty="0"/>
-              <a:t>zone</a:t>
-            </a:r>
-            <a:r>
-              <a:rPr lang="zh-CN" altLang="en-US" dirty="0"/>
-              <a:t>的</a:t>
-            </a:r>
-            <a:r>
-              <a:rPr lang="en-US" altLang="zh-CN" dirty="0"/>
-              <a:t>queue</a:t>
-            </a:r>
-            <a:r>
-              <a:rPr lang="zh-CN" altLang="en-US" dirty="0"/>
-              <a:t>不同</a:t>
-            </a:r>
-          </a:p>
-        </p:txBody>
-      </p:sp>
-      <p:sp>
-        <p:nvSpPr>
-          <p:cNvPr id="127" name="文本框 126">
-            <a:extLst>
-              <a:ext uri="{FF2B5EF4-FFF2-40B4-BE49-F238E27FC236}">
-                <a16:creationId xmlns:a16="http://schemas.microsoft.com/office/drawing/2014/main" id="{2FEC6B10-8CA1-4855-93B3-A99BCA236002}"/>
+              <a:rPr lang="en-US" altLang="zh-CN" sz="1200" b="1" dirty="0">
+                <a:effectLst/>
+                <a:latin typeface="Consolas" panose="020B0609020204030204" pitchFamily="49" charset="0"/>
+              </a:rPr>
+              <a:t>ADD_SFCI_REQUEST</a:t>
+            </a:r>
+          </a:p>
+          <a:p>
+            <a:r>
+              <a:rPr lang="en-US" altLang="zh-CN" sz="1200" b="1" dirty="0">
+                <a:effectLst/>
+                <a:latin typeface="Consolas" panose="020B0609020204030204" pitchFamily="49" charset="0"/>
+              </a:rPr>
+              <a:t>DEL_SFC_REQUEST</a:t>
+            </a:r>
+          </a:p>
+        </p:txBody>
+      </p:sp>
+      <p:sp>
+        <p:nvSpPr>
+          <p:cNvPr id="87" name="文本框 86">
+            <a:extLst>
+              <a:ext uri="{FF2B5EF4-FFF2-40B4-BE49-F238E27FC236}">
+                <a16:creationId xmlns:a16="http://schemas.microsoft.com/office/drawing/2014/main" id="{752D50EE-9683-45C4-A848-E9DBCC130FA8}"/>
               </a:ext>
             </a:extLst>
           </p:cNvPr>
@@ -18286,940 +19954,83 @@
         </p:nvSpPr>
         <p:spPr>
           <a:xfrm>
-            <a:off x="9273957" y="588376"/>
-            <a:ext cx="2803170" cy="1190138"/>
+            <a:off x="7289031" y="1935115"/>
+            <a:ext cx="1544012" cy="461665"/>
           </a:xfrm>
           <a:prstGeom prst="rect">
             <a:avLst/>
           </a:prstGeom>
-        </p:spPr>
-        <p:style>
-          <a:lnRef idx="2">
-            <a:schemeClr val="accent1"/>
-          </a:lnRef>
-          <a:fillRef idx="1">
-            <a:schemeClr val="lt1"/>
-          </a:fillRef>
-          <a:effectRef idx="0">
-            <a:schemeClr val="accent1"/>
-          </a:effectRef>
-          <a:fontRef idx="minor">
-            <a:schemeClr val="dk1"/>
-          </a:fontRef>
-        </p:style>
-        <p:txBody>
-          <a:bodyPr rtlCol="0" anchor="ctr"/>
-          <a:lstStyle>
-            <a:defPPr>
-              <a:defRPr lang="zh-CN"/>
-            </a:defPPr>
-            <a:lvl1pPr marL="285750" indent="-285750">
-              <a:buFont typeface="Arial" panose="020B0604020202020204" pitchFamily="34" charset="0"/>
-              <a:buChar char="•"/>
-              <a:defRPr sz="1400">
-                <a:solidFill>
-                  <a:schemeClr val="dk1"/>
-                </a:solidFill>
-              </a:defRPr>
-            </a:lvl1pPr>
-            <a:lvl2pPr>
-              <a:defRPr>
-                <a:solidFill>
-                  <a:schemeClr val="dk1"/>
-                </a:solidFill>
-              </a:defRPr>
-            </a:lvl2pPr>
-            <a:lvl3pPr>
-              <a:defRPr>
-                <a:solidFill>
-                  <a:schemeClr val="dk1"/>
-                </a:solidFill>
-              </a:defRPr>
-            </a:lvl3pPr>
-            <a:lvl4pPr>
-              <a:defRPr>
-                <a:solidFill>
-                  <a:schemeClr val="dk1"/>
-                </a:solidFill>
-              </a:defRPr>
-            </a:lvl4pPr>
-            <a:lvl5pPr>
-              <a:defRPr>
-                <a:solidFill>
-                  <a:schemeClr val="dk1"/>
-                </a:solidFill>
-              </a:defRPr>
-            </a:lvl5pPr>
-            <a:lvl6pPr>
-              <a:defRPr>
-                <a:solidFill>
-                  <a:schemeClr val="dk1"/>
-                </a:solidFill>
-              </a:defRPr>
-            </a:lvl6pPr>
-            <a:lvl7pPr>
-              <a:defRPr>
-                <a:solidFill>
-                  <a:schemeClr val="dk1"/>
-                </a:solidFill>
-              </a:defRPr>
-            </a:lvl7pPr>
-            <a:lvl8pPr>
-              <a:defRPr>
-                <a:solidFill>
-                  <a:schemeClr val="dk1"/>
-                </a:solidFill>
-              </a:defRPr>
-            </a:lvl8pPr>
-            <a:lvl9pPr>
-              <a:defRPr>
-                <a:solidFill>
-                  <a:schemeClr val="dk1"/>
-                </a:solidFill>
-              </a:defRPr>
-            </a:lvl9pPr>
-          </a:lstStyle>
-          <a:p>
-            <a:r>
-              <a:rPr lang="en-US" altLang="zh-CN" dirty="0"/>
-              <a:t>Network info (Real-time info)</a:t>
-            </a:r>
-          </a:p>
-          <a:p>
-            <a:pPr marL="742950" lvl="1" indent="-285750">
-              <a:buFont typeface="Arial" panose="020B0604020202020204" pitchFamily="34" charset="0"/>
-              <a:buChar char="•"/>
-            </a:pPr>
-            <a:r>
-              <a:rPr lang="en-US" altLang="zh-CN" sz="1400" dirty="0"/>
-              <a:t>Switch info</a:t>
-            </a:r>
-          </a:p>
-          <a:p>
-            <a:pPr marL="742950" lvl="1" indent="-285750">
-              <a:buFont typeface="Arial" panose="020B0604020202020204" pitchFamily="34" charset="0"/>
-              <a:buChar char="•"/>
-            </a:pPr>
-            <a:r>
-              <a:rPr lang="en-US" altLang="zh-CN" sz="1400" dirty="0"/>
-              <a:t>Server info</a:t>
-            </a:r>
-          </a:p>
-          <a:p>
-            <a:pPr marL="1200150" lvl="2" indent="-285750">
-              <a:buFont typeface="Arial" panose="020B0604020202020204" pitchFamily="34" charset="0"/>
-              <a:buChar char="•"/>
-            </a:pPr>
-            <a:r>
-              <a:rPr lang="en-US" altLang="zh-CN" sz="1400" dirty="0"/>
-              <a:t>VNF info</a:t>
-            </a:r>
-          </a:p>
-          <a:p>
-            <a:pPr marL="1200150" lvl="2" indent="-285750">
-              <a:buFont typeface="Arial" panose="020B0604020202020204" pitchFamily="34" charset="0"/>
-              <a:buChar char="•"/>
-            </a:pPr>
-            <a:r>
-              <a:rPr lang="en-US" altLang="zh-CN" sz="1400" dirty="0"/>
-              <a:t>SFF info</a:t>
-            </a:r>
-          </a:p>
-        </p:txBody>
-      </p:sp>
-      <p:sp>
-        <p:nvSpPr>
-          <p:cNvPr id="128" name="矩形 127">
-            <a:extLst>
-              <a:ext uri="{FF2B5EF4-FFF2-40B4-BE49-F238E27FC236}">
-                <a16:creationId xmlns:a16="http://schemas.microsoft.com/office/drawing/2014/main" id="{1FCE7B30-5143-4641-9826-62A1F71F077F}"/>
-              </a:ext>
-            </a:extLst>
-          </p:cNvPr>
-          <p:cNvSpPr/>
-          <p:nvPr/>
-        </p:nvSpPr>
-        <p:spPr>
-          <a:xfrm>
-            <a:off x="5898993" y="2001325"/>
-            <a:ext cx="1633586" cy="833736"/>
+          <a:noFill/>
+        </p:spPr>
+        <p:txBody>
+          <a:bodyPr wrap="none" rtlCol="0">
+            <a:spAutoFit/>
+          </a:bodyPr>
+          <a:lstStyle/>
+          <a:p>
+            <a:r>
+              <a:rPr lang="en-US" altLang="zh-CN" sz="1200" b="1" dirty="0">
+                <a:effectLst/>
+                <a:latin typeface="Consolas" panose="020B0609020204030204" pitchFamily="49" charset="0"/>
+              </a:rPr>
+              <a:t>ADD_SFCI_REQUEST</a:t>
+            </a:r>
+          </a:p>
+          <a:p>
+            <a:r>
+              <a:rPr lang="en-US" altLang="zh-CN" sz="1200" b="1" dirty="0">
+                <a:effectLst/>
+                <a:latin typeface="Consolas" panose="020B0609020204030204" pitchFamily="49" charset="0"/>
+              </a:rPr>
+              <a:t>DEL_SFCI_REQUEST</a:t>
+            </a:r>
+          </a:p>
+        </p:txBody>
+      </p:sp>
+      <p:sp>
+        <p:nvSpPr>
+          <p:cNvPr id="88" name="文本框 87">
+            <a:extLst>
+              <a:ext uri="{FF2B5EF4-FFF2-40B4-BE49-F238E27FC236}">
+                <a16:creationId xmlns:a16="http://schemas.microsoft.com/office/drawing/2014/main" id="{D55B2A1F-53A9-406A-A2B9-2C9E4F130B11}"/>
+              </a:ext>
+            </a:extLst>
+          </p:cNvPr>
+          <p:cNvSpPr txBox="1"/>
+          <p:nvPr/>
+        </p:nvSpPr>
+        <p:spPr>
+          <a:xfrm>
+            <a:off x="9861711" y="2035463"/>
+            <a:ext cx="2308645" cy="276999"/>
           </a:xfrm>
           <a:prstGeom prst="rect">
             <a:avLst/>
           </a:prstGeom>
-        </p:spPr>
-        <p:style>
-          <a:lnRef idx="2">
-            <a:schemeClr val="accent1">
-              <a:shade val="50000"/>
-            </a:schemeClr>
-          </a:lnRef>
-          <a:fillRef idx="1">
-            <a:schemeClr val="accent1"/>
-          </a:fillRef>
-          <a:effectRef idx="0">
-            <a:schemeClr val="accent1"/>
-          </a:effectRef>
-          <a:fontRef idx="minor">
-            <a:schemeClr val="lt1"/>
-          </a:fontRef>
-        </p:style>
-        <p:txBody>
-          <a:bodyPr rtlCol="0" anchor="ctr"/>
-          <a:lstStyle/>
-          <a:p>
-            <a:pPr algn="ctr"/>
-            <a:r>
-              <a:rPr lang="en-US" altLang="zh-CN" dirty="0"/>
-              <a:t>Orchestration</a:t>
-            </a:r>
-            <a:endParaRPr lang="zh-CN" altLang="en-US" dirty="0"/>
-          </a:p>
-        </p:txBody>
-      </p:sp>
-      <p:sp>
-        <p:nvSpPr>
-          <p:cNvPr id="129" name="圆柱体 128">
-            <a:extLst>
-              <a:ext uri="{FF2B5EF4-FFF2-40B4-BE49-F238E27FC236}">
-                <a16:creationId xmlns:a16="http://schemas.microsoft.com/office/drawing/2014/main" id="{A2FB7CD0-5085-4D6F-85F9-38FBC02561B0}"/>
-              </a:ext>
-            </a:extLst>
-          </p:cNvPr>
-          <p:cNvSpPr/>
-          <p:nvPr/>
-        </p:nvSpPr>
-        <p:spPr>
-          <a:xfrm>
-            <a:off x="5931680" y="933586"/>
-            <a:ext cx="1805812" cy="719423"/>
-          </a:xfrm>
-          <a:prstGeom prst="can">
-            <a:avLst/>
-          </a:prstGeom>
-        </p:spPr>
-        <p:style>
-          <a:lnRef idx="2">
-            <a:schemeClr val="accent1">
-              <a:shade val="50000"/>
-            </a:schemeClr>
-          </a:lnRef>
-          <a:fillRef idx="1">
-            <a:schemeClr val="accent1"/>
-          </a:fillRef>
-          <a:effectRef idx="0">
-            <a:schemeClr val="accent1"/>
-          </a:effectRef>
-          <a:fontRef idx="minor">
-            <a:schemeClr val="lt1"/>
-          </a:fontRef>
-        </p:style>
-        <p:txBody>
-          <a:bodyPr rtlCol="0" anchor="ctr"/>
-          <a:lstStyle/>
-          <a:p>
-            <a:pPr algn="ctr"/>
-            <a:r>
-              <a:rPr lang="en-US" altLang="zh-CN" dirty="0"/>
-              <a:t>Database</a:t>
-            </a:r>
-          </a:p>
-        </p:txBody>
-      </p:sp>
-      <p:cxnSp>
-        <p:nvCxnSpPr>
-          <p:cNvPr id="130" name="直接箭头连接符 129">
-            <a:extLst>
-              <a:ext uri="{FF2B5EF4-FFF2-40B4-BE49-F238E27FC236}">
-                <a16:creationId xmlns:a16="http://schemas.microsoft.com/office/drawing/2014/main" id="{720FF18F-9C13-451C-BAC5-0EAD81FAFFE6}"/>
-              </a:ext>
-            </a:extLst>
-          </p:cNvPr>
-          <p:cNvCxnSpPr>
-            <a:cxnSpLocks/>
-            <a:stCxn id="129" idx="3"/>
-            <a:endCxn id="128" idx="0"/>
-          </p:cNvCxnSpPr>
-          <p:nvPr/>
-        </p:nvCxnSpPr>
-        <p:spPr>
-          <a:xfrm flipH="1">
-            <a:off x="6715786" y="1653009"/>
-            <a:ext cx="118800" cy="348316"/>
-          </a:xfrm>
-          <a:prstGeom prst="straightConnector1">
-            <a:avLst/>
-          </a:prstGeom>
-          <a:ln w="28575">
-            <a:tailEnd type="triangle"/>
-          </a:ln>
-        </p:spPr>
-        <p:style>
-          <a:lnRef idx="2">
-            <a:schemeClr val="accent6"/>
-          </a:lnRef>
-          <a:fillRef idx="0">
-            <a:schemeClr val="accent6"/>
-          </a:fillRef>
-          <a:effectRef idx="1">
-            <a:schemeClr val="accent6"/>
-          </a:effectRef>
-          <a:fontRef idx="minor">
-            <a:schemeClr val="tx1"/>
-          </a:fontRef>
-        </p:style>
-      </p:cxnSp>
-      <p:sp>
-        <p:nvSpPr>
-          <p:cNvPr id="131" name="矩形 130">
-            <a:extLst>
-              <a:ext uri="{FF2B5EF4-FFF2-40B4-BE49-F238E27FC236}">
-                <a16:creationId xmlns:a16="http://schemas.microsoft.com/office/drawing/2014/main" id="{F16ADC46-A138-434B-ABA1-4F9C487825B0}"/>
-              </a:ext>
-            </a:extLst>
-          </p:cNvPr>
-          <p:cNvSpPr/>
-          <p:nvPr/>
-        </p:nvSpPr>
-        <p:spPr>
-          <a:xfrm>
-            <a:off x="9858959" y="2021603"/>
-            <a:ext cx="2187018" cy="809006"/>
-          </a:xfrm>
-          <a:prstGeom prst="rect">
-            <a:avLst/>
-          </a:prstGeom>
-        </p:spPr>
-        <p:style>
-          <a:lnRef idx="1">
-            <a:schemeClr val="accent1"/>
-          </a:lnRef>
-          <a:fillRef idx="2">
-            <a:schemeClr val="accent1"/>
-          </a:fillRef>
-          <a:effectRef idx="1">
-            <a:schemeClr val="accent1"/>
-          </a:effectRef>
-          <a:fontRef idx="minor">
-            <a:schemeClr val="dk1"/>
-          </a:fontRef>
-        </p:style>
-        <p:txBody>
-          <a:bodyPr rtlCol="0" anchor="ctr"/>
-          <a:lstStyle/>
-          <a:p>
-            <a:pPr algn="ctr"/>
-            <a:r>
-              <a:rPr lang="en-US" altLang="zh-CN" dirty="0"/>
-              <a:t>Measurement</a:t>
-            </a:r>
-          </a:p>
-        </p:txBody>
-      </p:sp>
-      <p:sp>
-        <p:nvSpPr>
-          <p:cNvPr id="132" name="矩形 131">
-            <a:extLst>
-              <a:ext uri="{FF2B5EF4-FFF2-40B4-BE49-F238E27FC236}">
-                <a16:creationId xmlns:a16="http://schemas.microsoft.com/office/drawing/2014/main" id="{026F66B6-A934-4A33-AFAB-3BC270019F80}"/>
-              </a:ext>
-            </a:extLst>
-          </p:cNvPr>
-          <p:cNvSpPr/>
-          <p:nvPr/>
-        </p:nvSpPr>
-        <p:spPr>
-          <a:xfrm>
-            <a:off x="294855" y="1541292"/>
-            <a:ext cx="771224" cy="1741080"/>
-          </a:xfrm>
-          <a:prstGeom prst="rect">
-            <a:avLst/>
-          </a:prstGeom>
-        </p:spPr>
-        <p:style>
-          <a:lnRef idx="2">
-            <a:schemeClr val="accent3">
-              <a:shade val="50000"/>
-            </a:schemeClr>
-          </a:lnRef>
-          <a:fillRef idx="1">
-            <a:schemeClr val="accent3"/>
-          </a:fillRef>
-          <a:effectRef idx="0">
-            <a:schemeClr val="accent3"/>
-          </a:effectRef>
-          <a:fontRef idx="minor">
-            <a:schemeClr val="lt1"/>
-          </a:fontRef>
-        </p:style>
-        <p:txBody>
-          <a:bodyPr rtlCol="0" anchor="ctr"/>
-          <a:lstStyle/>
-          <a:p>
-            <a:pPr algn="ctr"/>
-            <a:r>
-              <a:rPr lang="en-US" altLang="zh-CN" sz="1400" dirty="0"/>
-              <a:t>Web</a:t>
-            </a:r>
-          </a:p>
-          <a:p>
-            <a:pPr algn="ctr"/>
-            <a:r>
-              <a:rPr lang="en-US" altLang="zh-CN" sz="1400" dirty="0"/>
-              <a:t>Front</a:t>
-            </a:r>
-          </a:p>
-          <a:p>
-            <a:pPr algn="ctr"/>
-            <a:r>
-              <a:rPr lang="en-US" altLang="zh-CN" sz="1400" dirty="0"/>
-              <a:t>End</a:t>
-            </a:r>
-            <a:endParaRPr lang="zh-CN" altLang="en-US" sz="1400" dirty="0"/>
-          </a:p>
-        </p:txBody>
-      </p:sp>
-      <p:sp>
-        <p:nvSpPr>
-          <p:cNvPr id="133" name="矩形 132">
-            <a:extLst>
-              <a:ext uri="{FF2B5EF4-FFF2-40B4-BE49-F238E27FC236}">
-                <a16:creationId xmlns:a16="http://schemas.microsoft.com/office/drawing/2014/main" id="{86C17C4F-A5D8-426D-B92D-DFB25733143A}"/>
-              </a:ext>
-            </a:extLst>
-          </p:cNvPr>
-          <p:cNvSpPr/>
-          <p:nvPr/>
-        </p:nvSpPr>
-        <p:spPr>
-          <a:xfrm>
-            <a:off x="1982240" y="1541291"/>
-            <a:ext cx="1642789" cy="592210"/>
-          </a:xfrm>
-          <a:prstGeom prst="rect">
-            <a:avLst/>
-          </a:prstGeom>
-        </p:spPr>
-        <p:style>
-          <a:lnRef idx="2">
-            <a:schemeClr val="accent3">
-              <a:shade val="50000"/>
-            </a:schemeClr>
-          </a:lnRef>
-          <a:fillRef idx="1">
-            <a:schemeClr val="accent3"/>
-          </a:fillRef>
-          <a:effectRef idx="0">
-            <a:schemeClr val="accent3"/>
-          </a:effectRef>
-          <a:fontRef idx="minor">
-            <a:schemeClr val="lt1"/>
-          </a:fontRef>
-        </p:style>
-        <p:txBody>
-          <a:bodyPr rtlCol="0" anchor="ctr"/>
-          <a:lstStyle/>
-          <a:p>
-            <a:pPr algn="ctr"/>
-            <a:r>
-              <a:rPr lang="en-US" altLang="zh-CN" sz="1400" dirty="0"/>
-              <a:t>create SFC request </a:t>
-            </a:r>
-            <a:endParaRPr lang="zh-CN" altLang="en-US" sz="1400" dirty="0"/>
-          </a:p>
-        </p:txBody>
-      </p:sp>
-      <p:sp>
-        <p:nvSpPr>
-          <p:cNvPr id="134" name="矩形 133">
-            <a:extLst>
-              <a:ext uri="{FF2B5EF4-FFF2-40B4-BE49-F238E27FC236}">
-                <a16:creationId xmlns:a16="http://schemas.microsoft.com/office/drawing/2014/main" id="{4A67718F-2A82-404D-A918-DECA843D554B}"/>
-              </a:ext>
-            </a:extLst>
-          </p:cNvPr>
-          <p:cNvSpPr/>
-          <p:nvPr/>
-        </p:nvSpPr>
-        <p:spPr>
-          <a:xfrm>
-            <a:off x="1986767" y="2141566"/>
-            <a:ext cx="1633587" cy="524819"/>
-          </a:xfrm>
-          <a:prstGeom prst="rect">
-            <a:avLst/>
-          </a:prstGeom>
-        </p:spPr>
-        <p:style>
-          <a:lnRef idx="2">
-            <a:schemeClr val="accent3">
-              <a:shade val="50000"/>
-            </a:schemeClr>
-          </a:lnRef>
-          <a:fillRef idx="1">
-            <a:schemeClr val="accent3"/>
-          </a:fillRef>
-          <a:effectRef idx="0">
-            <a:schemeClr val="accent3"/>
-          </a:effectRef>
-          <a:fontRef idx="minor">
-            <a:schemeClr val="lt1"/>
-          </a:fontRef>
-        </p:style>
-        <p:txBody>
-          <a:bodyPr rtlCol="0" anchor="ctr"/>
-          <a:lstStyle/>
-          <a:p>
-            <a:pPr algn="ctr"/>
-            <a:r>
-              <a:rPr lang="en-US" altLang="zh-CN" sz="1400" dirty="0"/>
-              <a:t>get SFC request </a:t>
-            </a:r>
-            <a:endParaRPr lang="zh-CN" altLang="en-US" sz="1400" dirty="0"/>
-          </a:p>
-        </p:txBody>
-      </p:sp>
-      <p:sp>
-        <p:nvSpPr>
-          <p:cNvPr id="135" name="矩形 134">
-            <a:extLst>
-              <a:ext uri="{FF2B5EF4-FFF2-40B4-BE49-F238E27FC236}">
-                <a16:creationId xmlns:a16="http://schemas.microsoft.com/office/drawing/2014/main" id="{CEA7101D-A6E9-4AB0-BE61-53F994D0E705}"/>
-              </a:ext>
-            </a:extLst>
-          </p:cNvPr>
-          <p:cNvSpPr/>
-          <p:nvPr/>
-        </p:nvSpPr>
-        <p:spPr>
-          <a:xfrm>
-            <a:off x="1991660" y="2674450"/>
-            <a:ext cx="1633586" cy="607921"/>
-          </a:xfrm>
-          <a:prstGeom prst="rect">
-            <a:avLst/>
-          </a:prstGeom>
-        </p:spPr>
-        <p:style>
-          <a:lnRef idx="2">
-            <a:schemeClr val="accent3">
-              <a:shade val="50000"/>
-            </a:schemeClr>
-          </a:lnRef>
-          <a:fillRef idx="1">
-            <a:schemeClr val="accent3"/>
-          </a:fillRef>
-          <a:effectRef idx="0">
-            <a:schemeClr val="accent3"/>
-          </a:effectRef>
-          <a:fontRef idx="minor">
-            <a:schemeClr val="lt1"/>
-          </a:fontRef>
-        </p:style>
-        <p:txBody>
-          <a:bodyPr rtlCol="0" anchor="ctr"/>
-          <a:lstStyle/>
-          <a:p>
-            <a:pPr algn="ctr"/>
-            <a:r>
-              <a:rPr lang="en-US" altLang="zh-CN" sz="1400" dirty="0"/>
-              <a:t>delete SFC request </a:t>
-            </a:r>
-            <a:endParaRPr lang="zh-CN" altLang="en-US" sz="1400" dirty="0"/>
-          </a:p>
-        </p:txBody>
-      </p:sp>
-      <p:sp>
-        <p:nvSpPr>
-          <p:cNvPr id="136" name="矩形 135">
-            <a:extLst>
-              <a:ext uri="{FF2B5EF4-FFF2-40B4-BE49-F238E27FC236}">
-                <a16:creationId xmlns:a16="http://schemas.microsoft.com/office/drawing/2014/main" id="{75B4CC28-EBD4-4646-9915-8E83E01D7DC9}"/>
-              </a:ext>
-            </a:extLst>
-          </p:cNvPr>
-          <p:cNvSpPr/>
-          <p:nvPr/>
-        </p:nvSpPr>
-        <p:spPr>
-          <a:xfrm>
-            <a:off x="1388364" y="1541292"/>
-            <a:ext cx="602608" cy="1741080"/>
-          </a:xfrm>
-          <a:prstGeom prst="rect">
-            <a:avLst/>
-          </a:prstGeom>
-        </p:spPr>
-        <p:style>
-          <a:lnRef idx="2">
-            <a:schemeClr val="accent3">
-              <a:shade val="50000"/>
-            </a:schemeClr>
-          </a:lnRef>
-          <a:fillRef idx="1">
-            <a:schemeClr val="accent3"/>
-          </a:fillRef>
-          <a:effectRef idx="0">
-            <a:schemeClr val="accent3"/>
-          </a:effectRef>
-          <a:fontRef idx="minor">
-            <a:schemeClr val="lt1"/>
-          </a:fontRef>
-        </p:style>
-        <p:txBody>
-          <a:bodyPr rtlCol="0" anchor="ctr"/>
-          <a:lstStyle/>
-          <a:p>
-            <a:pPr algn="ctr"/>
-            <a:r>
-              <a:rPr lang="en-US" altLang="zh-CN" sz="1400" dirty="0" err="1"/>
-              <a:t>Cmd</a:t>
-            </a:r>
-            <a:endParaRPr lang="zh-CN" altLang="en-US" sz="1400" dirty="0"/>
-          </a:p>
-        </p:txBody>
-      </p:sp>
-      <p:cxnSp>
-        <p:nvCxnSpPr>
-          <p:cNvPr id="138" name="直接箭头连接符 137">
-            <a:extLst>
-              <a:ext uri="{FF2B5EF4-FFF2-40B4-BE49-F238E27FC236}">
-                <a16:creationId xmlns:a16="http://schemas.microsoft.com/office/drawing/2014/main" id="{FA9E6563-F527-411F-800B-C382985FC12D}"/>
-              </a:ext>
-            </a:extLst>
-          </p:cNvPr>
-          <p:cNvCxnSpPr>
-            <a:cxnSpLocks/>
-            <a:stCxn id="132" idx="3"/>
-            <a:endCxn id="136" idx="1"/>
-          </p:cNvCxnSpPr>
-          <p:nvPr/>
-        </p:nvCxnSpPr>
-        <p:spPr>
-          <a:xfrm>
-            <a:off x="1066079" y="2411832"/>
-            <a:ext cx="322285" cy="0"/>
-          </a:xfrm>
-          <a:prstGeom prst="straightConnector1">
-            <a:avLst/>
-          </a:prstGeom>
-          <a:ln>
-            <a:tailEnd type="triangle"/>
-          </a:ln>
-        </p:spPr>
-        <p:style>
-          <a:lnRef idx="1">
-            <a:schemeClr val="accent1"/>
-          </a:lnRef>
-          <a:fillRef idx="0">
-            <a:schemeClr val="accent1"/>
-          </a:fillRef>
-          <a:effectRef idx="0">
-            <a:schemeClr val="accent1"/>
-          </a:effectRef>
-          <a:fontRef idx="minor">
-            <a:schemeClr val="tx1"/>
-          </a:fontRef>
-        </p:style>
-      </p:cxnSp>
-      <p:sp>
-        <p:nvSpPr>
-          <p:cNvPr id="139" name="矩形 138">
-            <a:extLst>
-              <a:ext uri="{FF2B5EF4-FFF2-40B4-BE49-F238E27FC236}">
-                <a16:creationId xmlns:a16="http://schemas.microsoft.com/office/drawing/2014/main" id="{71796163-4E76-4936-BD2D-F000BAEBC584}"/>
-              </a:ext>
-            </a:extLst>
-          </p:cNvPr>
-          <p:cNvSpPr/>
-          <p:nvPr/>
-        </p:nvSpPr>
-        <p:spPr>
-          <a:xfrm>
-            <a:off x="8342024" y="2026055"/>
-            <a:ext cx="1240543" cy="809006"/>
-          </a:xfrm>
-          <a:prstGeom prst="rect">
-            <a:avLst/>
-          </a:prstGeom>
-        </p:spPr>
-        <p:style>
-          <a:lnRef idx="2">
-            <a:schemeClr val="accent1">
-              <a:shade val="50000"/>
-            </a:schemeClr>
-          </a:lnRef>
-          <a:fillRef idx="1">
-            <a:schemeClr val="accent1"/>
-          </a:fillRef>
-          <a:effectRef idx="0">
-            <a:schemeClr val="accent1"/>
-          </a:effectRef>
-          <a:fontRef idx="minor">
-            <a:schemeClr val="lt1"/>
-          </a:fontRef>
-        </p:style>
-        <p:txBody>
-          <a:bodyPr rtlCol="0" anchor="ctr"/>
-          <a:lstStyle/>
-          <a:p>
-            <a:pPr algn="ctr"/>
-            <a:r>
-              <a:rPr lang="en-US" altLang="zh-CN" dirty="0"/>
-              <a:t>Adaptive</a:t>
-            </a:r>
-            <a:endParaRPr lang="zh-CN" altLang="en-US" dirty="0"/>
-          </a:p>
-        </p:txBody>
-      </p:sp>
-      <p:sp>
-        <p:nvSpPr>
-          <p:cNvPr id="140" name="矩形 139">
-            <a:extLst>
-              <a:ext uri="{FF2B5EF4-FFF2-40B4-BE49-F238E27FC236}">
-                <a16:creationId xmlns:a16="http://schemas.microsoft.com/office/drawing/2014/main" id="{8B41CDAD-998B-423B-87E0-CC56D6DEF4CA}"/>
-              </a:ext>
-            </a:extLst>
-          </p:cNvPr>
-          <p:cNvSpPr/>
-          <p:nvPr/>
-        </p:nvSpPr>
-        <p:spPr>
-          <a:xfrm>
-            <a:off x="3629432" y="1543447"/>
-            <a:ext cx="1147818" cy="1738923"/>
-          </a:xfrm>
-          <a:prstGeom prst="rect">
-            <a:avLst/>
-          </a:prstGeom>
-        </p:spPr>
-        <p:style>
-          <a:lnRef idx="2">
-            <a:schemeClr val="accent1">
-              <a:shade val="50000"/>
-            </a:schemeClr>
-          </a:lnRef>
-          <a:fillRef idx="1">
-            <a:schemeClr val="accent1"/>
-          </a:fillRef>
-          <a:effectRef idx="0">
-            <a:schemeClr val="accent1"/>
-          </a:effectRef>
-          <a:fontRef idx="minor">
-            <a:schemeClr val="lt1"/>
-          </a:fontRef>
-        </p:style>
-        <p:txBody>
-          <a:bodyPr rtlCol="0" anchor="ctr"/>
-          <a:lstStyle/>
-          <a:p>
-            <a:pPr algn="ctr"/>
-            <a:r>
-              <a:rPr lang="en-US" altLang="zh-CN" dirty="0"/>
-              <a:t>Request</a:t>
-            </a:r>
-          </a:p>
-          <a:p>
-            <a:pPr algn="ctr"/>
-            <a:r>
-              <a:rPr lang="en-US" altLang="zh-CN" dirty="0"/>
-              <a:t>Processor</a:t>
-            </a:r>
-            <a:endParaRPr lang="zh-CN" altLang="en-US" dirty="0"/>
-          </a:p>
-        </p:txBody>
-      </p:sp>
-      <p:cxnSp>
-        <p:nvCxnSpPr>
-          <p:cNvPr id="141" name="直接箭头连接符 140">
-            <a:extLst>
-              <a:ext uri="{FF2B5EF4-FFF2-40B4-BE49-F238E27FC236}">
-                <a16:creationId xmlns:a16="http://schemas.microsoft.com/office/drawing/2014/main" id="{773A53DF-50E5-4AD7-8D88-E79EC9B65F07}"/>
-              </a:ext>
-            </a:extLst>
-          </p:cNvPr>
-          <p:cNvCxnSpPr>
-            <a:cxnSpLocks/>
-            <a:stCxn id="140" idx="3"/>
-            <a:endCxn id="129" idx="3"/>
-          </p:cNvCxnSpPr>
-          <p:nvPr/>
-        </p:nvCxnSpPr>
-        <p:spPr>
-          <a:xfrm flipV="1">
-            <a:off x="4777250" y="1653009"/>
-            <a:ext cx="2057336" cy="759900"/>
-          </a:xfrm>
-          <a:prstGeom prst="straightConnector1">
-            <a:avLst/>
-          </a:prstGeom>
-          <a:ln w="28575">
-            <a:tailEnd type="triangle"/>
-          </a:ln>
-        </p:spPr>
-        <p:style>
-          <a:lnRef idx="2">
-            <a:schemeClr val="accent6"/>
-          </a:lnRef>
-          <a:fillRef idx="0">
-            <a:schemeClr val="accent6"/>
-          </a:fillRef>
-          <a:effectRef idx="1">
-            <a:schemeClr val="accent6"/>
-          </a:effectRef>
-          <a:fontRef idx="minor">
-            <a:schemeClr val="tx1"/>
-          </a:fontRef>
-        </p:style>
-      </p:cxnSp>
-      <p:cxnSp>
-        <p:nvCxnSpPr>
-          <p:cNvPr id="142" name="直接箭头连接符 141">
-            <a:extLst>
-              <a:ext uri="{FF2B5EF4-FFF2-40B4-BE49-F238E27FC236}">
-                <a16:creationId xmlns:a16="http://schemas.microsoft.com/office/drawing/2014/main" id="{09A95B6D-FD5A-405B-B8A6-C09546D2C75C}"/>
-              </a:ext>
-            </a:extLst>
-          </p:cNvPr>
-          <p:cNvCxnSpPr>
-            <a:cxnSpLocks/>
-            <a:stCxn id="129" idx="3"/>
-            <a:endCxn id="139" idx="0"/>
-          </p:cNvCxnSpPr>
-          <p:nvPr/>
-        </p:nvCxnSpPr>
-        <p:spPr>
-          <a:xfrm>
-            <a:off x="6834586" y="1653009"/>
-            <a:ext cx="2127710" cy="373046"/>
-          </a:xfrm>
-          <a:prstGeom prst="straightConnector1">
-            <a:avLst/>
-          </a:prstGeom>
-          <a:ln w="28575">
-            <a:tailEnd type="triangle"/>
-          </a:ln>
-        </p:spPr>
-        <p:style>
-          <a:lnRef idx="2">
-            <a:schemeClr val="accent6"/>
-          </a:lnRef>
-          <a:fillRef idx="0">
-            <a:schemeClr val="accent6"/>
-          </a:fillRef>
-          <a:effectRef idx="1">
-            <a:schemeClr val="accent6"/>
-          </a:effectRef>
-          <a:fontRef idx="minor">
-            <a:schemeClr val="tx1"/>
-          </a:fontRef>
-        </p:style>
-      </p:cxnSp>
-      <p:cxnSp>
-        <p:nvCxnSpPr>
-          <p:cNvPr id="143" name="直接箭头连接符 142">
-            <a:extLst>
-              <a:ext uri="{FF2B5EF4-FFF2-40B4-BE49-F238E27FC236}">
-                <a16:creationId xmlns:a16="http://schemas.microsoft.com/office/drawing/2014/main" id="{52ED35B8-BB3F-4E85-A202-960BADF4A145}"/>
-              </a:ext>
-            </a:extLst>
-          </p:cNvPr>
-          <p:cNvCxnSpPr>
-            <a:cxnSpLocks/>
-            <a:stCxn id="128" idx="3"/>
-            <a:endCxn id="139" idx="1"/>
-          </p:cNvCxnSpPr>
-          <p:nvPr/>
-        </p:nvCxnSpPr>
-        <p:spPr>
-          <a:xfrm>
-            <a:off x="7532579" y="2418193"/>
-            <a:ext cx="809445" cy="12365"/>
-          </a:xfrm>
-          <a:prstGeom prst="straightConnector1">
-            <a:avLst/>
-          </a:prstGeom>
-          <a:ln w="38100" cap="flat" cmpd="sng" algn="ctr">
-            <a:solidFill>
-              <a:srgbClr val="FFC000"/>
-            </a:solidFill>
-            <a:prstDash val="dash"/>
-            <a:round/>
-            <a:headEnd type="none" w="med" len="med"/>
-            <a:tailEnd type="none" w="med" len="med"/>
-          </a:ln>
-        </p:spPr>
-        <p:style>
-          <a:lnRef idx="0">
-            <a:scrgbClr r="0" g="0" b="0"/>
-          </a:lnRef>
-          <a:fillRef idx="0">
-            <a:scrgbClr r="0" g="0" b="0"/>
-          </a:fillRef>
-          <a:effectRef idx="0">
-            <a:scrgbClr r="0" g="0" b="0"/>
-          </a:effectRef>
-          <a:fontRef idx="minor">
-            <a:schemeClr val="tx1"/>
-          </a:fontRef>
-        </p:style>
-      </p:cxnSp>
-      <p:cxnSp>
-        <p:nvCxnSpPr>
-          <p:cNvPr id="144" name="直接箭头连接符 143">
-            <a:extLst>
-              <a:ext uri="{FF2B5EF4-FFF2-40B4-BE49-F238E27FC236}">
-                <a16:creationId xmlns:a16="http://schemas.microsoft.com/office/drawing/2014/main" id="{2394FA7A-AF39-46E8-B866-C1D7052F993C}"/>
-              </a:ext>
-            </a:extLst>
-          </p:cNvPr>
-          <p:cNvCxnSpPr>
-            <a:cxnSpLocks/>
-            <a:stCxn id="128" idx="1"/>
-            <a:endCxn id="140" idx="3"/>
-          </p:cNvCxnSpPr>
-          <p:nvPr/>
-        </p:nvCxnSpPr>
-        <p:spPr>
-          <a:xfrm flipH="1" flipV="1">
-            <a:off x="4777250" y="2412909"/>
-            <a:ext cx="1121743" cy="5284"/>
-          </a:xfrm>
-          <a:prstGeom prst="straightConnector1">
-            <a:avLst/>
-          </a:prstGeom>
-          <a:ln w="38100" cap="flat" cmpd="sng" algn="ctr">
-            <a:solidFill>
-              <a:srgbClr val="FFC000"/>
-            </a:solidFill>
-            <a:prstDash val="dash"/>
-            <a:round/>
-            <a:headEnd type="none" w="med" len="med"/>
-            <a:tailEnd type="none" w="med" len="med"/>
-          </a:ln>
-        </p:spPr>
-        <p:style>
-          <a:lnRef idx="0">
-            <a:scrgbClr r="0" g="0" b="0"/>
-          </a:lnRef>
-          <a:fillRef idx="0">
-            <a:scrgbClr r="0" g="0" b="0"/>
-          </a:fillRef>
-          <a:effectRef idx="0">
-            <a:scrgbClr r="0" g="0" b="0"/>
-          </a:effectRef>
-          <a:fontRef idx="minor">
-            <a:schemeClr val="tx1"/>
-          </a:fontRef>
-        </p:style>
-      </p:cxnSp>
-      <p:sp>
-        <p:nvSpPr>
-          <p:cNvPr id="145" name="文本框 144">
-            <a:extLst>
-              <a:ext uri="{FF2B5EF4-FFF2-40B4-BE49-F238E27FC236}">
-                <a16:creationId xmlns:a16="http://schemas.microsoft.com/office/drawing/2014/main" id="{2C9BBBC5-4139-4B34-B289-28827A73D1AF}"/>
+          <a:noFill/>
+        </p:spPr>
+        <p:txBody>
+          <a:bodyPr wrap="none" rtlCol="0">
+            <a:spAutoFit/>
+          </a:bodyPr>
+          <a:lstStyle/>
+          <a:p>
+            <a:r>
+              <a:rPr lang="en-US" altLang="zh-CN" sz="1200" b="1" dirty="0">
+                <a:effectLst/>
+                <a:latin typeface="Consolas" panose="020B0609020204030204" pitchFamily="49" charset="0"/>
+              </a:rPr>
+              <a:t>REQUEST_TYPE_GET_DCN_INFO</a:t>
+            </a:r>
+          </a:p>
+        </p:txBody>
+      </p:sp>
+      <p:sp>
+        <p:nvSpPr>
+          <p:cNvPr id="92" name="文本框 91">
+            <a:extLst>
+              <a:ext uri="{FF2B5EF4-FFF2-40B4-BE49-F238E27FC236}">
+                <a16:creationId xmlns:a16="http://schemas.microsoft.com/office/drawing/2014/main" id="{4B82CF19-D7B1-412C-857F-8EB96CE65A94}"/>
               </a:ext>
             </a:extLst>
           </p:cNvPr>
@@ -19228,8 +20039,8 @@
         </p:nvSpPr>
         <p:spPr>
           <a:xfrm>
-            <a:off x="4905330" y="2599767"/>
-            <a:ext cx="1628972" cy="461665"/>
+            <a:off x="4956850" y="3156998"/>
+            <a:ext cx="1628972" cy="646331"/>
           </a:xfrm>
           <a:prstGeom prst="rect">
             <a:avLst/>
@@ -19256,273 +20067,80 @@
                 <a:effectLst/>
                 <a:latin typeface="Consolas" panose="020B0609020204030204" pitchFamily="49" charset="0"/>
               </a:rPr>
-              <a:t>CMD_TYPE_DEL_SFC</a:t>
-            </a:r>
-          </a:p>
-        </p:txBody>
-      </p:sp>
-      <p:sp>
-        <p:nvSpPr>
-          <p:cNvPr id="146" name="文本框 145">
-            <a:extLst>
-              <a:ext uri="{FF2B5EF4-FFF2-40B4-BE49-F238E27FC236}">
-                <a16:creationId xmlns:a16="http://schemas.microsoft.com/office/drawing/2014/main" id="{4E30BAC3-42D9-4DF7-A36C-522FB2893527}"/>
-              </a:ext>
-            </a:extLst>
-          </p:cNvPr>
-          <p:cNvSpPr txBox="1"/>
-          <p:nvPr/>
-        </p:nvSpPr>
-        <p:spPr>
-          <a:xfrm>
-            <a:off x="7326941" y="2572944"/>
-            <a:ext cx="1628972" cy="461665"/>
-          </a:xfrm>
-          <a:prstGeom prst="rect">
-            <a:avLst/>
-          </a:prstGeom>
-          <a:noFill/>
-        </p:spPr>
-        <p:txBody>
-          <a:bodyPr wrap="none" rtlCol="0">
-            <a:spAutoFit/>
-          </a:bodyPr>
-          <a:lstStyle/>
+              <a:t>CMD_TYPE_DEL_SFCI</a:t>
+            </a:r>
+          </a:p>
           <a:p>
             <a:r>
               <a:rPr lang="en-US" altLang="zh-CN" sz="1200" b="1" dirty="0">
                 <a:effectLst/>
                 <a:latin typeface="Consolas" panose="020B0609020204030204" pitchFamily="49" charset="0"/>
               </a:rPr>
-              <a:t>CMD_TYPE_ADD_SFCI</a:t>
-            </a:r>
-          </a:p>
+              <a:t>CMD_TYPE_DEL_SFC</a:t>
+            </a:r>
+          </a:p>
+        </p:txBody>
+      </p:sp>
+      <p:sp>
+        <p:nvSpPr>
+          <p:cNvPr id="93" name="文本框 92">
+            <a:extLst>
+              <a:ext uri="{FF2B5EF4-FFF2-40B4-BE49-F238E27FC236}">
+                <a16:creationId xmlns:a16="http://schemas.microsoft.com/office/drawing/2014/main" id="{50ABD60E-AF23-49BF-9B2E-F0D1C000CA25}"/>
+              </a:ext>
+            </a:extLst>
+          </p:cNvPr>
+          <p:cNvSpPr txBox="1"/>
+          <p:nvPr/>
+        </p:nvSpPr>
+        <p:spPr>
+          <a:xfrm>
+            <a:off x="6902858" y="3146800"/>
+            <a:ext cx="2138727" cy="646331"/>
+          </a:xfrm>
+          <a:prstGeom prst="rect">
+            <a:avLst/>
+          </a:prstGeom>
+          <a:noFill/>
+        </p:spPr>
+        <p:txBody>
+          <a:bodyPr wrap="none" rtlCol="0">
+            <a:spAutoFit/>
+          </a:bodyPr>
+          <a:lstStyle/>
           <a:p>
             <a:r>
               <a:rPr lang="en-US" altLang="zh-CN" sz="1200" b="1" dirty="0">
                 <a:effectLst/>
                 <a:latin typeface="Consolas" panose="020B0609020204030204" pitchFamily="49" charset="0"/>
               </a:rPr>
-              <a:t>CMD_TYPE_DEL_SFCI</a:t>
-            </a:r>
-          </a:p>
-        </p:txBody>
-      </p:sp>
-      <p:cxnSp>
-        <p:nvCxnSpPr>
-          <p:cNvPr id="147" name="直接箭头连接符 146">
-            <a:extLst>
-              <a:ext uri="{FF2B5EF4-FFF2-40B4-BE49-F238E27FC236}">
-                <a16:creationId xmlns:a16="http://schemas.microsoft.com/office/drawing/2014/main" id="{1CF77096-CB93-44C6-8FF7-A95F3D97E0CA}"/>
-              </a:ext>
-            </a:extLst>
-          </p:cNvPr>
-          <p:cNvCxnSpPr>
-            <a:cxnSpLocks/>
-            <a:stCxn id="129" idx="3"/>
-            <a:endCxn id="131" idx="0"/>
-          </p:cNvCxnSpPr>
-          <p:nvPr/>
-        </p:nvCxnSpPr>
-        <p:spPr>
-          <a:xfrm>
-            <a:off x="6834586" y="1653009"/>
-            <a:ext cx="4117882" cy="368594"/>
-          </a:xfrm>
-          <a:prstGeom prst="straightConnector1">
-            <a:avLst/>
-          </a:prstGeom>
-          <a:ln w="28575">
-            <a:tailEnd type="triangle"/>
-          </a:ln>
-        </p:spPr>
-        <p:style>
-          <a:lnRef idx="2">
-            <a:schemeClr val="accent6"/>
-          </a:lnRef>
-          <a:fillRef idx="0">
-            <a:schemeClr val="accent6"/>
-          </a:fillRef>
-          <a:effectRef idx="1">
-            <a:schemeClr val="accent6"/>
-          </a:effectRef>
-          <a:fontRef idx="minor">
-            <a:schemeClr val="tx1"/>
-          </a:fontRef>
-        </p:style>
-      </p:cxnSp>
-      <p:sp>
-        <p:nvSpPr>
-          <p:cNvPr id="148" name="矩形: 圆角 147">
-            <a:extLst>
-              <a:ext uri="{FF2B5EF4-FFF2-40B4-BE49-F238E27FC236}">
-                <a16:creationId xmlns:a16="http://schemas.microsoft.com/office/drawing/2014/main" id="{34F66F97-25AA-4E64-A595-34621CE887EC}"/>
-              </a:ext>
-            </a:extLst>
-          </p:cNvPr>
-          <p:cNvSpPr/>
-          <p:nvPr/>
-        </p:nvSpPr>
-        <p:spPr>
-          <a:xfrm>
-            <a:off x="5805918" y="136284"/>
-            <a:ext cx="2319455" cy="737082"/>
-          </a:xfrm>
-          <a:prstGeom prst="roundRect">
-            <a:avLst/>
-          </a:prstGeom>
-        </p:spPr>
-        <p:style>
-          <a:lnRef idx="2">
-            <a:schemeClr val="accent1"/>
-          </a:lnRef>
-          <a:fillRef idx="1">
-            <a:schemeClr val="lt1"/>
-          </a:fillRef>
-          <a:effectRef idx="0">
-            <a:schemeClr val="accent1"/>
-          </a:effectRef>
-          <a:fontRef idx="minor">
-            <a:schemeClr val="dk1"/>
-          </a:fontRef>
-        </p:style>
-        <p:txBody>
-          <a:bodyPr rtlCol="0" anchor="ctr"/>
-          <a:lstStyle/>
-          <a:p>
-            <a:pPr marL="285750" indent="-285750">
-              <a:buFont typeface="Arial" panose="020B0604020202020204" pitchFamily="34" charset="0"/>
-              <a:buChar char="•"/>
-            </a:pPr>
-            <a:r>
-              <a:rPr lang="en-US" altLang="zh-CN" sz="1400" dirty="0"/>
-              <a:t>SFC request Table</a:t>
-            </a:r>
-          </a:p>
-          <a:p>
-            <a:pPr marL="285750" indent="-285750">
-              <a:buFont typeface="Arial" panose="020B0604020202020204" pitchFamily="34" charset="0"/>
-              <a:buChar char="•"/>
-            </a:pPr>
-            <a:r>
-              <a:rPr lang="en-US" altLang="zh-CN" sz="1400" dirty="0"/>
-              <a:t>SFCI Table</a:t>
-            </a:r>
-          </a:p>
-          <a:p>
-            <a:pPr marL="285750" indent="-285750">
-              <a:buFont typeface="Arial" panose="020B0604020202020204" pitchFamily="34" charset="0"/>
-              <a:buChar char="•"/>
-            </a:pPr>
-            <a:r>
-              <a:rPr lang="en-US" altLang="zh-CN" sz="1400" dirty="0"/>
-              <a:t>Zone Table</a:t>
-            </a:r>
-          </a:p>
-        </p:txBody>
-      </p:sp>
-      <p:cxnSp>
-        <p:nvCxnSpPr>
-          <p:cNvPr id="149" name="直接箭头连接符 148">
-            <a:extLst>
-              <a:ext uri="{FF2B5EF4-FFF2-40B4-BE49-F238E27FC236}">
-                <a16:creationId xmlns:a16="http://schemas.microsoft.com/office/drawing/2014/main" id="{7679EF0A-8DDB-4FD6-8E2B-A95D45FA0C07}"/>
-              </a:ext>
-            </a:extLst>
-          </p:cNvPr>
-          <p:cNvCxnSpPr>
-            <a:cxnSpLocks/>
-            <a:stCxn id="83" idx="0"/>
-            <a:endCxn id="128" idx="2"/>
-          </p:cNvCxnSpPr>
-          <p:nvPr/>
-        </p:nvCxnSpPr>
-        <p:spPr>
-          <a:xfrm flipV="1">
-            <a:off x="6108854" y="2835061"/>
-            <a:ext cx="606932" cy="934676"/>
-          </a:xfrm>
-          <a:prstGeom prst="straightConnector1">
-            <a:avLst/>
-          </a:prstGeom>
-          <a:ln w="38100" cap="flat" cmpd="sng" algn="ctr">
-            <a:solidFill>
-              <a:srgbClr val="FFC000"/>
-            </a:solidFill>
-            <a:prstDash val="dash"/>
-            <a:round/>
-            <a:headEnd type="none" w="med" len="med"/>
-            <a:tailEnd type="none" w="med" len="med"/>
-          </a:ln>
-        </p:spPr>
-        <p:style>
-          <a:lnRef idx="0">
-            <a:scrgbClr r="0" g="0" b="0"/>
-          </a:lnRef>
-          <a:fillRef idx="0">
-            <a:scrgbClr r="0" g="0" b="0"/>
-          </a:fillRef>
-          <a:effectRef idx="0">
-            <a:scrgbClr r="0" g="0" b="0"/>
-          </a:effectRef>
-          <a:fontRef idx="minor">
-            <a:schemeClr val="tx1"/>
-          </a:fontRef>
-        </p:style>
-      </p:cxnSp>
-      <p:cxnSp>
-        <p:nvCxnSpPr>
-          <p:cNvPr id="152" name="直接箭头连接符 151">
-            <a:extLst>
-              <a:ext uri="{FF2B5EF4-FFF2-40B4-BE49-F238E27FC236}">
-                <a16:creationId xmlns:a16="http://schemas.microsoft.com/office/drawing/2014/main" id="{3763F01C-7D3F-4091-98C1-1AD796602EAF}"/>
-              </a:ext>
-            </a:extLst>
-          </p:cNvPr>
-          <p:cNvCxnSpPr>
-            <a:cxnSpLocks/>
-            <a:stCxn id="83" idx="0"/>
-            <a:endCxn id="131" idx="2"/>
-          </p:cNvCxnSpPr>
-          <p:nvPr/>
-        </p:nvCxnSpPr>
-        <p:spPr>
-          <a:xfrm flipV="1">
-            <a:off x="6108854" y="2830609"/>
-            <a:ext cx="4843614" cy="939128"/>
-          </a:xfrm>
-          <a:prstGeom prst="straightConnector1">
-            <a:avLst/>
-          </a:prstGeom>
-          <a:ln w="38100" cap="flat" cmpd="sng" algn="ctr">
-            <a:solidFill>
-              <a:srgbClr val="FFC000"/>
-            </a:solidFill>
-            <a:prstDash val="dash"/>
-            <a:round/>
-            <a:headEnd type="none" w="med" len="med"/>
-            <a:tailEnd type="none" w="med" len="med"/>
-          </a:ln>
-        </p:spPr>
-        <p:style>
-          <a:lnRef idx="0">
-            <a:scrgbClr r="0" g="0" b="0"/>
-          </a:lnRef>
-          <a:fillRef idx="0">
-            <a:scrgbClr r="0" g="0" b="0"/>
-          </a:fillRef>
-          <a:effectRef idx="0">
-            <a:scrgbClr r="0" g="0" b="0"/>
-          </a:effectRef>
-          <a:fontRef idx="minor">
-            <a:schemeClr val="tx1"/>
-          </a:fontRef>
-        </p:style>
-      </p:cxnSp>
+              <a:t>CMD_TYPE_GET_SERVER_SET</a:t>
+            </a:r>
+          </a:p>
+          <a:p>
+            <a:r>
+              <a:rPr lang="en-US" altLang="zh-CN" sz="1200" b="1" dirty="0">
+                <a:effectLst/>
+                <a:latin typeface="Consolas" panose="020B0609020204030204" pitchFamily="49" charset="0"/>
+              </a:rPr>
+              <a:t>CMD_TYPE_GET_TOPOLOGY</a:t>
+            </a:r>
+          </a:p>
+          <a:p>
+            <a:r>
+              <a:rPr lang="en-US" altLang="zh-CN" sz="1200" b="1" dirty="0">
+                <a:effectLst/>
+                <a:latin typeface="Consolas" panose="020B0609020204030204" pitchFamily="49" charset="0"/>
+              </a:rPr>
+              <a:t>CMD_TYPE_GET_SFCI_STATE</a:t>
+            </a:r>
+          </a:p>
+        </p:txBody>
+      </p:sp>
     </p:spTree>
     <p:extLst>
       <p:ext uri="{BB962C8B-B14F-4D97-AF65-F5344CB8AC3E}">
-        <p14:creationId xmlns:p14="http://schemas.microsoft.com/office/powerpoint/2010/main" val="2849545697"/>
+        <p14:creationId xmlns:p14="http://schemas.microsoft.com/office/powerpoint/2010/main" val="1510641304"/>
       </p:ext>
     </p:extLst>
   </p:cSld>
@@ -19572,7 +20190,7 @@
           <a:p>
             <a:r>
               <a:rPr lang="en-US" altLang="zh-CN" dirty="0"/>
-              <a:t>SFC Request State</a:t>
+              <a:t>Request State</a:t>
             </a:r>
             <a:endParaRPr lang="zh-CN" altLang="en-US" dirty="0"/>
           </a:p>
@@ -19991,8 +20609,8 @@
         </p:nvSpPr>
         <p:spPr>
           <a:xfrm>
-            <a:off x="6649375" y="1795589"/>
-            <a:ext cx="1107996" cy="646331"/>
+            <a:off x="6255039" y="1764829"/>
+            <a:ext cx="1396536" cy="646331"/>
           </a:xfrm>
           <a:prstGeom prst="rect">
             <a:avLst/>
@@ -20005,16 +20623,181 @@
           </a:bodyPr>
           <a:lstStyle/>
           <a:p>
-            <a:r>
-              <a:rPr lang="zh-CN" altLang="en-US" dirty="0"/>
+            <a:pPr marL="285750" indent="-285750">
+              <a:buFont typeface="Arial" panose="020B0604020202020204" pitchFamily="34" charset="0"/>
+              <a:buChar char="•"/>
+            </a:pPr>
+            <a:r>
+              <a:rPr lang="zh-CN" altLang="en-US" b="1" dirty="0"/>
               <a:t>发生故障</a:t>
             </a:r>
-            <a:endParaRPr lang="en-US" altLang="zh-CN" dirty="0"/>
-          </a:p>
-          <a:p>
-            <a:r>
-              <a:rPr lang="zh-CN" altLang="en-US" dirty="0"/>
+            <a:endParaRPr lang="en-US" altLang="zh-CN" b="1" dirty="0"/>
+          </a:p>
+          <a:p>
+            <a:pPr marL="285750" indent="-285750">
+              <a:buFont typeface="Arial" panose="020B0604020202020204" pitchFamily="34" charset="0"/>
+              <a:buChar char="•"/>
+            </a:pPr>
+            <a:r>
+              <a:rPr lang="zh-CN" altLang="en-US" b="1" dirty="0"/>
               <a:t>突发流量</a:t>
+            </a:r>
+          </a:p>
+        </p:txBody>
+      </p:sp>
+      <p:sp>
+        <p:nvSpPr>
+          <p:cNvPr id="3" name="文本框 2">
+            <a:extLst>
+              <a:ext uri="{FF2B5EF4-FFF2-40B4-BE49-F238E27FC236}">
+                <a16:creationId xmlns:a16="http://schemas.microsoft.com/office/drawing/2014/main" id="{8D5DEDF3-F543-48CC-B7EA-10E1872467D0}"/>
+              </a:ext>
+            </a:extLst>
+          </p:cNvPr>
+          <p:cNvSpPr txBox="1"/>
+          <p:nvPr/>
+        </p:nvSpPr>
+        <p:spPr>
+          <a:xfrm>
+            <a:off x="3073893" y="3203930"/>
+            <a:ext cx="2077813" cy="369332"/>
+          </a:xfrm>
+          <a:prstGeom prst="rect">
+            <a:avLst/>
+          </a:prstGeom>
+          <a:noFill/>
+        </p:spPr>
+        <p:txBody>
+          <a:bodyPr wrap="none" rtlCol="0">
+            <a:spAutoFit/>
+          </a:bodyPr>
+          <a:lstStyle/>
+          <a:p>
+            <a:r>
+              <a:rPr lang="en-US" altLang="zh-CN" b="1" dirty="0"/>
+              <a:t>Orchestration</a:t>
+            </a:r>
+            <a:r>
+              <a:rPr lang="zh-CN" altLang="en-US" b="1" dirty="0"/>
+              <a:t>处理</a:t>
+            </a:r>
+          </a:p>
+        </p:txBody>
+      </p:sp>
+      <p:sp>
+        <p:nvSpPr>
+          <p:cNvPr id="6" name="弧形 5">
+            <a:extLst>
+              <a:ext uri="{FF2B5EF4-FFF2-40B4-BE49-F238E27FC236}">
+                <a16:creationId xmlns:a16="http://schemas.microsoft.com/office/drawing/2014/main" id="{AEA2BB9A-B0BD-43E9-9929-C80A6B56CB9D}"/>
+              </a:ext>
+            </a:extLst>
+          </p:cNvPr>
+          <p:cNvSpPr/>
+          <p:nvPr/>
+        </p:nvSpPr>
+        <p:spPr>
+          <a:xfrm>
+            <a:off x="5585162" y="2682811"/>
+            <a:ext cx="4084030" cy="2785911"/>
+          </a:xfrm>
+          <a:prstGeom prst="arc">
+            <a:avLst>
+              <a:gd name="adj1" fmla="val 4391446"/>
+              <a:gd name="adj2" fmla="val 10743242"/>
+            </a:avLst>
+          </a:prstGeom>
+          <a:ln w="38100" cap="flat" cmpd="sng" algn="ctr">
+            <a:solidFill>
+              <a:schemeClr val="dk1"/>
+            </a:solidFill>
+            <a:prstDash val="solid"/>
+            <a:round/>
+            <a:headEnd type="none" w="med" len="med"/>
+            <a:tailEnd type="arrow" w="med" len="med"/>
+          </a:ln>
+        </p:spPr>
+        <p:style>
+          <a:lnRef idx="0">
+            <a:scrgbClr r="0" g="0" b="0"/>
+          </a:lnRef>
+          <a:fillRef idx="0">
+            <a:scrgbClr r="0" g="0" b="0"/>
+          </a:fillRef>
+          <a:effectRef idx="0">
+            <a:scrgbClr r="0" g="0" b="0"/>
+          </a:effectRef>
+          <a:fontRef idx="minor">
+            <a:schemeClr val="tx1"/>
+          </a:fontRef>
+        </p:style>
+        <p:txBody>
+          <a:bodyPr rtlCol="0" anchor="ctr"/>
+          <a:lstStyle/>
+          <a:p>
+            <a:pPr algn="ctr"/>
+            <a:endParaRPr lang="zh-CN" altLang="en-US"/>
+          </a:p>
+        </p:txBody>
+      </p:sp>
+      <p:sp>
+        <p:nvSpPr>
+          <p:cNvPr id="8" name="文本框 7">
+            <a:extLst>
+              <a:ext uri="{FF2B5EF4-FFF2-40B4-BE49-F238E27FC236}">
+                <a16:creationId xmlns:a16="http://schemas.microsoft.com/office/drawing/2014/main" id="{83A47D5F-1A97-4921-8EF9-FDB4FA3E65CB}"/>
+              </a:ext>
+            </a:extLst>
+          </p:cNvPr>
+          <p:cNvSpPr txBox="1"/>
+          <p:nvPr/>
+        </p:nvSpPr>
+        <p:spPr>
+          <a:xfrm>
+            <a:off x="4440279" y="5328874"/>
+            <a:ext cx="3629520" cy="646331"/>
+          </a:xfrm>
+          <a:prstGeom prst="rect">
+            <a:avLst/>
+          </a:prstGeom>
+          <a:noFill/>
+        </p:spPr>
+        <p:txBody>
+          <a:bodyPr wrap="none" rtlCol="0">
+            <a:spAutoFit/>
+          </a:bodyPr>
+          <a:lstStyle/>
+          <a:p>
+            <a:pPr marL="285750" indent="-285750">
+              <a:buFont typeface="Arial" panose="020B0604020202020204" pitchFamily="34" charset="0"/>
+              <a:buChar char="•"/>
+            </a:pPr>
+            <a:r>
+              <a:rPr lang="en-US" altLang="zh-CN" b="1" dirty="0"/>
+              <a:t>Adaptive</a:t>
+            </a:r>
+            <a:r>
+              <a:rPr lang="zh-CN" altLang="en-US" b="1" dirty="0"/>
+              <a:t>自动处理</a:t>
+            </a:r>
+            <a:endParaRPr lang="en-US" altLang="zh-CN" b="1" dirty="0"/>
+          </a:p>
+          <a:p>
+            <a:pPr marL="285750" indent="-285750">
+              <a:buFont typeface="Arial" panose="020B0604020202020204" pitchFamily="34" charset="0"/>
+              <a:buChar char="•"/>
+            </a:pPr>
+            <a:r>
+              <a:rPr lang="zh-CN" altLang="en-US" b="1" dirty="0"/>
+              <a:t>人工处理（重新提交</a:t>
+            </a:r>
+            <a:r>
+              <a:rPr lang="en-US" altLang="zh-CN" b="1" dirty="0"/>
+              <a:t>Request</a:t>
+            </a:r>
+            <a:r>
+              <a:rPr lang="zh-CN" altLang="en-US" b="1" dirty="0"/>
+              <a:t>）</a:t>
             </a:r>
           </a:p>
         </p:txBody>

--- a/doc/SoftwareDesign/Architecture-SDNSwitch.pptx
+++ b/doc/SoftwareDesign/Architecture-SDNSwitch.pptx
@@ -212,7 +212,7 @@
           <a:p>
             <a:fld id="{28F549E5-EDF6-49DA-A258-26AEF78D5914}" type="datetimeFigureOut">
               <a:rPr lang="zh-CN" altLang="en-US" smtClean="0"/>
-              <a:t>2020/12/03</a:t>
+              <a:t>2021/01/24</a:t>
             </a:fld>
             <a:endParaRPr lang="zh-CN" altLang="en-US"/>
           </a:p>
@@ -1386,7 +1386,7 @@
           <a:p>
             <a:fld id="{8C8FE85A-A409-47B8-9A34-876552EE5CE2}" type="datetimeFigureOut">
               <a:rPr lang="zh-CN" altLang="en-US" smtClean="0"/>
-              <a:t>2020/12/03</a:t>
+              <a:t>2021/01/24</a:t>
             </a:fld>
             <a:endParaRPr lang="zh-CN" altLang="en-US"/>
           </a:p>
@@ -1584,7 +1584,7 @@
           <a:p>
             <a:fld id="{8C8FE85A-A409-47B8-9A34-876552EE5CE2}" type="datetimeFigureOut">
               <a:rPr lang="zh-CN" altLang="en-US" smtClean="0"/>
-              <a:t>2020/12/03</a:t>
+              <a:t>2021/01/24</a:t>
             </a:fld>
             <a:endParaRPr lang="zh-CN" altLang="en-US"/>
           </a:p>
@@ -1792,7 +1792,7 @@
           <a:p>
             <a:fld id="{8C8FE85A-A409-47B8-9A34-876552EE5CE2}" type="datetimeFigureOut">
               <a:rPr lang="zh-CN" altLang="en-US" smtClean="0"/>
-              <a:t>2020/12/03</a:t>
+              <a:t>2021/01/24</a:t>
             </a:fld>
             <a:endParaRPr lang="zh-CN" altLang="en-US"/>
           </a:p>
@@ -1990,7 +1990,7 @@
           <a:p>
             <a:fld id="{8C8FE85A-A409-47B8-9A34-876552EE5CE2}" type="datetimeFigureOut">
               <a:rPr lang="zh-CN" altLang="en-US" smtClean="0"/>
-              <a:t>2020/12/03</a:t>
+              <a:t>2021/01/24</a:t>
             </a:fld>
             <a:endParaRPr lang="zh-CN" altLang="en-US"/>
           </a:p>
@@ -2265,7 +2265,7 @@
           <a:p>
             <a:fld id="{8C8FE85A-A409-47B8-9A34-876552EE5CE2}" type="datetimeFigureOut">
               <a:rPr lang="zh-CN" altLang="en-US" smtClean="0"/>
-              <a:t>2020/12/03</a:t>
+              <a:t>2021/01/24</a:t>
             </a:fld>
             <a:endParaRPr lang="zh-CN" altLang="en-US"/>
           </a:p>
@@ -2530,7 +2530,7 @@
           <a:p>
             <a:fld id="{8C8FE85A-A409-47B8-9A34-876552EE5CE2}" type="datetimeFigureOut">
               <a:rPr lang="zh-CN" altLang="en-US" smtClean="0"/>
-              <a:t>2020/12/03</a:t>
+              <a:t>2021/01/24</a:t>
             </a:fld>
             <a:endParaRPr lang="zh-CN" altLang="en-US"/>
           </a:p>
@@ -2942,7 +2942,7 @@
           <a:p>
             <a:fld id="{8C8FE85A-A409-47B8-9A34-876552EE5CE2}" type="datetimeFigureOut">
               <a:rPr lang="zh-CN" altLang="en-US" smtClean="0"/>
-              <a:t>2020/12/03</a:t>
+              <a:t>2021/01/24</a:t>
             </a:fld>
             <a:endParaRPr lang="zh-CN" altLang="en-US"/>
           </a:p>
@@ -3083,7 +3083,7 @@
           <a:p>
             <a:fld id="{8C8FE85A-A409-47B8-9A34-876552EE5CE2}" type="datetimeFigureOut">
               <a:rPr lang="zh-CN" altLang="en-US" smtClean="0"/>
-              <a:t>2020/12/03</a:t>
+              <a:t>2021/01/24</a:t>
             </a:fld>
             <a:endParaRPr lang="zh-CN" altLang="en-US"/>
           </a:p>
@@ -3196,7 +3196,7 @@
           <a:p>
             <a:fld id="{8C8FE85A-A409-47B8-9A34-876552EE5CE2}" type="datetimeFigureOut">
               <a:rPr lang="zh-CN" altLang="en-US" smtClean="0"/>
-              <a:t>2020/12/03</a:t>
+              <a:t>2021/01/24</a:t>
             </a:fld>
             <a:endParaRPr lang="zh-CN" altLang="en-US"/>
           </a:p>
@@ -3507,7 +3507,7 @@
           <a:p>
             <a:fld id="{8C8FE85A-A409-47B8-9A34-876552EE5CE2}" type="datetimeFigureOut">
               <a:rPr lang="zh-CN" altLang="en-US" smtClean="0"/>
-              <a:t>2020/12/03</a:t>
+              <a:t>2021/01/24</a:t>
             </a:fld>
             <a:endParaRPr lang="zh-CN" altLang="en-US"/>
           </a:p>
@@ -3795,7 +3795,7 @@
           <a:p>
             <a:fld id="{8C8FE85A-A409-47B8-9A34-876552EE5CE2}" type="datetimeFigureOut">
               <a:rPr lang="zh-CN" altLang="en-US" smtClean="0"/>
-              <a:t>2020/12/03</a:t>
+              <a:t>2021/01/24</a:t>
             </a:fld>
             <a:endParaRPr lang="zh-CN" altLang="en-US"/>
           </a:p>
@@ -4036,7 +4036,7 @@
           <a:p>
             <a:fld id="{8C8FE85A-A409-47B8-9A34-876552EE5CE2}" type="datetimeFigureOut">
               <a:rPr lang="zh-CN" altLang="en-US" smtClean="0"/>
-              <a:t>2020/12/03</a:t>
+              <a:t>2021/01/24</a:t>
             </a:fld>
             <a:endParaRPr lang="zh-CN" altLang="en-US"/>
           </a:p>
@@ -16756,7 +16756,7 @@
               <a:pPr algn="ctr"/>
               <a:r>
                 <a:rPr lang="en-US" altLang="zh-CN" dirty="0"/>
-                <a:t>Pre-Processor</a:t>
+                <a:t>Pre-processor</a:t>
               </a:r>
               <a:endParaRPr lang="zh-CN" altLang="en-US" dirty="0"/>
             </a:p>

--- a/doc/SoftwareDesign/Architecture-SDNSwitch.pptx
+++ b/doc/SoftwareDesign/Architecture-SDNSwitch.pptx
@@ -212,7 +212,7 @@
           <a:p>
             <a:fld id="{28F549E5-EDF6-49DA-A258-26AEF78D5914}" type="datetimeFigureOut">
               <a:rPr lang="zh-CN" altLang="en-US" smtClean="0"/>
-              <a:t>2021/01/24</a:t>
+              <a:t>2022/04/01</a:t>
             </a:fld>
             <a:endParaRPr lang="zh-CN" altLang="en-US"/>
           </a:p>
@@ -1386,7 +1386,7 @@
           <a:p>
             <a:fld id="{8C8FE85A-A409-47B8-9A34-876552EE5CE2}" type="datetimeFigureOut">
               <a:rPr lang="zh-CN" altLang="en-US" smtClean="0"/>
-              <a:t>2021/01/24</a:t>
+              <a:t>2022/04/01</a:t>
             </a:fld>
             <a:endParaRPr lang="zh-CN" altLang="en-US"/>
           </a:p>
@@ -1584,7 +1584,7 @@
           <a:p>
             <a:fld id="{8C8FE85A-A409-47B8-9A34-876552EE5CE2}" type="datetimeFigureOut">
               <a:rPr lang="zh-CN" altLang="en-US" smtClean="0"/>
-              <a:t>2021/01/24</a:t>
+              <a:t>2022/04/01</a:t>
             </a:fld>
             <a:endParaRPr lang="zh-CN" altLang="en-US"/>
           </a:p>
@@ -1792,7 +1792,7 @@
           <a:p>
             <a:fld id="{8C8FE85A-A409-47B8-9A34-876552EE5CE2}" type="datetimeFigureOut">
               <a:rPr lang="zh-CN" altLang="en-US" smtClean="0"/>
-              <a:t>2021/01/24</a:t>
+              <a:t>2022/04/01</a:t>
             </a:fld>
             <a:endParaRPr lang="zh-CN" altLang="en-US"/>
           </a:p>
@@ -1990,7 +1990,7 @@
           <a:p>
             <a:fld id="{8C8FE85A-A409-47B8-9A34-876552EE5CE2}" type="datetimeFigureOut">
               <a:rPr lang="zh-CN" altLang="en-US" smtClean="0"/>
-              <a:t>2021/01/24</a:t>
+              <a:t>2022/04/01</a:t>
             </a:fld>
             <a:endParaRPr lang="zh-CN" altLang="en-US"/>
           </a:p>
@@ -2265,7 +2265,7 @@
           <a:p>
             <a:fld id="{8C8FE85A-A409-47B8-9A34-876552EE5CE2}" type="datetimeFigureOut">
               <a:rPr lang="zh-CN" altLang="en-US" smtClean="0"/>
-              <a:t>2021/01/24</a:t>
+              <a:t>2022/04/01</a:t>
             </a:fld>
             <a:endParaRPr lang="zh-CN" altLang="en-US"/>
           </a:p>
@@ -2530,7 +2530,7 @@
           <a:p>
             <a:fld id="{8C8FE85A-A409-47B8-9A34-876552EE5CE2}" type="datetimeFigureOut">
               <a:rPr lang="zh-CN" altLang="en-US" smtClean="0"/>
-              <a:t>2021/01/24</a:t>
+              <a:t>2022/04/01</a:t>
             </a:fld>
             <a:endParaRPr lang="zh-CN" altLang="en-US"/>
           </a:p>
@@ -2942,7 +2942,7 @@
           <a:p>
             <a:fld id="{8C8FE85A-A409-47B8-9A34-876552EE5CE2}" type="datetimeFigureOut">
               <a:rPr lang="zh-CN" altLang="en-US" smtClean="0"/>
-              <a:t>2021/01/24</a:t>
+              <a:t>2022/04/01</a:t>
             </a:fld>
             <a:endParaRPr lang="zh-CN" altLang="en-US"/>
           </a:p>
@@ -3083,7 +3083,7 @@
           <a:p>
             <a:fld id="{8C8FE85A-A409-47B8-9A34-876552EE5CE2}" type="datetimeFigureOut">
               <a:rPr lang="zh-CN" altLang="en-US" smtClean="0"/>
-              <a:t>2021/01/24</a:t>
+              <a:t>2022/04/01</a:t>
             </a:fld>
             <a:endParaRPr lang="zh-CN" altLang="en-US"/>
           </a:p>
@@ -3196,7 +3196,7 @@
           <a:p>
             <a:fld id="{8C8FE85A-A409-47B8-9A34-876552EE5CE2}" type="datetimeFigureOut">
               <a:rPr lang="zh-CN" altLang="en-US" smtClean="0"/>
-              <a:t>2021/01/24</a:t>
+              <a:t>2022/04/01</a:t>
             </a:fld>
             <a:endParaRPr lang="zh-CN" altLang="en-US"/>
           </a:p>
@@ -3507,7 +3507,7 @@
           <a:p>
             <a:fld id="{8C8FE85A-A409-47B8-9A34-876552EE5CE2}" type="datetimeFigureOut">
               <a:rPr lang="zh-CN" altLang="en-US" smtClean="0"/>
-              <a:t>2021/01/24</a:t>
+              <a:t>2022/04/01</a:t>
             </a:fld>
             <a:endParaRPr lang="zh-CN" altLang="en-US"/>
           </a:p>
@@ -3795,7 +3795,7 @@
           <a:p>
             <a:fld id="{8C8FE85A-A409-47B8-9A34-876552EE5CE2}" type="datetimeFigureOut">
               <a:rPr lang="zh-CN" altLang="en-US" smtClean="0"/>
-              <a:t>2021/01/24</a:t>
+              <a:t>2022/04/01</a:t>
             </a:fld>
             <a:endParaRPr lang="zh-CN" altLang="en-US"/>
           </a:p>
@@ -4036,7 +4036,7 @@
           <a:p>
             <a:fld id="{8C8FE85A-A409-47B8-9A34-876552EE5CE2}" type="datetimeFigureOut">
               <a:rPr lang="zh-CN" altLang="en-US" smtClean="0"/>
-              <a:t>2021/01/24</a:t>
+              <a:t>2022/04/01</a:t>
             </a:fld>
             <a:endParaRPr lang="zh-CN" altLang="en-US"/>
           </a:p>
@@ -11243,7 +11243,7 @@
         <p:spPr>
           <a:xfrm flipV="1">
             <a:off x="1038982" y="4171964"/>
-            <a:ext cx="5069872" cy="458692"/>
+            <a:ext cx="5069872" cy="456425"/>
           </a:xfrm>
           <a:prstGeom prst="straightConnector1">
             <a:avLst/>
@@ -11292,7 +11292,7 @@
         <p:spPr>
           <a:xfrm flipV="1">
             <a:off x="4980100" y="4171964"/>
-            <a:ext cx="1128754" cy="378743"/>
+            <a:ext cx="1128754" cy="376476"/>
           </a:xfrm>
           <a:prstGeom prst="straightConnector1">
             <a:avLst/>
@@ -11434,7 +11434,7 @@
         </p:nvGrpSpPr>
         <p:grpSpPr>
           <a:xfrm>
-            <a:off x="202517" y="4396643"/>
+            <a:off x="202517" y="4394376"/>
             <a:ext cx="7963270" cy="1011922"/>
             <a:chOff x="202517" y="4396643"/>
             <a:chExt cx="7963270" cy="1011922"/>
@@ -13959,7 +13959,7 @@
         </p:nvSpPr>
         <p:spPr>
           <a:xfrm>
-            <a:off x="828126" y="95333"/>
+            <a:off x="833936" y="94697"/>
             <a:ext cx="10515600" cy="1325563"/>
           </a:xfrm>
         </p:spPr>
@@ -14430,7 +14430,7 @@
         </p:nvSpPr>
         <p:spPr>
           <a:xfrm>
-            <a:off x="5290202" y="2001325"/>
+            <a:off x="5290199" y="2000726"/>
             <a:ext cx="1633586" cy="833736"/>
           </a:xfrm>
           <a:prstGeom prst="rect">
@@ -14618,9 +14618,9 @@
           <p:nvPr/>
         </p:nvCxnSpPr>
         <p:spPr>
-          <a:xfrm>
-            <a:off x="6106995" y="1653009"/>
-            <a:ext cx="0" cy="348316"/>
+          <a:xfrm flipH="1">
+            <a:off x="6106992" y="1653009"/>
+            <a:ext cx="3" cy="347717"/>
           </a:xfrm>
           <a:prstGeom prst="straightConnector1">
             <a:avLst/>
@@ -14658,7 +14658,7 @@
         </p:nvSpPr>
         <p:spPr>
           <a:xfrm>
-            <a:off x="9712626" y="2021603"/>
+            <a:off x="9712625" y="2022295"/>
             <a:ext cx="1605759" cy="809006"/>
           </a:xfrm>
           <a:prstGeom prst="rect">
@@ -15241,8 +15241,8 @@
         </p:nvCxnSpPr>
         <p:spPr>
           <a:xfrm flipH="1" flipV="1">
-            <a:off x="6106995" y="2835061"/>
-            <a:ext cx="1859" cy="934676"/>
+            <a:off x="6106992" y="2834462"/>
+            <a:ext cx="1862" cy="935275"/>
           </a:xfrm>
           <a:prstGeom prst="straightConnector1">
             <a:avLst/>
@@ -15290,8 +15290,8 @@
         </p:nvCxnSpPr>
         <p:spPr>
           <a:xfrm flipV="1">
-            <a:off x="6108854" y="2830609"/>
-            <a:ext cx="4406652" cy="939128"/>
+            <a:off x="6108854" y="2831301"/>
+            <a:ext cx="4406651" cy="938436"/>
           </a:xfrm>
           <a:prstGeom prst="straightConnector1">
             <a:avLst/>
@@ -15735,7 +15735,7 @@
           </p:nvSpPr>
           <p:spPr>
             <a:xfrm>
-              <a:off x="297948" y="4574167"/>
+              <a:off x="297948" y="4563743"/>
               <a:ext cx="1143269" cy="471686"/>
             </a:xfrm>
             <a:prstGeom prst="rect">
@@ -16041,8 +16041,8 @@
         </p:nvCxnSpPr>
         <p:spPr>
           <a:xfrm>
-            <a:off x="6923788" y="2418193"/>
-            <a:ext cx="690645" cy="12365"/>
+            <a:off x="6923785" y="2417594"/>
+            <a:ext cx="690648" cy="12964"/>
           </a:xfrm>
           <a:prstGeom prst="straightConnector1">
             <a:avLst/>
@@ -16090,8 +16090,8 @@
         </p:nvCxnSpPr>
         <p:spPr>
           <a:xfrm flipH="1">
-            <a:off x="3816747" y="2418193"/>
-            <a:ext cx="1473455" cy="35197"/>
+            <a:off x="3816747" y="2417594"/>
+            <a:ext cx="1473452" cy="35796"/>
           </a:xfrm>
           <a:prstGeom prst="straightConnector1">
             <a:avLst/>
@@ -16140,7 +16140,7 @@
         <p:spPr>
           <a:xfrm>
             <a:off x="6106995" y="1653009"/>
-            <a:ext cx="4408511" cy="368594"/>
+            <a:ext cx="4408510" cy="369286"/>
           </a:xfrm>
           <a:prstGeom prst="straightConnector1">
             <a:avLst/>
@@ -16182,8 +16182,8 @@
         </p:nvCxnSpPr>
         <p:spPr>
           <a:xfrm flipV="1">
-            <a:off x="8854976" y="2426106"/>
-            <a:ext cx="857650" cy="4452"/>
+            <a:off x="8854976" y="2426798"/>
+            <a:ext cx="857649" cy="3760"/>
           </a:xfrm>
           <a:prstGeom prst="straightConnector1">
             <a:avLst/>
@@ -16348,7 +16348,7 @@
         </p:nvSpPr>
         <p:spPr>
           <a:xfrm>
-            <a:off x="6561440" y="1935115"/>
+            <a:off x="6561440" y="1970627"/>
             <a:ext cx="1544012" cy="461665"/>
           </a:xfrm>
           <a:prstGeom prst="rect">
@@ -16433,7 +16433,7 @@
         </p:nvSpPr>
         <p:spPr>
           <a:xfrm>
-            <a:off x="4961871" y="2979560"/>
+            <a:off x="4961871" y="2881902"/>
             <a:ext cx="1628972" cy="830997"/>
           </a:xfrm>
           <a:prstGeom prst="rect">
@@ -16498,7 +16498,7 @@
         </p:nvSpPr>
         <p:spPr>
           <a:xfrm>
-            <a:off x="6902858" y="3146800"/>
+            <a:off x="6902858" y="3013634"/>
             <a:ext cx="2138727" cy="646331"/>
           </a:xfrm>
           <a:prstGeom prst="rect">
@@ -16554,7 +16554,7 @@
         </p:nvSpPr>
         <p:spPr>
           <a:xfrm>
-            <a:off x="2522112" y="1792982"/>
+            <a:off x="2522112" y="1801860"/>
             <a:ext cx="1459054" cy="276999"/>
           </a:xfrm>
           <a:prstGeom prst="rect">
@@ -16612,7 +16612,7 @@
           </p:nvSpPr>
           <p:spPr>
             <a:xfrm>
-              <a:off x="1394346" y="2045008"/>
+              <a:off x="1400249" y="2042971"/>
               <a:ext cx="1033686" cy="835200"/>
             </a:xfrm>
             <a:prstGeom prst="rect">
@@ -16680,8 +16680,8 @@
           </p:nvCxnSpPr>
           <p:spPr>
             <a:xfrm flipV="1">
-              <a:off x="2428032" y="2453390"/>
-              <a:ext cx="240897" cy="9218"/>
+              <a:off x="2433935" y="2453390"/>
+              <a:ext cx="234994" cy="7181"/>
             </a:xfrm>
             <a:prstGeom prst="straightConnector1">
               <a:avLst/>
